--- a/docs/HacknightPowerPoint.pptx
+++ b/docs/HacknightPowerPoint.pptx
@@ -110,7 +110,7 @@
   </p:defaultTextStyle>
   <p:extLst>
     <p:ext uri="{EFAFB233-063F-42B5-8137-9DF3F51BA10A}">
-      <p15:sldGuideLst xmlns:p15="http://schemas.microsoft.com/office/powerpoint/2012/main">
+      <p15:sldGuideLst xmlns:p15="http://schemas.microsoft.com/office/powerpoint/2012/main" xmlns="">
         <p15:guide id="1" orient="horz" pos="2160">
           <p15:clr>
             <a:srgbClr val="A4A3A4"/>
@@ -316,7 +316,7 @@
           <a:p>
             <a:fld id="{9CEFAD04-0E20-4919-AC81-0484DA486390}" type="datetimeFigureOut">
               <a:rPr lang="en-US" smtClean="0"/>
-              <a:t>11/24/2012</a:t>
+              <a:t>11/26/2012</a:t>
             </a:fld>
             <a:endParaRPr lang="en-US"/>
           </a:p>
@@ -493,7 +493,7 @@
           <a:p>
             <a:fld id="{9CEFAD04-0E20-4919-AC81-0484DA486390}" type="datetimeFigureOut">
               <a:rPr lang="en-US" smtClean="0"/>
-              <a:t>11/24/2012</a:t>
+              <a:t>11/26/2012</a:t>
             </a:fld>
             <a:endParaRPr lang="en-US"/>
           </a:p>
@@ -691,7 +691,7 @@
           <a:p>
             <a:fld id="{9CEFAD04-0E20-4919-AC81-0484DA486390}" type="datetimeFigureOut">
               <a:rPr lang="en-US" smtClean="0"/>
-              <a:t>11/24/2012</a:t>
+              <a:t>11/26/2012</a:t>
             </a:fld>
             <a:endParaRPr lang="en-US"/>
           </a:p>
@@ -845,7 +845,7 @@
           <a:p>
             <a:fld id="{9CEFAD04-0E20-4919-AC81-0484DA486390}" type="datetimeFigureOut">
               <a:rPr lang="en-US" smtClean="0"/>
-              <a:t>11/24/2012</a:t>
+              <a:t>11/26/2012</a:t>
             </a:fld>
             <a:endParaRPr lang="en-US"/>
           </a:p>
@@ -1120,7 +1120,7 @@
           <a:p>
             <a:fld id="{9CEFAD04-0E20-4919-AC81-0484DA486390}" type="datetimeFigureOut">
               <a:rPr lang="en-US" smtClean="0"/>
-              <a:t>11/24/2012</a:t>
+              <a:t>11/26/2012</a:t>
             </a:fld>
             <a:endParaRPr lang="en-US"/>
           </a:p>
@@ -1419,7 +1419,7 @@
           <a:p>
             <a:fld id="{9CEFAD04-0E20-4919-AC81-0484DA486390}" type="datetimeFigureOut">
               <a:rPr lang="en-US" smtClean="0"/>
-              <a:t>11/24/2012</a:t>
+              <a:t>11/26/2012</a:t>
             </a:fld>
             <a:endParaRPr lang="en-US"/>
           </a:p>
@@ -1861,7 +1861,7 @@
           <a:p>
             <a:fld id="{9CEFAD04-0E20-4919-AC81-0484DA486390}" type="datetimeFigureOut">
               <a:rPr lang="en-US" smtClean="0"/>
-              <a:t>11/24/2012</a:t>
+              <a:t>11/26/2012</a:t>
             </a:fld>
             <a:endParaRPr lang="en-US"/>
           </a:p>
@@ -1968,7 +1968,7 @@
           <a:p>
             <a:fld id="{9CEFAD04-0E20-4919-AC81-0484DA486390}" type="datetimeFigureOut">
               <a:rPr lang="en-US" smtClean="0"/>
-              <a:t>11/24/2012</a:t>
+              <a:t>11/26/2012</a:t>
             </a:fld>
             <a:endParaRPr lang="en-US"/>
           </a:p>
@@ -2088,7 +2088,7 @@
           <a:p>
             <a:fld id="{9CEFAD04-0E20-4919-AC81-0484DA486390}" type="datetimeFigureOut">
               <a:rPr lang="en-US" smtClean="0"/>
-              <a:t>11/24/2012</a:t>
+              <a:t>11/26/2012</a:t>
             </a:fld>
             <a:endParaRPr lang="en-US"/>
           </a:p>
@@ -2373,7 +2373,7 @@
           <a:p>
             <a:fld id="{9CEFAD04-0E20-4919-AC81-0484DA486390}" type="datetimeFigureOut">
               <a:rPr lang="en-US" smtClean="0"/>
-              <a:t>11/24/2012</a:t>
+              <a:t>11/26/2012</a:t>
             </a:fld>
             <a:endParaRPr lang="en-US"/>
           </a:p>
@@ -2644,7 +2644,7 @@
           <a:p>
             <a:fld id="{9CEFAD04-0E20-4919-AC81-0484DA486390}" type="datetimeFigureOut">
               <a:rPr lang="en-US" smtClean="0"/>
-              <a:t>11/24/2012</a:t>
+              <a:t>11/26/2012</a:t>
             </a:fld>
             <a:endParaRPr lang="en-US"/>
           </a:p>
@@ -2864,7 +2864,7 @@
           <a:p>
             <a:fld id="{9CEFAD04-0E20-4919-AC81-0484DA486390}" type="datetimeFigureOut">
               <a:rPr lang="en-US" smtClean="0"/>
-              <a:t>11/24/2012</a:t>
+              <a:t>11/26/2012</a:t>
             </a:fld>
             <a:endParaRPr lang="en-US"/>
           </a:p>
@@ -4874,7 +4874,7 @@
                     <a:bodyPr/>
                     <a:lstStyle/>
                     <a:p>
-                      <a:endParaRPr lang="en-US"/>
+                      <a:endParaRPr lang="en-US" dirty="0"/>
                     </a:p>
                   </a:txBody>
                   <a:tcPr/>
@@ -7464,169 +7464,66 @@
       </p:grpSp>
       <p:grpSp>
         <p:nvGrpSpPr>
-          <p:cNvPr id="2099" name="Group 2098"/>
+          <p:cNvPr id="2093" name="Group 2092"/>
           <p:cNvGrpSpPr/>
           <p:nvPr/>
         </p:nvGrpSpPr>
         <p:grpSpPr>
           <a:xfrm>
-            <a:off x="5250229" y="77163"/>
-            <a:ext cx="3801862" cy="3310905"/>
+            <a:off x="4794670" y="109193"/>
+            <a:ext cx="4251491" cy="3124200"/>
             <a:chOff x="5250229" y="77163"/>
-            <a:chExt cx="3801862" cy="3310905"/>
+            <a:chExt cx="3801862" cy="3124200"/>
           </a:xfrm>
         </p:grpSpPr>
-        <p:grpSp>
-          <p:nvGrpSpPr>
-            <p:cNvPr id="2093" name="Group 2092"/>
-            <p:cNvGrpSpPr/>
-            <p:nvPr/>
-          </p:nvGrpSpPr>
-          <p:grpSpPr>
-            <a:xfrm>
-              <a:off x="5250229" y="77163"/>
-              <a:ext cx="3801862" cy="3124200"/>
-              <a:chOff x="5250229" y="77163"/>
-              <a:chExt cx="3801862" cy="3124200"/>
-            </a:xfrm>
-          </p:grpSpPr>
-          <p:sp>
-            <p:nvSpPr>
-              <p:cNvPr id="19" name="Cloud Callout 18"/>
-              <p:cNvSpPr/>
-              <p:nvPr/>
-            </p:nvSpPr>
-            <p:spPr>
-              <a:xfrm>
-                <a:off x="5250229" y="77163"/>
-                <a:ext cx="3801862" cy="3124200"/>
-              </a:xfrm>
-              <a:prstGeom prst="cloudCallout">
-                <a:avLst>
-                  <a:gd name="adj1" fmla="val -72090"/>
-                  <a:gd name="adj2" fmla="val 54111"/>
-                </a:avLst>
-              </a:prstGeom>
-              <a:ln>
-                <a:solidFill>
-                  <a:schemeClr val="bg1"/>
-                </a:solidFill>
-              </a:ln>
-              <a:effectLst>
-                <a:glow rad="101600">
-                  <a:schemeClr val="accent3">
-                    <a:satMod val="175000"/>
-                    <a:alpha val="40000"/>
-                  </a:schemeClr>
-                </a:glow>
-                <a:outerShdw blurRad="50800" dist="25400" dir="5400000" rotWithShape="0">
-                  <a:srgbClr val="000000">
-                    <a:alpha val="55000"/>
-                  </a:srgbClr>
-                </a:outerShdw>
-              </a:effectLst>
-            </p:spPr>
-            <p:style>
-              <a:lnRef idx="1">
-                <a:schemeClr val="accent1"/>
-              </a:lnRef>
-              <a:fillRef idx="2">
-                <a:schemeClr val="accent1"/>
-              </a:fillRef>
-              <a:effectRef idx="1">
-                <a:schemeClr val="accent1"/>
-              </a:effectRef>
-              <a:fontRef idx="minor">
-                <a:schemeClr val="dk1"/>
-              </a:fontRef>
-            </p:style>
-            <p:txBody>
-              <a:bodyPr rtlCol="0" anchor="ctr"/>
-              <a:lstStyle/>
-              <a:p>
-                <a:pPr algn="ctr"/>
-                <a:endParaRPr lang="en-US"/>
-              </a:p>
-            </p:txBody>
-          </p:sp>
-          <p:sp>
-            <p:nvSpPr>
-              <p:cNvPr id="2048" name="TextBox 2047"/>
-              <p:cNvSpPr txBox="1"/>
-              <p:nvPr/>
-            </p:nvSpPr>
-            <p:spPr>
-              <a:xfrm>
-                <a:off x="5789024" y="457200"/>
-                <a:ext cx="3194958" cy="538609"/>
-              </a:xfrm>
-              <a:prstGeom prst="rect">
-                <a:avLst/>
-              </a:prstGeom>
-              <a:noFill/>
-            </p:spPr>
-            <p:txBody>
-              <a:bodyPr wrap="square" rtlCol="0">
-                <a:spAutoFit/>
-              </a:bodyPr>
-              <a:lstStyle/>
-              <a:p>
-                <a:pPr algn="ctr"/>
-                <a:r>
-                  <a:rPr lang="en-US" sz="2900" b="1" dirty="0" smtClean="0">
-                    <a:solidFill>
-                      <a:schemeClr val="bg1">
-                        <a:lumMod val="50000"/>
-                      </a:schemeClr>
-                    </a:solidFill>
-                    <a:latin typeface="Harrington" pitchFamily="82" charset="0"/>
-                  </a:rPr>
-                  <a:t>Talk to me!</a:t>
-                </a:r>
-                <a:endParaRPr lang="en-US" sz="2900" b="1" dirty="0">
-                  <a:solidFill>
-                    <a:schemeClr val="bg1">
-                      <a:lumMod val="50000"/>
-                    </a:schemeClr>
-                  </a:solidFill>
-                  <a:latin typeface="Harrington" pitchFamily="82" charset="0"/>
-                </a:endParaRPr>
-              </a:p>
-            </p:txBody>
-          </p:sp>
-        </p:grpSp>
         <p:sp>
           <p:nvSpPr>
-            <p:cNvPr id="2094" name="Down Arrow 2093"/>
+            <p:cNvPr id="19" name="Cloud Callout 18"/>
             <p:cNvSpPr/>
             <p:nvPr/>
           </p:nvSpPr>
           <p:spPr>
             <a:xfrm>
-              <a:off x="7640973" y="2389885"/>
-              <a:ext cx="391272" cy="998183"/>
+              <a:off x="5250229" y="77163"/>
+              <a:ext cx="3801862" cy="3124200"/>
             </a:xfrm>
-            <a:prstGeom prst="downArrow">
-              <a:avLst/>
+            <a:prstGeom prst="cloudCallout">
+              <a:avLst>
+                <a:gd name="adj1" fmla="val -43346"/>
+                <a:gd name="adj2" fmla="val 12808"/>
+              </a:avLst>
             </a:prstGeom>
             <a:ln>
               <a:solidFill>
                 <a:schemeClr val="bg1"/>
               </a:solidFill>
             </a:ln>
+            <a:effectLst>
+              <a:glow rad="101600">
+                <a:schemeClr val="accent3">
+                  <a:satMod val="175000"/>
+                  <a:alpha val="40000"/>
+                </a:schemeClr>
+              </a:glow>
+              <a:outerShdw blurRad="50800" dist="25400" dir="5400000" rotWithShape="0">
+                <a:srgbClr val="000000">
+                  <a:alpha val="55000"/>
+                </a:srgbClr>
+              </a:outerShdw>
+            </a:effectLst>
           </p:spPr>
           <p:style>
-            <a:lnRef idx="0">
-              <a:schemeClr val="accent5"/>
+            <a:lnRef idx="1">
+              <a:schemeClr val="accent1"/>
             </a:lnRef>
-            <a:fillRef idx="3">
-              <a:schemeClr val="accent5"/>
+            <a:fillRef idx="2">
+              <a:schemeClr val="accent1"/>
             </a:fillRef>
-            <a:effectRef idx="3">
-              <a:schemeClr val="accent5"/>
+            <a:effectRef idx="1">
+              <a:schemeClr val="accent1"/>
             </a:effectRef>
             <a:fontRef idx="minor">
-              <a:schemeClr val="lt1"/>
+              <a:schemeClr val="dk1"/>
             </a:fontRef>
           </p:style>
           <p:txBody>
@@ -7634,196 +7531,20 @@
             <a:lstStyle/>
             <a:p>
               <a:pPr algn="ctr"/>
-              <a:endParaRPr lang="en-US"/>
-            </a:p>
-          </p:txBody>
-        </p:sp>
-        <p:pic>
-          <p:nvPicPr>
-            <p:cNvPr id="2095" name="Picture 42" descr="http://static.freepik.com/free-photo/cartoon-brain-outline-clip-art_411969.jpg"/>
-            <p:cNvPicPr>
-              <a:picLocks noChangeAspect="1" noChangeArrowheads="1"/>
-            </p:cNvPicPr>
-            <p:nvPr/>
-          </p:nvPicPr>
-          <p:blipFill>
-            <a:blip r:embed="rId28" cstate="print">
-              <a:lum bright="70000" contrast="-70000"/>
-              <a:extLst>
-                <a:ext uri="{28A0092B-C50C-407E-A947-70E740481C1C}">
-                  <a14:useLocalDpi xmlns:a14="http://schemas.microsoft.com/office/drawing/2010/main" val="0"/>
-                </a:ext>
-              </a:extLst>
-            </a:blip>
-            <a:srcRect/>
-            <a:stretch>
-              <a:fillRect/>
-            </a:stretch>
-          </p:blipFill>
-          <p:spPr bwMode="auto">
-            <a:xfrm>
-              <a:off x="7217340" y="1077406"/>
-              <a:ext cx="1604588" cy="1312479"/>
-            </a:xfrm>
-            <a:prstGeom prst="rect">
-              <a:avLst/>
-            </a:prstGeom>
-            <a:noFill/>
-            <a:extLst>
-              <a:ext uri="{909E8E84-426E-40DD-AFC4-6F175D3DCCD1}">
-                <a14:hiddenFill xmlns:a14="http://schemas.microsoft.com/office/drawing/2010/main">
-                  <a:solidFill>
-                    <a:srgbClr val="FFFFFF"/>
-                  </a:solidFill>
-                </a14:hiddenFill>
-              </a:ext>
-            </a:extLst>
-          </p:spPr>
-        </p:pic>
-        <p:sp>
-          <p:nvSpPr>
-            <p:cNvPr id="2096" name="Rectangle 2095"/>
-            <p:cNvSpPr/>
-            <p:nvPr/>
-          </p:nvSpPr>
-          <p:spPr>
-            <a:xfrm>
-              <a:off x="7158954" y="1051057"/>
-              <a:ext cx="1671657" cy="1338828"/>
-            </a:xfrm>
-            <a:prstGeom prst="rect">
-              <a:avLst/>
-            </a:prstGeom>
-            <a:noFill/>
-          </p:spPr>
-          <p:txBody>
-            <a:bodyPr wrap="square" lIns="91440" tIns="45720" rIns="91440" bIns="45720">
-              <a:spAutoFit/>
-              <a:scene3d>
-                <a:camera prst="orthographicFront"/>
-                <a:lightRig rig="balanced" dir="t">
-                  <a:rot lat="0" lon="0" rev="2100000"/>
-                </a:lightRig>
-              </a:scene3d>
-              <a:sp3d extrusionH="57150" prstMaterial="metal">
-                <a:bevelT w="38100" h="25400" prst="slope"/>
-                <a:contourClr>
-                  <a:schemeClr val="bg2"/>
-                </a:contourClr>
-              </a:sp3d>
-            </a:bodyPr>
-            <a:lstStyle/>
-            <a:p>
-              <a:pPr algn="ctr"/>
-              <a:r>
-                <a:rPr lang="en-US" sz="2700" b="1" dirty="0" smtClean="0">
-                  <a:ln w="50800"/>
-                  <a:solidFill>
-                    <a:srgbClr val="0000E2"/>
-                  </a:solidFill>
-                </a:rPr>
-                <a:t>Master Control Panel</a:t>
-              </a:r>
-              <a:endParaRPr lang="en-US" sz="2700" b="1" dirty="0">
-                <a:ln w="50800"/>
-                <a:solidFill>
-                  <a:srgbClr val="0000E2"/>
-                </a:solidFill>
-              </a:endParaRPr>
+              <a:endParaRPr lang="en-US" dirty="0"/>
             </a:p>
           </p:txBody>
         </p:sp>
         <p:sp>
           <p:nvSpPr>
-            <p:cNvPr id="2097" name="Round Diagonal Corner Rectangle 2096"/>
-            <p:cNvSpPr/>
-            <p:nvPr/>
-          </p:nvSpPr>
-          <p:spPr>
-            <a:xfrm>
-              <a:off x="5576276" y="995809"/>
-              <a:ext cx="1211151" cy="1470276"/>
-            </a:xfrm>
-            <a:prstGeom prst="round2DiagRect">
-              <a:avLst/>
-            </a:prstGeom>
-          </p:spPr>
-          <p:style>
-            <a:lnRef idx="0">
-              <a:schemeClr val="accent6"/>
-            </a:lnRef>
-            <a:fillRef idx="3">
-              <a:schemeClr val="accent6"/>
-            </a:fillRef>
-            <a:effectRef idx="3">
-              <a:schemeClr val="accent6"/>
-            </a:effectRef>
-            <a:fontRef idx="minor">
-              <a:schemeClr val="lt1"/>
-            </a:fontRef>
-          </p:style>
-          <p:txBody>
-            <a:bodyPr rtlCol="0" anchor="ctr"/>
-            <a:lstStyle/>
-            <a:p>
-              <a:pPr algn="ctr"/>
-              <a:endParaRPr lang="en-US"/>
-            </a:p>
-          </p:txBody>
-        </p:sp>
-        <p:sp>
-          <p:nvSpPr>
-            <p:cNvPr id="138" name="Right Arrow 137"/>
-            <p:cNvSpPr/>
-            <p:nvPr/>
-          </p:nvSpPr>
-          <p:spPr>
-            <a:xfrm>
-              <a:off x="6736685" y="1498602"/>
-              <a:ext cx="599076" cy="376426"/>
-            </a:xfrm>
-            <a:prstGeom prst="rightArrow">
-              <a:avLst/>
-            </a:prstGeom>
-            <a:ln>
-              <a:solidFill>
-                <a:schemeClr val="bg1"/>
-              </a:solidFill>
-            </a:ln>
-          </p:spPr>
-          <p:style>
-            <a:lnRef idx="0">
-              <a:schemeClr val="accent5"/>
-            </a:lnRef>
-            <a:fillRef idx="3">
-              <a:schemeClr val="accent5"/>
-            </a:fillRef>
-            <a:effectRef idx="3">
-              <a:schemeClr val="accent5"/>
-            </a:effectRef>
-            <a:fontRef idx="minor">
-              <a:schemeClr val="lt1"/>
-            </a:fontRef>
-          </p:style>
-          <p:txBody>
-            <a:bodyPr rtlCol="0" anchor="ctr"/>
-            <a:lstStyle/>
-            <a:p>
-              <a:pPr algn="ctr"/>
-              <a:endParaRPr lang="en-US"/>
-            </a:p>
-          </p:txBody>
-        </p:sp>
-        <p:sp>
-          <p:nvSpPr>
-            <p:cNvPr id="2098" name="TextBox 2097"/>
+            <p:cNvPr id="2048" name="TextBox 2047"/>
             <p:cNvSpPr txBox="1"/>
             <p:nvPr/>
           </p:nvSpPr>
           <p:spPr>
             <a:xfrm>
-              <a:off x="5505025" y="1182975"/>
-              <a:ext cx="1357908" cy="646331"/>
+              <a:off x="5789024" y="457200"/>
+              <a:ext cx="3194958" cy="538609"/>
             </a:xfrm>
             <a:prstGeom prst="rect">
               <a:avLst/>
@@ -7838,18 +7559,571 @@
             <a:p>
               <a:pPr algn="ctr"/>
               <a:r>
-                <a:rPr lang="en-US" b="1" dirty="0" smtClean="0">
-                  <a:latin typeface="+mj-lt"/>
+                <a:rPr lang="en-US" sz="2900" b="1" dirty="0" smtClean="0">
+                  <a:solidFill>
+                    <a:schemeClr val="bg1">
+                      <a:lumMod val="50000"/>
+                    </a:schemeClr>
+                  </a:solidFill>
+                  <a:latin typeface="Harrington" pitchFamily="82" charset="0"/>
                 </a:rPr>
-                <a:t>Message Broker</a:t>
+                <a:t>Talk to me!</a:t>
               </a:r>
-              <a:endParaRPr lang="en-US" b="1" dirty="0">
-                <a:latin typeface="+mj-lt"/>
+              <a:endParaRPr lang="en-US" sz="2900" b="1" dirty="0">
+                <a:solidFill>
+                  <a:schemeClr val="bg1">
+                    <a:lumMod val="50000"/>
+                  </a:schemeClr>
+                </a:solidFill>
+                <a:latin typeface="Harrington" pitchFamily="82" charset="0"/>
               </a:endParaRPr>
             </a:p>
           </p:txBody>
         </p:sp>
       </p:grpSp>
+      <p:sp>
+        <p:nvSpPr>
+          <p:cNvPr id="2097" name="Round Diagonal Corner Rectangle 2096"/>
+          <p:cNvSpPr/>
+          <p:nvPr/>
+        </p:nvSpPr>
+        <p:spPr>
+          <a:xfrm>
+            <a:off x="5342049" y="995809"/>
+            <a:ext cx="1211151" cy="1470276"/>
+          </a:xfrm>
+          <a:prstGeom prst="round2DiagRect">
+            <a:avLst/>
+          </a:prstGeom>
+        </p:spPr>
+        <p:style>
+          <a:lnRef idx="0">
+            <a:schemeClr val="accent6"/>
+          </a:lnRef>
+          <a:fillRef idx="3">
+            <a:schemeClr val="accent6"/>
+          </a:fillRef>
+          <a:effectRef idx="3">
+            <a:schemeClr val="accent6"/>
+          </a:effectRef>
+          <a:fontRef idx="minor">
+            <a:schemeClr val="lt1"/>
+          </a:fontRef>
+        </p:style>
+        <p:txBody>
+          <a:bodyPr rtlCol="0" anchor="ctr"/>
+          <a:lstStyle/>
+          <a:p>
+            <a:pPr algn="ctr"/>
+            <a:endParaRPr lang="en-US"/>
+          </a:p>
+        </p:txBody>
+      </p:sp>
+      <p:pic>
+        <p:nvPicPr>
+          <p:cNvPr id="2095" name="Picture 42" descr="http://static.freepik.com/free-photo/cartoon-brain-outline-clip-art_411969.jpg"/>
+          <p:cNvPicPr>
+            <a:picLocks noChangeAspect="1" noChangeArrowheads="1"/>
+          </p:cNvPicPr>
+          <p:nvPr/>
+        </p:nvPicPr>
+        <p:blipFill>
+          <a:blip r:embed="rId28" cstate="print">
+            <a:lum bright="70000" contrast="-70000"/>
+            <a:extLst>
+              <a:ext uri="{28A0092B-C50C-407E-A947-70E740481C1C}">
+                <a14:useLocalDpi xmlns:a14="http://schemas.microsoft.com/office/drawing/2010/main" val="0"/>
+              </a:ext>
+            </a:extLst>
+          </a:blip>
+          <a:srcRect/>
+          <a:stretch>
+            <a:fillRect/>
+          </a:stretch>
+        </p:blipFill>
+        <p:spPr bwMode="auto">
+          <a:xfrm>
+            <a:off x="7010400" y="1077406"/>
+            <a:ext cx="1604588" cy="1312479"/>
+          </a:xfrm>
+          <a:prstGeom prst="rect">
+            <a:avLst/>
+          </a:prstGeom>
+          <a:noFill/>
+          <a:extLst>
+            <a:ext uri="{909E8E84-426E-40DD-AFC4-6F175D3DCCD1}">
+              <a14:hiddenFill xmlns:a14="http://schemas.microsoft.com/office/drawing/2010/main">
+                <a:solidFill>
+                  <a:srgbClr val="FFFFFF"/>
+                </a:solidFill>
+              </a14:hiddenFill>
+            </a:ext>
+          </a:extLst>
+        </p:spPr>
+      </p:pic>
+      <p:sp>
+        <p:nvSpPr>
+          <p:cNvPr id="2098" name="TextBox 2097"/>
+          <p:cNvSpPr txBox="1"/>
+          <p:nvPr/>
+        </p:nvSpPr>
+        <p:spPr>
+          <a:xfrm>
+            <a:off x="5257800" y="1182975"/>
+            <a:ext cx="1357908" cy="646331"/>
+          </a:xfrm>
+          <a:prstGeom prst="rect">
+            <a:avLst/>
+          </a:prstGeom>
+          <a:noFill/>
+        </p:spPr>
+        <p:txBody>
+          <a:bodyPr wrap="square" rtlCol="0">
+            <a:spAutoFit/>
+          </a:bodyPr>
+          <a:lstStyle/>
+          <a:p>
+            <a:pPr algn="ctr"/>
+            <a:r>
+              <a:rPr lang="en-US" b="1" dirty="0" smtClean="0">
+                <a:latin typeface="+mj-lt"/>
+              </a:rPr>
+              <a:t>Message Broker</a:t>
+            </a:r>
+            <a:endParaRPr lang="en-US" b="1" dirty="0">
+              <a:latin typeface="+mj-lt"/>
+            </a:endParaRPr>
+          </a:p>
+        </p:txBody>
+      </p:sp>
+      <p:sp>
+        <p:nvSpPr>
+          <p:cNvPr id="7" name="TextBox 6"/>
+          <p:cNvSpPr txBox="1"/>
+          <p:nvPr/>
+        </p:nvSpPr>
+        <p:spPr>
+          <a:xfrm>
+            <a:off x="6668759" y="2573454"/>
+            <a:ext cx="906530" cy="369332"/>
+          </a:xfrm>
+          <a:prstGeom prst="rect">
+            <a:avLst/>
+          </a:prstGeom>
+          <a:noFill/>
+        </p:spPr>
+        <p:txBody>
+          <a:bodyPr wrap="none" rtlCol="0">
+            <a:spAutoFit/>
+          </a:bodyPr>
+          <a:lstStyle/>
+          <a:p>
+            <a:r>
+              <a:rPr lang="en-US" dirty="0" smtClean="0">
+                <a:solidFill>
+                  <a:schemeClr val="bg2">
+                    <a:lumMod val="75000"/>
+                  </a:schemeClr>
+                </a:solidFill>
+                <a:latin typeface="+mj-lt"/>
+              </a:rPr>
+              <a:t>Azure</a:t>
+            </a:r>
+            <a:endParaRPr lang="en-US" dirty="0">
+              <a:solidFill>
+                <a:schemeClr val="bg2">
+                  <a:lumMod val="75000"/>
+                </a:schemeClr>
+              </a:solidFill>
+              <a:latin typeface="+mj-lt"/>
+            </a:endParaRPr>
+          </a:p>
+        </p:txBody>
+      </p:sp>
+      <p:sp>
+        <p:nvSpPr>
+          <p:cNvPr id="8" name="TextBox 7"/>
+          <p:cNvSpPr txBox="1"/>
+          <p:nvPr/>
+        </p:nvSpPr>
+        <p:spPr>
+          <a:xfrm>
+            <a:off x="5562600" y="2067174"/>
+            <a:ext cx="780085" cy="276999"/>
+          </a:xfrm>
+          <a:prstGeom prst="rect">
+            <a:avLst/>
+          </a:prstGeom>
+          <a:noFill/>
+        </p:spPr>
+        <p:txBody>
+          <a:bodyPr wrap="none" rtlCol="0">
+            <a:spAutoFit/>
+          </a:bodyPr>
+          <a:lstStyle/>
+          <a:p>
+            <a:r>
+              <a:rPr lang="en-US" sz="1200" dirty="0" smtClean="0">
+                <a:solidFill>
+                  <a:schemeClr val="bg1"/>
+                </a:solidFill>
+                <a:latin typeface="+mj-lt"/>
+              </a:rPr>
+              <a:t>Worker</a:t>
+            </a:r>
+            <a:endParaRPr lang="en-US" sz="1200" dirty="0">
+              <a:solidFill>
+                <a:schemeClr val="bg1"/>
+              </a:solidFill>
+              <a:latin typeface="+mj-lt"/>
+            </a:endParaRPr>
+          </a:p>
+        </p:txBody>
+      </p:sp>
+      <p:sp>
+        <p:nvSpPr>
+          <p:cNvPr id="2096" name="Rectangle 2095"/>
+          <p:cNvSpPr/>
+          <p:nvPr/>
+        </p:nvSpPr>
+        <p:spPr>
+          <a:xfrm>
+            <a:off x="6934200" y="1051057"/>
+            <a:ext cx="1671657" cy="646331"/>
+          </a:xfrm>
+          <a:prstGeom prst="rect">
+            <a:avLst/>
+          </a:prstGeom>
+          <a:noFill/>
+        </p:spPr>
+        <p:txBody>
+          <a:bodyPr wrap="square" lIns="91440" tIns="45720" rIns="91440" bIns="45720">
+            <a:spAutoFit/>
+            <a:scene3d>
+              <a:camera prst="orthographicFront"/>
+              <a:lightRig rig="balanced" dir="t">
+                <a:rot lat="0" lon="0" rev="2100000"/>
+              </a:lightRig>
+            </a:scene3d>
+            <a:sp3d extrusionH="57150" prstMaterial="metal">
+              <a:bevelT w="38100" h="25400" prst="slope"/>
+              <a:contourClr>
+                <a:schemeClr val="bg2"/>
+              </a:contourClr>
+            </a:sp3d>
+          </a:bodyPr>
+          <a:lstStyle/>
+          <a:p>
+            <a:pPr algn="ctr"/>
+            <a:r>
+              <a:rPr lang="en-US" b="1" dirty="0" smtClean="0">
+                <a:ln w="50800"/>
+                <a:solidFill>
+                  <a:srgbClr val="0000E2"/>
+                </a:solidFill>
+              </a:rPr>
+              <a:t>Master Control Panel</a:t>
+            </a:r>
+            <a:endParaRPr lang="en-US" b="1" dirty="0">
+              <a:ln w="50800"/>
+              <a:solidFill>
+                <a:srgbClr val="0000E2"/>
+              </a:solidFill>
+            </a:endParaRPr>
+          </a:p>
+        </p:txBody>
+      </p:sp>
+      <p:sp>
+        <p:nvSpPr>
+          <p:cNvPr id="85" name="TextBox 84"/>
+          <p:cNvSpPr txBox="1"/>
+          <p:nvPr/>
+        </p:nvSpPr>
+        <p:spPr>
+          <a:xfrm>
+            <a:off x="8032245" y="2067173"/>
+            <a:ext cx="538289" cy="276999"/>
+          </a:xfrm>
+          <a:prstGeom prst="rect">
+            <a:avLst/>
+          </a:prstGeom>
+          <a:noFill/>
+        </p:spPr>
+        <p:txBody>
+          <a:bodyPr wrap="none" rtlCol="0">
+            <a:spAutoFit/>
+          </a:bodyPr>
+          <a:lstStyle/>
+          <a:p>
+            <a:r>
+              <a:rPr lang="en-US" sz="1200" dirty="0" smtClean="0">
+                <a:solidFill>
+                  <a:schemeClr val="bg1"/>
+                </a:solidFill>
+                <a:latin typeface="+mj-lt"/>
+              </a:rPr>
+              <a:t>Web</a:t>
+            </a:r>
+            <a:endParaRPr lang="en-US" sz="1200" dirty="0">
+              <a:solidFill>
+                <a:schemeClr val="bg1"/>
+              </a:solidFill>
+              <a:latin typeface="+mj-lt"/>
+            </a:endParaRPr>
+          </a:p>
+        </p:txBody>
+      </p:sp>
+      <p:sp>
+        <p:nvSpPr>
+          <p:cNvPr id="86" name="Rectangle 85"/>
+          <p:cNvSpPr/>
+          <p:nvPr/>
+        </p:nvSpPr>
+        <p:spPr>
+          <a:xfrm>
+            <a:off x="5196264" y="6009445"/>
+            <a:ext cx="3448301" cy="369332"/>
+          </a:xfrm>
+          <a:prstGeom prst="rect">
+            <a:avLst/>
+          </a:prstGeom>
+          <a:noFill/>
+        </p:spPr>
+        <p:txBody>
+          <a:bodyPr wrap="square" lIns="91440" tIns="45720" rIns="91440" bIns="45720">
+            <a:spAutoFit/>
+            <a:scene3d>
+              <a:camera prst="orthographicFront"/>
+              <a:lightRig rig="balanced" dir="t">
+                <a:rot lat="0" lon="0" rev="2100000"/>
+              </a:lightRig>
+            </a:scene3d>
+            <a:sp3d extrusionH="57150" prstMaterial="metal">
+              <a:bevelT w="38100" h="25400" prst="slope"/>
+              <a:contourClr>
+                <a:schemeClr val="bg2"/>
+              </a:contourClr>
+            </a:sp3d>
+          </a:bodyPr>
+          <a:lstStyle/>
+          <a:p>
+            <a:pPr algn="ctr"/>
+            <a:r>
+              <a:rPr lang="en-US" b="1" dirty="0" smtClean="0">
+                <a:ln w="50800"/>
+                <a:solidFill>
+                  <a:srgbClr val="0000E2"/>
+                </a:solidFill>
+              </a:rPr>
+              <a:t>Master Control </a:t>
+            </a:r>
+            <a:r>
+              <a:rPr lang="en-US" b="1" dirty="0" smtClean="0">
+                <a:ln w="50800"/>
+                <a:solidFill>
+                  <a:srgbClr val="0000E2"/>
+                </a:solidFill>
+              </a:rPr>
+              <a:t>Panel Dashboard</a:t>
+            </a:r>
+            <a:endParaRPr lang="en-US" b="1" dirty="0">
+              <a:ln w="50800"/>
+              <a:solidFill>
+                <a:srgbClr val="0000E2"/>
+              </a:solidFill>
+            </a:endParaRPr>
+          </a:p>
+        </p:txBody>
+      </p:sp>
+      <p:sp>
+        <p:nvSpPr>
+          <p:cNvPr id="90" name="Left-Right Arrow 89"/>
+          <p:cNvSpPr/>
+          <p:nvPr/>
+        </p:nvSpPr>
+        <p:spPr>
+          <a:xfrm rot="19438549">
+            <a:off x="4029398" y="2615843"/>
+            <a:ext cx="1541742" cy="290281"/>
+          </a:xfrm>
+          <a:prstGeom prst="leftRightArrow">
+            <a:avLst/>
+          </a:prstGeom>
+          <a:gradFill flip="none" rotWithShape="1">
+            <a:gsLst>
+              <a:gs pos="0">
+                <a:srgbClr val="03D4A8"/>
+              </a:gs>
+              <a:gs pos="25000">
+                <a:srgbClr val="21D6E0"/>
+              </a:gs>
+              <a:gs pos="75000">
+                <a:srgbClr val="0087E6"/>
+              </a:gs>
+              <a:gs pos="100000">
+                <a:srgbClr val="005CBF"/>
+              </a:gs>
+            </a:gsLst>
+            <a:lin ang="5400000" scaled="1"/>
+            <a:tileRect/>
+          </a:gradFill>
+          <a:ln>
+            <a:solidFill>
+              <a:schemeClr val="accent1"/>
+            </a:solidFill>
+          </a:ln>
+        </p:spPr>
+        <p:style>
+          <a:lnRef idx="2">
+            <a:schemeClr val="accent1">
+              <a:shade val="50000"/>
+            </a:schemeClr>
+          </a:lnRef>
+          <a:fillRef idx="1">
+            <a:schemeClr val="accent1"/>
+          </a:fillRef>
+          <a:effectRef idx="0">
+            <a:schemeClr val="accent1"/>
+          </a:effectRef>
+          <a:fontRef idx="minor">
+            <a:schemeClr val="lt1"/>
+          </a:fontRef>
+        </p:style>
+        <p:txBody>
+          <a:bodyPr rtlCol="0" anchor="ctr"/>
+          <a:lstStyle/>
+          <a:p>
+            <a:pPr algn="ctr"/>
+            <a:endParaRPr lang="en-US"/>
+          </a:p>
+        </p:txBody>
+      </p:sp>
+      <p:sp>
+        <p:nvSpPr>
+          <p:cNvPr id="95" name="Left-Right Arrow 94"/>
+          <p:cNvSpPr/>
+          <p:nvPr/>
+        </p:nvSpPr>
+        <p:spPr>
+          <a:xfrm>
+            <a:off x="6491111" y="1776893"/>
+            <a:ext cx="630913" cy="290281"/>
+          </a:xfrm>
+          <a:prstGeom prst="leftRightArrow">
+            <a:avLst/>
+          </a:prstGeom>
+          <a:gradFill flip="none" rotWithShape="1">
+            <a:gsLst>
+              <a:gs pos="0">
+                <a:srgbClr val="03D4A8"/>
+              </a:gs>
+              <a:gs pos="25000">
+                <a:srgbClr val="21D6E0"/>
+              </a:gs>
+              <a:gs pos="75000">
+                <a:srgbClr val="0087E6"/>
+              </a:gs>
+              <a:gs pos="100000">
+                <a:srgbClr val="005CBF"/>
+              </a:gs>
+            </a:gsLst>
+            <a:lin ang="5400000" scaled="1"/>
+            <a:tileRect/>
+          </a:gradFill>
+          <a:ln>
+            <a:solidFill>
+              <a:schemeClr val="accent1"/>
+            </a:solidFill>
+          </a:ln>
+        </p:spPr>
+        <p:style>
+          <a:lnRef idx="2">
+            <a:schemeClr val="accent1">
+              <a:shade val="50000"/>
+            </a:schemeClr>
+          </a:lnRef>
+          <a:fillRef idx="1">
+            <a:schemeClr val="accent1"/>
+          </a:fillRef>
+          <a:effectRef idx="0">
+            <a:schemeClr val="accent1"/>
+          </a:effectRef>
+          <a:fontRef idx="minor">
+            <a:schemeClr val="lt1"/>
+          </a:fontRef>
+        </p:style>
+        <p:txBody>
+          <a:bodyPr rtlCol="0" anchor="ctr"/>
+          <a:lstStyle/>
+          <a:p>
+            <a:pPr algn="ctr"/>
+            <a:endParaRPr lang="en-US"/>
+          </a:p>
+        </p:txBody>
+      </p:sp>
+      <p:sp>
+        <p:nvSpPr>
+          <p:cNvPr id="96" name="Left-Right Arrow 95"/>
+          <p:cNvSpPr/>
+          <p:nvPr/>
+        </p:nvSpPr>
+        <p:spPr>
+          <a:xfrm rot="5400000">
+            <a:off x="7351831" y="2654017"/>
+            <a:ext cx="1186970" cy="290281"/>
+          </a:xfrm>
+          <a:prstGeom prst="leftRightArrow">
+            <a:avLst/>
+          </a:prstGeom>
+          <a:gradFill flip="none" rotWithShape="1">
+            <a:gsLst>
+              <a:gs pos="0">
+                <a:srgbClr val="03D4A8"/>
+              </a:gs>
+              <a:gs pos="25000">
+                <a:srgbClr val="21D6E0"/>
+              </a:gs>
+              <a:gs pos="75000">
+                <a:srgbClr val="0087E6"/>
+              </a:gs>
+              <a:gs pos="100000">
+                <a:srgbClr val="005CBF"/>
+              </a:gs>
+            </a:gsLst>
+            <a:lin ang="5400000" scaled="1"/>
+            <a:tileRect/>
+          </a:gradFill>
+          <a:ln>
+            <a:solidFill>
+              <a:schemeClr val="accent1"/>
+            </a:solidFill>
+          </a:ln>
+        </p:spPr>
+        <p:style>
+          <a:lnRef idx="2">
+            <a:schemeClr val="accent1">
+              <a:shade val="50000"/>
+            </a:schemeClr>
+          </a:lnRef>
+          <a:fillRef idx="1">
+            <a:schemeClr val="accent1"/>
+          </a:fillRef>
+          <a:effectRef idx="0">
+            <a:schemeClr val="accent1"/>
+          </a:effectRef>
+          <a:fontRef idx="minor">
+            <a:schemeClr val="lt1"/>
+          </a:fontRef>
+        </p:style>
+        <p:txBody>
+          <a:bodyPr rtlCol="0" anchor="ctr"/>
+          <a:lstStyle/>
+          <a:p>
+            <a:pPr algn="ctr"/>
+            <a:endParaRPr lang="en-US"/>
+          </a:p>
+        </p:txBody>
+      </p:sp>
     </p:spTree>
     <p:extLst>
       <p:ext uri="{BB962C8B-B14F-4D97-AF65-F5344CB8AC3E}">

--- a/docs/HacknightPowerPoint.pptx
+++ b/docs/HacknightPowerPoint.pptx
@@ -10,13 +10,21 @@
     <p:sldId id="258" r:id="rId4"/>
     <p:sldId id="257" r:id="rId5"/>
     <p:sldId id="260" r:id="rId6"/>
-    <p:sldId id="261" r:id="rId7"/>
+    <p:sldId id="273" r:id="rId7"/>
     <p:sldId id="262" r:id="rId8"/>
-    <p:sldId id="263" r:id="rId9"/>
-    <p:sldId id="264" r:id="rId10"/>
-    <p:sldId id="265" r:id="rId11"/>
-    <p:sldId id="266" r:id="rId12"/>
-    <p:sldId id="267" r:id="rId13"/>
+    <p:sldId id="275" r:id="rId9"/>
+    <p:sldId id="263" r:id="rId10"/>
+    <p:sldId id="264" r:id="rId11"/>
+    <p:sldId id="265" r:id="rId12"/>
+    <p:sldId id="266" r:id="rId13"/>
+    <p:sldId id="267" r:id="rId14"/>
+    <p:sldId id="268" r:id="rId15"/>
+    <p:sldId id="272" r:id="rId16"/>
+    <p:sldId id="270" r:id="rId17"/>
+    <p:sldId id="271" r:id="rId18"/>
+    <p:sldId id="261" r:id="rId19"/>
+    <p:sldId id="274" r:id="rId20"/>
+    <p:sldId id="276" r:id="rId21"/>
   </p:sldIdLst>
   <p:sldSz cx="9144000" cy="6858000" type="screen4x3"/>
   <p:notesSz cx="6858000" cy="9144000"/>
@@ -117,7 +125,7 @@
   </p:defaultTextStyle>
   <p:extLst>
     <p:ext uri="{EFAFB233-063F-42B5-8137-9DF3F51BA10A}">
-      <p15:sldGuideLst xmlns="" xmlns:p15="http://schemas.microsoft.com/office/powerpoint/2012/main">
+      <p15:sldGuideLst xmlns:p15="http://schemas.microsoft.com/office/powerpoint/2012/main">
         <p15:guide id="1" orient="horz" pos="2160">
           <p15:clr>
             <a:srgbClr val="A4A3A4"/>
@@ -323,7 +331,7 @@
           <a:p>
             <a:fld id="{9CEFAD04-0E20-4919-AC81-0484DA486390}" type="datetimeFigureOut">
               <a:rPr lang="en-US" smtClean="0"/>
-              <a:t>11/26/2012</a:t>
+              <a:t>12/8/2012</a:t>
             </a:fld>
             <a:endParaRPr lang="en-US"/>
           </a:p>
@@ -500,7 +508,7 @@
           <a:p>
             <a:fld id="{9CEFAD04-0E20-4919-AC81-0484DA486390}" type="datetimeFigureOut">
               <a:rPr lang="en-US" smtClean="0"/>
-              <a:t>11/26/2012</a:t>
+              <a:t>12/8/2012</a:t>
             </a:fld>
             <a:endParaRPr lang="en-US"/>
           </a:p>
@@ -698,7 +706,7 @@
           <a:p>
             <a:fld id="{9CEFAD04-0E20-4919-AC81-0484DA486390}" type="datetimeFigureOut">
               <a:rPr lang="en-US" smtClean="0"/>
-              <a:t>11/26/2012</a:t>
+              <a:t>12/8/2012</a:t>
             </a:fld>
             <a:endParaRPr lang="en-US"/>
           </a:p>
@@ -852,7 +860,7 @@
           <a:p>
             <a:fld id="{9CEFAD04-0E20-4919-AC81-0484DA486390}" type="datetimeFigureOut">
               <a:rPr lang="en-US" smtClean="0"/>
-              <a:t>11/26/2012</a:t>
+              <a:t>12/8/2012</a:t>
             </a:fld>
             <a:endParaRPr lang="en-US"/>
           </a:p>
@@ -1127,7 +1135,7 @@
           <a:p>
             <a:fld id="{9CEFAD04-0E20-4919-AC81-0484DA486390}" type="datetimeFigureOut">
               <a:rPr lang="en-US" smtClean="0"/>
-              <a:t>11/26/2012</a:t>
+              <a:t>12/8/2012</a:t>
             </a:fld>
             <a:endParaRPr lang="en-US"/>
           </a:p>
@@ -1426,7 +1434,7 @@
           <a:p>
             <a:fld id="{9CEFAD04-0E20-4919-AC81-0484DA486390}" type="datetimeFigureOut">
               <a:rPr lang="en-US" smtClean="0"/>
-              <a:t>11/26/2012</a:t>
+              <a:t>12/8/2012</a:t>
             </a:fld>
             <a:endParaRPr lang="en-US"/>
           </a:p>
@@ -1868,7 +1876,7 @@
           <a:p>
             <a:fld id="{9CEFAD04-0E20-4919-AC81-0484DA486390}" type="datetimeFigureOut">
               <a:rPr lang="en-US" smtClean="0"/>
-              <a:t>11/26/2012</a:t>
+              <a:t>12/8/2012</a:t>
             </a:fld>
             <a:endParaRPr lang="en-US"/>
           </a:p>
@@ -1975,7 +1983,7 @@
           <a:p>
             <a:fld id="{9CEFAD04-0E20-4919-AC81-0484DA486390}" type="datetimeFigureOut">
               <a:rPr lang="en-US" smtClean="0"/>
-              <a:t>11/26/2012</a:t>
+              <a:t>12/8/2012</a:t>
             </a:fld>
             <a:endParaRPr lang="en-US"/>
           </a:p>
@@ -2095,7 +2103,7 @@
           <a:p>
             <a:fld id="{9CEFAD04-0E20-4919-AC81-0484DA486390}" type="datetimeFigureOut">
               <a:rPr lang="en-US" smtClean="0"/>
-              <a:t>11/26/2012</a:t>
+              <a:t>12/8/2012</a:t>
             </a:fld>
             <a:endParaRPr lang="en-US"/>
           </a:p>
@@ -2380,7 +2388,7 @@
           <a:p>
             <a:fld id="{9CEFAD04-0E20-4919-AC81-0484DA486390}" type="datetimeFigureOut">
               <a:rPr lang="en-US" smtClean="0"/>
-              <a:t>11/26/2012</a:t>
+              <a:t>12/8/2012</a:t>
             </a:fld>
             <a:endParaRPr lang="en-US"/>
           </a:p>
@@ -2651,7 +2659,7 @@
           <a:p>
             <a:fld id="{9CEFAD04-0E20-4919-AC81-0484DA486390}" type="datetimeFigureOut">
               <a:rPr lang="en-US" smtClean="0"/>
-              <a:t>11/26/2012</a:t>
+              <a:t>12/8/2012</a:t>
             </a:fld>
             <a:endParaRPr lang="en-US"/>
           </a:p>
@@ -2871,7 +2879,7 @@
           <a:p>
             <a:fld id="{9CEFAD04-0E20-4919-AC81-0484DA486390}" type="datetimeFigureOut">
               <a:rPr lang="en-US" smtClean="0"/>
-              <a:t>11/26/2012</a:t>
+              <a:t>12/8/2012</a:t>
             </a:fld>
             <a:endParaRPr lang="en-US"/>
           </a:p>
@@ -4339,14 +4347,14 @@
       </p:sp>
       <p:cxnSp>
         <p:nvCxnSpPr>
-          <p:cNvPr id="27" name="Straight Arrow Connector 26"/>
+          <p:cNvPr id="29" name="Straight Arrow Connector 28"/>
           <p:cNvCxnSpPr/>
           <p:nvPr/>
         </p:nvCxnSpPr>
         <p:spPr>
-          <a:xfrm>
-            <a:off x="1995822" y="1885438"/>
-            <a:ext cx="1585578" cy="1054096"/>
+          <a:xfrm flipV="1">
+            <a:off x="1995822" y="3308866"/>
+            <a:ext cx="1585578" cy="484908"/>
           </a:xfrm>
           <a:prstGeom prst="straightConnector1">
             <a:avLst/>
@@ -4375,14 +4383,14 @@
       </p:cxnSp>
       <p:sp>
         <p:nvSpPr>
-          <p:cNvPr id="28" name="TextBox 27"/>
+          <p:cNvPr id="30" name="TextBox 29"/>
           <p:cNvSpPr txBox="1"/>
           <p:nvPr/>
         </p:nvSpPr>
         <p:spPr>
-          <a:xfrm rot="2052115">
-            <a:off x="2225368" y="2110035"/>
-            <a:ext cx="1204176" cy="307777"/>
+          <a:xfrm rot="20583076">
+            <a:off x="1941061" y="3235598"/>
+            <a:ext cx="1645002" cy="307777"/>
           </a:xfrm>
           <a:prstGeom prst="rect">
             <a:avLst/>
@@ -4401,7 +4409,7 @@
                   <a:schemeClr val="tx2"/>
                 </a:solidFill>
               </a:rPr>
-              <a:t>Ring Doorbell</a:t>
+              <a:t>Subscribe Doorbell</a:t>
             </a:r>
             <a:endParaRPr lang="en-US" sz="1400" b="1" i="1" dirty="0">
               <a:solidFill>
@@ -4411,10 +4419,155 @@
           </a:p>
         </p:txBody>
       </p:sp>
+      <p:cxnSp>
+        <p:nvCxnSpPr>
+          <p:cNvPr id="31" name="Straight Arrow Connector 30"/>
+          <p:cNvCxnSpPr/>
+          <p:nvPr/>
+        </p:nvCxnSpPr>
+        <p:spPr>
+          <a:xfrm flipH="1">
+            <a:off x="4876799" y="3551320"/>
+            <a:ext cx="575795" cy="0"/>
+          </a:xfrm>
+          <a:prstGeom prst="straightConnector1">
+            <a:avLst/>
+          </a:prstGeom>
+          <a:ln w="25400">
+            <a:solidFill>
+              <a:srgbClr val="FF0000"/>
+            </a:solidFill>
+            <a:tailEnd type="arrow"/>
+          </a:ln>
+        </p:spPr>
+        <p:style>
+          <a:lnRef idx="1">
+            <a:schemeClr val="accent1"/>
+          </a:lnRef>
+          <a:fillRef idx="0">
+            <a:schemeClr val="accent1"/>
+          </a:fillRef>
+          <a:effectRef idx="0">
+            <a:schemeClr val="accent1"/>
+          </a:effectRef>
+          <a:fontRef idx="minor">
+            <a:schemeClr val="tx1"/>
+          </a:fontRef>
+        </p:style>
+      </p:cxnSp>
+      <p:sp>
+        <p:nvSpPr>
+          <p:cNvPr id="34" name="TextBox 33"/>
+          <p:cNvSpPr txBox="1"/>
+          <p:nvPr/>
+        </p:nvSpPr>
+        <p:spPr>
+          <a:xfrm>
+            <a:off x="4419600" y="3794129"/>
+            <a:ext cx="1645002" cy="307777"/>
+          </a:xfrm>
+          <a:prstGeom prst="rect">
+            <a:avLst/>
+          </a:prstGeom>
+          <a:noFill/>
+        </p:spPr>
+        <p:txBody>
+          <a:bodyPr wrap="none" rtlCol="0">
+            <a:spAutoFit/>
+          </a:bodyPr>
+          <a:lstStyle/>
+          <a:p>
+            <a:r>
+              <a:rPr lang="en-US" sz="1400" b="1" i="1" dirty="0" smtClean="0">
+                <a:solidFill>
+                  <a:schemeClr val="tx2"/>
+                </a:solidFill>
+              </a:rPr>
+              <a:t>Subscribe Doorbell</a:t>
+            </a:r>
+            <a:endParaRPr lang="en-US" sz="1400" b="1" i="1" dirty="0">
+              <a:solidFill>
+                <a:schemeClr val="tx2"/>
+              </a:solidFill>
+            </a:endParaRPr>
+          </a:p>
+        </p:txBody>
+      </p:sp>
+      <p:sp>
+        <p:nvSpPr>
+          <p:cNvPr id="32" name="Rectangle 31"/>
+          <p:cNvSpPr/>
+          <p:nvPr/>
+        </p:nvSpPr>
+        <p:spPr>
+          <a:xfrm>
+            <a:off x="5353172" y="4229100"/>
+            <a:ext cx="1581027" cy="838200"/>
+          </a:xfrm>
+          <a:prstGeom prst="rect">
+            <a:avLst/>
+          </a:prstGeom>
+        </p:spPr>
+        <p:style>
+          <a:lnRef idx="2">
+            <a:schemeClr val="accent1">
+              <a:shade val="50000"/>
+            </a:schemeClr>
+          </a:lnRef>
+          <a:fillRef idx="1">
+            <a:schemeClr val="accent1"/>
+          </a:fillRef>
+          <a:effectRef idx="0">
+            <a:schemeClr val="accent1"/>
+          </a:effectRef>
+          <a:fontRef idx="minor">
+            <a:schemeClr val="lt1"/>
+          </a:fontRef>
+        </p:style>
+        <p:txBody>
+          <a:bodyPr rtlCol="0" anchor="ctr"/>
+          <a:lstStyle/>
+          <a:p>
+            <a:pPr algn="ctr"/>
+            <a:endParaRPr lang="en-US"/>
+          </a:p>
+        </p:txBody>
+      </p:sp>
+      <p:sp>
+        <p:nvSpPr>
+          <p:cNvPr id="33" name="TextBox 32"/>
+          <p:cNvSpPr txBox="1"/>
+          <p:nvPr/>
+        </p:nvSpPr>
+        <p:spPr>
+          <a:xfrm>
+            <a:off x="5360293" y="4309972"/>
+            <a:ext cx="1573907" cy="646331"/>
+          </a:xfrm>
+          <a:prstGeom prst="rect">
+            <a:avLst/>
+          </a:prstGeom>
+          <a:noFill/>
+        </p:spPr>
+        <p:txBody>
+          <a:bodyPr wrap="square" rtlCol="0">
+            <a:spAutoFit/>
+          </a:bodyPr>
+          <a:lstStyle/>
+          <a:p>
+            <a:pPr algn="ctr"/>
+            <a:r>
+              <a:rPr lang="en-US" dirty="0" smtClean="0"/>
+              <a:t>Master Control Panel</a:t>
+            </a:r>
+            <a:endParaRPr lang="en-US" dirty="0"/>
+          </a:p>
+        </p:txBody>
+      </p:sp>
     </p:spTree>
     <p:extLst>
       <p:ext uri="{BB962C8B-B14F-4D97-AF65-F5344CB8AC3E}">
-        <p14:creationId xmlns:p14="http://schemas.microsoft.com/office/powerpoint/2010/main" val="1172037201"/>
+        <p14:creationId xmlns:p14="http://schemas.microsoft.com/office/powerpoint/2010/main" val="1732396710"/>
       </p:ext>
     </p:extLst>
   </p:cSld>
@@ -5328,9 +5481,9 @@
           <p:nvPr/>
         </p:nvCxnSpPr>
         <p:spPr>
-          <a:xfrm flipH="1">
-            <a:off x="1905000" y="3266630"/>
-            <a:ext cx="1652922" cy="467170"/>
+          <a:xfrm>
+            <a:off x="1995822" y="1885438"/>
+            <a:ext cx="1585578" cy="1054096"/>
           </a:xfrm>
           <a:prstGeom prst="straightConnector1">
             <a:avLst/>
@@ -5364,8 +5517,8 @@
           <p:nvPr/>
         </p:nvSpPr>
         <p:spPr>
-          <a:xfrm rot="20666019">
-            <a:off x="2129373" y="3144788"/>
+          <a:xfrm rot="2052115">
+            <a:off x="2225368" y="2110035"/>
             <a:ext cx="1204176" cy="307777"/>
           </a:xfrm>
           <a:prstGeom prst="rect">
@@ -5395,48 +5548,81 @@
           </a:p>
         </p:txBody>
       </p:sp>
-      <p:cxnSp>
-        <p:nvCxnSpPr>
-          <p:cNvPr id="30" name="Straight Arrow Connector 29"/>
-          <p:cNvCxnSpPr>
-            <a:endCxn id="25" idx="1"/>
-          </p:cNvCxnSpPr>
-          <p:nvPr/>
-        </p:nvCxnSpPr>
-        <p:spPr>
-          <a:xfrm>
-            <a:off x="4876801" y="3099987"/>
-            <a:ext cx="609599" cy="14024"/>
-          </a:xfrm>
-          <a:prstGeom prst="straightConnector1">
-            <a:avLst/>
-          </a:prstGeom>
-          <a:ln w="25400">
-            <a:solidFill>
-              <a:srgbClr val="FF0000"/>
-            </a:solidFill>
-            <a:tailEnd type="arrow"/>
-          </a:ln>
+      <p:sp>
+        <p:nvSpPr>
+          <p:cNvPr id="29" name="Rectangle 28"/>
+          <p:cNvSpPr/>
+          <p:nvPr/>
+        </p:nvSpPr>
+        <p:spPr>
+          <a:xfrm>
+            <a:off x="5353172" y="4229100"/>
+            <a:ext cx="1581027" cy="838200"/>
+          </a:xfrm>
+          <a:prstGeom prst="rect">
+            <a:avLst/>
+          </a:prstGeom>
         </p:spPr>
         <p:style>
-          <a:lnRef idx="1">
-            <a:schemeClr val="accent1"/>
+          <a:lnRef idx="2">
+            <a:schemeClr val="accent1">
+              <a:shade val="50000"/>
+            </a:schemeClr>
           </a:lnRef>
-          <a:fillRef idx="0">
+          <a:fillRef idx="1">
             <a:schemeClr val="accent1"/>
           </a:fillRef>
           <a:effectRef idx="0">
             <a:schemeClr val="accent1"/>
           </a:effectRef>
           <a:fontRef idx="minor">
-            <a:schemeClr val="tx1"/>
+            <a:schemeClr val="lt1"/>
           </a:fontRef>
         </p:style>
-      </p:cxnSp>
+        <p:txBody>
+          <a:bodyPr rtlCol="0" anchor="ctr"/>
+          <a:lstStyle/>
+          <a:p>
+            <a:pPr algn="ctr"/>
+            <a:endParaRPr lang="en-US"/>
+          </a:p>
+        </p:txBody>
+      </p:sp>
+      <p:sp>
+        <p:nvSpPr>
+          <p:cNvPr id="30" name="TextBox 29"/>
+          <p:cNvSpPr txBox="1"/>
+          <p:nvPr/>
+        </p:nvSpPr>
+        <p:spPr>
+          <a:xfrm>
+            <a:off x="5360293" y="4309972"/>
+            <a:ext cx="1573907" cy="646331"/>
+          </a:xfrm>
+          <a:prstGeom prst="rect">
+            <a:avLst/>
+          </a:prstGeom>
+          <a:noFill/>
+        </p:spPr>
+        <p:txBody>
+          <a:bodyPr wrap="square" rtlCol="0">
+            <a:spAutoFit/>
+          </a:bodyPr>
+          <a:lstStyle/>
+          <a:p>
+            <a:pPr algn="ctr"/>
+            <a:r>
+              <a:rPr lang="en-US" dirty="0" smtClean="0"/>
+              <a:t>Master Control Panel</a:t>
+            </a:r>
+            <a:endParaRPr lang="en-US" dirty="0"/>
+          </a:p>
+        </p:txBody>
+      </p:sp>
     </p:spTree>
     <p:extLst>
       <p:ext uri="{BB962C8B-B14F-4D97-AF65-F5344CB8AC3E}">
-        <p14:creationId xmlns:p14="http://schemas.microsoft.com/office/powerpoint/2010/main" val="747836900"/>
+        <p14:creationId xmlns:p14="http://schemas.microsoft.com/office/powerpoint/2010/main" val="1172037201"/>
       </p:ext>
     </p:extLst>
   </p:cSld>
@@ -6419,13 +6605,15 @@
       </p:sp>
       <p:cxnSp>
         <p:nvCxnSpPr>
-          <p:cNvPr id="29" name="Straight Arrow Connector 28"/>
-          <p:cNvCxnSpPr/>
+          <p:cNvPr id="30" name="Straight Arrow Connector 29"/>
+          <p:cNvCxnSpPr>
+            <a:endCxn id="25" idx="1"/>
+          </p:cNvCxnSpPr>
           <p:nvPr/>
         </p:nvCxnSpPr>
         <p:spPr>
           <a:xfrm>
-            <a:off x="6788921" y="3085963"/>
+            <a:off x="4876801" y="3099987"/>
             <a:ext cx="609599" cy="14024"/>
           </a:xfrm>
           <a:prstGeom prst="straightConnector1">
@@ -6453,10 +6641,2278 @@
           </a:fontRef>
         </p:style>
       </p:cxnSp>
+      <p:sp>
+        <p:nvSpPr>
+          <p:cNvPr id="29" name="Rectangle 28"/>
+          <p:cNvSpPr/>
+          <p:nvPr/>
+        </p:nvSpPr>
+        <p:spPr>
+          <a:xfrm>
+            <a:off x="5353172" y="4229100"/>
+            <a:ext cx="1581027" cy="838200"/>
+          </a:xfrm>
+          <a:prstGeom prst="rect">
+            <a:avLst/>
+          </a:prstGeom>
+        </p:spPr>
+        <p:style>
+          <a:lnRef idx="2">
+            <a:schemeClr val="accent1">
+              <a:shade val="50000"/>
+            </a:schemeClr>
+          </a:lnRef>
+          <a:fillRef idx="1">
+            <a:schemeClr val="accent1"/>
+          </a:fillRef>
+          <a:effectRef idx="0">
+            <a:schemeClr val="accent1"/>
+          </a:effectRef>
+          <a:fontRef idx="minor">
+            <a:schemeClr val="lt1"/>
+          </a:fontRef>
+        </p:style>
+        <p:txBody>
+          <a:bodyPr rtlCol="0" anchor="ctr"/>
+          <a:lstStyle/>
+          <a:p>
+            <a:pPr algn="ctr"/>
+            <a:endParaRPr lang="en-US"/>
+          </a:p>
+        </p:txBody>
+      </p:sp>
+      <p:sp>
+        <p:nvSpPr>
+          <p:cNvPr id="31" name="TextBox 30"/>
+          <p:cNvSpPr txBox="1"/>
+          <p:nvPr/>
+        </p:nvSpPr>
+        <p:spPr>
+          <a:xfrm>
+            <a:off x="5360293" y="4309972"/>
+            <a:ext cx="1573907" cy="646331"/>
+          </a:xfrm>
+          <a:prstGeom prst="rect">
+            <a:avLst/>
+          </a:prstGeom>
+          <a:noFill/>
+        </p:spPr>
+        <p:txBody>
+          <a:bodyPr wrap="square" rtlCol="0">
+            <a:spAutoFit/>
+          </a:bodyPr>
+          <a:lstStyle/>
+          <a:p>
+            <a:pPr algn="ctr"/>
+            <a:r>
+              <a:rPr lang="en-US" dirty="0" smtClean="0"/>
+              <a:t>Master Control Panel</a:t>
+            </a:r>
+            <a:endParaRPr lang="en-US" dirty="0"/>
+          </a:p>
+        </p:txBody>
+      </p:sp>
+    </p:spTree>
+    <p:extLst>
+      <p:ext uri="{BB962C8B-B14F-4D97-AF65-F5344CB8AC3E}">
+        <p14:creationId xmlns:p14="http://schemas.microsoft.com/office/powerpoint/2010/main" val="747836900"/>
+      </p:ext>
+    </p:extLst>
+  </p:cSld>
+  <p:clrMapOvr>
+    <a:masterClrMapping/>
+  </p:clrMapOvr>
+</p:sld>
+</file>
+
+<file path=ppt/slides/slide13.xml><?xml version="1.0" encoding="utf-8"?>
+<p:sld xmlns:a="http://schemas.openxmlformats.org/drawingml/2006/main" xmlns:r="http://schemas.openxmlformats.org/officeDocument/2006/relationships" xmlns:p="http://schemas.openxmlformats.org/presentationml/2006/main">
+  <p:cSld>
+    <p:spTree>
+      <p:nvGrpSpPr>
+        <p:cNvPr id="1" name=""/>
+        <p:cNvGrpSpPr/>
+        <p:nvPr/>
+      </p:nvGrpSpPr>
+      <p:grpSpPr>
+        <a:xfrm>
+          <a:off x="0" y="0"/>
+          <a:ext cx="0" cy="0"/>
+          <a:chOff x="0" y="0"/>
+          <a:chExt cx="0" cy="0"/>
+        </a:xfrm>
+      </p:grpSpPr>
+      <p:sp>
+        <p:nvSpPr>
+          <p:cNvPr id="4" name="Title 2"/>
+          <p:cNvSpPr txBox="1">
+            <a:spLocks/>
+          </p:cNvSpPr>
+          <p:nvPr/>
+        </p:nvSpPr>
+        <p:spPr>
+          <a:xfrm>
+            <a:off x="76200" y="228600"/>
+            <a:ext cx="8991600" cy="457200"/>
+          </a:xfrm>
+          <a:prstGeom prst="rect">
+            <a:avLst/>
+          </a:prstGeom>
+        </p:spPr>
+        <p:txBody>
+          <a:bodyPr vert="horz" lIns="91440" tIns="45720" rIns="91440" bIns="45720" rtlCol="0" anchor="t">
+            <a:normAutofit/>
+          </a:bodyPr>
+          <a:lstStyle>
+            <a:lvl1pPr algn="l" defTabSz="914400" rtl="0" eaLnBrk="1" latinLnBrk="0" hangingPunct="1">
+              <a:spcBef>
+                <a:spcPct val="0"/>
+              </a:spcBef>
+              <a:buNone/>
+              <a:defRPr sz="1800" kern="1200" cap="all" baseline="0">
+                <a:solidFill>
+                  <a:schemeClr val="tx1"/>
+                </a:solidFill>
+                <a:latin typeface="+mj-lt"/>
+                <a:ea typeface="+mj-ea"/>
+                <a:cs typeface="+mj-cs"/>
+              </a:defRPr>
+            </a:lvl1pPr>
+            <a:lvl2pPr eaLnBrk="1" hangingPunct="1">
+              <a:defRPr>
+                <a:solidFill>
+                  <a:schemeClr val="tx2"/>
+                </a:solidFill>
+              </a:defRPr>
+            </a:lvl2pPr>
+            <a:lvl3pPr eaLnBrk="1" hangingPunct="1">
+              <a:defRPr>
+                <a:solidFill>
+                  <a:schemeClr val="tx2"/>
+                </a:solidFill>
+              </a:defRPr>
+            </a:lvl3pPr>
+            <a:lvl4pPr eaLnBrk="1" hangingPunct="1">
+              <a:defRPr>
+                <a:solidFill>
+                  <a:schemeClr val="tx2"/>
+                </a:solidFill>
+              </a:defRPr>
+            </a:lvl4pPr>
+            <a:lvl5pPr eaLnBrk="1" hangingPunct="1">
+              <a:defRPr>
+                <a:solidFill>
+                  <a:schemeClr val="tx2"/>
+                </a:solidFill>
+              </a:defRPr>
+            </a:lvl5pPr>
+            <a:lvl6pPr eaLnBrk="1" hangingPunct="1">
+              <a:defRPr>
+                <a:solidFill>
+                  <a:schemeClr val="tx2"/>
+                </a:solidFill>
+              </a:defRPr>
+            </a:lvl6pPr>
+            <a:lvl7pPr eaLnBrk="1" hangingPunct="1">
+              <a:defRPr>
+                <a:solidFill>
+                  <a:schemeClr val="tx2"/>
+                </a:solidFill>
+              </a:defRPr>
+            </a:lvl7pPr>
+            <a:lvl8pPr eaLnBrk="1" hangingPunct="1">
+              <a:defRPr>
+                <a:solidFill>
+                  <a:schemeClr val="tx2"/>
+                </a:solidFill>
+              </a:defRPr>
+            </a:lvl8pPr>
+            <a:lvl9pPr eaLnBrk="1" hangingPunct="1">
+              <a:defRPr>
+                <a:solidFill>
+                  <a:schemeClr val="tx2"/>
+                </a:solidFill>
+              </a:defRPr>
+            </a:lvl9pPr>
+          </a:lstStyle>
+          <a:p>
+            <a:pPr algn="ctr"/>
+            <a:r>
+              <a:rPr lang="en-US" dirty="0" smtClean="0"/>
+              <a:t>Messages</a:t>
+            </a:r>
+            <a:endParaRPr lang="en-US" dirty="0"/>
+          </a:p>
+        </p:txBody>
+      </p:sp>
+      <p:sp>
+        <p:nvSpPr>
+          <p:cNvPr id="5" name="Rectangle 4"/>
+          <p:cNvSpPr/>
+          <p:nvPr/>
+        </p:nvSpPr>
+        <p:spPr>
+          <a:xfrm>
+            <a:off x="457200" y="1524000"/>
+            <a:ext cx="2362200" cy="1219200"/>
+          </a:xfrm>
+          <a:prstGeom prst="rect">
+            <a:avLst/>
+          </a:prstGeom>
+        </p:spPr>
+        <p:style>
+          <a:lnRef idx="2">
+            <a:schemeClr val="accent1">
+              <a:shade val="50000"/>
+            </a:schemeClr>
+          </a:lnRef>
+          <a:fillRef idx="1">
+            <a:schemeClr val="accent1"/>
+          </a:fillRef>
+          <a:effectRef idx="0">
+            <a:schemeClr val="accent1"/>
+          </a:effectRef>
+          <a:fontRef idx="minor">
+            <a:schemeClr val="lt1"/>
+          </a:fontRef>
+        </p:style>
+        <p:txBody>
+          <a:bodyPr rtlCol="0" anchor="ctr"/>
+          <a:lstStyle/>
+          <a:p>
+            <a:pPr algn="ctr"/>
+            <a:endParaRPr lang="en-US"/>
+          </a:p>
+        </p:txBody>
+      </p:sp>
+      <p:sp>
+        <p:nvSpPr>
+          <p:cNvPr id="6" name="TextBox 5"/>
+          <p:cNvSpPr txBox="1"/>
+          <p:nvPr/>
+        </p:nvSpPr>
+        <p:spPr>
+          <a:xfrm>
+            <a:off x="1245492" y="2311692"/>
+            <a:ext cx="1573907" cy="369332"/>
+          </a:xfrm>
+          <a:prstGeom prst="rect">
+            <a:avLst/>
+          </a:prstGeom>
+          <a:noFill/>
+        </p:spPr>
+        <p:txBody>
+          <a:bodyPr wrap="square" rtlCol="0">
+            <a:spAutoFit/>
+          </a:bodyPr>
+          <a:lstStyle/>
+          <a:p>
+            <a:pPr algn="ctr"/>
+            <a:r>
+              <a:rPr lang="en-US" dirty="0" smtClean="0"/>
+              <a:t>External Door</a:t>
+            </a:r>
+            <a:endParaRPr lang="en-US" dirty="0"/>
+          </a:p>
+        </p:txBody>
+      </p:sp>
+      <p:sp>
+        <p:nvSpPr>
+          <p:cNvPr id="7" name="Rectangle 6"/>
+          <p:cNvSpPr/>
+          <p:nvPr/>
+        </p:nvSpPr>
+        <p:spPr>
+          <a:xfrm>
+            <a:off x="457200" y="3505200"/>
+            <a:ext cx="2362200" cy="1143000"/>
+          </a:xfrm>
+          <a:prstGeom prst="rect">
+            <a:avLst/>
+          </a:prstGeom>
+        </p:spPr>
+        <p:style>
+          <a:lnRef idx="2">
+            <a:schemeClr val="accent1">
+              <a:shade val="50000"/>
+            </a:schemeClr>
+          </a:lnRef>
+          <a:fillRef idx="1">
+            <a:schemeClr val="accent1"/>
+          </a:fillRef>
+          <a:effectRef idx="0">
+            <a:schemeClr val="accent1"/>
+          </a:effectRef>
+          <a:fontRef idx="minor">
+            <a:schemeClr val="lt1"/>
+          </a:fontRef>
+        </p:style>
+        <p:txBody>
+          <a:bodyPr rtlCol="0" anchor="ctr"/>
+          <a:lstStyle/>
+          <a:p>
+            <a:pPr algn="ctr"/>
+            <a:endParaRPr lang="en-US"/>
+          </a:p>
+        </p:txBody>
+      </p:sp>
+      <p:sp>
+        <p:nvSpPr>
+          <p:cNvPr id="8" name="TextBox 7"/>
+          <p:cNvSpPr txBox="1"/>
+          <p:nvPr/>
+        </p:nvSpPr>
+        <p:spPr>
+          <a:xfrm>
+            <a:off x="1172244" y="4191000"/>
+            <a:ext cx="1647156" cy="369332"/>
+          </a:xfrm>
+          <a:prstGeom prst="rect">
+            <a:avLst/>
+          </a:prstGeom>
+          <a:noFill/>
+        </p:spPr>
+        <p:txBody>
+          <a:bodyPr wrap="square" rtlCol="0">
+            <a:spAutoFit/>
+          </a:bodyPr>
+          <a:lstStyle/>
+          <a:p>
+            <a:pPr algn="ctr"/>
+            <a:r>
+              <a:rPr lang="en-US" dirty="0" smtClean="0"/>
+              <a:t>Doorbell</a:t>
+            </a:r>
+            <a:endParaRPr lang="en-US" dirty="0"/>
+          </a:p>
+        </p:txBody>
+      </p:sp>
+      <p:pic>
+        <p:nvPicPr>
+          <p:cNvPr id="9" name="Picture 25" descr="http://content3.mypowerit.net/_img/clipart/School/class_bell.gif"/>
+          <p:cNvPicPr>
+            <a:picLocks noChangeAspect="1" noChangeArrowheads="1"/>
+          </p:cNvPicPr>
+          <p:nvPr/>
+        </p:nvPicPr>
+        <p:blipFill>
+          <a:blip r:embed="rId2" cstate="print">
+            <a:extLst>
+              <a:ext uri="{28A0092B-C50C-407E-A947-70E740481C1C}">
+                <a14:useLocalDpi xmlns:a14="http://schemas.microsoft.com/office/drawing/2010/main" val="0"/>
+              </a:ext>
+            </a:extLst>
+          </a:blip>
+          <a:srcRect/>
+          <a:stretch>
+            <a:fillRect/>
+          </a:stretch>
+        </p:blipFill>
+        <p:spPr bwMode="auto">
+          <a:xfrm>
+            <a:off x="676992" y="3723662"/>
+            <a:ext cx="461360" cy="706075"/>
+          </a:xfrm>
+          <a:prstGeom prst="rect">
+            <a:avLst/>
+          </a:prstGeom>
+          <a:noFill/>
+          <a:extLst>
+            <a:ext uri="{909E8E84-426E-40DD-AFC4-6F175D3DCCD1}">
+              <a14:hiddenFill xmlns:a14="http://schemas.microsoft.com/office/drawing/2010/main">
+                <a:solidFill>
+                  <a:srgbClr val="FFFFFF"/>
+                </a:solidFill>
+              </a14:hiddenFill>
+            </a:ext>
+          </a:extLst>
+        </p:spPr>
+      </p:pic>
+      <p:pic>
+        <p:nvPicPr>
+          <p:cNvPr id="10" name="Picture 2" descr="http://www.qacps.k12.md.us/ces/clipart/Carson%20Dellosa%20Clipart/Carson%20Dellosa%20Letters%20and%20Numbers/Images/Color%20Images/Clip%20Art/DOOR.jpg"/>
+          <p:cNvPicPr>
+            <a:picLocks noChangeAspect="1" noChangeArrowheads="1"/>
+          </p:cNvPicPr>
+          <p:nvPr/>
+        </p:nvPicPr>
+        <p:blipFill>
+          <a:blip r:embed="rId3" cstate="print">
+            <a:extLst>
+              <a:ext uri="{28A0092B-C50C-407E-A947-70E740481C1C}">
+                <a14:useLocalDpi xmlns:a14="http://schemas.microsoft.com/office/drawing/2010/main" val="0"/>
+              </a:ext>
+            </a:extLst>
+          </a:blip>
+          <a:srcRect/>
+          <a:stretch>
+            <a:fillRect/>
+          </a:stretch>
+        </p:blipFill>
+        <p:spPr bwMode="auto">
+          <a:xfrm>
+            <a:off x="569852" y="1600200"/>
+            <a:ext cx="675641" cy="1066800"/>
+          </a:xfrm>
+          <a:prstGeom prst="rect">
+            <a:avLst/>
+          </a:prstGeom>
+          <a:noFill/>
+          <a:extLst>
+            <a:ext uri="{909E8E84-426E-40DD-AFC4-6F175D3DCCD1}">
+              <a14:hiddenFill xmlns:a14="http://schemas.microsoft.com/office/drawing/2010/main">
+                <a:solidFill>
+                  <a:srgbClr val="FFFFFF"/>
+                </a:solidFill>
+              </a14:hiddenFill>
+            </a:ext>
+          </a:extLst>
+        </p:spPr>
+      </p:pic>
+      <p:pic>
+        <p:nvPicPr>
+          <p:cNvPr id="11" name="Picture 6" descr="http://www.microbot.it/images/ebay/Netduino%20Plus.jpg"/>
+          <p:cNvPicPr>
+            <a:picLocks noChangeAspect="1" noChangeArrowheads="1"/>
+          </p:cNvPicPr>
+          <p:nvPr/>
+        </p:nvPicPr>
+        <p:blipFill rotWithShape="1">
+          <a:blip r:embed="rId4" cstate="print">
+            <a:extLst>
+              <a:ext uri="{28A0092B-C50C-407E-A947-70E740481C1C}">
+                <a14:useLocalDpi xmlns:a14="http://schemas.microsoft.com/office/drawing/2010/main" val="0"/>
+              </a:ext>
+            </a:extLst>
+          </a:blip>
+          <a:srcRect l="49703" t="3223" r="7447" b="50119"/>
+          <a:stretch/>
+        </p:blipFill>
+        <p:spPr bwMode="auto">
+          <a:xfrm>
+            <a:off x="1330451" y="1600200"/>
+            <a:ext cx="525832" cy="429760"/>
+          </a:xfrm>
+          <a:prstGeom prst="rect">
+            <a:avLst/>
+          </a:prstGeom>
+          <a:noFill/>
+          <a:extLst>
+            <a:ext uri="{909E8E84-426E-40DD-AFC4-6F175D3DCCD1}">
+              <a14:hiddenFill xmlns:a14="http://schemas.microsoft.com/office/drawing/2010/main">
+                <a:solidFill>
+                  <a:srgbClr val="FFFFFF"/>
+                </a:solidFill>
+              </a14:hiddenFill>
+            </a:ext>
+          </a:extLst>
+        </p:spPr>
+      </p:pic>
+      <p:pic>
+        <p:nvPicPr>
+          <p:cNvPr id="12" name="Picture 6" descr="http://www.microbot.it/images/ebay/Netduino%20Plus.jpg"/>
+          <p:cNvPicPr>
+            <a:picLocks noChangeAspect="1" noChangeArrowheads="1"/>
+          </p:cNvPicPr>
+          <p:nvPr/>
+        </p:nvPicPr>
+        <p:blipFill rotWithShape="1">
+          <a:blip r:embed="rId4" cstate="print">
+            <a:extLst>
+              <a:ext uri="{28A0092B-C50C-407E-A947-70E740481C1C}">
+                <a14:useLocalDpi xmlns:a14="http://schemas.microsoft.com/office/drawing/2010/main" val="0"/>
+              </a:ext>
+            </a:extLst>
+          </a:blip>
+          <a:srcRect l="49703" t="3223" r="7447" b="50119"/>
+          <a:stretch/>
+        </p:blipFill>
+        <p:spPr bwMode="auto">
+          <a:xfrm>
+            <a:off x="1330451" y="3578894"/>
+            <a:ext cx="525832" cy="429760"/>
+          </a:xfrm>
+          <a:prstGeom prst="rect">
+            <a:avLst/>
+          </a:prstGeom>
+          <a:noFill/>
+          <a:extLst>
+            <a:ext uri="{909E8E84-426E-40DD-AFC4-6F175D3DCCD1}">
+              <a14:hiddenFill xmlns:a14="http://schemas.microsoft.com/office/drawing/2010/main">
+                <a:solidFill>
+                  <a:srgbClr val="FFFFFF"/>
+                </a:solidFill>
+              </a14:hiddenFill>
+            </a:ext>
+          </a:extLst>
+        </p:spPr>
+      </p:pic>
+      <p:sp>
+        <p:nvSpPr>
+          <p:cNvPr id="13" name="Rectangle 12"/>
+          <p:cNvSpPr/>
+          <p:nvPr/>
+        </p:nvSpPr>
+        <p:spPr>
+          <a:xfrm>
+            <a:off x="3581400" y="2514600"/>
+            <a:ext cx="1295400" cy="1219200"/>
+          </a:xfrm>
+          <a:prstGeom prst="rect">
+            <a:avLst/>
+          </a:prstGeom>
+        </p:spPr>
+        <p:style>
+          <a:lnRef idx="2">
+            <a:schemeClr val="accent1">
+              <a:shade val="50000"/>
+            </a:schemeClr>
+          </a:lnRef>
+          <a:fillRef idx="1">
+            <a:schemeClr val="accent1"/>
+          </a:fillRef>
+          <a:effectRef idx="0">
+            <a:schemeClr val="accent1"/>
+          </a:effectRef>
+          <a:fontRef idx="minor">
+            <a:schemeClr val="lt1"/>
+          </a:fontRef>
+        </p:style>
+        <p:txBody>
+          <a:bodyPr rtlCol="0" anchor="ctr"/>
+          <a:lstStyle/>
+          <a:p>
+            <a:pPr algn="ctr"/>
+            <a:endParaRPr lang="en-US"/>
+          </a:p>
+        </p:txBody>
+      </p:sp>
+      <p:sp>
+        <p:nvSpPr>
+          <p:cNvPr id="14" name="TextBox 13"/>
+          <p:cNvSpPr txBox="1"/>
+          <p:nvPr/>
+        </p:nvSpPr>
+        <p:spPr>
+          <a:xfrm>
+            <a:off x="3581400" y="2079257"/>
+            <a:ext cx="1295400" cy="369332"/>
+          </a:xfrm>
+          <a:prstGeom prst="rect">
+            <a:avLst/>
+          </a:prstGeom>
+          <a:noFill/>
+        </p:spPr>
+        <p:txBody>
+          <a:bodyPr wrap="square" rtlCol="0">
+            <a:spAutoFit/>
+          </a:bodyPr>
+          <a:lstStyle/>
+          <a:p>
+            <a:pPr algn="ctr"/>
+            <a:r>
+              <a:rPr lang="en-US" dirty="0" smtClean="0"/>
+              <a:t>Broker</a:t>
+            </a:r>
+            <a:endParaRPr lang="en-US" dirty="0"/>
+          </a:p>
+        </p:txBody>
+      </p:sp>
+      <p:sp>
+        <p:nvSpPr>
+          <p:cNvPr id="15" name="Rectangle 14"/>
+          <p:cNvSpPr/>
+          <p:nvPr/>
+        </p:nvSpPr>
+        <p:spPr>
+          <a:xfrm>
+            <a:off x="5486400" y="2514600"/>
+            <a:ext cx="1295400" cy="1219200"/>
+          </a:xfrm>
+          <a:prstGeom prst="rect">
+            <a:avLst/>
+          </a:prstGeom>
+        </p:spPr>
+        <p:style>
+          <a:lnRef idx="2">
+            <a:schemeClr val="accent1">
+              <a:shade val="50000"/>
+            </a:schemeClr>
+          </a:lnRef>
+          <a:fillRef idx="1">
+            <a:schemeClr val="accent1"/>
+          </a:fillRef>
+          <a:effectRef idx="0">
+            <a:schemeClr val="accent1"/>
+          </a:effectRef>
+          <a:fontRef idx="minor">
+            <a:schemeClr val="lt1"/>
+          </a:fontRef>
+        </p:style>
+        <p:txBody>
+          <a:bodyPr rtlCol="0" anchor="ctr"/>
+          <a:lstStyle/>
+          <a:p>
+            <a:pPr algn="ctr"/>
+            <a:endParaRPr lang="en-US"/>
+          </a:p>
+        </p:txBody>
+      </p:sp>
+      <p:sp>
+        <p:nvSpPr>
+          <p:cNvPr id="16" name="TextBox 15"/>
+          <p:cNvSpPr txBox="1"/>
+          <p:nvPr/>
+        </p:nvSpPr>
+        <p:spPr>
+          <a:xfrm>
+            <a:off x="5486400" y="2079257"/>
+            <a:ext cx="1295400" cy="369332"/>
+          </a:xfrm>
+          <a:prstGeom prst="rect">
+            <a:avLst/>
+          </a:prstGeom>
+          <a:noFill/>
+        </p:spPr>
+        <p:txBody>
+          <a:bodyPr wrap="square" rtlCol="0">
+            <a:spAutoFit/>
+          </a:bodyPr>
+          <a:lstStyle/>
+          <a:p>
+            <a:pPr algn="ctr"/>
+            <a:r>
+              <a:rPr lang="en-US" dirty="0" smtClean="0"/>
+              <a:t>Hub</a:t>
+            </a:r>
+            <a:endParaRPr lang="en-US" dirty="0"/>
+          </a:p>
+        </p:txBody>
+      </p:sp>
+      <p:sp>
+        <p:nvSpPr>
+          <p:cNvPr id="17" name="Rectangle 16"/>
+          <p:cNvSpPr/>
+          <p:nvPr/>
+        </p:nvSpPr>
+        <p:spPr>
+          <a:xfrm>
+            <a:off x="7391400" y="2506768"/>
+            <a:ext cx="1295400" cy="1219200"/>
+          </a:xfrm>
+          <a:prstGeom prst="rect">
+            <a:avLst/>
+          </a:prstGeom>
+        </p:spPr>
+        <p:style>
+          <a:lnRef idx="2">
+            <a:schemeClr val="accent1">
+              <a:shade val="50000"/>
+            </a:schemeClr>
+          </a:lnRef>
+          <a:fillRef idx="1">
+            <a:schemeClr val="accent1"/>
+          </a:fillRef>
+          <a:effectRef idx="0">
+            <a:schemeClr val="accent1"/>
+          </a:effectRef>
+          <a:fontRef idx="minor">
+            <a:schemeClr val="lt1"/>
+          </a:fontRef>
+        </p:style>
+        <p:txBody>
+          <a:bodyPr rtlCol="0" anchor="ctr"/>
+          <a:lstStyle/>
+          <a:p>
+            <a:pPr algn="ctr"/>
+            <a:endParaRPr lang="en-US"/>
+          </a:p>
+        </p:txBody>
+      </p:sp>
+      <p:sp>
+        <p:nvSpPr>
+          <p:cNvPr id="18" name="TextBox 17"/>
+          <p:cNvSpPr txBox="1"/>
+          <p:nvPr/>
+        </p:nvSpPr>
+        <p:spPr>
+          <a:xfrm>
+            <a:off x="7391400" y="2133600"/>
+            <a:ext cx="1295400" cy="369332"/>
+          </a:xfrm>
+          <a:prstGeom prst="rect">
+            <a:avLst/>
+          </a:prstGeom>
+          <a:noFill/>
+        </p:spPr>
+        <p:txBody>
+          <a:bodyPr wrap="square" rtlCol="0">
+            <a:spAutoFit/>
+          </a:bodyPr>
+          <a:lstStyle/>
+          <a:p>
+            <a:pPr algn="ctr"/>
+            <a:r>
+              <a:rPr lang="en-US" dirty="0" smtClean="0"/>
+              <a:t>Browser</a:t>
+            </a:r>
+            <a:endParaRPr lang="en-US" dirty="0"/>
+          </a:p>
+        </p:txBody>
+      </p:sp>
+      <p:cxnSp>
+        <p:nvCxnSpPr>
+          <p:cNvPr id="19" name="Straight Connector 18"/>
+          <p:cNvCxnSpPr/>
+          <p:nvPr/>
+        </p:nvCxnSpPr>
+        <p:spPr>
+          <a:xfrm>
+            <a:off x="3200400" y="685800"/>
+            <a:ext cx="0" cy="5791200"/>
+          </a:xfrm>
+          <a:prstGeom prst="line">
+            <a:avLst/>
+          </a:prstGeom>
+          <a:ln w="22225">
+            <a:solidFill>
+              <a:schemeClr val="bg1">
+                <a:lumMod val="75000"/>
+              </a:schemeClr>
+            </a:solidFill>
+            <a:prstDash val="dash"/>
+          </a:ln>
+        </p:spPr>
+        <p:style>
+          <a:lnRef idx="1">
+            <a:schemeClr val="accent1"/>
+          </a:lnRef>
+          <a:fillRef idx="0">
+            <a:schemeClr val="accent1"/>
+          </a:fillRef>
+          <a:effectRef idx="0">
+            <a:schemeClr val="accent1"/>
+          </a:effectRef>
+          <a:fontRef idx="minor">
+            <a:schemeClr val="tx1"/>
+          </a:fontRef>
+        </p:style>
+      </p:cxnSp>
+      <p:cxnSp>
+        <p:nvCxnSpPr>
+          <p:cNvPr id="20" name="Straight Connector 19"/>
+          <p:cNvCxnSpPr/>
+          <p:nvPr/>
+        </p:nvCxnSpPr>
+        <p:spPr>
+          <a:xfrm>
+            <a:off x="7086600" y="685800"/>
+            <a:ext cx="0" cy="5791200"/>
+          </a:xfrm>
+          <a:prstGeom prst="line">
+            <a:avLst/>
+          </a:prstGeom>
+          <a:ln w="22225">
+            <a:solidFill>
+              <a:schemeClr val="bg1">
+                <a:lumMod val="75000"/>
+              </a:schemeClr>
+            </a:solidFill>
+            <a:prstDash val="dash"/>
+          </a:ln>
+        </p:spPr>
+        <p:style>
+          <a:lnRef idx="1">
+            <a:schemeClr val="accent1"/>
+          </a:lnRef>
+          <a:fillRef idx="0">
+            <a:schemeClr val="accent1"/>
+          </a:fillRef>
+          <a:effectRef idx="0">
+            <a:schemeClr val="accent1"/>
+          </a:effectRef>
+          <a:fontRef idx="minor">
+            <a:schemeClr val="tx1"/>
+          </a:fontRef>
+        </p:style>
+      </p:cxnSp>
+      <p:sp>
+        <p:nvSpPr>
+          <p:cNvPr id="21" name="TextBox 20"/>
+          <p:cNvSpPr txBox="1"/>
+          <p:nvPr/>
+        </p:nvSpPr>
+        <p:spPr>
+          <a:xfrm>
+            <a:off x="907672" y="681746"/>
+            <a:ext cx="1573907" cy="369332"/>
+          </a:xfrm>
+          <a:prstGeom prst="rect">
+            <a:avLst/>
+          </a:prstGeom>
+          <a:noFill/>
+        </p:spPr>
+        <p:txBody>
+          <a:bodyPr wrap="square" rtlCol="0">
+            <a:spAutoFit/>
+          </a:bodyPr>
+          <a:lstStyle/>
+          <a:p>
+            <a:pPr algn="ctr"/>
+            <a:r>
+              <a:rPr lang="en-US" dirty="0" smtClean="0"/>
+              <a:t>Home</a:t>
+            </a:r>
+            <a:endParaRPr lang="en-US" dirty="0"/>
+          </a:p>
+        </p:txBody>
+      </p:sp>
+      <p:sp>
+        <p:nvSpPr>
+          <p:cNvPr id="22" name="TextBox 21"/>
+          <p:cNvSpPr txBox="1"/>
+          <p:nvPr/>
+        </p:nvSpPr>
+        <p:spPr>
+          <a:xfrm>
+            <a:off x="3200400" y="687224"/>
+            <a:ext cx="3886200" cy="369332"/>
+          </a:xfrm>
+          <a:prstGeom prst="rect">
+            <a:avLst/>
+          </a:prstGeom>
+          <a:noFill/>
+        </p:spPr>
+        <p:txBody>
+          <a:bodyPr wrap="square" rtlCol="0">
+            <a:spAutoFit/>
+          </a:bodyPr>
+          <a:lstStyle/>
+          <a:p>
+            <a:pPr algn="ctr"/>
+            <a:r>
+              <a:rPr lang="en-US" dirty="0" smtClean="0"/>
+              <a:t>Azure</a:t>
+            </a:r>
+            <a:endParaRPr lang="en-US" dirty="0"/>
+          </a:p>
+        </p:txBody>
+      </p:sp>
+      <p:sp>
+        <p:nvSpPr>
+          <p:cNvPr id="23" name="TextBox 22"/>
+          <p:cNvSpPr txBox="1"/>
+          <p:nvPr/>
+        </p:nvSpPr>
+        <p:spPr>
+          <a:xfrm>
+            <a:off x="7093721" y="654958"/>
+            <a:ext cx="2050279" cy="369332"/>
+          </a:xfrm>
+          <a:prstGeom prst="rect">
+            <a:avLst/>
+          </a:prstGeom>
+          <a:noFill/>
+        </p:spPr>
+        <p:txBody>
+          <a:bodyPr wrap="square" rtlCol="0">
+            <a:spAutoFit/>
+          </a:bodyPr>
+          <a:lstStyle/>
+          <a:p>
+            <a:pPr algn="ctr"/>
+            <a:r>
+              <a:rPr lang="en-US" dirty="0" smtClean="0"/>
+              <a:t>Remote</a:t>
+            </a:r>
+            <a:endParaRPr lang="en-US" dirty="0"/>
+          </a:p>
+        </p:txBody>
+      </p:sp>
+      <p:sp>
+        <p:nvSpPr>
+          <p:cNvPr id="24" name="TextBox 23"/>
+          <p:cNvSpPr txBox="1"/>
+          <p:nvPr/>
+        </p:nvSpPr>
+        <p:spPr>
+          <a:xfrm>
+            <a:off x="3581400" y="2939534"/>
+            <a:ext cx="1295400" cy="369332"/>
+          </a:xfrm>
+          <a:prstGeom prst="rect">
+            <a:avLst/>
+          </a:prstGeom>
+          <a:noFill/>
+        </p:spPr>
+        <p:txBody>
+          <a:bodyPr wrap="square" rtlCol="0">
+            <a:spAutoFit/>
+          </a:bodyPr>
+          <a:lstStyle/>
+          <a:p>
+            <a:pPr algn="ctr"/>
+            <a:r>
+              <a:rPr lang="en-US" dirty="0" smtClean="0"/>
+              <a:t>MQTT</a:t>
+            </a:r>
+            <a:endParaRPr lang="en-US" dirty="0"/>
+          </a:p>
+        </p:txBody>
+      </p:sp>
+      <p:sp>
+        <p:nvSpPr>
+          <p:cNvPr id="25" name="TextBox 24"/>
+          <p:cNvSpPr txBox="1"/>
+          <p:nvPr/>
+        </p:nvSpPr>
+        <p:spPr>
+          <a:xfrm>
+            <a:off x="5486400" y="2929345"/>
+            <a:ext cx="1295400" cy="369332"/>
+          </a:xfrm>
+          <a:prstGeom prst="rect">
+            <a:avLst/>
+          </a:prstGeom>
+          <a:noFill/>
+        </p:spPr>
+        <p:txBody>
+          <a:bodyPr wrap="square" rtlCol="0">
+            <a:spAutoFit/>
+          </a:bodyPr>
+          <a:lstStyle/>
+          <a:p>
+            <a:pPr algn="ctr"/>
+            <a:r>
+              <a:rPr lang="en-US" dirty="0" err="1" smtClean="0"/>
+              <a:t>SignalR</a:t>
+            </a:r>
+            <a:endParaRPr lang="en-US" dirty="0"/>
+          </a:p>
+        </p:txBody>
+      </p:sp>
+      <p:sp>
+        <p:nvSpPr>
+          <p:cNvPr id="26" name="TextBox 25"/>
+          <p:cNvSpPr txBox="1"/>
+          <p:nvPr/>
+        </p:nvSpPr>
+        <p:spPr>
+          <a:xfrm>
+            <a:off x="7391400" y="2939534"/>
+            <a:ext cx="1295400" cy="369332"/>
+          </a:xfrm>
+          <a:prstGeom prst="rect">
+            <a:avLst/>
+          </a:prstGeom>
+          <a:noFill/>
+        </p:spPr>
+        <p:txBody>
+          <a:bodyPr wrap="square" rtlCol="0">
+            <a:spAutoFit/>
+          </a:bodyPr>
+          <a:lstStyle/>
+          <a:p>
+            <a:pPr algn="ctr"/>
+            <a:r>
+              <a:rPr lang="en-US" dirty="0" smtClean="0"/>
+              <a:t>Dashboard</a:t>
+            </a:r>
+            <a:endParaRPr lang="en-US" dirty="0"/>
+          </a:p>
+        </p:txBody>
+      </p:sp>
+      <p:cxnSp>
+        <p:nvCxnSpPr>
+          <p:cNvPr id="27" name="Straight Arrow Connector 26"/>
+          <p:cNvCxnSpPr/>
+          <p:nvPr/>
+        </p:nvCxnSpPr>
+        <p:spPr>
+          <a:xfrm flipH="1">
+            <a:off x="1905000" y="3266630"/>
+            <a:ext cx="1652922" cy="467170"/>
+          </a:xfrm>
+          <a:prstGeom prst="straightConnector1">
+            <a:avLst/>
+          </a:prstGeom>
+          <a:ln w="25400">
+            <a:solidFill>
+              <a:srgbClr val="FF0000"/>
+            </a:solidFill>
+            <a:tailEnd type="arrow"/>
+          </a:ln>
+        </p:spPr>
+        <p:style>
+          <a:lnRef idx="1">
+            <a:schemeClr val="accent1"/>
+          </a:lnRef>
+          <a:fillRef idx="0">
+            <a:schemeClr val="accent1"/>
+          </a:fillRef>
+          <a:effectRef idx="0">
+            <a:schemeClr val="accent1"/>
+          </a:effectRef>
+          <a:fontRef idx="minor">
+            <a:schemeClr val="tx1"/>
+          </a:fontRef>
+        </p:style>
+      </p:cxnSp>
+      <p:sp>
+        <p:nvSpPr>
+          <p:cNvPr id="28" name="TextBox 27"/>
+          <p:cNvSpPr txBox="1"/>
+          <p:nvPr/>
+        </p:nvSpPr>
+        <p:spPr>
+          <a:xfrm rot="20666019">
+            <a:off x="2129373" y="3144788"/>
+            <a:ext cx="1204176" cy="307777"/>
+          </a:xfrm>
+          <a:prstGeom prst="rect">
+            <a:avLst/>
+          </a:prstGeom>
+          <a:noFill/>
+        </p:spPr>
+        <p:txBody>
+          <a:bodyPr wrap="none" rtlCol="0">
+            <a:spAutoFit/>
+          </a:bodyPr>
+          <a:lstStyle/>
+          <a:p>
+            <a:r>
+              <a:rPr lang="en-US" sz="1400" b="1" i="1" dirty="0" smtClean="0">
+                <a:solidFill>
+                  <a:schemeClr val="tx2"/>
+                </a:solidFill>
+              </a:rPr>
+              <a:t>Ring Doorbell</a:t>
+            </a:r>
+            <a:endParaRPr lang="en-US" sz="1400" b="1" i="1" dirty="0">
+              <a:solidFill>
+                <a:schemeClr val="tx2"/>
+              </a:solidFill>
+            </a:endParaRPr>
+          </a:p>
+        </p:txBody>
+      </p:sp>
+      <p:cxnSp>
+        <p:nvCxnSpPr>
+          <p:cNvPr id="29" name="Straight Arrow Connector 28"/>
+          <p:cNvCxnSpPr/>
+          <p:nvPr/>
+        </p:nvCxnSpPr>
+        <p:spPr>
+          <a:xfrm>
+            <a:off x="6788921" y="3085963"/>
+            <a:ext cx="609599" cy="14024"/>
+          </a:xfrm>
+          <a:prstGeom prst="straightConnector1">
+            <a:avLst/>
+          </a:prstGeom>
+          <a:ln w="25400">
+            <a:solidFill>
+              <a:srgbClr val="FF0000"/>
+            </a:solidFill>
+            <a:tailEnd type="arrow"/>
+          </a:ln>
+        </p:spPr>
+        <p:style>
+          <a:lnRef idx="1">
+            <a:schemeClr val="accent1"/>
+          </a:lnRef>
+          <a:fillRef idx="0">
+            <a:schemeClr val="accent1"/>
+          </a:fillRef>
+          <a:effectRef idx="0">
+            <a:schemeClr val="accent1"/>
+          </a:effectRef>
+          <a:fontRef idx="minor">
+            <a:schemeClr val="tx1"/>
+          </a:fontRef>
+        </p:style>
+      </p:cxnSp>
+      <p:sp>
+        <p:nvSpPr>
+          <p:cNvPr id="30" name="Rectangle 29"/>
+          <p:cNvSpPr/>
+          <p:nvPr/>
+        </p:nvSpPr>
+        <p:spPr>
+          <a:xfrm>
+            <a:off x="5353172" y="4229100"/>
+            <a:ext cx="1581027" cy="838200"/>
+          </a:xfrm>
+          <a:prstGeom prst="rect">
+            <a:avLst/>
+          </a:prstGeom>
+        </p:spPr>
+        <p:style>
+          <a:lnRef idx="2">
+            <a:schemeClr val="accent1">
+              <a:shade val="50000"/>
+            </a:schemeClr>
+          </a:lnRef>
+          <a:fillRef idx="1">
+            <a:schemeClr val="accent1"/>
+          </a:fillRef>
+          <a:effectRef idx="0">
+            <a:schemeClr val="accent1"/>
+          </a:effectRef>
+          <a:fontRef idx="minor">
+            <a:schemeClr val="lt1"/>
+          </a:fontRef>
+        </p:style>
+        <p:txBody>
+          <a:bodyPr rtlCol="0" anchor="ctr"/>
+          <a:lstStyle/>
+          <a:p>
+            <a:pPr algn="ctr"/>
+            <a:endParaRPr lang="en-US"/>
+          </a:p>
+        </p:txBody>
+      </p:sp>
+      <p:sp>
+        <p:nvSpPr>
+          <p:cNvPr id="31" name="TextBox 30"/>
+          <p:cNvSpPr txBox="1"/>
+          <p:nvPr/>
+        </p:nvSpPr>
+        <p:spPr>
+          <a:xfrm>
+            <a:off x="5360293" y="4309972"/>
+            <a:ext cx="1573907" cy="646331"/>
+          </a:xfrm>
+          <a:prstGeom prst="rect">
+            <a:avLst/>
+          </a:prstGeom>
+          <a:noFill/>
+        </p:spPr>
+        <p:txBody>
+          <a:bodyPr wrap="square" rtlCol="0">
+            <a:spAutoFit/>
+          </a:bodyPr>
+          <a:lstStyle/>
+          <a:p>
+            <a:pPr algn="ctr"/>
+            <a:r>
+              <a:rPr lang="en-US" dirty="0" smtClean="0"/>
+              <a:t>Master Control Panel</a:t>
+            </a:r>
+            <a:endParaRPr lang="en-US" dirty="0"/>
+          </a:p>
+        </p:txBody>
+      </p:sp>
     </p:spTree>
     <p:extLst>
       <p:ext uri="{BB962C8B-B14F-4D97-AF65-F5344CB8AC3E}">
         <p14:creationId xmlns:p14="http://schemas.microsoft.com/office/powerpoint/2010/main" val="1958595418"/>
+      </p:ext>
+    </p:extLst>
+  </p:cSld>
+  <p:clrMapOvr>
+    <a:masterClrMapping/>
+  </p:clrMapOvr>
+</p:sld>
+</file>
+
+<file path=ppt/slides/slide14.xml><?xml version="1.0" encoding="utf-8"?>
+<p:sld xmlns:a="http://schemas.openxmlformats.org/drawingml/2006/main" xmlns:r="http://schemas.openxmlformats.org/officeDocument/2006/relationships" xmlns:p="http://schemas.openxmlformats.org/presentationml/2006/main">
+  <p:cSld>
+    <p:spTree>
+      <p:nvGrpSpPr>
+        <p:cNvPr id="1" name=""/>
+        <p:cNvGrpSpPr/>
+        <p:nvPr/>
+      </p:nvGrpSpPr>
+      <p:grpSpPr>
+        <a:xfrm>
+          <a:off x="0" y="0"/>
+          <a:ext cx="0" cy="0"/>
+          <a:chOff x="0" y="0"/>
+          <a:chExt cx="0" cy="0"/>
+        </a:xfrm>
+      </p:grpSpPr>
+      <p:sp>
+        <p:nvSpPr>
+          <p:cNvPr id="3" name="Title 2"/>
+          <p:cNvSpPr>
+            <a:spLocks noGrp="1"/>
+          </p:cNvSpPr>
+          <p:nvPr>
+            <p:ph type="title"/>
+          </p:nvPr>
+        </p:nvSpPr>
+        <p:spPr>
+          <a:xfrm>
+            <a:off x="0" y="228600"/>
+            <a:ext cx="9144000" cy="457200"/>
+          </a:xfrm>
+        </p:spPr>
+        <p:txBody>
+          <a:bodyPr anchor="ctr"/>
+          <a:lstStyle/>
+          <a:p>
+            <a:pPr algn="ctr"/>
+            <a:r>
+              <a:rPr lang="en-US" dirty="0" smtClean="0"/>
+              <a:t>Hardware</a:t>
+            </a:r>
+            <a:endParaRPr lang="en-US" dirty="0"/>
+          </a:p>
+        </p:txBody>
+      </p:sp>
+      <p:sp>
+        <p:nvSpPr>
+          <p:cNvPr id="4" name="Rectangle 3"/>
+          <p:cNvSpPr/>
+          <p:nvPr/>
+        </p:nvSpPr>
+        <p:spPr>
+          <a:xfrm>
+            <a:off x="1295400" y="914400"/>
+            <a:ext cx="7086600" cy="981423"/>
+          </a:xfrm>
+          <a:prstGeom prst="rect">
+            <a:avLst/>
+          </a:prstGeom>
+        </p:spPr>
+        <p:txBody>
+          <a:bodyPr wrap="square">
+            <a:spAutoFit/>
+          </a:bodyPr>
+          <a:lstStyle/>
+          <a:p>
+            <a:pPr marL="285750" indent="-285750">
+              <a:lnSpc>
+                <a:spcPct val="107000"/>
+              </a:lnSpc>
+              <a:buFont typeface="Arial" panose="020B0604020202020204" pitchFamily="34" charset="0"/>
+              <a:buChar char="•"/>
+            </a:pPr>
+            <a:r>
+              <a:rPr lang="en-US" dirty="0" smtClean="0">
+                <a:latin typeface="Calibri" panose="020F0502020204030204" pitchFamily="34" charset="0"/>
+                <a:ea typeface="Calibri" panose="020F0502020204030204" pitchFamily="34" charset="0"/>
+                <a:cs typeface="Times New Roman" panose="02020603050405020304" pitchFamily="18" charset="0"/>
+              </a:rPr>
+              <a:t>Ground Bus – Exposes more connections</a:t>
+            </a:r>
+          </a:p>
+          <a:p>
+            <a:pPr marL="285750" indent="-285750">
+              <a:lnSpc>
+                <a:spcPct val="107000"/>
+              </a:lnSpc>
+              <a:buFont typeface="Arial" panose="020B0604020202020204" pitchFamily="34" charset="0"/>
+              <a:buChar char="•"/>
+            </a:pPr>
+            <a:r>
+              <a:rPr lang="en-US" dirty="0" smtClean="0">
+                <a:latin typeface="Calibri" panose="020F0502020204030204" pitchFamily="34" charset="0"/>
+                <a:ea typeface="Calibri" panose="020F0502020204030204" pitchFamily="34" charset="0"/>
+                <a:cs typeface="Times New Roman" panose="02020603050405020304" pitchFamily="18" charset="0"/>
+              </a:rPr>
+              <a:t>LED’s – Indicators or simulates actuators</a:t>
+            </a:r>
+          </a:p>
+          <a:p>
+            <a:pPr marL="285750" indent="-285750">
+              <a:lnSpc>
+                <a:spcPct val="107000"/>
+              </a:lnSpc>
+              <a:buFont typeface="Arial" panose="020B0604020202020204" pitchFamily="34" charset="0"/>
+              <a:buChar char="•"/>
+            </a:pPr>
+            <a:r>
+              <a:rPr lang="en-US" dirty="0" smtClean="0">
+                <a:latin typeface="Calibri" panose="020F0502020204030204" pitchFamily="34" charset="0"/>
+                <a:ea typeface="Calibri" panose="020F0502020204030204" pitchFamily="34" charset="0"/>
+                <a:cs typeface="Times New Roman" panose="02020603050405020304" pitchFamily="18" charset="0"/>
+              </a:rPr>
+              <a:t>Switches – Keyboard, Window/Door/Motion sensors, Alarm mode</a:t>
+            </a:r>
+          </a:p>
+        </p:txBody>
+      </p:sp>
+    </p:spTree>
+    <p:extLst>
+      <p:ext uri="{BB962C8B-B14F-4D97-AF65-F5344CB8AC3E}">
+        <p14:creationId xmlns:p14="http://schemas.microsoft.com/office/powerpoint/2010/main" val="3994548631"/>
+      </p:ext>
+    </p:extLst>
+  </p:cSld>
+  <p:clrMapOvr>
+    <a:masterClrMapping/>
+  </p:clrMapOvr>
+</p:sld>
+</file>
+
+<file path=ppt/slides/slide15.xml><?xml version="1.0" encoding="utf-8"?>
+<p:sld xmlns:a="http://schemas.openxmlformats.org/drawingml/2006/main" xmlns:r="http://schemas.openxmlformats.org/officeDocument/2006/relationships" xmlns:p="http://schemas.openxmlformats.org/presentationml/2006/main">
+  <p:cSld>
+    <p:spTree>
+      <p:nvGrpSpPr>
+        <p:cNvPr id="1" name=""/>
+        <p:cNvGrpSpPr/>
+        <p:nvPr/>
+      </p:nvGrpSpPr>
+      <p:grpSpPr>
+        <a:xfrm>
+          <a:off x="0" y="0"/>
+          <a:ext cx="0" cy="0"/>
+          <a:chOff x="0" y="0"/>
+          <a:chExt cx="0" cy="0"/>
+        </a:xfrm>
+      </p:grpSpPr>
+      <p:sp>
+        <p:nvSpPr>
+          <p:cNvPr id="3" name="Title 2"/>
+          <p:cNvSpPr>
+            <a:spLocks noGrp="1"/>
+          </p:cNvSpPr>
+          <p:nvPr>
+            <p:ph type="title"/>
+          </p:nvPr>
+        </p:nvSpPr>
+        <p:spPr>
+          <a:xfrm>
+            <a:off x="0" y="228600"/>
+            <a:ext cx="9144000" cy="457200"/>
+          </a:xfrm>
+        </p:spPr>
+        <p:txBody>
+          <a:bodyPr anchor="ctr"/>
+          <a:lstStyle/>
+          <a:p>
+            <a:pPr algn="ctr"/>
+            <a:r>
+              <a:rPr lang="en-US" dirty="0" smtClean="0"/>
+              <a:t>Ground Bus</a:t>
+            </a:r>
+            <a:endParaRPr lang="en-US" dirty="0"/>
+          </a:p>
+        </p:txBody>
+      </p:sp>
+      <p:cxnSp>
+        <p:nvCxnSpPr>
+          <p:cNvPr id="6" name="Straight Arrow Connector 5"/>
+          <p:cNvCxnSpPr/>
+          <p:nvPr/>
+        </p:nvCxnSpPr>
+        <p:spPr>
+          <a:xfrm flipH="1">
+            <a:off x="2971800" y="2971800"/>
+            <a:ext cx="1828800" cy="457200"/>
+          </a:xfrm>
+          <a:prstGeom prst="straightConnector1">
+            <a:avLst/>
+          </a:prstGeom>
+          <a:ln w="25400">
+            <a:solidFill>
+              <a:srgbClr val="FF0000"/>
+            </a:solidFill>
+            <a:tailEnd type="stealth" w="lg" len="lg"/>
+          </a:ln>
+        </p:spPr>
+        <p:style>
+          <a:lnRef idx="1">
+            <a:schemeClr val="accent1"/>
+          </a:lnRef>
+          <a:fillRef idx="0">
+            <a:schemeClr val="accent1"/>
+          </a:fillRef>
+          <a:effectRef idx="0">
+            <a:schemeClr val="accent1"/>
+          </a:effectRef>
+          <a:fontRef idx="minor">
+            <a:schemeClr val="tx1"/>
+          </a:fontRef>
+        </p:style>
+      </p:cxnSp>
+      <p:sp>
+        <p:nvSpPr>
+          <p:cNvPr id="8" name="TextBox 7"/>
+          <p:cNvSpPr txBox="1"/>
+          <p:nvPr/>
+        </p:nvSpPr>
+        <p:spPr>
+          <a:xfrm>
+            <a:off x="4953000" y="2819400"/>
+            <a:ext cx="2438400" cy="381000"/>
+          </a:xfrm>
+          <a:prstGeom prst="rect">
+            <a:avLst/>
+          </a:prstGeom>
+          <a:noFill/>
+        </p:spPr>
+        <p:txBody>
+          <a:bodyPr wrap="square" rtlCol="0">
+            <a:spAutoFit/>
+          </a:bodyPr>
+          <a:lstStyle/>
+          <a:p>
+            <a:r>
+              <a:rPr lang="en-US" dirty="0" smtClean="0"/>
+              <a:t>Connect to Ground Bus</a:t>
+            </a:r>
+            <a:endParaRPr lang="en-US" dirty="0"/>
+          </a:p>
+        </p:txBody>
+      </p:sp>
+      <p:cxnSp>
+        <p:nvCxnSpPr>
+          <p:cNvPr id="9" name="Straight Arrow Connector 8"/>
+          <p:cNvCxnSpPr/>
+          <p:nvPr/>
+        </p:nvCxnSpPr>
+        <p:spPr>
+          <a:xfrm flipH="1" flipV="1">
+            <a:off x="2781300" y="3736350"/>
+            <a:ext cx="1866900" cy="378450"/>
+          </a:xfrm>
+          <a:prstGeom prst="straightConnector1">
+            <a:avLst/>
+          </a:prstGeom>
+          <a:ln w="25400">
+            <a:solidFill>
+              <a:srgbClr val="FF0000"/>
+            </a:solidFill>
+            <a:tailEnd type="stealth" w="lg" len="lg"/>
+          </a:ln>
+        </p:spPr>
+        <p:style>
+          <a:lnRef idx="1">
+            <a:schemeClr val="accent1"/>
+          </a:lnRef>
+          <a:fillRef idx="0">
+            <a:schemeClr val="accent1"/>
+          </a:fillRef>
+          <a:effectRef idx="0">
+            <a:schemeClr val="accent1"/>
+          </a:effectRef>
+          <a:fontRef idx="minor">
+            <a:schemeClr val="tx1"/>
+          </a:fontRef>
+        </p:style>
+      </p:cxnSp>
+      <p:sp>
+        <p:nvSpPr>
+          <p:cNvPr id="14" name="TextBox 13"/>
+          <p:cNvSpPr txBox="1"/>
+          <p:nvPr/>
+        </p:nvSpPr>
+        <p:spPr>
+          <a:xfrm>
+            <a:off x="4648200" y="3925575"/>
+            <a:ext cx="3505200" cy="646331"/>
+          </a:xfrm>
+          <a:prstGeom prst="rect">
+            <a:avLst/>
+          </a:prstGeom>
+          <a:noFill/>
+        </p:spPr>
+        <p:txBody>
+          <a:bodyPr wrap="square" rtlCol="0">
+            <a:spAutoFit/>
+          </a:bodyPr>
+          <a:lstStyle/>
+          <a:p>
+            <a:r>
+              <a:rPr lang="en-US" dirty="0" smtClean="0"/>
+              <a:t>Connect to </a:t>
+            </a:r>
+            <a:r>
+              <a:rPr lang="en-US" dirty="0" err="1" smtClean="0"/>
+              <a:t>Netduino</a:t>
+            </a:r>
+            <a:r>
+              <a:rPr lang="en-US" dirty="0" smtClean="0"/>
+              <a:t> Digital Pin (or 3.3 volt pin to test)</a:t>
+            </a:r>
+            <a:endParaRPr lang="en-US" dirty="0"/>
+          </a:p>
+        </p:txBody>
+      </p:sp>
+    </p:spTree>
+    <p:extLst>
+      <p:ext uri="{BB962C8B-B14F-4D97-AF65-F5344CB8AC3E}">
+        <p14:creationId xmlns:p14="http://schemas.microsoft.com/office/powerpoint/2010/main" val="1440642141"/>
+      </p:ext>
+    </p:extLst>
+  </p:cSld>
+  <p:clrMapOvr>
+    <a:masterClrMapping/>
+  </p:clrMapOvr>
+</p:sld>
+</file>
+
+<file path=ppt/slides/slide16.xml><?xml version="1.0" encoding="utf-8"?>
+<p:sld xmlns:a="http://schemas.openxmlformats.org/drawingml/2006/main" xmlns:r="http://schemas.openxmlformats.org/officeDocument/2006/relationships" xmlns:p="http://schemas.openxmlformats.org/presentationml/2006/main">
+  <p:cSld>
+    <p:spTree>
+      <p:nvGrpSpPr>
+        <p:cNvPr id="1" name=""/>
+        <p:cNvGrpSpPr/>
+        <p:nvPr/>
+      </p:nvGrpSpPr>
+      <p:grpSpPr>
+        <a:xfrm>
+          <a:off x="0" y="0"/>
+          <a:ext cx="0" cy="0"/>
+          <a:chOff x="0" y="0"/>
+          <a:chExt cx="0" cy="0"/>
+        </a:xfrm>
+      </p:grpSpPr>
+      <p:sp>
+        <p:nvSpPr>
+          <p:cNvPr id="3" name="Title 2"/>
+          <p:cNvSpPr>
+            <a:spLocks noGrp="1"/>
+          </p:cNvSpPr>
+          <p:nvPr>
+            <p:ph type="title"/>
+          </p:nvPr>
+        </p:nvSpPr>
+        <p:spPr>
+          <a:xfrm>
+            <a:off x="0" y="228600"/>
+            <a:ext cx="9144000" cy="457200"/>
+          </a:xfrm>
+        </p:spPr>
+        <p:txBody>
+          <a:bodyPr anchor="ctr"/>
+          <a:lstStyle/>
+          <a:p>
+            <a:pPr algn="ctr"/>
+            <a:r>
+              <a:rPr lang="en-US" dirty="0" smtClean="0"/>
+              <a:t>LED’s</a:t>
+            </a:r>
+            <a:endParaRPr lang="en-US" dirty="0"/>
+          </a:p>
+        </p:txBody>
+      </p:sp>
+      <p:pic>
+        <p:nvPicPr>
+          <p:cNvPr id="2" name="Picture 1"/>
+          <p:cNvPicPr>
+            <a:picLocks noChangeAspect="1"/>
+          </p:cNvPicPr>
+          <p:nvPr/>
+        </p:nvPicPr>
+        <p:blipFill>
+          <a:blip r:embed="rId2" cstate="print">
+            <a:extLst>
+              <a:ext uri="{28A0092B-C50C-407E-A947-70E740481C1C}">
+                <a14:useLocalDpi xmlns:a14="http://schemas.microsoft.com/office/drawing/2010/main" val="0"/>
+              </a:ext>
+            </a:extLst>
+          </a:blip>
+          <a:stretch>
+            <a:fillRect/>
+          </a:stretch>
+        </p:blipFill>
+        <p:spPr>
+          <a:xfrm>
+            <a:off x="1752600" y="1143000"/>
+            <a:ext cx="2057400" cy="2745750"/>
+          </a:xfrm>
+          <a:prstGeom prst="rect">
+            <a:avLst/>
+          </a:prstGeom>
+        </p:spPr>
+      </p:pic>
+      <p:cxnSp>
+        <p:nvCxnSpPr>
+          <p:cNvPr id="6" name="Straight Arrow Connector 5"/>
+          <p:cNvCxnSpPr/>
+          <p:nvPr/>
+        </p:nvCxnSpPr>
+        <p:spPr>
+          <a:xfrm flipH="1">
+            <a:off x="2971800" y="2971800"/>
+            <a:ext cx="1828800" cy="457200"/>
+          </a:xfrm>
+          <a:prstGeom prst="straightConnector1">
+            <a:avLst/>
+          </a:prstGeom>
+          <a:ln w="25400">
+            <a:solidFill>
+              <a:srgbClr val="FF0000"/>
+            </a:solidFill>
+            <a:tailEnd type="stealth" w="lg" len="lg"/>
+          </a:ln>
+        </p:spPr>
+        <p:style>
+          <a:lnRef idx="1">
+            <a:schemeClr val="accent1"/>
+          </a:lnRef>
+          <a:fillRef idx="0">
+            <a:schemeClr val="accent1"/>
+          </a:fillRef>
+          <a:effectRef idx="0">
+            <a:schemeClr val="accent1"/>
+          </a:effectRef>
+          <a:fontRef idx="minor">
+            <a:schemeClr val="tx1"/>
+          </a:fontRef>
+        </p:style>
+      </p:cxnSp>
+      <p:sp>
+        <p:nvSpPr>
+          <p:cNvPr id="8" name="TextBox 7"/>
+          <p:cNvSpPr txBox="1"/>
+          <p:nvPr/>
+        </p:nvSpPr>
+        <p:spPr>
+          <a:xfrm>
+            <a:off x="4953000" y="2819400"/>
+            <a:ext cx="2438400" cy="381000"/>
+          </a:xfrm>
+          <a:prstGeom prst="rect">
+            <a:avLst/>
+          </a:prstGeom>
+          <a:noFill/>
+        </p:spPr>
+        <p:txBody>
+          <a:bodyPr wrap="square" rtlCol="0">
+            <a:spAutoFit/>
+          </a:bodyPr>
+          <a:lstStyle/>
+          <a:p>
+            <a:r>
+              <a:rPr lang="en-US" dirty="0" smtClean="0"/>
+              <a:t>Connect to Ground Bus</a:t>
+            </a:r>
+            <a:endParaRPr lang="en-US" dirty="0"/>
+          </a:p>
+        </p:txBody>
+      </p:sp>
+      <p:cxnSp>
+        <p:nvCxnSpPr>
+          <p:cNvPr id="9" name="Straight Arrow Connector 8"/>
+          <p:cNvCxnSpPr/>
+          <p:nvPr/>
+        </p:nvCxnSpPr>
+        <p:spPr>
+          <a:xfrm flipH="1" flipV="1">
+            <a:off x="2781300" y="3736350"/>
+            <a:ext cx="1866900" cy="378450"/>
+          </a:xfrm>
+          <a:prstGeom prst="straightConnector1">
+            <a:avLst/>
+          </a:prstGeom>
+          <a:ln w="25400">
+            <a:solidFill>
+              <a:srgbClr val="FF0000"/>
+            </a:solidFill>
+            <a:tailEnd type="stealth" w="lg" len="lg"/>
+          </a:ln>
+        </p:spPr>
+        <p:style>
+          <a:lnRef idx="1">
+            <a:schemeClr val="accent1"/>
+          </a:lnRef>
+          <a:fillRef idx="0">
+            <a:schemeClr val="accent1"/>
+          </a:fillRef>
+          <a:effectRef idx="0">
+            <a:schemeClr val="accent1"/>
+          </a:effectRef>
+          <a:fontRef idx="minor">
+            <a:schemeClr val="tx1"/>
+          </a:fontRef>
+        </p:style>
+      </p:cxnSp>
+      <p:sp>
+        <p:nvSpPr>
+          <p:cNvPr id="14" name="TextBox 13"/>
+          <p:cNvSpPr txBox="1"/>
+          <p:nvPr/>
+        </p:nvSpPr>
+        <p:spPr>
+          <a:xfrm>
+            <a:off x="4648200" y="3925575"/>
+            <a:ext cx="3505200" cy="646331"/>
+          </a:xfrm>
+          <a:prstGeom prst="rect">
+            <a:avLst/>
+          </a:prstGeom>
+          <a:noFill/>
+        </p:spPr>
+        <p:txBody>
+          <a:bodyPr wrap="square" rtlCol="0">
+            <a:spAutoFit/>
+          </a:bodyPr>
+          <a:lstStyle/>
+          <a:p>
+            <a:r>
+              <a:rPr lang="en-US" dirty="0" smtClean="0"/>
+              <a:t>Connect to </a:t>
+            </a:r>
+            <a:r>
+              <a:rPr lang="en-US" dirty="0" err="1" smtClean="0"/>
+              <a:t>Netduino</a:t>
+            </a:r>
+            <a:r>
+              <a:rPr lang="en-US" dirty="0" smtClean="0"/>
+              <a:t> Digital Pin (or 3.3 volt pin to test)</a:t>
+            </a:r>
+            <a:endParaRPr lang="en-US" dirty="0"/>
+          </a:p>
+        </p:txBody>
+      </p:sp>
+    </p:spTree>
+    <p:extLst>
+      <p:ext uri="{BB962C8B-B14F-4D97-AF65-F5344CB8AC3E}">
+        <p14:creationId xmlns:p14="http://schemas.microsoft.com/office/powerpoint/2010/main" val="202428849"/>
+      </p:ext>
+    </p:extLst>
+  </p:cSld>
+  <p:clrMapOvr>
+    <a:masterClrMapping/>
+  </p:clrMapOvr>
+</p:sld>
+</file>
+
+<file path=ppt/slides/slide17.xml><?xml version="1.0" encoding="utf-8"?>
+<p:sld xmlns:a="http://schemas.openxmlformats.org/drawingml/2006/main" xmlns:r="http://schemas.openxmlformats.org/officeDocument/2006/relationships" xmlns:p="http://schemas.openxmlformats.org/presentationml/2006/main">
+  <p:cSld>
+    <p:spTree>
+      <p:nvGrpSpPr>
+        <p:cNvPr id="1" name=""/>
+        <p:cNvGrpSpPr/>
+        <p:nvPr/>
+      </p:nvGrpSpPr>
+      <p:grpSpPr>
+        <a:xfrm>
+          <a:off x="0" y="0"/>
+          <a:ext cx="0" cy="0"/>
+          <a:chOff x="0" y="0"/>
+          <a:chExt cx="0" cy="0"/>
+        </a:xfrm>
+      </p:grpSpPr>
+      <p:pic>
+        <p:nvPicPr>
+          <p:cNvPr id="4" name="Picture 3"/>
+          <p:cNvPicPr>
+            <a:picLocks noChangeAspect="1"/>
+          </p:cNvPicPr>
+          <p:nvPr/>
+        </p:nvPicPr>
+        <p:blipFill>
+          <a:blip r:embed="rId2" cstate="print">
+            <a:extLst>
+              <a:ext uri="{28A0092B-C50C-407E-A947-70E740481C1C}">
+                <a14:useLocalDpi xmlns:a14="http://schemas.microsoft.com/office/drawing/2010/main" val="0"/>
+              </a:ext>
+            </a:extLst>
+          </a:blip>
+          <a:stretch>
+            <a:fillRect/>
+          </a:stretch>
+        </p:blipFill>
+        <p:spPr>
+          <a:xfrm>
+            <a:off x="1905781" y="1120905"/>
+            <a:ext cx="1959762" cy="2615445"/>
+          </a:xfrm>
+          <a:prstGeom prst="rect">
+            <a:avLst/>
+          </a:prstGeom>
+        </p:spPr>
+      </p:pic>
+      <p:sp>
+        <p:nvSpPr>
+          <p:cNvPr id="3" name="Title 2"/>
+          <p:cNvSpPr>
+            <a:spLocks noGrp="1"/>
+          </p:cNvSpPr>
+          <p:nvPr>
+            <p:ph type="title"/>
+          </p:nvPr>
+        </p:nvSpPr>
+        <p:spPr>
+          <a:xfrm>
+            <a:off x="0" y="228600"/>
+            <a:ext cx="9144000" cy="457200"/>
+          </a:xfrm>
+        </p:spPr>
+        <p:txBody>
+          <a:bodyPr anchor="ctr"/>
+          <a:lstStyle/>
+          <a:p>
+            <a:pPr algn="ctr"/>
+            <a:r>
+              <a:rPr lang="en-US" dirty="0" smtClean="0"/>
+              <a:t>Switches</a:t>
+            </a:r>
+            <a:endParaRPr lang="en-US" dirty="0"/>
+          </a:p>
+        </p:txBody>
+      </p:sp>
+      <p:cxnSp>
+        <p:nvCxnSpPr>
+          <p:cNvPr id="6" name="Straight Arrow Connector 5"/>
+          <p:cNvCxnSpPr/>
+          <p:nvPr/>
+        </p:nvCxnSpPr>
+        <p:spPr>
+          <a:xfrm flipH="1">
+            <a:off x="2971800" y="2971800"/>
+            <a:ext cx="1828800" cy="457200"/>
+          </a:xfrm>
+          <a:prstGeom prst="straightConnector1">
+            <a:avLst/>
+          </a:prstGeom>
+          <a:ln w="25400">
+            <a:solidFill>
+              <a:srgbClr val="FF0000"/>
+            </a:solidFill>
+            <a:tailEnd type="stealth" w="lg" len="lg"/>
+          </a:ln>
+        </p:spPr>
+        <p:style>
+          <a:lnRef idx="1">
+            <a:schemeClr val="accent1"/>
+          </a:lnRef>
+          <a:fillRef idx="0">
+            <a:schemeClr val="accent1"/>
+          </a:fillRef>
+          <a:effectRef idx="0">
+            <a:schemeClr val="accent1"/>
+          </a:effectRef>
+          <a:fontRef idx="minor">
+            <a:schemeClr val="tx1"/>
+          </a:fontRef>
+        </p:style>
+      </p:cxnSp>
+      <p:sp>
+        <p:nvSpPr>
+          <p:cNvPr id="8" name="TextBox 7"/>
+          <p:cNvSpPr txBox="1"/>
+          <p:nvPr/>
+        </p:nvSpPr>
+        <p:spPr>
+          <a:xfrm>
+            <a:off x="4953000" y="2819400"/>
+            <a:ext cx="2438400" cy="381000"/>
+          </a:xfrm>
+          <a:prstGeom prst="rect">
+            <a:avLst/>
+          </a:prstGeom>
+          <a:noFill/>
+        </p:spPr>
+        <p:txBody>
+          <a:bodyPr wrap="square" rtlCol="0">
+            <a:spAutoFit/>
+          </a:bodyPr>
+          <a:lstStyle/>
+          <a:p>
+            <a:r>
+              <a:rPr lang="en-US" dirty="0" smtClean="0"/>
+              <a:t>Connect to Ground Bus</a:t>
+            </a:r>
+            <a:endParaRPr lang="en-US" dirty="0"/>
+          </a:p>
+        </p:txBody>
+      </p:sp>
+      <p:cxnSp>
+        <p:nvCxnSpPr>
+          <p:cNvPr id="9" name="Straight Arrow Connector 8"/>
+          <p:cNvCxnSpPr/>
+          <p:nvPr/>
+        </p:nvCxnSpPr>
+        <p:spPr>
+          <a:xfrm flipH="1" flipV="1">
+            <a:off x="2628900" y="3429000"/>
+            <a:ext cx="1943100" cy="1063459"/>
+          </a:xfrm>
+          <a:prstGeom prst="straightConnector1">
+            <a:avLst/>
+          </a:prstGeom>
+          <a:ln w="25400">
+            <a:solidFill>
+              <a:srgbClr val="FF0000"/>
+            </a:solidFill>
+            <a:tailEnd type="stealth" w="lg" len="lg"/>
+          </a:ln>
+        </p:spPr>
+        <p:style>
+          <a:lnRef idx="1">
+            <a:schemeClr val="accent1"/>
+          </a:lnRef>
+          <a:fillRef idx="0">
+            <a:schemeClr val="accent1"/>
+          </a:fillRef>
+          <a:effectRef idx="0">
+            <a:schemeClr val="accent1"/>
+          </a:effectRef>
+          <a:fontRef idx="minor">
+            <a:schemeClr val="tx1"/>
+          </a:fontRef>
+        </p:style>
+      </p:cxnSp>
+      <p:sp>
+        <p:nvSpPr>
+          <p:cNvPr id="14" name="TextBox 13"/>
+          <p:cNvSpPr txBox="1"/>
+          <p:nvPr/>
+        </p:nvSpPr>
+        <p:spPr>
+          <a:xfrm>
+            <a:off x="4648200" y="4307793"/>
+            <a:ext cx="3505200" cy="369332"/>
+          </a:xfrm>
+          <a:prstGeom prst="rect">
+            <a:avLst/>
+          </a:prstGeom>
+          <a:noFill/>
+        </p:spPr>
+        <p:txBody>
+          <a:bodyPr wrap="square" rtlCol="0">
+            <a:spAutoFit/>
+          </a:bodyPr>
+          <a:lstStyle/>
+          <a:p>
+            <a:r>
+              <a:rPr lang="en-US" dirty="0" smtClean="0"/>
+              <a:t>Connect to </a:t>
+            </a:r>
+            <a:r>
+              <a:rPr lang="en-US" dirty="0" err="1" smtClean="0"/>
+              <a:t>Netduino</a:t>
+            </a:r>
+            <a:r>
+              <a:rPr lang="en-US" dirty="0" smtClean="0"/>
+              <a:t> Digital Pin</a:t>
+            </a:r>
+            <a:endParaRPr lang="en-US" dirty="0"/>
+          </a:p>
+        </p:txBody>
+      </p:sp>
+    </p:spTree>
+    <p:extLst>
+      <p:ext uri="{BB962C8B-B14F-4D97-AF65-F5344CB8AC3E}">
+        <p14:creationId xmlns:p14="http://schemas.microsoft.com/office/powerpoint/2010/main" val="2788690756"/>
+      </p:ext>
+    </p:extLst>
+  </p:cSld>
+  <p:clrMapOvr>
+    <a:masterClrMapping/>
+  </p:clrMapOvr>
+</p:sld>
+</file>
+
+<file path=ppt/slides/slide18.xml><?xml version="1.0" encoding="utf-8"?>
+<p:sld xmlns:a="http://schemas.openxmlformats.org/drawingml/2006/main" xmlns:r="http://schemas.openxmlformats.org/officeDocument/2006/relationships" xmlns:p="http://schemas.openxmlformats.org/presentationml/2006/main">
+  <p:cSld>
+    <p:spTree>
+      <p:nvGrpSpPr>
+        <p:cNvPr id="1" name=""/>
+        <p:cNvGrpSpPr/>
+        <p:nvPr/>
+      </p:nvGrpSpPr>
+      <p:grpSpPr>
+        <a:xfrm>
+          <a:off x="0" y="0"/>
+          <a:ext cx="0" cy="0"/>
+          <a:chOff x="0" y="0"/>
+          <a:chExt cx="0" cy="0"/>
+        </a:xfrm>
+      </p:grpSpPr>
+      <p:sp>
+        <p:nvSpPr>
+          <p:cNvPr id="2" name="Content Placeholder 1"/>
+          <p:cNvSpPr>
+            <a:spLocks noGrp="1"/>
+          </p:cNvSpPr>
+          <p:nvPr>
+            <p:ph sz="quarter" idx="13"/>
+          </p:nvPr>
+        </p:nvSpPr>
+        <p:spPr>
+          <a:xfrm>
+            <a:off x="609600" y="1545336"/>
+            <a:ext cx="8077200" cy="3886200"/>
+          </a:xfrm>
+        </p:spPr>
+        <p:txBody>
+          <a:bodyPr>
+            <a:noAutofit/>
+          </a:bodyPr>
+          <a:lstStyle/>
+          <a:p>
+            <a:r>
+              <a:rPr lang="en-US" sz="2400" dirty="0"/>
+              <a:t>Pick a device to build</a:t>
+            </a:r>
+          </a:p>
+          <a:p>
+            <a:pPr lvl="1"/>
+            <a:r>
+              <a:rPr lang="en-US" sz="2400" dirty="0" smtClean="0"/>
+              <a:t>Doorbell (easiest)</a:t>
+            </a:r>
+            <a:endParaRPr lang="en-US" sz="2400" dirty="0"/>
+          </a:p>
+          <a:p>
+            <a:pPr lvl="1"/>
+            <a:r>
+              <a:rPr lang="en-US" sz="2400" dirty="0" smtClean="0"/>
+              <a:t>Alarm (a little harder)</a:t>
+            </a:r>
+            <a:endParaRPr lang="en-US" sz="2400" dirty="0"/>
+          </a:p>
+          <a:p>
+            <a:pPr lvl="1"/>
+            <a:r>
+              <a:rPr lang="en-US" sz="2400" dirty="0"/>
+              <a:t>External </a:t>
+            </a:r>
+            <a:r>
+              <a:rPr lang="en-US" sz="2400" dirty="0" smtClean="0"/>
+              <a:t>Door (hardest)</a:t>
+            </a:r>
+            <a:endParaRPr lang="en-US" sz="2400" dirty="0"/>
+          </a:p>
+          <a:p>
+            <a:pPr lvl="1"/>
+            <a:r>
+              <a:rPr lang="en-US" sz="2400" dirty="0"/>
+              <a:t>Alarm </a:t>
+            </a:r>
+            <a:r>
+              <a:rPr lang="en-US" sz="2400" dirty="0" smtClean="0"/>
+              <a:t>Panel (hardest)</a:t>
+            </a:r>
+            <a:endParaRPr lang="en-US" sz="2400" dirty="0"/>
+          </a:p>
+          <a:p>
+            <a:r>
+              <a:rPr lang="en-US" sz="2400" dirty="0" smtClean="0"/>
+              <a:t>Fill out the signup </a:t>
+            </a:r>
+            <a:r>
+              <a:rPr lang="en-US" sz="2400" dirty="0" smtClean="0"/>
+              <a:t>sheet</a:t>
+            </a:r>
+          </a:p>
+          <a:p>
+            <a:pPr lvl="1"/>
+            <a:r>
+              <a:rPr lang="en-US" sz="2400" dirty="0" smtClean="0"/>
+              <a:t>Unique Client ID (use your initials)</a:t>
+            </a:r>
+            <a:endParaRPr lang="en-US" sz="2400" dirty="0" smtClean="0"/>
+          </a:p>
+          <a:p>
+            <a:r>
+              <a:rPr lang="en-US" sz="2400" dirty="0" smtClean="0"/>
+              <a:t>Get your parts</a:t>
+            </a:r>
+          </a:p>
+          <a:p>
+            <a:r>
+              <a:rPr lang="en-US" sz="2400" dirty="0" smtClean="0"/>
+              <a:t>Code the solution</a:t>
+            </a:r>
+          </a:p>
+          <a:p>
+            <a:pPr lvl="1"/>
+            <a:r>
+              <a:rPr lang="en-US" sz="2400" dirty="0" smtClean="0"/>
+              <a:t>Reference </a:t>
+            </a:r>
+            <a:r>
+              <a:rPr lang="en-US" sz="2400" dirty="0" smtClean="0">
+                <a:hlinkClick r:id="rId2"/>
+              </a:rPr>
+              <a:t>HTTP://www.CloudHomeSecurity.com</a:t>
+            </a:r>
+            <a:endParaRPr lang="en-US" sz="2400" dirty="0" smtClean="0"/>
+          </a:p>
+          <a:p>
+            <a:pPr lvl="1"/>
+            <a:endParaRPr lang="en-US" sz="2400" dirty="0" smtClean="0"/>
+          </a:p>
+        </p:txBody>
+      </p:sp>
+      <p:sp>
+        <p:nvSpPr>
+          <p:cNvPr id="3" name="Title 2"/>
+          <p:cNvSpPr>
+            <a:spLocks noGrp="1"/>
+          </p:cNvSpPr>
+          <p:nvPr>
+            <p:ph type="title"/>
+          </p:nvPr>
+        </p:nvSpPr>
+        <p:spPr>
+          <a:xfrm>
+            <a:off x="76200" y="228600"/>
+            <a:ext cx="8991600" cy="457200"/>
+          </a:xfrm>
+        </p:spPr>
+        <p:txBody>
+          <a:bodyPr/>
+          <a:lstStyle/>
+          <a:p>
+            <a:pPr algn="ctr"/>
+            <a:r>
+              <a:rPr lang="en-US" dirty="0" smtClean="0"/>
+              <a:t>Lets GET STARTED</a:t>
+            </a:r>
+            <a:endParaRPr lang="en-US" dirty="0"/>
+          </a:p>
+        </p:txBody>
+      </p:sp>
+    </p:spTree>
+    <p:extLst>
+      <p:ext uri="{BB962C8B-B14F-4D97-AF65-F5344CB8AC3E}">
+        <p14:creationId xmlns:p14="http://schemas.microsoft.com/office/powerpoint/2010/main" val="2520951345"/>
+      </p:ext>
+    </p:extLst>
+  </p:cSld>
+  <p:clrMapOvr>
+    <a:masterClrMapping/>
+  </p:clrMapOvr>
+  <p:timing>
+    <p:tnLst>
+      <p:par>
+        <p:cTn id="1" dur="indefinite" restart="never" nodeType="tmRoot"/>
+      </p:par>
+    </p:tnLst>
+  </p:timing>
+</p:sld>
+</file>
+
+<file path=ppt/slides/slide19.xml><?xml version="1.0" encoding="utf-8"?>
+<p:sld xmlns:a="http://schemas.openxmlformats.org/drawingml/2006/main" xmlns:r="http://schemas.openxmlformats.org/officeDocument/2006/relationships" xmlns:p="http://schemas.openxmlformats.org/presentationml/2006/main">
+  <p:cSld>
+    <p:spTree>
+      <p:nvGrpSpPr>
+        <p:cNvPr id="1" name=""/>
+        <p:cNvGrpSpPr/>
+        <p:nvPr/>
+      </p:nvGrpSpPr>
+      <p:grpSpPr>
+        <a:xfrm>
+          <a:off x="0" y="0"/>
+          <a:ext cx="0" cy="0"/>
+          <a:chOff x="0" y="0"/>
+          <a:chExt cx="0" cy="0"/>
+        </a:xfrm>
+      </p:grpSpPr>
+      <p:sp>
+        <p:nvSpPr>
+          <p:cNvPr id="3" name="Title 2"/>
+          <p:cNvSpPr>
+            <a:spLocks noGrp="1"/>
+          </p:cNvSpPr>
+          <p:nvPr>
+            <p:ph type="title"/>
+          </p:nvPr>
+        </p:nvSpPr>
+        <p:spPr>
+          <a:xfrm>
+            <a:off x="0" y="228600"/>
+            <a:ext cx="9144000" cy="457200"/>
+          </a:xfrm>
+        </p:spPr>
+        <p:txBody>
+          <a:bodyPr anchor="ctr">
+            <a:normAutofit/>
+          </a:bodyPr>
+          <a:lstStyle/>
+          <a:p>
+            <a:pPr algn="ctr"/>
+            <a:r>
+              <a:rPr lang="en-US" dirty="0" smtClean="0"/>
+              <a:t>Securing Messages</a:t>
+            </a:r>
+            <a:endParaRPr lang="en-US" dirty="0"/>
+          </a:p>
+        </p:txBody>
+      </p:sp>
+      <p:sp>
+        <p:nvSpPr>
+          <p:cNvPr id="4" name="Rectangle 3"/>
+          <p:cNvSpPr/>
+          <p:nvPr/>
+        </p:nvSpPr>
+        <p:spPr>
+          <a:xfrm>
+            <a:off x="1295400" y="914400"/>
+            <a:ext cx="7086600" cy="981423"/>
+          </a:xfrm>
+          <a:prstGeom prst="rect">
+            <a:avLst/>
+          </a:prstGeom>
+        </p:spPr>
+        <p:txBody>
+          <a:bodyPr wrap="square">
+            <a:spAutoFit/>
+          </a:bodyPr>
+          <a:lstStyle/>
+          <a:p>
+            <a:pPr marL="285750" indent="-285750">
+              <a:lnSpc>
+                <a:spcPct val="107000"/>
+              </a:lnSpc>
+              <a:buFont typeface="Arial" panose="020B0604020202020204" pitchFamily="34" charset="0"/>
+              <a:buChar char="•"/>
+            </a:pPr>
+            <a:r>
+              <a:rPr lang="en-US" dirty="0" smtClean="0">
+                <a:latin typeface="Calibri" panose="020F0502020204030204" pitchFamily="34" charset="0"/>
+                <a:ea typeface="Calibri" panose="020F0502020204030204" pitchFamily="34" charset="0"/>
+                <a:cs typeface="Times New Roman" panose="02020603050405020304" pitchFamily="18" charset="0"/>
+              </a:rPr>
+              <a:t>VPN</a:t>
+            </a:r>
+          </a:p>
+          <a:p>
+            <a:pPr marL="285750" indent="-285750">
+              <a:lnSpc>
+                <a:spcPct val="107000"/>
+              </a:lnSpc>
+              <a:buFont typeface="Arial" panose="020B0604020202020204" pitchFamily="34" charset="0"/>
+              <a:buChar char="•"/>
+            </a:pPr>
+            <a:r>
+              <a:rPr lang="en-US" dirty="0" smtClean="0">
+                <a:latin typeface="Calibri" panose="020F0502020204030204" pitchFamily="34" charset="0"/>
+                <a:ea typeface="Calibri" panose="020F0502020204030204" pitchFamily="34" charset="0"/>
+                <a:cs typeface="Times New Roman" panose="02020603050405020304" pitchFamily="18" charset="0"/>
+              </a:rPr>
+              <a:t>Restricted IP’s</a:t>
+            </a:r>
+          </a:p>
+          <a:p>
+            <a:pPr marL="285750" indent="-285750">
+              <a:lnSpc>
+                <a:spcPct val="107000"/>
+              </a:lnSpc>
+              <a:buFont typeface="Arial" panose="020B0604020202020204" pitchFamily="34" charset="0"/>
+              <a:buChar char="•"/>
+            </a:pPr>
+            <a:r>
+              <a:rPr lang="en-US" dirty="0" smtClean="0">
+                <a:latin typeface="Calibri" panose="020F0502020204030204" pitchFamily="34" charset="0"/>
+                <a:ea typeface="Calibri" panose="020F0502020204030204" pitchFamily="34" charset="0"/>
+                <a:cs typeface="Times New Roman" panose="02020603050405020304" pitchFamily="18" charset="0"/>
+              </a:rPr>
+              <a:t>HTTPS and a gateway broker</a:t>
+            </a:r>
+          </a:p>
+        </p:txBody>
+      </p:sp>
+    </p:spTree>
+    <p:extLst>
+      <p:ext uri="{BB962C8B-B14F-4D97-AF65-F5344CB8AC3E}">
+        <p14:creationId xmlns:p14="http://schemas.microsoft.com/office/powerpoint/2010/main" val="904537114"/>
       </p:ext>
     </p:extLst>
   </p:cSld>
@@ -6510,13 +8966,8 @@
             </a:pPr>
             <a:r>
               <a:rPr lang="en-US" sz="2400" b="1" dirty="0" smtClean="0"/>
-              <a:t>This is not a real security system</a:t>
-            </a:r>
-            <a:r>
-              <a:rPr lang="en-US" sz="2400" b="1" dirty="0" smtClean="0"/>
-              <a:t>!</a:t>
-            </a:r>
-            <a:endParaRPr lang="en-US" sz="2400" b="1" dirty="0" smtClean="0"/>
+              <a:t>This is not a real security system!</a:t>
+            </a:r>
           </a:p>
         </p:txBody>
       </p:sp>
@@ -6884,7 +9335,6 @@
               <a:rPr lang="en-US" sz="2400" dirty="0"/>
               <a:t>Do not use this as your Home Security System</a:t>
             </a:r>
-            <a:endParaRPr lang="en-US" sz="2400" dirty="0"/>
           </a:p>
         </p:txBody>
       </p:sp>
@@ -6892,6 +9342,72 @@
     <p:extLst>
       <p:ext uri="{BB962C8B-B14F-4D97-AF65-F5344CB8AC3E}">
         <p14:creationId xmlns:p14="http://schemas.microsoft.com/office/powerpoint/2010/main" val="2456412407"/>
+      </p:ext>
+    </p:extLst>
+  </p:cSld>
+  <p:clrMapOvr>
+    <a:masterClrMapping/>
+  </p:clrMapOvr>
+  <p:timing>
+    <p:tnLst>
+      <p:par>
+        <p:cTn id="1" dur="indefinite" restart="never" nodeType="tmRoot"/>
+      </p:par>
+    </p:tnLst>
+  </p:timing>
+</p:sld>
+</file>
+
+<file path=ppt/slides/slide20.xml><?xml version="1.0" encoding="utf-8"?>
+<p:sld xmlns:a="http://schemas.openxmlformats.org/drawingml/2006/main" xmlns:r="http://schemas.openxmlformats.org/officeDocument/2006/relationships" xmlns:p="http://schemas.openxmlformats.org/presentationml/2006/main">
+  <p:cSld>
+    <p:spTree>
+      <p:nvGrpSpPr>
+        <p:cNvPr id="1" name=""/>
+        <p:cNvGrpSpPr/>
+        <p:nvPr/>
+      </p:nvGrpSpPr>
+      <p:grpSpPr>
+        <a:xfrm>
+          <a:off x="0" y="0"/>
+          <a:ext cx="0" cy="0"/>
+          <a:chOff x="0" y="0"/>
+          <a:chExt cx="0" cy="0"/>
+        </a:xfrm>
+      </p:grpSpPr>
+      <p:sp>
+        <p:nvSpPr>
+          <p:cNvPr id="3" name="Title 2"/>
+          <p:cNvSpPr>
+            <a:spLocks noGrp="1"/>
+          </p:cNvSpPr>
+          <p:nvPr>
+            <p:ph type="title"/>
+          </p:nvPr>
+        </p:nvSpPr>
+        <p:spPr>
+          <a:xfrm>
+            <a:off x="76200" y="228600"/>
+            <a:ext cx="8991600" cy="457200"/>
+          </a:xfrm>
+        </p:spPr>
+        <p:txBody>
+          <a:bodyPr/>
+          <a:lstStyle/>
+          <a:p>
+            <a:pPr algn="ctr"/>
+            <a:r>
+              <a:rPr lang="en-US" dirty="0" smtClean="0"/>
+              <a:t>Messaging patterns</a:t>
+            </a:r>
+            <a:endParaRPr lang="en-US" dirty="0"/>
+          </a:p>
+        </p:txBody>
+      </p:sp>
+    </p:spTree>
+    <p:extLst>
+      <p:ext uri="{BB962C8B-B14F-4D97-AF65-F5344CB8AC3E}">
+        <p14:creationId xmlns:p14="http://schemas.microsoft.com/office/powerpoint/2010/main" val="1716295015"/>
       </p:ext>
     </p:extLst>
   </p:cSld>
@@ -11423,7 +13939,6 @@
               <a:rPr lang="en-US" sz="1600" dirty="0" smtClean="0"/>
               <a:t>Service Bus (Messaging)</a:t>
             </a:r>
-            <a:endParaRPr lang="en-US" sz="1600" dirty="0" smtClean="0"/>
           </a:p>
           <a:p>
             <a:pPr lvl="1"/>
@@ -11452,17 +13967,12 @@
               <a:rPr lang="en-US" sz="1600" dirty="0" smtClean="0"/>
               <a:t>Networking (VPN)</a:t>
             </a:r>
-            <a:endParaRPr lang="en-US" sz="1600" dirty="0" smtClean="0"/>
           </a:p>
           <a:p>
             <a:pPr lvl="1"/>
             <a:r>
               <a:rPr lang="en-US" sz="1600" dirty="0" smtClean="0"/>
-              <a:t>Web </a:t>
-            </a:r>
-            <a:r>
-              <a:rPr lang="en-US" sz="1600" dirty="0" smtClean="0"/>
-              <a:t>sites (10 free)</a:t>
+              <a:t>Web sites (10 free)</a:t>
             </a:r>
           </a:p>
           <a:p>
@@ -11520,7 +14030,6 @@
               <a:rPr lang="en-US" sz="1600" dirty="0" smtClean="0"/>
               <a:t>Store</a:t>
             </a:r>
-            <a:endParaRPr lang="en-US" sz="1600" dirty="0" smtClean="0"/>
           </a:p>
           <a:p>
             <a:endParaRPr lang="en-US" dirty="0"/>
@@ -11835,99 +14344,6 @@
       </p:grpSpPr>
       <p:sp>
         <p:nvSpPr>
-          <p:cNvPr id="2" name="Content Placeholder 1"/>
-          <p:cNvSpPr>
-            <a:spLocks noGrp="1"/>
-          </p:cNvSpPr>
-          <p:nvPr>
-            <p:ph sz="quarter" idx="13"/>
-          </p:nvPr>
-        </p:nvSpPr>
-        <p:spPr>
-          <a:xfrm>
-            <a:off x="609600" y="1545336"/>
-            <a:ext cx="8077200" cy="3886200"/>
-          </a:xfrm>
-        </p:spPr>
-        <p:txBody>
-          <a:bodyPr>
-            <a:noAutofit/>
-          </a:bodyPr>
-          <a:lstStyle/>
-          <a:p>
-            <a:r>
-              <a:rPr lang="en-US" sz="2400" dirty="0"/>
-              <a:t>Pick a device to build</a:t>
-            </a:r>
-          </a:p>
-          <a:p>
-            <a:pPr lvl="1"/>
-            <a:r>
-              <a:rPr lang="en-US" sz="2400" dirty="0"/>
-              <a:t>Doorbell</a:t>
-            </a:r>
-          </a:p>
-          <a:p>
-            <a:pPr lvl="1"/>
-            <a:r>
-              <a:rPr lang="en-US" sz="2400" dirty="0"/>
-              <a:t>Alarm</a:t>
-            </a:r>
-          </a:p>
-          <a:p>
-            <a:pPr lvl="1"/>
-            <a:r>
-              <a:rPr lang="en-US" sz="2400" dirty="0"/>
-              <a:t>External Door</a:t>
-            </a:r>
-          </a:p>
-          <a:p>
-            <a:pPr lvl="1"/>
-            <a:r>
-              <a:rPr lang="en-US" sz="2400" dirty="0"/>
-              <a:t>Alarm Panel</a:t>
-            </a:r>
-          </a:p>
-          <a:p>
-            <a:r>
-              <a:rPr lang="en-US" sz="2400" dirty="0" smtClean="0"/>
-              <a:t>Fill out the signup sheet</a:t>
-            </a:r>
-          </a:p>
-          <a:p>
-            <a:r>
-              <a:rPr lang="en-US" sz="2400" dirty="0" smtClean="0"/>
-              <a:t>Get your parts</a:t>
-            </a:r>
-          </a:p>
-          <a:p>
-            <a:r>
-              <a:rPr lang="en-US" sz="2400" dirty="0" smtClean="0"/>
-              <a:t>Code the solution</a:t>
-            </a:r>
-          </a:p>
-          <a:p>
-            <a:pPr lvl="1"/>
-            <a:r>
-              <a:rPr lang="en-US" sz="2400" dirty="0" smtClean="0"/>
-              <a:t>Reference </a:t>
-            </a:r>
-            <a:r>
-              <a:rPr lang="en-US" sz="2400" dirty="0" smtClean="0">
-                <a:hlinkClick r:id="rId2"/>
-              </a:rPr>
-              <a:t>HTTP://www.CloudHomeSecurity.com</a:t>
-            </a:r>
-            <a:endParaRPr lang="en-US" sz="2400" dirty="0" smtClean="0"/>
-          </a:p>
-          <a:p>
-            <a:pPr lvl="1"/>
-            <a:endParaRPr lang="en-US" sz="2400" dirty="0" smtClean="0"/>
-          </a:p>
-        </p:txBody>
-      </p:sp>
-      <p:sp>
-        <p:nvSpPr>
           <p:cNvPr id="3" name="Title 2"/>
           <p:cNvSpPr>
             <a:spLocks noGrp="1"/>
@@ -11938,27 +14354,29 @@
         </p:nvSpPr>
         <p:spPr>
           <a:xfrm>
-            <a:off x="76200" y="228600"/>
-            <a:ext cx="8991600" cy="457200"/>
-          </a:xfrm>
-        </p:spPr>
-        <p:txBody>
-          <a:bodyPr/>
+            <a:off x="-17929" y="1676400"/>
+            <a:ext cx="9144000" cy="3276600"/>
+          </a:xfrm>
+        </p:spPr>
+        <p:txBody>
+          <a:bodyPr anchor="ctr">
+            <a:normAutofit/>
+          </a:bodyPr>
           <a:lstStyle/>
           <a:p>
             <a:pPr algn="ctr"/>
             <a:r>
-              <a:rPr lang="en-US" dirty="0" smtClean="0"/>
-              <a:t>Lets GET STARTED</a:t>
-            </a:r>
-            <a:endParaRPr lang="en-US" dirty="0"/>
+              <a:rPr lang="en-US" sz="4400" dirty="0" smtClean="0"/>
+              <a:t>DEMO</a:t>
+            </a:r>
+            <a:endParaRPr lang="en-US" sz="4400" dirty="0"/>
           </a:p>
         </p:txBody>
       </p:sp>
     </p:spTree>
     <p:extLst>
       <p:ext uri="{BB962C8B-B14F-4D97-AF65-F5344CB8AC3E}">
-        <p14:creationId xmlns:p14="http://schemas.microsoft.com/office/powerpoint/2010/main" val="2520951345"/>
+        <p14:creationId xmlns:p14="http://schemas.microsoft.com/office/powerpoint/2010/main" val="4251222608"/>
       </p:ext>
     </p:extLst>
   </p:cSld>
@@ -12229,6 +14647,291 @@
       </p:grpSpPr>
       <p:sp>
         <p:nvSpPr>
+          <p:cNvPr id="2" name="Content Placeholder 1"/>
+          <p:cNvSpPr>
+            <a:spLocks noGrp="1"/>
+          </p:cNvSpPr>
+          <p:nvPr>
+            <p:ph sz="quarter" idx="13"/>
+          </p:nvPr>
+        </p:nvSpPr>
+        <p:spPr>
+          <a:xfrm>
+            <a:off x="1676400" y="1676400"/>
+            <a:ext cx="5791200" cy="4114800"/>
+          </a:xfrm>
+        </p:spPr>
+        <p:txBody>
+          <a:bodyPr>
+            <a:normAutofit fontScale="92500" lnSpcReduction="20000"/>
+          </a:bodyPr>
+          <a:lstStyle/>
+          <a:p>
+            <a:r>
+              <a:rPr lang="en-US" sz="1900" b="1" dirty="0" smtClean="0"/>
+              <a:t>Features</a:t>
+            </a:r>
+          </a:p>
+          <a:p>
+            <a:pPr lvl="1"/>
+            <a:r>
+              <a:rPr lang="en-US" sz="1900" b="1" dirty="0" smtClean="0"/>
+              <a:t>Lightweight</a:t>
+            </a:r>
+          </a:p>
+          <a:p>
+            <a:pPr lvl="1"/>
+            <a:r>
+              <a:rPr lang="en-US" sz="1900" b="1" dirty="0" smtClean="0"/>
+              <a:t>Publish/Subscribe</a:t>
+            </a:r>
+          </a:p>
+          <a:p>
+            <a:pPr lvl="1"/>
+            <a:r>
+              <a:rPr lang="en-US" sz="1900" b="1" dirty="0" smtClean="0"/>
+              <a:t>Open published protocol</a:t>
+            </a:r>
+          </a:p>
+          <a:p>
+            <a:r>
+              <a:rPr lang="en-US" sz="1900" b="1" dirty="0" smtClean="0"/>
+              <a:t>How long</a:t>
+            </a:r>
+          </a:p>
+          <a:p>
+            <a:pPr lvl="1"/>
+            <a:r>
+              <a:rPr lang="en-US" sz="1900" b="1" dirty="0" smtClean="0"/>
+              <a:t>Invented in 1999 </a:t>
+            </a:r>
+          </a:p>
+          <a:p>
+            <a:pPr lvl="1"/>
+            <a:r>
+              <a:rPr lang="en-US" sz="1900" b="1" dirty="0" err="1" smtClean="0"/>
+              <a:t>Dr</a:t>
+            </a:r>
+            <a:r>
+              <a:rPr lang="en-US" sz="1900" b="1" dirty="0" smtClean="0"/>
+              <a:t> Andy </a:t>
+            </a:r>
+            <a:r>
+              <a:rPr lang="en-US" sz="1900" b="1" dirty="0" err="1" smtClean="0"/>
+              <a:t>Standford</a:t>
+            </a:r>
+            <a:r>
+              <a:rPr lang="en-US" sz="1900" b="1" dirty="0" smtClean="0"/>
+              <a:t>-Clark</a:t>
+            </a:r>
+          </a:p>
+          <a:p>
+            <a:pPr lvl="1"/>
+            <a:r>
+              <a:rPr lang="en-US" sz="1900" b="1" dirty="0" smtClean="0"/>
+              <a:t>Arlen Nipper</a:t>
+            </a:r>
+          </a:p>
+          <a:p>
+            <a:r>
+              <a:rPr lang="en-US" sz="1900" b="1" dirty="0" smtClean="0"/>
+              <a:t>Used By</a:t>
+            </a:r>
+          </a:p>
+          <a:p>
+            <a:pPr lvl="1"/>
+            <a:r>
+              <a:rPr lang="en-US" sz="1900" b="1" dirty="0" smtClean="0"/>
+              <a:t>Facebook (messenger)</a:t>
+            </a:r>
+          </a:p>
+          <a:p>
+            <a:pPr lvl="1"/>
+            <a:r>
+              <a:rPr lang="en-US" sz="1900" b="1" dirty="0" err="1" smtClean="0"/>
+              <a:t>Github</a:t>
+            </a:r>
+            <a:endParaRPr lang="en-US" sz="1900" b="1" dirty="0" smtClean="0"/>
+          </a:p>
+          <a:p>
+            <a:pPr lvl="1"/>
+            <a:r>
+              <a:rPr lang="en-US" sz="1900" b="1" dirty="0" smtClean="0"/>
+              <a:t>COSM (</a:t>
+            </a:r>
+            <a:r>
+              <a:rPr lang="en-US" sz="2000" b="1" dirty="0" smtClean="0"/>
+              <a:t>formerly </a:t>
+            </a:r>
+            <a:r>
+              <a:rPr lang="en-US" sz="2000" b="1" dirty="0" err="1" smtClean="0"/>
+              <a:t>Pachube</a:t>
+            </a:r>
+            <a:r>
+              <a:rPr lang="en-US" sz="2000" b="1" dirty="0" smtClean="0"/>
+              <a:t>)</a:t>
+            </a:r>
+          </a:p>
+          <a:p>
+            <a:pPr lvl="1"/>
+            <a:r>
+              <a:rPr lang="en-US" sz="2000" b="1" dirty="0" err="1" smtClean="0"/>
+              <a:t>RabbitMQ</a:t>
+            </a:r>
+            <a:r>
+              <a:rPr lang="en-US" sz="2000" b="1" dirty="0" smtClean="0"/>
+              <a:t> (MQTT Adapter)</a:t>
+            </a:r>
+          </a:p>
+          <a:p>
+            <a:pPr lvl="1"/>
+            <a:r>
+              <a:rPr lang="en-US" sz="2000" b="1" dirty="0" err="1" smtClean="0"/>
+              <a:t>Websphere</a:t>
+            </a:r>
+            <a:r>
+              <a:rPr lang="en-US" sz="2000" b="1" dirty="0" smtClean="0"/>
+              <a:t> MQ</a:t>
+            </a:r>
+          </a:p>
+          <a:p>
+            <a:pPr lvl="1"/>
+            <a:endParaRPr lang="en-US" sz="1900" b="1" dirty="0" smtClean="0"/>
+          </a:p>
+          <a:p>
+            <a:pPr lvl="1"/>
+            <a:endParaRPr lang="en-US" sz="1900" b="1" dirty="0"/>
+          </a:p>
+          <a:p>
+            <a:pPr marL="0" indent="0">
+              <a:buNone/>
+            </a:pPr>
+            <a:endParaRPr lang="en-US" sz="1900" b="1" dirty="0" smtClean="0"/>
+          </a:p>
+          <a:p>
+            <a:pPr marL="0" indent="0">
+              <a:buNone/>
+            </a:pPr>
+            <a:endParaRPr lang="en-US" sz="1900" b="1" dirty="0"/>
+          </a:p>
+          <a:p>
+            <a:pPr marL="0" indent="0">
+              <a:buNone/>
+            </a:pPr>
+            <a:endParaRPr lang="en-US" sz="1900" b="1" dirty="0" smtClean="0"/>
+          </a:p>
+          <a:p>
+            <a:endParaRPr lang="en-US" dirty="0"/>
+          </a:p>
+        </p:txBody>
+      </p:sp>
+      <p:sp>
+        <p:nvSpPr>
+          <p:cNvPr id="3" name="Title 2"/>
+          <p:cNvSpPr>
+            <a:spLocks noGrp="1"/>
+          </p:cNvSpPr>
+          <p:nvPr>
+            <p:ph type="title"/>
+          </p:nvPr>
+        </p:nvSpPr>
+        <p:spPr>
+          <a:xfrm>
+            <a:off x="0" y="228600"/>
+            <a:ext cx="9144000" cy="457200"/>
+          </a:xfrm>
+        </p:spPr>
+        <p:txBody>
+          <a:bodyPr anchor="ctr"/>
+          <a:lstStyle/>
+          <a:p>
+            <a:pPr algn="ctr"/>
+            <a:r>
+              <a:rPr lang="en-US" dirty="0" smtClean="0"/>
+              <a:t>MQTT</a:t>
+            </a:r>
+            <a:endParaRPr lang="en-US" dirty="0"/>
+          </a:p>
+        </p:txBody>
+      </p:sp>
+      <p:sp>
+        <p:nvSpPr>
+          <p:cNvPr id="4" name="TextBox 3"/>
+          <p:cNvSpPr txBox="1"/>
+          <p:nvPr/>
+        </p:nvSpPr>
+        <p:spPr>
+          <a:xfrm>
+            <a:off x="0" y="1066800"/>
+            <a:ext cx="9144000" cy="369332"/>
+          </a:xfrm>
+          <a:prstGeom prst="rect">
+            <a:avLst/>
+          </a:prstGeom>
+          <a:noFill/>
+        </p:spPr>
+        <p:txBody>
+          <a:bodyPr wrap="square" rtlCol="0">
+            <a:spAutoFit/>
+          </a:bodyPr>
+          <a:lstStyle/>
+          <a:p>
+            <a:pPr algn="ctr"/>
+            <a:r>
+              <a:rPr lang="en-US" i="1" dirty="0" smtClean="0"/>
+              <a:t>“MQTT </a:t>
+            </a:r>
+            <a:r>
+              <a:rPr lang="en-US" i="1" dirty="0"/>
+              <a:t>is a machine-to-machine (M2M)/"Internet of Things" connectivity </a:t>
+            </a:r>
+            <a:r>
+              <a:rPr lang="en-US" i="1" dirty="0" smtClean="0"/>
+              <a:t>protocol”</a:t>
+            </a:r>
+            <a:endParaRPr lang="en-US" dirty="0"/>
+          </a:p>
+        </p:txBody>
+      </p:sp>
+    </p:spTree>
+    <p:extLst>
+      <p:ext uri="{BB962C8B-B14F-4D97-AF65-F5344CB8AC3E}">
+        <p14:creationId xmlns:p14="http://schemas.microsoft.com/office/powerpoint/2010/main" val="474055240"/>
+      </p:ext>
+    </p:extLst>
+  </p:cSld>
+  <p:clrMapOvr>
+    <a:masterClrMapping/>
+  </p:clrMapOvr>
+  <p:timing>
+    <p:tnLst>
+      <p:par>
+        <p:cTn id="1" dur="indefinite" restart="never" nodeType="tmRoot"/>
+      </p:par>
+    </p:tnLst>
+  </p:timing>
+</p:sld>
+</file>
+
+<file path=ppt/slides/slide9.xml><?xml version="1.0" encoding="utf-8"?>
+<p:sld xmlns:a="http://schemas.openxmlformats.org/drawingml/2006/main" xmlns:r="http://schemas.openxmlformats.org/officeDocument/2006/relationships" xmlns:p="http://schemas.openxmlformats.org/presentationml/2006/main">
+  <p:cSld>
+    <p:spTree>
+      <p:nvGrpSpPr>
+        <p:cNvPr id="1" name=""/>
+        <p:cNvGrpSpPr/>
+        <p:nvPr/>
+      </p:nvGrpSpPr>
+      <p:grpSpPr>
+        <a:xfrm>
+          <a:off x="0" y="0"/>
+          <a:ext cx="0" cy="0"/>
+          <a:chOff x="0" y="0"/>
+          <a:chExt cx="0" cy="0"/>
+        </a:xfrm>
+      </p:grpSpPr>
+      <p:sp>
+        <p:nvSpPr>
           <p:cNvPr id="4" name="Title 2"/>
           <p:cNvSpPr txBox="1">
             <a:spLocks/>
@@ -13107,149 +15810,16 @@
           </a:p>
         </p:txBody>
       </p:sp>
-    </p:spTree>
-    <p:extLst>
-      <p:ext uri="{BB962C8B-B14F-4D97-AF65-F5344CB8AC3E}">
-        <p14:creationId xmlns:p14="http://schemas.microsoft.com/office/powerpoint/2010/main" val="2200822904"/>
-      </p:ext>
-    </p:extLst>
-  </p:cSld>
-  <p:clrMapOvr>
-    <a:masterClrMapping/>
-  </p:clrMapOvr>
-</p:sld>
-</file>
-
-<file path=ppt/slides/slide9.xml><?xml version="1.0" encoding="utf-8"?>
-<p:sld xmlns:a="http://schemas.openxmlformats.org/drawingml/2006/main" xmlns:r="http://schemas.openxmlformats.org/officeDocument/2006/relationships" xmlns:p="http://schemas.openxmlformats.org/presentationml/2006/main">
-  <p:cSld>
-    <p:spTree>
-      <p:nvGrpSpPr>
-        <p:cNvPr id="1" name=""/>
-        <p:cNvGrpSpPr/>
-        <p:nvPr/>
-      </p:nvGrpSpPr>
-      <p:grpSpPr>
-        <a:xfrm>
-          <a:off x="0" y="0"/>
-          <a:ext cx="0" cy="0"/>
-          <a:chOff x="0" y="0"/>
-          <a:chExt cx="0" cy="0"/>
-        </a:xfrm>
-      </p:grpSpPr>
-      <p:sp>
-        <p:nvSpPr>
-          <p:cNvPr id="4" name="Title 2"/>
-          <p:cNvSpPr txBox="1">
-            <a:spLocks/>
-          </p:cNvSpPr>
-          <p:nvPr/>
-        </p:nvSpPr>
-        <p:spPr>
-          <a:xfrm>
-            <a:off x="76200" y="228600"/>
-            <a:ext cx="8991600" cy="457200"/>
-          </a:xfrm>
-          <a:prstGeom prst="rect">
-            <a:avLst/>
-          </a:prstGeom>
-        </p:spPr>
-        <p:txBody>
-          <a:bodyPr vert="horz" lIns="91440" tIns="45720" rIns="91440" bIns="45720" rtlCol="0" anchor="t">
-            <a:normAutofit/>
-          </a:bodyPr>
-          <a:lstStyle>
-            <a:lvl1pPr algn="l" defTabSz="914400" rtl="0" eaLnBrk="1" latinLnBrk="0" hangingPunct="1">
-              <a:spcBef>
-                <a:spcPct val="0"/>
-              </a:spcBef>
-              <a:buNone/>
-              <a:defRPr sz="1800" kern="1200" cap="all" baseline="0">
-                <a:solidFill>
-                  <a:schemeClr val="tx1"/>
-                </a:solidFill>
-                <a:latin typeface="+mj-lt"/>
-                <a:ea typeface="+mj-ea"/>
-                <a:cs typeface="+mj-cs"/>
-              </a:defRPr>
-            </a:lvl1pPr>
-            <a:lvl2pPr eaLnBrk="1" hangingPunct="1">
-              <a:defRPr>
-                <a:solidFill>
-                  <a:schemeClr val="tx2"/>
-                </a:solidFill>
-              </a:defRPr>
-            </a:lvl2pPr>
-            <a:lvl3pPr eaLnBrk="1" hangingPunct="1">
-              <a:defRPr>
-                <a:solidFill>
-                  <a:schemeClr val="tx2"/>
-                </a:solidFill>
-              </a:defRPr>
-            </a:lvl3pPr>
-            <a:lvl4pPr eaLnBrk="1" hangingPunct="1">
-              <a:defRPr>
-                <a:solidFill>
-                  <a:schemeClr val="tx2"/>
-                </a:solidFill>
-              </a:defRPr>
-            </a:lvl4pPr>
-            <a:lvl5pPr eaLnBrk="1" hangingPunct="1">
-              <a:defRPr>
-                <a:solidFill>
-                  <a:schemeClr val="tx2"/>
-                </a:solidFill>
-              </a:defRPr>
-            </a:lvl5pPr>
-            <a:lvl6pPr eaLnBrk="1" hangingPunct="1">
-              <a:defRPr>
-                <a:solidFill>
-                  <a:schemeClr val="tx2"/>
-                </a:solidFill>
-              </a:defRPr>
-            </a:lvl6pPr>
-            <a:lvl7pPr eaLnBrk="1" hangingPunct="1">
-              <a:defRPr>
-                <a:solidFill>
-                  <a:schemeClr val="tx2"/>
-                </a:solidFill>
-              </a:defRPr>
-            </a:lvl7pPr>
-            <a:lvl8pPr eaLnBrk="1" hangingPunct="1">
-              <a:defRPr>
-                <a:solidFill>
-                  <a:schemeClr val="tx2"/>
-                </a:solidFill>
-              </a:defRPr>
-            </a:lvl8pPr>
-            <a:lvl9pPr eaLnBrk="1" hangingPunct="1">
-              <a:defRPr>
-                <a:solidFill>
-                  <a:schemeClr val="tx2"/>
-                </a:solidFill>
-              </a:defRPr>
-            </a:lvl9pPr>
-          </a:lstStyle>
-          <a:p>
-            <a:pPr algn="ctr"/>
-            <a:r>
-              <a:rPr lang="en-US" dirty="0" smtClean="0"/>
-              <a:t>Messages</a:t>
-            </a:r>
-            <a:endParaRPr lang="en-US" dirty="0"/>
-          </a:p>
-        </p:txBody>
-      </p:sp>
-      <p:sp>
-        <p:nvSpPr>
-          <p:cNvPr id="5" name="Rectangle 4"/>
+      <p:sp>
+        <p:nvSpPr>
+          <p:cNvPr id="30" name="Rectangle 29"/>
           <p:cNvSpPr/>
           <p:nvPr/>
         </p:nvSpPr>
         <p:spPr>
           <a:xfrm>
-            <a:off x="457200" y="1524000"/>
-            <a:ext cx="2362200" cy="1219200"/>
+            <a:off x="5353172" y="4229100"/>
+            <a:ext cx="1581027" cy="838200"/>
           </a:xfrm>
           <a:prstGeom prst="rect">
             <a:avLst/>
@@ -13282,14 +15852,14 @@
       </p:sp>
       <p:sp>
         <p:nvSpPr>
-          <p:cNvPr id="6" name="TextBox 5"/>
+          <p:cNvPr id="31" name="TextBox 30"/>
           <p:cNvSpPr txBox="1"/>
           <p:nvPr/>
         </p:nvSpPr>
         <p:spPr>
           <a:xfrm>
-            <a:off x="1245492" y="2311692"/>
-            <a:ext cx="1573907" cy="369332"/>
+            <a:off x="5360293" y="4309972"/>
+            <a:ext cx="1573907" cy="646331"/>
           </a:xfrm>
           <a:prstGeom prst="rect">
             <a:avLst/>
@@ -13305,870 +15875,16 @@
             <a:pPr algn="ctr"/>
             <a:r>
               <a:rPr lang="en-US" dirty="0" smtClean="0"/>
-              <a:t>External Door</a:t>
+              <a:t>Master Control Panel</a:t>
             </a:r>
             <a:endParaRPr lang="en-US" dirty="0"/>
-          </a:p>
-        </p:txBody>
-      </p:sp>
-      <p:sp>
-        <p:nvSpPr>
-          <p:cNvPr id="7" name="Rectangle 6"/>
-          <p:cNvSpPr/>
-          <p:nvPr/>
-        </p:nvSpPr>
-        <p:spPr>
-          <a:xfrm>
-            <a:off x="457200" y="3505200"/>
-            <a:ext cx="2362200" cy="1143000"/>
-          </a:xfrm>
-          <a:prstGeom prst="rect">
-            <a:avLst/>
-          </a:prstGeom>
-        </p:spPr>
-        <p:style>
-          <a:lnRef idx="2">
-            <a:schemeClr val="accent1">
-              <a:shade val="50000"/>
-            </a:schemeClr>
-          </a:lnRef>
-          <a:fillRef idx="1">
-            <a:schemeClr val="accent1"/>
-          </a:fillRef>
-          <a:effectRef idx="0">
-            <a:schemeClr val="accent1"/>
-          </a:effectRef>
-          <a:fontRef idx="minor">
-            <a:schemeClr val="lt1"/>
-          </a:fontRef>
-        </p:style>
-        <p:txBody>
-          <a:bodyPr rtlCol="0" anchor="ctr"/>
-          <a:lstStyle/>
-          <a:p>
-            <a:pPr algn="ctr"/>
-            <a:endParaRPr lang="en-US"/>
-          </a:p>
-        </p:txBody>
-      </p:sp>
-      <p:sp>
-        <p:nvSpPr>
-          <p:cNvPr id="8" name="TextBox 7"/>
-          <p:cNvSpPr txBox="1"/>
-          <p:nvPr/>
-        </p:nvSpPr>
-        <p:spPr>
-          <a:xfrm>
-            <a:off x="1172244" y="4191000"/>
-            <a:ext cx="1647156" cy="369332"/>
-          </a:xfrm>
-          <a:prstGeom prst="rect">
-            <a:avLst/>
-          </a:prstGeom>
-          <a:noFill/>
-        </p:spPr>
-        <p:txBody>
-          <a:bodyPr wrap="square" rtlCol="0">
-            <a:spAutoFit/>
-          </a:bodyPr>
-          <a:lstStyle/>
-          <a:p>
-            <a:pPr algn="ctr"/>
-            <a:r>
-              <a:rPr lang="en-US" dirty="0" smtClean="0"/>
-              <a:t>Doorbell</a:t>
-            </a:r>
-            <a:endParaRPr lang="en-US" dirty="0"/>
-          </a:p>
-        </p:txBody>
-      </p:sp>
-      <p:pic>
-        <p:nvPicPr>
-          <p:cNvPr id="9" name="Picture 25" descr="http://content3.mypowerit.net/_img/clipart/School/class_bell.gif"/>
-          <p:cNvPicPr>
-            <a:picLocks noChangeAspect="1" noChangeArrowheads="1"/>
-          </p:cNvPicPr>
-          <p:nvPr/>
-        </p:nvPicPr>
-        <p:blipFill>
-          <a:blip r:embed="rId2" cstate="print">
-            <a:extLst>
-              <a:ext uri="{28A0092B-C50C-407E-A947-70E740481C1C}">
-                <a14:useLocalDpi xmlns:a14="http://schemas.microsoft.com/office/drawing/2010/main" val="0"/>
-              </a:ext>
-            </a:extLst>
-          </a:blip>
-          <a:srcRect/>
-          <a:stretch>
-            <a:fillRect/>
-          </a:stretch>
-        </p:blipFill>
-        <p:spPr bwMode="auto">
-          <a:xfrm>
-            <a:off x="676992" y="3723662"/>
-            <a:ext cx="461360" cy="706075"/>
-          </a:xfrm>
-          <a:prstGeom prst="rect">
-            <a:avLst/>
-          </a:prstGeom>
-          <a:noFill/>
-          <a:extLst>
-            <a:ext uri="{909E8E84-426E-40DD-AFC4-6F175D3DCCD1}">
-              <a14:hiddenFill xmlns:a14="http://schemas.microsoft.com/office/drawing/2010/main">
-                <a:solidFill>
-                  <a:srgbClr val="FFFFFF"/>
-                </a:solidFill>
-              </a14:hiddenFill>
-            </a:ext>
-          </a:extLst>
-        </p:spPr>
-      </p:pic>
-      <p:pic>
-        <p:nvPicPr>
-          <p:cNvPr id="10" name="Picture 2" descr="http://www.qacps.k12.md.us/ces/clipart/Carson%20Dellosa%20Clipart/Carson%20Dellosa%20Letters%20and%20Numbers/Images/Color%20Images/Clip%20Art/DOOR.jpg"/>
-          <p:cNvPicPr>
-            <a:picLocks noChangeAspect="1" noChangeArrowheads="1"/>
-          </p:cNvPicPr>
-          <p:nvPr/>
-        </p:nvPicPr>
-        <p:blipFill>
-          <a:blip r:embed="rId3" cstate="print">
-            <a:extLst>
-              <a:ext uri="{28A0092B-C50C-407E-A947-70E740481C1C}">
-                <a14:useLocalDpi xmlns:a14="http://schemas.microsoft.com/office/drawing/2010/main" val="0"/>
-              </a:ext>
-            </a:extLst>
-          </a:blip>
-          <a:srcRect/>
-          <a:stretch>
-            <a:fillRect/>
-          </a:stretch>
-        </p:blipFill>
-        <p:spPr bwMode="auto">
-          <a:xfrm>
-            <a:off x="569852" y="1600200"/>
-            <a:ext cx="675641" cy="1066800"/>
-          </a:xfrm>
-          <a:prstGeom prst="rect">
-            <a:avLst/>
-          </a:prstGeom>
-          <a:noFill/>
-          <a:extLst>
-            <a:ext uri="{909E8E84-426E-40DD-AFC4-6F175D3DCCD1}">
-              <a14:hiddenFill xmlns:a14="http://schemas.microsoft.com/office/drawing/2010/main">
-                <a:solidFill>
-                  <a:srgbClr val="FFFFFF"/>
-                </a:solidFill>
-              </a14:hiddenFill>
-            </a:ext>
-          </a:extLst>
-        </p:spPr>
-      </p:pic>
-      <p:pic>
-        <p:nvPicPr>
-          <p:cNvPr id="11" name="Picture 6" descr="http://www.microbot.it/images/ebay/Netduino%20Plus.jpg"/>
-          <p:cNvPicPr>
-            <a:picLocks noChangeAspect="1" noChangeArrowheads="1"/>
-          </p:cNvPicPr>
-          <p:nvPr/>
-        </p:nvPicPr>
-        <p:blipFill rotWithShape="1">
-          <a:blip r:embed="rId4" cstate="print">
-            <a:extLst>
-              <a:ext uri="{28A0092B-C50C-407E-A947-70E740481C1C}">
-                <a14:useLocalDpi xmlns:a14="http://schemas.microsoft.com/office/drawing/2010/main" val="0"/>
-              </a:ext>
-            </a:extLst>
-          </a:blip>
-          <a:srcRect l="49703" t="3223" r="7447" b="50119"/>
-          <a:stretch/>
-        </p:blipFill>
-        <p:spPr bwMode="auto">
-          <a:xfrm>
-            <a:off x="1330451" y="1600200"/>
-            <a:ext cx="525832" cy="429760"/>
-          </a:xfrm>
-          <a:prstGeom prst="rect">
-            <a:avLst/>
-          </a:prstGeom>
-          <a:noFill/>
-          <a:extLst>
-            <a:ext uri="{909E8E84-426E-40DD-AFC4-6F175D3DCCD1}">
-              <a14:hiddenFill xmlns:a14="http://schemas.microsoft.com/office/drawing/2010/main">
-                <a:solidFill>
-                  <a:srgbClr val="FFFFFF"/>
-                </a:solidFill>
-              </a14:hiddenFill>
-            </a:ext>
-          </a:extLst>
-        </p:spPr>
-      </p:pic>
-      <p:pic>
-        <p:nvPicPr>
-          <p:cNvPr id="12" name="Picture 6" descr="http://www.microbot.it/images/ebay/Netduino%20Plus.jpg"/>
-          <p:cNvPicPr>
-            <a:picLocks noChangeAspect="1" noChangeArrowheads="1"/>
-          </p:cNvPicPr>
-          <p:nvPr/>
-        </p:nvPicPr>
-        <p:blipFill rotWithShape="1">
-          <a:blip r:embed="rId4" cstate="print">
-            <a:extLst>
-              <a:ext uri="{28A0092B-C50C-407E-A947-70E740481C1C}">
-                <a14:useLocalDpi xmlns:a14="http://schemas.microsoft.com/office/drawing/2010/main" val="0"/>
-              </a:ext>
-            </a:extLst>
-          </a:blip>
-          <a:srcRect l="49703" t="3223" r="7447" b="50119"/>
-          <a:stretch/>
-        </p:blipFill>
-        <p:spPr bwMode="auto">
-          <a:xfrm>
-            <a:off x="1330451" y="3578894"/>
-            <a:ext cx="525832" cy="429760"/>
-          </a:xfrm>
-          <a:prstGeom prst="rect">
-            <a:avLst/>
-          </a:prstGeom>
-          <a:noFill/>
-          <a:extLst>
-            <a:ext uri="{909E8E84-426E-40DD-AFC4-6F175D3DCCD1}">
-              <a14:hiddenFill xmlns:a14="http://schemas.microsoft.com/office/drawing/2010/main">
-                <a:solidFill>
-                  <a:srgbClr val="FFFFFF"/>
-                </a:solidFill>
-              </a14:hiddenFill>
-            </a:ext>
-          </a:extLst>
-        </p:spPr>
-      </p:pic>
-      <p:sp>
-        <p:nvSpPr>
-          <p:cNvPr id="13" name="Rectangle 12"/>
-          <p:cNvSpPr/>
-          <p:nvPr/>
-        </p:nvSpPr>
-        <p:spPr>
-          <a:xfrm>
-            <a:off x="3581400" y="2514600"/>
-            <a:ext cx="1295400" cy="1219200"/>
-          </a:xfrm>
-          <a:prstGeom prst="rect">
-            <a:avLst/>
-          </a:prstGeom>
-        </p:spPr>
-        <p:style>
-          <a:lnRef idx="2">
-            <a:schemeClr val="accent1">
-              <a:shade val="50000"/>
-            </a:schemeClr>
-          </a:lnRef>
-          <a:fillRef idx="1">
-            <a:schemeClr val="accent1"/>
-          </a:fillRef>
-          <a:effectRef idx="0">
-            <a:schemeClr val="accent1"/>
-          </a:effectRef>
-          <a:fontRef idx="minor">
-            <a:schemeClr val="lt1"/>
-          </a:fontRef>
-        </p:style>
-        <p:txBody>
-          <a:bodyPr rtlCol="0" anchor="ctr"/>
-          <a:lstStyle/>
-          <a:p>
-            <a:pPr algn="ctr"/>
-            <a:endParaRPr lang="en-US"/>
-          </a:p>
-        </p:txBody>
-      </p:sp>
-      <p:sp>
-        <p:nvSpPr>
-          <p:cNvPr id="14" name="TextBox 13"/>
-          <p:cNvSpPr txBox="1"/>
-          <p:nvPr/>
-        </p:nvSpPr>
-        <p:spPr>
-          <a:xfrm>
-            <a:off x="3581400" y="2079257"/>
-            <a:ext cx="1295400" cy="369332"/>
-          </a:xfrm>
-          <a:prstGeom prst="rect">
-            <a:avLst/>
-          </a:prstGeom>
-          <a:noFill/>
-        </p:spPr>
-        <p:txBody>
-          <a:bodyPr wrap="square" rtlCol="0">
-            <a:spAutoFit/>
-          </a:bodyPr>
-          <a:lstStyle/>
-          <a:p>
-            <a:pPr algn="ctr"/>
-            <a:r>
-              <a:rPr lang="en-US" dirty="0" smtClean="0"/>
-              <a:t>Broker</a:t>
-            </a:r>
-            <a:endParaRPr lang="en-US" dirty="0"/>
-          </a:p>
-        </p:txBody>
-      </p:sp>
-      <p:sp>
-        <p:nvSpPr>
-          <p:cNvPr id="15" name="Rectangle 14"/>
-          <p:cNvSpPr/>
-          <p:nvPr/>
-        </p:nvSpPr>
-        <p:spPr>
-          <a:xfrm>
-            <a:off x="5486400" y="2514600"/>
-            <a:ext cx="1295400" cy="1219200"/>
-          </a:xfrm>
-          <a:prstGeom prst="rect">
-            <a:avLst/>
-          </a:prstGeom>
-        </p:spPr>
-        <p:style>
-          <a:lnRef idx="2">
-            <a:schemeClr val="accent1">
-              <a:shade val="50000"/>
-            </a:schemeClr>
-          </a:lnRef>
-          <a:fillRef idx="1">
-            <a:schemeClr val="accent1"/>
-          </a:fillRef>
-          <a:effectRef idx="0">
-            <a:schemeClr val="accent1"/>
-          </a:effectRef>
-          <a:fontRef idx="minor">
-            <a:schemeClr val="lt1"/>
-          </a:fontRef>
-        </p:style>
-        <p:txBody>
-          <a:bodyPr rtlCol="0" anchor="ctr"/>
-          <a:lstStyle/>
-          <a:p>
-            <a:pPr algn="ctr"/>
-            <a:endParaRPr lang="en-US"/>
-          </a:p>
-        </p:txBody>
-      </p:sp>
-      <p:sp>
-        <p:nvSpPr>
-          <p:cNvPr id="16" name="TextBox 15"/>
-          <p:cNvSpPr txBox="1"/>
-          <p:nvPr/>
-        </p:nvSpPr>
-        <p:spPr>
-          <a:xfrm>
-            <a:off x="5486400" y="2079257"/>
-            <a:ext cx="1295400" cy="369332"/>
-          </a:xfrm>
-          <a:prstGeom prst="rect">
-            <a:avLst/>
-          </a:prstGeom>
-          <a:noFill/>
-        </p:spPr>
-        <p:txBody>
-          <a:bodyPr wrap="square" rtlCol="0">
-            <a:spAutoFit/>
-          </a:bodyPr>
-          <a:lstStyle/>
-          <a:p>
-            <a:pPr algn="ctr"/>
-            <a:r>
-              <a:rPr lang="en-US" dirty="0" smtClean="0"/>
-              <a:t>Hub</a:t>
-            </a:r>
-            <a:endParaRPr lang="en-US" dirty="0"/>
-          </a:p>
-        </p:txBody>
-      </p:sp>
-      <p:sp>
-        <p:nvSpPr>
-          <p:cNvPr id="17" name="Rectangle 16"/>
-          <p:cNvSpPr/>
-          <p:nvPr/>
-        </p:nvSpPr>
-        <p:spPr>
-          <a:xfrm>
-            <a:off x="7391400" y="2506768"/>
-            <a:ext cx="1295400" cy="1219200"/>
-          </a:xfrm>
-          <a:prstGeom prst="rect">
-            <a:avLst/>
-          </a:prstGeom>
-        </p:spPr>
-        <p:style>
-          <a:lnRef idx="2">
-            <a:schemeClr val="accent1">
-              <a:shade val="50000"/>
-            </a:schemeClr>
-          </a:lnRef>
-          <a:fillRef idx="1">
-            <a:schemeClr val="accent1"/>
-          </a:fillRef>
-          <a:effectRef idx="0">
-            <a:schemeClr val="accent1"/>
-          </a:effectRef>
-          <a:fontRef idx="minor">
-            <a:schemeClr val="lt1"/>
-          </a:fontRef>
-        </p:style>
-        <p:txBody>
-          <a:bodyPr rtlCol="0" anchor="ctr"/>
-          <a:lstStyle/>
-          <a:p>
-            <a:pPr algn="ctr"/>
-            <a:endParaRPr lang="en-US"/>
-          </a:p>
-        </p:txBody>
-      </p:sp>
-      <p:sp>
-        <p:nvSpPr>
-          <p:cNvPr id="18" name="TextBox 17"/>
-          <p:cNvSpPr txBox="1"/>
-          <p:nvPr/>
-        </p:nvSpPr>
-        <p:spPr>
-          <a:xfrm>
-            <a:off x="7391400" y="2133600"/>
-            <a:ext cx="1295400" cy="369332"/>
-          </a:xfrm>
-          <a:prstGeom prst="rect">
-            <a:avLst/>
-          </a:prstGeom>
-          <a:noFill/>
-        </p:spPr>
-        <p:txBody>
-          <a:bodyPr wrap="square" rtlCol="0">
-            <a:spAutoFit/>
-          </a:bodyPr>
-          <a:lstStyle/>
-          <a:p>
-            <a:pPr algn="ctr"/>
-            <a:r>
-              <a:rPr lang="en-US" dirty="0" smtClean="0"/>
-              <a:t>Browser</a:t>
-            </a:r>
-            <a:endParaRPr lang="en-US" dirty="0"/>
-          </a:p>
-        </p:txBody>
-      </p:sp>
-      <p:cxnSp>
-        <p:nvCxnSpPr>
-          <p:cNvPr id="19" name="Straight Connector 18"/>
-          <p:cNvCxnSpPr/>
-          <p:nvPr/>
-        </p:nvCxnSpPr>
-        <p:spPr>
-          <a:xfrm>
-            <a:off x="3200400" y="685800"/>
-            <a:ext cx="0" cy="5791200"/>
-          </a:xfrm>
-          <a:prstGeom prst="line">
-            <a:avLst/>
-          </a:prstGeom>
-          <a:ln w="22225">
-            <a:solidFill>
-              <a:schemeClr val="bg1">
-                <a:lumMod val="75000"/>
-              </a:schemeClr>
-            </a:solidFill>
-            <a:prstDash val="dash"/>
-          </a:ln>
-        </p:spPr>
-        <p:style>
-          <a:lnRef idx="1">
-            <a:schemeClr val="accent1"/>
-          </a:lnRef>
-          <a:fillRef idx="0">
-            <a:schemeClr val="accent1"/>
-          </a:fillRef>
-          <a:effectRef idx="0">
-            <a:schemeClr val="accent1"/>
-          </a:effectRef>
-          <a:fontRef idx="minor">
-            <a:schemeClr val="tx1"/>
-          </a:fontRef>
-        </p:style>
-      </p:cxnSp>
-      <p:cxnSp>
-        <p:nvCxnSpPr>
-          <p:cNvPr id="20" name="Straight Connector 19"/>
-          <p:cNvCxnSpPr/>
-          <p:nvPr/>
-        </p:nvCxnSpPr>
-        <p:spPr>
-          <a:xfrm>
-            <a:off x="7086600" y="685800"/>
-            <a:ext cx="0" cy="5791200"/>
-          </a:xfrm>
-          <a:prstGeom prst="line">
-            <a:avLst/>
-          </a:prstGeom>
-          <a:ln w="22225">
-            <a:solidFill>
-              <a:schemeClr val="bg1">
-                <a:lumMod val="75000"/>
-              </a:schemeClr>
-            </a:solidFill>
-            <a:prstDash val="dash"/>
-          </a:ln>
-        </p:spPr>
-        <p:style>
-          <a:lnRef idx="1">
-            <a:schemeClr val="accent1"/>
-          </a:lnRef>
-          <a:fillRef idx="0">
-            <a:schemeClr val="accent1"/>
-          </a:fillRef>
-          <a:effectRef idx="0">
-            <a:schemeClr val="accent1"/>
-          </a:effectRef>
-          <a:fontRef idx="minor">
-            <a:schemeClr val="tx1"/>
-          </a:fontRef>
-        </p:style>
-      </p:cxnSp>
-      <p:sp>
-        <p:nvSpPr>
-          <p:cNvPr id="21" name="TextBox 20"/>
-          <p:cNvSpPr txBox="1"/>
-          <p:nvPr/>
-        </p:nvSpPr>
-        <p:spPr>
-          <a:xfrm>
-            <a:off x="907672" y="681746"/>
-            <a:ext cx="1573907" cy="369332"/>
-          </a:xfrm>
-          <a:prstGeom prst="rect">
-            <a:avLst/>
-          </a:prstGeom>
-          <a:noFill/>
-        </p:spPr>
-        <p:txBody>
-          <a:bodyPr wrap="square" rtlCol="0">
-            <a:spAutoFit/>
-          </a:bodyPr>
-          <a:lstStyle/>
-          <a:p>
-            <a:pPr algn="ctr"/>
-            <a:r>
-              <a:rPr lang="en-US" dirty="0" smtClean="0"/>
-              <a:t>Home</a:t>
-            </a:r>
-            <a:endParaRPr lang="en-US" dirty="0"/>
-          </a:p>
-        </p:txBody>
-      </p:sp>
-      <p:sp>
-        <p:nvSpPr>
-          <p:cNvPr id="22" name="TextBox 21"/>
-          <p:cNvSpPr txBox="1"/>
-          <p:nvPr/>
-        </p:nvSpPr>
-        <p:spPr>
-          <a:xfrm>
-            <a:off x="3200400" y="687224"/>
-            <a:ext cx="3886200" cy="369332"/>
-          </a:xfrm>
-          <a:prstGeom prst="rect">
-            <a:avLst/>
-          </a:prstGeom>
-          <a:noFill/>
-        </p:spPr>
-        <p:txBody>
-          <a:bodyPr wrap="square" rtlCol="0">
-            <a:spAutoFit/>
-          </a:bodyPr>
-          <a:lstStyle/>
-          <a:p>
-            <a:pPr algn="ctr"/>
-            <a:r>
-              <a:rPr lang="en-US" dirty="0" smtClean="0"/>
-              <a:t>Azure</a:t>
-            </a:r>
-            <a:endParaRPr lang="en-US" dirty="0"/>
-          </a:p>
-        </p:txBody>
-      </p:sp>
-      <p:sp>
-        <p:nvSpPr>
-          <p:cNvPr id="23" name="TextBox 22"/>
-          <p:cNvSpPr txBox="1"/>
-          <p:nvPr/>
-        </p:nvSpPr>
-        <p:spPr>
-          <a:xfrm>
-            <a:off x="7093721" y="654958"/>
-            <a:ext cx="2050279" cy="369332"/>
-          </a:xfrm>
-          <a:prstGeom prst="rect">
-            <a:avLst/>
-          </a:prstGeom>
-          <a:noFill/>
-        </p:spPr>
-        <p:txBody>
-          <a:bodyPr wrap="square" rtlCol="0">
-            <a:spAutoFit/>
-          </a:bodyPr>
-          <a:lstStyle/>
-          <a:p>
-            <a:pPr algn="ctr"/>
-            <a:r>
-              <a:rPr lang="en-US" dirty="0" smtClean="0"/>
-              <a:t>Remote</a:t>
-            </a:r>
-            <a:endParaRPr lang="en-US" dirty="0"/>
-          </a:p>
-        </p:txBody>
-      </p:sp>
-      <p:sp>
-        <p:nvSpPr>
-          <p:cNvPr id="24" name="TextBox 23"/>
-          <p:cNvSpPr txBox="1"/>
-          <p:nvPr/>
-        </p:nvSpPr>
-        <p:spPr>
-          <a:xfrm>
-            <a:off x="3581400" y="2939534"/>
-            <a:ext cx="1295400" cy="369332"/>
-          </a:xfrm>
-          <a:prstGeom prst="rect">
-            <a:avLst/>
-          </a:prstGeom>
-          <a:noFill/>
-        </p:spPr>
-        <p:txBody>
-          <a:bodyPr wrap="square" rtlCol="0">
-            <a:spAutoFit/>
-          </a:bodyPr>
-          <a:lstStyle/>
-          <a:p>
-            <a:pPr algn="ctr"/>
-            <a:r>
-              <a:rPr lang="en-US" dirty="0" smtClean="0"/>
-              <a:t>MQTT</a:t>
-            </a:r>
-            <a:endParaRPr lang="en-US" dirty="0"/>
-          </a:p>
-        </p:txBody>
-      </p:sp>
-      <p:sp>
-        <p:nvSpPr>
-          <p:cNvPr id="25" name="TextBox 24"/>
-          <p:cNvSpPr txBox="1"/>
-          <p:nvPr/>
-        </p:nvSpPr>
-        <p:spPr>
-          <a:xfrm>
-            <a:off x="5486400" y="2929345"/>
-            <a:ext cx="1295400" cy="369332"/>
-          </a:xfrm>
-          <a:prstGeom prst="rect">
-            <a:avLst/>
-          </a:prstGeom>
-          <a:noFill/>
-        </p:spPr>
-        <p:txBody>
-          <a:bodyPr wrap="square" rtlCol="0">
-            <a:spAutoFit/>
-          </a:bodyPr>
-          <a:lstStyle/>
-          <a:p>
-            <a:pPr algn="ctr"/>
-            <a:r>
-              <a:rPr lang="en-US" dirty="0" err="1" smtClean="0"/>
-              <a:t>SignalR</a:t>
-            </a:r>
-            <a:endParaRPr lang="en-US" dirty="0"/>
-          </a:p>
-        </p:txBody>
-      </p:sp>
-      <p:sp>
-        <p:nvSpPr>
-          <p:cNvPr id="26" name="TextBox 25"/>
-          <p:cNvSpPr txBox="1"/>
-          <p:nvPr/>
-        </p:nvSpPr>
-        <p:spPr>
-          <a:xfrm>
-            <a:off x="7391400" y="2939534"/>
-            <a:ext cx="1295400" cy="369332"/>
-          </a:xfrm>
-          <a:prstGeom prst="rect">
-            <a:avLst/>
-          </a:prstGeom>
-          <a:noFill/>
-        </p:spPr>
-        <p:txBody>
-          <a:bodyPr wrap="square" rtlCol="0">
-            <a:spAutoFit/>
-          </a:bodyPr>
-          <a:lstStyle/>
-          <a:p>
-            <a:pPr algn="ctr"/>
-            <a:r>
-              <a:rPr lang="en-US" dirty="0" smtClean="0"/>
-              <a:t>Dashboard</a:t>
-            </a:r>
-            <a:endParaRPr lang="en-US" dirty="0"/>
-          </a:p>
-        </p:txBody>
-      </p:sp>
-      <p:cxnSp>
-        <p:nvCxnSpPr>
-          <p:cNvPr id="29" name="Straight Arrow Connector 28"/>
-          <p:cNvCxnSpPr/>
-          <p:nvPr/>
-        </p:nvCxnSpPr>
-        <p:spPr>
-          <a:xfrm flipV="1">
-            <a:off x="1995822" y="3308866"/>
-            <a:ext cx="1585578" cy="484908"/>
-          </a:xfrm>
-          <a:prstGeom prst="straightConnector1">
-            <a:avLst/>
-          </a:prstGeom>
-          <a:ln w="25400">
-            <a:solidFill>
-              <a:srgbClr val="FF0000"/>
-            </a:solidFill>
-            <a:tailEnd type="arrow"/>
-          </a:ln>
-        </p:spPr>
-        <p:style>
-          <a:lnRef idx="1">
-            <a:schemeClr val="accent1"/>
-          </a:lnRef>
-          <a:fillRef idx="0">
-            <a:schemeClr val="accent1"/>
-          </a:fillRef>
-          <a:effectRef idx="0">
-            <a:schemeClr val="accent1"/>
-          </a:effectRef>
-          <a:fontRef idx="minor">
-            <a:schemeClr val="tx1"/>
-          </a:fontRef>
-        </p:style>
-      </p:cxnSp>
-      <p:sp>
-        <p:nvSpPr>
-          <p:cNvPr id="30" name="TextBox 29"/>
-          <p:cNvSpPr txBox="1"/>
-          <p:nvPr/>
-        </p:nvSpPr>
-        <p:spPr>
-          <a:xfrm rot="20583076">
-            <a:off x="1941061" y="3235598"/>
-            <a:ext cx="1645002" cy="307777"/>
-          </a:xfrm>
-          <a:prstGeom prst="rect">
-            <a:avLst/>
-          </a:prstGeom>
-          <a:noFill/>
-        </p:spPr>
-        <p:txBody>
-          <a:bodyPr wrap="none" rtlCol="0">
-            <a:spAutoFit/>
-          </a:bodyPr>
-          <a:lstStyle/>
-          <a:p>
-            <a:r>
-              <a:rPr lang="en-US" sz="1400" b="1" i="1" dirty="0" smtClean="0">
-                <a:solidFill>
-                  <a:schemeClr val="tx2"/>
-                </a:solidFill>
-              </a:rPr>
-              <a:t>Subscribe Doorbell</a:t>
-            </a:r>
-            <a:endParaRPr lang="en-US" sz="1400" b="1" i="1" dirty="0">
-              <a:solidFill>
-                <a:schemeClr val="tx2"/>
-              </a:solidFill>
-            </a:endParaRPr>
-          </a:p>
-        </p:txBody>
-      </p:sp>
-      <p:cxnSp>
-        <p:nvCxnSpPr>
-          <p:cNvPr id="31" name="Straight Arrow Connector 30"/>
-          <p:cNvCxnSpPr/>
-          <p:nvPr/>
-        </p:nvCxnSpPr>
-        <p:spPr>
-          <a:xfrm flipH="1">
-            <a:off x="4876799" y="3551320"/>
-            <a:ext cx="575795" cy="0"/>
-          </a:xfrm>
-          <a:prstGeom prst="straightConnector1">
-            <a:avLst/>
-          </a:prstGeom>
-          <a:ln w="25400">
-            <a:solidFill>
-              <a:srgbClr val="FF0000"/>
-            </a:solidFill>
-            <a:tailEnd type="arrow"/>
-          </a:ln>
-        </p:spPr>
-        <p:style>
-          <a:lnRef idx="1">
-            <a:schemeClr val="accent1"/>
-          </a:lnRef>
-          <a:fillRef idx="0">
-            <a:schemeClr val="accent1"/>
-          </a:fillRef>
-          <a:effectRef idx="0">
-            <a:schemeClr val="accent1"/>
-          </a:effectRef>
-          <a:fontRef idx="minor">
-            <a:schemeClr val="tx1"/>
-          </a:fontRef>
-        </p:style>
-      </p:cxnSp>
-      <p:sp>
-        <p:nvSpPr>
-          <p:cNvPr id="34" name="TextBox 33"/>
-          <p:cNvSpPr txBox="1"/>
-          <p:nvPr/>
-        </p:nvSpPr>
-        <p:spPr>
-          <a:xfrm>
-            <a:off x="4419600" y="3794129"/>
-            <a:ext cx="1645002" cy="307777"/>
-          </a:xfrm>
-          <a:prstGeom prst="rect">
-            <a:avLst/>
-          </a:prstGeom>
-          <a:noFill/>
-        </p:spPr>
-        <p:txBody>
-          <a:bodyPr wrap="none" rtlCol="0">
-            <a:spAutoFit/>
-          </a:bodyPr>
-          <a:lstStyle/>
-          <a:p>
-            <a:r>
-              <a:rPr lang="en-US" sz="1400" b="1" i="1" dirty="0" smtClean="0">
-                <a:solidFill>
-                  <a:schemeClr val="tx2"/>
-                </a:solidFill>
-              </a:rPr>
-              <a:t>Subscribe Doorbell</a:t>
-            </a:r>
-            <a:endParaRPr lang="en-US" sz="1400" b="1" i="1" dirty="0">
-              <a:solidFill>
-                <a:schemeClr val="tx2"/>
-              </a:solidFill>
-            </a:endParaRPr>
           </a:p>
         </p:txBody>
       </p:sp>
     </p:spTree>
     <p:extLst>
       <p:ext uri="{BB962C8B-B14F-4D97-AF65-F5344CB8AC3E}">
-        <p14:creationId xmlns:p14="http://schemas.microsoft.com/office/powerpoint/2010/main" val="1732396710"/>
+        <p14:creationId xmlns:p14="http://schemas.microsoft.com/office/powerpoint/2010/main" val="2200822904"/>
       </p:ext>
     </p:extLst>
   </p:cSld>

--- a/docs/HacknightPowerPoint.pptx
+++ b/docs/HacknightPowerPoint.pptx
@@ -39,6 +39,12 @@
     <p:sldId id="289" r:id="rId33"/>
     <p:sldId id="290" r:id="rId34"/>
     <p:sldId id="276" r:id="rId35"/>
+    <p:sldId id="291" r:id="rId36"/>
+    <p:sldId id="292" r:id="rId37"/>
+    <p:sldId id="293" r:id="rId38"/>
+    <p:sldId id="294" r:id="rId39"/>
+    <p:sldId id="295" r:id="rId40"/>
+    <p:sldId id="296" r:id="rId41"/>
   </p:sldIdLst>
   <p:sldSz cx="9144000" cy="6858000" type="screen4x3"/>
   <p:notesSz cx="6858000" cy="9144000"/>
@@ -139,7 +145,7 @@
   </p:defaultTextStyle>
   <p:extLst>
     <p:ext uri="{EFAFB233-063F-42B5-8137-9DF3F51BA10A}">
-      <p15:sldGuideLst xmlns:p15="http://schemas.microsoft.com/office/powerpoint/2012/main" xmlns="">
+      <p15:sldGuideLst xmlns:p15="http://schemas.microsoft.com/office/powerpoint/2012/main">
         <p15:guide id="1" orient="horz" pos="2160">
           <p15:clr>
             <a:srgbClr val="A4A3A4"/>
@@ -398,11 +404,11 @@
   <p:clrMapOvr>
     <a:masterClrMapping/>
   </p:clrMapOvr>
-  <mc:AlternateContent xmlns:mc="http://schemas.openxmlformats.org/markup-compatibility/2006">
-    <mc:Choice xmlns:p14="http://schemas.microsoft.com/office/powerpoint/2010/main" Requires="p14">
+  <mc:AlternateContent xmlns:mc="http://schemas.openxmlformats.org/markup-compatibility/2006" xmlns:p14="http://schemas.microsoft.com/office/powerpoint/2010/main">
+    <mc:Choice Requires="p14">
       <p:transition p14:dur="0"/>
     </mc:Choice>
-    <mc:Fallback>
+    <mc:Fallback xmlns="">
       <p:transition/>
     </mc:Fallback>
   </mc:AlternateContent>
@@ -583,11 +589,11 @@
   <p:clrMapOvr>
     <a:masterClrMapping/>
   </p:clrMapOvr>
-  <mc:AlternateContent xmlns:mc="http://schemas.openxmlformats.org/markup-compatibility/2006">
-    <mc:Choice xmlns:p14="http://schemas.microsoft.com/office/powerpoint/2010/main" Requires="p14">
+  <mc:AlternateContent xmlns:mc="http://schemas.openxmlformats.org/markup-compatibility/2006" xmlns:p14="http://schemas.microsoft.com/office/powerpoint/2010/main">
+    <mc:Choice Requires="p14">
       <p:transition p14:dur="0"/>
     </mc:Choice>
-    <mc:Fallback>
+    <mc:Fallback xmlns="">
       <p:transition/>
     </mc:Fallback>
   </mc:AlternateContent>
@@ -789,11 +795,11 @@
   <p:clrMapOvr>
     <a:masterClrMapping/>
   </p:clrMapOvr>
-  <mc:AlternateContent xmlns:mc="http://schemas.openxmlformats.org/markup-compatibility/2006">
-    <mc:Choice xmlns:p14="http://schemas.microsoft.com/office/powerpoint/2010/main" Requires="p14">
+  <mc:AlternateContent xmlns:mc="http://schemas.openxmlformats.org/markup-compatibility/2006" xmlns:p14="http://schemas.microsoft.com/office/powerpoint/2010/main">
+    <mc:Choice Requires="p14">
       <p:transition p14:dur="0"/>
     </mc:Choice>
-    <mc:Fallback>
+    <mc:Fallback xmlns="">
       <p:transition/>
     </mc:Fallback>
   </mc:AlternateContent>
@@ -974,11 +980,11 @@
   <p:clrMapOvr>
     <a:masterClrMapping/>
   </p:clrMapOvr>
-  <mc:AlternateContent xmlns:mc="http://schemas.openxmlformats.org/markup-compatibility/2006">
-    <mc:Choice xmlns:p14="http://schemas.microsoft.com/office/powerpoint/2010/main" Requires="p14">
+  <mc:AlternateContent xmlns:mc="http://schemas.openxmlformats.org/markup-compatibility/2006" xmlns:p14="http://schemas.microsoft.com/office/powerpoint/2010/main">
+    <mc:Choice Requires="p14">
       <p:transition p14:dur="0"/>
     </mc:Choice>
-    <mc:Fallback>
+    <mc:Fallback xmlns="">
       <p:transition/>
     </mc:Fallback>
   </mc:AlternateContent>
@@ -1234,11 +1240,11 @@
   <p:clrMapOvr>
     <a:masterClrMapping/>
   </p:clrMapOvr>
-  <mc:AlternateContent xmlns:mc="http://schemas.openxmlformats.org/markup-compatibility/2006">
-    <mc:Choice xmlns:p14="http://schemas.microsoft.com/office/powerpoint/2010/main" Requires="p14">
+  <mc:AlternateContent xmlns:mc="http://schemas.openxmlformats.org/markup-compatibility/2006" xmlns:p14="http://schemas.microsoft.com/office/powerpoint/2010/main">
+    <mc:Choice Requires="p14">
       <p:transition p14:dur="0"/>
     </mc:Choice>
-    <mc:Fallback>
+    <mc:Fallback xmlns="">
       <p:transition/>
     </mc:Fallback>
   </mc:AlternateContent>
@@ -1546,11 +1552,11 @@
   <p:clrMapOvr>
     <a:masterClrMapping/>
   </p:clrMapOvr>
-  <mc:AlternateContent xmlns:mc="http://schemas.openxmlformats.org/markup-compatibility/2006">
-    <mc:Choice xmlns:p14="http://schemas.microsoft.com/office/powerpoint/2010/main" Requires="p14">
+  <mc:AlternateContent xmlns:mc="http://schemas.openxmlformats.org/markup-compatibility/2006" xmlns:p14="http://schemas.microsoft.com/office/powerpoint/2010/main">
+    <mc:Choice Requires="p14">
       <p:transition p14:dur="0"/>
     </mc:Choice>
-    <mc:Fallback>
+    <mc:Fallback xmlns="">
       <p:transition/>
     </mc:Fallback>
   </mc:AlternateContent>
@@ -1996,11 +2002,11 @@
   <p:clrMapOvr>
     <a:masterClrMapping/>
   </p:clrMapOvr>
-  <mc:AlternateContent xmlns:mc="http://schemas.openxmlformats.org/markup-compatibility/2006">
-    <mc:Choice xmlns:p14="http://schemas.microsoft.com/office/powerpoint/2010/main" Requires="p14">
+  <mc:AlternateContent xmlns:mc="http://schemas.openxmlformats.org/markup-compatibility/2006" xmlns:p14="http://schemas.microsoft.com/office/powerpoint/2010/main">
+    <mc:Choice Requires="p14">
       <p:transition p14:dur="0"/>
     </mc:Choice>
-    <mc:Fallback>
+    <mc:Fallback xmlns="">
       <p:transition/>
     </mc:Fallback>
   </mc:AlternateContent>
@@ -2129,11 +2135,11 @@
   <p:clrMapOvr>
     <a:masterClrMapping/>
   </p:clrMapOvr>
-  <mc:AlternateContent xmlns:mc="http://schemas.openxmlformats.org/markup-compatibility/2006">
-    <mc:Choice xmlns:p14="http://schemas.microsoft.com/office/powerpoint/2010/main" Requires="p14">
+  <mc:AlternateContent xmlns:mc="http://schemas.openxmlformats.org/markup-compatibility/2006" xmlns:p14="http://schemas.microsoft.com/office/powerpoint/2010/main">
+    <mc:Choice Requires="p14">
       <p:transition p14:dur="0"/>
     </mc:Choice>
-    <mc:Fallback>
+    <mc:Fallback xmlns="">
       <p:transition/>
     </mc:Fallback>
   </mc:AlternateContent>
@@ -2234,11 +2240,11 @@
   <p:clrMapOvr>
     <a:masterClrMapping/>
   </p:clrMapOvr>
-  <mc:AlternateContent xmlns:mc="http://schemas.openxmlformats.org/markup-compatibility/2006">
-    <mc:Choice xmlns:p14="http://schemas.microsoft.com/office/powerpoint/2010/main" Requires="p14">
+  <mc:AlternateContent xmlns:mc="http://schemas.openxmlformats.org/markup-compatibility/2006" xmlns:p14="http://schemas.microsoft.com/office/powerpoint/2010/main">
+    <mc:Choice Requires="p14">
       <p:transition p14:dur="0"/>
     </mc:Choice>
-    <mc:Fallback>
+    <mc:Fallback xmlns="">
       <p:transition/>
     </mc:Fallback>
   </mc:AlternateContent>
@@ -2532,11 +2538,11 @@
   <p:clrMapOvr>
     <a:masterClrMapping/>
   </p:clrMapOvr>
-  <mc:AlternateContent xmlns:mc="http://schemas.openxmlformats.org/markup-compatibility/2006">
-    <mc:Choice xmlns:p14="http://schemas.microsoft.com/office/powerpoint/2010/main" Requires="p14">
+  <mc:AlternateContent xmlns:mc="http://schemas.openxmlformats.org/markup-compatibility/2006" xmlns:p14="http://schemas.microsoft.com/office/powerpoint/2010/main">
+    <mc:Choice Requires="p14">
       <p:transition p14:dur="0"/>
     </mc:Choice>
-    <mc:Fallback>
+    <mc:Fallback xmlns="">
       <p:transition/>
     </mc:Fallback>
   </mc:AlternateContent>
@@ -2811,11 +2817,11 @@
   <p:clrMapOvr>
     <a:masterClrMapping/>
   </p:clrMapOvr>
-  <mc:AlternateContent xmlns:mc="http://schemas.openxmlformats.org/markup-compatibility/2006">
-    <mc:Choice xmlns:p14="http://schemas.microsoft.com/office/powerpoint/2010/main" Requires="p14">
+  <mc:AlternateContent xmlns:mc="http://schemas.openxmlformats.org/markup-compatibility/2006" xmlns:p14="http://schemas.microsoft.com/office/powerpoint/2010/main">
+    <mc:Choice Requires="p14">
       <p:transition p14:dur="0"/>
     </mc:Choice>
-    <mc:Fallback>
+    <mc:Fallback xmlns="">
       <p:transition/>
     </mc:Fallback>
   </mc:AlternateContent>
@@ -3079,11 +3085,11 @@
     <p:sldLayoutId id="2147483670" r:id="rId10"/>
     <p:sldLayoutId id="2147483671" r:id="rId11"/>
   </p:sldLayoutIdLst>
-  <mc:AlternateContent xmlns:mc="http://schemas.openxmlformats.org/markup-compatibility/2006">
-    <mc:Choice xmlns:p14="http://schemas.microsoft.com/office/powerpoint/2010/main" Requires="p14">
+  <mc:AlternateContent xmlns:mc="http://schemas.openxmlformats.org/markup-compatibility/2006" xmlns:p14="http://schemas.microsoft.com/office/powerpoint/2010/main">
+    <mc:Choice Requires="p14">
       <p:transition p14:dur="0"/>
     </mc:Choice>
-    <mc:Fallback>
+    <mc:Fallback xmlns="">
       <p:transition/>
     </mc:Fallback>
   </mc:AlternateContent>
@@ -3573,11 +3579,11 @@
   <p:clrMapOvr>
     <a:masterClrMapping/>
   </p:clrMapOvr>
-  <mc:AlternateContent xmlns:mc="http://schemas.openxmlformats.org/markup-compatibility/2006">
-    <mc:Choice xmlns:p14="http://schemas.microsoft.com/office/powerpoint/2010/main" Requires="p14">
+  <mc:AlternateContent xmlns:mc="http://schemas.openxmlformats.org/markup-compatibility/2006" xmlns:p14="http://schemas.microsoft.com/office/powerpoint/2010/main">
+    <mc:Choice Requires="p14">
       <p:transition p14:dur="0"/>
     </mc:Choice>
-    <mc:Fallback>
+    <mc:Fallback xmlns="">
       <p:transition/>
     </mc:Fallback>
   </mc:AlternateContent>
@@ -3610,109 +3616,6 @@
       </p:grpSpPr>
       <p:sp>
         <p:nvSpPr>
-          <p:cNvPr id="4" name="Title 2"/>
-          <p:cNvSpPr txBox="1">
-            <a:spLocks/>
-          </p:cNvSpPr>
-          <p:nvPr/>
-        </p:nvSpPr>
-        <p:spPr>
-          <a:xfrm>
-            <a:off x="76200" y="152400"/>
-            <a:ext cx="8991600" cy="533400"/>
-          </a:xfrm>
-          <a:prstGeom prst="rect">
-            <a:avLst/>
-          </a:prstGeom>
-        </p:spPr>
-        <p:txBody>
-          <a:bodyPr vert="horz" lIns="91440" tIns="45720" rIns="91440" bIns="45720" rtlCol="0" anchor="t">
-            <a:normAutofit/>
-          </a:bodyPr>
-          <a:lstStyle>
-            <a:lvl1pPr algn="l" defTabSz="914400" rtl="0" eaLnBrk="1" latinLnBrk="0" hangingPunct="1">
-              <a:spcBef>
-                <a:spcPct val="0"/>
-              </a:spcBef>
-              <a:buNone/>
-              <a:defRPr sz="1800" kern="1200" cap="all" baseline="0">
-                <a:solidFill>
-                  <a:schemeClr val="tx1"/>
-                </a:solidFill>
-                <a:latin typeface="+mj-lt"/>
-                <a:ea typeface="+mj-ea"/>
-                <a:cs typeface="+mj-cs"/>
-              </a:defRPr>
-            </a:lvl1pPr>
-            <a:lvl2pPr eaLnBrk="1" hangingPunct="1">
-              <a:defRPr>
-                <a:solidFill>
-                  <a:schemeClr val="tx2"/>
-                </a:solidFill>
-              </a:defRPr>
-            </a:lvl2pPr>
-            <a:lvl3pPr eaLnBrk="1" hangingPunct="1">
-              <a:defRPr>
-                <a:solidFill>
-                  <a:schemeClr val="tx2"/>
-                </a:solidFill>
-              </a:defRPr>
-            </a:lvl3pPr>
-            <a:lvl4pPr eaLnBrk="1" hangingPunct="1">
-              <a:defRPr>
-                <a:solidFill>
-                  <a:schemeClr val="tx2"/>
-                </a:solidFill>
-              </a:defRPr>
-            </a:lvl4pPr>
-            <a:lvl5pPr eaLnBrk="1" hangingPunct="1">
-              <a:defRPr>
-                <a:solidFill>
-                  <a:schemeClr val="tx2"/>
-                </a:solidFill>
-              </a:defRPr>
-            </a:lvl5pPr>
-            <a:lvl6pPr eaLnBrk="1" hangingPunct="1">
-              <a:defRPr>
-                <a:solidFill>
-                  <a:schemeClr val="tx2"/>
-                </a:solidFill>
-              </a:defRPr>
-            </a:lvl6pPr>
-            <a:lvl7pPr eaLnBrk="1" hangingPunct="1">
-              <a:defRPr>
-                <a:solidFill>
-                  <a:schemeClr val="tx2"/>
-                </a:solidFill>
-              </a:defRPr>
-            </a:lvl7pPr>
-            <a:lvl8pPr eaLnBrk="1" hangingPunct="1">
-              <a:defRPr>
-                <a:solidFill>
-                  <a:schemeClr val="tx2"/>
-                </a:solidFill>
-              </a:defRPr>
-            </a:lvl8pPr>
-            <a:lvl9pPr eaLnBrk="1" hangingPunct="1">
-              <a:defRPr>
-                <a:solidFill>
-                  <a:schemeClr val="tx2"/>
-                </a:solidFill>
-              </a:defRPr>
-            </a:lvl9pPr>
-          </a:lstStyle>
-          <a:p>
-            <a:pPr algn="ctr"/>
-            <a:r>
-              <a:rPr lang="en-US" sz="2900" dirty="0" smtClean="0"/>
-              <a:t>Messages - Doorbell</a:t>
-            </a:r>
-            <a:endParaRPr lang="en-US" sz="2900" dirty="0"/>
-          </a:p>
-        </p:txBody>
-      </p:sp>
-      <p:sp>
-        <p:nvSpPr>
           <p:cNvPr id="5" name="Rectangle 4"/>
           <p:cNvSpPr/>
           <p:nvPr/>
@@ -3762,7 +3665,7 @@
         </p:nvSpPr>
         <p:spPr>
           <a:xfrm>
-            <a:off x="1280263" y="2079257"/>
+            <a:off x="1143000" y="2079257"/>
             <a:ext cx="1573907" cy="646331"/>
           </a:xfrm>
           <a:prstGeom prst="rect">
@@ -4349,119 +4252,6 @@
       </p:cxnSp>
       <p:sp>
         <p:nvSpPr>
-          <p:cNvPr id="24" name="TextBox 23"/>
-          <p:cNvSpPr txBox="1"/>
-          <p:nvPr/>
-        </p:nvSpPr>
-        <p:spPr>
-          <a:xfrm>
-            <a:off x="907672" y="681746"/>
-            <a:ext cx="1573907" cy="369332"/>
-          </a:xfrm>
-          <a:prstGeom prst="rect">
-            <a:avLst/>
-          </a:prstGeom>
-          <a:solidFill>
-            <a:srgbClr val="8A0000"/>
-          </a:solidFill>
-        </p:spPr>
-        <p:txBody>
-          <a:bodyPr wrap="square" rtlCol="0">
-            <a:spAutoFit/>
-          </a:bodyPr>
-          <a:lstStyle/>
-          <a:p>
-            <a:pPr algn="ctr"/>
-            <a:r>
-              <a:rPr lang="en-US" dirty="0" smtClean="0">
-                <a:latin typeface="Copperplate Gothic Bold" pitchFamily="34" charset="0"/>
-              </a:rPr>
-              <a:t>Home</a:t>
-            </a:r>
-            <a:endParaRPr lang="en-US" dirty="0">
-              <a:latin typeface="Copperplate Gothic Bold" pitchFamily="34" charset="0"/>
-            </a:endParaRPr>
-          </a:p>
-        </p:txBody>
-      </p:sp>
-      <p:sp>
-        <p:nvSpPr>
-          <p:cNvPr id="25" name="TextBox 24"/>
-          <p:cNvSpPr txBox="1"/>
-          <p:nvPr/>
-        </p:nvSpPr>
-        <p:spPr>
-          <a:xfrm>
-            <a:off x="4648200" y="687224"/>
-            <a:ext cx="1131193" cy="369332"/>
-          </a:xfrm>
-          <a:prstGeom prst="rect">
-            <a:avLst/>
-          </a:prstGeom>
-          <a:solidFill>
-            <a:schemeClr val="accent1">
-              <a:lumMod val="75000"/>
-            </a:schemeClr>
-          </a:solidFill>
-        </p:spPr>
-        <p:txBody>
-          <a:bodyPr wrap="square" rtlCol="0">
-            <a:spAutoFit/>
-          </a:bodyPr>
-          <a:lstStyle/>
-          <a:p>
-            <a:pPr algn="ctr"/>
-            <a:r>
-              <a:rPr lang="en-US" dirty="0" smtClean="0">
-                <a:latin typeface="Copperplate Gothic Bold" pitchFamily="34" charset="0"/>
-              </a:rPr>
-              <a:t>Azure</a:t>
-            </a:r>
-            <a:endParaRPr lang="en-US" dirty="0">
-              <a:latin typeface="Copperplate Gothic Bold" pitchFamily="34" charset="0"/>
-            </a:endParaRPr>
-          </a:p>
-        </p:txBody>
-      </p:sp>
-      <p:sp>
-        <p:nvSpPr>
-          <p:cNvPr id="26" name="TextBox 25"/>
-          <p:cNvSpPr txBox="1"/>
-          <p:nvPr/>
-        </p:nvSpPr>
-        <p:spPr>
-          <a:xfrm>
-            <a:off x="7391400" y="654958"/>
-            <a:ext cx="1295400" cy="369332"/>
-          </a:xfrm>
-          <a:prstGeom prst="rect">
-            <a:avLst/>
-          </a:prstGeom>
-          <a:solidFill>
-            <a:srgbClr val="002060"/>
-          </a:solidFill>
-        </p:spPr>
-        <p:txBody>
-          <a:bodyPr wrap="square" rtlCol="0">
-            <a:spAutoFit/>
-          </a:bodyPr>
-          <a:lstStyle/>
-          <a:p>
-            <a:pPr algn="ctr"/>
-            <a:r>
-              <a:rPr lang="en-US" dirty="0" smtClean="0">
-                <a:latin typeface="Copperplate Gothic Bold" pitchFamily="34" charset="0"/>
-              </a:rPr>
-              <a:t>Remote</a:t>
-            </a:r>
-            <a:endParaRPr lang="en-US" dirty="0">
-              <a:latin typeface="Copperplate Gothic Bold" pitchFamily="34" charset="0"/>
-            </a:endParaRPr>
-          </a:p>
-        </p:txBody>
-      </p:sp>
-      <p:sp>
-        <p:nvSpPr>
           <p:cNvPr id="27" name="TextBox 26"/>
           <p:cNvSpPr txBox="1"/>
           <p:nvPr/>
@@ -4675,6 +4465,222 @@
           </a:prstGeom>
         </p:spPr>
       </p:pic>
+      <p:sp>
+        <p:nvSpPr>
+          <p:cNvPr id="32" name="Title 2"/>
+          <p:cNvSpPr txBox="1">
+            <a:spLocks/>
+          </p:cNvSpPr>
+          <p:nvPr/>
+        </p:nvSpPr>
+        <p:spPr>
+          <a:xfrm>
+            <a:off x="76200" y="152400"/>
+            <a:ext cx="8991600" cy="533400"/>
+          </a:xfrm>
+          <a:prstGeom prst="rect">
+            <a:avLst/>
+          </a:prstGeom>
+        </p:spPr>
+        <p:txBody>
+          <a:bodyPr vert="horz" lIns="91440" tIns="45720" rIns="91440" bIns="45720" rtlCol="0" anchor="t">
+            <a:normAutofit/>
+          </a:bodyPr>
+          <a:lstStyle>
+            <a:lvl1pPr algn="l" defTabSz="914400" rtl="0" eaLnBrk="1" latinLnBrk="0" hangingPunct="1">
+              <a:spcBef>
+                <a:spcPct val="0"/>
+              </a:spcBef>
+              <a:buNone/>
+              <a:defRPr sz="1800" kern="1200" cap="all" baseline="0">
+                <a:solidFill>
+                  <a:schemeClr val="tx1"/>
+                </a:solidFill>
+                <a:latin typeface="+mj-lt"/>
+                <a:ea typeface="+mj-ea"/>
+                <a:cs typeface="+mj-cs"/>
+              </a:defRPr>
+            </a:lvl1pPr>
+            <a:lvl2pPr eaLnBrk="1" hangingPunct="1">
+              <a:defRPr>
+                <a:solidFill>
+                  <a:schemeClr val="tx2"/>
+                </a:solidFill>
+              </a:defRPr>
+            </a:lvl2pPr>
+            <a:lvl3pPr eaLnBrk="1" hangingPunct="1">
+              <a:defRPr>
+                <a:solidFill>
+                  <a:schemeClr val="tx2"/>
+                </a:solidFill>
+              </a:defRPr>
+            </a:lvl3pPr>
+            <a:lvl4pPr eaLnBrk="1" hangingPunct="1">
+              <a:defRPr>
+                <a:solidFill>
+                  <a:schemeClr val="tx2"/>
+                </a:solidFill>
+              </a:defRPr>
+            </a:lvl4pPr>
+            <a:lvl5pPr eaLnBrk="1" hangingPunct="1">
+              <a:defRPr>
+                <a:solidFill>
+                  <a:schemeClr val="tx2"/>
+                </a:solidFill>
+              </a:defRPr>
+            </a:lvl5pPr>
+            <a:lvl6pPr eaLnBrk="1" hangingPunct="1">
+              <a:defRPr>
+                <a:solidFill>
+                  <a:schemeClr val="tx2"/>
+                </a:solidFill>
+              </a:defRPr>
+            </a:lvl6pPr>
+            <a:lvl7pPr eaLnBrk="1" hangingPunct="1">
+              <a:defRPr>
+                <a:solidFill>
+                  <a:schemeClr val="tx2"/>
+                </a:solidFill>
+              </a:defRPr>
+            </a:lvl7pPr>
+            <a:lvl8pPr eaLnBrk="1" hangingPunct="1">
+              <a:defRPr>
+                <a:solidFill>
+                  <a:schemeClr val="tx2"/>
+                </a:solidFill>
+              </a:defRPr>
+            </a:lvl8pPr>
+            <a:lvl9pPr eaLnBrk="1" hangingPunct="1">
+              <a:defRPr>
+                <a:solidFill>
+                  <a:schemeClr val="tx2"/>
+                </a:solidFill>
+              </a:defRPr>
+            </a:lvl9pPr>
+          </a:lstStyle>
+          <a:p>
+            <a:pPr algn="ctr"/>
+            <a:r>
+              <a:rPr lang="en-US" sz="2300" dirty="0" smtClean="0"/>
+              <a:t>Messages - doorbell</a:t>
+            </a:r>
+            <a:endParaRPr lang="en-US" sz="2300" dirty="0"/>
+          </a:p>
+        </p:txBody>
+      </p:sp>
+      <p:sp>
+        <p:nvSpPr>
+          <p:cNvPr id="33" name="TextBox 32"/>
+          <p:cNvSpPr txBox="1"/>
+          <p:nvPr/>
+        </p:nvSpPr>
+        <p:spPr>
+          <a:xfrm>
+            <a:off x="1066799" y="681746"/>
+            <a:ext cx="1066801" cy="369332"/>
+          </a:xfrm>
+          <a:prstGeom prst="rect">
+            <a:avLst/>
+          </a:prstGeom>
+          <a:solidFill>
+            <a:srgbClr val="8A0000"/>
+          </a:solidFill>
+        </p:spPr>
+        <p:txBody>
+          <a:bodyPr wrap="square" rtlCol="0">
+            <a:spAutoFit/>
+          </a:bodyPr>
+          <a:lstStyle/>
+          <a:p>
+            <a:pPr algn="ctr"/>
+            <a:r>
+              <a:rPr lang="en-US" dirty="0" smtClean="0">
+                <a:latin typeface="Copperplate Gothic Bold" pitchFamily="34" charset="0"/>
+              </a:rPr>
+              <a:t>Home</a:t>
+            </a:r>
+            <a:endParaRPr lang="en-US" dirty="0">
+              <a:latin typeface="Copperplate Gothic Bold" pitchFamily="34" charset="0"/>
+            </a:endParaRPr>
+          </a:p>
+        </p:txBody>
+      </p:sp>
+      <p:sp>
+        <p:nvSpPr>
+          <p:cNvPr id="34" name="TextBox 33"/>
+          <p:cNvSpPr txBox="1"/>
+          <p:nvPr/>
+        </p:nvSpPr>
+        <p:spPr>
+          <a:xfrm>
+            <a:off x="4800600" y="687224"/>
+            <a:ext cx="990600" cy="369332"/>
+          </a:xfrm>
+          <a:prstGeom prst="rect">
+            <a:avLst/>
+          </a:prstGeom>
+          <a:solidFill>
+            <a:schemeClr val="accent1">
+              <a:lumMod val="50000"/>
+            </a:schemeClr>
+          </a:solidFill>
+        </p:spPr>
+        <p:txBody>
+          <a:bodyPr wrap="square" rtlCol="0">
+            <a:spAutoFit/>
+          </a:bodyPr>
+          <a:lstStyle/>
+          <a:p>
+            <a:pPr algn="ctr"/>
+            <a:r>
+              <a:rPr lang="en-US" dirty="0" smtClean="0">
+                <a:latin typeface="Copperplate Gothic Bold" pitchFamily="34" charset="0"/>
+              </a:rPr>
+              <a:t>Azure</a:t>
+            </a:r>
+            <a:endParaRPr lang="en-US" dirty="0">
+              <a:latin typeface="Copperplate Gothic Bold" pitchFamily="34" charset="0"/>
+            </a:endParaRPr>
+          </a:p>
+        </p:txBody>
+      </p:sp>
+      <p:sp>
+        <p:nvSpPr>
+          <p:cNvPr id="35" name="TextBox 34"/>
+          <p:cNvSpPr txBox="1"/>
+          <p:nvPr/>
+        </p:nvSpPr>
+        <p:spPr>
+          <a:xfrm>
+            <a:off x="7391400" y="654958"/>
+            <a:ext cx="1295400" cy="369332"/>
+          </a:xfrm>
+          <a:prstGeom prst="rect">
+            <a:avLst/>
+          </a:prstGeom>
+          <a:solidFill>
+            <a:srgbClr val="002060"/>
+          </a:solidFill>
+        </p:spPr>
+        <p:txBody>
+          <a:bodyPr wrap="square" rtlCol="0">
+            <a:spAutoFit/>
+          </a:bodyPr>
+          <a:lstStyle/>
+          <a:p>
+            <a:pPr algn="ctr"/>
+            <a:r>
+              <a:rPr lang="en-US" dirty="0" smtClean="0">
+                <a:latin typeface="Copperplate Gothic Bold" pitchFamily="34" charset="0"/>
+              </a:rPr>
+              <a:t>Remote</a:t>
+            </a:r>
+            <a:endParaRPr lang="en-US" dirty="0">
+              <a:latin typeface="Copperplate Gothic Bold" pitchFamily="34" charset="0"/>
+            </a:endParaRPr>
+          </a:p>
+        </p:txBody>
+      </p:sp>
     </p:spTree>
     <p:extLst>
       <p:ext uri="{BB962C8B-B14F-4D97-AF65-F5344CB8AC3E}">
@@ -4685,11 +4691,11 @@
   <p:clrMapOvr>
     <a:masterClrMapping/>
   </p:clrMapOvr>
-  <mc:AlternateContent xmlns:mc="http://schemas.openxmlformats.org/markup-compatibility/2006">
-    <mc:Choice xmlns:p14="http://schemas.microsoft.com/office/powerpoint/2010/main" Requires="p14">
+  <mc:AlternateContent xmlns:mc="http://schemas.openxmlformats.org/markup-compatibility/2006" xmlns:p14="http://schemas.microsoft.com/office/powerpoint/2010/main">
+    <mc:Choice Requires="p14">
       <p:transition p14:dur="0"/>
     </mc:Choice>
-    <mc:Fallback>
+    <mc:Fallback xmlns="">
       <p:transition/>
     </mc:Fallback>
   </mc:AlternateContent>
@@ -4868,41 +4874,6 @@
       </p:sp>
       <p:sp>
         <p:nvSpPr>
-          <p:cNvPr id="6" name="TextBox 5"/>
-          <p:cNvSpPr txBox="1"/>
-          <p:nvPr/>
-        </p:nvSpPr>
-        <p:spPr>
-          <a:xfrm>
-            <a:off x="1245493" y="2031154"/>
-            <a:ext cx="1573907" cy="646331"/>
-          </a:xfrm>
-          <a:prstGeom prst="rect">
-            <a:avLst/>
-          </a:prstGeom>
-          <a:noFill/>
-        </p:spPr>
-        <p:txBody>
-          <a:bodyPr wrap="square" rtlCol="0">
-            <a:spAutoFit/>
-          </a:bodyPr>
-          <a:lstStyle/>
-          <a:p>
-            <a:pPr algn="ctr"/>
-            <a:r>
-              <a:rPr lang="en-US" dirty="0" smtClean="0">
-                <a:latin typeface="Britannic Bold" pitchFamily="34" charset="0"/>
-              </a:rPr>
-              <a:t>External Door</a:t>
-            </a:r>
-            <a:endParaRPr lang="en-US" dirty="0">
-              <a:latin typeface="Britannic Bold" pitchFamily="34" charset="0"/>
-            </a:endParaRPr>
-          </a:p>
-        </p:txBody>
-      </p:sp>
-      <p:sp>
-        <p:nvSpPr>
           <p:cNvPr id="7" name="Rectangle 6"/>
           <p:cNvSpPr/>
           <p:nvPr/>
@@ -5498,82 +5469,6 @@
       </p:sp>
       <p:sp>
         <p:nvSpPr>
-          <p:cNvPr id="22" name="TextBox 21"/>
-          <p:cNvSpPr txBox="1"/>
-          <p:nvPr/>
-        </p:nvSpPr>
-        <p:spPr>
-          <a:xfrm>
-            <a:off x="4724400" y="687224"/>
-            <a:ext cx="1143000" cy="369332"/>
-          </a:xfrm>
-          <a:prstGeom prst="rect">
-            <a:avLst/>
-          </a:prstGeom>
-          <a:solidFill>
-            <a:schemeClr val="accent1">
-              <a:lumMod val="50000"/>
-            </a:schemeClr>
-          </a:solidFill>
-        </p:spPr>
-        <p:txBody>
-          <a:bodyPr wrap="square" rtlCol="0">
-            <a:spAutoFit/>
-          </a:bodyPr>
-          <a:lstStyle/>
-          <a:p>
-            <a:pPr algn="ctr"/>
-            <a:r>
-              <a:rPr lang="en-US" dirty="0" smtClean="0">
-                <a:latin typeface="Copperplate Gothic Bold" pitchFamily="34" charset="0"/>
-              </a:rPr>
-              <a:t>Azure</a:t>
-            </a:r>
-            <a:endParaRPr lang="en-US" dirty="0">
-              <a:latin typeface="Copperplate Gothic Bold" pitchFamily="34" charset="0"/>
-            </a:endParaRPr>
-          </a:p>
-        </p:txBody>
-      </p:sp>
-      <p:sp>
-        <p:nvSpPr>
-          <p:cNvPr id="23" name="TextBox 22"/>
-          <p:cNvSpPr txBox="1"/>
-          <p:nvPr/>
-        </p:nvSpPr>
-        <p:spPr>
-          <a:xfrm>
-            <a:off x="7391400" y="654958"/>
-            <a:ext cx="1371600" cy="369332"/>
-          </a:xfrm>
-          <a:prstGeom prst="rect">
-            <a:avLst/>
-          </a:prstGeom>
-          <a:solidFill>
-            <a:srgbClr val="002060"/>
-          </a:solidFill>
-        </p:spPr>
-        <p:txBody>
-          <a:bodyPr wrap="square" rtlCol="0">
-            <a:spAutoFit/>
-          </a:bodyPr>
-          <a:lstStyle/>
-          <a:p>
-            <a:pPr algn="ctr"/>
-            <a:r>
-              <a:rPr lang="en-US" dirty="0" smtClean="0">
-                <a:latin typeface="Copperplate Gothic Bold" pitchFamily="34" charset="0"/>
-              </a:rPr>
-              <a:t>Remote</a:t>
-            </a:r>
-            <a:endParaRPr lang="en-US" dirty="0">
-              <a:latin typeface="Copperplate Gothic Bold" pitchFamily="34" charset="0"/>
-            </a:endParaRPr>
-          </a:p>
-        </p:txBody>
-      </p:sp>
-      <p:sp>
-        <p:nvSpPr>
           <p:cNvPr id="24" name="TextBox 23"/>
           <p:cNvSpPr txBox="1"/>
           <p:nvPr/>
@@ -5935,6 +5830,117 @@
           </a:prstGeom>
         </p:spPr>
       </p:pic>
+      <p:sp>
+        <p:nvSpPr>
+          <p:cNvPr id="36" name="TextBox 35"/>
+          <p:cNvSpPr txBox="1"/>
+          <p:nvPr/>
+        </p:nvSpPr>
+        <p:spPr>
+          <a:xfrm>
+            <a:off x="1143000" y="2079257"/>
+            <a:ext cx="1573907" cy="646331"/>
+          </a:xfrm>
+          <a:prstGeom prst="rect">
+            <a:avLst/>
+          </a:prstGeom>
+          <a:noFill/>
+        </p:spPr>
+        <p:txBody>
+          <a:bodyPr wrap="square" rtlCol="0">
+            <a:spAutoFit/>
+          </a:bodyPr>
+          <a:lstStyle/>
+          <a:p>
+            <a:pPr algn="ctr"/>
+            <a:r>
+              <a:rPr lang="en-US" dirty="0" smtClean="0">
+                <a:latin typeface="Britannic Bold" pitchFamily="34" charset="0"/>
+              </a:rPr>
+              <a:t>External Door</a:t>
+            </a:r>
+            <a:endParaRPr lang="en-US" dirty="0">
+              <a:latin typeface="Britannic Bold" pitchFamily="34" charset="0"/>
+            </a:endParaRPr>
+          </a:p>
+        </p:txBody>
+      </p:sp>
+      <p:sp>
+        <p:nvSpPr>
+          <p:cNvPr id="37" name="TextBox 36"/>
+          <p:cNvSpPr txBox="1"/>
+          <p:nvPr/>
+        </p:nvSpPr>
+        <p:spPr>
+          <a:xfrm>
+            <a:off x="4800600" y="687224"/>
+            <a:ext cx="990600" cy="369332"/>
+          </a:xfrm>
+          <a:prstGeom prst="rect">
+            <a:avLst/>
+          </a:prstGeom>
+          <a:solidFill>
+            <a:schemeClr val="accent1">
+              <a:lumMod val="50000"/>
+            </a:schemeClr>
+          </a:solidFill>
+        </p:spPr>
+        <p:txBody>
+          <a:bodyPr wrap="square" rtlCol="0">
+            <a:spAutoFit/>
+          </a:bodyPr>
+          <a:lstStyle/>
+          <a:p>
+            <a:pPr algn="ctr"/>
+            <a:r>
+              <a:rPr lang="en-US" dirty="0" smtClean="0">
+                <a:latin typeface="Copperplate Gothic Bold" pitchFamily="34" charset="0"/>
+              </a:rPr>
+              <a:t>Azure</a:t>
+            </a:r>
+            <a:endParaRPr lang="en-US" dirty="0">
+              <a:latin typeface="Copperplate Gothic Bold" pitchFamily="34" charset="0"/>
+            </a:endParaRPr>
+          </a:p>
+        </p:txBody>
+      </p:sp>
+      <p:sp>
+        <p:nvSpPr>
+          <p:cNvPr id="38" name="TextBox 37"/>
+          <p:cNvSpPr txBox="1"/>
+          <p:nvPr/>
+        </p:nvSpPr>
+        <p:spPr>
+          <a:xfrm>
+            <a:off x="7391400" y="654958"/>
+            <a:ext cx="1295400" cy="369332"/>
+          </a:xfrm>
+          <a:prstGeom prst="rect">
+            <a:avLst/>
+          </a:prstGeom>
+          <a:solidFill>
+            <a:srgbClr val="002060"/>
+          </a:solidFill>
+        </p:spPr>
+        <p:txBody>
+          <a:bodyPr wrap="square" rtlCol="0">
+            <a:spAutoFit/>
+          </a:bodyPr>
+          <a:lstStyle/>
+          <a:p>
+            <a:pPr algn="ctr"/>
+            <a:r>
+              <a:rPr lang="en-US" dirty="0" smtClean="0">
+                <a:latin typeface="Copperplate Gothic Bold" pitchFamily="34" charset="0"/>
+              </a:rPr>
+              <a:t>Remote</a:t>
+            </a:r>
+            <a:endParaRPr lang="en-US" dirty="0">
+              <a:latin typeface="Copperplate Gothic Bold" pitchFamily="34" charset="0"/>
+            </a:endParaRPr>
+          </a:p>
+        </p:txBody>
+      </p:sp>
     </p:spTree>
     <p:extLst>
       <p:ext uri="{BB962C8B-B14F-4D97-AF65-F5344CB8AC3E}">
@@ -5945,11 +5951,11 @@
   <p:clrMapOvr>
     <a:masterClrMapping/>
   </p:clrMapOvr>
-  <mc:AlternateContent xmlns:mc="http://schemas.openxmlformats.org/markup-compatibility/2006">
-    <mc:Choice xmlns:p14="http://schemas.microsoft.com/office/powerpoint/2010/main" Requires="p14">
+  <mc:AlternateContent xmlns:mc="http://schemas.openxmlformats.org/markup-compatibility/2006" xmlns:p14="http://schemas.microsoft.com/office/powerpoint/2010/main">
+    <mc:Choice Requires="p14">
       <p:transition p14:dur="0"/>
     </mc:Choice>
-    <mc:Fallback>
+    <mc:Fallback xmlns="">
       <p:transition/>
     </mc:Fallback>
   </mc:AlternateContent>
@@ -6128,41 +6134,6 @@
       </p:sp>
       <p:sp>
         <p:nvSpPr>
-          <p:cNvPr id="6" name="TextBox 5"/>
-          <p:cNvSpPr txBox="1"/>
-          <p:nvPr/>
-        </p:nvSpPr>
-        <p:spPr>
-          <a:xfrm>
-            <a:off x="1069329" y="2080451"/>
-            <a:ext cx="1573907" cy="646331"/>
-          </a:xfrm>
-          <a:prstGeom prst="rect">
-            <a:avLst/>
-          </a:prstGeom>
-          <a:noFill/>
-        </p:spPr>
-        <p:txBody>
-          <a:bodyPr wrap="square" rtlCol="0">
-            <a:spAutoFit/>
-          </a:bodyPr>
-          <a:lstStyle/>
-          <a:p>
-            <a:pPr algn="ctr"/>
-            <a:r>
-              <a:rPr lang="en-US" dirty="0" smtClean="0">
-                <a:latin typeface="Britannic Bold" pitchFamily="34" charset="0"/>
-              </a:rPr>
-              <a:t>External Door</a:t>
-            </a:r>
-            <a:endParaRPr lang="en-US" dirty="0">
-              <a:latin typeface="Britannic Bold" pitchFamily="34" charset="0"/>
-            </a:endParaRPr>
-          </a:p>
-        </p:txBody>
-      </p:sp>
-      <p:sp>
-        <p:nvSpPr>
           <p:cNvPr id="7" name="Rectangle 6"/>
           <p:cNvSpPr/>
           <p:nvPr/>
@@ -6721,43 +6692,6 @@
       </p:cxnSp>
       <p:sp>
         <p:nvSpPr>
-          <p:cNvPr id="21" name="TextBox 20"/>
-          <p:cNvSpPr txBox="1"/>
-          <p:nvPr/>
-        </p:nvSpPr>
-        <p:spPr>
-          <a:xfrm>
-            <a:off x="1138352" y="681746"/>
-            <a:ext cx="894093" cy="369332"/>
-          </a:xfrm>
-          <a:prstGeom prst="rect">
-            <a:avLst/>
-          </a:prstGeom>
-          <a:solidFill>
-            <a:srgbClr val="8A0000"/>
-          </a:solidFill>
-        </p:spPr>
-        <p:txBody>
-          <a:bodyPr wrap="square" rtlCol="0">
-            <a:spAutoFit/>
-          </a:bodyPr>
-          <a:lstStyle/>
-          <a:p>
-            <a:pPr algn="ctr"/>
-            <a:r>
-              <a:rPr lang="en-US" dirty="0" smtClean="0">
-                <a:latin typeface="Copperplate Gothic Bold" pitchFamily="34" charset="0"/>
-              </a:rPr>
-              <a:t>Home</a:t>
-            </a:r>
-            <a:endParaRPr lang="en-US" dirty="0">
-              <a:latin typeface="Copperplate Gothic Bold" pitchFamily="34" charset="0"/>
-            </a:endParaRPr>
-          </a:p>
-        </p:txBody>
-      </p:sp>
-      <p:sp>
-        <p:nvSpPr>
           <p:cNvPr id="22" name="TextBox 21"/>
           <p:cNvSpPr txBox="1"/>
           <p:nvPr/>
@@ -7151,6 +7085,78 @@
           </a:prstGeom>
         </p:spPr>
       </p:pic>
+      <p:sp>
+        <p:nvSpPr>
+          <p:cNvPr id="33" name="TextBox 32"/>
+          <p:cNvSpPr txBox="1"/>
+          <p:nvPr/>
+        </p:nvSpPr>
+        <p:spPr>
+          <a:xfrm>
+            <a:off x="1143000" y="2079257"/>
+            <a:ext cx="1573907" cy="646331"/>
+          </a:xfrm>
+          <a:prstGeom prst="rect">
+            <a:avLst/>
+          </a:prstGeom>
+          <a:noFill/>
+        </p:spPr>
+        <p:txBody>
+          <a:bodyPr wrap="square" rtlCol="0">
+            <a:spAutoFit/>
+          </a:bodyPr>
+          <a:lstStyle/>
+          <a:p>
+            <a:pPr algn="ctr"/>
+            <a:r>
+              <a:rPr lang="en-US" dirty="0" smtClean="0">
+                <a:latin typeface="Britannic Bold" pitchFamily="34" charset="0"/>
+              </a:rPr>
+              <a:t>External Door</a:t>
+            </a:r>
+            <a:endParaRPr lang="en-US" dirty="0">
+              <a:latin typeface="Britannic Bold" pitchFamily="34" charset="0"/>
+            </a:endParaRPr>
+          </a:p>
+        </p:txBody>
+      </p:sp>
+      <p:sp>
+        <p:nvSpPr>
+          <p:cNvPr id="34" name="TextBox 33"/>
+          <p:cNvSpPr txBox="1"/>
+          <p:nvPr/>
+        </p:nvSpPr>
+        <p:spPr>
+          <a:xfrm>
+            <a:off x="1066799" y="681746"/>
+            <a:ext cx="1066801" cy="369332"/>
+          </a:xfrm>
+          <a:prstGeom prst="rect">
+            <a:avLst/>
+          </a:prstGeom>
+          <a:solidFill>
+            <a:srgbClr val="8A0000"/>
+          </a:solidFill>
+        </p:spPr>
+        <p:txBody>
+          <a:bodyPr wrap="square" rtlCol="0">
+            <a:spAutoFit/>
+          </a:bodyPr>
+          <a:lstStyle/>
+          <a:p>
+            <a:pPr algn="ctr"/>
+            <a:r>
+              <a:rPr lang="en-US" dirty="0" smtClean="0">
+                <a:latin typeface="Copperplate Gothic Bold" pitchFamily="34" charset="0"/>
+              </a:rPr>
+              <a:t>Home</a:t>
+            </a:r>
+            <a:endParaRPr lang="en-US" dirty="0">
+              <a:latin typeface="Copperplate Gothic Bold" pitchFamily="34" charset="0"/>
+            </a:endParaRPr>
+          </a:p>
+        </p:txBody>
+      </p:sp>
     </p:spTree>
     <p:extLst>
       <p:ext uri="{BB962C8B-B14F-4D97-AF65-F5344CB8AC3E}">
@@ -7161,11 +7167,11 @@
   <p:clrMapOvr>
     <a:masterClrMapping/>
   </p:clrMapOvr>
-  <mc:AlternateContent xmlns:mc="http://schemas.openxmlformats.org/markup-compatibility/2006">
-    <mc:Choice xmlns:p14="http://schemas.microsoft.com/office/powerpoint/2010/main" Requires="p14">
+  <mc:AlternateContent xmlns:mc="http://schemas.openxmlformats.org/markup-compatibility/2006" xmlns:p14="http://schemas.microsoft.com/office/powerpoint/2010/main">
+    <mc:Choice Requires="p14">
       <p:transition p14:dur="0"/>
     </mc:Choice>
-    <mc:Fallback>
+    <mc:Fallback xmlns="">
       <p:transition/>
     </mc:Fallback>
   </mc:AlternateContent>
@@ -7198,109 +7204,6 @@
       </p:grpSpPr>
       <p:sp>
         <p:nvSpPr>
-          <p:cNvPr id="4" name="Title 2"/>
-          <p:cNvSpPr txBox="1">
-            <a:spLocks/>
-          </p:cNvSpPr>
-          <p:nvPr/>
-        </p:nvSpPr>
-        <p:spPr>
-          <a:xfrm>
-            <a:off x="76200" y="228600"/>
-            <a:ext cx="8991600" cy="457200"/>
-          </a:xfrm>
-          <a:prstGeom prst="rect">
-            <a:avLst/>
-          </a:prstGeom>
-        </p:spPr>
-        <p:txBody>
-          <a:bodyPr vert="horz" lIns="91440" tIns="45720" rIns="91440" bIns="45720" rtlCol="0" anchor="t">
-            <a:normAutofit/>
-          </a:bodyPr>
-          <a:lstStyle>
-            <a:lvl1pPr algn="l" defTabSz="914400" rtl="0" eaLnBrk="1" latinLnBrk="0" hangingPunct="1">
-              <a:spcBef>
-                <a:spcPct val="0"/>
-              </a:spcBef>
-              <a:buNone/>
-              <a:defRPr sz="1800" kern="1200" cap="all" baseline="0">
-                <a:solidFill>
-                  <a:schemeClr val="tx1"/>
-                </a:solidFill>
-                <a:latin typeface="+mj-lt"/>
-                <a:ea typeface="+mj-ea"/>
-                <a:cs typeface="+mj-cs"/>
-              </a:defRPr>
-            </a:lvl1pPr>
-            <a:lvl2pPr eaLnBrk="1" hangingPunct="1">
-              <a:defRPr>
-                <a:solidFill>
-                  <a:schemeClr val="tx2"/>
-                </a:solidFill>
-              </a:defRPr>
-            </a:lvl2pPr>
-            <a:lvl3pPr eaLnBrk="1" hangingPunct="1">
-              <a:defRPr>
-                <a:solidFill>
-                  <a:schemeClr val="tx2"/>
-                </a:solidFill>
-              </a:defRPr>
-            </a:lvl3pPr>
-            <a:lvl4pPr eaLnBrk="1" hangingPunct="1">
-              <a:defRPr>
-                <a:solidFill>
-                  <a:schemeClr val="tx2"/>
-                </a:solidFill>
-              </a:defRPr>
-            </a:lvl4pPr>
-            <a:lvl5pPr eaLnBrk="1" hangingPunct="1">
-              <a:defRPr>
-                <a:solidFill>
-                  <a:schemeClr val="tx2"/>
-                </a:solidFill>
-              </a:defRPr>
-            </a:lvl5pPr>
-            <a:lvl6pPr eaLnBrk="1" hangingPunct="1">
-              <a:defRPr>
-                <a:solidFill>
-                  <a:schemeClr val="tx2"/>
-                </a:solidFill>
-              </a:defRPr>
-            </a:lvl6pPr>
-            <a:lvl7pPr eaLnBrk="1" hangingPunct="1">
-              <a:defRPr>
-                <a:solidFill>
-                  <a:schemeClr val="tx2"/>
-                </a:solidFill>
-              </a:defRPr>
-            </a:lvl7pPr>
-            <a:lvl8pPr eaLnBrk="1" hangingPunct="1">
-              <a:defRPr>
-                <a:solidFill>
-                  <a:schemeClr val="tx2"/>
-                </a:solidFill>
-              </a:defRPr>
-            </a:lvl8pPr>
-            <a:lvl9pPr eaLnBrk="1" hangingPunct="1">
-              <a:defRPr>
-                <a:solidFill>
-                  <a:schemeClr val="tx2"/>
-                </a:solidFill>
-              </a:defRPr>
-            </a:lvl9pPr>
-          </a:lstStyle>
-          <a:p>
-            <a:pPr algn="ctr"/>
-            <a:r>
-              <a:rPr lang="en-US" dirty="0" smtClean="0"/>
-              <a:t>Messages - doorbell</a:t>
-            </a:r>
-            <a:endParaRPr lang="en-US" dirty="0"/>
-          </a:p>
-        </p:txBody>
-      </p:sp>
-      <p:sp>
-        <p:nvSpPr>
           <p:cNvPr id="5" name="Rectangle 4"/>
           <p:cNvSpPr/>
           <p:nvPr/>
@@ -7339,41 +7242,6 @@
           <a:p>
             <a:pPr algn="ctr"/>
             <a:endParaRPr lang="en-US" dirty="0"/>
-          </a:p>
-        </p:txBody>
-      </p:sp>
-      <p:sp>
-        <p:nvSpPr>
-          <p:cNvPr id="6" name="TextBox 5"/>
-          <p:cNvSpPr txBox="1"/>
-          <p:nvPr/>
-        </p:nvSpPr>
-        <p:spPr>
-          <a:xfrm>
-            <a:off x="1245493" y="2041922"/>
-            <a:ext cx="1573907" cy="646331"/>
-          </a:xfrm>
-          <a:prstGeom prst="rect">
-            <a:avLst/>
-          </a:prstGeom>
-          <a:noFill/>
-        </p:spPr>
-        <p:txBody>
-          <a:bodyPr wrap="square" rtlCol="0">
-            <a:spAutoFit/>
-          </a:bodyPr>
-          <a:lstStyle/>
-          <a:p>
-            <a:pPr algn="ctr"/>
-            <a:r>
-              <a:rPr lang="en-US" dirty="0" smtClean="0">
-                <a:latin typeface="Britannic Bold" pitchFamily="34" charset="0"/>
-              </a:rPr>
-              <a:t>External Door</a:t>
-            </a:r>
-            <a:endParaRPr lang="en-US" dirty="0">
-              <a:latin typeface="Britannic Bold" pitchFamily="34" charset="0"/>
-            </a:endParaRPr>
           </a:p>
         </p:txBody>
       </p:sp>
@@ -8321,43 +8189,6 @@
       </p:sp>
       <p:sp>
         <p:nvSpPr>
-          <p:cNvPr id="34" name="TextBox 33"/>
-          <p:cNvSpPr txBox="1"/>
-          <p:nvPr/>
-        </p:nvSpPr>
-        <p:spPr>
-          <a:xfrm>
-            <a:off x="1138352" y="681746"/>
-            <a:ext cx="894093" cy="369332"/>
-          </a:xfrm>
-          <a:prstGeom prst="rect">
-            <a:avLst/>
-          </a:prstGeom>
-          <a:solidFill>
-            <a:srgbClr val="8A0000"/>
-          </a:solidFill>
-        </p:spPr>
-        <p:txBody>
-          <a:bodyPr wrap="square" rtlCol="0">
-            <a:spAutoFit/>
-          </a:bodyPr>
-          <a:lstStyle/>
-          <a:p>
-            <a:pPr algn="ctr"/>
-            <a:r>
-              <a:rPr lang="en-US" dirty="0" smtClean="0">
-                <a:latin typeface="Copperplate Gothic Bold" pitchFamily="34" charset="0"/>
-              </a:rPr>
-              <a:t>Home</a:t>
-            </a:r>
-            <a:endParaRPr lang="en-US" dirty="0">
-              <a:latin typeface="Copperplate Gothic Bold" pitchFamily="34" charset="0"/>
-            </a:endParaRPr>
-          </a:p>
-        </p:txBody>
-      </p:sp>
-      <p:sp>
-        <p:nvSpPr>
           <p:cNvPr id="35" name="TextBox 34"/>
           <p:cNvSpPr txBox="1"/>
           <p:nvPr/>
@@ -8429,6 +8260,181 @@
             <a:endParaRPr lang="en-US" dirty="0">
               <a:latin typeface="Copperplate Gothic Bold" pitchFamily="34" charset="0"/>
             </a:endParaRPr>
+          </a:p>
+        </p:txBody>
+      </p:sp>
+      <p:sp>
+        <p:nvSpPr>
+          <p:cNvPr id="37" name="TextBox 36"/>
+          <p:cNvSpPr txBox="1"/>
+          <p:nvPr/>
+        </p:nvSpPr>
+        <p:spPr>
+          <a:xfrm>
+            <a:off x="1143000" y="2079257"/>
+            <a:ext cx="1573907" cy="646331"/>
+          </a:xfrm>
+          <a:prstGeom prst="rect">
+            <a:avLst/>
+          </a:prstGeom>
+          <a:noFill/>
+        </p:spPr>
+        <p:txBody>
+          <a:bodyPr wrap="square" rtlCol="0">
+            <a:spAutoFit/>
+          </a:bodyPr>
+          <a:lstStyle/>
+          <a:p>
+            <a:pPr algn="ctr"/>
+            <a:r>
+              <a:rPr lang="en-US" dirty="0" smtClean="0">
+                <a:latin typeface="Britannic Bold" pitchFamily="34" charset="0"/>
+              </a:rPr>
+              <a:t>External Door</a:t>
+            </a:r>
+            <a:endParaRPr lang="en-US" dirty="0">
+              <a:latin typeface="Britannic Bold" pitchFamily="34" charset="0"/>
+            </a:endParaRPr>
+          </a:p>
+        </p:txBody>
+      </p:sp>
+      <p:sp>
+        <p:nvSpPr>
+          <p:cNvPr id="38" name="TextBox 37"/>
+          <p:cNvSpPr txBox="1"/>
+          <p:nvPr/>
+        </p:nvSpPr>
+        <p:spPr>
+          <a:xfrm>
+            <a:off x="1066799" y="681746"/>
+            <a:ext cx="1066801" cy="369332"/>
+          </a:xfrm>
+          <a:prstGeom prst="rect">
+            <a:avLst/>
+          </a:prstGeom>
+          <a:solidFill>
+            <a:srgbClr val="8A0000"/>
+          </a:solidFill>
+        </p:spPr>
+        <p:txBody>
+          <a:bodyPr wrap="square" rtlCol="0">
+            <a:spAutoFit/>
+          </a:bodyPr>
+          <a:lstStyle/>
+          <a:p>
+            <a:pPr algn="ctr"/>
+            <a:r>
+              <a:rPr lang="en-US" dirty="0" smtClean="0">
+                <a:latin typeface="Copperplate Gothic Bold" pitchFamily="34" charset="0"/>
+              </a:rPr>
+              <a:t>Home</a:t>
+            </a:r>
+            <a:endParaRPr lang="en-US" dirty="0">
+              <a:latin typeface="Copperplate Gothic Bold" pitchFamily="34" charset="0"/>
+            </a:endParaRPr>
+          </a:p>
+        </p:txBody>
+      </p:sp>
+      <p:sp>
+        <p:nvSpPr>
+          <p:cNvPr id="39" name="Title 2"/>
+          <p:cNvSpPr txBox="1">
+            <a:spLocks/>
+          </p:cNvSpPr>
+          <p:nvPr/>
+        </p:nvSpPr>
+        <p:spPr>
+          <a:xfrm>
+            <a:off x="76200" y="152400"/>
+            <a:ext cx="8991600" cy="533400"/>
+          </a:xfrm>
+          <a:prstGeom prst="rect">
+            <a:avLst/>
+          </a:prstGeom>
+        </p:spPr>
+        <p:txBody>
+          <a:bodyPr vert="horz" lIns="91440" tIns="45720" rIns="91440" bIns="45720" rtlCol="0" anchor="t">
+            <a:normAutofit/>
+          </a:bodyPr>
+          <a:lstStyle>
+            <a:lvl1pPr algn="l" defTabSz="914400" rtl="0" eaLnBrk="1" latinLnBrk="0" hangingPunct="1">
+              <a:spcBef>
+                <a:spcPct val="0"/>
+              </a:spcBef>
+              <a:buNone/>
+              <a:defRPr sz="1800" kern="1200" cap="all" baseline="0">
+                <a:solidFill>
+                  <a:schemeClr val="tx1"/>
+                </a:solidFill>
+                <a:latin typeface="+mj-lt"/>
+                <a:ea typeface="+mj-ea"/>
+                <a:cs typeface="+mj-cs"/>
+              </a:defRPr>
+            </a:lvl1pPr>
+            <a:lvl2pPr eaLnBrk="1" hangingPunct="1">
+              <a:defRPr>
+                <a:solidFill>
+                  <a:schemeClr val="tx2"/>
+                </a:solidFill>
+              </a:defRPr>
+            </a:lvl2pPr>
+            <a:lvl3pPr eaLnBrk="1" hangingPunct="1">
+              <a:defRPr>
+                <a:solidFill>
+                  <a:schemeClr val="tx2"/>
+                </a:solidFill>
+              </a:defRPr>
+            </a:lvl3pPr>
+            <a:lvl4pPr eaLnBrk="1" hangingPunct="1">
+              <a:defRPr>
+                <a:solidFill>
+                  <a:schemeClr val="tx2"/>
+                </a:solidFill>
+              </a:defRPr>
+            </a:lvl4pPr>
+            <a:lvl5pPr eaLnBrk="1" hangingPunct="1">
+              <a:defRPr>
+                <a:solidFill>
+                  <a:schemeClr val="tx2"/>
+                </a:solidFill>
+              </a:defRPr>
+            </a:lvl5pPr>
+            <a:lvl6pPr eaLnBrk="1" hangingPunct="1">
+              <a:defRPr>
+                <a:solidFill>
+                  <a:schemeClr val="tx2"/>
+                </a:solidFill>
+              </a:defRPr>
+            </a:lvl6pPr>
+            <a:lvl7pPr eaLnBrk="1" hangingPunct="1">
+              <a:defRPr>
+                <a:solidFill>
+                  <a:schemeClr val="tx2"/>
+                </a:solidFill>
+              </a:defRPr>
+            </a:lvl7pPr>
+            <a:lvl8pPr eaLnBrk="1" hangingPunct="1">
+              <a:defRPr>
+                <a:solidFill>
+                  <a:schemeClr val="tx2"/>
+                </a:solidFill>
+              </a:defRPr>
+            </a:lvl8pPr>
+            <a:lvl9pPr eaLnBrk="1" hangingPunct="1">
+              <a:defRPr>
+                <a:solidFill>
+                  <a:schemeClr val="tx2"/>
+                </a:solidFill>
+              </a:defRPr>
+            </a:lvl9pPr>
+          </a:lstStyle>
+          <a:p>
+            <a:pPr algn="ctr"/>
+            <a:r>
+              <a:rPr lang="en-US" sz="2300" dirty="0" smtClean="0"/>
+              <a:t>Messages - doorbell</a:t>
+            </a:r>
+            <a:endParaRPr lang="en-US" sz="2300" dirty="0"/>
           </a:p>
         </p:txBody>
       </p:sp>
@@ -8442,11 +8448,11 @@
   <p:clrMapOvr>
     <a:masterClrMapping/>
   </p:clrMapOvr>
-  <mc:AlternateContent xmlns:mc="http://schemas.openxmlformats.org/markup-compatibility/2006">
-    <mc:Choice xmlns:p14="http://schemas.microsoft.com/office/powerpoint/2010/main" Requires="p14">
+  <mc:AlternateContent xmlns:mc="http://schemas.openxmlformats.org/markup-compatibility/2006" xmlns:p14="http://schemas.microsoft.com/office/powerpoint/2010/main">
+    <mc:Choice Requires="p14">
       <p:transition p14:dur="0"/>
     </mc:Choice>
-    <mc:Fallback>
+    <mc:Fallback xmlns="">
       <p:transition/>
     </mc:Fallback>
   </mc:AlternateContent>
@@ -8479,109 +8485,6 @@
       </p:grpSpPr>
       <p:sp>
         <p:nvSpPr>
-          <p:cNvPr id="4" name="Title 2"/>
-          <p:cNvSpPr txBox="1">
-            <a:spLocks/>
-          </p:cNvSpPr>
-          <p:nvPr/>
-        </p:nvSpPr>
-        <p:spPr>
-          <a:xfrm>
-            <a:off x="76200" y="228600"/>
-            <a:ext cx="8991600" cy="457200"/>
-          </a:xfrm>
-          <a:prstGeom prst="rect">
-            <a:avLst/>
-          </a:prstGeom>
-        </p:spPr>
-        <p:txBody>
-          <a:bodyPr vert="horz" lIns="91440" tIns="45720" rIns="91440" bIns="45720" rtlCol="0" anchor="t">
-            <a:normAutofit/>
-          </a:bodyPr>
-          <a:lstStyle>
-            <a:lvl1pPr algn="l" defTabSz="914400" rtl="0" eaLnBrk="1" latinLnBrk="0" hangingPunct="1">
-              <a:spcBef>
-                <a:spcPct val="0"/>
-              </a:spcBef>
-              <a:buNone/>
-              <a:defRPr sz="1800" kern="1200" cap="all" baseline="0">
-                <a:solidFill>
-                  <a:schemeClr val="tx1"/>
-                </a:solidFill>
-                <a:latin typeface="+mj-lt"/>
-                <a:ea typeface="+mj-ea"/>
-                <a:cs typeface="+mj-cs"/>
-              </a:defRPr>
-            </a:lvl1pPr>
-            <a:lvl2pPr eaLnBrk="1" hangingPunct="1">
-              <a:defRPr>
-                <a:solidFill>
-                  <a:schemeClr val="tx2"/>
-                </a:solidFill>
-              </a:defRPr>
-            </a:lvl2pPr>
-            <a:lvl3pPr eaLnBrk="1" hangingPunct="1">
-              <a:defRPr>
-                <a:solidFill>
-                  <a:schemeClr val="tx2"/>
-                </a:solidFill>
-              </a:defRPr>
-            </a:lvl3pPr>
-            <a:lvl4pPr eaLnBrk="1" hangingPunct="1">
-              <a:defRPr>
-                <a:solidFill>
-                  <a:schemeClr val="tx2"/>
-                </a:solidFill>
-              </a:defRPr>
-            </a:lvl4pPr>
-            <a:lvl5pPr eaLnBrk="1" hangingPunct="1">
-              <a:defRPr>
-                <a:solidFill>
-                  <a:schemeClr val="tx2"/>
-                </a:solidFill>
-              </a:defRPr>
-            </a:lvl5pPr>
-            <a:lvl6pPr eaLnBrk="1" hangingPunct="1">
-              <a:defRPr>
-                <a:solidFill>
-                  <a:schemeClr val="tx2"/>
-                </a:solidFill>
-              </a:defRPr>
-            </a:lvl6pPr>
-            <a:lvl7pPr eaLnBrk="1" hangingPunct="1">
-              <a:defRPr>
-                <a:solidFill>
-                  <a:schemeClr val="tx2"/>
-                </a:solidFill>
-              </a:defRPr>
-            </a:lvl7pPr>
-            <a:lvl8pPr eaLnBrk="1" hangingPunct="1">
-              <a:defRPr>
-                <a:solidFill>
-                  <a:schemeClr val="tx2"/>
-                </a:solidFill>
-              </a:defRPr>
-            </a:lvl8pPr>
-            <a:lvl9pPr eaLnBrk="1" hangingPunct="1">
-              <a:defRPr>
-                <a:solidFill>
-                  <a:schemeClr val="tx2"/>
-                </a:solidFill>
-              </a:defRPr>
-            </a:lvl9pPr>
-          </a:lstStyle>
-          <a:p>
-            <a:pPr algn="ctr"/>
-            <a:r>
-              <a:rPr lang="en-US" dirty="0" smtClean="0"/>
-              <a:t>Messages - doorbell</a:t>
-            </a:r>
-            <a:endParaRPr lang="en-US" dirty="0"/>
-          </a:p>
-        </p:txBody>
-      </p:sp>
-      <p:sp>
-        <p:nvSpPr>
           <p:cNvPr id="5" name="Rectangle 4"/>
           <p:cNvSpPr/>
           <p:nvPr/>
@@ -8620,41 +8523,6 @@
           <a:p>
             <a:pPr algn="ctr"/>
             <a:endParaRPr lang="en-US" dirty="0"/>
-          </a:p>
-        </p:txBody>
-      </p:sp>
-      <p:sp>
-        <p:nvSpPr>
-          <p:cNvPr id="6" name="TextBox 5"/>
-          <p:cNvSpPr txBox="1"/>
-          <p:nvPr/>
-        </p:nvSpPr>
-        <p:spPr>
-          <a:xfrm>
-            <a:off x="1245492" y="2080451"/>
-            <a:ext cx="1573907" cy="646331"/>
-          </a:xfrm>
-          <a:prstGeom prst="rect">
-            <a:avLst/>
-          </a:prstGeom>
-          <a:noFill/>
-        </p:spPr>
-        <p:txBody>
-          <a:bodyPr wrap="square" rtlCol="0">
-            <a:spAutoFit/>
-          </a:bodyPr>
-          <a:lstStyle/>
-          <a:p>
-            <a:pPr algn="ctr"/>
-            <a:r>
-              <a:rPr lang="en-US" dirty="0" smtClean="0">
-                <a:latin typeface="Britannic Bold" pitchFamily="34" charset="0"/>
-              </a:rPr>
-              <a:t>External Door</a:t>
-            </a:r>
-            <a:endParaRPr lang="en-US" dirty="0">
-              <a:latin typeface="Britannic Bold" pitchFamily="34" charset="0"/>
-            </a:endParaRPr>
           </a:p>
         </p:txBody>
       </p:sp>
@@ -9620,43 +9488,6 @@
       </p:pic>
       <p:sp>
         <p:nvSpPr>
-          <p:cNvPr id="33" name="TextBox 32"/>
-          <p:cNvSpPr txBox="1"/>
-          <p:nvPr/>
-        </p:nvSpPr>
-        <p:spPr>
-          <a:xfrm>
-            <a:off x="1138352" y="681746"/>
-            <a:ext cx="894093" cy="369332"/>
-          </a:xfrm>
-          <a:prstGeom prst="rect">
-            <a:avLst/>
-          </a:prstGeom>
-          <a:solidFill>
-            <a:srgbClr val="8A0000"/>
-          </a:solidFill>
-        </p:spPr>
-        <p:txBody>
-          <a:bodyPr wrap="square" rtlCol="0">
-            <a:spAutoFit/>
-          </a:bodyPr>
-          <a:lstStyle/>
-          <a:p>
-            <a:pPr algn="ctr"/>
-            <a:r>
-              <a:rPr lang="en-US" dirty="0" smtClean="0">
-                <a:latin typeface="Copperplate Gothic Bold" pitchFamily="34" charset="0"/>
-              </a:rPr>
-              <a:t>Home</a:t>
-            </a:r>
-            <a:endParaRPr lang="en-US" dirty="0">
-              <a:latin typeface="Copperplate Gothic Bold" pitchFamily="34" charset="0"/>
-            </a:endParaRPr>
-          </a:p>
-        </p:txBody>
-      </p:sp>
-      <p:sp>
-        <p:nvSpPr>
           <p:cNvPr id="34" name="TextBox 33"/>
           <p:cNvSpPr txBox="1"/>
           <p:nvPr/>
@@ -9728,6 +9559,181 @@
             <a:endParaRPr lang="en-US" dirty="0">
               <a:latin typeface="Copperplate Gothic Bold" pitchFamily="34" charset="0"/>
             </a:endParaRPr>
+          </a:p>
+        </p:txBody>
+      </p:sp>
+      <p:sp>
+        <p:nvSpPr>
+          <p:cNvPr id="36" name="TextBox 35"/>
+          <p:cNvSpPr txBox="1"/>
+          <p:nvPr/>
+        </p:nvSpPr>
+        <p:spPr>
+          <a:xfrm>
+            <a:off x="1143000" y="2079257"/>
+            <a:ext cx="1573907" cy="646331"/>
+          </a:xfrm>
+          <a:prstGeom prst="rect">
+            <a:avLst/>
+          </a:prstGeom>
+          <a:noFill/>
+        </p:spPr>
+        <p:txBody>
+          <a:bodyPr wrap="square" rtlCol="0">
+            <a:spAutoFit/>
+          </a:bodyPr>
+          <a:lstStyle/>
+          <a:p>
+            <a:pPr algn="ctr"/>
+            <a:r>
+              <a:rPr lang="en-US" dirty="0" smtClean="0">
+                <a:latin typeface="Britannic Bold" pitchFamily="34" charset="0"/>
+              </a:rPr>
+              <a:t>External Door</a:t>
+            </a:r>
+            <a:endParaRPr lang="en-US" dirty="0">
+              <a:latin typeface="Britannic Bold" pitchFamily="34" charset="0"/>
+            </a:endParaRPr>
+          </a:p>
+        </p:txBody>
+      </p:sp>
+      <p:sp>
+        <p:nvSpPr>
+          <p:cNvPr id="37" name="TextBox 36"/>
+          <p:cNvSpPr txBox="1"/>
+          <p:nvPr/>
+        </p:nvSpPr>
+        <p:spPr>
+          <a:xfrm>
+            <a:off x="1066799" y="681746"/>
+            <a:ext cx="1066801" cy="369332"/>
+          </a:xfrm>
+          <a:prstGeom prst="rect">
+            <a:avLst/>
+          </a:prstGeom>
+          <a:solidFill>
+            <a:srgbClr val="8A0000"/>
+          </a:solidFill>
+        </p:spPr>
+        <p:txBody>
+          <a:bodyPr wrap="square" rtlCol="0">
+            <a:spAutoFit/>
+          </a:bodyPr>
+          <a:lstStyle/>
+          <a:p>
+            <a:pPr algn="ctr"/>
+            <a:r>
+              <a:rPr lang="en-US" dirty="0" smtClean="0">
+                <a:latin typeface="Copperplate Gothic Bold" pitchFamily="34" charset="0"/>
+              </a:rPr>
+              <a:t>Home</a:t>
+            </a:r>
+            <a:endParaRPr lang="en-US" dirty="0">
+              <a:latin typeface="Copperplate Gothic Bold" pitchFamily="34" charset="0"/>
+            </a:endParaRPr>
+          </a:p>
+        </p:txBody>
+      </p:sp>
+      <p:sp>
+        <p:nvSpPr>
+          <p:cNvPr id="38" name="Title 2"/>
+          <p:cNvSpPr txBox="1">
+            <a:spLocks/>
+          </p:cNvSpPr>
+          <p:nvPr/>
+        </p:nvSpPr>
+        <p:spPr>
+          <a:xfrm>
+            <a:off x="76200" y="152400"/>
+            <a:ext cx="8991600" cy="533400"/>
+          </a:xfrm>
+          <a:prstGeom prst="rect">
+            <a:avLst/>
+          </a:prstGeom>
+        </p:spPr>
+        <p:txBody>
+          <a:bodyPr vert="horz" lIns="91440" tIns="45720" rIns="91440" bIns="45720" rtlCol="0" anchor="t">
+            <a:normAutofit/>
+          </a:bodyPr>
+          <a:lstStyle>
+            <a:lvl1pPr algn="l" defTabSz="914400" rtl="0" eaLnBrk="1" latinLnBrk="0" hangingPunct="1">
+              <a:spcBef>
+                <a:spcPct val="0"/>
+              </a:spcBef>
+              <a:buNone/>
+              <a:defRPr sz="1800" kern="1200" cap="all" baseline="0">
+                <a:solidFill>
+                  <a:schemeClr val="tx1"/>
+                </a:solidFill>
+                <a:latin typeface="+mj-lt"/>
+                <a:ea typeface="+mj-ea"/>
+                <a:cs typeface="+mj-cs"/>
+              </a:defRPr>
+            </a:lvl1pPr>
+            <a:lvl2pPr eaLnBrk="1" hangingPunct="1">
+              <a:defRPr>
+                <a:solidFill>
+                  <a:schemeClr val="tx2"/>
+                </a:solidFill>
+              </a:defRPr>
+            </a:lvl2pPr>
+            <a:lvl3pPr eaLnBrk="1" hangingPunct="1">
+              <a:defRPr>
+                <a:solidFill>
+                  <a:schemeClr val="tx2"/>
+                </a:solidFill>
+              </a:defRPr>
+            </a:lvl3pPr>
+            <a:lvl4pPr eaLnBrk="1" hangingPunct="1">
+              <a:defRPr>
+                <a:solidFill>
+                  <a:schemeClr val="tx2"/>
+                </a:solidFill>
+              </a:defRPr>
+            </a:lvl4pPr>
+            <a:lvl5pPr eaLnBrk="1" hangingPunct="1">
+              <a:defRPr>
+                <a:solidFill>
+                  <a:schemeClr val="tx2"/>
+                </a:solidFill>
+              </a:defRPr>
+            </a:lvl5pPr>
+            <a:lvl6pPr eaLnBrk="1" hangingPunct="1">
+              <a:defRPr>
+                <a:solidFill>
+                  <a:schemeClr val="tx2"/>
+                </a:solidFill>
+              </a:defRPr>
+            </a:lvl6pPr>
+            <a:lvl7pPr eaLnBrk="1" hangingPunct="1">
+              <a:defRPr>
+                <a:solidFill>
+                  <a:schemeClr val="tx2"/>
+                </a:solidFill>
+              </a:defRPr>
+            </a:lvl7pPr>
+            <a:lvl8pPr eaLnBrk="1" hangingPunct="1">
+              <a:defRPr>
+                <a:solidFill>
+                  <a:schemeClr val="tx2"/>
+                </a:solidFill>
+              </a:defRPr>
+            </a:lvl8pPr>
+            <a:lvl9pPr eaLnBrk="1" hangingPunct="1">
+              <a:defRPr>
+                <a:solidFill>
+                  <a:schemeClr val="tx2"/>
+                </a:solidFill>
+              </a:defRPr>
+            </a:lvl9pPr>
+          </a:lstStyle>
+          <a:p>
+            <a:pPr algn="ctr"/>
+            <a:r>
+              <a:rPr lang="en-US" sz="2300" dirty="0" smtClean="0"/>
+              <a:t>Messages - doorbell</a:t>
+            </a:r>
+            <a:endParaRPr lang="en-US" sz="2300" dirty="0"/>
           </a:p>
         </p:txBody>
       </p:sp>
@@ -9741,11 +9747,11 @@
   <p:clrMapOvr>
     <a:masterClrMapping/>
   </p:clrMapOvr>
-  <mc:AlternateContent xmlns:mc="http://schemas.openxmlformats.org/markup-compatibility/2006">
-    <mc:Choice xmlns:p14="http://schemas.microsoft.com/office/powerpoint/2010/main" Requires="p14">
+  <mc:AlternateContent xmlns:mc="http://schemas.openxmlformats.org/markup-compatibility/2006" xmlns:p14="http://schemas.microsoft.com/office/powerpoint/2010/main">
+    <mc:Choice Requires="p14">
       <p:transition p14:dur="0"/>
     </mc:Choice>
-    <mc:Fallback>
+    <mc:Fallback xmlns="">
       <p:transition/>
     </mc:Fallback>
   </mc:AlternateContent>
@@ -9778,109 +9784,6 @@
       </p:grpSpPr>
       <p:sp>
         <p:nvSpPr>
-          <p:cNvPr id="4" name="Title 2"/>
-          <p:cNvSpPr txBox="1">
-            <a:spLocks/>
-          </p:cNvSpPr>
-          <p:nvPr/>
-        </p:nvSpPr>
-        <p:spPr>
-          <a:xfrm>
-            <a:off x="76200" y="228600"/>
-            <a:ext cx="8991600" cy="457200"/>
-          </a:xfrm>
-          <a:prstGeom prst="rect">
-            <a:avLst/>
-          </a:prstGeom>
-        </p:spPr>
-        <p:txBody>
-          <a:bodyPr vert="horz" lIns="91440" tIns="45720" rIns="91440" bIns="45720" rtlCol="0" anchor="t">
-            <a:normAutofit/>
-          </a:bodyPr>
-          <a:lstStyle>
-            <a:lvl1pPr algn="l" defTabSz="914400" rtl="0" eaLnBrk="1" latinLnBrk="0" hangingPunct="1">
-              <a:spcBef>
-                <a:spcPct val="0"/>
-              </a:spcBef>
-              <a:buNone/>
-              <a:defRPr sz="1800" kern="1200" cap="all" baseline="0">
-                <a:solidFill>
-                  <a:schemeClr val="tx1"/>
-                </a:solidFill>
-                <a:latin typeface="+mj-lt"/>
-                <a:ea typeface="+mj-ea"/>
-                <a:cs typeface="+mj-cs"/>
-              </a:defRPr>
-            </a:lvl1pPr>
-            <a:lvl2pPr eaLnBrk="1" hangingPunct="1">
-              <a:defRPr>
-                <a:solidFill>
-                  <a:schemeClr val="tx2"/>
-                </a:solidFill>
-              </a:defRPr>
-            </a:lvl2pPr>
-            <a:lvl3pPr eaLnBrk="1" hangingPunct="1">
-              <a:defRPr>
-                <a:solidFill>
-                  <a:schemeClr val="tx2"/>
-                </a:solidFill>
-              </a:defRPr>
-            </a:lvl3pPr>
-            <a:lvl4pPr eaLnBrk="1" hangingPunct="1">
-              <a:defRPr>
-                <a:solidFill>
-                  <a:schemeClr val="tx2"/>
-                </a:solidFill>
-              </a:defRPr>
-            </a:lvl4pPr>
-            <a:lvl5pPr eaLnBrk="1" hangingPunct="1">
-              <a:defRPr>
-                <a:solidFill>
-                  <a:schemeClr val="tx2"/>
-                </a:solidFill>
-              </a:defRPr>
-            </a:lvl5pPr>
-            <a:lvl6pPr eaLnBrk="1" hangingPunct="1">
-              <a:defRPr>
-                <a:solidFill>
-                  <a:schemeClr val="tx2"/>
-                </a:solidFill>
-              </a:defRPr>
-            </a:lvl6pPr>
-            <a:lvl7pPr eaLnBrk="1" hangingPunct="1">
-              <a:defRPr>
-                <a:solidFill>
-                  <a:schemeClr val="tx2"/>
-                </a:solidFill>
-              </a:defRPr>
-            </a:lvl7pPr>
-            <a:lvl8pPr eaLnBrk="1" hangingPunct="1">
-              <a:defRPr>
-                <a:solidFill>
-                  <a:schemeClr val="tx2"/>
-                </a:solidFill>
-              </a:defRPr>
-            </a:lvl8pPr>
-            <a:lvl9pPr eaLnBrk="1" hangingPunct="1">
-              <a:defRPr>
-                <a:solidFill>
-                  <a:schemeClr val="tx2"/>
-                </a:solidFill>
-              </a:defRPr>
-            </a:lvl9pPr>
-          </a:lstStyle>
-          <a:p>
-            <a:pPr algn="ctr"/>
-            <a:r>
-              <a:rPr lang="en-US" dirty="0" smtClean="0"/>
-              <a:t>Messages – Unlock door</a:t>
-            </a:r>
-            <a:endParaRPr lang="en-US" dirty="0"/>
-          </a:p>
-        </p:txBody>
-      </p:sp>
-      <p:sp>
-        <p:nvSpPr>
           <p:cNvPr id="5" name="Rectangle 4"/>
           <p:cNvSpPr/>
           <p:nvPr/>
@@ -9919,41 +9822,6 @@
           <a:p>
             <a:pPr algn="ctr"/>
             <a:endParaRPr lang="en-US" dirty="0"/>
-          </a:p>
-        </p:txBody>
-      </p:sp>
-      <p:sp>
-        <p:nvSpPr>
-          <p:cNvPr id="6" name="TextBox 5"/>
-          <p:cNvSpPr txBox="1"/>
-          <p:nvPr/>
-        </p:nvSpPr>
-        <p:spPr>
-          <a:xfrm>
-            <a:off x="1245493" y="2079257"/>
-            <a:ext cx="1573907" cy="646331"/>
-          </a:xfrm>
-          <a:prstGeom prst="rect">
-            <a:avLst/>
-          </a:prstGeom>
-          <a:noFill/>
-        </p:spPr>
-        <p:txBody>
-          <a:bodyPr wrap="square" rtlCol="0">
-            <a:spAutoFit/>
-          </a:bodyPr>
-          <a:lstStyle/>
-          <a:p>
-            <a:pPr algn="ctr"/>
-            <a:r>
-              <a:rPr lang="en-US" dirty="0" smtClean="0">
-                <a:latin typeface="Britannic Bold" pitchFamily="34" charset="0"/>
-              </a:rPr>
-              <a:t>External Door</a:t>
-            </a:r>
-            <a:endParaRPr lang="en-US" dirty="0">
-              <a:latin typeface="Britannic Bold" pitchFamily="34" charset="0"/>
-            </a:endParaRPr>
           </a:p>
         </p:txBody>
       </p:sp>
@@ -10905,6 +10773,144 @@
           </a:p>
         </p:txBody>
       </p:sp>
+      <p:sp>
+        <p:nvSpPr>
+          <p:cNvPr id="37" name="TextBox 36"/>
+          <p:cNvSpPr txBox="1"/>
+          <p:nvPr/>
+        </p:nvSpPr>
+        <p:spPr>
+          <a:xfrm>
+            <a:off x="1143000" y="2079257"/>
+            <a:ext cx="1573907" cy="646331"/>
+          </a:xfrm>
+          <a:prstGeom prst="rect">
+            <a:avLst/>
+          </a:prstGeom>
+          <a:noFill/>
+        </p:spPr>
+        <p:txBody>
+          <a:bodyPr wrap="square" rtlCol="0">
+            <a:spAutoFit/>
+          </a:bodyPr>
+          <a:lstStyle/>
+          <a:p>
+            <a:pPr algn="ctr"/>
+            <a:r>
+              <a:rPr lang="en-US" dirty="0" smtClean="0">
+                <a:latin typeface="Britannic Bold" pitchFamily="34" charset="0"/>
+              </a:rPr>
+              <a:t>External Door</a:t>
+            </a:r>
+            <a:endParaRPr lang="en-US" dirty="0">
+              <a:latin typeface="Britannic Bold" pitchFamily="34" charset="0"/>
+            </a:endParaRPr>
+          </a:p>
+        </p:txBody>
+      </p:sp>
+      <p:sp>
+        <p:nvSpPr>
+          <p:cNvPr id="38" name="Title 2"/>
+          <p:cNvSpPr txBox="1">
+            <a:spLocks/>
+          </p:cNvSpPr>
+          <p:nvPr/>
+        </p:nvSpPr>
+        <p:spPr>
+          <a:xfrm>
+            <a:off x="76200" y="152400"/>
+            <a:ext cx="8991600" cy="533400"/>
+          </a:xfrm>
+          <a:prstGeom prst="rect">
+            <a:avLst/>
+          </a:prstGeom>
+        </p:spPr>
+        <p:txBody>
+          <a:bodyPr vert="horz" lIns="91440" tIns="45720" rIns="91440" bIns="45720" rtlCol="0" anchor="t">
+            <a:normAutofit/>
+          </a:bodyPr>
+          <a:lstStyle>
+            <a:lvl1pPr algn="l" defTabSz="914400" rtl="0" eaLnBrk="1" latinLnBrk="0" hangingPunct="1">
+              <a:spcBef>
+                <a:spcPct val="0"/>
+              </a:spcBef>
+              <a:buNone/>
+              <a:defRPr sz="1800" kern="1200" cap="all" baseline="0">
+                <a:solidFill>
+                  <a:schemeClr val="tx1"/>
+                </a:solidFill>
+                <a:latin typeface="+mj-lt"/>
+                <a:ea typeface="+mj-ea"/>
+                <a:cs typeface="+mj-cs"/>
+              </a:defRPr>
+            </a:lvl1pPr>
+            <a:lvl2pPr eaLnBrk="1" hangingPunct="1">
+              <a:defRPr>
+                <a:solidFill>
+                  <a:schemeClr val="tx2"/>
+                </a:solidFill>
+              </a:defRPr>
+            </a:lvl2pPr>
+            <a:lvl3pPr eaLnBrk="1" hangingPunct="1">
+              <a:defRPr>
+                <a:solidFill>
+                  <a:schemeClr val="tx2"/>
+                </a:solidFill>
+              </a:defRPr>
+            </a:lvl3pPr>
+            <a:lvl4pPr eaLnBrk="1" hangingPunct="1">
+              <a:defRPr>
+                <a:solidFill>
+                  <a:schemeClr val="tx2"/>
+                </a:solidFill>
+              </a:defRPr>
+            </a:lvl4pPr>
+            <a:lvl5pPr eaLnBrk="1" hangingPunct="1">
+              <a:defRPr>
+                <a:solidFill>
+                  <a:schemeClr val="tx2"/>
+                </a:solidFill>
+              </a:defRPr>
+            </a:lvl5pPr>
+            <a:lvl6pPr eaLnBrk="1" hangingPunct="1">
+              <a:defRPr>
+                <a:solidFill>
+                  <a:schemeClr val="tx2"/>
+                </a:solidFill>
+              </a:defRPr>
+            </a:lvl6pPr>
+            <a:lvl7pPr eaLnBrk="1" hangingPunct="1">
+              <a:defRPr>
+                <a:solidFill>
+                  <a:schemeClr val="tx2"/>
+                </a:solidFill>
+              </a:defRPr>
+            </a:lvl7pPr>
+            <a:lvl8pPr eaLnBrk="1" hangingPunct="1">
+              <a:defRPr>
+                <a:solidFill>
+                  <a:schemeClr val="tx2"/>
+                </a:solidFill>
+              </a:defRPr>
+            </a:lvl8pPr>
+            <a:lvl9pPr eaLnBrk="1" hangingPunct="1">
+              <a:defRPr>
+                <a:solidFill>
+                  <a:schemeClr val="tx2"/>
+                </a:solidFill>
+              </a:defRPr>
+            </a:lvl9pPr>
+          </a:lstStyle>
+          <a:p>
+            <a:pPr algn="ctr"/>
+            <a:r>
+              <a:rPr lang="en-US" dirty="0" smtClean="0"/>
+              <a:t>Messages – unlock door</a:t>
+            </a:r>
+            <a:endParaRPr lang="en-US" dirty="0"/>
+          </a:p>
+        </p:txBody>
+      </p:sp>
     </p:spTree>
     <p:extLst>
       <p:ext uri="{BB962C8B-B14F-4D97-AF65-F5344CB8AC3E}">
@@ -10915,11 +10921,11 @@
   <p:clrMapOvr>
     <a:masterClrMapping/>
   </p:clrMapOvr>
-  <mc:AlternateContent xmlns:mc="http://schemas.openxmlformats.org/markup-compatibility/2006">
-    <mc:Choice xmlns:p14="http://schemas.microsoft.com/office/powerpoint/2010/main" Requires="p14">
+  <mc:AlternateContent xmlns:mc="http://schemas.openxmlformats.org/markup-compatibility/2006" xmlns:p14="http://schemas.microsoft.com/office/powerpoint/2010/main">
+    <mc:Choice Requires="p14">
       <p:transition p14:dur="0"/>
     </mc:Choice>
-    <mc:Fallback>
+    <mc:Fallback xmlns="">
       <p:transition/>
     </mc:Fallback>
   </mc:AlternateContent>
@@ -12193,43 +12199,6 @@
       </p:sp>
       <p:sp>
         <p:nvSpPr>
-          <p:cNvPr id="35" name="TextBox 34"/>
-          <p:cNvSpPr txBox="1"/>
-          <p:nvPr/>
-        </p:nvSpPr>
-        <p:spPr>
-          <a:xfrm>
-            <a:off x="1138352" y="681746"/>
-            <a:ext cx="894093" cy="369332"/>
-          </a:xfrm>
-          <a:prstGeom prst="rect">
-            <a:avLst/>
-          </a:prstGeom>
-          <a:solidFill>
-            <a:srgbClr val="8A0000"/>
-          </a:solidFill>
-        </p:spPr>
-        <p:txBody>
-          <a:bodyPr wrap="square" rtlCol="0">
-            <a:spAutoFit/>
-          </a:bodyPr>
-          <a:lstStyle/>
-          <a:p>
-            <a:pPr algn="ctr"/>
-            <a:r>
-              <a:rPr lang="en-US" dirty="0" smtClean="0">
-                <a:latin typeface="Copperplate Gothic Bold" pitchFamily="34" charset="0"/>
-              </a:rPr>
-              <a:t>Home</a:t>
-            </a:r>
-            <a:endParaRPr lang="en-US" dirty="0">
-              <a:latin typeface="Copperplate Gothic Bold" pitchFamily="34" charset="0"/>
-            </a:endParaRPr>
-          </a:p>
-        </p:txBody>
-      </p:sp>
-      <p:sp>
-        <p:nvSpPr>
           <p:cNvPr id="38" name="TextBox 37"/>
           <p:cNvSpPr txBox="1"/>
           <p:nvPr/>
@@ -12297,6 +12266,43 @@
                 <a:latin typeface="Copperplate Gothic Bold" pitchFamily="34" charset="0"/>
               </a:rPr>
               <a:t>Remote</a:t>
+            </a:r>
+            <a:endParaRPr lang="en-US" dirty="0">
+              <a:latin typeface="Copperplate Gothic Bold" pitchFamily="34" charset="0"/>
+            </a:endParaRPr>
+          </a:p>
+        </p:txBody>
+      </p:sp>
+      <p:sp>
+        <p:nvSpPr>
+          <p:cNvPr id="41" name="TextBox 40"/>
+          <p:cNvSpPr txBox="1"/>
+          <p:nvPr/>
+        </p:nvSpPr>
+        <p:spPr>
+          <a:xfrm>
+            <a:off x="1066799" y="681746"/>
+            <a:ext cx="1066801" cy="369332"/>
+          </a:xfrm>
+          <a:prstGeom prst="rect">
+            <a:avLst/>
+          </a:prstGeom>
+          <a:solidFill>
+            <a:srgbClr val="8A0000"/>
+          </a:solidFill>
+        </p:spPr>
+        <p:txBody>
+          <a:bodyPr wrap="square" rtlCol="0">
+            <a:spAutoFit/>
+          </a:bodyPr>
+          <a:lstStyle/>
+          <a:p>
+            <a:pPr algn="ctr"/>
+            <a:r>
+              <a:rPr lang="en-US" dirty="0" smtClean="0">
+                <a:latin typeface="Copperplate Gothic Bold" pitchFamily="34" charset="0"/>
+              </a:rPr>
+              <a:t>Home</a:t>
             </a:r>
             <a:endParaRPr lang="en-US" dirty="0">
               <a:latin typeface="Copperplate Gothic Bold" pitchFamily="34" charset="0"/>
@@ -12314,11 +12320,11 @@
   <p:clrMapOvr>
     <a:masterClrMapping/>
   </p:clrMapOvr>
-  <mc:AlternateContent xmlns:mc="http://schemas.openxmlformats.org/markup-compatibility/2006">
-    <mc:Choice xmlns:p14="http://schemas.microsoft.com/office/powerpoint/2010/main" Requires="p14">
+  <mc:AlternateContent xmlns:mc="http://schemas.openxmlformats.org/markup-compatibility/2006" xmlns:p14="http://schemas.microsoft.com/office/powerpoint/2010/main">
+    <mc:Choice Requires="p14">
       <p:transition p14:dur="0"/>
     </mc:Choice>
-    <mc:Fallback>
+    <mc:Fallback xmlns="">
       <p:transition/>
     </mc:Fallback>
   </mc:AlternateContent>
@@ -12359,7 +12365,7 @@
         </p:nvSpPr>
         <p:spPr>
           <a:xfrm>
-            <a:off x="76200" y="228600"/>
+            <a:off x="76200" y="152400"/>
             <a:ext cx="8991600" cy="457200"/>
           </a:xfrm>
           <a:prstGeom prst="rect">
@@ -12492,41 +12498,6 @@
           <a:p>
             <a:pPr algn="ctr"/>
             <a:endParaRPr lang="en-US" dirty="0"/>
-          </a:p>
-        </p:txBody>
-      </p:sp>
-      <p:sp>
-        <p:nvSpPr>
-          <p:cNvPr id="6" name="TextBox 5"/>
-          <p:cNvSpPr txBox="1"/>
-          <p:nvPr/>
-        </p:nvSpPr>
-        <p:spPr>
-          <a:xfrm>
-            <a:off x="1069329" y="2079257"/>
-            <a:ext cx="1573907" cy="646331"/>
-          </a:xfrm>
-          <a:prstGeom prst="rect">
-            <a:avLst/>
-          </a:prstGeom>
-          <a:noFill/>
-        </p:spPr>
-        <p:txBody>
-          <a:bodyPr wrap="square" rtlCol="0">
-            <a:spAutoFit/>
-          </a:bodyPr>
-          <a:lstStyle/>
-          <a:p>
-            <a:pPr algn="ctr"/>
-            <a:r>
-              <a:rPr lang="en-US" dirty="0" smtClean="0">
-                <a:latin typeface="Britannic Bold" pitchFamily="34" charset="0"/>
-              </a:rPr>
-              <a:t>External Door</a:t>
-            </a:r>
-            <a:endParaRPr lang="en-US" dirty="0">
-              <a:latin typeface="Britannic Bold" pitchFamily="34" charset="0"/>
-            </a:endParaRPr>
           </a:p>
         </p:txBody>
       </p:sp>
@@ -13440,43 +13411,6 @@
       </p:pic>
       <p:sp>
         <p:nvSpPr>
-          <p:cNvPr id="34" name="TextBox 33"/>
-          <p:cNvSpPr txBox="1"/>
-          <p:nvPr/>
-        </p:nvSpPr>
-        <p:spPr>
-          <a:xfrm>
-            <a:off x="1138352" y="681746"/>
-            <a:ext cx="894093" cy="369332"/>
-          </a:xfrm>
-          <a:prstGeom prst="rect">
-            <a:avLst/>
-          </a:prstGeom>
-          <a:solidFill>
-            <a:srgbClr val="8A0000"/>
-          </a:solidFill>
-        </p:spPr>
-        <p:txBody>
-          <a:bodyPr wrap="square" rtlCol="0">
-            <a:spAutoFit/>
-          </a:bodyPr>
-          <a:lstStyle/>
-          <a:p>
-            <a:pPr algn="ctr"/>
-            <a:r>
-              <a:rPr lang="en-US" dirty="0" smtClean="0">
-                <a:latin typeface="Copperplate Gothic Bold" pitchFamily="34" charset="0"/>
-              </a:rPr>
-              <a:t>Home</a:t>
-            </a:r>
-            <a:endParaRPr lang="en-US" dirty="0">
-              <a:latin typeface="Copperplate Gothic Bold" pitchFamily="34" charset="0"/>
-            </a:endParaRPr>
-          </a:p>
-        </p:txBody>
-      </p:sp>
-      <p:sp>
-        <p:nvSpPr>
           <p:cNvPr id="35" name="TextBox 34"/>
           <p:cNvSpPr txBox="1"/>
           <p:nvPr/>
@@ -13544,6 +13478,78 @@
                 <a:latin typeface="Copperplate Gothic Bold" pitchFamily="34" charset="0"/>
               </a:rPr>
               <a:t>Remote</a:t>
+            </a:r>
+            <a:endParaRPr lang="en-US" dirty="0">
+              <a:latin typeface="Copperplate Gothic Bold" pitchFamily="34" charset="0"/>
+            </a:endParaRPr>
+          </a:p>
+        </p:txBody>
+      </p:sp>
+      <p:sp>
+        <p:nvSpPr>
+          <p:cNvPr id="37" name="TextBox 36"/>
+          <p:cNvSpPr txBox="1"/>
+          <p:nvPr/>
+        </p:nvSpPr>
+        <p:spPr>
+          <a:xfrm>
+            <a:off x="1143000" y="2079257"/>
+            <a:ext cx="1573907" cy="646331"/>
+          </a:xfrm>
+          <a:prstGeom prst="rect">
+            <a:avLst/>
+          </a:prstGeom>
+          <a:noFill/>
+        </p:spPr>
+        <p:txBody>
+          <a:bodyPr wrap="square" rtlCol="0">
+            <a:spAutoFit/>
+          </a:bodyPr>
+          <a:lstStyle/>
+          <a:p>
+            <a:pPr algn="ctr"/>
+            <a:r>
+              <a:rPr lang="en-US" dirty="0" smtClean="0">
+                <a:latin typeface="Britannic Bold" pitchFamily="34" charset="0"/>
+              </a:rPr>
+              <a:t>External Door</a:t>
+            </a:r>
+            <a:endParaRPr lang="en-US" dirty="0">
+              <a:latin typeface="Britannic Bold" pitchFamily="34" charset="0"/>
+            </a:endParaRPr>
+          </a:p>
+        </p:txBody>
+      </p:sp>
+      <p:sp>
+        <p:nvSpPr>
+          <p:cNvPr id="38" name="TextBox 37"/>
+          <p:cNvSpPr txBox="1"/>
+          <p:nvPr/>
+        </p:nvSpPr>
+        <p:spPr>
+          <a:xfrm>
+            <a:off x="1066799" y="681746"/>
+            <a:ext cx="1066801" cy="369332"/>
+          </a:xfrm>
+          <a:prstGeom prst="rect">
+            <a:avLst/>
+          </a:prstGeom>
+          <a:solidFill>
+            <a:srgbClr val="8A0000"/>
+          </a:solidFill>
+        </p:spPr>
+        <p:txBody>
+          <a:bodyPr wrap="square" rtlCol="0">
+            <a:spAutoFit/>
+          </a:bodyPr>
+          <a:lstStyle/>
+          <a:p>
+            <a:pPr algn="ctr"/>
+            <a:r>
+              <a:rPr lang="en-US" dirty="0" smtClean="0">
+                <a:latin typeface="Copperplate Gothic Bold" pitchFamily="34" charset="0"/>
+              </a:rPr>
+              <a:t>Home</a:t>
             </a:r>
             <a:endParaRPr lang="en-US" dirty="0">
               <a:latin typeface="Copperplate Gothic Bold" pitchFamily="34" charset="0"/>
@@ -13561,11 +13567,11 @@
   <p:clrMapOvr>
     <a:masterClrMapping/>
   </p:clrMapOvr>
-  <mc:AlternateContent xmlns:mc="http://schemas.openxmlformats.org/markup-compatibility/2006">
-    <mc:Choice xmlns:p14="http://schemas.microsoft.com/office/powerpoint/2010/main" Requires="p14">
+  <mc:AlternateContent xmlns:mc="http://schemas.openxmlformats.org/markup-compatibility/2006" xmlns:p14="http://schemas.microsoft.com/office/powerpoint/2010/main">
+    <mc:Choice Requires="p14">
       <p:transition p14:dur="0"/>
     </mc:Choice>
-    <mc:Fallback>
+    <mc:Fallback xmlns="">
       <p:transition/>
     </mc:Fallback>
   </mc:AlternateContent>
@@ -13598,109 +13604,6 @@
       </p:grpSpPr>
       <p:sp>
         <p:nvSpPr>
-          <p:cNvPr id="4" name="Title 2"/>
-          <p:cNvSpPr txBox="1">
-            <a:spLocks/>
-          </p:cNvSpPr>
-          <p:nvPr/>
-        </p:nvSpPr>
-        <p:spPr>
-          <a:xfrm>
-            <a:off x="76200" y="228600"/>
-            <a:ext cx="8991600" cy="457200"/>
-          </a:xfrm>
-          <a:prstGeom prst="rect">
-            <a:avLst/>
-          </a:prstGeom>
-        </p:spPr>
-        <p:txBody>
-          <a:bodyPr vert="horz" lIns="91440" tIns="45720" rIns="91440" bIns="45720" rtlCol="0" anchor="t">
-            <a:normAutofit/>
-          </a:bodyPr>
-          <a:lstStyle>
-            <a:lvl1pPr algn="l" defTabSz="914400" rtl="0" eaLnBrk="1" latinLnBrk="0" hangingPunct="1">
-              <a:spcBef>
-                <a:spcPct val="0"/>
-              </a:spcBef>
-              <a:buNone/>
-              <a:defRPr sz="1800" kern="1200" cap="all" baseline="0">
-                <a:solidFill>
-                  <a:schemeClr val="tx1"/>
-                </a:solidFill>
-                <a:latin typeface="+mj-lt"/>
-                <a:ea typeface="+mj-ea"/>
-                <a:cs typeface="+mj-cs"/>
-              </a:defRPr>
-            </a:lvl1pPr>
-            <a:lvl2pPr eaLnBrk="1" hangingPunct="1">
-              <a:defRPr>
-                <a:solidFill>
-                  <a:schemeClr val="tx2"/>
-                </a:solidFill>
-              </a:defRPr>
-            </a:lvl2pPr>
-            <a:lvl3pPr eaLnBrk="1" hangingPunct="1">
-              <a:defRPr>
-                <a:solidFill>
-                  <a:schemeClr val="tx2"/>
-                </a:solidFill>
-              </a:defRPr>
-            </a:lvl3pPr>
-            <a:lvl4pPr eaLnBrk="1" hangingPunct="1">
-              <a:defRPr>
-                <a:solidFill>
-                  <a:schemeClr val="tx2"/>
-                </a:solidFill>
-              </a:defRPr>
-            </a:lvl4pPr>
-            <a:lvl5pPr eaLnBrk="1" hangingPunct="1">
-              <a:defRPr>
-                <a:solidFill>
-                  <a:schemeClr val="tx2"/>
-                </a:solidFill>
-              </a:defRPr>
-            </a:lvl5pPr>
-            <a:lvl6pPr eaLnBrk="1" hangingPunct="1">
-              <a:defRPr>
-                <a:solidFill>
-                  <a:schemeClr val="tx2"/>
-                </a:solidFill>
-              </a:defRPr>
-            </a:lvl6pPr>
-            <a:lvl7pPr eaLnBrk="1" hangingPunct="1">
-              <a:defRPr>
-                <a:solidFill>
-                  <a:schemeClr val="tx2"/>
-                </a:solidFill>
-              </a:defRPr>
-            </a:lvl7pPr>
-            <a:lvl8pPr eaLnBrk="1" hangingPunct="1">
-              <a:defRPr>
-                <a:solidFill>
-                  <a:schemeClr val="tx2"/>
-                </a:solidFill>
-              </a:defRPr>
-            </a:lvl8pPr>
-            <a:lvl9pPr eaLnBrk="1" hangingPunct="1">
-              <a:defRPr>
-                <a:solidFill>
-                  <a:schemeClr val="tx2"/>
-                </a:solidFill>
-              </a:defRPr>
-            </a:lvl9pPr>
-          </a:lstStyle>
-          <a:p>
-            <a:pPr algn="ctr"/>
-            <a:r>
-              <a:rPr lang="en-US" dirty="0" smtClean="0"/>
-              <a:t>Messages – unlock door</a:t>
-            </a:r>
-            <a:endParaRPr lang="en-US" dirty="0"/>
-          </a:p>
-        </p:txBody>
-      </p:sp>
-      <p:sp>
-        <p:nvSpPr>
           <p:cNvPr id="5" name="Rectangle 4"/>
           <p:cNvSpPr/>
           <p:nvPr/>
@@ -13739,41 +13642,6 @@
           <a:p>
             <a:pPr algn="ctr"/>
             <a:endParaRPr lang="en-US" dirty="0"/>
-          </a:p>
-        </p:txBody>
-      </p:sp>
-      <p:sp>
-        <p:nvSpPr>
-          <p:cNvPr id="6" name="TextBox 5"/>
-          <p:cNvSpPr txBox="1"/>
-          <p:nvPr/>
-        </p:nvSpPr>
-        <p:spPr>
-          <a:xfrm>
-            <a:off x="1208868" y="2071430"/>
-            <a:ext cx="1573907" cy="646331"/>
-          </a:xfrm>
-          <a:prstGeom prst="rect">
-            <a:avLst/>
-          </a:prstGeom>
-          <a:noFill/>
-        </p:spPr>
-        <p:txBody>
-          <a:bodyPr wrap="square" rtlCol="0">
-            <a:spAutoFit/>
-          </a:bodyPr>
-          <a:lstStyle/>
-          <a:p>
-            <a:pPr algn="ctr"/>
-            <a:r>
-              <a:rPr lang="en-US" dirty="0" smtClean="0">
-                <a:latin typeface="Britannic Bold" pitchFamily="34" charset="0"/>
-              </a:rPr>
-              <a:t>External Door</a:t>
-            </a:r>
-            <a:endParaRPr lang="en-US" dirty="0">
-              <a:latin typeface="Britannic Bold" pitchFamily="34" charset="0"/>
-            </a:endParaRPr>
           </a:p>
         </p:txBody>
       </p:sp>
@@ -14719,43 +14587,6 @@
       </p:cxnSp>
       <p:sp>
         <p:nvSpPr>
-          <p:cNvPr id="32" name="TextBox 31"/>
-          <p:cNvSpPr txBox="1"/>
-          <p:nvPr/>
-        </p:nvSpPr>
-        <p:spPr>
-          <a:xfrm>
-            <a:off x="1138352" y="681746"/>
-            <a:ext cx="894093" cy="369332"/>
-          </a:xfrm>
-          <a:prstGeom prst="rect">
-            <a:avLst/>
-          </a:prstGeom>
-          <a:solidFill>
-            <a:srgbClr val="8A0000"/>
-          </a:solidFill>
-        </p:spPr>
-        <p:txBody>
-          <a:bodyPr wrap="square" rtlCol="0">
-            <a:spAutoFit/>
-          </a:bodyPr>
-          <a:lstStyle/>
-          <a:p>
-            <a:pPr algn="ctr"/>
-            <a:r>
-              <a:rPr lang="en-US" dirty="0" smtClean="0">
-                <a:latin typeface="Copperplate Gothic Bold" pitchFamily="34" charset="0"/>
-              </a:rPr>
-              <a:t>Home</a:t>
-            </a:r>
-            <a:endParaRPr lang="en-US" dirty="0">
-              <a:latin typeface="Copperplate Gothic Bold" pitchFamily="34" charset="0"/>
-            </a:endParaRPr>
-          </a:p>
-        </p:txBody>
-      </p:sp>
-      <p:sp>
-        <p:nvSpPr>
           <p:cNvPr id="35" name="TextBox 34"/>
           <p:cNvSpPr txBox="1"/>
           <p:nvPr/>
@@ -14827,6 +14658,181 @@
             <a:endParaRPr lang="en-US" dirty="0">
               <a:latin typeface="Copperplate Gothic Bold" pitchFamily="34" charset="0"/>
             </a:endParaRPr>
+          </a:p>
+        </p:txBody>
+      </p:sp>
+      <p:sp>
+        <p:nvSpPr>
+          <p:cNvPr id="37" name="TextBox 36"/>
+          <p:cNvSpPr txBox="1"/>
+          <p:nvPr/>
+        </p:nvSpPr>
+        <p:spPr>
+          <a:xfrm>
+            <a:off x="1143000" y="2079257"/>
+            <a:ext cx="1573907" cy="646331"/>
+          </a:xfrm>
+          <a:prstGeom prst="rect">
+            <a:avLst/>
+          </a:prstGeom>
+          <a:noFill/>
+        </p:spPr>
+        <p:txBody>
+          <a:bodyPr wrap="square" rtlCol="0">
+            <a:spAutoFit/>
+          </a:bodyPr>
+          <a:lstStyle/>
+          <a:p>
+            <a:pPr algn="ctr"/>
+            <a:r>
+              <a:rPr lang="en-US" dirty="0" smtClean="0">
+                <a:latin typeface="Britannic Bold" pitchFamily="34" charset="0"/>
+              </a:rPr>
+              <a:t>External Door</a:t>
+            </a:r>
+            <a:endParaRPr lang="en-US" dirty="0">
+              <a:latin typeface="Britannic Bold" pitchFamily="34" charset="0"/>
+            </a:endParaRPr>
+          </a:p>
+        </p:txBody>
+      </p:sp>
+      <p:sp>
+        <p:nvSpPr>
+          <p:cNvPr id="38" name="TextBox 37"/>
+          <p:cNvSpPr txBox="1"/>
+          <p:nvPr/>
+        </p:nvSpPr>
+        <p:spPr>
+          <a:xfrm>
+            <a:off x="1066799" y="681746"/>
+            <a:ext cx="1066801" cy="369332"/>
+          </a:xfrm>
+          <a:prstGeom prst="rect">
+            <a:avLst/>
+          </a:prstGeom>
+          <a:solidFill>
+            <a:srgbClr val="8A0000"/>
+          </a:solidFill>
+        </p:spPr>
+        <p:txBody>
+          <a:bodyPr wrap="square" rtlCol="0">
+            <a:spAutoFit/>
+          </a:bodyPr>
+          <a:lstStyle/>
+          <a:p>
+            <a:pPr algn="ctr"/>
+            <a:r>
+              <a:rPr lang="en-US" dirty="0" smtClean="0">
+                <a:latin typeface="Copperplate Gothic Bold" pitchFamily="34" charset="0"/>
+              </a:rPr>
+              <a:t>Home</a:t>
+            </a:r>
+            <a:endParaRPr lang="en-US" dirty="0">
+              <a:latin typeface="Copperplate Gothic Bold" pitchFamily="34" charset="0"/>
+            </a:endParaRPr>
+          </a:p>
+        </p:txBody>
+      </p:sp>
+      <p:sp>
+        <p:nvSpPr>
+          <p:cNvPr id="39" name="Title 2"/>
+          <p:cNvSpPr txBox="1">
+            <a:spLocks/>
+          </p:cNvSpPr>
+          <p:nvPr/>
+        </p:nvSpPr>
+        <p:spPr>
+          <a:xfrm>
+            <a:off x="76200" y="152400"/>
+            <a:ext cx="8991600" cy="457200"/>
+          </a:xfrm>
+          <a:prstGeom prst="rect">
+            <a:avLst/>
+          </a:prstGeom>
+        </p:spPr>
+        <p:txBody>
+          <a:bodyPr vert="horz" lIns="91440" tIns="45720" rIns="91440" bIns="45720" rtlCol="0" anchor="t">
+            <a:normAutofit/>
+          </a:bodyPr>
+          <a:lstStyle>
+            <a:lvl1pPr algn="l" defTabSz="914400" rtl="0" eaLnBrk="1" latinLnBrk="0" hangingPunct="1">
+              <a:spcBef>
+                <a:spcPct val="0"/>
+              </a:spcBef>
+              <a:buNone/>
+              <a:defRPr sz="1800" kern="1200" cap="all" baseline="0">
+                <a:solidFill>
+                  <a:schemeClr val="tx1"/>
+                </a:solidFill>
+                <a:latin typeface="+mj-lt"/>
+                <a:ea typeface="+mj-ea"/>
+                <a:cs typeface="+mj-cs"/>
+              </a:defRPr>
+            </a:lvl1pPr>
+            <a:lvl2pPr eaLnBrk="1" hangingPunct="1">
+              <a:defRPr>
+                <a:solidFill>
+                  <a:schemeClr val="tx2"/>
+                </a:solidFill>
+              </a:defRPr>
+            </a:lvl2pPr>
+            <a:lvl3pPr eaLnBrk="1" hangingPunct="1">
+              <a:defRPr>
+                <a:solidFill>
+                  <a:schemeClr val="tx2"/>
+                </a:solidFill>
+              </a:defRPr>
+            </a:lvl3pPr>
+            <a:lvl4pPr eaLnBrk="1" hangingPunct="1">
+              <a:defRPr>
+                <a:solidFill>
+                  <a:schemeClr val="tx2"/>
+                </a:solidFill>
+              </a:defRPr>
+            </a:lvl4pPr>
+            <a:lvl5pPr eaLnBrk="1" hangingPunct="1">
+              <a:defRPr>
+                <a:solidFill>
+                  <a:schemeClr val="tx2"/>
+                </a:solidFill>
+              </a:defRPr>
+            </a:lvl5pPr>
+            <a:lvl6pPr eaLnBrk="1" hangingPunct="1">
+              <a:defRPr>
+                <a:solidFill>
+                  <a:schemeClr val="tx2"/>
+                </a:solidFill>
+              </a:defRPr>
+            </a:lvl6pPr>
+            <a:lvl7pPr eaLnBrk="1" hangingPunct="1">
+              <a:defRPr>
+                <a:solidFill>
+                  <a:schemeClr val="tx2"/>
+                </a:solidFill>
+              </a:defRPr>
+            </a:lvl7pPr>
+            <a:lvl8pPr eaLnBrk="1" hangingPunct="1">
+              <a:defRPr>
+                <a:solidFill>
+                  <a:schemeClr val="tx2"/>
+                </a:solidFill>
+              </a:defRPr>
+            </a:lvl8pPr>
+            <a:lvl9pPr eaLnBrk="1" hangingPunct="1">
+              <a:defRPr>
+                <a:solidFill>
+                  <a:schemeClr val="tx2"/>
+                </a:solidFill>
+              </a:defRPr>
+            </a:lvl9pPr>
+          </a:lstStyle>
+          <a:p>
+            <a:pPr algn="ctr"/>
+            <a:r>
+              <a:rPr lang="en-US" dirty="0" smtClean="0"/>
+              <a:t>Messages – unlock door</a:t>
+            </a:r>
+            <a:endParaRPr lang="en-US" dirty="0"/>
           </a:p>
         </p:txBody>
       </p:sp>
@@ -14840,11 +14846,11 @@
   <p:clrMapOvr>
     <a:masterClrMapping/>
   </p:clrMapOvr>
-  <mc:AlternateContent xmlns:mc="http://schemas.openxmlformats.org/markup-compatibility/2006">
-    <mc:Choice xmlns:p14="http://schemas.microsoft.com/office/powerpoint/2010/main" Requires="p14">
+  <mc:AlternateContent xmlns:mc="http://schemas.openxmlformats.org/markup-compatibility/2006" xmlns:p14="http://schemas.microsoft.com/office/powerpoint/2010/main">
+    <mc:Choice Requires="p14">
       <p:transition p14:dur="0"/>
     </mc:Choice>
-    <mc:Fallback>
+    <mc:Fallback xmlns="">
       <p:transition/>
     </mc:Fallback>
   </mc:AlternateContent>
@@ -14877,109 +14883,6 @@
       </p:grpSpPr>
       <p:sp>
         <p:nvSpPr>
-          <p:cNvPr id="4" name="Title 2"/>
-          <p:cNvSpPr txBox="1">
-            <a:spLocks/>
-          </p:cNvSpPr>
-          <p:nvPr/>
-        </p:nvSpPr>
-        <p:spPr>
-          <a:xfrm>
-            <a:off x="76200" y="228600"/>
-            <a:ext cx="8991600" cy="457200"/>
-          </a:xfrm>
-          <a:prstGeom prst="rect">
-            <a:avLst/>
-          </a:prstGeom>
-        </p:spPr>
-        <p:txBody>
-          <a:bodyPr vert="horz" lIns="91440" tIns="45720" rIns="91440" bIns="45720" rtlCol="0" anchor="t">
-            <a:normAutofit/>
-          </a:bodyPr>
-          <a:lstStyle>
-            <a:lvl1pPr algn="l" defTabSz="914400" rtl="0" eaLnBrk="1" latinLnBrk="0" hangingPunct="1">
-              <a:spcBef>
-                <a:spcPct val="0"/>
-              </a:spcBef>
-              <a:buNone/>
-              <a:defRPr sz="1800" kern="1200" cap="all" baseline="0">
-                <a:solidFill>
-                  <a:schemeClr val="tx1"/>
-                </a:solidFill>
-                <a:latin typeface="+mj-lt"/>
-                <a:ea typeface="+mj-ea"/>
-                <a:cs typeface="+mj-cs"/>
-              </a:defRPr>
-            </a:lvl1pPr>
-            <a:lvl2pPr eaLnBrk="1" hangingPunct="1">
-              <a:defRPr>
-                <a:solidFill>
-                  <a:schemeClr val="tx2"/>
-                </a:solidFill>
-              </a:defRPr>
-            </a:lvl2pPr>
-            <a:lvl3pPr eaLnBrk="1" hangingPunct="1">
-              <a:defRPr>
-                <a:solidFill>
-                  <a:schemeClr val="tx2"/>
-                </a:solidFill>
-              </a:defRPr>
-            </a:lvl3pPr>
-            <a:lvl4pPr eaLnBrk="1" hangingPunct="1">
-              <a:defRPr>
-                <a:solidFill>
-                  <a:schemeClr val="tx2"/>
-                </a:solidFill>
-              </a:defRPr>
-            </a:lvl4pPr>
-            <a:lvl5pPr eaLnBrk="1" hangingPunct="1">
-              <a:defRPr>
-                <a:solidFill>
-                  <a:schemeClr val="tx2"/>
-                </a:solidFill>
-              </a:defRPr>
-            </a:lvl5pPr>
-            <a:lvl6pPr eaLnBrk="1" hangingPunct="1">
-              <a:defRPr>
-                <a:solidFill>
-                  <a:schemeClr val="tx2"/>
-                </a:solidFill>
-              </a:defRPr>
-            </a:lvl6pPr>
-            <a:lvl7pPr eaLnBrk="1" hangingPunct="1">
-              <a:defRPr>
-                <a:solidFill>
-                  <a:schemeClr val="tx2"/>
-                </a:solidFill>
-              </a:defRPr>
-            </a:lvl7pPr>
-            <a:lvl8pPr eaLnBrk="1" hangingPunct="1">
-              <a:defRPr>
-                <a:solidFill>
-                  <a:schemeClr val="tx2"/>
-                </a:solidFill>
-              </a:defRPr>
-            </a:lvl8pPr>
-            <a:lvl9pPr eaLnBrk="1" hangingPunct="1">
-              <a:defRPr>
-                <a:solidFill>
-                  <a:schemeClr val="tx2"/>
-                </a:solidFill>
-              </a:defRPr>
-            </a:lvl9pPr>
-          </a:lstStyle>
-          <a:p>
-            <a:pPr algn="ctr"/>
-            <a:r>
-              <a:rPr lang="en-US" dirty="0" smtClean="0"/>
-              <a:t>Messages – unlock door</a:t>
-            </a:r>
-            <a:endParaRPr lang="en-US" dirty="0"/>
-          </a:p>
-        </p:txBody>
-      </p:sp>
-      <p:sp>
-        <p:nvSpPr>
           <p:cNvPr id="5" name="Rectangle 4"/>
           <p:cNvSpPr/>
           <p:nvPr/>
@@ -15018,41 +14921,6 @@
           <a:p>
             <a:pPr algn="ctr"/>
             <a:endParaRPr lang="en-US" dirty="0"/>
-          </a:p>
-        </p:txBody>
-      </p:sp>
-      <p:sp>
-        <p:nvSpPr>
-          <p:cNvPr id="6" name="TextBox 5"/>
-          <p:cNvSpPr txBox="1"/>
-          <p:nvPr/>
-        </p:nvSpPr>
-        <p:spPr>
-          <a:xfrm>
-            <a:off x="1213681" y="1995100"/>
-            <a:ext cx="1573907" cy="646331"/>
-          </a:xfrm>
-          <a:prstGeom prst="rect">
-            <a:avLst/>
-          </a:prstGeom>
-          <a:noFill/>
-        </p:spPr>
-        <p:txBody>
-          <a:bodyPr wrap="square" rtlCol="0">
-            <a:spAutoFit/>
-          </a:bodyPr>
-          <a:lstStyle/>
-          <a:p>
-            <a:pPr algn="ctr"/>
-            <a:r>
-              <a:rPr lang="en-US" dirty="0" smtClean="0">
-                <a:latin typeface="Britannic Bold" pitchFamily="34" charset="0"/>
-              </a:rPr>
-              <a:t>External Door</a:t>
-            </a:r>
-            <a:endParaRPr lang="en-US" dirty="0">
-              <a:latin typeface="Britannic Bold" pitchFamily="34" charset="0"/>
-            </a:endParaRPr>
           </a:p>
         </p:txBody>
       </p:sp>
@@ -16028,43 +15896,6 @@
       </p:pic>
       <p:sp>
         <p:nvSpPr>
-          <p:cNvPr id="32" name="TextBox 31"/>
-          <p:cNvSpPr txBox="1"/>
-          <p:nvPr/>
-        </p:nvSpPr>
-        <p:spPr>
-          <a:xfrm>
-            <a:off x="1138352" y="681746"/>
-            <a:ext cx="894093" cy="369332"/>
-          </a:xfrm>
-          <a:prstGeom prst="rect">
-            <a:avLst/>
-          </a:prstGeom>
-          <a:solidFill>
-            <a:srgbClr val="8A0000"/>
-          </a:solidFill>
-        </p:spPr>
-        <p:txBody>
-          <a:bodyPr wrap="square" rtlCol="0">
-            <a:spAutoFit/>
-          </a:bodyPr>
-          <a:lstStyle/>
-          <a:p>
-            <a:pPr algn="ctr"/>
-            <a:r>
-              <a:rPr lang="en-US" dirty="0" smtClean="0">
-                <a:latin typeface="Copperplate Gothic Bold" pitchFamily="34" charset="0"/>
-              </a:rPr>
-              <a:t>Home</a:t>
-            </a:r>
-            <a:endParaRPr lang="en-US" dirty="0">
-              <a:latin typeface="Copperplate Gothic Bold" pitchFamily="34" charset="0"/>
-            </a:endParaRPr>
-          </a:p>
-        </p:txBody>
-      </p:sp>
-      <p:sp>
-        <p:nvSpPr>
           <p:cNvPr id="35" name="TextBox 34"/>
           <p:cNvSpPr txBox="1"/>
           <p:nvPr/>
@@ -16136,6 +15967,181 @@
             <a:endParaRPr lang="en-US" dirty="0">
               <a:latin typeface="Copperplate Gothic Bold" pitchFamily="34" charset="0"/>
             </a:endParaRPr>
+          </a:p>
+        </p:txBody>
+      </p:sp>
+      <p:sp>
+        <p:nvSpPr>
+          <p:cNvPr id="37" name="TextBox 36"/>
+          <p:cNvSpPr txBox="1"/>
+          <p:nvPr/>
+        </p:nvSpPr>
+        <p:spPr>
+          <a:xfrm>
+            <a:off x="1143000" y="2079257"/>
+            <a:ext cx="1573907" cy="646331"/>
+          </a:xfrm>
+          <a:prstGeom prst="rect">
+            <a:avLst/>
+          </a:prstGeom>
+          <a:noFill/>
+        </p:spPr>
+        <p:txBody>
+          <a:bodyPr wrap="square" rtlCol="0">
+            <a:spAutoFit/>
+          </a:bodyPr>
+          <a:lstStyle/>
+          <a:p>
+            <a:pPr algn="ctr"/>
+            <a:r>
+              <a:rPr lang="en-US" dirty="0" smtClean="0">
+                <a:latin typeface="Britannic Bold" pitchFamily="34" charset="0"/>
+              </a:rPr>
+              <a:t>External Door</a:t>
+            </a:r>
+            <a:endParaRPr lang="en-US" dirty="0">
+              <a:latin typeface="Britannic Bold" pitchFamily="34" charset="0"/>
+            </a:endParaRPr>
+          </a:p>
+        </p:txBody>
+      </p:sp>
+      <p:sp>
+        <p:nvSpPr>
+          <p:cNvPr id="38" name="TextBox 37"/>
+          <p:cNvSpPr txBox="1"/>
+          <p:nvPr/>
+        </p:nvSpPr>
+        <p:spPr>
+          <a:xfrm>
+            <a:off x="1066799" y="681746"/>
+            <a:ext cx="1066801" cy="369332"/>
+          </a:xfrm>
+          <a:prstGeom prst="rect">
+            <a:avLst/>
+          </a:prstGeom>
+          <a:solidFill>
+            <a:srgbClr val="8A0000"/>
+          </a:solidFill>
+        </p:spPr>
+        <p:txBody>
+          <a:bodyPr wrap="square" rtlCol="0">
+            <a:spAutoFit/>
+          </a:bodyPr>
+          <a:lstStyle/>
+          <a:p>
+            <a:pPr algn="ctr"/>
+            <a:r>
+              <a:rPr lang="en-US" dirty="0" smtClean="0">
+                <a:latin typeface="Copperplate Gothic Bold" pitchFamily="34" charset="0"/>
+              </a:rPr>
+              <a:t>Home</a:t>
+            </a:r>
+            <a:endParaRPr lang="en-US" dirty="0">
+              <a:latin typeface="Copperplate Gothic Bold" pitchFamily="34" charset="0"/>
+            </a:endParaRPr>
+          </a:p>
+        </p:txBody>
+      </p:sp>
+      <p:sp>
+        <p:nvSpPr>
+          <p:cNvPr id="39" name="Title 2"/>
+          <p:cNvSpPr txBox="1">
+            <a:spLocks/>
+          </p:cNvSpPr>
+          <p:nvPr/>
+        </p:nvSpPr>
+        <p:spPr>
+          <a:xfrm>
+            <a:off x="76200" y="152400"/>
+            <a:ext cx="8991600" cy="457200"/>
+          </a:xfrm>
+          <a:prstGeom prst="rect">
+            <a:avLst/>
+          </a:prstGeom>
+        </p:spPr>
+        <p:txBody>
+          <a:bodyPr vert="horz" lIns="91440" tIns="45720" rIns="91440" bIns="45720" rtlCol="0" anchor="t">
+            <a:normAutofit/>
+          </a:bodyPr>
+          <a:lstStyle>
+            <a:lvl1pPr algn="l" defTabSz="914400" rtl="0" eaLnBrk="1" latinLnBrk="0" hangingPunct="1">
+              <a:spcBef>
+                <a:spcPct val="0"/>
+              </a:spcBef>
+              <a:buNone/>
+              <a:defRPr sz="1800" kern="1200" cap="all" baseline="0">
+                <a:solidFill>
+                  <a:schemeClr val="tx1"/>
+                </a:solidFill>
+                <a:latin typeface="+mj-lt"/>
+                <a:ea typeface="+mj-ea"/>
+                <a:cs typeface="+mj-cs"/>
+              </a:defRPr>
+            </a:lvl1pPr>
+            <a:lvl2pPr eaLnBrk="1" hangingPunct="1">
+              <a:defRPr>
+                <a:solidFill>
+                  <a:schemeClr val="tx2"/>
+                </a:solidFill>
+              </a:defRPr>
+            </a:lvl2pPr>
+            <a:lvl3pPr eaLnBrk="1" hangingPunct="1">
+              <a:defRPr>
+                <a:solidFill>
+                  <a:schemeClr val="tx2"/>
+                </a:solidFill>
+              </a:defRPr>
+            </a:lvl3pPr>
+            <a:lvl4pPr eaLnBrk="1" hangingPunct="1">
+              <a:defRPr>
+                <a:solidFill>
+                  <a:schemeClr val="tx2"/>
+                </a:solidFill>
+              </a:defRPr>
+            </a:lvl4pPr>
+            <a:lvl5pPr eaLnBrk="1" hangingPunct="1">
+              <a:defRPr>
+                <a:solidFill>
+                  <a:schemeClr val="tx2"/>
+                </a:solidFill>
+              </a:defRPr>
+            </a:lvl5pPr>
+            <a:lvl6pPr eaLnBrk="1" hangingPunct="1">
+              <a:defRPr>
+                <a:solidFill>
+                  <a:schemeClr val="tx2"/>
+                </a:solidFill>
+              </a:defRPr>
+            </a:lvl6pPr>
+            <a:lvl7pPr eaLnBrk="1" hangingPunct="1">
+              <a:defRPr>
+                <a:solidFill>
+                  <a:schemeClr val="tx2"/>
+                </a:solidFill>
+              </a:defRPr>
+            </a:lvl7pPr>
+            <a:lvl8pPr eaLnBrk="1" hangingPunct="1">
+              <a:defRPr>
+                <a:solidFill>
+                  <a:schemeClr val="tx2"/>
+                </a:solidFill>
+              </a:defRPr>
+            </a:lvl8pPr>
+            <a:lvl9pPr eaLnBrk="1" hangingPunct="1">
+              <a:defRPr>
+                <a:solidFill>
+                  <a:schemeClr val="tx2"/>
+                </a:solidFill>
+              </a:defRPr>
+            </a:lvl9pPr>
+          </a:lstStyle>
+          <a:p>
+            <a:pPr algn="ctr"/>
+            <a:r>
+              <a:rPr lang="en-US" dirty="0" smtClean="0"/>
+              <a:t>Messages – unlock door</a:t>
+            </a:r>
+            <a:endParaRPr lang="en-US" dirty="0"/>
           </a:p>
         </p:txBody>
       </p:sp>
@@ -16149,11 +16155,11 @@
   <p:clrMapOvr>
     <a:masterClrMapping/>
   </p:clrMapOvr>
-  <mc:AlternateContent xmlns:mc="http://schemas.openxmlformats.org/markup-compatibility/2006">
-    <mc:Choice xmlns:p14="http://schemas.microsoft.com/office/powerpoint/2010/main" Requires="p14">
+  <mc:AlternateContent xmlns:mc="http://schemas.openxmlformats.org/markup-compatibility/2006" xmlns:p14="http://schemas.microsoft.com/office/powerpoint/2010/main">
+    <mc:Choice Requires="p14">
       <p:transition p14:dur="0"/>
     </mc:Choice>
-    <mc:Fallback>
+    <mc:Fallback xmlns="">
       <p:transition/>
     </mc:Fallback>
   </mc:AlternateContent>
@@ -16397,11 +16403,11 @@
   <p:clrMapOvr>
     <a:masterClrMapping/>
   </p:clrMapOvr>
-  <mc:AlternateContent xmlns:mc="http://schemas.openxmlformats.org/markup-compatibility/2006">
-    <mc:Choice xmlns:p14="http://schemas.microsoft.com/office/powerpoint/2010/main" Requires="p14">
+  <mc:AlternateContent xmlns:mc="http://schemas.openxmlformats.org/markup-compatibility/2006" xmlns:p14="http://schemas.microsoft.com/office/powerpoint/2010/main">
+    <mc:Choice Requires="p14">
       <p:transition p14:dur="0"/>
     </mc:Choice>
-    <mc:Fallback>
+    <mc:Fallback xmlns="">
       <p:transition/>
     </mc:Fallback>
   </mc:AlternateContent>
@@ -16434,109 +16440,6 @@
       </p:grpSpPr>
       <p:sp>
         <p:nvSpPr>
-          <p:cNvPr id="4" name="Title 2"/>
-          <p:cNvSpPr txBox="1">
-            <a:spLocks/>
-          </p:cNvSpPr>
-          <p:nvPr/>
-        </p:nvSpPr>
-        <p:spPr>
-          <a:xfrm>
-            <a:off x="76200" y="228600"/>
-            <a:ext cx="8991600" cy="457200"/>
-          </a:xfrm>
-          <a:prstGeom prst="rect">
-            <a:avLst/>
-          </a:prstGeom>
-        </p:spPr>
-        <p:txBody>
-          <a:bodyPr vert="horz" lIns="91440" tIns="45720" rIns="91440" bIns="45720" rtlCol="0" anchor="t">
-            <a:normAutofit/>
-          </a:bodyPr>
-          <a:lstStyle>
-            <a:lvl1pPr algn="l" defTabSz="914400" rtl="0" eaLnBrk="1" latinLnBrk="0" hangingPunct="1">
-              <a:spcBef>
-                <a:spcPct val="0"/>
-              </a:spcBef>
-              <a:buNone/>
-              <a:defRPr sz="1800" kern="1200" cap="all" baseline="0">
-                <a:solidFill>
-                  <a:schemeClr val="tx1"/>
-                </a:solidFill>
-                <a:latin typeface="+mj-lt"/>
-                <a:ea typeface="+mj-ea"/>
-                <a:cs typeface="+mj-cs"/>
-              </a:defRPr>
-            </a:lvl1pPr>
-            <a:lvl2pPr eaLnBrk="1" hangingPunct="1">
-              <a:defRPr>
-                <a:solidFill>
-                  <a:schemeClr val="tx2"/>
-                </a:solidFill>
-              </a:defRPr>
-            </a:lvl2pPr>
-            <a:lvl3pPr eaLnBrk="1" hangingPunct="1">
-              <a:defRPr>
-                <a:solidFill>
-                  <a:schemeClr val="tx2"/>
-                </a:solidFill>
-              </a:defRPr>
-            </a:lvl3pPr>
-            <a:lvl4pPr eaLnBrk="1" hangingPunct="1">
-              <a:defRPr>
-                <a:solidFill>
-                  <a:schemeClr val="tx2"/>
-                </a:solidFill>
-              </a:defRPr>
-            </a:lvl4pPr>
-            <a:lvl5pPr eaLnBrk="1" hangingPunct="1">
-              <a:defRPr>
-                <a:solidFill>
-                  <a:schemeClr val="tx2"/>
-                </a:solidFill>
-              </a:defRPr>
-            </a:lvl5pPr>
-            <a:lvl6pPr eaLnBrk="1" hangingPunct="1">
-              <a:defRPr>
-                <a:solidFill>
-                  <a:schemeClr val="tx2"/>
-                </a:solidFill>
-              </a:defRPr>
-            </a:lvl6pPr>
-            <a:lvl7pPr eaLnBrk="1" hangingPunct="1">
-              <a:defRPr>
-                <a:solidFill>
-                  <a:schemeClr val="tx2"/>
-                </a:solidFill>
-              </a:defRPr>
-            </a:lvl7pPr>
-            <a:lvl8pPr eaLnBrk="1" hangingPunct="1">
-              <a:defRPr>
-                <a:solidFill>
-                  <a:schemeClr val="tx2"/>
-                </a:solidFill>
-              </a:defRPr>
-            </a:lvl8pPr>
-            <a:lvl9pPr eaLnBrk="1" hangingPunct="1">
-              <a:defRPr>
-                <a:solidFill>
-                  <a:schemeClr val="tx2"/>
-                </a:solidFill>
-              </a:defRPr>
-            </a:lvl9pPr>
-          </a:lstStyle>
-          <a:p>
-            <a:pPr algn="ctr"/>
-            <a:r>
-              <a:rPr lang="en-US" dirty="0" smtClean="0"/>
-              <a:t>Messages – unlock door</a:t>
-            </a:r>
-            <a:endParaRPr lang="en-US" dirty="0"/>
-          </a:p>
-        </p:txBody>
-      </p:sp>
-      <p:sp>
-        <p:nvSpPr>
           <p:cNvPr id="5" name="Rectangle 4"/>
           <p:cNvSpPr/>
           <p:nvPr/>
@@ -16575,41 +16478,6 @@
           <a:p>
             <a:pPr algn="ctr"/>
             <a:endParaRPr lang="en-US" dirty="0"/>
-          </a:p>
-        </p:txBody>
-      </p:sp>
-      <p:sp>
-        <p:nvSpPr>
-          <p:cNvPr id="6" name="TextBox 5"/>
-          <p:cNvSpPr txBox="1"/>
-          <p:nvPr/>
-        </p:nvSpPr>
-        <p:spPr>
-          <a:xfrm>
-            <a:off x="1245493" y="2115962"/>
-            <a:ext cx="1573907" cy="646331"/>
-          </a:xfrm>
-          <a:prstGeom prst="rect">
-            <a:avLst/>
-          </a:prstGeom>
-          <a:noFill/>
-        </p:spPr>
-        <p:txBody>
-          <a:bodyPr wrap="square" rtlCol="0">
-            <a:spAutoFit/>
-          </a:bodyPr>
-          <a:lstStyle/>
-          <a:p>
-            <a:pPr algn="ctr"/>
-            <a:r>
-              <a:rPr lang="en-US" dirty="0" smtClean="0">
-                <a:latin typeface="Britannic Bold" pitchFamily="34" charset="0"/>
-              </a:rPr>
-              <a:t>External Door</a:t>
-            </a:r>
-            <a:endParaRPr lang="en-US" dirty="0">
-              <a:latin typeface="Britannic Bold" pitchFamily="34" charset="0"/>
-            </a:endParaRPr>
           </a:p>
         </p:txBody>
       </p:sp>
@@ -17557,43 +17425,6 @@
       </p:cxnSp>
       <p:sp>
         <p:nvSpPr>
-          <p:cNvPr id="32" name="TextBox 31"/>
-          <p:cNvSpPr txBox="1"/>
-          <p:nvPr/>
-        </p:nvSpPr>
-        <p:spPr>
-          <a:xfrm>
-            <a:off x="1138352" y="681746"/>
-            <a:ext cx="894093" cy="369332"/>
-          </a:xfrm>
-          <a:prstGeom prst="rect">
-            <a:avLst/>
-          </a:prstGeom>
-          <a:solidFill>
-            <a:srgbClr val="8A0000"/>
-          </a:solidFill>
-        </p:spPr>
-        <p:txBody>
-          <a:bodyPr wrap="square" rtlCol="0">
-            <a:spAutoFit/>
-          </a:bodyPr>
-          <a:lstStyle/>
-          <a:p>
-            <a:pPr algn="ctr"/>
-            <a:r>
-              <a:rPr lang="en-US" dirty="0" smtClean="0">
-                <a:latin typeface="Copperplate Gothic Bold" pitchFamily="34" charset="0"/>
-              </a:rPr>
-              <a:t>Home</a:t>
-            </a:r>
-            <a:endParaRPr lang="en-US" dirty="0">
-              <a:latin typeface="Copperplate Gothic Bold" pitchFamily="34" charset="0"/>
-            </a:endParaRPr>
-          </a:p>
-        </p:txBody>
-      </p:sp>
-      <p:sp>
-        <p:nvSpPr>
           <p:cNvPr id="35" name="TextBox 34"/>
           <p:cNvSpPr txBox="1"/>
           <p:nvPr/>
@@ -17665,6 +17496,181 @@
             <a:endParaRPr lang="en-US" dirty="0">
               <a:latin typeface="Copperplate Gothic Bold" pitchFamily="34" charset="0"/>
             </a:endParaRPr>
+          </a:p>
+        </p:txBody>
+      </p:sp>
+      <p:sp>
+        <p:nvSpPr>
+          <p:cNvPr id="37" name="TextBox 36"/>
+          <p:cNvSpPr txBox="1"/>
+          <p:nvPr/>
+        </p:nvSpPr>
+        <p:spPr>
+          <a:xfrm>
+            <a:off x="1143000" y="2079257"/>
+            <a:ext cx="1573907" cy="646331"/>
+          </a:xfrm>
+          <a:prstGeom prst="rect">
+            <a:avLst/>
+          </a:prstGeom>
+          <a:noFill/>
+        </p:spPr>
+        <p:txBody>
+          <a:bodyPr wrap="square" rtlCol="0">
+            <a:spAutoFit/>
+          </a:bodyPr>
+          <a:lstStyle/>
+          <a:p>
+            <a:pPr algn="ctr"/>
+            <a:r>
+              <a:rPr lang="en-US" dirty="0" smtClean="0">
+                <a:latin typeface="Britannic Bold" pitchFamily="34" charset="0"/>
+              </a:rPr>
+              <a:t>External Door</a:t>
+            </a:r>
+            <a:endParaRPr lang="en-US" dirty="0">
+              <a:latin typeface="Britannic Bold" pitchFamily="34" charset="0"/>
+            </a:endParaRPr>
+          </a:p>
+        </p:txBody>
+      </p:sp>
+      <p:sp>
+        <p:nvSpPr>
+          <p:cNvPr id="38" name="TextBox 37"/>
+          <p:cNvSpPr txBox="1"/>
+          <p:nvPr/>
+        </p:nvSpPr>
+        <p:spPr>
+          <a:xfrm>
+            <a:off x="1066799" y="681746"/>
+            <a:ext cx="1066801" cy="369332"/>
+          </a:xfrm>
+          <a:prstGeom prst="rect">
+            <a:avLst/>
+          </a:prstGeom>
+          <a:solidFill>
+            <a:srgbClr val="8A0000"/>
+          </a:solidFill>
+        </p:spPr>
+        <p:txBody>
+          <a:bodyPr wrap="square" rtlCol="0">
+            <a:spAutoFit/>
+          </a:bodyPr>
+          <a:lstStyle/>
+          <a:p>
+            <a:pPr algn="ctr"/>
+            <a:r>
+              <a:rPr lang="en-US" dirty="0" smtClean="0">
+                <a:latin typeface="Copperplate Gothic Bold" pitchFamily="34" charset="0"/>
+              </a:rPr>
+              <a:t>Home</a:t>
+            </a:r>
+            <a:endParaRPr lang="en-US" dirty="0">
+              <a:latin typeface="Copperplate Gothic Bold" pitchFamily="34" charset="0"/>
+            </a:endParaRPr>
+          </a:p>
+        </p:txBody>
+      </p:sp>
+      <p:sp>
+        <p:nvSpPr>
+          <p:cNvPr id="39" name="Title 2"/>
+          <p:cNvSpPr txBox="1">
+            <a:spLocks/>
+          </p:cNvSpPr>
+          <p:nvPr/>
+        </p:nvSpPr>
+        <p:spPr>
+          <a:xfrm>
+            <a:off x="76200" y="152400"/>
+            <a:ext cx="8991600" cy="457200"/>
+          </a:xfrm>
+          <a:prstGeom prst="rect">
+            <a:avLst/>
+          </a:prstGeom>
+        </p:spPr>
+        <p:txBody>
+          <a:bodyPr vert="horz" lIns="91440" tIns="45720" rIns="91440" bIns="45720" rtlCol="0" anchor="t">
+            <a:normAutofit/>
+          </a:bodyPr>
+          <a:lstStyle>
+            <a:lvl1pPr algn="l" defTabSz="914400" rtl="0" eaLnBrk="1" latinLnBrk="0" hangingPunct="1">
+              <a:spcBef>
+                <a:spcPct val="0"/>
+              </a:spcBef>
+              <a:buNone/>
+              <a:defRPr sz="1800" kern="1200" cap="all" baseline="0">
+                <a:solidFill>
+                  <a:schemeClr val="tx1"/>
+                </a:solidFill>
+                <a:latin typeface="+mj-lt"/>
+                <a:ea typeface="+mj-ea"/>
+                <a:cs typeface="+mj-cs"/>
+              </a:defRPr>
+            </a:lvl1pPr>
+            <a:lvl2pPr eaLnBrk="1" hangingPunct="1">
+              <a:defRPr>
+                <a:solidFill>
+                  <a:schemeClr val="tx2"/>
+                </a:solidFill>
+              </a:defRPr>
+            </a:lvl2pPr>
+            <a:lvl3pPr eaLnBrk="1" hangingPunct="1">
+              <a:defRPr>
+                <a:solidFill>
+                  <a:schemeClr val="tx2"/>
+                </a:solidFill>
+              </a:defRPr>
+            </a:lvl3pPr>
+            <a:lvl4pPr eaLnBrk="1" hangingPunct="1">
+              <a:defRPr>
+                <a:solidFill>
+                  <a:schemeClr val="tx2"/>
+                </a:solidFill>
+              </a:defRPr>
+            </a:lvl4pPr>
+            <a:lvl5pPr eaLnBrk="1" hangingPunct="1">
+              <a:defRPr>
+                <a:solidFill>
+                  <a:schemeClr val="tx2"/>
+                </a:solidFill>
+              </a:defRPr>
+            </a:lvl5pPr>
+            <a:lvl6pPr eaLnBrk="1" hangingPunct="1">
+              <a:defRPr>
+                <a:solidFill>
+                  <a:schemeClr val="tx2"/>
+                </a:solidFill>
+              </a:defRPr>
+            </a:lvl6pPr>
+            <a:lvl7pPr eaLnBrk="1" hangingPunct="1">
+              <a:defRPr>
+                <a:solidFill>
+                  <a:schemeClr val="tx2"/>
+                </a:solidFill>
+              </a:defRPr>
+            </a:lvl7pPr>
+            <a:lvl8pPr eaLnBrk="1" hangingPunct="1">
+              <a:defRPr>
+                <a:solidFill>
+                  <a:schemeClr val="tx2"/>
+                </a:solidFill>
+              </a:defRPr>
+            </a:lvl8pPr>
+            <a:lvl9pPr eaLnBrk="1" hangingPunct="1">
+              <a:defRPr>
+                <a:solidFill>
+                  <a:schemeClr val="tx2"/>
+                </a:solidFill>
+              </a:defRPr>
+            </a:lvl9pPr>
+          </a:lstStyle>
+          <a:p>
+            <a:pPr algn="ctr"/>
+            <a:r>
+              <a:rPr lang="en-US" dirty="0" smtClean="0"/>
+              <a:t>Messages – unlock door</a:t>
+            </a:r>
+            <a:endParaRPr lang="en-US" dirty="0"/>
           </a:p>
         </p:txBody>
       </p:sp>
@@ -17678,11 +17684,11 @@
   <p:clrMapOvr>
     <a:masterClrMapping/>
   </p:clrMapOvr>
-  <mc:AlternateContent xmlns:mc="http://schemas.openxmlformats.org/markup-compatibility/2006">
-    <mc:Choice xmlns:p14="http://schemas.microsoft.com/office/powerpoint/2010/main" Requires="p14">
+  <mc:AlternateContent xmlns:mc="http://schemas.openxmlformats.org/markup-compatibility/2006" xmlns:p14="http://schemas.microsoft.com/office/powerpoint/2010/main">
+    <mc:Choice Requires="p14">
       <p:transition p14:dur="0"/>
     </mc:Choice>
-    <mc:Fallback>
+    <mc:Fallback xmlns="">
       <p:transition/>
     </mc:Fallback>
   </mc:AlternateContent>
@@ -17715,109 +17721,6 @@
       </p:grpSpPr>
       <p:sp>
         <p:nvSpPr>
-          <p:cNvPr id="4" name="Title 2"/>
-          <p:cNvSpPr txBox="1">
-            <a:spLocks/>
-          </p:cNvSpPr>
-          <p:nvPr/>
-        </p:nvSpPr>
-        <p:spPr>
-          <a:xfrm>
-            <a:off x="76200" y="228600"/>
-            <a:ext cx="8991600" cy="457200"/>
-          </a:xfrm>
-          <a:prstGeom prst="rect">
-            <a:avLst/>
-          </a:prstGeom>
-        </p:spPr>
-        <p:txBody>
-          <a:bodyPr vert="horz" lIns="91440" tIns="45720" rIns="91440" bIns="45720" rtlCol="0" anchor="t">
-            <a:normAutofit/>
-          </a:bodyPr>
-          <a:lstStyle>
-            <a:lvl1pPr algn="l" defTabSz="914400" rtl="0" eaLnBrk="1" latinLnBrk="0" hangingPunct="1">
-              <a:spcBef>
-                <a:spcPct val="0"/>
-              </a:spcBef>
-              <a:buNone/>
-              <a:defRPr sz="1800" kern="1200" cap="all" baseline="0">
-                <a:solidFill>
-                  <a:schemeClr val="tx1"/>
-                </a:solidFill>
-                <a:latin typeface="+mj-lt"/>
-                <a:ea typeface="+mj-ea"/>
-                <a:cs typeface="+mj-cs"/>
-              </a:defRPr>
-            </a:lvl1pPr>
-            <a:lvl2pPr eaLnBrk="1" hangingPunct="1">
-              <a:defRPr>
-                <a:solidFill>
-                  <a:schemeClr val="tx2"/>
-                </a:solidFill>
-              </a:defRPr>
-            </a:lvl2pPr>
-            <a:lvl3pPr eaLnBrk="1" hangingPunct="1">
-              <a:defRPr>
-                <a:solidFill>
-                  <a:schemeClr val="tx2"/>
-                </a:solidFill>
-              </a:defRPr>
-            </a:lvl3pPr>
-            <a:lvl4pPr eaLnBrk="1" hangingPunct="1">
-              <a:defRPr>
-                <a:solidFill>
-                  <a:schemeClr val="tx2"/>
-                </a:solidFill>
-              </a:defRPr>
-            </a:lvl4pPr>
-            <a:lvl5pPr eaLnBrk="1" hangingPunct="1">
-              <a:defRPr>
-                <a:solidFill>
-                  <a:schemeClr val="tx2"/>
-                </a:solidFill>
-              </a:defRPr>
-            </a:lvl5pPr>
-            <a:lvl6pPr eaLnBrk="1" hangingPunct="1">
-              <a:defRPr>
-                <a:solidFill>
-                  <a:schemeClr val="tx2"/>
-                </a:solidFill>
-              </a:defRPr>
-            </a:lvl6pPr>
-            <a:lvl7pPr eaLnBrk="1" hangingPunct="1">
-              <a:defRPr>
-                <a:solidFill>
-                  <a:schemeClr val="tx2"/>
-                </a:solidFill>
-              </a:defRPr>
-            </a:lvl7pPr>
-            <a:lvl8pPr eaLnBrk="1" hangingPunct="1">
-              <a:defRPr>
-                <a:solidFill>
-                  <a:schemeClr val="tx2"/>
-                </a:solidFill>
-              </a:defRPr>
-            </a:lvl8pPr>
-            <a:lvl9pPr eaLnBrk="1" hangingPunct="1">
-              <a:defRPr>
-                <a:solidFill>
-                  <a:schemeClr val="tx2"/>
-                </a:solidFill>
-              </a:defRPr>
-            </a:lvl9pPr>
-          </a:lstStyle>
-          <a:p>
-            <a:pPr algn="ctr"/>
-            <a:r>
-              <a:rPr lang="en-US" dirty="0" smtClean="0"/>
-              <a:t>Messages – unlock door</a:t>
-            </a:r>
-            <a:endParaRPr lang="en-US" dirty="0"/>
-          </a:p>
-        </p:txBody>
-      </p:sp>
-      <p:sp>
-        <p:nvSpPr>
           <p:cNvPr id="5" name="Rectangle 4"/>
           <p:cNvSpPr/>
           <p:nvPr/>
@@ -17856,41 +17759,6 @@
           <a:p>
             <a:pPr algn="ctr"/>
             <a:endParaRPr lang="en-US" dirty="0"/>
-          </a:p>
-        </p:txBody>
-      </p:sp>
-      <p:sp>
-        <p:nvSpPr>
-          <p:cNvPr id="6" name="TextBox 5"/>
-          <p:cNvSpPr txBox="1"/>
-          <p:nvPr/>
-        </p:nvSpPr>
-        <p:spPr>
-          <a:xfrm>
-            <a:off x="1138352" y="2033044"/>
-            <a:ext cx="1573907" cy="646331"/>
-          </a:xfrm>
-          <a:prstGeom prst="rect">
-            <a:avLst/>
-          </a:prstGeom>
-          <a:noFill/>
-        </p:spPr>
-        <p:txBody>
-          <a:bodyPr wrap="square" rtlCol="0">
-            <a:spAutoFit/>
-          </a:bodyPr>
-          <a:lstStyle/>
-          <a:p>
-            <a:pPr algn="ctr"/>
-            <a:r>
-              <a:rPr lang="en-US" dirty="0" smtClean="0">
-                <a:latin typeface="Britannic Bold" pitchFamily="34" charset="0"/>
-              </a:rPr>
-              <a:t>External Door</a:t>
-            </a:r>
-            <a:endParaRPr lang="en-US" dirty="0">
-              <a:latin typeface="Britannic Bold" pitchFamily="34" charset="0"/>
-            </a:endParaRPr>
           </a:p>
         </p:txBody>
       </p:sp>
@@ -18836,43 +18704,6 @@
       </p:cxnSp>
       <p:sp>
         <p:nvSpPr>
-          <p:cNvPr id="32" name="TextBox 31"/>
-          <p:cNvSpPr txBox="1"/>
-          <p:nvPr/>
-        </p:nvSpPr>
-        <p:spPr>
-          <a:xfrm>
-            <a:off x="1138352" y="681746"/>
-            <a:ext cx="894093" cy="369332"/>
-          </a:xfrm>
-          <a:prstGeom prst="rect">
-            <a:avLst/>
-          </a:prstGeom>
-          <a:solidFill>
-            <a:srgbClr val="8A0000"/>
-          </a:solidFill>
-        </p:spPr>
-        <p:txBody>
-          <a:bodyPr wrap="square" rtlCol="0">
-            <a:spAutoFit/>
-          </a:bodyPr>
-          <a:lstStyle/>
-          <a:p>
-            <a:pPr algn="ctr"/>
-            <a:r>
-              <a:rPr lang="en-US" dirty="0" smtClean="0">
-                <a:latin typeface="Copperplate Gothic Bold" pitchFamily="34" charset="0"/>
-              </a:rPr>
-              <a:t>Home</a:t>
-            </a:r>
-            <a:endParaRPr lang="en-US" dirty="0">
-              <a:latin typeface="Copperplate Gothic Bold" pitchFamily="34" charset="0"/>
-            </a:endParaRPr>
-          </a:p>
-        </p:txBody>
-      </p:sp>
-      <p:sp>
-        <p:nvSpPr>
           <p:cNvPr id="35" name="TextBox 34"/>
           <p:cNvSpPr txBox="1"/>
           <p:nvPr/>
@@ -18944,6 +18775,181 @@
             <a:endParaRPr lang="en-US" dirty="0">
               <a:latin typeface="Copperplate Gothic Bold" pitchFamily="34" charset="0"/>
             </a:endParaRPr>
+          </a:p>
+        </p:txBody>
+      </p:sp>
+      <p:sp>
+        <p:nvSpPr>
+          <p:cNvPr id="37" name="TextBox 36"/>
+          <p:cNvSpPr txBox="1"/>
+          <p:nvPr/>
+        </p:nvSpPr>
+        <p:spPr>
+          <a:xfrm>
+            <a:off x="1143000" y="2079257"/>
+            <a:ext cx="1573907" cy="646331"/>
+          </a:xfrm>
+          <a:prstGeom prst="rect">
+            <a:avLst/>
+          </a:prstGeom>
+          <a:noFill/>
+        </p:spPr>
+        <p:txBody>
+          <a:bodyPr wrap="square" rtlCol="0">
+            <a:spAutoFit/>
+          </a:bodyPr>
+          <a:lstStyle/>
+          <a:p>
+            <a:pPr algn="ctr"/>
+            <a:r>
+              <a:rPr lang="en-US" dirty="0" smtClean="0">
+                <a:latin typeface="Britannic Bold" pitchFamily="34" charset="0"/>
+              </a:rPr>
+              <a:t>External Door</a:t>
+            </a:r>
+            <a:endParaRPr lang="en-US" dirty="0">
+              <a:latin typeface="Britannic Bold" pitchFamily="34" charset="0"/>
+            </a:endParaRPr>
+          </a:p>
+        </p:txBody>
+      </p:sp>
+      <p:sp>
+        <p:nvSpPr>
+          <p:cNvPr id="38" name="TextBox 37"/>
+          <p:cNvSpPr txBox="1"/>
+          <p:nvPr/>
+        </p:nvSpPr>
+        <p:spPr>
+          <a:xfrm>
+            <a:off x="1066799" y="681746"/>
+            <a:ext cx="1066801" cy="369332"/>
+          </a:xfrm>
+          <a:prstGeom prst="rect">
+            <a:avLst/>
+          </a:prstGeom>
+          <a:solidFill>
+            <a:srgbClr val="8A0000"/>
+          </a:solidFill>
+        </p:spPr>
+        <p:txBody>
+          <a:bodyPr wrap="square" rtlCol="0">
+            <a:spAutoFit/>
+          </a:bodyPr>
+          <a:lstStyle/>
+          <a:p>
+            <a:pPr algn="ctr"/>
+            <a:r>
+              <a:rPr lang="en-US" dirty="0" smtClean="0">
+                <a:latin typeface="Copperplate Gothic Bold" pitchFamily="34" charset="0"/>
+              </a:rPr>
+              <a:t>Home</a:t>
+            </a:r>
+            <a:endParaRPr lang="en-US" dirty="0">
+              <a:latin typeface="Copperplate Gothic Bold" pitchFamily="34" charset="0"/>
+            </a:endParaRPr>
+          </a:p>
+        </p:txBody>
+      </p:sp>
+      <p:sp>
+        <p:nvSpPr>
+          <p:cNvPr id="39" name="Title 2"/>
+          <p:cNvSpPr txBox="1">
+            <a:spLocks/>
+          </p:cNvSpPr>
+          <p:nvPr/>
+        </p:nvSpPr>
+        <p:spPr>
+          <a:xfrm>
+            <a:off x="76200" y="152400"/>
+            <a:ext cx="8991600" cy="457200"/>
+          </a:xfrm>
+          <a:prstGeom prst="rect">
+            <a:avLst/>
+          </a:prstGeom>
+        </p:spPr>
+        <p:txBody>
+          <a:bodyPr vert="horz" lIns="91440" tIns="45720" rIns="91440" bIns="45720" rtlCol="0" anchor="t">
+            <a:normAutofit/>
+          </a:bodyPr>
+          <a:lstStyle>
+            <a:lvl1pPr algn="l" defTabSz="914400" rtl="0" eaLnBrk="1" latinLnBrk="0" hangingPunct="1">
+              <a:spcBef>
+                <a:spcPct val="0"/>
+              </a:spcBef>
+              <a:buNone/>
+              <a:defRPr sz="1800" kern="1200" cap="all" baseline="0">
+                <a:solidFill>
+                  <a:schemeClr val="tx1"/>
+                </a:solidFill>
+                <a:latin typeface="+mj-lt"/>
+                <a:ea typeface="+mj-ea"/>
+                <a:cs typeface="+mj-cs"/>
+              </a:defRPr>
+            </a:lvl1pPr>
+            <a:lvl2pPr eaLnBrk="1" hangingPunct="1">
+              <a:defRPr>
+                <a:solidFill>
+                  <a:schemeClr val="tx2"/>
+                </a:solidFill>
+              </a:defRPr>
+            </a:lvl2pPr>
+            <a:lvl3pPr eaLnBrk="1" hangingPunct="1">
+              <a:defRPr>
+                <a:solidFill>
+                  <a:schemeClr val="tx2"/>
+                </a:solidFill>
+              </a:defRPr>
+            </a:lvl3pPr>
+            <a:lvl4pPr eaLnBrk="1" hangingPunct="1">
+              <a:defRPr>
+                <a:solidFill>
+                  <a:schemeClr val="tx2"/>
+                </a:solidFill>
+              </a:defRPr>
+            </a:lvl4pPr>
+            <a:lvl5pPr eaLnBrk="1" hangingPunct="1">
+              <a:defRPr>
+                <a:solidFill>
+                  <a:schemeClr val="tx2"/>
+                </a:solidFill>
+              </a:defRPr>
+            </a:lvl5pPr>
+            <a:lvl6pPr eaLnBrk="1" hangingPunct="1">
+              <a:defRPr>
+                <a:solidFill>
+                  <a:schemeClr val="tx2"/>
+                </a:solidFill>
+              </a:defRPr>
+            </a:lvl6pPr>
+            <a:lvl7pPr eaLnBrk="1" hangingPunct="1">
+              <a:defRPr>
+                <a:solidFill>
+                  <a:schemeClr val="tx2"/>
+                </a:solidFill>
+              </a:defRPr>
+            </a:lvl7pPr>
+            <a:lvl8pPr eaLnBrk="1" hangingPunct="1">
+              <a:defRPr>
+                <a:solidFill>
+                  <a:schemeClr val="tx2"/>
+                </a:solidFill>
+              </a:defRPr>
+            </a:lvl8pPr>
+            <a:lvl9pPr eaLnBrk="1" hangingPunct="1">
+              <a:defRPr>
+                <a:solidFill>
+                  <a:schemeClr val="tx2"/>
+                </a:solidFill>
+              </a:defRPr>
+            </a:lvl9pPr>
+          </a:lstStyle>
+          <a:p>
+            <a:pPr algn="ctr"/>
+            <a:r>
+              <a:rPr lang="en-US" dirty="0" smtClean="0"/>
+              <a:t>Messages – unlock door</a:t>
+            </a:r>
+            <a:endParaRPr lang="en-US" dirty="0"/>
           </a:p>
         </p:txBody>
       </p:sp>
@@ -18957,11 +18963,11 @@
   <p:clrMapOvr>
     <a:masterClrMapping/>
   </p:clrMapOvr>
-  <mc:AlternateContent xmlns:mc="http://schemas.openxmlformats.org/markup-compatibility/2006">
-    <mc:Choice xmlns:p14="http://schemas.microsoft.com/office/powerpoint/2010/main" Requires="p14">
+  <mc:AlternateContent xmlns:mc="http://schemas.openxmlformats.org/markup-compatibility/2006" xmlns:p14="http://schemas.microsoft.com/office/powerpoint/2010/main">
+    <mc:Choice Requires="p14">
       <p:transition p14:dur="0"/>
     </mc:Choice>
-    <mc:Fallback>
+    <mc:Fallback xmlns="">
       <p:transition/>
     </mc:Fallback>
   </mc:AlternateContent>
@@ -18994,109 +19000,6 @@
       </p:grpSpPr>
       <p:sp>
         <p:nvSpPr>
-          <p:cNvPr id="4" name="Title 2"/>
-          <p:cNvSpPr txBox="1">
-            <a:spLocks/>
-          </p:cNvSpPr>
-          <p:nvPr/>
-        </p:nvSpPr>
-        <p:spPr>
-          <a:xfrm>
-            <a:off x="76200" y="228600"/>
-            <a:ext cx="8991600" cy="457200"/>
-          </a:xfrm>
-          <a:prstGeom prst="rect">
-            <a:avLst/>
-          </a:prstGeom>
-        </p:spPr>
-        <p:txBody>
-          <a:bodyPr vert="horz" lIns="91440" tIns="45720" rIns="91440" bIns="45720" rtlCol="0" anchor="t">
-            <a:normAutofit/>
-          </a:bodyPr>
-          <a:lstStyle>
-            <a:lvl1pPr algn="l" defTabSz="914400" rtl="0" eaLnBrk="1" latinLnBrk="0" hangingPunct="1">
-              <a:spcBef>
-                <a:spcPct val="0"/>
-              </a:spcBef>
-              <a:buNone/>
-              <a:defRPr sz="1800" kern="1200" cap="all" baseline="0">
-                <a:solidFill>
-                  <a:schemeClr val="tx1"/>
-                </a:solidFill>
-                <a:latin typeface="+mj-lt"/>
-                <a:ea typeface="+mj-ea"/>
-                <a:cs typeface="+mj-cs"/>
-              </a:defRPr>
-            </a:lvl1pPr>
-            <a:lvl2pPr eaLnBrk="1" hangingPunct="1">
-              <a:defRPr>
-                <a:solidFill>
-                  <a:schemeClr val="tx2"/>
-                </a:solidFill>
-              </a:defRPr>
-            </a:lvl2pPr>
-            <a:lvl3pPr eaLnBrk="1" hangingPunct="1">
-              <a:defRPr>
-                <a:solidFill>
-                  <a:schemeClr val="tx2"/>
-                </a:solidFill>
-              </a:defRPr>
-            </a:lvl3pPr>
-            <a:lvl4pPr eaLnBrk="1" hangingPunct="1">
-              <a:defRPr>
-                <a:solidFill>
-                  <a:schemeClr val="tx2"/>
-                </a:solidFill>
-              </a:defRPr>
-            </a:lvl4pPr>
-            <a:lvl5pPr eaLnBrk="1" hangingPunct="1">
-              <a:defRPr>
-                <a:solidFill>
-                  <a:schemeClr val="tx2"/>
-                </a:solidFill>
-              </a:defRPr>
-            </a:lvl5pPr>
-            <a:lvl6pPr eaLnBrk="1" hangingPunct="1">
-              <a:defRPr>
-                <a:solidFill>
-                  <a:schemeClr val="tx2"/>
-                </a:solidFill>
-              </a:defRPr>
-            </a:lvl6pPr>
-            <a:lvl7pPr eaLnBrk="1" hangingPunct="1">
-              <a:defRPr>
-                <a:solidFill>
-                  <a:schemeClr val="tx2"/>
-                </a:solidFill>
-              </a:defRPr>
-            </a:lvl7pPr>
-            <a:lvl8pPr eaLnBrk="1" hangingPunct="1">
-              <a:defRPr>
-                <a:solidFill>
-                  <a:schemeClr val="tx2"/>
-                </a:solidFill>
-              </a:defRPr>
-            </a:lvl8pPr>
-            <a:lvl9pPr eaLnBrk="1" hangingPunct="1">
-              <a:defRPr>
-                <a:solidFill>
-                  <a:schemeClr val="tx2"/>
-                </a:solidFill>
-              </a:defRPr>
-            </a:lvl9pPr>
-          </a:lstStyle>
-          <a:p>
-            <a:pPr algn="ctr"/>
-            <a:r>
-              <a:rPr lang="en-US" dirty="0" smtClean="0"/>
-              <a:t>Messages – unlock door</a:t>
-            </a:r>
-            <a:endParaRPr lang="en-US" dirty="0"/>
-          </a:p>
-        </p:txBody>
-      </p:sp>
-      <p:sp>
-        <p:nvSpPr>
           <p:cNvPr id="5" name="Rectangle 4"/>
           <p:cNvSpPr/>
           <p:nvPr/>
@@ -19135,41 +19038,6 @@
           <a:p>
             <a:pPr algn="ctr"/>
             <a:endParaRPr lang="en-US" dirty="0"/>
-          </a:p>
-        </p:txBody>
-      </p:sp>
-      <p:sp>
-        <p:nvSpPr>
-          <p:cNvPr id="6" name="TextBox 5"/>
-          <p:cNvSpPr txBox="1"/>
-          <p:nvPr/>
-        </p:nvSpPr>
-        <p:spPr>
-          <a:xfrm>
-            <a:off x="1069329" y="1983416"/>
-            <a:ext cx="1573907" cy="646331"/>
-          </a:xfrm>
-          <a:prstGeom prst="rect">
-            <a:avLst/>
-          </a:prstGeom>
-          <a:noFill/>
-        </p:spPr>
-        <p:txBody>
-          <a:bodyPr wrap="square" rtlCol="0">
-            <a:spAutoFit/>
-          </a:bodyPr>
-          <a:lstStyle/>
-          <a:p>
-            <a:pPr algn="ctr"/>
-            <a:r>
-              <a:rPr lang="en-US" dirty="0" smtClean="0">
-                <a:latin typeface="Britannic Bold" pitchFamily="34" charset="0"/>
-              </a:rPr>
-              <a:t>External Door</a:t>
-            </a:r>
-            <a:endParaRPr lang="en-US" dirty="0">
-              <a:latin typeface="Britannic Bold" pitchFamily="34" charset="0"/>
-            </a:endParaRPr>
           </a:p>
         </p:txBody>
       </p:sp>
@@ -20115,43 +19983,6 @@
       </p:cxnSp>
       <p:sp>
         <p:nvSpPr>
-          <p:cNvPr id="32" name="TextBox 31"/>
-          <p:cNvSpPr txBox="1"/>
-          <p:nvPr/>
-        </p:nvSpPr>
-        <p:spPr>
-          <a:xfrm>
-            <a:off x="1138352" y="681746"/>
-            <a:ext cx="894093" cy="369332"/>
-          </a:xfrm>
-          <a:prstGeom prst="rect">
-            <a:avLst/>
-          </a:prstGeom>
-          <a:solidFill>
-            <a:srgbClr val="8A0000"/>
-          </a:solidFill>
-        </p:spPr>
-        <p:txBody>
-          <a:bodyPr wrap="square" rtlCol="0">
-            <a:spAutoFit/>
-          </a:bodyPr>
-          <a:lstStyle/>
-          <a:p>
-            <a:pPr algn="ctr"/>
-            <a:r>
-              <a:rPr lang="en-US" dirty="0" smtClean="0">
-                <a:latin typeface="Copperplate Gothic Bold" pitchFamily="34" charset="0"/>
-              </a:rPr>
-              <a:t>Home</a:t>
-            </a:r>
-            <a:endParaRPr lang="en-US" dirty="0">
-              <a:latin typeface="Copperplate Gothic Bold" pitchFamily="34" charset="0"/>
-            </a:endParaRPr>
-          </a:p>
-        </p:txBody>
-      </p:sp>
-      <p:sp>
-        <p:nvSpPr>
           <p:cNvPr id="35" name="TextBox 34"/>
           <p:cNvSpPr txBox="1"/>
           <p:nvPr/>
@@ -20223,6 +20054,181 @@
             <a:endParaRPr lang="en-US" dirty="0">
               <a:latin typeface="Copperplate Gothic Bold" pitchFamily="34" charset="0"/>
             </a:endParaRPr>
+          </a:p>
+        </p:txBody>
+      </p:sp>
+      <p:sp>
+        <p:nvSpPr>
+          <p:cNvPr id="37" name="TextBox 36"/>
+          <p:cNvSpPr txBox="1"/>
+          <p:nvPr/>
+        </p:nvSpPr>
+        <p:spPr>
+          <a:xfrm>
+            <a:off x="1143000" y="2079257"/>
+            <a:ext cx="1573907" cy="646331"/>
+          </a:xfrm>
+          <a:prstGeom prst="rect">
+            <a:avLst/>
+          </a:prstGeom>
+          <a:noFill/>
+        </p:spPr>
+        <p:txBody>
+          <a:bodyPr wrap="square" rtlCol="0">
+            <a:spAutoFit/>
+          </a:bodyPr>
+          <a:lstStyle/>
+          <a:p>
+            <a:pPr algn="ctr"/>
+            <a:r>
+              <a:rPr lang="en-US" dirty="0" smtClean="0">
+                <a:latin typeface="Britannic Bold" pitchFamily="34" charset="0"/>
+              </a:rPr>
+              <a:t>External Door</a:t>
+            </a:r>
+            <a:endParaRPr lang="en-US" dirty="0">
+              <a:latin typeface="Britannic Bold" pitchFamily="34" charset="0"/>
+            </a:endParaRPr>
+          </a:p>
+        </p:txBody>
+      </p:sp>
+      <p:sp>
+        <p:nvSpPr>
+          <p:cNvPr id="38" name="TextBox 37"/>
+          <p:cNvSpPr txBox="1"/>
+          <p:nvPr/>
+        </p:nvSpPr>
+        <p:spPr>
+          <a:xfrm>
+            <a:off x="1066799" y="681746"/>
+            <a:ext cx="1066801" cy="369332"/>
+          </a:xfrm>
+          <a:prstGeom prst="rect">
+            <a:avLst/>
+          </a:prstGeom>
+          <a:solidFill>
+            <a:srgbClr val="8A0000"/>
+          </a:solidFill>
+        </p:spPr>
+        <p:txBody>
+          <a:bodyPr wrap="square" rtlCol="0">
+            <a:spAutoFit/>
+          </a:bodyPr>
+          <a:lstStyle/>
+          <a:p>
+            <a:pPr algn="ctr"/>
+            <a:r>
+              <a:rPr lang="en-US" dirty="0" smtClean="0">
+                <a:latin typeface="Copperplate Gothic Bold" pitchFamily="34" charset="0"/>
+              </a:rPr>
+              <a:t>Home</a:t>
+            </a:r>
+            <a:endParaRPr lang="en-US" dirty="0">
+              <a:latin typeface="Copperplate Gothic Bold" pitchFamily="34" charset="0"/>
+            </a:endParaRPr>
+          </a:p>
+        </p:txBody>
+      </p:sp>
+      <p:sp>
+        <p:nvSpPr>
+          <p:cNvPr id="39" name="Title 2"/>
+          <p:cNvSpPr txBox="1">
+            <a:spLocks/>
+          </p:cNvSpPr>
+          <p:nvPr/>
+        </p:nvSpPr>
+        <p:spPr>
+          <a:xfrm>
+            <a:off x="76200" y="152400"/>
+            <a:ext cx="8991600" cy="457200"/>
+          </a:xfrm>
+          <a:prstGeom prst="rect">
+            <a:avLst/>
+          </a:prstGeom>
+        </p:spPr>
+        <p:txBody>
+          <a:bodyPr vert="horz" lIns="91440" tIns="45720" rIns="91440" bIns="45720" rtlCol="0" anchor="t">
+            <a:normAutofit/>
+          </a:bodyPr>
+          <a:lstStyle>
+            <a:lvl1pPr algn="l" defTabSz="914400" rtl="0" eaLnBrk="1" latinLnBrk="0" hangingPunct="1">
+              <a:spcBef>
+                <a:spcPct val="0"/>
+              </a:spcBef>
+              <a:buNone/>
+              <a:defRPr sz="1800" kern="1200" cap="all" baseline="0">
+                <a:solidFill>
+                  <a:schemeClr val="tx1"/>
+                </a:solidFill>
+                <a:latin typeface="+mj-lt"/>
+                <a:ea typeface="+mj-ea"/>
+                <a:cs typeface="+mj-cs"/>
+              </a:defRPr>
+            </a:lvl1pPr>
+            <a:lvl2pPr eaLnBrk="1" hangingPunct="1">
+              <a:defRPr>
+                <a:solidFill>
+                  <a:schemeClr val="tx2"/>
+                </a:solidFill>
+              </a:defRPr>
+            </a:lvl2pPr>
+            <a:lvl3pPr eaLnBrk="1" hangingPunct="1">
+              <a:defRPr>
+                <a:solidFill>
+                  <a:schemeClr val="tx2"/>
+                </a:solidFill>
+              </a:defRPr>
+            </a:lvl3pPr>
+            <a:lvl4pPr eaLnBrk="1" hangingPunct="1">
+              <a:defRPr>
+                <a:solidFill>
+                  <a:schemeClr val="tx2"/>
+                </a:solidFill>
+              </a:defRPr>
+            </a:lvl4pPr>
+            <a:lvl5pPr eaLnBrk="1" hangingPunct="1">
+              <a:defRPr>
+                <a:solidFill>
+                  <a:schemeClr val="tx2"/>
+                </a:solidFill>
+              </a:defRPr>
+            </a:lvl5pPr>
+            <a:lvl6pPr eaLnBrk="1" hangingPunct="1">
+              <a:defRPr>
+                <a:solidFill>
+                  <a:schemeClr val="tx2"/>
+                </a:solidFill>
+              </a:defRPr>
+            </a:lvl6pPr>
+            <a:lvl7pPr eaLnBrk="1" hangingPunct="1">
+              <a:defRPr>
+                <a:solidFill>
+                  <a:schemeClr val="tx2"/>
+                </a:solidFill>
+              </a:defRPr>
+            </a:lvl7pPr>
+            <a:lvl8pPr eaLnBrk="1" hangingPunct="1">
+              <a:defRPr>
+                <a:solidFill>
+                  <a:schemeClr val="tx2"/>
+                </a:solidFill>
+              </a:defRPr>
+            </a:lvl8pPr>
+            <a:lvl9pPr eaLnBrk="1" hangingPunct="1">
+              <a:defRPr>
+                <a:solidFill>
+                  <a:schemeClr val="tx2"/>
+                </a:solidFill>
+              </a:defRPr>
+            </a:lvl9pPr>
+          </a:lstStyle>
+          <a:p>
+            <a:pPr algn="ctr"/>
+            <a:r>
+              <a:rPr lang="en-US" dirty="0" smtClean="0"/>
+              <a:t>Messages – unlock door</a:t>
+            </a:r>
+            <a:endParaRPr lang="en-US" dirty="0"/>
           </a:p>
         </p:txBody>
       </p:sp>
@@ -20236,11 +20242,11 @@
   <p:clrMapOvr>
     <a:masterClrMapping/>
   </p:clrMapOvr>
-  <mc:AlternateContent xmlns:mc="http://schemas.openxmlformats.org/markup-compatibility/2006">
-    <mc:Choice xmlns:p14="http://schemas.microsoft.com/office/powerpoint/2010/main" Requires="p14">
+  <mc:AlternateContent xmlns:mc="http://schemas.openxmlformats.org/markup-compatibility/2006" xmlns:p14="http://schemas.microsoft.com/office/powerpoint/2010/main">
+    <mc:Choice Requires="p14">
       <p:transition p14:dur="0"/>
     </mc:Choice>
-    <mc:Fallback>
+    <mc:Fallback xmlns="">
       <p:transition/>
     </mc:Fallback>
   </mc:AlternateContent>
@@ -20273,109 +20279,6 @@
       </p:grpSpPr>
       <p:sp>
         <p:nvSpPr>
-          <p:cNvPr id="4" name="Title 2"/>
-          <p:cNvSpPr txBox="1">
-            <a:spLocks/>
-          </p:cNvSpPr>
-          <p:nvPr/>
-        </p:nvSpPr>
-        <p:spPr>
-          <a:xfrm>
-            <a:off x="76200" y="228600"/>
-            <a:ext cx="8991600" cy="457200"/>
-          </a:xfrm>
-          <a:prstGeom prst="rect">
-            <a:avLst/>
-          </a:prstGeom>
-        </p:spPr>
-        <p:txBody>
-          <a:bodyPr vert="horz" lIns="91440" tIns="45720" rIns="91440" bIns="45720" rtlCol="0" anchor="t">
-            <a:normAutofit/>
-          </a:bodyPr>
-          <a:lstStyle>
-            <a:lvl1pPr algn="l" defTabSz="914400" rtl="0" eaLnBrk="1" latinLnBrk="0" hangingPunct="1">
-              <a:spcBef>
-                <a:spcPct val="0"/>
-              </a:spcBef>
-              <a:buNone/>
-              <a:defRPr sz="1800" kern="1200" cap="all" baseline="0">
-                <a:solidFill>
-                  <a:schemeClr val="tx1"/>
-                </a:solidFill>
-                <a:latin typeface="+mj-lt"/>
-                <a:ea typeface="+mj-ea"/>
-                <a:cs typeface="+mj-cs"/>
-              </a:defRPr>
-            </a:lvl1pPr>
-            <a:lvl2pPr eaLnBrk="1" hangingPunct="1">
-              <a:defRPr>
-                <a:solidFill>
-                  <a:schemeClr val="tx2"/>
-                </a:solidFill>
-              </a:defRPr>
-            </a:lvl2pPr>
-            <a:lvl3pPr eaLnBrk="1" hangingPunct="1">
-              <a:defRPr>
-                <a:solidFill>
-                  <a:schemeClr val="tx2"/>
-                </a:solidFill>
-              </a:defRPr>
-            </a:lvl3pPr>
-            <a:lvl4pPr eaLnBrk="1" hangingPunct="1">
-              <a:defRPr>
-                <a:solidFill>
-                  <a:schemeClr val="tx2"/>
-                </a:solidFill>
-              </a:defRPr>
-            </a:lvl4pPr>
-            <a:lvl5pPr eaLnBrk="1" hangingPunct="1">
-              <a:defRPr>
-                <a:solidFill>
-                  <a:schemeClr val="tx2"/>
-                </a:solidFill>
-              </a:defRPr>
-            </a:lvl5pPr>
-            <a:lvl6pPr eaLnBrk="1" hangingPunct="1">
-              <a:defRPr>
-                <a:solidFill>
-                  <a:schemeClr val="tx2"/>
-                </a:solidFill>
-              </a:defRPr>
-            </a:lvl6pPr>
-            <a:lvl7pPr eaLnBrk="1" hangingPunct="1">
-              <a:defRPr>
-                <a:solidFill>
-                  <a:schemeClr val="tx2"/>
-                </a:solidFill>
-              </a:defRPr>
-            </a:lvl7pPr>
-            <a:lvl8pPr eaLnBrk="1" hangingPunct="1">
-              <a:defRPr>
-                <a:solidFill>
-                  <a:schemeClr val="tx2"/>
-                </a:solidFill>
-              </a:defRPr>
-            </a:lvl8pPr>
-            <a:lvl9pPr eaLnBrk="1" hangingPunct="1">
-              <a:defRPr>
-                <a:solidFill>
-                  <a:schemeClr val="tx2"/>
-                </a:solidFill>
-              </a:defRPr>
-            </a:lvl9pPr>
-          </a:lstStyle>
-          <a:p>
-            <a:pPr algn="ctr"/>
-            <a:r>
-              <a:rPr lang="en-US" dirty="0" smtClean="0"/>
-              <a:t>Messages – unlock door</a:t>
-            </a:r>
-            <a:endParaRPr lang="en-US" dirty="0"/>
-          </a:p>
-        </p:txBody>
-      </p:sp>
-      <p:sp>
-        <p:nvSpPr>
           <p:cNvPr id="5" name="Rectangle 4"/>
           <p:cNvSpPr/>
           <p:nvPr/>
@@ -20414,41 +20317,6 @@
           <a:p>
             <a:pPr algn="ctr"/>
             <a:endParaRPr lang="en-US" dirty="0"/>
-          </a:p>
-        </p:txBody>
-      </p:sp>
-      <p:sp>
-        <p:nvSpPr>
-          <p:cNvPr id="6" name="TextBox 5"/>
-          <p:cNvSpPr txBox="1"/>
-          <p:nvPr/>
-        </p:nvSpPr>
-        <p:spPr>
-          <a:xfrm>
-            <a:off x="1245493" y="2080308"/>
-            <a:ext cx="1573907" cy="646331"/>
-          </a:xfrm>
-          <a:prstGeom prst="rect">
-            <a:avLst/>
-          </a:prstGeom>
-          <a:noFill/>
-        </p:spPr>
-        <p:txBody>
-          <a:bodyPr wrap="square" rtlCol="0">
-            <a:spAutoFit/>
-          </a:bodyPr>
-          <a:lstStyle/>
-          <a:p>
-            <a:pPr algn="ctr"/>
-            <a:r>
-              <a:rPr lang="en-US" dirty="0" smtClean="0">
-                <a:latin typeface="Britannic Bold" pitchFamily="34" charset="0"/>
-              </a:rPr>
-              <a:t>External Door</a:t>
-            </a:r>
-            <a:endParaRPr lang="en-US" dirty="0">
-              <a:latin typeface="Britannic Bold" pitchFamily="34" charset="0"/>
-            </a:endParaRPr>
           </a:p>
         </p:txBody>
       </p:sp>
@@ -21363,43 +21231,6 @@
       </p:cxnSp>
       <p:sp>
         <p:nvSpPr>
-          <p:cNvPr id="32" name="TextBox 31"/>
-          <p:cNvSpPr txBox="1"/>
-          <p:nvPr/>
-        </p:nvSpPr>
-        <p:spPr>
-          <a:xfrm>
-            <a:off x="1138352" y="681746"/>
-            <a:ext cx="894093" cy="369332"/>
-          </a:xfrm>
-          <a:prstGeom prst="rect">
-            <a:avLst/>
-          </a:prstGeom>
-          <a:solidFill>
-            <a:srgbClr val="8A0000"/>
-          </a:solidFill>
-        </p:spPr>
-        <p:txBody>
-          <a:bodyPr wrap="square" rtlCol="0">
-            <a:spAutoFit/>
-          </a:bodyPr>
-          <a:lstStyle/>
-          <a:p>
-            <a:pPr algn="ctr"/>
-            <a:r>
-              <a:rPr lang="en-US" dirty="0" smtClean="0">
-                <a:latin typeface="Copperplate Gothic Bold" pitchFamily="34" charset="0"/>
-              </a:rPr>
-              <a:t>Home</a:t>
-            </a:r>
-            <a:endParaRPr lang="en-US" dirty="0">
-              <a:latin typeface="Copperplate Gothic Bold" pitchFamily="34" charset="0"/>
-            </a:endParaRPr>
-          </a:p>
-        </p:txBody>
-      </p:sp>
-      <p:sp>
-        <p:nvSpPr>
           <p:cNvPr id="35" name="TextBox 34"/>
           <p:cNvSpPr txBox="1"/>
           <p:nvPr/>
@@ -21471,6 +21302,181 @@
             <a:endParaRPr lang="en-US" dirty="0">
               <a:latin typeface="Copperplate Gothic Bold" pitchFamily="34" charset="0"/>
             </a:endParaRPr>
+          </a:p>
+        </p:txBody>
+      </p:sp>
+      <p:sp>
+        <p:nvSpPr>
+          <p:cNvPr id="37" name="TextBox 36"/>
+          <p:cNvSpPr txBox="1"/>
+          <p:nvPr/>
+        </p:nvSpPr>
+        <p:spPr>
+          <a:xfrm>
+            <a:off x="1143000" y="2079257"/>
+            <a:ext cx="1573907" cy="646331"/>
+          </a:xfrm>
+          <a:prstGeom prst="rect">
+            <a:avLst/>
+          </a:prstGeom>
+          <a:noFill/>
+        </p:spPr>
+        <p:txBody>
+          <a:bodyPr wrap="square" rtlCol="0">
+            <a:spAutoFit/>
+          </a:bodyPr>
+          <a:lstStyle/>
+          <a:p>
+            <a:pPr algn="ctr"/>
+            <a:r>
+              <a:rPr lang="en-US" dirty="0" smtClean="0">
+                <a:latin typeface="Britannic Bold" pitchFamily="34" charset="0"/>
+              </a:rPr>
+              <a:t>External Door</a:t>
+            </a:r>
+            <a:endParaRPr lang="en-US" dirty="0">
+              <a:latin typeface="Britannic Bold" pitchFamily="34" charset="0"/>
+            </a:endParaRPr>
+          </a:p>
+        </p:txBody>
+      </p:sp>
+      <p:sp>
+        <p:nvSpPr>
+          <p:cNvPr id="38" name="TextBox 37"/>
+          <p:cNvSpPr txBox="1"/>
+          <p:nvPr/>
+        </p:nvSpPr>
+        <p:spPr>
+          <a:xfrm>
+            <a:off x="1066799" y="681746"/>
+            <a:ext cx="1066801" cy="369332"/>
+          </a:xfrm>
+          <a:prstGeom prst="rect">
+            <a:avLst/>
+          </a:prstGeom>
+          <a:solidFill>
+            <a:srgbClr val="8A0000"/>
+          </a:solidFill>
+        </p:spPr>
+        <p:txBody>
+          <a:bodyPr wrap="square" rtlCol="0">
+            <a:spAutoFit/>
+          </a:bodyPr>
+          <a:lstStyle/>
+          <a:p>
+            <a:pPr algn="ctr"/>
+            <a:r>
+              <a:rPr lang="en-US" dirty="0" smtClean="0">
+                <a:latin typeface="Copperplate Gothic Bold" pitchFamily="34" charset="0"/>
+              </a:rPr>
+              <a:t>Home</a:t>
+            </a:r>
+            <a:endParaRPr lang="en-US" dirty="0">
+              <a:latin typeface="Copperplate Gothic Bold" pitchFamily="34" charset="0"/>
+            </a:endParaRPr>
+          </a:p>
+        </p:txBody>
+      </p:sp>
+      <p:sp>
+        <p:nvSpPr>
+          <p:cNvPr id="39" name="Title 2"/>
+          <p:cNvSpPr txBox="1">
+            <a:spLocks/>
+          </p:cNvSpPr>
+          <p:nvPr/>
+        </p:nvSpPr>
+        <p:spPr>
+          <a:xfrm>
+            <a:off x="76200" y="152400"/>
+            <a:ext cx="8991600" cy="457200"/>
+          </a:xfrm>
+          <a:prstGeom prst="rect">
+            <a:avLst/>
+          </a:prstGeom>
+        </p:spPr>
+        <p:txBody>
+          <a:bodyPr vert="horz" lIns="91440" tIns="45720" rIns="91440" bIns="45720" rtlCol="0" anchor="t">
+            <a:normAutofit/>
+          </a:bodyPr>
+          <a:lstStyle>
+            <a:lvl1pPr algn="l" defTabSz="914400" rtl="0" eaLnBrk="1" latinLnBrk="0" hangingPunct="1">
+              <a:spcBef>
+                <a:spcPct val="0"/>
+              </a:spcBef>
+              <a:buNone/>
+              <a:defRPr sz="1800" kern="1200" cap="all" baseline="0">
+                <a:solidFill>
+                  <a:schemeClr val="tx1"/>
+                </a:solidFill>
+                <a:latin typeface="+mj-lt"/>
+                <a:ea typeface="+mj-ea"/>
+                <a:cs typeface="+mj-cs"/>
+              </a:defRPr>
+            </a:lvl1pPr>
+            <a:lvl2pPr eaLnBrk="1" hangingPunct="1">
+              <a:defRPr>
+                <a:solidFill>
+                  <a:schemeClr val="tx2"/>
+                </a:solidFill>
+              </a:defRPr>
+            </a:lvl2pPr>
+            <a:lvl3pPr eaLnBrk="1" hangingPunct="1">
+              <a:defRPr>
+                <a:solidFill>
+                  <a:schemeClr val="tx2"/>
+                </a:solidFill>
+              </a:defRPr>
+            </a:lvl3pPr>
+            <a:lvl4pPr eaLnBrk="1" hangingPunct="1">
+              <a:defRPr>
+                <a:solidFill>
+                  <a:schemeClr val="tx2"/>
+                </a:solidFill>
+              </a:defRPr>
+            </a:lvl4pPr>
+            <a:lvl5pPr eaLnBrk="1" hangingPunct="1">
+              <a:defRPr>
+                <a:solidFill>
+                  <a:schemeClr val="tx2"/>
+                </a:solidFill>
+              </a:defRPr>
+            </a:lvl5pPr>
+            <a:lvl6pPr eaLnBrk="1" hangingPunct="1">
+              <a:defRPr>
+                <a:solidFill>
+                  <a:schemeClr val="tx2"/>
+                </a:solidFill>
+              </a:defRPr>
+            </a:lvl6pPr>
+            <a:lvl7pPr eaLnBrk="1" hangingPunct="1">
+              <a:defRPr>
+                <a:solidFill>
+                  <a:schemeClr val="tx2"/>
+                </a:solidFill>
+              </a:defRPr>
+            </a:lvl7pPr>
+            <a:lvl8pPr eaLnBrk="1" hangingPunct="1">
+              <a:defRPr>
+                <a:solidFill>
+                  <a:schemeClr val="tx2"/>
+                </a:solidFill>
+              </a:defRPr>
+            </a:lvl8pPr>
+            <a:lvl9pPr eaLnBrk="1" hangingPunct="1">
+              <a:defRPr>
+                <a:solidFill>
+                  <a:schemeClr val="tx2"/>
+                </a:solidFill>
+              </a:defRPr>
+            </a:lvl9pPr>
+          </a:lstStyle>
+          <a:p>
+            <a:pPr algn="ctr"/>
+            <a:r>
+              <a:rPr lang="en-US" dirty="0" smtClean="0"/>
+              <a:t>Messages – unlock door</a:t>
+            </a:r>
+            <a:endParaRPr lang="en-US" dirty="0"/>
           </a:p>
         </p:txBody>
       </p:sp>
@@ -21484,11 +21490,11 @@
   <p:clrMapOvr>
     <a:masterClrMapping/>
   </p:clrMapOvr>
-  <mc:AlternateContent xmlns:mc="http://schemas.openxmlformats.org/markup-compatibility/2006">
-    <mc:Choice xmlns:p14="http://schemas.microsoft.com/office/powerpoint/2010/main" Requires="p14">
+  <mc:AlternateContent xmlns:mc="http://schemas.openxmlformats.org/markup-compatibility/2006" xmlns:p14="http://schemas.microsoft.com/office/powerpoint/2010/main">
+    <mc:Choice Requires="p14">
       <p:transition p14:dur="0"/>
     </mc:Choice>
-    <mc:Fallback>
+    <mc:Fallback xmlns="">
       <p:transition/>
     </mc:Fallback>
   </mc:AlternateContent>
@@ -21521,109 +21527,6 @@
       </p:grpSpPr>
       <p:sp>
         <p:nvSpPr>
-          <p:cNvPr id="4" name="Title 2"/>
-          <p:cNvSpPr txBox="1">
-            <a:spLocks/>
-          </p:cNvSpPr>
-          <p:nvPr/>
-        </p:nvSpPr>
-        <p:spPr>
-          <a:xfrm>
-            <a:off x="76200" y="228600"/>
-            <a:ext cx="8991600" cy="457200"/>
-          </a:xfrm>
-          <a:prstGeom prst="rect">
-            <a:avLst/>
-          </a:prstGeom>
-        </p:spPr>
-        <p:txBody>
-          <a:bodyPr vert="horz" lIns="91440" tIns="45720" rIns="91440" bIns="45720" rtlCol="0" anchor="t">
-            <a:normAutofit/>
-          </a:bodyPr>
-          <a:lstStyle>
-            <a:lvl1pPr algn="l" defTabSz="914400" rtl="0" eaLnBrk="1" latinLnBrk="0" hangingPunct="1">
-              <a:spcBef>
-                <a:spcPct val="0"/>
-              </a:spcBef>
-              <a:buNone/>
-              <a:defRPr sz="1800" kern="1200" cap="all" baseline="0">
-                <a:solidFill>
-                  <a:schemeClr val="tx1"/>
-                </a:solidFill>
-                <a:latin typeface="+mj-lt"/>
-                <a:ea typeface="+mj-ea"/>
-                <a:cs typeface="+mj-cs"/>
-              </a:defRPr>
-            </a:lvl1pPr>
-            <a:lvl2pPr eaLnBrk="1" hangingPunct="1">
-              <a:defRPr>
-                <a:solidFill>
-                  <a:schemeClr val="tx2"/>
-                </a:solidFill>
-              </a:defRPr>
-            </a:lvl2pPr>
-            <a:lvl3pPr eaLnBrk="1" hangingPunct="1">
-              <a:defRPr>
-                <a:solidFill>
-                  <a:schemeClr val="tx2"/>
-                </a:solidFill>
-              </a:defRPr>
-            </a:lvl3pPr>
-            <a:lvl4pPr eaLnBrk="1" hangingPunct="1">
-              <a:defRPr>
-                <a:solidFill>
-                  <a:schemeClr val="tx2"/>
-                </a:solidFill>
-              </a:defRPr>
-            </a:lvl4pPr>
-            <a:lvl5pPr eaLnBrk="1" hangingPunct="1">
-              <a:defRPr>
-                <a:solidFill>
-                  <a:schemeClr val="tx2"/>
-                </a:solidFill>
-              </a:defRPr>
-            </a:lvl5pPr>
-            <a:lvl6pPr eaLnBrk="1" hangingPunct="1">
-              <a:defRPr>
-                <a:solidFill>
-                  <a:schemeClr val="tx2"/>
-                </a:solidFill>
-              </a:defRPr>
-            </a:lvl6pPr>
-            <a:lvl7pPr eaLnBrk="1" hangingPunct="1">
-              <a:defRPr>
-                <a:solidFill>
-                  <a:schemeClr val="tx2"/>
-                </a:solidFill>
-              </a:defRPr>
-            </a:lvl7pPr>
-            <a:lvl8pPr eaLnBrk="1" hangingPunct="1">
-              <a:defRPr>
-                <a:solidFill>
-                  <a:schemeClr val="tx2"/>
-                </a:solidFill>
-              </a:defRPr>
-            </a:lvl8pPr>
-            <a:lvl9pPr eaLnBrk="1" hangingPunct="1">
-              <a:defRPr>
-                <a:solidFill>
-                  <a:schemeClr val="tx2"/>
-                </a:solidFill>
-              </a:defRPr>
-            </a:lvl9pPr>
-          </a:lstStyle>
-          <a:p>
-            <a:pPr algn="ctr"/>
-            <a:r>
-              <a:rPr lang="en-US" dirty="0" smtClean="0"/>
-              <a:t>Messages – unlock door</a:t>
-            </a:r>
-            <a:endParaRPr lang="en-US" dirty="0"/>
-          </a:p>
-        </p:txBody>
-      </p:sp>
-      <p:sp>
-        <p:nvSpPr>
           <p:cNvPr id="5" name="Rectangle 4"/>
           <p:cNvSpPr/>
           <p:nvPr/>
@@ -21662,41 +21565,6 @@
           <a:p>
             <a:pPr algn="ctr"/>
             <a:endParaRPr lang="en-US" dirty="0"/>
-          </a:p>
-        </p:txBody>
-      </p:sp>
-      <p:sp>
-        <p:nvSpPr>
-          <p:cNvPr id="6" name="TextBox 5"/>
-          <p:cNvSpPr txBox="1"/>
-          <p:nvPr/>
-        </p:nvSpPr>
-        <p:spPr>
-          <a:xfrm>
-            <a:off x="1245493" y="2033458"/>
-            <a:ext cx="1573907" cy="646331"/>
-          </a:xfrm>
-          <a:prstGeom prst="rect">
-            <a:avLst/>
-          </a:prstGeom>
-          <a:noFill/>
-        </p:spPr>
-        <p:txBody>
-          <a:bodyPr wrap="square" rtlCol="0">
-            <a:spAutoFit/>
-          </a:bodyPr>
-          <a:lstStyle/>
-          <a:p>
-            <a:pPr algn="ctr"/>
-            <a:r>
-              <a:rPr lang="en-US" dirty="0" smtClean="0">
-                <a:latin typeface="Britannic Bold" pitchFamily="34" charset="0"/>
-              </a:rPr>
-              <a:t>External Door</a:t>
-            </a:r>
-            <a:endParaRPr lang="en-US" dirty="0">
-              <a:latin typeface="Britannic Bold" pitchFamily="34" charset="0"/>
-            </a:endParaRPr>
           </a:p>
         </p:txBody>
       </p:sp>
@@ -22611,43 +22479,6 @@
       </p:cxnSp>
       <p:sp>
         <p:nvSpPr>
-          <p:cNvPr id="32" name="TextBox 31"/>
-          <p:cNvSpPr txBox="1"/>
-          <p:nvPr/>
-        </p:nvSpPr>
-        <p:spPr>
-          <a:xfrm>
-            <a:off x="1138352" y="681746"/>
-            <a:ext cx="894093" cy="369332"/>
-          </a:xfrm>
-          <a:prstGeom prst="rect">
-            <a:avLst/>
-          </a:prstGeom>
-          <a:solidFill>
-            <a:srgbClr val="8A0000"/>
-          </a:solidFill>
-        </p:spPr>
-        <p:txBody>
-          <a:bodyPr wrap="square" rtlCol="0">
-            <a:spAutoFit/>
-          </a:bodyPr>
-          <a:lstStyle/>
-          <a:p>
-            <a:pPr algn="ctr"/>
-            <a:r>
-              <a:rPr lang="en-US" dirty="0" smtClean="0">
-                <a:latin typeface="Copperplate Gothic Bold" pitchFamily="34" charset="0"/>
-              </a:rPr>
-              <a:t>Home</a:t>
-            </a:r>
-            <a:endParaRPr lang="en-US" dirty="0">
-              <a:latin typeface="Copperplate Gothic Bold" pitchFamily="34" charset="0"/>
-            </a:endParaRPr>
-          </a:p>
-        </p:txBody>
-      </p:sp>
-      <p:sp>
-        <p:nvSpPr>
           <p:cNvPr id="35" name="TextBox 34"/>
           <p:cNvSpPr txBox="1"/>
           <p:nvPr/>
@@ -22719,6 +22550,181 @@
             <a:endParaRPr lang="en-US" dirty="0">
               <a:latin typeface="Copperplate Gothic Bold" pitchFamily="34" charset="0"/>
             </a:endParaRPr>
+          </a:p>
+        </p:txBody>
+      </p:sp>
+      <p:sp>
+        <p:nvSpPr>
+          <p:cNvPr id="37" name="TextBox 36"/>
+          <p:cNvSpPr txBox="1"/>
+          <p:nvPr/>
+        </p:nvSpPr>
+        <p:spPr>
+          <a:xfrm>
+            <a:off x="1143000" y="2079257"/>
+            <a:ext cx="1573907" cy="646331"/>
+          </a:xfrm>
+          <a:prstGeom prst="rect">
+            <a:avLst/>
+          </a:prstGeom>
+          <a:noFill/>
+        </p:spPr>
+        <p:txBody>
+          <a:bodyPr wrap="square" rtlCol="0">
+            <a:spAutoFit/>
+          </a:bodyPr>
+          <a:lstStyle/>
+          <a:p>
+            <a:pPr algn="ctr"/>
+            <a:r>
+              <a:rPr lang="en-US" dirty="0" smtClean="0">
+                <a:latin typeface="Britannic Bold" pitchFamily="34" charset="0"/>
+              </a:rPr>
+              <a:t>External Door</a:t>
+            </a:r>
+            <a:endParaRPr lang="en-US" dirty="0">
+              <a:latin typeface="Britannic Bold" pitchFamily="34" charset="0"/>
+            </a:endParaRPr>
+          </a:p>
+        </p:txBody>
+      </p:sp>
+      <p:sp>
+        <p:nvSpPr>
+          <p:cNvPr id="38" name="TextBox 37"/>
+          <p:cNvSpPr txBox="1"/>
+          <p:nvPr/>
+        </p:nvSpPr>
+        <p:spPr>
+          <a:xfrm>
+            <a:off x="1066799" y="681746"/>
+            <a:ext cx="1066801" cy="369332"/>
+          </a:xfrm>
+          <a:prstGeom prst="rect">
+            <a:avLst/>
+          </a:prstGeom>
+          <a:solidFill>
+            <a:srgbClr val="8A0000"/>
+          </a:solidFill>
+        </p:spPr>
+        <p:txBody>
+          <a:bodyPr wrap="square" rtlCol="0">
+            <a:spAutoFit/>
+          </a:bodyPr>
+          <a:lstStyle/>
+          <a:p>
+            <a:pPr algn="ctr"/>
+            <a:r>
+              <a:rPr lang="en-US" dirty="0" smtClean="0">
+                <a:latin typeface="Copperplate Gothic Bold" pitchFamily="34" charset="0"/>
+              </a:rPr>
+              <a:t>Home</a:t>
+            </a:r>
+            <a:endParaRPr lang="en-US" dirty="0">
+              <a:latin typeface="Copperplate Gothic Bold" pitchFamily="34" charset="0"/>
+            </a:endParaRPr>
+          </a:p>
+        </p:txBody>
+      </p:sp>
+      <p:sp>
+        <p:nvSpPr>
+          <p:cNvPr id="39" name="Title 2"/>
+          <p:cNvSpPr txBox="1">
+            <a:spLocks/>
+          </p:cNvSpPr>
+          <p:nvPr/>
+        </p:nvSpPr>
+        <p:spPr>
+          <a:xfrm>
+            <a:off x="76200" y="152400"/>
+            <a:ext cx="8991600" cy="457200"/>
+          </a:xfrm>
+          <a:prstGeom prst="rect">
+            <a:avLst/>
+          </a:prstGeom>
+        </p:spPr>
+        <p:txBody>
+          <a:bodyPr vert="horz" lIns="91440" tIns="45720" rIns="91440" bIns="45720" rtlCol="0" anchor="t">
+            <a:normAutofit/>
+          </a:bodyPr>
+          <a:lstStyle>
+            <a:lvl1pPr algn="l" defTabSz="914400" rtl="0" eaLnBrk="1" latinLnBrk="0" hangingPunct="1">
+              <a:spcBef>
+                <a:spcPct val="0"/>
+              </a:spcBef>
+              <a:buNone/>
+              <a:defRPr sz="1800" kern="1200" cap="all" baseline="0">
+                <a:solidFill>
+                  <a:schemeClr val="tx1"/>
+                </a:solidFill>
+                <a:latin typeface="+mj-lt"/>
+                <a:ea typeface="+mj-ea"/>
+                <a:cs typeface="+mj-cs"/>
+              </a:defRPr>
+            </a:lvl1pPr>
+            <a:lvl2pPr eaLnBrk="1" hangingPunct="1">
+              <a:defRPr>
+                <a:solidFill>
+                  <a:schemeClr val="tx2"/>
+                </a:solidFill>
+              </a:defRPr>
+            </a:lvl2pPr>
+            <a:lvl3pPr eaLnBrk="1" hangingPunct="1">
+              <a:defRPr>
+                <a:solidFill>
+                  <a:schemeClr val="tx2"/>
+                </a:solidFill>
+              </a:defRPr>
+            </a:lvl3pPr>
+            <a:lvl4pPr eaLnBrk="1" hangingPunct="1">
+              <a:defRPr>
+                <a:solidFill>
+                  <a:schemeClr val="tx2"/>
+                </a:solidFill>
+              </a:defRPr>
+            </a:lvl4pPr>
+            <a:lvl5pPr eaLnBrk="1" hangingPunct="1">
+              <a:defRPr>
+                <a:solidFill>
+                  <a:schemeClr val="tx2"/>
+                </a:solidFill>
+              </a:defRPr>
+            </a:lvl5pPr>
+            <a:lvl6pPr eaLnBrk="1" hangingPunct="1">
+              <a:defRPr>
+                <a:solidFill>
+                  <a:schemeClr val="tx2"/>
+                </a:solidFill>
+              </a:defRPr>
+            </a:lvl6pPr>
+            <a:lvl7pPr eaLnBrk="1" hangingPunct="1">
+              <a:defRPr>
+                <a:solidFill>
+                  <a:schemeClr val="tx2"/>
+                </a:solidFill>
+              </a:defRPr>
+            </a:lvl7pPr>
+            <a:lvl8pPr eaLnBrk="1" hangingPunct="1">
+              <a:defRPr>
+                <a:solidFill>
+                  <a:schemeClr val="tx2"/>
+                </a:solidFill>
+              </a:defRPr>
+            </a:lvl8pPr>
+            <a:lvl9pPr eaLnBrk="1" hangingPunct="1">
+              <a:defRPr>
+                <a:solidFill>
+                  <a:schemeClr val="tx2"/>
+                </a:solidFill>
+              </a:defRPr>
+            </a:lvl9pPr>
+          </a:lstStyle>
+          <a:p>
+            <a:pPr algn="ctr"/>
+            <a:r>
+              <a:rPr lang="en-US" dirty="0" smtClean="0"/>
+              <a:t>Messages – unlock door</a:t>
+            </a:r>
+            <a:endParaRPr lang="en-US" dirty="0"/>
           </a:p>
         </p:txBody>
       </p:sp>
@@ -22732,11 +22738,11 @@
   <p:clrMapOvr>
     <a:masterClrMapping/>
   </p:clrMapOvr>
-  <mc:AlternateContent xmlns:mc="http://schemas.openxmlformats.org/markup-compatibility/2006">
-    <mc:Choice xmlns:p14="http://schemas.microsoft.com/office/powerpoint/2010/main" Requires="p14">
+  <mc:AlternateContent xmlns:mc="http://schemas.openxmlformats.org/markup-compatibility/2006" xmlns:p14="http://schemas.microsoft.com/office/powerpoint/2010/main">
+    <mc:Choice Requires="p14">
       <p:transition p14:dur="0"/>
     </mc:Choice>
-    <mc:Fallback>
+    <mc:Fallback xmlns="">
       <p:transition/>
     </mc:Fallback>
   </mc:AlternateContent>
@@ -22973,11 +22979,11 @@
   <p:clrMapOvr>
     <a:masterClrMapping/>
   </p:clrMapOvr>
-  <mc:AlternateContent xmlns:mc="http://schemas.openxmlformats.org/markup-compatibility/2006">
-    <mc:Choice xmlns:p14="http://schemas.microsoft.com/office/powerpoint/2010/main" Requires="p14">
+  <mc:AlternateContent xmlns:mc="http://schemas.openxmlformats.org/markup-compatibility/2006" xmlns:p14="http://schemas.microsoft.com/office/powerpoint/2010/main">
+    <mc:Choice Requires="p14">
       <p:transition p14:dur="0"/>
     </mc:Choice>
-    <mc:Fallback>
+    <mc:Fallback xmlns="">
       <p:transition/>
     </mc:Fallback>
   </mc:AlternateContent>
@@ -23235,11 +23241,11 @@
   <p:clrMapOvr>
     <a:masterClrMapping/>
   </p:clrMapOvr>
-  <mc:AlternateContent xmlns:mc="http://schemas.openxmlformats.org/markup-compatibility/2006">
-    <mc:Choice xmlns:p14="http://schemas.microsoft.com/office/powerpoint/2010/main" Requires="p14">
+  <mc:AlternateContent xmlns:mc="http://schemas.openxmlformats.org/markup-compatibility/2006" xmlns:p14="http://schemas.microsoft.com/office/powerpoint/2010/main">
+    <mc:Choice Requires="p14">
       <p:transition p14:dur="0"/>
     </mc:Choice>
-    <mc:Fallback>
+    <mc:Fallback xmlns="">
       <p:transition/>
     </mc:Fallback>
   </mc:AlternateContent>
@@ -23491,11 +23497,11 @@
   <p:clrMapOvr>
     <a:masterClrMapping/>
   </p:clrMapOvr>
-  <mc:AlternateContent xmlns:mc="http://schemas.openxmlformats.org/markup-compatibility/2006">
-    <mc:Choice xmlns:p14="http://schemas.microsoft.com/office/powerpoint/2010/main" Requires="p14">
+  <mc:AlternateContent xmlns:mc="http://schemas.openxmlformats.org/markup-compatibility/2006" xmlns:p14="http://schemas.microsoft.com/office/powerpoint/2010/main">
+    <mc:Choice Requires="p14">
       <p:transition p14:dur="0"/>
     </mc:Choice>
-    <mc:Fallback>
+    <mc:Fallback xmlns="">
       <p:transition/>
     </mc:Fallback>
   </mc:AlternateContent>
@@ -23747,11 +23753,11 @@
   <p:clrMapOvr>
     <a:masterClrMapping/>
   </p:clrMapOvr>
-  <mc:AlternateContent xmlns:mc="http://schemas.openxmlformats.org/markup-compatibility/2006">
-    <mc:Choice xmlns:p14="http://schemas.microsoft.com/office/powerpoint/2010/main" Requires="p14">
+  <mc:AlternateContent xmlns:mc="http://schemas.openxmlformats.org/markup-compatibility/2006" xmlns:p14="http://schemas.microsoft.com/office/powerpoint/2010/main">
+    <mc:Choice Requires="p14">
       <p:transition p14:dur="0"/>
     </mc:Choice>
-    <mc:Fallback>
+    <mc:Fallback xmlns="">
       <p:transition/>
     </mc:Fallback>
   </mc:AlternateContent>
@@ -23989,11 +23995,11 @@
   <p:clrMapOvr>
     <a:masterClrMapping/>
   </p:clrMapOvr>
-  <mc:AlternateContent xmlns:mc="http://schemas.openxmlformats.org/markup-compatibility/2006">
-    <mc:Choice xmlns:p14="http://schemas.microsoft.com/office/powerpoint/2010/main" Requires="p14">
+  <mc:AlternateContent xmlns:mc="http://schemas.openxmlformats.org/markup-compatibility/2006" xmlns:p14="http://schemas.microsoft.com/office/powerpoint/2010/main">
+    <mc:Choice Requires="p14">
       <p:transition p14:dur="0"/>
     </mc:Choice>
-    <mc:Fallback>
+    <mc:Fallback xmlns="">
       <p:transition/>
     </mc:Fallback>
   </mc:AlternateContent>
@@ -24223,23 +24229,7 @@
                   <a:srgbClr val="000000"/>
                 </a:solidFill>
               </a:rPr>
-              <a:t>This is </a:t>
-            </a:r>
-            <a:r>
-              <a:rPr lang="en-US" sz="4700" b="1" dirty="0" smtClean="0">
-                <a:solidFill>
-                  <a:srgbClr val="000000"/>
-                </a:solidFill>
-              </a:rPr>
-              <a:t>NOT </a:t>
-            </a:r>
-            <a:r>
-              <a:rPr lang="en-US" sz="4700" b="1" dirty="0" smtClean="0">
-                <a:solidFill>
-                  <a:srgbClr val="000000"/>
-                </a:solidFill>
-              </a:rPr>
-              <a:t>a real security system!</a:t>
+              <a:t>This is NOT a real security system!</a:t>
             </a:r>
           </a:p>
         </p:txBody>
@@ -24756,15 +24746,7 @@
               <a:srgbClr val="FFFFFF"/>
             </a:contourClr>
           </a:sp3d>
-          <a:extLst>
-            <a:ext uri="{909E8E84-426E-40DD-AFC4-6F175D3DCCD1}">
-              <a14:hiddenFill xmlns:a14="http://schemas.microsoft.com/office/drawing/2010/main">
-                <a:solidFill>
-                  <a:srgbClr val="FFFFFF"/>
-                </a:solidFill>
-              </a14:hiddenFill>
-            </a:ext>
-          </a:extLst>
+          <a:extLst/>
         </p:spPr>
       </p:pic>
     </p:spTree>
@@ -24777,13 +24759,13 @@
   <p:clrMapOvr>
     <a:masterClrMapping/>
   </p:clrMapOvr>
-  <mc:AlternateContent xmlns:mc="http://schemas.openxmlformats.org/markup-compatibility/2006">
-    <mc:Choice xmlns:p14="http://schemas.microsoft.com/office/powerpoint/2010/main" Requires="p14">
+  <mc:AlternateContent xmlns:mc="http://schemas.openxmlformats.org/markup-compatibility/2006" xmlns:p14="http://schemas.microsoft.com/office/powerpoint/2010/main">
+    <mc:Choice Requires="p14">
       <p:transition spd="slow" p14:dur="1400">
         <p14:ripple/>
       </p:transition>
     </mc:Choice>
-    <mc:Fallback>
+    <mc:Fallback xmlns="">
       <p:transition spd="slow">
         <p:fade/>
       </p:transition>
@@ -25010,20 +24992,7 @@
                 </a:effectLst>
                 <a:latin typeface="Berlin Sans FB Demi" pitchFamily="34" charset="0"/>
               </a:rPr>
-              <a:t>Let’s </a:t>
-            </a:r>
-            <a:r>
-              <a:rPr lang="en-US" sz="4300" u="sng" dirty="0" smtClean="0">
-                <a:effectLst>
-                  <a:outerShdw blurRad="38100" dist="38100" dir="2700000" algn="tl">
-                    <a:srgbClr val="000000">
-                      <a:alpha val="43137"/>
-                    </a:srgbClr>
-                  </a:outerShdw>
-                </a:effectLst>
-                <a:latin typeface="Berlin Sans FB Demi" pitchFamily="34" charset="0"/>
-              </a:rPr>
-              <a:t>GET STARTED</a:t>
+              <a:t>Let’s GET STARTED</a:t>
             </a:r>
             <a:endParaRPr lang="en-US" sz="4300" u="sng" dirty="0">
               <a:effectLst>
@@ -25048,11 +25017,11 @@
   <p:clrMapOvr>
     <a:masterClrMapping/>
   </p:clrMapOvr>
-  <mc:AlternateContent xmlns:mc="http://schemas.openxmlformats.org/markup-compatibility/2006">
-    <mc:Choice xmlns:p14="http://schemas.microsoft.com/office/powerpoint/2010/main" Requires="p14">
+  <mc:AlternateContent xmlns:mc="http://schemas.openxmlformats.org/markup-compatibility/2006" xmlns:p14="http://schemas.microsoft.com/office/powerpoint/2010/main">
+    <mc:Choice Requires="p14">
       <p:transition p14:dur="0"/>
     </mc:Choice>
-    <mc:Fallback>
+    <mc:Fallback xmlns="">
       <p:transition/>
     </mc:Fallback>
   </mc:AlternateContent>
@@ -25236,11 +25205,11 @@
   <p:clrMapOvr>
     <a:masterClrMapping/>
   </p:clrMapOvr>
-  <mc:AlternateContent xmlns:mc="http://schemas.openxmlformats.org/markup-compatibility/2006">
-    <mc:Choice xmlns:p14="http://schemas.microsoft.com/office/powerpoint/2010/main" Requires="p14">
+  <mc:AlternateContent xmlns:mc="http://schemas.openxmlformats.org/markup-compatibility/2006" xmlns:p14="http://schemas.microsoft.com/office/powerpoint/2010/main">
+    <mc:Choice Requires="p14">
       <p:transition p14:dur="0"/>
     </mc:Choice>
-    <mc:Fallback>
+    <mc:Fallback xmlns="">
       <p:transition/>
     </mc:Fallback>
   </mc:AlternateContent>
@@ -26536,11 +26505,11 @@
   <p:clrMapOvr>
     <a:masterClrMapping/>
   </p:clrMapOvr>
-  <mc:AlternateContent xmlns:mc="http://schemas.openxmlformats.org/markup-compatibility/2006">
-    <mc:Choice xmlns:p14="http://schemas.microsoft.com/office/powerpoint/2010/main" Requires="p14">
+  <mc:AlternateContent xmlns:mc="http://schemas.openxmlformats.org/markup-compatibility/2006" xmlns:p14="http://schemas.microsoft.com/office/powerpoint/2010/main">
+    <mc:Choice Requires="p14">
       <p:transition p14:dur="0"/>
     </mc:Choice>
-    <mc:Fallback>
+    <mc:Fallback xmlns="">
       <p:transition/>
     </mc:Fallback>
   </mc:AlternateContent>
@@ -27836,11 +27805,11 @@
   <p:clrMapOvr>
     <a:masterClrMapping/>
   </p:clrMapOvr>
-  <mc:AlternateContent xmlns:mc="http://schemas.openxmlformats.org/markup-compatibility/2006">
-    <mc:Choice xmlns:p14="http://schemas.microsoft.com/office/powerpoint/2010/main" Requires="p14">
+  <mc:AlternateContent xmlns:mc="http://schemas.openxmlformats.org/markup-compatibility/2006" xmlns:p14="http://schemas.microsoft.com/office/powerpoint/2010/main">
+    <mc:Choice Requires="p14">
       <p:transition p14:dur="0"/>
     </mc:Choice>
-    <mc:Fallback>
+    <mc:Fallback xmlns="">
       <p:transition/>
     </mc:Fallback>
   </mc:AlternateContent>
@@ -28082,6 +28051,153 @@
           </a:p>
         </p:txBody>
       </p:sp>
+      <p:sp>
+        <p:nvSpPr>
+          <p:cNvPr id="7" name="Rectangle 6"/>
+          <p:cNvSpPr/>
+          <p:nvPr/>
+        </p:nvSpPr>
+        <p:spPr>
+          <a:xfrm>
+            <a:off x="6972300" y="2554395"/>
+            <a:ext cx="1066800" cy="1064294"/>
+          </a:xfrm>
+          <a:prstGeom prst="rect">
+            <a:avLst/>
+          </a:prstGeom>
+        </p:spPr>
+        <p:style>
+          <a:lnRef idx="2">
+            <a:schemeClr val="accent1">
+              <a:shade val="50000"/>
+            </a:schemeClr>
+          </a:lnRef>
+          <a:fillRef idx="1">
+            <a:schemeClr val="accent1"/>
+          </a:fillRef>
+          <a:effectRef idx="0">
+            <a:schemeClr val="accent1"/>
+          </a:effectRef>
+          <a:fontRef idx="minor">
+            <a:schemeClr val="lt1"/>
+          </a:fontRef>
+        </p:style>
+        <p:txBody>
+          <a:bodyPr rtlCol="0" anchor="ctr"/>
+          <a:lstStyle/>
+          <a:p>
+            <a:pPr algn="ctr"/>
+            <a:endParaRPr lang="en-US" dirty="0"/>
+          </a:p>
+        </p:txBody>
+      </p:sp>
+      <p:sp>
+        <p:nvSpPr>
+          <p:cNvPr id="8" name="TextBox 7"/>
+          <p:cNvSpPr txBox="1"/>
+          <p:nvPr/>
+        </p:nvSpPr>
+        <p:spPr>
+          <a:xfrm>
+            <a:off x="6858000" y="2763377"/>
+            <a:ext cx="1295400" cy="646331"/>
+          </a:xfrm>
+          <a:prstGeom prst="rect">
+            <a:avLst/>
+          </a:prstGeom>
+          <a:noFill/>
+        </p:spPr>
+        <p:txBody>
+          <a:bodyPr wrap="square" rtlCol="0">
+            <a:spAutoFit/>
+          </a:bodyPr>
+          <a:lstStyle/>
+          <a:p>
+            <a:pPr algn="ctr"/>
+            <a:r>
+              <a:rPr lang="en-US" dirty="0" smtClean="0">
+                <a:latin typeface="Britannic Bold" pitchFamily="34" charset="0"/>
+              </a:rPr>
+              <a:t>Message</a:t>
+            </a:r>
+            <a:endParaRPr lang="en-US" dirty="0" smtClean="0">
+              <a:latin typeface="Britannic Bold" pitchFamily="34" charset="0"/>
+            </a:endParaRPr>
+          </a:p>
+          <a:p>
+            <a:pPr algn="ctr"/>
+            <a:r>
+              <a:rPr lang="en-US" dirty="0" smtClean="0">
+                <a:latin typeface="Britannic Bold" pitchFamily="34" charset="0"/>
+              </a:rPr>
+              <a:t>Router</a:t>
+            </a:r>
+            <a:endParaRPr lang="en-US" dirty="0">
+              <a:latin typeface="Britannic Bold" pitchFamily="34" charset="0"/>
+            </a:endParaRPr>
+          </a:p>
+        </p:txBody>
+      </p:sp>
+      <p:pic>
+        <p:nvPicPr>
+          <p:cNvPr id="27" name="Picture 26"/>
+          <p:cNvPicPr>
+            <a:picLocks noChangeAspect="1"/>
+          </p:cNvPicPr>
+          <p:nvPr/>
+        </p:nvPicPr>
+        <p:blipFill>
+          <a:blip r:embed="rId3" cstate="print">
+            <a:extLst>
+              <a:ext uri="{28A0092B-C50C-407E-A947-70E740481C1C}">
+                <a14:useLocalDpi xmlns:a14="http://schemas.microsoft.com/office/drawing/2010/main" val="0"/>
+              </a:ext>
+            </a:extLst>
+          </a:blip>
+          <a:stretch>
+            <a:fillRect/>
+          </a:stretch>
+        </p:blipFill>
+        <p:spPr>
+          <a:xfrm>
+            <a:off x="685800" y="1114565"/>
+            <a:ext cx="619801" cy="585788"/>
+          </a:xfrm>
+          <a:prstGeom prst="rect">
+            <a:avLst/>
+          </a:prstGeom>
+        </p:spPr>
+      </p:pic>
+      <p:pic>
+        <p:nvPicPr>
+          <p:cNvPr id="28" name="Picture 27"/>
+          <p:cNvPicPr>
+            <a:picLocks noChangeAspect="1"/>
+          </p:cNvPicPr>
+          <p:nvPr/>
+        </p:nvPicPr>
+        <p:blipFill>
+          <a:blip r:embed="rId4">
+            <a:extLst>
+              <a:ext uri="{28A0092B-C50C-407E-A947-70E740481C1C}">
+                <a14:useLocalDpi xmlns:a14="http://schemas.microsoft.com/office/drawing/2010/main" val="0"/>
+              </a:ext>
+            </a:extLst>
+          </a:blip>
+          <a:stretch>
+            <a:fillRect/>
+          </a:stretch>
+        </p:blipFill>
+        <p:spPr>
+          <a:xfrm>
+            <a:off x="762000" y="4309082"/>
+            <a:ext cx="616164" cy="633769"/>
+          </a:xfrm>
+          <a:prstGeom prst="rect">
+            <a:avLst/>
+          </a:prstGeom>
+        </p:spPr>
+      </p:pic>
     </p:spTree>
     <p:extLst>
       <p:ext uri="{BB962C8B-B14F-4D97-AF65-F5344CB8AC3E}">
@@ -28092,11 +28208,2992 @@
   <p:clrMapOvr>
     <a:masterClrMapping/>
   </p:clrMapOvr>
-  <mc:AlternateContent xmlns:mc="http://schemas.openxmlformats.org/markup-compatibility/2006">
-    <mc:Choice xmlns:p14="http://schemas.microsoft.com/office/powerpoint/2010/main" Requires="p14">
+  <mc:AlternateContent xmlns:mc="http://schemas.openxmlformats.org/markup-compatibility/2006" xmlns:p14="http://schemas.microsoft.com/office/powerpoint/2010/main">
+    <mc:Choice Requires="p14">
       <p:transition p14:dur="0"/>
     </mc:Choice>
-    <mc:Fallback>
+    <mc:Fallback xmlns="">
+      <p:transition/>
+    </mc:Fallback>
+  </mc:AlternateContent>
+  <p:timing>
+    <p:tnLst>
+      <p:par>
+        <p:cTn id="1" dur="indefinite" restart="never" nodeType="tmRoot"/>
+      </p:par>
+    </p:tnLst>
+  </p:timing>
+</p:sld>
+</file>
+
+<file path=ppt/slides/slide35.xml><?xml version="1.0" encoding="utf-8"?>
+<p:sld xmlns:a="http://schemas.openxmlformats.org/drawingml/2006/main" xmlns:r="http://schemas.openxmlformats.org/officeDocument/2006/relationships" xmlns:p="http://schemas.openxmlformats.org/presentationml/2006/main">
+  <p:cSld>
+    <p:spTree>
+      <p:nvGrpSpPr>
+        <p:cNvPr id="1" name=""/>
+        <p:cNvGrpSpPr/>
+        <p:nvPr/>
+      </p:nvGrpSpPr>
+      <p:grpSpPr>
+        <a:xfrm>
+          <a:off x="0" y="0"/>
+          <a:ext cx="0" cy="0"/>
+          <a:chOff x="0" y="0"/>
+          <a:chExt cx="0" cy="0"/>
+        </a:xfrm>
+      </p:grpSpPr>
+      <p:sp>
+        <p:nvSpPr>
+          <p:cNvPr id="3" name="Title 2"/>
+          <p:cNvSpPr>
+            <a:spLocks noGrp="1"/>
+          </p:cNvSpPr>
+          <p:nvPr>
+            <p:ph type="title"/>
+          </p:nvPr>
+        </p:nvSpPr>
+        <p:spPr>
+          <a:xfrm>
+            <a:off x="76200" y="228600"/>
+            <a:ext cx="8991600" cy="685800"/>
+          </a:xfrm>
+        </p:spPr>
+        <p:txBody>
+          <a:bodyPr>
+            <a:noAutofit/>
+          </a:bodyPr>
+          <a:lstStyle/>
+          <a:p>
+            <a:pPr algn="ctr"/>
+            <a:r>
+              <a:rPr lang="en-US" sz="4300" cap="none" dirty="0" smtClean="0">
+                <a:effectLst>
+                  <a:outerShdw blurRad="38100" dist="38100" dir="2700000" algn="tl">
+                    <a:srgbClr val="000000">
+                      <a:alpha val="43137"/>
+                    </a:srgbClr>
+                  </a:outerShdw>
+                </a:effectLst>
+                <a:latin typeface="Britannic Bold" pitchFamily="34" charset="0"/>
+              </a:rPr>
+              <a:t>Messaging Patterns</a:t>
+            </a:r>
+            <a:endParaRPr lang="en-US" sz="4300" cap="none" dirty="0">
+              <a:effectLst>
+                <a:outerShdw blurRad="38100" dist="38100" dir="2700000" algn="tl">
+                  <a:srgbClr val="000000">
+                    <a:alpha val="43137"/>
+                  </a:srgbClr>
+                </a:outerShdw>
+              </a:effectLst>
+              <a:latin typeface="Britannic Bold" pitchFamily="34" charset="0"/>
+            </a:endParaRPr>
+          </a:p>
+        </p:txBody>
+      </p:sp>
+      <p:pic>
+        <p:nvPicPr>
+          <p:cNvPr id="35" name="Picture 6" descr="http://www.microbot.it/images/ebay/Netduino%20Plus.jpg"/>
+          <p:cNvPicPr>
+            <a:picLocks noChangeAspect="1" noChangeArrowheads="1"/>
+          </p:cNvPicPr>
+          <p:nvPr/>
+        </p:nvPicPr>
+        <p:blipFill rotWithShape="1">
+          <a:blip r:embed="rId2" cstate="print">
+            <a:extLst>
+              <a:ext uri="{28A0092B-C50C-407E-A947-70E740481C1C}">
+                <a14:useLocalDpi xmlns:a14="http://schemas.microsoft.com/office/drawing/2010/main" val="0"/>
+              </a:ext>
+            </a:extLst>
+          </a:blip>
+          <a:srcRect l="49703" t="3223" r="7447" b="50119"/>
+          <a:stretch/>
+        </p:blipFill>
+        <p:spPr bwMode="auto">
+          <a:xfrm>
+            <a:off x="1219200" y="1828800"/>
+            <a:ext cx="745875" cy="609600"/>
+          </a:xfrm>
+          <a:prstGeom prst="rect">
+            <a:avLst/>
+          </a:prstGeom>
+          <a:noFill/>
+          <a:extLst>
+            <a:ext uri="{909E8E84-426E-40DD-AFC4-6F175D3DCCD1}">
+              <a14:hiddenFill xmlns:a14="http://schemas.microsoft.com/office/drawing/2010/main">
+                <a:solidFill>
+                  <a:srgbClr val="FFFFFF"/>
+                </a:solidFill>
+              </a14:hiddenFill>
+            </a:ext>
+          </a:extLst>
+        </p:spPr>
+      </p:pic>
+      <p:pic>
+        <p:nvPicPr>
+          <p:cNvPr id="36" name="Picture 6" descr="http://www.microbot.it/images/ebay/Netduino%20Plus.jpg"/>
+          <p:cNvPicPr>
+            <a:picLocks noChangeAspect="1" noChangeArrowheads="1"/>
+          </p:cNvPicPr>
+          <p:nvPr/>
+        </p:nvPicPr>
+        <p:blipFill rotWithShape="1">
+          <a:blip r:embed="rId2" cstate="print">
+            <a:extLst>
+              <a:ext uri="{28A0092B-C50C-407E-A947-70E740481C1C}">
+                <a14:useLocalDpi xmlns:a14="http://schemas.microsoft.com/office/drawing/2010/main" val="0"/>
+              </a:ext>
+            </a:extLst>
+          </a:blip>
+          <a:srcRect l="49703" t="3223" r="7447" b="50119"/>
+          <a:stretch/>
+        </p:blipFill>
+        <p:spPr bwMode="auto">
+          <a:xfrm>
+            <a:off x="1228165" y="3567953"/>
+            <a:ext cx="745875" cy="609600"/>
+          </a:xfrm>
+          <a:prstGeom prst="rect">
+            <a:avLst/>
+          </a:prstGeom>
+          <a:noFill/>
+          <a:extLst>
+            <a:ext uri="{909E8E84-426E-40DD-AFC4-6F175D3DCCD1}">
+              <a14:hiddenFill xmlns:a14="http://schemas.microsoft.com/office/drawing/2010/main">
+                <a:solidFill>
+                  <a:srgbClr val="FFFFFF"/>
+                </a:solidFill>
+              </a14:hiddenFill>
+            </a:ext>
+          </a:extLst>
+        </p:spPr>
+      </p:pic>
+      <p:sp>
+        <p:nvSpPr>
+          <p:cNvPr id="37" name="Rectangle 36"/>
+          <p:cNvSpPr/>
+          <p:nvPr/>
+        </p:nvSpPr>
+        <p:spPr>
+          <a:xfrm>
+            <a:off x="4000500" y="2554395"/>
+            <a:ext cx="1066800" cy="1064294"/>
+          </a:xfrm>
+          <a:prstGeom prst="rect">
+            <a:avLst/>
+          </a:prstGeom>
+        </p:spPr>
+        <p:style>
+          <a:lnRef idx="2">
+            <a:schemeClr val="accent1">
+              <a:shade val="50000"/>
+            </a:schemeClr>
+          </a:lnRef>
+          <a:fillRef idx="1">
+            <a:schemeClr val="accent1"/>
+          </a:fillRef>
+          <a:effectRef idx="0">
+            <a:schemeClr val="accent1"/>
+          </a:effectRef>
+          <a:fontRef idx="minor">
+            <a:schemeClr val="lt1"/>
+          </a:fontRef>
+        </p:style>
+        <p:txBody>
+          <a:bodyPr rtlCol="0" anchor="ctr"/>
+          <a:lstStyle/>
+          <a:p>
+            <a:pPr algn="ctr"/>
+            <a:endParaRPr lang="en-US" dirty="0"/>
+          </a:p>
+        </p:txBody>
+      </p:sp>
+      <p:sp>
+        <p:nvSpPr>
+          <p:cNvPr id="38" name="TextBox 37"/>
+          <p:cNvSpPr txBox="1"/>
+          <p:nvPr/>
+        </p:nvSpPr>
+        <p:spPr>
+          <a:xfrm>
+            <a:off x="3886200" y="2763377"/>
+            <a:ext cx="1295400" cy="646331"/>
+          </a:xfrm>
+          <a:prstGeom prst="rect">
+            <a:avLst/>
+          </a:prstGeom>
+          <a:noFill/>
+        </p:spPr>
+        <p:txBody>
+          <a:bodyPr wrap="square" rtlCol="0">
+            <a:spAutoFit/>
+          </a:bodyPr>
+          <a:lstStyle/>
+          <a:p>
+            <a:pPr algn="ctr"/>
+            <a:r>
+              <a:rPr lang="en-US" dirty="0" smtClean="0">
+                <a:latin typeface="Britannic Bold" pitchFamily="34" charset="0"/>
+              </a:rPr>
+              <a:t>MQTT</a:t>
+            </a:r>
+          </a:p>
+          <a:p>
+            <a:pPr algn="ctr"/>
+            <a:r>
+              <a:rPr lang="en-US" dirty="0" smtClean="0">
+                <a:latin typeface="Britannic Bold" pitchFamily="34" charset="0"/>
+              </a:rPr>
+              <a:t>Broker</a:t>
+            </a:r>
+            <a:endParaRPr lang="en-US" dirty="0">
+              <a:latin typeface="Britannic Bold" pitchFamily="34" charset="0"/>
+            </a:endParaRPr>
+          </a:p>
+        </p:txBody>
+      </p:sp>
+      <p:sp>
+        <p:nvSpPr>
+          <p:cNvPr id="7" name="Rectangle 6"/>
+          <p:cNvSpPr/>
+          <p:nvPr/>
+        </p:nvSpPr>
+        <p:spPr>
+          <a:xfrm>
+            <a:off x="6972300" y="2554395"/>
+            <a:ext cx="1066800" cy="1064294"/>
+          </a:xfrm>
+          <a:prstGeom prst="rect">
+            <a:avLst/>
+          </a:prstGeom>
+        </p:spPr>
+        <p:style>
+          <a:lnRef idx="2">
+            <a:schemeClr val="accent1">
+              <a:shade val="50000"/>
+            </a:schemeClr>
+          </a:lnRef>
+          <a:fillRef idx="1">
+            <a:schemeClr val="accent1"/>
+          </a:fillRef>
+          <a:effectRef idx="0">
+            <a:schemeClr val="accent1"/>
+          </a:effectRef>
+          <a:fontRef idx="minor">
+            <a:schemeClr val="lt1"/>
+          </a:fontRef>
+        </p:style>
+        <p:txBody>
+          <a:bodyPr rtlCol="0" anchor="ctr"/>
+          <a:lstStyle/>
+          <a:p>
+            <a:pPr algn="ctr"/>
+            <a:endParaRPr lang="en-US" dirty="0"/>
+          </a:p>
+        </p:txBody>
+      </p:sp>
+      <p:sp>
+        <p:nvSpPr>
+          <p:cNvPr id="8" name="TextBox 7"/>
+          <p:cNvSpPr txBox="1"/>
+          <p:nvPr/>
+        </p:nvSpPr>
+        <p:spPr>
+          <a:xfrm>
+            <a:off x="6858000" y="2763377"/>
+            <a:ext cx="1295400" cy="646331"/>
+          </a:xfrm>
+          <a:prstGeom prst="rect">
+            <a:avLst/>
+          </a:prstGeom>
+          <a:noFill/>
+        </p:spPr>
+        <p:txBody>
+          <a:bodyPr wrap="square" rtlCol="0">
+            <a:spAutoFit/>
+          </a:bodyPr>
+          <a:lstStyle/>
+          <a:p>
+            <a:pPr algn="ctr"/>
+            <a:r>
+              <a:rPr lang="en-US" dirty="0" smtClean="0">
+                <a:latin typeface="Britannic Bold" pitchFamily="34" charset="0"/>
+              </a:rPr>
+              <a:t>Message</a:t>
+            </a:r>
+            <a:endParaRPr lang="en-US" dirty="0" smtClean="0">
+              <a:latin typeface="Britannic Bold" pitchFamily="34" charset="0"/>
+            </a:endParaRPr>
+          </a:p>
+          <a:p>
+            <a:pPr algn="ctr"/>
+            <a:r>
+              <a:rPr lang="en-US" dirty="0" smtClean="0">
+                <a:latin typeface="Britannic Bold" pitchFamily="34" charset="0"/>
+              </a:rPr>
+              <a:t>Router</a:t>
+            </a:r>
+            <a:endParaRPr lang="en-US" dirty="0">
+              <a:latin typeface="Britannic Bold" pitchFamily="34" charset="0"/>
+            </a:endParaRPr>
+          </a:p>
+        </p:txBody>
+      </p:sp>
+      <p:sp>
+        <p:nvSpPr>
+          <p:cNvPr id="20" name="TextBox 19"/>
+          <p:cNvSpPr txBox="1"/>
+          <p:nvPr/>
+        </p:nvSpPr>
+        <p:spPr>
+          <a:xfrm rot="20673659">
+            <a:off x="2429365" y="3668284"/>
+            <a:ext cx="1322926" cy="307777"/>
+          </a:xfrm>
+          <a:prstGeom prst="rect">
+            <a:avLst/>
+          </a:prstGeom>
+          <a:noFill/>
+        </p:spPr>
+        <p:txBody>
+          <a:bodyPr wrap="none" rtlCol="0">
+            <a:spAutoFit/>
+          </a:bodyPr>
+          <a:lstStyle/>
+          <a:p>
+            <a:r>
+              <a:rPr lang="en-US" sz="1400" b="1" i="1" dirty="0" smtClean="0">
+                <a:solidFill>
+                  <a:schemeClr val="tx2"/>
+                </a:solidFill>
+              </a:rPr>
+              <a:t>Subscribe DO/0</a:t>
+            </a:r>
+            <a:endParaRPr lang="en-US" sz="1400" b="1" i="1" dirty="0">
+              <a:solidFill>
+                <a:schemeClr val="tx2"/>
+              </a:solidFill>
+            </a:endParaRPr>
+          </a:p>
+        </p:txBody>
+      </p:sp>
+      <p:cxnSp>
+        <p:nvCxnSpPr>
+          <p:cNvPr id="21" name="Straight Arrow Connector 20"/>
+          <p:cNvCxnSpPr/>
+          <p:nvPr/>
+        </p:nvCxnSpPr>
+        <p:spPr>
+          <a:xfrm flipV="1">
+            <a:off x="5079284" y="2771397"/>
+            <a:ext cx="1881032" cy="12443"/>
+          </a:xfrm>
+          <a:prstGeom prst="straightConnector1">
+            <a:avLst/>
+          </a:prstGeom>
+          <a:ln w="15875">
+            <a:solidFill>
+              <a:srgbClr val="FF0000"/>
+            </a:solidFill>
+            <a:headEnd type="triangle"/>
+            <a:tailEnd type="none" w="lg" len="lg"/>
+          </a:ln>
+        </p:spPr>
+        <p:style>
+          <a:lnRef idx="1">
+            <a:schemeClr val="accent1"/>
+          </a:lnRef>
+          <a:fillRef idx="0">
+            <a:schemeClr val="accent1"/>
+          </a:fillRef>
+          <a:effectRef idx="0">
+            <a:schemeClr val="accent1"/>
+          </a:effectRef>
+          <a:fontRef idx="minor">
+            <a:schemeClr val="tx1"/>
+          </a:fontRef>
+        </p:style>
+      </p:cxnSp>
+      <p:cxnSp>
+        <p:nvCxnSpPr>
+          <p:cNvPr id="29" name="Straight Arrow Connector 28"/>
+          <p:cNvCxnSpPr/>
+          <p:nvPr/>
+        </p:nvCxnSpPr>
+        <p:spPr>
+          <a:xfrm flipH="1">
+            <a:off x="2057400" y="3376969"/>
+            <a:ext cx="1943100" cy="495784"/>
+          </a:xfrm>
+          <a:prstGeom prst="straightConnector1">
+            <a:avLst/>
+          </a:prstGeom>
+          <a:ln w="15875">
+            <a:solidFill>
+              <a:srgbClr val="FF0000"/>
+            </a:solidFill>
+            <a:headEnd type="triangle" w="lg" len="lg"/>
+            <a:tailEnd type="none" w="sm" len="med"/>
+          </a:ln>
+        </p:spPr>
+        <p:style>
+          <a:lnRef idx="1">
+            <a:schemeClr val="accent1"/>
+          </a:lnRef>
+          <a:fillRef idx="0">
+            <a:schemeClr val="accent1"/>
+          </a:fillRef>
+          <a:effectRef idx="0">
+            <a:schemeClr val="accent1"/>
+          </a:effectRef>
+          <a:fontRef idx="minor">
+            <a:schemeClr val="tx1"/>
+          </a:fontRef>
+        </p:style>
+      </p:cxnSp>
+      <p:pic>
+        <p:nvPicPr>
+          <p:cNvPr id="27" name="Picture 26"/>
+          <p:cNvPicPr>
+            <a:picLocks noChangeAspect="1"/>
+          </p:cNvPicPr>
+          <p:nvPr/>
+        </p:nvPicPr>
+        <p:blipFill>
+          <a:blip r:embed="rId3" cstate="print">
+            <a:extLst>
+              <a:ext uri="{28A0092B-C50C-407E-A947-70E740481C1C}">
+                <a14:useLocalDpi xmlns:a14="http://schemas.microsoft.com/office/drawing/2010/main" val="0"/>
+              </a:ext>
+            </a:extLst>
+          </a:blip>
+          <a:stretch>
+            <a:fillRect/>
+          </a:stretch>
+        </p:blipFill>
+        <p:spPr>
+          <a:xfrm>
+            <a:off x="685800" y="1114565"/>
+            <a:ext cx="619801" cy="585788"/>
+          </a:xfrm>
+          <a:prstGeom prst="rect">
+            <a:avLst/>
+          </a:prstGeom>
+        </p:spPr>
+      </p:pic>
+      <p:pic>
+        <p:nvPicPr>
+          <p:cNvPr id="28" name="Picture 27"/>
+          <p:cNvPicPr>
+            <a:picLocks noChangeAspect="1"/>
+          </p:cNvPicPr>
+          <p:nvPr/>
+        </p:nvPicPr>
+        <p:blipFill>
+          <a:blip r:embed="rId4">
+            <a:extLst>
+              <a:ext uri="{28A0092B-C50C-407E-A947-70E740481C1C}">
+                <a14:useLocalDpi xmlns:a14="http://schemas.microsoft.com/office/drawing/2010/main" val="0"/>
+              </a:ext>
+            </a:extLst>
+          </a:blip>
+          <a:stretch>
+            <a:fillRect/>
+          </a:stretch>
+        </p:blipFill>
+        <p:spPr>
+          <a:xfrm>
+            <a:off x="762000" y="4309082"/>
+            <a:ext cx="616164" cy="633769"/>
+          </a:xfrm>
+          <a:prstGeom prst="rect">
+            <a:avLst/>
+          </a:prstGeom>
+        </p:spPr>
+      </p:pic>
+      <p:sp>
+        <p:nvSpPr>
+          <p:cNvPr id="39" name="TextBox 38"/>
+          <p:cNvSpPr txBox="1"/>
+          <p:nvPr/>
+        </p:nvSpPr>
+        <p:spPr>
+          <a:xfrm>
+            <a:off x="5312661" y="2438400"/>
+            <a:ext cx="1253869" cy="307777"/>
+          </a:xfrm>
+          <a:prstGeom prst="rect">
+            <a:avLst/>
+          </a:prstGeom>
+          <a:noFill/>
+        </p:spPr>
+        <p:txBody>
+          <a:bodyPr wrap="none" rtlCol="0">
+            <a:spAutoFit/>
+          </a:bodyPr>
+          <a:lstStyle/>
+          <a:p>
+            <a:r>
+              <a:rPr lang="en-US" sz="1400" b="1" i="1" dirty="0" smtClean="0">
+                <a:solidFill>
+                  <a:schemeClr val="tx2"/>
+                </a:solidFill>
+              </a:rPr>
+              <a:t>Subscribe </a:t>
+            </a:r>
+            <a:r>
+              <a:rPr lang="en-US" sz="1400" b="1" i="1" dirty="0" smtClean="0">
+                <a:solidFill>
+                  <a:schemeClr val="tx2"/>
+                </a:solidFill>
+              </a:rPr>
+              <a:t>DI</a:t>
+            </a:r>
+            <a:r>
+              <a:rPr lang="en-US" sz="1400" b="1" i="1" dirty="0" smtClean="0">
+                <a:solidFill>
+                  <a:schemeClr val="tx2"/>
+                </a:solidFill>
+              </a:rPr>
+              <a:t>/0</a:t>
+            </a:r>
+            <a:endParaRPr lang="en-US" sz="1400" b="1" i="1" dirty="0">
+              <a:solidFill>
+                <a:schemeClr val="tx2"/>
+              </a:solidFill>
+            </a:endParaRPr>
+          </a:p>
+        </p:txBody>
+      </p:sp>
+    </p:spTree>
+    <p:extLst>
+      <p:ext uri="{BB962C8B-B14F-4D97-AF65-F5344CB8AC3E}">
+        <p14:creationId xmlns:p14="http://schemas.microsoft.com/office/powerpoint/2010/main" val="2029245025"/>
+      </p:ext>
+    </p:extLst>
+  </p:cSld>
+  <p:clrMapOvr>
+    <a:masterClrMapping/>
+  </p:clrMapOvr>
+  <mc:AlternateContent xmlns:mc="http://schemas.openxmlformats.org/markup-compatibility/2006" xmlns:p14="http://schemas.microsoft.com/office/powerpoint/2010/main">
+    <mc:Choice Requires="p14">
+      <p:transition p14:dur="0"/>
+    </mc:Choice>
+    <mc:Fallback xmlns="">
+      <p:transition/>
+    </mc:Fallback>
+  </mc:AlternateContent>
+  <p:timing>
+    <p:tnLst>
+      <p:par>
+        <p:cTn id="1" dur="indefinite" restart="never" nodeType="tmRoot"/>
+      </p:par>
+    </p:tnLst>
+  </p:timing>
+</p:sld>
+</file>
+
+<file path=ppt/slides/slide36.xml><?xml version="1.0" encoding="utf-8"?>
+<p:sld xmlns:a="http://schemas.openxmlformats.org/drawingml/2006/main" xmlns:r="http://schemas.openxmlformats.org/officeDocument/2006/relationships" xmlns:p="http://schemas.openxmlformats.org/presentationml/2006/main">
+  <p:cSld>
+    <p:spTree>
+      <p:nvGrpSpPr>
+        <p:cNvPr id="1" name=""/>
+        <p:cNvGrpSpPr/>
+        <p:nvPr/>
+      </p:nvGrpSpPr>
+      <p:grpSpPr>
+        <a:xfrm>
+          <a:off x="0" y="0"/>
+          <a:ext cx="0" cy="0"/>
+          <a:chOff x="0" y="0"/>
+          <a:chExt cx="0" cy="0"/>
+        </a:xfrm>
+      </p:grpSpPr>
+      <p:sp>
+        <p:nvSpPr>
+          <p:cNvPr id="3" name="Title 2"/>
+          <p:cNvSpPr>
+            <a:spLocks noGrp="1"/>
+          </p:cNvSpPr>
+          <p:nvPr>
+            <p:ph type="title"/>
+          </p:nvPr>
+        </p:nvSpPr>
+        <p:spPr>
+          <a:xfrm>
+            <a:off x="76200" y="228600"/>
+            <a:ext cx="8991600" cy="685800"/>
+          </a:xfrm>
+        </p:spPr>
+        <p:txBody>
+          <a:bodyPr>
+            <a:noAutofit/>
+          </a:bodyPr>
+          <a:lstStyle/>
+          <a:p>
+            <a:pPr algn="ctr"/>
+            <a:r>
+              <a:rPr lang="en-US" sz="4300" cap="none" dirty="0" smtClean="0">
+                <a:effectLst>
+                  <a:outerShdw blurRad="38100" dist="38100" dir="2700000" algn="tl">
+                    <a:srgbClr val="000000">
+                      <a:alpha val="43137"/>
+                    </a:srgbClr>
+                  </a:outerShdw>
+                </a:effectLst>
+                <a:latin typeface="Britannic Bold" pitchFamily="34" charset="0"/>
+              </a:rPr>
+              <a:t>Messaging Patterns</a:t>
+            </a:r>
+            <a:endParaRPr lang="en-US" sz="4300" cap="none" dirty="0">
+              <a:effectLst>
+                <a:outerShdw blurRad="38100" dist="38100" dir="2700000" algn="tl">
+                  <a:srgbClr val="000000">
+                    <a:alpha val="43137"/>
+                  </a:srgbClr>
+                </a:outerShdw>
+              </a:effectLst>
+              <a:latin typeface="Britannic Bold" pitchFamily="34" charset="0"/>
+            </a:endParaRPr>
+          </a:p>
+        </p:txBody>
+      </p:sp>
+      <p:pic>
+        <p:nvPicPr>
+          <p:cNvPr id="35" name="Picture 6" descr="http://www.microbot.it/images/ebay/Netduino%20Plus.jpg"/>
+          <p:cNvPicPr>
+            <a:picLocks noChangeAspect="1" noChangeArrowheads="1"/>
+          </p:cNvPicPr>
+          <p:nvPr/>
+        </p:nvPicPr>
+        <p:blipFill rotWithShape="1">
+          <a:blip r:embed="rId2" cstate="print">
+            <a:extLst>
+              <a:ext uri="{28A0092B-C50C-407E-A947-70E740481C1C}">
+                <a14:useLocalDpi xmlns:a14="http://schemas.microsoft.com/office/drawing/2010/main" val="0"/>
+              </a:ext>
+            </a:extLst>
+          </a:blip>
+          <a:srcRect l="49703" t="3223" r="7447" b="50119"/>
+          <a:stretch/>
+        </p:blipFill>
+        <p:spPr bwMode="auto">
+          <a:xfrm>
+            <a:off x="1219200" y="1828800"/>
+            <a:ext cx="745875" cy="609600"/>
+          </a:xfrm>
+          <a:prstGeom prst="rect">
+            <a:avLst/>
+          </a:prstGeom>
+          <a:noFill/>
+          <a:extLst>
+            <a:ext uri="{909E8E84-426E-40DD-AFC4-6F175D3DCCD1}">
+              <a14:hiddenFill xmlns:a14="http://schemas.microsoft.com/office/drawing/2010/main">
+                <a:solidFill>
+                  <a:srgbClr val="FFFFFF"/>
+                </a:solidFill>
+              </a14:hiddenFill>
+            </a:ext>
+          </a:extLst>
+        </p:spPr>
+      </p:pic>
+      <p:pic>
+        <p:nvPicPr>
+          <p:cNvPr id="36" name="Picture 6" descr="http://www.microbot.it/images/ebay/Netduino%20Plus.jpg"/>
+          <p:cNvPicPr>
+            <a:picLocks noChangeAspect="1" noChangeArrowheads="1"/>
+          </p:cNvPicPr>
+          <p:nvPr/>
+        </p:nvPicPr>
+        <p:blipFill rotWithShape="1">
+          <a:blip r:embed="rId2" cstate="print">
+            <a:extLst>
+              <a:ext uri="{28A0092B-C50C-407E-A947-70E740481C1C}">
+                <a14:useLocalDpi xmlns:a14="http://schemas.microsoft.com/office/drawing/2010/main" val="0"/>
+              </a:ext>
+            </a:extLst>
+          </a:blip>
+          <a:srcRect l="49703" t="3223" r="7447" b="50119"/>
+          <a:stretch/>
+        </p:blipFill>
+        <p:spPr bwMode="auto">
+          <a:xfrm>
+            <a:off x="1228165" y="3567953"/>
+            <a:ext cx="745875" cy="609600"/>
+          </a:xfrm>
+          <a:prstGeom prst="rect">
+            <a:avLst/>
+          </a:prstGeom>
+          <a:noFill/>
+          <a:extLst>
+            <a:ext uri="{909E8E84-426E-40DD-AFC4-6F175D3DCCD1}">
+              <a14:hiddenFill xmlns:a14="http://schemas.microsoft.com/office/drawing/2010/main">
+                <a:solidFill>
+                  <a:srgbClr val="FFFFFF"/>
+                </a:solidFill>
+              </a14:hiddenFill>
+            </a:ext>
+          </a:extLst>
+        </p:spPr>
+      </p:pic>
+      <p:sp>
+        <p:nvSpPr>
+          <p:cNvPr id="37" name="Rectangle 36"/>
+          <p:cNvSpPr/>
+          <p:nvPr/>
+        </p:nvSpPr>
+        <p:spPr>
+          <a:xfrm>
+            <a:off x="4000500" y="2554395"/>
+            <a:ext cx="1066800" cy="1064294"/>
+          </a:xfrm>
+          <a:prstGeom prst="rect">
+            <a:avLst/>
+          </a:prstGeom>
+        </p:spPr>
+        <p:style>
+          <a:lnRef idx="2">
+            <a:schemeClr val="accent1">
+              <a:shade val="50000"/>
+            </a:schemeClr>
+          </a:lnRef>
+          <a:fillRef idx="1">
+            <a:schemeClr val="accent1"/>
+          </a:fillRef>
+          <a:effectRef idx="0">
+            <a:schemeClr val="accent1"/>
+          </a:effectRef>
+          <a:fontRef idx="minor">
+            <a:schemeClr val="lt1"/>
+          </a:fontRef>
+        </p:style>
+        <p:txBody>
+          <a:bodyPr rtlCol="0" anchor="ctr"/>
+          <a:lstStyle/>
+          <a:p>
+            <a:pPr algn="ctr"/>
+            <a:endParaRPr lang="en-US" dirty="0"/>
+          </a:p>
+        </p:txBody>
+      </p:sp>
+      <p:sp>
+        <p:nvSpPr>
+          <p:cNvPr id="38" name="TextBox 37"/>
+          <p:cNvSpPr txBox="1"/>
+          <p:nvPr/>
+        </p:nvSpPr>
+        <p:spPr>
+          <a:xfrm>
+            <a:off x="3886200" y="2763377"/>
+            <a:ext cx="1295400" cy="646331"/>
+          </a:xfrm>
+          <a:prstGeom prst="rect">
+            <a:avLst/>
+          </a:prstGeom>
+          <a:noFill/>
+        </p:spPr>
+        <p:txBody>
+          <a:bodyPr wrap="square" rtlCol="0">
+            <a:spAutoFit/>
+          </a:bodyPr>
+          <a:lstStyle/>
+          <a:p>
+            <a:pPr algn="ctr"/>
+            <a:r>
+              <a:rPr lang="en-US" dirty="0" smtClean="0">
+                <a:latin typeface="Britannic Bold" pitchFamily="34" charset="0"/>
+              </a:rPr>
+              <a:t>MQTT</a:t>
+            </a:r>
+          </a:p>
+          <a:p>
+            <a:pPr algn="ctr"/>
+            <a:r>
+              <a:rPr lang="en-US" dirty="0" smtClean="0">
+                <a:latin typeface="Britannic Bold" pitchFamily="34" charset="0"/>
+              </a:rPr>
+              <a:t>Broker</a:t>
+            </a:r>
+            <a:endParaRPr lang="en-US" dirty="0">
+              <a:latin typeface="Britannic Bold" pitchFamily="34" charset="0"/>
+            </a:endParaRPr>
+          </a:p>
+        </p:txBody>
+      </p:sp>
+      <p:sp>
+        <p:nvSpPr>
+          <p:cNvPr id="7" name="Rectangle 6"/>
+          <p:cNvSpPr/>
+          <p:nvPr/>
+        </p:nvSpPr>
+        <p:spPr>
+          <a:xfrm>
+            <a:off x="6972300" y="2554395"/>
+            <a:ext cx="1066800" cy="1064294"/>
+          </a:xfrm>
+          <a:prstGeom prst="rect">
+            <a:avLst/>
+          </a:prstGeom>
+        </p:spPr>
+        <p:style>
+          <a:lnRef idx="2">
+            <a:schemeClr val="accent1">
+              <a:shade val="50000"/>
+            </a:schemeClr>
+          </a:lnRef>
+          <a:fillRef idx="1">
+            <a:schemeClr val="accent1"/>
+          </a:fillRef>
+          <a:effectRef idx="0">
+            <a:schemeClr val="accent1"/>
+          </a:effectRef>
+          <a:fontRef idx="minor">
+            <a:schemeClr val="lt1"/>
+          </a:fontRef>
+        </p:style>
+        <p:txBody>
+          <a:bodyPr rtlCol="0" anchor="ctr"/>
+          <a:lstStyle/>
+          <a:p>
+            <a:pPr algn="ctr"/>
+            <a:endParaRPr lang="en-US" dirty="0"/>
+          </a:p>
+        </p:txBody>
+      </p:sp>
+      <p:sp>
+        <p:nvSpPr>
+          <p:cNvPr id="8" name="TextBox 7"/>
+          <p:cNvSpPr txBox="1"/>
+          <p:nvPr/>
+        </p:nvSpPr>
+        <p:spPr>
+          <a:xfrm>
+            <a:off x="6858000" y="2763377"/>
+            <a:ext cx="1295400" cy="646331"/>
+          </a:xfrm>
+          <a:prstGeom prst="rect">
+            <a:avLst/>
+          </a:prstGeom>
+          <a:noFill/>
+        </p:spPr>
+        <p:txBody>
+          <a:bodyPr wrap="square" rtlCol="0">
+            <a:spAutoFit/>
+          </a:bodyPr>
+          <a:lstStyle/>
+          <a:p>
+            <a:pPr algn="ctr"/>
+            <a:r>
+              <a:rPr lang="en-US" dirty="0" smtClean="0">
+                <a:latin typeface="Britannic Bold" pitchFamily="34" charset="0"/>
+              </a:rPr>
+              <a:t>Message</a:t>
+            </a:r>
+            <a:endParaRPr lang="en-US" dirty="0" smtClean="0">
+              <a:latin typeface="Britannic Bold" pitchFamily="34" charset="0"/>
+            </a:endParaRPr>
+          </a:p>
+          <a:p>
+            <a:pPr algn="ctr"/>
+            <a:r>
+              <a:rPr lang="en-US" dirty="0" smtClean="0">
+                <a:latin typeface="Britannic Bold" pitchFamily="34" charset="0"/>
+              </a:rPr>
+              <a:t>Router</a:t>
+            </a:r>
+            <a:endParaRPr lang="en-US" dirty="0">
+              <a:latin typeface="Britannic Bold" pitchFamily="34" charset="0"/>
+            </a:endParaRPr>
+          </a:p>
+        </p:txBody>
+      </p:sp>
+      <p:cxnSp>
+        <p:nvCxnSpPr>
+          <p:cNvPr id="11" name="Straight Arrow Connector 10"/>
+          <p:cNvCxnSpPr/>
+          <p:nvPr/>
+        </p:nvCxnSpPr>
+        <p:spPr>
+          <a:xfrm>
+            <a:off x="2057400" y="2133600"/>
+            <a:ext cx="1915763" cy="780324"/>
+          </a:xfrm>
+          <a:prstGeom prst="straightConnector1">
+            <a:avLst/>
+          </a:prstGeom>
+          <a:ln w="15875">
+            <a:solidFill>
+              <a:srgbClr val="FF0000"/>
+            </a:solidFill>
+            <a:tailEnd type="triangle" w="lg" len="lg"/>
+          </a:ln>
+        </p:spPr>
+        <p:style>
+          <a:lnRef idx="1">
+            <a:schemeClr val="accent1"/>
+          </a:lnRef>
+          <a:fillRef idx="0">
+            <a:schemeClr val="accent1"/>
+          </a:fillRef>
+          <a:effectRef idx="0">
+            <a:schemeClr val="accent1"/>
+          </a:effectRef>
+          <a:fontRef idx="minor">
+            <a:schemeClr val="tx1"/>
+          </a:fontRef>
+        </p:style>
+      </p:cxnSp>
+      <p:pic>
+        <p:nvPicPr>
+          <p:cNvPr id="27" name="Picture 26"/>
+          <p:cNvPicPr>
+            <a:picLocks noChangeAspect="1"/>
+          </p:cNvPicPr>
+          <p:nvPr/>
+        </p:nvPicPr>
+        <p:blipFill>
+          <a:blip r:embed="rId3" cstate="print">
+            <a:extLst>
+              <a:ext uri="{28A0092B-C50C-407E-A947-70E740481C1C}">
+                <a14:useLocalDpi xmlns:a14="http://schemas.microsoft.com/office/drawing/2010/main" val="0"/>
+              </a:ext>
+            </a:extLst>
+          </a:blip>
+          <a:stretch>
+            <a:fillRect/>
+          </a:stretch>
+        </p:blipFill>
+        <p:spPr>
+          <a:xfrm>
+            <a:off x="685800" y="1114565"/>
+            <a:ext cx="619801" cy="585788"/>
+          </a:xfrm>
+          <a:prstGeom prst="rect">
+            <a:avLst/>
+          </a:prstGeom>
+        </p:spPr>
+      </p:pic>
+      <p:pic>
+        <p:nvPicPr>
+          <p:cNvPr id="28" name="Picture 27"/>
+          <p:cNvPicPr>
+            <a:picLocks noChangeAspect="1"/>
+          </p:cNvPicPr>
+          <p:nvPr/>
+        </p:nvPicPr>
+        <p:blipFill>
+          <a:blip r:embed="rId4">
+            <a:extLst>
+              <a:ext uri="{28A0092B-C50C-407E-A947-70E740481C1C}">
+                <a14:useLocalDpi xmlns:a14="http://schemas.microsoft.com/office/drawing/2010/main" val="0"/>
+              </a:ext>
+            </a:extLst>
+          </a:blip>
+          <a:stretch>
+            <a:fillRect/>
+          </a:stretch>
+        </p:blipFill>
+        <p:spPr>
+          <a:xfrm>
+            <a:off x="762000" y="4309082"/>
+            <a:ext cx="616164" cy="633769"/>
+          </a:xfrm>
+          <a:prstGeom prst="rect">
+            <a:avLst/>
+          </a:prstGeom>
+        </p:spPr>
+      </p:pic>
+      <p:sp>
+        <p:nvSpPr>
+          <p:cNvPr id="34" name="TextBox 33"/>
+          <p:cNvSpPr txBox="1"/>
+          <p:nvPr/>
+        </p:nvSpPr>
+        <p:spPr>
+          <a:xfrm rot="1339540">
+            <a:off x="2257503" y="2201864"/>
+            <a:ext cx="1428596" cy="307777"/>
+          </a:xfrm>
+          <a:prstGeom prst="rect">
+            <a:avLst/>
+          </a:prstGeom>
+          <a:noFill/>
+        </p:spPr>
+        <p:txBody>
+          <a:bodyPr wrap="none" rtlCol="0">
+            <a:spAutoFit/>
+          </a:bodyPr>
+          <a:lstStyle/>
+          <a:p>
+            <a:r>
+              <a:rPr lang="en-US" sz="1400" b="1" i="1" dirty="0" smtClean="0">
+                <a:solidFill>
+                  <a:schemeClr val="tx2"/>
+                </a:solidFill>
+              </a:rPr>
+              <a:t>Publish </a:t>
+            </a:r>
+            <a:r>
+              <a:rPr lang="en-US" sz="1400" b="1" i="1" dirty="0" smtClean="0">
+                <a:solidFill>
+                  <a:schemeClr val="tx2"/>
+                </a:solidFill>
+              </a:rPr>
+              <a:t>DI</a:t>
+            </a:r>
+            <a:r>
+              <a:rPr lang="en-US" sz="1400" b="1" i="1" dirty="0" smtClean="0">
+                <a:solidFill>
+                  <a:schemeClr val="tx2"/>
+                </a:solidFill>
+              </a:rPr>
+              <a:t>/0 true</a:t>
+            </a:r>
+            <a:endParaRPr lang="en-US" sz="1400" b="1" i="1" dirty="0">
+              <a:solidFill>
+                <a:schemeClr val="tx2"/>
+              </a:solidFill>
+            </a:endParaRPr>
+          </a:p>
+        </p:txBody>
+      </p:sp>
+    </p:spTree>
+    <p:extLst>
+      <p:ext uri="{BB962C8B-B14F-4D97-AF65-F5344CB8AC3E}">
+        <p14:creationId xmlns:p14="http://schemas.microsoft.com/office/powerpoint/2010/main" val="2939933208"/>
+      </p:ext>
+    </p:extLst>
+  </p:cSld>
+  <p:clrMapOvr>
+    <a:masterClrMapping/>
+  </p:clrMapOvr>
+  <mc:AlternateContent xmlns:mc="http://schemas.openxmlformats.org/markup-compatibility/2006" xmlns:p14="http://schemas.microsoft.com/office/powerpoint/2010/main">
+    <mc:Choice Requires="p14">
+      <p:transition p14:dur="0"/>
+    </mc:Choice>
+    <mc:Fallback xmlns="">
+      <p:transition/>
+    </mc:Fallback>
+  </mc:AlternateContent>
+  <p:timing>
+    <p:tnLst>
+      <p:par>
+        <p:cTn id="1" dur="indefinite" restart="never" nodeType="tmRoot"/>
+      </p:par>
+    </p:tnLst>
+  </p:timing>
+</p:sld>
+</file>
+
+<file path=ppt/slides/slide37.xml><?xml version="1.0" encoding="utf-8"?>
+<p:sld xmlns:a="http://schemas.openxmlformats.org/drawingml/2006/main" xmlns:r="http://schemas.openxmlformats.org/officeDocument/2006/relationships" xmlns:p="http://schemas.openxmlformats.org/presentationml/2006/main">
+  <p:cSld>
+    <p:spTree>
+      <p:nvGrpSpPr>
+        <p:cNvPr id="1" name=""/>
+        <p:cNvGrpSpPr/>
+        <p:nvPr/>
+      </p:nvGrpSpPr>
+      <p:grpSpPr>
+        <a:xfrm>
+          <a:off x="0" y="0"/>
+          <a:ext cx="0" cy="0"/>
+          <a:chOff x="0" y="0"/>
+          <a:chExt cx="0" cy="0"/>
+        </a:xfrm>
+      </p:grpSpPr>
+      <p:sp>
+        <p:nvSpPr>
+          <p:cNvPr id="3" name="Title 2"/>
+          <p:cNvSpPr>
+            <a:spLocks noGrp="1"/>
+          </p:cNvSpPr>
+          <p:nvPr>
+            <p:ph type="title"/>
+          </p:nvPr>
+        </p:nvSpPr>
+        <p:spPr>
+          <a:xfrm>
+            <a:off x="76200" y="228600"/>
+            <a:ext cx="8991600" cy="685800"/>
+          </a:xfrm>
+        </p:spPr>
+        <p:txBody>
+          <a:bodyPr>
+            <a:noAutofit/>
+          </a:bodyPr>
+          <a:lstStyle/>
+          <a:p>
+            <a:pPr algn="ctr"/>
+            <a:r>
+              <a:rPr lang="en-US" sz="4300" cap="none" dirty="0" smtClean="0">
+                <a:effectLst>
+                  <a:outerShdw blurRad="38100" dist="38100" dir="2700000" algn="tl">
+                    <a:srgbClr val="000000">
+                      <a:alpha val="43137"/>
+                    </a:srgbClr>
+                  </a:outerShdw>
+                </a:effectLst>
+                <a:latin typeface="Britannic Bold" pitchFamily="34" charset="0"/>
+              </a:rPr>
+              <a:t>Messaging Patterns</a:t>
+            </a:r>
+            <a:endParaRPr lang="en-US" sz="4300" cap="none" dirty="0">
+              <a:effectLst>
+                <a:outerShdw blurRad="38100" dist="38100" dir="2700000" algn="tl">
+                  <a:srgbClr val="000000">
+                    <a:alpha val="43137"/>
+                  </a:srgbClr>
+                </a:outerShdw>
+              </a:effectLst>
+              <a:latin typeface="Britannic Bold" pitchFamily="34" charset="0"/>
+            </a:endParaRPr>
+          </a:p>
+        </p:txBody>
+      </p:sp>
+      <p:pic>
+        <p:nvPicPr>
+          <p:cNvPr id="35" name="Picture 6" descr="http://www.microbot.it/images/ebay/Netduino%20Plus.jpg"/>
+          <p:cNvPicPr>
+            <a:picLocks noChangeAspect="1" noChangeArrowheads="1"/>
+          </p:cNvPicPr>
+          <p:nvPr/>
+        </p:nvPicPr>
+        <p:blipFill rotWithShape="1">
+          <a:blip r:embed="rId2" cstate="print">
+            <a:extLst>
+              <a:ext uri="{28A0092B-C50C-407E-A947-70E740481C1C}">
+                <a14:useLocalDpi xmlns:a14="http://schemas.microsoft.com/office/drawing/2010/main" val="0"/>
+              </a:ext>
+            </a:extLst>
+          </a:blip>
+          <a:srcRect l="49703" t="3223" r="7447" b="50119"/>
+          <a:stretch/>
+        </p:blipFill>
+        <p:spPr bwMode="auto">
+          <a:xfrm>
+            <a:off x="1219200" y="1828800"/>
+            <a:ext cx="745875" cy="609600"/>
+          </a:xfrm>
+          <a:prstGeom prst="rect">
+            <a:avLst/>
+          </a:prstGeom>
+          <a:noFill/>
+          <a:extLst>
+            <a:ext uri="{909E8E84-426E-40DD-AFC4-6F175D3DCCD1}">
+              <a14:hiddenFill xmlns:a14="http://schemas.microsoft.com/office/drawing/2010/main">
+                <a:solidFill>
+                  <a:srgbClr val="FFFFFF"/>
+                </a:solidFill>
+              </a14:hiddenFill>
+            </a:ext>
+          </a:extLst>
+        </p:spPr>
+      </p:pic>
+      <p:pic>
+        <p:nvPicPr>
+          <p:cNvPr id="36" name="Picture 6" descr="http://www.microbot.it/images/ebay/Netduino%20Plus.jpg"/>
+          <p:cNvPicPr>
+            <a:picLocks noChangeAspect="1" noChangeArrowheads="1"/>
+          </p:cNvPicPr>
+          <p:nvPr/>
+        </p:nvPicPr>
+        <p:blipFill rotWithShape="1">
+          <a:blip r:embed="rId2" cstate="print">
+            <a:extLst>
+              <a:ext uri="{28A0092B-C50C-407E-A947-70E740481C1C}">
+                <a14:useLocalDpi xmlns:a14="http://schemas.microsoft.com/office/drawing/2010/main" val="0"/>
+              </a:ext>
+            </a:extLst>
+          </a:blip>
+          <a:srcRect l="49703" t="3223" r="7447" b="50119"/>
+          <a:stretch/>
+        </p:blipFill>
+        <p:spPr bwMode="auto">
+          <a:xfrm>
+            <a:off x="1228165" y="3567953"/>
+            <a:ext cx="745875" cy="609600"/>
+          </a:xfrm>
+          <a:prstGeom prst="rect">
+            <a:avLst/>
+          </a:prstGeom>
+          <a:noFill/>
+          <a:extLst>
+            <a:ext uri="{909E8E84-426E-40DD-AFC4-6F175D3DCCD1}">
+              <a14:hiddenFill xmlns:a14="http://schemas.microsoft.com/office/drawing/2010/main">
+                <a:solidFill>
+                  <a:srgbClr val="FFFFFF"/>
+                </a:solidFill>
+              </a14:hiddenFill>
+            </a:ext>
+          </a:extLst>
+        </p:spPr>
+      </p:pic>
+      <p:sp>
+        <p:nvSpPr>
+          <p:cNvPr id="37" name="Rectangle 36"/>
+          <p:cNvSpPr/>
+          <p:nvPr/>
+        </p:nvSpPr>
+        <p:spPr>
+          <a:xfrm>
+            <a:off x="4000500" y="2554395"/>
+            <a:ext cx="1066800" cy="1064294"/>
+          </a:xfrm>
+          <a:prstGeom prst="rect">
+            <a:avLst/>
+          </a:prstGeom>
+        </p:spPr>
+        <p:style>
+          <a:lnRef idx="2">
+            <a:schemeClr val="accent1">
+              <a:shade val="50000"/>
+            </a:schemeClr>
+          </a:lnRef>
+          <a:fillRef idx="1">
+            <a:schemeClr val="accent1"/>
+          </a:fillRef>
+          <a:effectRef idx="0">
+            <a:schemeClr val="accent1"/>
+          </a:effectRef>
+          <a:fontRef idx="minor">
+            <a:schemeClr val="lt1"/>
+          </a:fontRef>
+        </p:style>
+        <p:txBody>
+          <a:bodyPr rtlCol="0" anchor="ctr"/>
+          <a:lstStyle/>
+          <a:p>
+            <a:pPr algn="ctr"/>
+            <a:endParaRPr lang="en-US" dirty="0"/>
+          </a:p>
+        </p:txBody>
+      </p:sp>
+      <p:sp>
+        <p:nvSpPr>
+          <p:cNvPr id="38" name="TextBox 37"/>
+          <p:cNvSpPr txBox="1"/>
+          <p:nvPr/>
+        </p:nvSpPr>
+        <p:spPr>
+          <a:xfrm>
+            <a:off x="3886200" y="2763377"/>
+            <a:ext cx="1295400" cy="646331"/>
+          </a:xfrm>
+          <a:prstGeom prst="rect">
+            <a:avLst/>
+          </a:prstGeom>
+          <a:noFill/>
+        </p:spPr>
+        <p:txBody>
+          <a:bodyPr wrap="square" rtlCol="0">
+            <a:spAutoFit/>
+          </a:bodyPr>
+          <a:lstStyle/>
+          <a:p>
+            <a:pPr algn="ctr"/>
+            <a:r>
+              <a:rPr lang="en-US" dirty="0" smtClean="0">
+                <a:latin typeface="Britannic Bold" pitchFamily="34" charset="0"/>
+              </a:rPr>
+              <a:t>MQTT</a:t>
+            </a:r>
+          </a:p>
+          <a:p>
+            <a:pPr algn="ctr"/>
+            <a:r>
+              <a:rPr lang="en-US" dirty="0" smtClean="0">
+                <a:latin typeface="Britannic Bold" pitchFamily="34" charset="0"/>
+              </a:rPr>
+              <a:t>Broker</a:t>
+            </a:r>
+            <a:endParaRPr lang="en-US" dirty="0">
+              <a:latin typeface="Britannic Bold" pitchFamily="34" charset="0"/>
+            </a:endParaRPr>
+          </a:p>
+        </p:txBody>
+      </p:sp>
+      <p:sp>
+        <p:nvSpPr>
+          <p:cNvPr id="7" name="Rectangle 6"/>
+          <p:cNvSpPr/>
+          <p:nvPr/>
+        </p:nvSpPr>
+        <p:spPr>
+          <a:xfrm>
+            <a:off x="6972300" y="2554395"/>
+            <a:ext cx="1066800" cy="1064294"/>
+          </a:xfrm>
+          <a:prstGeom prst="rect">
+            <a:avLst/>
+          </a:prstGeom>
+        </p:spPr>
+        <p:style>
+          <a:lnRef idx="2">
+            <a:schemeClr val="accent1">
+              <a:shade val="50000"/>
+            </a:schemeClr>
+          </a:lnRef>
+          <a:fillRef idx="1">
+            <a:schemeClr val="accent1"/>
+          </a:fillRef>
+          <a:effectRef idx="0">
+            <a:schemeClr val="accent1"/>
+          </a:effectRef>
+          <a:fontRef idx="minor">
+            <a:schemeClr val="lt1"/>
+          </a:fontRef>
+        </p:style>
+        <p:txBody>
+          <a:bodyPr rtlCol="0" anchor="ctr"/>
+          <a:lstStyle/>
+          <a:p>
+            <a:pPr algn="ctr"/>
+            <a:endParaRPr lang="en-US" dirty="0"/>
+          </a:p>
+        </p:txBody>
+      </p:sp>
+      <p:sp>
+        <p:nvSpPr>
+          <p:cNvPr id="8" name="TextBox 7"/>
+          <p:cNvSpPr txBox="1"/>
+          <p:nvPr/>
+        </p:nvSpPr>
+        <p:spPr>
+          <a:xfrm>
+            <a:off x="6858000" y="2763377"/>
+            <a:ext cx="1295400" cy="646331"/>
+          </a:xfrm>
+          <a:prstGeom prst="rect">
+            <a:avLst/>
+          </a:prstGeom>
+          <a:noFill/>
+        </p:spPr>
+        <p:txBody>
+          <a:bodyPr wrap="square" rtlCol="0">
+            <a:spAutoFit/>
+          </a:bodyPr>
+          <a:lstStyle/>
+          <a:p>
+            <a:pPr algn="ctr"/>
+            <a:r>
+              <a:rPr lang="en-US" dirty="0" smtClean="0">
+                <a:latin typeface="Britannic Bold" pitchFamily="34" charset="0"/>
+              </a:rPr>
+              <a:t>Message</a:t>
+            </a:r>
+            <a:endParaRPr lang="en-US" dirty="0" smtClean="0">
+              <a:latin typeface="Britannic Bold" pitchFamily="34" charset="0"/>
+            </a:endParaRPr>
+          </a:p>
+          <a:p>
+            <a:pPr algn="ctr"/>
+            <a:r>
+              <a:rPr lang="en-US" dirty="0" smtClean="0">
+                <a:latin typeface="Britannic Bold" pitchFamily="34" charset="0"/>
+              </a:rPr>
+              <a:t>Router</a:t>
+            </a:r>
+            <a:endParaRPr lang="en-US" dirty="0">
+              <a:latin typeface="Britannic Bold" pitchFamily="34" charset="0"/>
+            </a:endParaRPr>
+          </a:p>
+        </p:txBody>
+      </p:sp>
+      <p:cxnSp>
+        <p:nvCxnSpPr>
+          <p:cNvPr id="11" name="Straight Arrow Connector 10"/>
+          <p:cNvCxnSpPr/>
+          <p:nvPr/>
+        </p:nvCxnSpPr>
+        <p:spPr>
+          <a:xfrm>
+            <a:off x="2057400" y="2133600"/>
+            <a:ext cx="1915763" cy="780324"/>
+          </a:xfrm>
+          <a:prstGeom prst="straightConnector1">
+            <a:avLst/>
+          </a:prstGeom>
+          <a:ln w="15875">
+            <a:solidFill>
+              <a:srgbClr val="FF0000"/>
+            </a:solidFill>
+            <a:tailEnd type="triangle" w="lg" len="lg"/>
+          </a:ln>
+        </p:spPr>
+        <p:style>
+          <a:lnRef idx="1">
+            <a:schemeClr val="accent1"/>
+          </a:lnRef>
+          <a:fillRef idx="0">
+            <a:schemeClr val="accent1"/>
+          </a:fillRef>
+          <a:effectRef idx="0">
+            <a:schemeClr val="accent1"/>
+          </a:effectRef>
+          <a:fontRef idx="minor">
+            <a:schemeClr val="tx1"/>
+          </a:fontRef>
+        </p:style>
+      </p:cxnSp>
+      <p:cxnSp>
+        <p:nvCxnSpPr>
+          <p:cNvPr id="21" name="Straight Arrow Connector 20"/>
+          <p:cNvCxnSpPr/>
+          <p:nvPr/>
+        </p:nvCxnSpPr>
+        <p:spPr>
+          <a:xfrm flipV="1">
+            <a:off x="5079284" y="2771397"/>
+            <a:ext cx="1881032" cy="12443"/>
+          </a:xfrm>
+          <a:prstGeom prst="straightConnector1">
+            <a:avLst/>
+          </a:prstGeom>
+          <a:ln w="15875">
+            <a:solidFill>
+              <a:srgbClr val="FF0000"/>
+            </a:solidFill>
+            <a:tailEnd type="triangle" w="lg" len="lg"/>
+          </a:ln>
+        </p:spPr>
+        <p:style>
+          <a:lnRef idx="1">
+            <a:schemeClr val="accent1"/>
+          </a:lnRef>
+          <a:fillRef idx="0">
+            <a:schemeClr val="accent1"/>
+          </a:fillRef>
+          <a:effectRef idx="0">
+            <a:schemeClr val="accent1"/>
+          </a:effectRef>
+          <a:fontRef idx="minor">
+            <a:schemeClr val="tx1"/>
+          </a:fontRef>
+        </p:style>
+      </p:cxnSp>
+      <p:pic>
+        <p:nvPicPr>
+          <p:cNvPr id="27" name="Picture 26"/>
+          <p:cNvPicPr>
+            <a:picLocks noChangeAspect="1"/>
+          </p:cNvPicPr>
+          <p:nvPr/>
+        </p:nvPicPr>
+        <p:blipFill>
+          <a:blip r:embed="rId3" cstate="print">
+            <a:extLst>
+              <a:ext uri="{28A0092B-C50C-407E-A947-70E740481C1C}">
+                <a14:useLocalDpi xmlns:a14="http://schemas.microsoft.com/office/drawing/2010/main" val="0"/>
+              </a:ext>
+            </a:extLst>
+          </a:blip>
+          <a:stretch>
+            <a:fillRect/>
+          </a:stretch>
+        </p:blipFill>
+        <p:spPr>
+          <a:xfrm>
+            <a:off x="685800" y="1114565"/>
+            <a:ext cx="619801" cy="585788"/>
+          </a:xfrm>
+          <a:prstGeom prst="rect">
+            <a:avLst/>
+          </a:prstGeom>
+        </p:spPr>
+      </p:pic>
+      <p:pic>
+        <p:nvPicPr>
+          <p:cNvPr id="28" name="Picture 27"/>
+          <p:cNvPicPr>
+            <a:picLocks noChangeAspect="1"/>
+          </p:cNvPicPr>
+          <p:nvPr/>
+        </p:nvPicPr>
+        <p:blipFill>
+          <a:blip r:embed="rId4">
+            <a:extLst>
+              <a:ext uri="{28A0092B-C50C-407E-A947-70E740481C1C}">
+                <a14:useLocalDpi xmlns:a14="http://schemas.microsoft.com/office/drawing/2010/main" val="0"/>
+              </a:ext>
+            </a:extLst>
+          </a:blip>
+          <a:stretch>
+            <a:fillRect/>
+          </a:stretch>
+        </p:blipFill>
+        <p:spPr>
+          <a:xfrm>
+            <a:off x="762000" y="4309082"/>
+            <a:ext cx="616164" cy="633769"/>
+          </a:xfrm>
+          <a:prstGeom prst="rect">
+            <a:avLst/>
+          </a:prstGeom>
+        </p:spPr>
+      </p:pic>
+      <p:sp>
+        <p:nvSpPr>
+          <p:cNvPr id="34" name="TextBox 33"/>
+          <p:cNvSpPr txBox="1"/>
+          <p:nvPr/>
+        </p:nvSpPr>
+        <p:spPr>
+          <a:xfrm rot="1339540">
+            <a:off x="2257503" y="2201864"/>
+            <a:ext cx="1428596" cy="307777"/>
+          </a:xfrm>
+          <a:prstGeom prst="rect">
+            <a:avLst/>
+          </a:prstGeom>
+          <a:noFill/>
+        </p:spPr>
+        <p:txBody>
+          <a:bodyPr wrap="none" rtlCol="0">
+            <a:spAutoFit/>
+          </a:bodyPr>
+          <a:lstStyle/>
+          <a:p>
+            <a:r>
+              <a:rPr lang="en-US" sz="1400" b="1" i="1" dirty="0" smtClean="0">
+                <a:solidFill>
+                  <a:schemeClr val="tx2"/>
+                </a:solidFill>
+              </a:rPr>
+              <a:t>Publish </a:t>
+            </a:r>
+            <a:r>
+              <a:rPr lang="en-US" sz="1400" b="1" i="1" dirty="0" smtClean="0">
+                <a:solidFill>
+                  <a:schemeClr val="tx2"/>
+                </a:solidFill>
+              </a:rPr>
+              <a:t>DI</a:t>
+            </a:r>
+            <a:r>
+              <a:rPr lang="en-US" sz="1400" b="1" i="1" dirty="0" smtClean="0">
+                <a:solidFill>
+                  <a:schemeClr val="tx2"/>
+                </a:solidFill>
+              </a:rPr>
+              <a:t>/0 true</a:t>
+            </a:r>
+            <a:endParaRPr lang="en-US" sz="1400" b="1" i="1" dirty="0">
+              <a:solidFill>
+                <a:schemeClr val="tx2"/>
+              </a:solidFill>
+            </a:endParaRPr>
+          </a:p>
+        </p:txBody>
+      </p:sp>
+      <p:sp>
+        <p:nvSpPr>
+          <p:cNvPr id="39" name="TextBox 38"/>
+          <p:cNvSpPr txBox="1"/>
+          <p:nvPr/>
+        </p:nvSpPr>
+        <p:spPr>
+          <a:xfrm>
+            <a:off x="5312661" y="2438400"/>
+            <a:ext cx="1428596" cy="307777"/>
+          </a:xfrm>
+          <a:prstGeom prst="rect">
+            <a:avLst/>
+          </a:prstGeom>
+          <a:noFill/>
+        </p:spPr>
+        <p:txBody>
+          <a:bodyPr wrap="none" rtlCol="0">
+            <a:spAutoFit/>
+          </a:bodyPr>
+          <a:lstStyle/>
+          <a:p>
+            <a:r>
+              <a:rPr lang="en-US" sz="1400" b="1" i="1" dirty="0" smtClean="0">
+                <a:solidFill>
+                  <a:schemeClr val="tx2"/>
+                </a:solidFill>
+              </a:rPr>
+              <a:t>Publish </a:t>
+            </a:r>
+            <a:r>
+              <a:rPr lang="en-US" sz="1400" b="1" i="1" dirty="0" smtClean="0">
+                <a:solidFill>
+                  <a:schemeClr val="tx2"/>
+                </a:solidFill>
+              </a:rPr>
+              <a:t>DI</a:t>
+            </a:r>
+            <a:r>
+              <a:rPr lang="en-US" sz="1400" b="1" i="1" dirty="0" smtClean="0">
+                <a:solidFill>
+                  <a:schemeClr val="tx2"/>
+                </a:solidFill>
+              </a:rPr>
+              <a:t>/0 true</a:t>
+            </a:r>
+            <a:endParaRPr lang="en-US" sz="1400" b="1" i="1" dirty="0">
+              <a:solidFill>
+                <a:schemeClr val="tx2"/>
+              </a:solidFill>
+            </a:endParaRPr>
+          </a:p>
+        </p:txBody>
+      </p:sp>
+    </p:spTree>
+    <p:extLst>
+      <p:ext uri="{BB962C8B-B14F-4D97-AF65-F5344CB8AC3E}">
+        <p14:creationId xmlns:p14="http://schemas.microsoft.com/office/powerpoint/2010/main" val="831019312"/>
+      </p:ext>
+    </p:extLst>
+  </p:cSld>
+  <p:clrMapOvr>
+    <a:masterClrMapping/>
+  </p:clrMapOvr>
+  <mc:AlternateContent xmlns:mc="http://schemas.openxmlformats.org/markup-compatibility/2006" xmlns:p14="http://schemas.microsoft.com/office/powerpoint/2010/main">
+    <mc:Choice Requires="p14">
+      <p:transition p14:dur="0"/>
+    </mc:Choice>
+    <mc:Fallback xmlns="">
+      <p:transition/>
+    </mc:Fallback>
+  </mc:AlternateContent>
+  <p:timing>
+    <p:tnLst>
+      <p:par>
+        <p:cTn id="1" dur="indefinite" restart="never" nodeType="tmRoot"/>
+      </p:par>
+    </p:tnLst>
+  </p:timing>
+</p:sld>
+</file>
+
+<file path=ppt/slides/slide38.xml><?xml version="1.0" encoding="utf-8"?>
+<p:sld xmlns:a="http://schemas.openxmlformats.org/drawingml/2006/main" xmlns:r="http://schemas.openxmlformats.org/officeDocument/2006/relationships" xmlns:p="http://schemas.openxmlformats.org/presentationml/2006/main">
+  <p:cSld>
+    <p:spTree>
+      <p:nvGrpSpPr>
+        <p:cNvPr id="1" name=""/>
+        <p:cNvGrpSpPr/>
+        <p:nvPr/>
+      </p:nvGrpSpPr>
+      <p:grpSpPr>
+        <a:xfrm>
+          <a:off x="0" y="0"/>
+          <a:ext cx="0" cy="0"/>
+          <a:chOff x="0" y="0"/>
+          <a:chExt cx="0" cy="0"/>
+        </a:xfrm>
+      </p:grpSpPr>
+      <p:sp>
+        <p:nvSpPr>
+          <p:cNvPr id="3" name="Title 2"/>
+          <p:cNvSpPr>
+            <a:spLocks noGrp="1"/>
+          </p:cNvSpPr>
+          <p:nvPr>
+            <p:ph type="title"/>
+          </p:nvPr>
+        </p:nvSpPr>
+        <p:spPr>
+          <a:xfrm>
+            <a:off x="76200" y="228600"/>
+            <a:ext cx="8991600" cy="685800"/>
+          </a:xfrm>
+        </p:spPr>
+        <p:txBody>
+          <a:bodyPr>
+            <a:noAutofit/>
+          </a:bodyPr>
+          <a:lstStyle/>
+          <a:p>
+            <a:pPr algn="ctr"/>
+            <a:r>
+              <a:rPr lang="en-US" sz="4300" cap="none" dirty="0" smtClean="0">
+                <a:effectLst>
+                  <a:outerShdw blurRad="38100" dist="38100" dir="2700000" algn="tl">
+                    <a:srgbClr val="000000">
+                      <a:alpha val="43137"/>
+                    </a:srgbClr>
+                  </a:outerShdw>
+                </a:effectLst>
+                <a:latin typeface="Britannic Bold" pitchFamily="34" charset="0"/>
+              </a:rPr>
+              <a:t>Messaging Patterns</a:t>
+            </a:r>
+            <a:endParaRPr lang="en-US" sz="4300" cap="none" dirty="0">
+              <a:effectLst>
+                <a:outerShdw blurRad="38100" dist="38100" dir="2700000" algn="tl">
+                  <a:srgbClr val="000000">
+                    <a:alpha val="43137"/>
+                  </a:srgbClr>
+                </a:outerShdw>
+              </a:effectLst>
+              <a:latin typeface="Britannic Bold" pitchFamily="34" charset="0"/>
+            </a:endParaRPr>
+          </a:p>
+        </p:txBody>
+      </p:sp>
+      <p:pic>
+        <p:nvPicPr>
+          <p:cNvPr id="35" name="Picture 6" descr="http://www.microbot.it/images/ebay/Netduino%20Plus.jpg"/>
+          <p:cNvPicPr>
+            <a:picLocks noChangeAspect="1" noChangeArrowheads="1"/>
+          </p:cNvPicPr>
+          <p:nvPr/>
+        </p:nvPicPr>
+        <p:blipFill rotWithShape="1">
+          <a:blip r:embed="rId2" cstate="print">
+            <a:extLst>
+              <a:ext uri="{28A0092B-C50C-407E-A947-70E740481C1C}">
+                <a14:useLocalDpi xmlns:a14="http://schemas.microsoft.com/office/drawing/2010/main" val="0"/>
+              </a:ext>
+            </a:extLst>
+          </a:blip>
+          <a:srcRect l="49703" t="3223" r="7447" b="50119"/>
+          <a:stretch/>
+        </p:blipFill>
+        <p:spPr bwMode="auto">
+          <a:xfrm>
+            <a:off x="1219200" y="1828800"/>
+            <a:ext cx="745875" cy="609600"/>
+          </a:xfrm>
+          <a:prstGeom prst="rect">
+            <a:avLst/>
+          </a:prstGeom>
+          <a:noFill/>
+          <a:extLst>
+            <a:ext uri="{909E8E84-426E-40DD-AFC4-6F175D3DCCD1}">
+              <a14:hiddenFill xmlns:a14="http://schemas.microsoft.com/office/drawing/2010/main">
+                <a:solidFill>
+                  <a:srgbClr val="FFFFFF"/>
+                </a:solidFill>
+              </a14:hiddenFill>
+            </a:ext>
+          </a:extLst>
+        </p:spPr>
+      </p:pic>
+      <p:pic>
+        <p:nvPicPr>
+          <p:cNvPr id="36" name="Picture 6" descr="http://www.microbot.it/images/ebay/Netduino%20Plus.jpg"/>
+          <p:cNvPicPr>
+            <a:picLocks noChangeAspect="1" noChangeArrowheads="1"/>
+          </p:cNvPicPr>
+          <p:nvPr/>
+        </p:nvPicPr>
+        <p:blipFill rotWithShape="1">
+          <a:blip r:embed="rId2" cstate="print">
+            <a:extLst>
+              <a:ext uri="{28A0092B-C50C-407E-A947-70E740481C1C}">
+                <a14:useLocalDpi xmlns:a14="http://schemas.microsoft.com/office/drawing/2010/main" val="0"/>
+              </a:ext>
+            </a:extLst>
+          </a:blip>
+          <a:srcRect l="49703" t="3223" r="7447" b="50119"/>
+          <a:stretch/>
+        </p:blipFill>
+        <p:spPr bwMode="auto">
+          <a:xfrm>
+            <a:off x="1228165" y="3567953"/>
+            <a:ext cx="745875" cy="609600"/>
+          </a:xfrm>
+          <a:prstGeom prst="rect">
+            <a:avLst/>
+          </a:prstGeom>
+          <a:noFill/>
+          <a:extLst>
+            <a:ext uri="{909E8E84-426E-40DD-AFC4-6F175D3DCCD1}">
+              <a14:hiddenFill xmlns:a14="http://schemas.microsoft.com/office/drawing/2010/main">
+                <a:solidFill>
+                  <a:srgbClr val="FFFFFF"/>
+                </a:solidFill>
+              </a14:hiddenFill>
+            </a:ext>
+          </a:extLst>
+        </p:spPr>
+      </p:pic>
+      <p:sp>
+        <p:nvSpPr>
+          <p:cNvPr id="37" name="Rectangle 36"/>
+          <p:cNvSpPr/>
+          <p:nvPr/>
+        </p:nvSpPr>
+        <p:spPr>
+          <a:xfrm>
+            <a:off x="4000500" y="2554395"/>
+            <a:ext cx="1066800" cy="1064294"/>
+          </a:xfrm>
+          <a:prstGeom prst="rect">
+            <a:avLst/>
+          </a:prstGeom>
+        </p:spPr>
+        <p:style>
+          <a:lnRef idx="2">
+            <a:schemeClr val="accent1">
+              <a:shade val="50000"/>
+            </a:schemeClr>
+          </a:lnRef>
+          <a:fillRef idx="1">
+            <a:schemeClr val="accent1"/>
+          </a:fillRef>
+          <a:effectRef idx="0">
+            <a:schemeClr val="accent1"/>
+          </a:effectRef>
+          <a:fontRef idx="minor">
+            <a:schemeClr val="lt1"/>
+          </a:fontRef>
+        </p:style>
+        <p:txBody>
+          <a:bodyPr rtlCol="0" anchor="ctr"/>
+          <a:lstStyle/>
+          <a:p>
+            <a:pPr algn="ctr"/>
+            <a:endParaRPr lang="en-US" dirty="0"/>
+          </a:p>
+        </p:txBody>
+      </p:sp>
+      <p:sp>
+        <p:nvSpPr>
+          <p:cNvPr id="38" name="TextBox 37"/>
+          <p:cNvSpPr txBox="1"/>
+          <p:nvPr/>
+        </p:nvSpPr>
+        <p:spPr>
+          <a:xfrm>
+            <a:off x="3886200" y="2763377"/>
+            <a:ext cx="1295400" cy="646331"/>
+          </a:xfrm>
+          <a:prstGeom prst="rect">
+            <a:avLst/>
+          </a:prstGeom>
+          <a:noFill/>
+        </p:spPr>
+        <p:txBody>
+          <a:bodyPr wrap="square" rtlCol="0">
+            <a:spAutoFit/>
+          </a:bodyPr>
+          <a:lstStyle/>
+          <a:p>
+            <a:pPr algn="ctr"/>
+            <a:r>
+              <a:rPr lang="en-US" dirty="0" smtClean="0">
+                <a:latin typeface="Britannic Bold" pitchFamily="34" charset="0"/>
+              </a:rPr>
+              <a:t>MQTT</a:t>
+            </a:r>
+          </a:p>
+          <a:p>
+            <a:pPr algn="ctr"/>
+            <a:r>
+              <a:rPr lang="en-US" dirty="0" smtClean="0">
+                <a:latin typeface="Britannic Bold" pitchFamily="34" charset="0"/>
+              </a:rPr>
+              <a:t>Broker</a:t>
+            </a:r>
+            <a:endParaRPr lang="en-US" dirty="0">
+              <a:latin typeface="Britannic Bold" pitchFamily="34" charset="0"/>
+            </a:endParaRPr>
+          </a:p>
+        </p:txBody>
+      </p:sp>
+      <p:sp>
+        <p:nvSpPr>
+          <p:cNvPr id="7" name="Rectangle 6"/>
+          <p:cNvSpPr/>
+          <p:nvPr/>
+        </p:nvSpPr>
+        <p:spPr>
+          <a:xfrm>
+            <a:off x="6972300" y="2554395"/>
+            <a:ext cx="1066800" cy="1064294"/>
+          </a:xfrm>
+          <a:prstGeom prst="rect">
+            <a:avLst/>
+          </a:prstGeom>
+        </p:spPr>
+        <p:style>
+          <a:lnRef idx="2">
+            <a:schemeClr val="accent1">
+              <a:shade val="50000"/>
+            </a:schemeClr>
+          </a:lnRef>
+          <a:fillRef idx="1">
+            <a:schemeClr val="accent1"/>
+          </a:fillRef>
+          <a:effectRef idx="0">
+            <a:schemeClr val="accent1"/>
+          </a:effectRef>
+          <a:fontRef idx="minor">
+            <a:schemeClr val="lt1"/>
+          </a:fontRef>
+        </p:style>
+        <p:txBody>
+          <a:bodyPr rtlCol="0" anchor="ctr"/>
+          <a:lstStyle/>
+          <a:p>
+            <a:pPr algn="ctr"/>
+            <a:endParaRPr lang="en-US" dirty="0"/>
+          </a:p>
+        </p:txBody>
+      </p:sp>
+      <p:sp>
+        <p:nvSpPr>
+          <p:cNvPr id="8" name="TextBox 7"/>
+          <p:cNvSpPr txBox="1"/>
+          <p:nvPr/>
+        </p:nvSpPr>
+        <p:spPr>
+          <a:xfrm>
+            <a:off x="6858000" y="2763377"/>
+            <a:ext cx="1295400" cy="646331"/>
+          </a:xfrm>
+          <a:prstGeom prst="rect">
+            <a:avLst/>
+          </a:prstGeom>
+          <a:noFill/>
+        </p:spPr>
+        <p:txBody>
+          <a:bodyPr wrap="square" rtlCol="0">
+            <a:spAutoFit/>
+          </a:bodyPr>
+          <a:lstStyle/>
+          <a:p>
+            <a:pPr algn="ctr"/>
+            <a:r>
+              <a:rPr lang="en-US" dirty="0" smtClean="0">
+                <a:latin typeface="Britannic Bold" pitchFamily="34" charset="0"/>
+              </a:rPr>
+              <a:t>Message</a:t>
+            </a:r>
+            <a:endParaRPr lang="en-US" dirty="0" smtClean="0">
+              <a:latin typeface="Britannic Bold" pitchFamily="34" charset="0"/>
+            </a:endParaRPr>
+          </a:p>
+          <a:p>
+            <a:pPr algn="ctr"/>
+            <a:r>
+              <a:rPr lang="en-US" dirty="0" smtClean="0">
+                <a:latin typeface="Britannic Bold" pitchFamily="34" charset="0"/>
+              </a:rPr>
+              <a:t>Router</a:t>
+            </a:r>
+            <a:endParaRPr lang="en-US" dirty="0">
+              <a:latin typeface="Britannic Bold" pitchFamily="34" charset="0"/>
+            </a:endParaRPr>
+          </a:p>
+        </p:txBody>
+      </p:sp>
+      <p:cxnSp>
+        <p:nvCxnSpPr>
+          <p:cNvPr id="11" name="Straight Arrow Connector 10"/>
+          <p:cNvCxnSpPr/>
+          <p:nvPr/>
+        </p:nvCxnSpPr>
+        <p:spPr>
+          <a:xfrm>
+            <a:off x="2057400" y="2133600"/>
+            <a:ext cx="1915763" cy="780324"/>
+          </a:xfrm>
+          <a:prstGeom prst="straightConnector1">
+            <a:avLst/>
+          </a:prstGeom>
+          <a:ln w="15875">
+            <a:solidFill>
+              <a:srgbClr val="FF0000"/>
+            </a:solidFill>
+            <a:tailEnd type="triangle" w="lg" len="lg"/>
+          </a:ln>
+        </p:spPr>
+        <p:style>
+          <a:lnRef idx="1">
+            <a:schemeClr val="accent1"/>
+          </a:lnRef>
+          <a:fillRef idx="0">
+            <a:schemeClr val="accent1"/>
+          </a:fillRef>
+          <a:effectRef idx="0">
+            <a:schemeClr val="accent1"/>
+          </a:effectRef>
+          <a:fontRef idx="minor">
+            <a:schemeClr val="tx1"/>
+          </a:fontRef>
+        </p:style>
+      </p:cxnSp>
+      <p:cxnSp>
+        <p:nvCxnSpPr>
+          <p:cNvPr id="21" name="Straight Arrow Connector 20"/>
+          <p:cNvCxnSpPr/>
+          <p:nvPr/>
+        </p:nvCxnSpPr>
+        <p:spPr>
+          <a:xfrm flipV="1">
+            <a:off x="5079284" y="2771397"/>
+            <a:ext cx="1881032" cy="12443"/>
+          </a:xfrm>
+          <a:prstGeom prst="straightConnector1">
+            <a:avLst/>
+          </a:prstGeom>
+          <a:ln w="15875">
+            <a:solidFill>
+              <a:srgbClr val="FF0000"/>
+            </a:solidFill>
+            <a:tailEnd type="triangle" w="lg" len="lg"/>
+          </a:ln>
+        </p:spPr>
+        <p:style>
+          <a:lnRef idx="1">
+            <a:schemeClr val="accent1"/>
+          </a:lnRef>
+          <a:fillRef idx="0">
+            <a:schemeClr val="accent1"/>
+          </a:fillRef>
+          <a:effectRef idx="0">
+            <a:schemeClr val="accent1"/>
+          </a:effectRef>
+          <a:fontRef idx="minor">
+            <a:schemeClr val="tx1"/>
+          </a:fontRef>
+        </p:style>
+      </p:cxnSp>
+      <p:pic>
+        <p:nvPicPr>
+          <p:cNvPr id="27" name="Picture 26"/>
+          <p:cNvPicPr>
+            <a:picLocks noChangeAspect="1"/>
+          </p:cNvPicPr>
+          <p:nvPr/>
+        </p:nvPicPr>
+        <p:blipFill>
+          <a:blip r:embed="rId3" cstate="print">
+            <a:extLst>
+              <a:ext uri="{28A0092B-C50C-407E-A947-70E740481C1C}">
+                <a14:useLocalDpi xmlns:a14="http://schemas.microsoft.com/office/drawing/2010/main" val="0"/>
+              </a:ext>
+            </a:extLst>
+          </a:blip>
+          <a:stretch>
+            <a:fillRect/>
+          </a:stretch>
+        </p:blipFill>
+        <p:spPr>
+          <a:xfrm>
+            <a:off x="685800" y="1114565"/>
+            <a:ext cx="619801" cy="585788"/>
+          </a:xfrm>
+          <a:prstGeom prst="rect">
+            <a:avLst/>
+          </a:prstGeom>
+        </p:spPr>
+      </p:pic>
+      <p:pic>
+        <p:nvPicPr>
+          <p:cNvPr id="28" name="Picture 27"/>
+          <p:cNvPicPr>
+            <a:picLocks noChangeAspect="1"/>
+          </p:cNvPicPr>
+          <p:nvPr/>
+        </p:nvPicPr>
+        <p:blipFill>
+          <a:blip r:embed="rId4">
+            <a:extLst>
+              <a:ext uri="{28A0092B-C50C-407E-A947-70E740481C1C}">
+                <a14:useLocalDpi xmlns:a14="http://schemas.microsoft.com/office/drawing/2010/main" val="0"/>
+              </a:ext>
+            </a:extLst>
+          </a:blip>
+          <a:stretch>
+            <a:fillRect/>
+          </a:stretch>
+        </p:blipFill>
+        <p:spPr>
+          <a:xfrm>
+            <a:off x="762000" y="4309082"/>
+            <a:ext cx="616164" cy="633769"/>
+          </a:xfrm>
+          <a:prstGeom prst="rect">
+            <a:avLst/>
+          </a:prstGeom>
+        </p:spPr>
+      </p:pic>
+      <p:sp>
+        <p:nvSpPr>
+          <p:cNvPr id="34" name="TextBox 33"/>
+          <p:cNvSpPr txBox="1"/>
+          <p:nvPr/>
+        </p:nvSpPr>
+        <p:spPr>
+          <a:xfrm rot="1339540">
+            <a:off x="2257503" y="2201864"/>
+            <a:ext cx="1428596" cy="307777"/>
+          </a:xfrm>
+          <a:prstGeom prst="rect">
+            <a:avLst/>
+          </a:prstGeom>
+          <a:noFill/>
+        </p:spPr>
+        <p:txBody>
+          <a:bodyPr wrap="none" rtlCol="0">
+            <a:spAutoFit/>
+          </a:bodyPr>
+          <a:lstStyle/>
+          <a:p>
+            <a:r>
+              <a:rPr lang="en-US" sz="1400" b="1" i="1" dirty="0" smtClean="0">
+                <a:solidFill>
+                  <a:schemeClr val="tx2"/>
+                </a:solidFill>
+              </a:rPr>
+              <a:t>Publish </a:t>
+            </a:r>
+            <a:r>
+              <a:rPr lang="en-US" sz="1400" b="1" i="1" dirty="0" smtClean="0">
+                <a:solidFill>
+                  <a:schemeClr val="tx2"/>
+                </a:solidFill>
+              </a:rPr>
+              <a:t>DI</a:t>
+            </a:r>
+            <a:r>
+              <a:rPr lang="en-US" sz="1400" b="1" i="1" dirty="0" smtClean="0">
+                <a:solidFill>
+                  <a:schemeClr val="tx2"/>
+                </a:solidFill>
+              </a:rPr>
+              <a:t>/0 true</a:t>
+            </a:r>
+            <a:endParaRPr lang="en-US" sz="1400" b="1" i="1" dirty="0">
+              <a:solidFill>
+                <a:schemeClr val="tx2"/>
+              </a:solidFill>
+            </a:endParaRPr>
+          </a:p>
+        </p:txBody>
+      </p:sp>
+      <p:sp>
+        <p:nvSpPr>
+          <p:cNvPr id="39" name="TextBox 38"/>
+          <p:cNvSpPr txBox="1"/>
+          <p:nvPr/>
+        </p:nvSpPr>
+        <p:spPr>
+          <a:xfrm>
+            <a:off x="5312661" y="2438400"/>
+            <a:ext cx="1428596" cy="307777"/>
+          </a:xfrm>
+          <a:prstGeom prst="rect">
+            <a:avLst/>
+          </a:prstGeom>
+          <a:noFill/>
+        </p:spPr>
+        <p:txBody>
+          <a:bodyPr wrap="none" rtlCol="0">
+            <a:spAutoFit/>
+          </a:bodyPr>
+          <a:lstStyle/>
+          <a:p>
+            <a:r>
+              <a:rPr lang="en-US" sz="1400" b="1" i="1" dirty="0" smtClean="0">
+                <a:solidFill>
+                  <a:schemeClr val="tx2"/>
+                </a:solidFill>
+              </a:rPr>
+              <a:t>Publish </a:t>
+            </a:r>
+            <a:r>
+              <a:rPr lang="en-US" sz="1400" b="1" i="1" dirty="0" smtClean="0">
+                <a:solidFill>
+                  <a:schemeClr val="tx2"/>
+                </a:solidFill>
+              </a:rPr>
+              <a:t>DI</a:t>
+            </a:r>
+            <a:r>
+              <a:rPr lang="en-US" sz="1400" b="1" i="1" dirty="0" smtClean="0">
+                <a:solidFill>
+                  <a:schemeClr val="tx2"/>
+                </a:solidFill>
+              </a:rPr>
+              <a:t>/0 true</a:t>
+            </a:r>
+            <a:endParaRPr lang="en-US" sz="1400" b="1" i="1" dirty="0">
+              <a:solidFill>
+                <a:schemeClr val="tx2"/>
+              </a:solidFill>
+            </a:endParaRPr>
+          </a:p>
+        </p:txBody>
+      </p:sp>
+      <p:sp>
+        <p:nvSpPr>
+          <p:cNvPr id="42" name="Curved Right Arrow 41"/>
+          <p:cNvSpPr/>
+          <p:nvPr/>
+        </p:nvSpPr>
+        <p:spPr>
+          <a:xfrm flipH="1">
+            <a:off x="8051084" y="2591002"/>
+            <a:ext cx="661832" cy="1027687"/>
+          </a:xfrm>
+          <a:prstGeom prst="curvedRightArrow">
+            <a:avLst/>
+          </a:prstGeom>
+        </p:spPr>
+        <p:style>
+          <a:lnRef idx="2">
+            <a:schemeClr val="accent1">
+              <a:shade val="50000"/>
+            </a:schemeClr>
+          </a:lnRef>
+          <a:fillRef idx="1">
+            <a:schemeClr val="accent1"/>
+          </a:fillRef>
+          <a:effectRef idx="0">
+            <a:schemeClr val="accent1"/>
+          </a:effectRef>
+          <a:fontRef idx="minor">
+            <a:schemeClr val="lt1"/>
+          </a:fontRef>
+        </p:style>
+        <p:txBody>
+          <a:bodyPr rtlCol="0" anchor="ctr"/>
+          <a:lstStyle/>
+          <a:p>
+            <a:pPr algn="ctr"/>
+            <a:endParaRPr lang="en-US">
+              <a:solidFill>
+                <a:schemeClr val="tx1"/>
+              </a:solidFill>
+            </a:endParaRPr>
+          </a:p>
+        </p:txBody>
+      </p:sp>
+    </p:spTree>
+    <p:extLst>
+      <p:ext uri="{BB962C8B-B14F-4D97-AF65-F5344CB8AC3E}">
+        <p14:creationId xmlns:p14="http://schemas.microsoft.com/office/powerpoint/2010/main" val="89096736"/>
+      </p:ext>
+    </p:extLst>
+  </p:cSld>
+  <p:clrMapOvr>
+    <a:masterClrMapping/>
+  </p:clrMapOvr>
+  <mc:AlternateContent xmlns:mc="http://schemas.openxmlformats.org/markup-compatibility/2006" xmlns:p14="http://schemas.microsoft.com/office/powerpoint/2010/main">
+    <mc:Choice Requires="p14">
+      <p:transition p14:dur="0"/>
+    </mc:Choice>
+    <mc:Fallback xmlns="">
+      <p:transition/>
+    </mc:Fallback>
+  </mc:AlternateContent>
+  <p:timing>
+    <p:tnLst>
+      <p:par>
+        <p:cTn id="1" dur="indefinite" restart="never" nodeType="tmRoot"/>
+      </p:par>
+    </p:tnLst>
+  </p:timing>
+</p:sld>
+</file>
+
+<file path=ppt/slides/slide39.xml><?xml version="1.0" encoding="utf-8"?>
+<p:sld xmlns:a="http://schemas.openxmlformats.org/drawingml/2006/main" xmlns:r="http://schemas.openxmlformats.org/officeDocument/2006/relationships" xmlns:p="http://schemas.openxmlformats.org/presentationml/2006/main">
+  <p:cSld>
+    <p:spTree>
+      <p:nvGrpSpPr>
+        <p:cNvPr id="1" name=""/>
+        <p:cNvGrpSpPr/>
+        <p:nvPr/>
+      </p:nvGrpSpPr>
+      <p:grpSpPr>
+        <a:xfrm>
+          <a:off x="0" y="0"/>
+          <a:ext cx="0" cy="0"/>
+          <a:chOff x="0" y="0"/>
+          <a:chExt cx="0" cy="0"/>
+        </a:xfrm>
+      </p:grpSpPr>
+      <p:sp>
+        <p:nvSpPr>
+          <p:cNvPr id="3" name="Title 2"/>
+          <p:cNvSpPr>
+            <a:spLocks noGrp="1"/>
+          </p:cNvSpPr>
+          <p:nvPr>
+            <p:ph type="title"/>
+          </p:nvPr>
+        </p:nvSpPr>
+        <p:spPr>
+          <a:xfrm>
+            <a:off x="76200" y="228600"/>
+            <a:ext cx="8991600" cy="685800"/>
+          </a:xfrm>
+        </p:spPr>
+        <p:txBody>
+          <a:bodyPr>
+            <a:noAutofit/>
+          </a:bodyPr>
+          <a:lstStyle/>
+          <a:p>
+            <a:pPr algn="ctr"/>
+            <a:r>
+              <a:rPr lang="en-US" sz="4300" cap="none" dirty="0" smtClean="0">
+                <a:effectLst>
+                  <a:outerShdw blurRad="38100" dist="38100" dir="2700000" algn="tl">
+                    <a:srgbClr val="000000">
+                      <a:alpha val="43137"/>
+                    </a:srgbClr>
+                  </a:outerShdw>
+                </a:effectLst>
+                <a:latin typeface="Britannic Bold" pitchFamily="34" charset="0"/>
+              </a:rPr>
+              <a:t>Messaging Patterns</a:t>
+            </a:r>
+            <a:endParaRPr lang="en-US" sz="4300" cap="none" dirty="0">
+              <a:effectLst>
+                <a:outerShdw blurRad="38100" dist="38100" dir="2700000" algn="tl">
+                  <a:srgbClr val="000000">
+                    <a:alpha val="43137"/>
+                  </a:srgbClr>
+                </a:outerShdw>
+              </a:effectLst>
+              <a:latin typeface="Britannic Bold" pitchFamily="34" charset="0"/>
+            </a:endParaRPr>
+          </a:p>
+        </p:txBody>
+      </p:sp>
+      <p:pic>
+        <p:nvPicPr>
+          <p:cNvPr id="35" name="Picture 6" descr="http://www.microbot.it/images/ebay/Netduino%20Plus.jpg"/>
+          <p:cNvPicPr>
+            <a:picLocks noChangeAspect="1" noChangeArrowheads="1"/>
+          </p:cNvPicPr>
+          <p:nvPr/>
+        </p:nvPicPr>
+        <p:blipFill rotWithShape="1">
+          <a:blip r:embed="rId2" cstate="print">
+            <a:extLst>
+              <a:ext uri="{28A0092B-C50C-407E-A947-70E740481C1C}">
+                <a14:useLocalDpi xmlns:a14="http://schemas.microsoft.com/office/drawing/2010/main" val="0"/>
+              </a:ext>
+            </a:extLst>
+          </a:blip>
+          <a:srcRect l="49703" t="3223" r="7447" b="50119"/>
+          <a:stretch/>
+        </p:blipFill>
+        <p:spPr bwMode="auto">
+          <a:xfrm>
+            <a:off x="1219200" y="1828800"/>
+            <a:ext cx="745875" cy="609600"/>
+          </a:xfrm>
+          <a:prstGeom prst="rect">
+            <a:avLst/>
+          </a:prstGeom>
+          <a:noFill/>
+          <a:extLst>
+            <a:ext uri="{909E8E84-426E-40DD-AFC4-6F175D3DCCD1}">
+              <a14:hiddenFill xmlns:a14="http://schemas.microsoft.com/office/drawing/2010/main">
+                <a:solidFill>
+                  <a:srgbClr val="FFFFFF"/>
+                </a:solidFill>
+              </a14:hiddenFill>
+            </a:ext>
+          </a:extLst>
+        </p:spPr>
+      </p:pic>
+      <p:pic>
+        <p:nvPicPr>
+          <p:cNvPr id="36" name="Picture 6" descr="http://www.microbot.it/images/ebay/Netduino%20Plus.jpg"/>
+          <p:cNvPicPr>
+            <a:picLocks noChangeAspect="1" noChangeArrowheads="1"/>
+          </p:cNvPicPr>
+          <p:nvPr/>
+        </p:nvPicPr>
+        <p:blipFill rotWithShape="1">
+          <a:blip r:embed="rId2" cstate="print">
+            <a:extLst>
+              <a:ext uri="{28A0092B-C50C-407E-A947-70E740481C1C}">
+                <a14:useLocalDpi xmlns:a14="http://schemas.microsoft.com/office/drawing/2010/main" val="0"/>
+              </a:ext>
+            </a:extLst>
+          </a:blip>
+          <a:srcRect l="49703" t="3223" r="7447" b="50119"/>
+          <a:stretch/>
+        </p:blipFill>
+        <p:spPr bwMode="auto">
+          <a:xfrm>
+            <a:off x="1228165" y="3567953"/>
+            <a:ext cx="745875" cy="609600"/>
+          </a:xfrm>
+          <a:prstGeom prst="rect">
+            <a:avLst/>
+          </a:prstGeom>
+          <a:noFill/>
+          <a:extLst>
+            <a:ext uri="{909E8E84-426E-40DD-AFC4-6F175D3DCCD1}">
+              <a14:hiddenFill xmlns:a14="http://schemas.microsoft.com/office/drawing/2010/main">
+                <a:solidFill>
+                  <a:srgbClr val="FFFFFF"/>
+                </a:solidFill>
+              </a14:hiddenFill>
+            </a:ext>
+          </a:extLst>
+        </p:spPr>
+      </p:pic>
+      <p:sp>
+        <p:nvSpPr>
+          <p:cNvPr id="37" name="Rectangle 36"/>
+          <p:cNvSpPr/>
+          <p:nvPr/>
+        </p:nvSpPr>
+        <p:spPr>
+          <a:xfrm>
+            <a:off x="4000500" y="2554395"/>
+            <a:ext cx="1066800" cy="1064294"/>
+          </a:xfrm>
+          <a:prstGeom prst="rect">
+            <a:avLst/>
+          </a:prstGeom>
+        </p:spPr>
+        <p:style>
+          <a:lnRef idx="2">
+            <a:schemeClr val="accent1">
+              <a:shade val="50000"/>
+            </a:schemeClr>
+          </a:lnRef>
+          <a:fillRef idx="1">
+            <a:schemeClr val="accent1"/>
+          </a:fillRef>
+          <a:effectRef idx="0">
+            <a:schemeClr val="accent1"/>
+          </a:effectRef>
+          <a:fontRef idx="minor">
+            <a:schemeClr val="lt1"/>
+          </a:fontRef>
+        </p:style>
+        <p:txBody>
+          <a:bodyPr rtlCol="0" anchor="ctr"/>
+          <a:lstStyle/>
+          <a:p>
+            <a:pPr algn="ctr"/>
+            <a:endParaRPr lang="en-US" dirty="0"/>
+          </a:p>
+        </p:txBody>
+      </p:sp>
+      <p:sp>
+        <p:nvSpPr>
+          <p:cNvPr id="38" name="TextBox 37"/>
+          <p:cNvSpPr txBox="1"/>
+          <p:nvPr/>
+        </p:nvSpPr>
+        <p:spPr>
+          <a:xfrm>
+            <a:off x="3886200" y="2763377"/>
+            <a:ext cx="1295400" cy="646331"/>
+          </a:xfrm>
+          <a:prstGeom prst="rect">
+            <a:avLst/>
+          </a:prstGeom>
+          <a:noFill/>
+        </p:spPr>
+        <p:txBody>
+          <a:bodyPr wrap="square" rtlCol="0">
+            <a:spAutoFit/>
+          </a:bodyPr>
+          <a:lstStyle/>
+          <a:p>
+            <a:pPr algn="ctr"/>
+            <a:r>
+              <a:rPr lang="en-US" dirty="0" smtClean="0">
+                <a:latin typeface="Britannic Bold" pitchFamily="34" charset="0"/>
+              </a:rPr>
+              <a:t>MQTT</a:t>
+            </a:r>
+          </a:p>
+          <a:p>
+            <a:pPr algn="ctr"/>
+            <a:r>
+              <a:rPr lang="en-US" dirty="0" smtClean="0">
+                <a:latin typeface="Britannic Bold" pitchFamily="34" charset="0"/>
+              </a:rPr>
+              <a:t>Broker</a:t>
+            </a:r>
+            <a:endParaRPr lang="en-US" dirty="0">
+              <a:latin typeface="Britannic Bold" pitchFamily="34" charset="0"/>
+            </a:endParaRPr>
+          </a:p>
+        </p:txBody>
+      </p:sp>
+      <p:sp>
+        <p:nvSpPr>
+          <p:cNvPr id="7" name="Rectangle 6"/>
+          <p:cNvSpPr/>
+          <p:nvPr/>
+        </p:nvSpPr>
+        <p:spPr>
+          <a:xfrm>
+            <a:off x="6972300" y="2554395"/>
+            <a:ext cx="1066800" cy="1064294"/>
+          </a:xfrm>
+          <a:prstGeom prst="rect">
+            <a:avLst/>
+          </a:prstGeom>
+        </p:spPr>
+        <p:style>
+          <a:lnRef idx="2">
+            <a:schemeClr val="accent1">
+              <a:shade val="50000"/>
+            </a:schemeClr>
+          </a:lnRef>
+          <a:fillRef idx="1">
+            <a:schemeClr val="accent1"/>
+          </a:fillRef>
+          <a:effectRef idx="0">
+            <a:schemeClr val="accent1"/>
+          </a:effectRef>
+          <a:fontRef idx="minor">
+            <a:schemeClr val="lt1"/>
+          </a:fontRef>
+        </p:style>
+        <p:txBody>
+          <a:bodyPr rtlCol="0" anchor="ctr"/>
+          <a:lstStyle/>
+          <a:p>
+            <a:pPr algn="ctr"/>
+            <a:endParaRPr lang="en-US" dirty="0"/>
+          </a:p>
+        </p:txBody>
+      </p:sp>
+      <p:sp>
+        <p:nvSpPr>
+          <p:cNvPr id="8" name="TextBox 7"/>
+          <p:cNvSpPr txBox="1"/>
+          <p:nvPr/>
+        </p:nvSpPr>
+        <p:spPr>
+          <a:xfrm>
+            <a:off x="6858000" y="2763377"/>
+            <a:ext cx="1295400" cy="646331"/>
+          </a:xfrm>
+          <a:prstGeom prst="rect">
+            <a:avLst/>
+          </a:prstGeom>
+          <a:noFill/>
+        </p:spPr>
+        <p:txBody>
+          <a:bodyPr wrap="square" rtlCol="0">
+            <a:spAutoFit/>
+          </a:bodyPr>
+          <a:lstStyle/>
+          <a:p>
+            <a:pPr algn="ctr"/>
+            <a:r>
+              <a:rPr lang="en-US" dirty="0" smtClean="0">
+                <a:latin typeface="Britannic Bold" pitchFamily="34" charset="0"/>
+              </a:rPr>
+              <a:t>Message</a:t>
+            </a:r>
+            <a:endParaRPr lang="en-US" dirty="0" smtClean="0">
+              <a:latin typeface="Britannic Bold" pitchFamily="34" charset="0"/>
+            </a:endParaRPr>
+          </a:p>
+          <a:p>
+            <a:pPr algn="ctr"/>
+            <a:r>
+              <a:rPr lang="en-US" dirty="0" smtClean="0">
+                <a:latin typeface="Britannic Bold" pitchFamily="34" charset="0"/>
+              </a:rPr>
+              <a:t>Router</a:t>
+            </a:r>
+            <a:endParaRPr lang="en-US" dirty="0">
+              <a:latin typeface="Britannic Bold" pitchFamily="34" charset="0"/>
+            </a:endParaRPr>
+          </a:p>
+        </p:txBody>
+      </p:sp>
+      <p:cxnSp>
+        <p:nvCxnSpPr>
+          <p:cNvPr id="11" name="Straight Arrow Connector 10"/>
+          <p:cNvCxnSpPr/>
+          <p:nvPr/>
+        </p:nvCxnSpPr>
+        <p:spPr>
+          <a:xfrm>
+            <a:off x="2057400" y="2133600"/>
+            <a:ext cx="1915763" cy="780324"/>
+          </a:xfrm>
+          <a:prstGeom prst="straightConnector1">
+            <a:avLst/>
+          </a:prstGeom>
+          <a:ln w="15875">
+            <a:solidFill>
+              <a:srgbClr val="FF0000"/>
+            </a:solidFill>
+            <a:tailEnd type="triangle" w="lg" len="lg"/>
+          </a:ln>
+        </p:spPr>
+        <p:style>
+          <a:lnRef idx="1">
+            <a:schemeClr val="accent1"/>
+          </a:lnRef>
+          <a:fillRef idx="0">
+            <a:schemeClr val="accent1"/>
+          </a:fillRef>
+          <a:effectRef idx="0">
+            <a:schemeClr val="accent1"/>
+          </a:effectRef>
+          <a:fontRef idx="minor">
+            <a:schemeClr val="tx1"/>
+          </a:fontRef>
+        </p:style>
+      </p:cxnSp>
+      <p:cxnSp>
+        <p:nvCxnSpPr>
+          <p:cNvPr id="21" name="Straight Arrow Connector 20"/>
+          <p:cNvCxnSpPr/>
+          <p:nvPr/>
+        </p:nvCxnSpPr>
+        <p:spPr>
+          <a:xfrm flipV="1">
+            <a:off x="5079284" y="2771397"/>
+            <a:ext cx="1881032" cy="12443"/>
+          </a:xfrm>
+          <a:prstGeom prst="straightConnector1">
+            <a:avLst/>
+          </a:prstGeom>
+          <a:ln w="15875">
+            <a:solidFill>
+              <a:srgbClr val="FF0000"/>
+            </a:solidFill>
+            <a:tailEnd type="triangle" w="lg" len="lg"/>
+          </a:ln>
+        </p:spPr>
+        <p:style>
+          <a:lnRef idx="1">
+            <a:schemeClr val="accent1"/>
+          </a:lnRef>
+          <a:fillRef idx="0">
+            <a:schemeClr val="accent1"/>
+          </a:fillRef>
+          <a:effectRef idx="0">
+            <a:schemeClr val="accent1"/>
+          </a:effectRef>
+          <a:fontRef idx="minor">
+            <a:schemeClr val="tx1"/>
+          </a:fontRef>
+        </p:style>
+      </p:cxnSp>
+      <p:cxnSp>
+        <p:nvCxnSpPr>
+          <p:cNvPr id="25" name="Straight Arrow Connector 24"/>
+          <p:cNvCxnSpPr/>
+          <p:nvPr/>
+        </p:nvCxnSpPr>
+        <p:spPr>
+          <a:xfrm flipH="1">
+            <a:off x="5067300" y="3418011"/>
+            <a:ext cx="1893016" cy="12746"/>
+          </a:xfrm>
+          <a:prstGeom prst="straightConnector1">
+            <a:avLst/>
+          </a:prstGeom>
+          <a:ln w="15875">
+            <a:solidFill>
+              <a:srgbClr val="FF0000"/>
+            </a:solidFill>
+            <a:tailEnd type="triangle" w="lg" len="lg"/>
+          </a:ln>
+        </p:spPr>
+        <p:style>
+          <a:lnRef idx="1">
+            <a:schemeClr val="accent1"/>
+          </a:lnRef>
+          <a:fillRef idx="0">
+            <a:schemeClr val="accent1"/>
+          </a:fillRef>
+          <a:effectRef idx="0">
+            <a:schemeClr val="accent1"/>
+          </a:effectRef>
+          <a:fontRef idx="minor">
+            <a:schemeClr val="tx1"/>
+          </a:fontRef>
+        </p:style>
+      </p:cxnSp>
+      <p:pic>
+        <p:nvPicPr>
+          <p:cNvPr id="27" name="Picture 26"/>
+          <p:cNvPicPr>
+            <a:picLocks noChangeAspect="1"/>
+          </p:cNvPicPr>
+          <p:nvPr/>
+        </p:nvPicPr>
+        <p:blipFill>
+          <a:blip r:embed="rId3" cstate="print">
+            <a:extLst>
+              <a:ext uri="{28A0092B-C50C-407E-A947-70E740481C1C}">
+                <a14:useLocalDpi xmlns:a14="http://schemas.microsoft.com/office/drawing/2010/main" val="0"/>
+              </a:ext>
+            </a:extLst>
+          </a:blip>
+          <a:stretch>
+            <a:fillRect/>
+          </a:stretch>
+        </p:blipFill>
+        <p:spPr>
+          <a:xfrm>
+            <a:off x="685800" y="1114565"/>
+            <a:ext cx="619801" cy="585788"/>
+          </a:xfrm>
+          <a:prstGeom prst="rect">
+            <a:avLst/>
+          </a:prstGeom>
+        </p:spPr>
+      </p:pic>
+      <p:pic>
+        <p:nvPicPr>
+          <p:cNvPr id="28" name="Picture 27"/>
+          <p:cNvPicPr>
+            <a:picLocks noChangeAspect="1"/>
+          </p:cNvPicPr>
+          <p:nvPr/>
+        </p:nvPicPr>
+        <p:blipFill>
+          <a:blip r:embed="rId4">
+            <a:extLst>
+              <a:ext uri="{28A0092B-C50C-407E-A947-70E740481C1C}">
+                <a14:useLocalDpi xmlns:a14="http://schemas.microsoft.com/office/drawing/2010/main" val="0"/>
+              </a:ext>
+            </a:extLst>
+          </a:blip>
+          <a:stretch>
+            <a:fillRect/>
+          </a:stretch>
+        </p:blipFill>
+        <p:spPr>
+          <a:xfrm>
+            <a:off x="762000" y="4309082"/>
+            <a:ext cx="616164" cy="633769"/>
+          </a:xfrm>
+          <a:prstGeom prst="rect">
+            <a:avLst/>
+          </a:prstGeom>
+        </p:spPr>
+      </p:pic>
+      <p:sp>
+        <p:nvSpPr>
+          <p:cNvPr id="34" name="TextBox 33"/>
+          <p:cNvSpPr txBox="1"/>
+          <p:nvPr/>
+        </p:nvSpPr>
+        <p:spPr>
+          <a:xfrm rot="1339540">
+            <a:off x="2257503" y="2201864"/>
+            <a:ext cx="1428596" cy="307777"/>
+          </a:xfrm>
+          <a:prstGeom prst="rect">
+            <a:avLst/>
+          </a:prstGeom>
+          <a:noFill/>
+        </p:spPr>
+        <p:txBody>
+          <a:bodyPr wrap="none" rtlCol="0">
+            <a:spAutoFit/>
+          </a:bodyPr>
+          <a:lstStyle/>
+          <a:p>
+            <a:r>
+              <a:rPr lang="en-US" sz="1400" b="1" i="1" dirty="0" smtClean="0">
+                <a:solidFill>
+                  <a:schemeClr val="tx2"/>
+                </a:solidFill>
+              </a:rPr>
+              <a:t>Publish </a:t>
+            </a:r>
+            <a:r>
+              <a:rPr lang="en-US" sz="1400" b="1" i="1" dirty="0" smtClean="0">
+                <a:solidFill>
+                  <a:schemeClr val="tx2"/>
+                </a:solidFill>
+              </a:rPr>
+              <a:t>DI</a:t>
+            </a:r>
+            <a:r>
+              <a:rPr lang="en-US" sz="1400" b="1" i="1" dirty="0" smtClean="0">
+                <a:solidFill>
+                  <a:schemeClr val="tx2"/>
+                </a:solidFill>
+              </a:rPr>
+              <a:t>/0 true</a:t>
+            </a:r>
+            <a:endParaRPr lang="en-US" sz="1400" b="1" i="1" dirty="0">
+              <a:solidFill>
+                <a:schemeClr val="tx2"/>
+              </a:solidFill>
+            </a:endParaRPr>
+          </a:p>
+        </p:txBody>
+      </p:sp>
+      <p:sp>
+        <p:nvSpPr>
+          <p:cNvPr id="39" name="TextBox 38"/>
+          <p:cNvSpPr txBox="1"/>
+          <p:nvPr/>
+        </p:nvSpPr>
+        <p:spPr>
+          <a:xfrm>
+            <a:off x="5312661" y="2438400"/>
+            <a:ext cx="1428596" cy="307777"/>
+          </a:xfrm>
+          <a:prstGeom prst="rect">
+            <a:avLst/>
+          </a:prstGeom>
+          <a:noFill/>
+        </p:spPr>
+        <p:txBody>
+          <a:bodyPr wrap="none" rtlCol="0">
+            <a:spAutoFit/>
+          </a:bodyPr>
+          <a:lstStyle/>
+          <a:p>
+            <a:r>
+              <a:rPr lang="en-US" sz="1400" b="1" i="1" dirty="0" smtClean="0">
+                <a:solidFill>
+                  <a:schemeClr val="tx2"/>
+                </a:solidFill>
+              </a:rPr>
+              <a:t>Publish </a:t>
+            </a:r>
+            <a:r>
+              <a:rPr lang="en-US" sz="1400" b="1" i="1" dirty="0" smtClean="0">
+                <a:solidFill>
+                  <a:schemeClr val="tx2"/>
+                </a:solidFill>
+              </a:rPr>
+              <a:t>DI</a:t>
+            </a:r>
+            <a:r>
+              <a:rPr lang="en-US" sz="1400" b="1" i="1" dirty="0" smtClean="0">
+                <a:solidFill>
+                  <a:schemeClr val="tx2"/>
+                </a:solidFill>
+              </a:rPr>
+              <a:t>/0 true</a:t>
+            </a:r>
+            <a:endParaRPr lang="en-US" sz="1400" b="1" i="1" dirty="0">
+              <a:solidFill>
+                <a:schemeClr val="tx2"/>
+              </a:solidFill>
+            </a:endParaRPr>
+          </a:p>
+        </p:txBody>
+      </p:sp>
+      <p:sp>
+        <p:nvSpPr>
+          <p:cNvPr id="40" name="TextBox 39"/>
+          <p:cNvSpPr txBox="1"/>
+          <p:nvPr/>
+        </p:nvSpPr>
+        <p:spPr>
+          <a:xfrm>
+            <a:off x="5257800" y="3110234"/>
+            <a:ext cx="1497654" cy="307777"/>
+          </a:xfrm>
+          <a:prstGeom prst="rect">
+            <a:avLst/>
+          </a:prstGeom>
+          <a:noFill/>
+        </p:spPr>
+        <p:txBody>
+          <a:bodyPr wrap="none" rtlCol="0">
+            <a:spAutoFit/>
+          </a:bodyPr>
+          <a:lstStyle/>
+          <a:p>
+            <a:r>
+              <a:rPr lang="en-US" sz="1400" b="1" i="1" dirty="0" smtClean="0">
+                <a:solidFill>
+                  <a:schemeClr val="tx2"/>
+                </a:solidFill>
+              </a:rPr>
+              <a:t>Publish </a:t>
+            </a:r>
+            <a:r>
+              <a:rPr lang="en-US" sz="1400" b="1" i="1" dirty="0" smtClean="0">
+                <a:solidFill>
+                  <a:schemeClr val="tx2"/>
+                </a:solidFill>
+              </a:rPr>
+              <a:t>DO/0 true</a:t>
+            </a:r>
+            <a:endParaRPr lang="en-US" sz="1400" b="1" i="1" dirty="0">
+              <a:solidFill>
+                <a:schemeClr val="tx2"/>
+              </a:solidFill>
+            </a:endParaRPr>
+          </a:p>
+        </p:txBody>
+      </p:sp>
+      <p:sp>
+        <p:nvSpPr>
+          <p:cNvPr id="42" name="Curved Right Arrow 41"/>
+          <p:cNvSpPr/>
+          <p:nvPr/>
+        </p:nvSpPr>
+        <p:spPr>
+          <a:xfrm flipH="1">
+            <a:off x="8051084" y="2591002"/>
+            <a:ext cx="661832" cy="1027687"/>
+          </a:xfrm>
+          <a:prstGeom prst="curvedRightArrow">
+            <a:avLst/>
+          </a:prstGeom>
+        </p:spPr>
+        <p:style>
+          <a:lnRef idx="2">
+            <a:schemeClr val="accent1">
+              <a:shade val="50000"/>
+            </a:schemeClr>
+          </a:lnRef>
+          <a:fillRef idx="1">
+            <a:schemeClr val="accent1"/>
+          </a:fillRef>
+          <a:effectRef idx="0">
+            <a:schemeClr val="accent1"/>
+          </a:effectRef>
+          <a:fontRef idx="minor">
+            <a:schemeClr val="lt1"/>
+          </a:fontRef>
+        </p:style>
+        <p:txBody>
+          <a:bodyPr rtlCol="0" anchor="ctr"/>
+          <a:lstStyle/>
+          <a:p>
+            <a:pPr algn="ctr"/>
+            <a:endParaRPr lang="en-US">
+              <a:solidFill>
+                <a:schemeClr val="tx1"/>
+              </a:solidFill>
+            </a:endParaRPr>
+          </a:p>
+        </p:txBody>
+      </p:sp>
+    </p:spTree>
+    <p:extLst>
+      <p:ext uri="{BB962C8B-B14F-4D97-AF65-F5344CB8AC3E}">
+        <p14:creationId xmlns:p14="http://schemas.microsoft.com/office/powerpoint/2010/main" val="2887270044"/>
+      </p:ext>
+    </p:extLst>
+  </p:cSld>
+  <p:clrMapOvr>
+    <a:masterClrMapping/>
+  </p:clrMapOvr>
+  <mc:AlternateContent xmlns:mc="http://schemas.openxmlformats.org/markup-compatibility/2006" xmlns:p14="http://schemas.microsoft.com/office/powerpoint/2010/main">
+    <mc:Choice Requires="p14">
+      <p:transition p14:dur="0"/>
+    </mc:Choice>
+    <mc:Fallback xmlns="">
       <p:transition/>
     </mc:Fallback>
   </mc:AlternateContent>
@@ -32093,11 +35190,802 @@
   <p:clrMapOvr>
     <a:masterClrMapping/>
   </p:clrMapOvr>
-  <mc:AlternateContent xmlns:mc="http://schemas.openxmlformats.org/markup-compatibility/2006">
-    <mc:Choice xmlns:p14="http://schemas.microsoft.com/office/powerpoint/2010/main" Requires="p14">
+  <mc:AlternateContent xmlns:mc="http://schemas.openxmlformats.org/markup-compatibility/2006" xmlns:p14="http://schemas.microsoft.com/office/powerpoint/2010/main">
+    <mc:Choice Requires="p14">
       <p:transition p14:dur="0"/>
     </mc:Choice>
-    <mc:Fallback>
+    <mc:Fallback xmlns="">
+      <p:transition/>
+    </mc:Fallback>
+  </mc:AlternateContent>
+  <p:timing>
+    <p:tnLst>
+      <p:par>
+        <p:cTn id="1" dur="indefinite" restart="never" nodeType="tmRoot"/>
+      </p:par>
+    </p:tnLst>
+  </p:timing>
+</p:sld>
+</file>
+
+<file path=ppt/slides/slide40.xml><?xml version="1.0" encoding="utf-8"?>
+<p:sld xmlns:a="http://schemas.openxmlformats.org/drawingml/2006/main" xmlns:r="http://schemas.openxmlformats.org/officeDocument/2006/relationships" xmlns:p="http://schemas.openxmlformats.org/presentationml/2006/main">
+  <p:cSld>
+    <p:spTree>
+      <p:nvGrpSpPr>
+        <p:cNvPr id="1" name=""/>
+        <p:cNvGrpSpPr/>
+        <p:nvPr/>
+      </p:nvGrpSpPr>
+      <p:grpSpPr>
+        <a:xfrm>
+          <a:off x="0" y="0"/>
+          <a:ext cx="0" cy="0"/>
+          <a:chOff x="0" y="0"/>
+          <a:chExt cx="0" cy="0"/>
+        </a:xfrm>
+      </p:grpSpPr>
+      <p:sp>
+        <p:nvSpPr>
+          <p:cNvPr id="3" name="Title 2"/>
+          <p:cNvSpPr>
+            <a:spLocks noGrp="1"/>
+          </p:cNvSpPr>
+          <p:nvPr>
+            <p:ph type="title"/>
+          </p:nvPr>
+        </p:nvSpPr>
+        <p:spPr>
+          <a:xfrm>
+            <a:off x="76200" y="228600"/>
+            <a:ext cx="8991600" cy="685800"/>
+          </a:xfrm>
+        </p:spPr>
+        <p:txBody>
+          <a:bodyPr>
+            <a:noAutofit/>
+          </a:bodyPr>
+          <a:lstStyle/>
+          <a:p>
+            <a:pPr algn="ctr"/>
+            <a:r>
+              <a:rPr lang="en-US" sz="4300" cap="none" dirty="0" smtClean="0">
+                <a:effectLst>
+                  <a:outerShdw blurRad="38100" dist="38100" dir="2700000" algn="tl">
+                    <a:srgbClr val="000000">
+                      <a:alpha val="43137"/>
+                    </a:srgbClr>
+                  </a:outerShdw>
+                </a:effectLst>
+                <a:latin typeface="Britannic Bold" pitchFamily="34" charset="0"/>
+              </a:rPr>
+              <a:t>Messaging Patterns</a:t>
+            </a:r>
+            <a:endParaRPr lang="en-US" sz="4300" cap="none" dirty="0">
+              <a:effectLst>
+                <a:outerShdw blurRad="38100" dist="38100" dir="2700000" algn="tl">
+                  <a:srgbClr val="000000">
+                    <a:alpha val="43137"/>
+                  </a:srgbClr>
+                </a:outerShdw>
+              </a:effectLst>
+              <a:latin typeface="Britannic Bold" pitchFamily="34" charset="0"/>
+            </a:endParaRPr>
+          </a:p>
+        </p:txBody>
+      </p:sp>
+      <p:pic>
+        <p:nvPicPr>
+          <p:cNvPr id="35" name="Picture 6" descr="http://www.microbot.it/images/ebay/Netduino%20Plus.jpg"/>
+          <p:cNvPicPr>
+            <a:picLocks noChangeAspect="1" noChangeArrowheads="1"/>
+          </p:cNvPicPr>
+          <p:nvPr/>
+        </p:nvPicPr>
+        <p:blipFill rotWithShape="1">
+          <a:blip r:embed="rId2" cstate="print">
+            <a:extLst>
+              <a:ext uri="{28A0092B-C50C-407E-A947-70E740481C1C}">
+                <a14:useLocalDpi xmlns:a14="http://schemas.microsoft.com/office/drawing/2010/main" val="0"/>
+              </a:ext>
+            </a:extLst>
+          </a:blip>
+          <a:srcRect l="49703" t="3223" r="7447" b="50119"/>
+          <a:stretch/>
+        </p:blipFill>
+        <p:spPr bwMode="auto">
+          <a:xfrm>
+            <a:off x="1219200" y="1828800"/>
+            <a:ext cx="745875" cy="609600"/>
+          </a:xfrm>
+          <a:prstGeom prst="rect">
+            <a:avLst/>
+          </a:prstGeom>
+          <a:noFill/>
+          <a:extLst>
+            <a:ext uri="{909E8E84-426E-40DD-AFC4-6F175D3DCCD1}">
+              <a14:hiddenFill xmlns:a14="http://schemas.microsoft.com/office/drawing/2010/main">
+                <a:solidFill>
+                  <a:srgbClr val="FFFFFF"/>
+                </a:solidFill>
+              </a14:hiddenFill>
+            </a:ext>
+          </a:extLst>
+        </p:spPr>
+      </p:pic>
+      <p:pic>
+        <p:nvPicPr>
+          <p:cNvPr id="36" name="Picture 6" descr="http://www.microbot.it/images/ebay/Netduino%20Plus.jpg"/>
+          <p:cNvPicPr>
+            <a:picLocks noChangeAspect="1" noChangeArrowheads="1"/>
+          </p:cNvPicPr>
+          <p:nvPr/>
+        </p:nvPicPr>
+        <p:blipFill rotWithShape="1">
+          <a:blip r:embed="rId2" cstate="print">
+            <a:extLst>
+              <a:ext uri="{28A0092B-C50C-407E-A947-70E740481C1C}">
+                <a14:useLocalDpi xmlns:a14="http://schemas.microsoft.com/office/drawing/2010/main" val="0"/>
+              </a:ext>
+            </a:extLst>
+          </a:blip>
+          <a:srcRect l="49703" t="3223" r="7447" b="50119"/>
+          <a:stretch/>
+        </p:blipFill>
+        <p:spPr bwMode="auto">
+          <a:xfrm>
+            <a:off x="1228165" y="3567953"/>
+            <a:ext cx="745875" cy="609600"/>
+          </a:xfrm>
+          <a:prstGeom prst="rect">
+            <a:avLst/>
+          </a:prstGeom>
+          <a:noFill/>
+          <a:extLst>
+            <a:ext uri="{909E8E84-426E-40DD-AFC4-6F175D3DCCD1}">
+              <a14:hiddenFill xmlns:a14="http://schemas.microsoft.com/office/drawing/2010/main">
+                <a:solidFill>
+                  <a:srgbClr val="FFFFFF"/>
+                </a:solidFill>
+              </a14:hiddenFill>
+            </a:ext>
+          </a:extLst>
+        </p:spPr>
+      </p:pic>
+      <p:sp>
+        <p:nvSpPr>
+          <p:cNvPr id="37" name="Rectangle 36"/>
+          <p:cNvSpPr/>
+          <p:nvPr/>
+        </p:nvSpPr>
+        <p:spPr>
+          <a:xfrm>
+            <a:off x="4000500" y="2554395"/>
+            <a:ext cx="1066800" cy="1064294"/>
+          </a:xfrm>
+          <a:prstGeom prst="rect">
+            <a:avLst/>
+          </a:prstGeom>
+        </p:spPr>
+        <p:style>
+          <a:lnRef idx="2">
+            <a:schemeClr val="accent1">
+              <a:shade val="50000"/>
+            </a:schemeClr>
+          </a:lnRef>
+          <a:fillRef idx="1">
+            <a:schemeClr val="accent1"/>
+          </a:fillRef>
+          <a:effectRef idx="0">
+            <a:schemeClr val="accent1"/>
+          </a:effectRef>
+          <a:fontRef idx="minor">
+            <a:schemeClr val="lt1"/>
+          </a:fontRef>
+        </p:style>
+        <p:txBody>
+          <a:bodyPr rtlCol="0" anchor="ctr"/>
+          <a:lstStyle/>
+          <a:p>
+            <a:pPr algn="ctr"/>
+            <a:endParaRPr lang="en-US" dirty="0"/>
+          </a:p>
+        </p:txBody>
+      </p:sp>
+      <p:sp>
+        <p:nvSpPr>
+          <p:cNvPr id="38" name="TextBox 37"/>
+          <p:cNvSpPr txBox="1"/>
+          <p:nvPr/>
+        </p:nvSpPr>
+        <p:spPr>
+          <a:xfrm>
+            <a:off x="3886200" y="2763377"/>
+            <a:ext cx="1295400" cy="646331"/>
+          </a:xfrm>
+          <a:prstGeom prst="rect">
+            <a:avLst/>
+          </a:prstGeom>
+          <a:noFill/>
+        </p:spPr>
+        <p:txBody>
+          <a:bodyPr wrap="square" rtlCol="0">
+            <a:spAutoFit/>
+          </a:bodyPr>
+          <a:lstStyle/>
+          <a:p>
+            <a:pPr algn="ctr"/>
+            <a:r>
+              <a:rPr lang="en-US" dirty="0" smtClean="0">
+                <a:latin typeface="Britannic Bold" pitchFamily="34" charset="0"/>
+              </a:rPr>
+              <a:t>MQTT</a:t>
+            </a:r>
+          </a:p>
+          <a:p>
+            <a:pPr algn="ctr"/>
+            <a:r>
+              <a:rPr lang="en-US" dirty="0" smtClean="0">
+                <a:latin typeface="Britannic Bold" pitchFamily="34" charset="0"/>
+              </a:rPr>
+              <a:t>Broker</a:t>
+            </a:r>
+            <a:endParaRPr lang="en-US" dirty="0">
+              <a:latin typeface="Britannic Bold" pitchFamily="34" charset="0"/>
+            </a:endParaRPr>
+          </a:p>
+        </p:txBody>
+      </p:sp>
+      <p:sp>
+        <p:nvSpPr>
+          <p:cNvPr id="7" name="Rectangle 6"/>
+          <p:cNvSpPr/>
+          <p:nvPr/>
+        </p:nvSpPr>
+        <p:spPr>
+          <a:xfrm>
+            <a:off x="6972300" y="2554395"/>
+            <a:ext cx="1066800" cy="1064294"/>
+          </a:xfrm>
+          <a:prstGeom prst="rect">
+            <a:avLst/>
+          </a:prstGeom>
+        </p:spPr>
+        <p:style>
+          <a:lnRef idx="2">
+            <a:schemeClr val="accent1">
+              <a:shade val="50000"/>
+            </a:schemeClr>
+          </a:lnRef>
+          <a:fillRef idx="1">
+            <a:schemeClr val="accent1"/>
+          </a:fillRef>
+          <a:effectRef idx="0">
+            <a:schemeClr val="accent1"/>
+          </a:effectRef>
+          <a:fontRef idx="minor">
+            <a:schemeClr val="lt1"/>
+          </a:fontRef>
+        </p:style>
+        <p:txBody>
+          <a:bodyPr rtlCol="0" anchor="ctr"/>
+          <a:lstStyle/>
+          <a:p>
+            <a:pPr algn="ctr"/>
+            <a:endParaRPr lang="en-US" dirty="0"/>
+          </a:p>
+        </p:txBody>
+      </p:sp>
+      <p:sp>
+        <p:nvSpPr>
+          <p:cNvPr id="8" name="TextBox 7"/>
+          <p:cNvSpPr txBox="1"/>
+          <p:nvPr/>
+        </p:nvSpPr>
+        <p:spPr>
+          <a:xfrm>
+            <a:off x="6858000" y="2763377"/>
+            <a:ext cx="1295400" cy="646331"/>
+          </a:xfrm>
+          <a:prstGeom prst="rect">
+            <a:avLst/>
+          </a:prstGeom>
+          <a:noFill/>
+        </p:spPr>
+        <p:txBody>
+          <a:bodyPr wrap="square" rtlCol="0">
+            <a:spAutoFit/>
+          </a:bodyPr>
+          <a:lstStyle/>
+          <a:p>
+            <a:pPr algn="ctr"/>
+            <a:r>
+              <a:rPr lang="en-US" dirty="0" smtClean="0">
+                <a:latin typeface="Britannic Bold" pitchFamily="34" charset="0"/>
+              </a:rPr>
+              <a:t>Message</a:t>
+            </a:r>
+            <a:endParaRPr lang="en-US" dirty="0" smtClean="0">
+              <a:latin typeface="Britannic Bold" pitchFamily="34" charset="0"/>
+            </a:endParaRPr>
+          </a:p>
+          <a:p>
+            <a:pPr algn="ctr"/>
+            <a:r>
+              <a:rPr lang="en-US" dirty="0" smtClean="0">
+                <a:latin typeface="Britannic Bold" pitchFamily="34" charset="0"/>
+              </a:rPr>
+              <a:t>Router</a:t>
+            </a:r>
+            <a:endParaRPr lang="en-US" dirty="0">
+              <a:latin typeface="Britannic Bold" pitchFamily="34" charset="0"/>
+            </a:endParaRPr>
+          </a:p>
+        </p:txBody>
+      </p:sp>
+      <p:cxnSp>
+        <p:nvCxnSpPr>
+          <p:cNvPr id="11" name="Straight Arrow Connector 10"/>
+          <p:cNvCxnSpPr/>
+          <p:nvPr/>
+        </p:nvCxnSpPr>
+        <p:spPr>
+          <a:xfrm>
+            <a:off x="2057400" y="2133600"/>
+            <a:ext cx="1915763" cy="780324"/>
+          </a:xfrm>
+          <a:prstGeom prst="straightConnector1">
+            <a:avLst/>
+          </a:prstGeom>
+          <a:ln w="15875">
+            <a:solidFill>
+              <a:srgbClr val="FF0000"/>
+            </a:solidFill>
+            <a:tailEnd type="triangle" w="lg" len="lg"/>
+          </a:ln>
+        </p:spPr>
+        <p:style>
+          <a:lnRef idx="1">
+            <a:schemeClr val="accent1"/>
+          </a:lnRef>
+          <a:fillRef idx="0">
+            <a:schemeClr val="accent1"/>
+          </a:fillRef>
+          <a:effectRef idx="0">
+            <a:schemeClr val="accent1"/>
+          </a:effectRef>
+          <a:fontRef idx="minor">
+            <a:schemeClr val="tx1"/>
+          </a:fontRef>
+        </p:style>
+      </p:cxnSp>
+      <p:sp>
+        <p:nvSpPr>
+          <p:cNvPr id="20" name="TextBox 19"/>
+          <p:cNvSpPr txBox="1"/>
+          <p:nvPr/>
+        </p:nvSpPr>
+        <p:spPr>
+          <a:xfrm rot="20673659">
+            <a:off x="2342000" y="3668284"/>
+            <a:ext cx="1497654" cy="307777"/>
+          </a:xfrm>
+          <a:prstGeom prst="rect">
+            <a:avLst/>
+          </a:prstGeom>
+          <a:noFill/>
+        </p:spPr>
+        <p:txBody>
+          <a:bodyPr wrap="none" rtlCol="0">
+            <a:spAutoFit/>
+          </a:bodyPr>
+          <a:lstStyle/>
+          <a:p>
+            <a:r>
+              <a:rPr lang="en-US" sz="1400" b="1" i="1" dirty="0" smtClean="0">
+                <a:solidFill>
+                  <a:schemeClr val="tx2"/>
+                </a:solidFill>
+              </a:rPr>
+              <a:t>Publish </a:t>
+            </a:r>
+            <a:r>
+              <a:rPr lang="en-US" sz="1400" b="1" i="1" dirty="0" smtClean="0">
+                <a:solidFill>
+                  <a:schemeClr val="tx2"/>
+                </a:solidFill>
+              </a:rPr>
+              <a:t>DO/0 true</a:t>
+            </a:r>
+            <a:endParaRPr lang="en-US" sz="1400" b="1" i="1" dirty="0">
+              <a:solidFill>
+                <a:schemeClr val="tx2"/>
+              </a:solidFill>
+            </a:endParaRPr>
+          </a:p>
+        </p:txBody>
+      </p:sp>
+      <p:cxnSp>
+        <p:nvCxnSpPr>
+          <p:cNvPr id="21" name="Straight Arrow Connector 20"/>
+          <p:cNvCxnSpPr/>
+          <p:nvPr/>
+        </p:nvCxnSpPr>
+        <p:spPr>
+          <a:xfrm flipV="1">
+            <a:off x="5079284" y="2771397"/>
+            <a:ext cx="1881032" cy="12443"/>
+          </a:xfrm>
+          <a:prstGeom prst="straightConnector1">
+            <a:avLst/>
+          </a:prstGeom>
+          <a:ln w="15875">
+            <a:solidFill>
+              <a:srgbClr val="FF0000"/>
+            </a:solidFill>
+            <a:tailEnd type="triangle" w="lg" len="lg"/>
+          </a:ln>
+        </p:spPr>
+        <p:style>
+          <a:lnRef idx="1">
+            <a:schemeClr val="accent1"/>
+          </a:lnRef>
+          <a:fillRef idx="0">
+            <a:schemeClr val="accent1"/>
+          </a:fillRef>
+          <a:effectRef idx="0">
+            <a:schemeClr val="accent1"/>
+          </a:effectRef>
+          <a:fontRef idx="minor">
+            <a:schemeClr val="tx1"/>
+          </a:fontRef>
+        </p:style>
+      </p:cxnSp>
+      <p:cxnSp>
+        <p:nvCxnSpPr>
+          <p:cNvPr id="25" name="Straight Arrow Connector 24"/>
+          <p:cNvCxnSpPr/>
+          <p:nvPr/>
+        </p:nvCxnSpPr>
+        <p:spPr>
+          <a:xfrm flipH="1">
+            <a:off x="5067300" y="3418011"/>
+            <a:ext cx="1893016" cy="12746"/>
+          </a:xfrm>
+          <a:prstGeom prst="straightConnector1">
+            <a:avLst/>
+          </a:prstGeom>
+          <a:ln w="15875">
+            <a:solidFill>
+              <a:srgbClr val="FF0000"/>
+            </a:solidFill>
+            <a:tailEnd type="triangle" w="lg" len="lg"/>
+          </a:ln>
+        </p:spPr>
+        <p:style>
+          <a:lnRef idx="1">
+            <a:schemeClr val="accent1"/>
+          </a:lnRef>
+          <a:fillRef idx="0">
+            <a:schemeClr val="accent1"/>
+          </a:fillRef>
+          <a:effectRef idx="0">
+            <a:schemeClr val="accent1"/>
+          </a:effectRef>
+          <a:fontRef idx="minor">
+            <a:schemeClr val="tx1"/>
+          </a:fontRef>
+        </p:style>
+      </p:cxnSp>
+      <p:cxnSp>
+        <p:nvCxnSpPr>
+          <p:cNvPr id="29" name="Straight Arrow Connector 28"/>
+          <p:cNvCxnSpPr/>
+          <p:nvPr/>
+        </p:nvCxnSpPr>
+        <p:spPr>
+          <a:xfrm flipH="1">
+            <a:off x="2057400" y="3376969"/>
+            <a:ext cx="1943100" cy="495784"/>
+          </a:xfrm>
+          <a:prstGeom prst="straightConnector1">
+            <a:avLst/>
+          </a:prstGeom>
+          <a:ln w="15875">
+            <a:solidFill>
+              <a:srgbClr val="FF0000"/>
+            </a:solidFill>
+            <a:tailEnd type="triangle" w="lg" len="lg"/>
+          </a:ln>
+        </p:spPr>
+        <p:style>
+          <a:lnRef idx="1">
+            <a:schemeClr val="accent1"/>
+          </a:lnRef>
+          <a:fillRef idx="0">
+            <a:schemeClr val="accent1"/>
+          </a:fillRef>
+          <a:effectRef idx="0">
+            <a:schemeClr val="accent1"/>
+          </a:effectRef>
+          <a:fontRef idx="minor">
+            <a:schemeClr val="tx1"/>
+          </a:fontRef>
+        </p:style>
+      </p:cxnSp>
+      <p:pic>
+        <p:nvPicPr>
+          <p:cNvPr id="27" name="Picture 26"/>
+          <p:cNvPicPr>
+            <a:picLocks noChangeAspect="1"/>
+          </p:cNvPicPr>
+          <p:nvPr/>
+        </p:nvPicPr>
+        <p:blipFill>
+          <a:blip r:embed="rId3" cstate="print">
+            <a:extLst>
+              <a:ext uri="{28A0092B-C50C-407E-A947-70E740481C1C}">
+                <a14:useLocalDpi xmlns:a14="http://schemas.microsoft.com/office/drawing/2010/main" val="0"/>
+              </a:ext>
+            </a:extLst>
+          </a:blip>
+          <a:stretch>
+            <a:fillRect/>
+          </a:stretch>
+        </p:blipFill>
+        <p:spPr>
+          <a:xfrm>
+            <a:off x="685800" y="1114565"/>
+            <a:ext cx="619801" cy="585788"/>
+          </a:xfrm>
+          <a:prstGeom prst="rect">
+            <a:avLst/>
+          </a:prstGeom>
+        </p:spPr>
+      </p:pic>
+      <p:pic>
+        <p:nvPicPr>
+          <p:cNvPr id="28" name="Picture 27"/>
+          <p:cNvPicPr>
+            <a:picLocks noChangeAspect="1"/>
+          </p:cNvPicPr>
+          <p:nvPr/>
+        </p:nvPicPr>
+        <p:blipFill>
+          <a:blip r:embed="rId4">
+            <a:extLst>
+              <a:ext uri="{28A0092B-C50C-407E-A947-70E740481C1C}">
+                <a14:useLocalDpi xmlns:a14="http://schemas.microsoft.com/office/drawing/2010/main" val="0"/>
+              </a:ext>
+            </a:extLst>
+          </a:blip>
+          <a:stretch>
+            <a:fillRect/>
+          </a:stretch>
+        </p:blipFill>
+        <p:spPr>
+          <a:xfrm>
+            <a:off x="762000" y="4309082"/>
+            <a:ext cx="616164" cy="633769"/>
+          </a:xfrm>
+          <a:prstGeom prst="rect">
+            <a:avLst/>
+          </a:prstGeom>
+        </p:spPr>
+      </p:pic>
+      <p:sp>
+        <p:nvSpPr>
+          <p:cNvPr id="34" name="TextBox 33"/>
+          <p:cNvSpPr txBox="1"/>
+          <p:nvPr/>
+        </p:nvSpPr>
+        <p:spPr>
+          <a:xfrm rot="1339540">
+            <a:off x="2257503" y="2201864"/>
+            <a:ext cx="1428596" cy="307777"/>
+          </a:xfrm>
+          <a:prstGeom prst="rect">
+            <a:avLst/>
+          </a:prstGeom>
+          <a:noFill/>
+        </p:spPr>
+        <p:txBody>
+          <a:bodyPr wrap="none" rtlCol="0">
+            <a:spAutoFit/>
+          </a:bodyPr>
+          <a:lstStyle/>
+          <a:p>
+            <a:r>
+              <a:rPr lang="en-US" sz="1400" b="1" i="1" dirty="0" smtClean="0">
+                <a:solidFill>
+                  <a:schemeClr val="tx2"/>
+                </a:solidFill>
+              </a:rPr>
+              <a:t>Publish </a:t>
+            </a:r>
+            <a:r>
+              <a:rPr lang="en-US" sz="1400" b="1" i="1" dirty="0" smtClean="0">
+                <a:solidFill>
+                  <a:schemeClr val="tx2"/>
+                </a:solidFill>
+              </a:rPr>
+              <a:t>DI</a:t>
+            </a:r>
+            <a:r>
+              <a:rPr lang="en-US" sz="1400" b="1" i="1" dirty="0" smtClean="0">
+                <a:solidFill>
+                  <a:schemeClr val="tx2"/>
+                </a:solidFill>
+              </a:rPr>
+              <a:t>/0 true</a:t>
+            </a:r>
+            <a:endParaRPr lang="en-US" sz="1400" b="1" i="1" dirty="0">
+              <a:solidFill>
+                <a:schemeClr val="tx2"/>
+              </a:solidFill>
+            </a:endParaRPr>
+          </a:p>
+        </p:txBody>
+      </p:sp>
+      <p:sp>
+        <p:nvSpPr>
+          <p:cNvPr id="39" name="TextBox 38"/>
+          <p:cNvSpPr txBox="1"/>
+          <p:nvPr/>
+        </p:nvSpPr>
+        <p:spPr>
+          <a:xfrm>
+            <a:off x="5312661" y="2438400"/>
+            <a:ext cx="1428596" cy="307777"/>
+          </a:xfrm>
+          <a:prstGeom prst="rect">
+            <a:avLst/>
+          </a:prstGeom>
+          <a:noFill/>
+        </p:spPr>
+        <p:txBody>
+          <a:bodyPr wrap="none" rtlCol="0">
+            <a:spAutoFit/>
+          </a:bodyPr>
+          <a:lstStyle/>
+          <a:p>
+            <a:r>
+              <a:rPr lang="en-US" sz="1400" b="1" i="1" dirty="0" smtClean="0">
+                <a:solidFill>
+                  <a:schemeClr val="tx2"/>
+                </a:solidFill>
+              </a:rPr>
+              <a:t>Publish </a:t>
+            </a:r>
+            <a:r>
+              <a:rPr lang="en-US" sz="1400" b="1" i="1" dirty="0" smtClean="0">
+                <a:solidFill>
+                  <a:schemeClr val="tx2"/>
+                </a:solidFill>
+              </a:rPr>
+              <a:t>DI</a:t>
+            </a:r>
+            <a:r>
+              <a:rPr lang="en-US" sz="1400" b="1" i="1" dirty="0" smtClean="0">
+                <a:solidFill>
+                  <a:schemeClr val="tx2"/>
+                </a:solidFill>
+              </a:rPr>
+              <a:t>/0 true</a:t>
+            </a:r>
+            <a:endParaRPr lang="en-US" sz="1400" b="1" i="1" dirty="0">
+              <a:solidFill>
+                <a:schemeClr val="tx2"/>
+              </a:solidFill>
+            </a:endParaRPr>
+          </a:p>
+        </p:txBody>
+      </p:sp>
+      <p:sp>
+        <p:nvSpPr>
+          <p:cNvPr id="40" name="TextBox 39"/>
+          <p:cNvSpPr txBox="1"/>
+          <p:nvPr/>
+        </p:nvSpPr>
+        <p:spPr>
+          <a:xfrm>
+            <a:off x="5257800" y="3110234"/>
+            <a:ext cx="1497654" cy="307777"/>
+          </a:xfrm>
+          <a:prstGeom prst="rect">
+            <a:avLst/>
+          </a:prstGeom>
+          <a:noFill/>
+        </p:spPr>
+        <p:txBody>
+          <a:bodyPr wrap="none" rtlCol="0">
+            <a:spAutoFit/>
+          </a:bodyPr>
+          <a:lstStyle/>
+          <a:p>
+            <a:r>
+              <a:rPr lang="en-US" sz="1400" b="1" i="1" dirty="0" smtClean="0">
+                <a:solidFill>
+                  <a:schemeClr val="tx2"/>
+                </a:solidFill>
+              </a:rPr>
+              <a:t>Publish </a:t>
+            </a:r>
+            <a:r>
+              <a:rPr lang="en-US" sz="1400" b="1" i="1" dirty="0" smtClean="0">
+                <a:solidFill>
+                  <a:schemeClr val="tx2"/>
+                </a:solidFill>
+              </a:rPr>
+              <a:t>DO/0 true</a:t>
+            </a:r>
+            <a:endParaRPr lang="en-US" sz="1400" b="1" i="1" dirty="0">
+              <a:solidFill>
+                <a:schemeClr val="tx2"/>
+              </a:solidFill>
+            </a:endParaRPr>
+          </a:p>
+        </p:txBody>
+      </p:sp>
+      <p:sp>
+        <p:nvSpPr>
+          <p:cNvPr id="42" name="Curved Right Arrow 41"/>
+          <p:cNvSpPr/>
+          <p:nvPr/>
+        </p:nvSpPr>
+        <p:spPr>
+          <a:xfrm flipH="1">
+            <a:off x="8051084" y="2591002"/>
+            <a:ext cx="661832" cy="1027687"/>
+          </a:xfrm>
+          <a:prstGeom prst="curvedRightArrow">
+            <a:avLst/>
+          </a:prstGeom>
+        </p:spPr>
+        <p:style>
+          <a:lnRef idx="2">
+            <a:schemeClr val="accent1">
+              <a:shade val="50000"/>
+            </a:schemeClr>
+          </a:lnRef>
+          <a:fillRef idx="1">
+            <a:schemeClr val="accent1"/>
+          </a:fillRef>
+          <a:effectRef idx="0">
+            <a:schemeClr val="accent1"/>
+          </a:effectRef>
+          <a:fontRef idx="minor">
+            <a:schemeClr val="lt1"/>
+          </a:fontRef>
+        </p:style>
+        <p:txBody>
+          <a:bodyPr rtlCol="0" anchor="ctr"/>
+          <a:lstStyle/>
+          <a:p>
+            <a:pPr algn="ctr"/>
+            <a:endParaRPr lang="en-US">
+              <a:solidFill>
+                <a:schemeClr val="tx1"/>
+              </a:solidFill>
+            </a:endParaRPr>
+          </a:p>
+        </p:txBody>
+      </p:sp>
+    </p:spTree>
+    <p:extLst>
+      <p:ext uri="{BB962C8B-B14F-4D97-AF65-F5344CB8AC3E}">
+        <p14:creationId xmlns:p14="http://schemas.microsoft.com/office/powerpoint/2010/main" val="1756055055"/>
+      </p:ext>
+    </p:extLst>
+  </p:cSld>
+  <p:clrMapOvr>
+    <a:masterClrMapping/>
+  </p:clrMapOvr>
+  <mc:AlternateContent xmlns:mc="http://schemas.openxmlformats.org/markup-compatibility/2006" xmlns:p14="http://schemas.microsoft.com/office/powerpoint/2010/main">
+    <mc:Choice Requires="p14">
+      <p:transition p14:dur="0"/>
+    </mc:Choice>
+    <mc:Fallback xmlns="">
       <p:transition/>
     </mc:Fallback>
   </mc:AlternateContent>
@@ -32268,21 +36156,7 @@
                 <a:latin typeface="Aparajita" pitchFamily="34" charset="0"/>
                 <a:cs typeface="Aparajita" pitchFamily="34" charset="0"/>
               </a:rPr>
-              <a:t>Digital </a:t>
-            </a:r>
-            <a:r>
-              <a:rPr lang="en-US" b="1" u="sng" dirty="0" smtClean="0">
-                <a:latin typeface="Aparajita" pitchFamily="34" charset="0"/>
-                <a:cs typeface="Aparajita" pitchFamily="34" charset="0"/>
-              </a:rPr>
-              <a:t>i/o </a:t>
-            </a:r>
-            <a:r>
-              <a:rPr lang="en-US" b="1" u="sng" dirty="0" smtClean="0">
-                <a:latin typeface="Aparajita" pitchFamily="34" charset="0"/>
-                <a:cs typeface="Aparajita" pitchFamily="34" charset="0"/>
-              </a:rPr>
-              <a:t>Features</a:t>
+              <a:t>Digital i/o Features</a:t>
             </a:r>
             <a:endParaRPr lang="en-US" u="sng" dirty="0" smtClean="0">
               <a:latin typeface="Aparajita" pitchFamily="34" charset="0"/>
@@ -32302,19 +36176,8 @@
                 <a:latin typeface="Aparajita" pitchFamily="34" charset="0"/>
                 <a:cs typeface="Aparajita" pitchFamily="34" charset="0"/>
               </a:rPr>
-              <a:t>All 20 digital and analog pins: </a:t>
-            </a:r>
-            <a:r>
-              <a:rPr lang="en-US" dirty="0" smtClean="0">
-                <a:latin typeface="Aparajita" pitchFamily="34" charset="0"/>
-                <a:cs typeface="Aparajita" pitchFamily="34" charset="0"/>
-              </a:rPr>
-              <a:t>GPIO</a:t>
-            </a:r>
-            <a:endParaRPr lang="en-US" dirty="0" smtClean="0">
-              <a:latin typeface="Aparajita" pitchFamily="34" charset="0"/>
-              <a:cs typeface="Aparajita" pitchFamily="34" charset="0"/>
-            </a:endParaRPr>
+              <a:t>All 20 digital and analog pins: GPIO</a:t>
+            </a:r>
           </a:p>
           <a:p>
             <a:pPr marL="285750" indent="-285750">
@@ -32329,19 +36192,8 @@
                 <a:latin typeface="Aparajita" pitchFamily="34" charset="0"/>
                 <a:cs typeface="Aparajita" pitchFamily="34" charset="0"/>
               </a:rPr>
-              <a:t>Digital pins 0-1: UART 1 RX, </a:t>
-            </a:r>
-            <a:r>
-              <a:rPr lang="en-US" dirty="0" smtClean="0">
-                <a:latin typeface="Aparajita" pitchFamily="34" charset="0"/>
-                <a:cs typeface="Aparajita" pitchFamily="34" charset="0"/>
-              </a:rPr>
-              <a:t>TX</a:t>
-            </a:r>
-            <a:endParaRPr lang="en-US" dirty="0" smtClean="0">
-              <a:latin typeface="Aparajita" pitchFamily="34" charset="0"/>
-              <a:cs typeface="Aparajita" pitchFamily="34" charset="0"/>
-            </a:endParaRPr>
+              <a:t>Digital pins 0-1: UART 1 RX, TX</a:t>
+            </a:r>
           </a:p>
           <a:p>
             <a:pPr marL="285750" indent="-285750">
@@ -32356,19 +36208,8 @@
                 <a:latin typeface="Aparajita" pitchFamily="34" charset="0"/>
                 <a:cs typeface="Aparajita" pitchFamily="34" charset="0"/>
               </a:rPr>
-              <a:t>Digital pins 2-3: UART 2 RX, </a:t>
-            </a:r>
-            <a:r>
-              <a:rPr lang="en-US" dirty="0" smtClean="0">
-                <a:latin typeface="Aparajita" pitchFamily="34" charset="0"/>
-                <a:cs typeface="Aparajita" pitchFamily="34" charset="0"/>
-              </a:rPr>
-              <a:t>TX</a:t>
-            </a:r>
-            <a:endParaRPr lang="en-US" dirty="0" smtClean="0">
-              <a:latin typeface="Aparajita" pitchFamily="34" charset="0"/>
-              <a:cs typeface="Aparajita" pitchFamily="34" charset="0"/>
-            </a:endParaRPr>
+              <a:t>Digital pins 2-3: UART 2 RX, TX</a:t>
+            </a:r>
           </a:p>
           <a:p>
             <a:pPr marL="285750" indent="-285750">
@@ -32383,19 +36224,8 @@
                 <a:latin typeface="Aparajita" pitchFamily="34" charset="0"/>
                 <a:cs typeface="Aparajita" pitchFamily="34" charset="0"/>
               </a:rPr>
-              <a:t>Digital pins 5-6: PWM, </a:t>
-            </a:r>
-            <a:r>
-              <a:rPr lang="en-US" dirty="0" smtClean="0">
-                <a:latin typeface="Aparajita" pitchFamily="34" charset="0"/>
-                <a:cs typeface="Aparajita" pitchFamily="34" charset="0"/>
-              </a:rPr>
-              <a:t>PWM</a:t>
-            </a:r>
-            <a:endParaRPr lang="en-US" dirty="0" smtClean="0">
-              <a:latin typeface="Aparajita" pitchFamily="34" charset="0"/>
-              <a:cs typeface="Aparajita" pitchFamily="34" charset="0"/>
-            </a:endParaRPr>
+              <a:t>Digital pins 5-6: PWM, PWM</a:t>
+            </a:r>
           </a:p>
           <a:p>
             <a:pPr marL="285750" indent="-285750">
@@ -32410,19 +36240,8 @@
                 <a:latin typeface="Aparajita" pitchFamily="34" charset="0"/>
                 <a:cs typeface="Aparajita" pitchFamily="34" charset="0"/>
               </a:rPr>
-              <a:t>Digital pins 7-8: UART 2 RTS, </a:t>
-            </a:r>
-            <a:r>
-              <a:rPr lang="en-US" dirty="0" smtClean="0">
-                <a:latin typeface="Aparajita" pitchFamily="34" charset="0"/>
-                <a:cs typeface="Aparajita" pitchFamily="34" charset="0"/>
-              </a:rPr>
-              <a:t>CTS</a:t>
-            </a:r>
-            <a:endParaRPr lang="en-US" dirty="0" smtClean="0">
-              <a:latin typeface="Aparajita" pitchFamily="34" charset="0"/>
-              <a:cs typeface="Aparajita" pitchFamily="34" charset="0"/>
-            </a:endParaRPr>
+              <a:t>Digital pins 7-8: UART 2 RTS, CTS</a:t>
+            </a:r>
           </a:p>
           <a:p>
             <a:pPr marL="285750" indent="-285750">
@@ -32437,19 +36256,8 @@
                 <a:latin typeface="Aparajita" pitchFamily="34" charset="0"/>
                 <a:cs typeface="Aparajita" pitchFamily="34" charset="0"/>
               </a:rPr>
-              <a:t>Digital pins 9-10: PWM, </a:t>
-            </a:r>
-            <a:r>
-              <a:rPr lang="en-US" dirty="0" smtClean="0">
-                <a:latin typeface="Aparajita" pitchFamily="34" charset="0"/>
-                <a:cs typeface="Aparajita" pitchFamily="34" charset="0"/>
-              </a:rPr>
-              <a:t>PWM</a:t>
-            </a:r>
-            <a:endParaRPr lang="en-US" dirty="0" smtClean="0">
-              <a:latin typeface="Aparajita" pitchFamily="34" charset="0"/>
-              <a:cs typeface="Aparajita" pitchFamily="34" charset="0"/>
-            </a:endParaRPr>
+              <a:t>Digital pins 9-10: PWM, PWM</a:t>
+            </a:r>
           </a:p>
           <a:p>
             <a:pPr marL="285750" indent="-285750">
@@ -32464,19 +36272,8 @@
                 <a:latin typeface="Aparajita" pitchFamily="34" charset="0"/>
                 <a:cs typeface="Aparajita" pitchFamily="34" charset="0"/>
               </a:rPr>
-              <a:t>Digital pins 11-13: SPI MOSI, MISO, </a:t>
-            </a:r>
-            <a:r>
-              <a:rPr lang="en-US" dirty="0" smtClean="0">
-                <a:latin typeface="Aparajita" pitchFamily="34" charset="0"/>
-                <a:cs typeface="Aparajita" pitchFamily="34" charset="0"/>
-              </a:rPr>
-              <a:t>SPCK</a:t>
-            </a:r>
-            <a:endParaRPr lang="en-US" dirty="0" smtClean="0">
-              <a:latin typeface="Aparajita" pitchFamily="34" charset="0"/>
-              <a:cs typeface="Aparajita" pitchFamily="34" charset="0"/>
-            </a:endParaRPr>
+              <a:t>Digital pins 11-13: SPI MOSI, MISO, SPCK</a:t>
+            </a:r>
           </a:p>
           <a:p>
             <a:pPr marL="285750" indent="-285750">
@@ -32553,15 +36350,7 @@
               <a:srgbClr val="C0C0C0"/>
             </a:contourClr>
           </a:sp3d>
-          <a:extLst>
-            <a:ext uri="{909E8E84-426E-40DD-AFC4-6F175D3DCCD1}">
-              <a14:hiddenFill xmlns:a14="http://schemas.microsoft.com/office/drawing/2010/main">
-                <a:solidFill>
-                  <a:srgbClr val="FFFFFF"/>
-                </a:solidFill>
-              </a14:hiddenFill>
-            </a:ext>
-          </a:extLst>
+          <a:extLst/>
         </p:spPr>
       </p:pic>
       <p:sp>
@@ -32629,14 +36418,7 @@
                 <a:latin typeface="Times New Roman" pitchFamily="18" charset="0"/>
                 <a:cs typeface="Times New Roman" pitchFamily="18" charset="0"/>
               </a:rPr>
-              <a:t>Processor and </a:t>
-            </a:r>
-            <a:r>
-              <a:rPr lang="en-US" sz="1500" b="1" u="sng" dirty="0" smtClean="0">
-                <a:latin typeface="Times New Roman" pitchFamily="18" charset="0"/>
-                <a:cs typeface="Times New Roman" pitchFamily="18" charset="0"/>
-              </a:rPr>
-              <a:t>Memory</a:t>
+              <a:t>Processor and Memory</a:t>
             </a:r>
             <a:endParaRPr lang="en-US" sz="1500" u="sng" dirty="0" smtClean="0">
               <a:latin typeface="Times New Roman" pitchFamily="18" charset="0"/>
@@ -32656,19 +36438,8 @@
                 <a:latin typeface="Times New Roman" pitchFamily="18" charset="0"/>
                 <a:cs typeface="Times New Roman" pitchFamily="18" charset="0"/>
               </a:rPr>
-              <a:t>Atmel 32-bit </a:t>
-            </a:r>
-            <a:r>
-              <a:rPr lang="en-US" sz="1500" dirty="0" smtClean="0">
-                <a:latin typeface="Times New Roman" pitchFamily="18" charset="0"/>
-                <a:cs typeface="Times New Roman" pitchFamily="18" charset="0"/>
-              </a:rPr>
-              <a:t>microcontroller</a:t>
-            </a:r>
-            <a:endParaRPr lang="en-US" sz="1500" dirty="0" smtClean="0">
-              <a:latin typeface="Times New Roman" pitchFamily="18" charset="0"/>
-              <a:cs typeface="Times New Roman" pitchFamily="18" charset="0"/>
-            </a:endParaRPr>
+              <a:t>Atmel 32-bit microcontroller</a:t>
+            </a:r>
           </a:p>
           <a:p>
             <a:pPr marL="285750" indent="-285750">
@@ -32683,19 +36454,8 @@
                 <a:latin typeface="Times New Roman" pitchFamily="18" charset="0"/>
                 <a:cs typeface="Times New Roman" pitchFamily="18" charset="0"/>
               </a:rPr>
-              <a:t>Speed: 48MHz, </a:t>
-            </a:r>
-            <a:r>
-              <a:rPr lang="en-US" sz="1500" dirty="0" smtClean="0">
-                <a:latin typeface="Times New Roman" pitchFamily="18" charset="0"/>
-                <a:cs typeface="Times New Roman" pitchFamily="18" charset="0"/>
-              </a:rPr>
-              <a:t>ARM7</a:t>
-            </a:r>
-            <a:endParaRPr lang="en-US" sz="1500" dirty="0" smtClean="0">
-              <a:latin typeface="Times New Roman" pitchFamily="18" charset="0"/>
-              <a:cs typeface="Times New Roman" pitchFamily="18" charset="0"/>
-            </a:endParaRPr>
+              <a:t>Speed: 48MHz, ARM7</a:t>
+            </a:r>
           </a:p>
           <a:p>
             <a:pPr marL="285750" indent="-285750">
@@ -32726,19 +36486,8 @@
                 <a:latin typeface="Times New Roman" pitchFamily="18" charset="0"/>
                 <a:cs typeface="Times New Roman" pitchFamily="18" charset="0"/>
               </a:rPr>
-              <a:t> without networking: 128 </a:t>
-            </a:r>
-            <a:r>
-              <a:rPr lang="en-US" sz="1500" dirty="0" smtClean="0">
-                <a:latin typeface="Times New Roman" pitchFamily="18" charset="0"/>
-                <a:cs typeface="Times New Roman" pitchFamily="18" charset="0"/>
-              </a:rPr>
-              <a:t>KB</a:t>
-            </a:r>
-            <a:endParaRPr lang="en-US" sz="1500" dirty="0" smtClean="0">
-              <a:latin typeface="Times New Roman" pitchFamily="18" charset="0"/>
-              <a:cs typeface="Times New Roman" pitchFamily="18" charset="0"/>
-            </a:endParaRPr>
+              <a:t> without networking: 128 KB</a:t>
+            </a:r>
           </a:p>
           <a:p>
             <a:pPr marL="285750" indent="-285750">
@@ -32788,11 +36537,11 @@
   <p:clrMapOvr>
     <a:masterClrMapping/>
   </p:clrMapOvr>
-  <mc:AlternateContent xmlns:mc="http://schemas.openxmlformats.org/markup-compatibility/2006">
-    <mc:Choice xmlns:p14="http://schemas.microsoft.com/office/powerpoint/2010/main" Requires="p14">
+  <mc:AlternateContent xmlns:mc="http://schemas.openxmlformats.org/markup-compatibility/2006" xmlns:p14="http://schemas.microsoft.com/office/powerpoint/2010/main">
+    <mc:Choice Requires="p14">
       <p:transition p14:dur="0"/>
     </mc:Choice>
-    <mc:Fallback>
+    <mc:Fallback xmlns="">
       <p:transition/>
     </mc:Fallback>
   </mc:AlternateContent>
@@ -33115,25 +36864,6 @@
                 </a:solidFill>
               </a14:hiddenFill>
             </a:ext>
-            <a:ext uri="{91240B29-F687-4F45-9708-019B960494DF}">
-              <a14:hiddenLine xmlns:a14="http://schemas.microsoft.com/office/drawing/2010/main" w="9525">
-                <a:solidFill>
-                  <a:schemeClr val="tx1"/>
-                </a:solidFill>
-                <a:miter lim="800000"/>
-                <a:headEnd/>
-                <a:tailEnd/>
-              </a14:hiddenLine>
-            </a:ext>
-            <a:ext uri="{AF507438-7753-43E0-B8FC-AC1667EBCBE1}">
-              <a14:hiddenEffects xmlns:a14="http://schemas.microsoft.com/office/drawing/2010/main">
-                <a:effectLst>
-                  <a:outerShdw dist="35921" dir="2700000" algn="ctr" rotWithShape="0">
-                    <a:schemeClr val="bg2"/>
-                  </a:outerShdw>
-                </a:effectLst>
-              </a14:hiddenEffects>
-            </a:ext>
           </a:extLst>
         </p:spPr>
       </p:pic>
@@ -33373,11 +37103,11 @@
   <p:clrMapOvr>
     <a:masterClrMapping/>
   </p:clrMapOvr>
-  <mc:AlternateContent xmlns:mc="http://schemas.openxmlformats.org/markup-compatibility/2006">
-    <mc:Choice xmlns:p14="http://schemas.microsoft.com/office/powerpoint/2010/main" Requires="p14">
+  <mc:AlternateContent xmlns:mc="http://schemas.openxmlformats.org/markup-compatibility/2006" xmlns:p14="http://schemas.microsoft.com/office/powerpoint/2010/main">
+    <mc:Choice Requires="p14">
       <p:transition p14:dur="0"/>
     </mc:Choice>
-    <mc:Fallback>
+    <mc:Fallback xmlns="">
       <p:transition/>
     </mc:Fallback>
   </mc:AlternateContent>
@@ -33481,11 +37211,11 @@
   <p:clrMapOvr>
     <a:masterClrMapping/>
   </p:clrMapOvr>
-  <mc:AlternateContent xmlns:mc="http://schemas.openxmlformats.org/markup-compatibility/2006">
-    <mc:Choice xmlns:p14="http://schemas.microsoft.com/office/powerpoint/2010/main" Requires="p14">
+  <mc:AlternateContent xmlns:mc="http://schemas.openxmlformats.org/markup-compatibility/2006" xmlns:p14="http://schemas.microsoft.com/office/powerpoint/2010/main">
+    <mc:Choice Requires="p14">
       <p:transition p14:dur="0"/>
     </mc:Choice>
-    <mc:Fallback>
+    <mc:Fallback xmlns="">
       <p:transition/>
     </mc:Fallback>
   </mc:AlternateContent>
@@ -33743,11 +37473,11 @@
   <p:clrMapOvr>
     <a:masterClrMapping/>
   </p:clrMapOvr>
-  <mc:AlternateContent xmlns:mc="http://schemas.openxmlformats.org/markup-compatibility/2006">
-    <mc:Choice xmlns:p14="http://schemas.microsoft.com/office/powerpoint/2010/main" Requires="p14">
+  <mc:AlternateContent xmlns:mc="http://schemas.openxmlformats.org/markup-compatibility/2006" xmlns:p14="http://schemas.microsoft.com/office/powerpoint/2010/main">
+    <mc:Choice Requires="p14">
       <p:transition p14:dur="0"/>
     </mc:Choice>
-    <mc:Fallback>
+    <mc:Fallback xmlns="">
       <p:transition/>
     </mc:Fallback>
   </mc:AlternateContent>
@@ -33854,17 +37584,8 @@
               <a:rPr lang="en-US" sz="2500" b="1" i="0" dirty="0" smtClean="0">
                 <a:latin typeface="Imprint MT Shadow" pitchFamily="82" charset="0"/>
               </a:rPr>
-              <a:t>How </a:t>
-            </a:r>
-            <a:r>
-              <a:rPr lang="en-US" sz="2500" b="1" i="0" dirty="0" smtClean="0">
-                <a:latin typeface="Imprint MT Shadow" pitchFamily="82" charset="0"/>
-              </a:rPr>
-              <a:t>long?</a:t>
-            </a:r>
-            <a:endParaRPr lang="en-US" sz="2500" b="1" i="0" dirty="0" smtClean="0">
-              <a:latin typeface="Imprint MT Shadow" pitchFamily="82" charset="0"/>
-            </a:endParaRPr>
+              <a:t>How long?</a:t>
+            </a:r>
           </a:p>
           <a:p>
             <a:pPr lvl="1"/>
@@ -34076,11 +37797,11 @@
   <p:clrMapOvr>
     <a:masterClrMapping/>
   </p:clrMapOvr>
-  <mc:AlternateContent xmlns:mc="http://schemas.openxmlformats.org/markup-compatibility/2006">
-    <mc:Choice xmlns:p14="http://schemas.microsoft.com/office/powerpoint/2010/main" Requires="p14">
+  <mc:AlternateContent xmlns:mc="http://schemas.openxmlformats.org/markup-compatibility/2006" xmlns:p14="http://schemas.microsoft.com/office/powerpoint/2010/main">
+    <mc:Choice Requires="p14">
       <p:transition p14:dur="0"/>
     </mc:Choice>
-    <mc:Fallback>
+    <mc:Fallback xmlns="">
       <p:transition/>
     </mc:Fallback>
   </mc:AlternateContent>

--- a/docs/HacknightPowerPoint.pptx
+++ b/docs/HacknightPowerPoint.pptx
@@ -145,7 +145,7 @@
   </p:defaultTextStyle>
   <p:extLst>
     <p:ext uri="{EFAFB233-063F-42B5-8137-9DF3F51BA10A}">
-      <p15:sldGuideLst xmlns:p15="http://schemas.microsoft.com/office/powerpoint/2012/main">
+      <p15:sldGuideLst xmlns:p15="http://schemas.microsoft.com/office/powerpoint/2012/main" xmlns="">
         <p15:guide id="1" orient="horz" pos="2160">
           <p15:clr>
             <a:srgbClr val="A4A3A4"/>
@@ -351,7 +351,8 @@
           <a:p>
             <a:fld id="{9CEFAD04-0E20-4919-AC81-0484DA486390}" type="datetimeFigureOut">
               <a:rPr lang="en-US" smtClean="0"/>
-              <a:t>12/10/2012</a:t>
+              <a:pPr/>
+              <a:t>2/4/2013</a:t>
             </a:fld>
             <a:endParaRPr lang="en-US" dirty="0"/>
           </a:p>
@@ -374,6 +375,7 @@
           <a:p>
             <a:fld id="{3CA0FC1D-2C6E-4B9B-9E2A-16DA3F696156}" type="slidenum">
               <a:rPr lang="en-US" smtClean="0"/>
+              <a:pPr/>
               <a:t>‹#›</a:t>
             </a:fld>
             <a:endParaRPr lang="en-US" dirty="0"/>
@@ -404,11 +406,11 @@
   <p:clrMapOvr>
     <a:masterClrMapping/>
   </p:clrMapOvr>
-  <mc:AlternateContent xmlns:mc="http://schemas.openxmlformats.org/markup-compatibility/2006" xmlns:p14="http://schemas.microsoft.com/office/powerpoint/2010/main">
-    <mc:Choice Requires="p14">
+  <mc:AlternateContent xmlns:mc="http://schemas.openxmlformats.org/markup-compatibility/2006">
+    <mc:Choice xmlns:p14="http://schemas.microsoft.com/office/powerpoint/2010/main" xmlns="" Requires="p14">
       <p:transition p14:dur="0"/>
     </mc:Choice>
-    <mc:Fallback xmlns="">
+    <mc:Fallback>
       <p:transition/>
     </mc:Fallback>
   </mc:AlternateContent>
@@ -536,7 +538,8 @@
           <a:p>
             <a:fld id="{9CEFAD04-0E20-4919-AC81-0484DA486390}" type="datetimeFigureOut">
               <a:rPr lang="en-US" smtClean="0"/>
-              <a:t>12/10/2012</a:t>
+              <a:pPr/>
+              <a:t>2/4/2013</a:t>
             </a:fld>
             <a:endParaRPr lang="en-US" dirty="0"/>
           </a:p>
@@ -578,6 +581,7 @@
           <a:p>
             <a:fld id="{3CA0FC1D-2C6E-4B9B-9E2A-16DA3F696156}" type="slidenum">
               <a:rPr lang="en-US" smtClean="0"/>
+              <a:pPr/>
               <a:t>‹#›</a:t>
             </a:fld>
             <a:endParaRPr lang="en-US" dirty="0"/>
@@ -589,11 +593,11 @@
   <p:clrMapOvr>
     <a:masterClrMapping/>
   </p:clrMapOvr>
-  <mc:AlternateContent xmlns:mc="http://schemas.openxmlformats.org/markup-compatibility/2006" xmlns:p14="http://schemas.microsoft.com/office/powerpoint/2010/main">
-    <mc:Choice Requires="p14">
+  <mc:AlternateContent xmlns:mc="http://schemas.openxmlformats.org/markup-compatibility/2006">
+    <mc:Choice xmlns:p14="http://schemas.microsoft.com/office/powerpoint/2010/main" xmlns="" Requires="p14">
       <p:transition p14:dur="0"/>
     </mc:Choice>
-    <mc:Fallback xmlns="">
+    <mc:Fallback>
       <p:transition/>
     </mc:Fallback>
   </mc:AlternateContent>
@@ -742,7 +746,8 @@
           <a:p>
             <a:fld id="{9CEFAD04-0E20-4919-AC81-0484DA486390}" type="datetimeFigureOut">
               <a:rPr lang="en-US" smtClean="0"/>
-              <a:t>12/10/2012</a:t>
+              <a:pPr/>
+              <a:t>2/4/2013</a:t>
             </a:fld>
             <a:endParaRPr lang="en-US" dirty="0"/>
           </a:p>
@@ -784,6 +789,7 @@
           <a:p>
             <a:fld id="{3CA0FC1D-2C6E-4B9B-9E2A-16DA3F696156}" type="slidenum">
               <a:rPr lang="en-US" smtClean="0"/>
+              <a:pPr/>
               <a:t>‹#›</a:t>
             </a:fld>
             <a:endParaRPr lang="en-US" dirty="0"/>
@@ -795,11 +801,11 @@
   <p:clrMapOvr>
     <a:masterClrMapping/>
   </p:clrMapOvr>
-  <mc:AlternateContent xmlns:mc="http://schemas.openxmlformats.org/markup-compatibility/2006" xmlns:p14="http://schemas.microsoft.com/office/powerpoint/2010/main">
-    <mc:Choice Requires="p14">
+  <mc:AlternateContent xmlns:mc="http://schemas.openxmlformats.org/markup-compatibility/2006">
+    <mc:Choice xmlns:p14="http://schemas.microsoft.com/office/powerpoint/2010/main" xmlns="" Requires="p14">
       <p:transition p14:dur="0"/>
     </mc:Choice>
-    <mc:Fallback xmlns="">
+    <mc:Fallback>
       <p:transition/>
     </mc:Fallback>
   </mc:AlternateContent>
@@ -904,7 +910,8 @@
           <a:p>
             <a:fld id="{9CEFAD04-0E20-4919-AC81-0484DA486390}" type="datetimeFigureOut">
               <a:rPr lang="en-US" smtClean="0"/>
-              <a:t>12/10/2012</a:t>
+              <a:pPr/>
+              <a:t>2/4/2013</a:t>
             </a:fld>
             <a:endParaRPr lang="en-US" dirty="0"/>
           </a:p>
@@ -927,6 +934,7 @@
           <a:p>
             <a:fld id="{3CA0FC1D-2C6E-4B9B-9E2A-16DA3F696156}" type="slidenum">
               <a:rPr lang="en-US" smtClean="0"/>
+              <a:pPr/>
               <a:t>‹#›</a:t>
             </a:fld>
             <a:endParaRPr lang="en-US" dirty="0"/>
@@ -980,11 +988,11 @@
   <p:clrMapOvr>
     <a:masterClrMapping/>
   </p:clrMapOvr>
-  <mc:AlternateContent xmlns:mc="http://schemas.openxmlformats.org/markup-compatibility/2006" xmlns:p14="http://schemas.microsoft.com/office/powerpoint/2010/main">
-    <mc:Choice Requires="p14">
+  <mc:AlternateContent xmlns:mc="http://schemas.openxmlformats.org/markup-compatibility/2006">
+    <mc:Choice xmlns:p14="http://schemas.microsoft.com/office/powerpoint/2010/main" xmlns="" Requires="p14">
       <p:transition p14:dur="0"/>
     </mc:Choice>
-    <mc:Fallback xmlns="">
+    <mc:Fallback>
       <p:transition/>
     </mc:Fallback>
   </mc:AlternateContent>
@@ -1187,7 +1195,8 @@
           <a:p>
             <a:fld id="{9CEFAD04-0E20-4919-AC81-0484DA486390}" type="datetimeFigureOut">
               <a:rPr lang="en-US" smtClean="0"/>
-              <a:t>12/10/2012</a:t>
+              <a:pPr/>
+              <a:t>2/4/2013</a:t>
             </a:fld>
             <a:endParaRPr lang="en-US" dirty="0"/>
           </a:p>
@@ -1210,6 +1219,7 @@
           <a:p>
             <a:fld id="{3CA0FC1D-2C6E-4B9B-9E2A-16DA3F696156}" type="slidenum">
               <a:rPr lang="en-US" smtClean="0"/>
+              <a:pPr/>
               <a:t>‹#›</a:t>
             </a:fld>
             <a:endParaRPr lang="en-US" dirty="0"/>
@@ -1240,11 +1250,11 @@
   <p:clrMapOvr>
     <a:masterClrMapping/>
   </p:clrMapOvr>
-  <mc:AlternateContent xmlns:mc="http://schemas.openxmlformats.org/markup-compatibility/2006" xmlns:p14="http://schemas.microsoft.com/office/powerpoint/2010/main">
-    <mc:Choice Requires="p14">
+  <mc:AlternateContent xmlns:mc="http://schemas.openxmlformats.org/markup-compatibility/2006">
+    <mc:Choice xmlns:p14="http://schemas.microsoft.com/office/powerpoint/2010/main" xmlns="" Requires="p14">
       <p:transition p14:dur="0"/>
     </mc:Choice>
-    <mc:Fallback xmlns="">
+    <mc:Fallback>
       <p:transition/>
     </mc:Fallback>
   </mc:AlternateContent>
@@ -1494,7 +1504,8 @@
           <a:p>
             <a:fld id="{9CEFAD04-0E20-4919-AC81-0484DA486390}" type="datetimeFigureOut">
               <a:rPr lang="en-US" smtClean="0"/>
-              <a:t>12/10/2012</a:t>
+              <a:pPr/>
+              <a:t>2/4/2013</a:t>
             </a:fld>
             <a:endParaRPr lang="en-US" dirty="0"/>
           </a:p>
@@ -1517,6 +1528,7 @@
           <a:p>
             <a:fld id="{3CA0FC1D-2C6E-4B9B-9E2A-16DA3F696156}" type="slidenum">
               <a:rPr lang="en-US" smtClean="0"/>
+              <a:pPr/>
               <a:t>‹#›</a:t>
             </a:fld>
             <a:endParaRPr lang="en-US" dirty="0"/>
@@ -1552,11 +1564,11 @@
   <p:clrMapOvr>
     <a:masterClrMapping/>
   </p:clrMapOvr>
-  <mc:AlternateContent xmlns:mc="http://schemas.openxmlformats.org/markup-compatibility/2006" xmlns:p14="http://schemas.microsoft.com/office/powerpoint/2010/main">
-    <mc:Choice Requires="p14">
+  <mc:AlternateContent xmlns:mc="http://schemas.openxmlformats.org/markup-compatibility/2006">
+    <mc:Choice xmlns:p14="http://schemas.microsoft.com/office/powerpoint/2010/main" xmlns="" Requires="p14">
       <p:transition p14:dur="0"/>
     </mc:Choice>
-    <mc:Fallback xmlns="">
+    <mc:Fallback>
       <p:transition/>
     </mc:Fallback>
   </mc:AlternateContent>
@@ -1944,7 +1956,8 @@
           <a:p>
             <a:fld id="{9CEFAD04-0E20-4919-AC81-0484DA486390}" type="datetimeFigureOut">
               <a:rPr lang="en-US" smtClean="0"/>
-              <a:t>12/10/2012</a:t>
+              <a:pPr/>
+              <a:t>2/4/2013</a:t>
             </a:fld>
             <a:endParaRPr lang="en-US" dirty="0"/>
           </a:p>
@@ -1967,6 +1980,7 @@
           <a:p>
             <a:fld id="{3CA0FC1D-2C6E-4B9B-9E2A-16DA3F696156}" type="slidenum">
               <a:rPr lang="en-US" smtClean="0"/>
+              <a:pPr/>
               <a:t>‹#›</a:t>
             </a:fld>
             <a:endParaRPr lang="en-US" dirty="0"/>
@@ -2002,11 +2016,11 @@
   <p:clrMapOvr>
     <a:masterClrMapping/>
   </p:clrMapOvr>
-  <mc:AlternateContent xmlns:mc="http://schemas.openxmlformats.org/markup-compatibility/2006" xmlns:p14="http://schemas.microsoft.com/office/powerpoint/2010/main">
-    <mc:Choice Requires="p14">
+  <mc:AlternateContent xmlns:mc="http://schemas.openxmlformats.org/markup-compatibility/2006">
+    <mc:Choice xmlns:p14="http://schemas.microsoft.com/office/powerpoint/2010/main" xmlns="" Requires="p14">
       <p:transition p14:dur="0"/>
     </mc:Choice>
-    <mc:Fallback xmlns="">
+    <mc:Fallback>
       <p:transition/>
     </mc:Fallback>
   </mc:AlternateContent>
@@ -2059,7 +2073,8 @@
           <a:p>
             <a:fld id="{9CEFAD04-0E20-4919-AC81-0484DA486390}" type="datetimeFigureOut">
               <a:rPr lang="en-US" smtClean="0"/>
-              <a:t>12/10/2012</a:t>
+              <a:pPr/>
+              <a:t>2/4/2013</a:t>
             </a:fld>
             <a:endParaRPr lang="en-US" dirty="0"/>
           </a:p>
@@ -2105,6 +2120,7 @@
           <a:p>
             <a:fld id="{3CA0FC1D-2C6E-4B9B-9E2A-16DA3F696156}" type="slidenum">
               <a:rPr lang="en-US" smtClean="0"/>
+              <a:pPr/>
               <a:t>‹#›</a:t>
             </a:fld>
             <a:endParaRPr lang="en-US" dirty="0"/>
@@ -2135,11 +2151,11 @@
   <p:clrMapOvr>
     <a:masterClrMapping/>
   </p:clrMapOvr>
-  <mc:AlternateContent xmlns:mc="http://schemas.openxmlformats.org/markup-compatibility/2006" xmlns:p14="http://schemas.microsoft.com/office/powerpoint/2010/main">
-    <mc:Choice Requires="p14">
+  <mc:AlternateContent xmlns:mc="http://schemas.openxmlformats.org/markup-compatibility/2006">
+    <mc:Choice xmlns:p14="http://schemas.microsoft.com/office/powerpoint/2010/main" xmlns="" Requires="p14">
       <p:transition p14:dur="0"/>
     </mc:Choice>
-    <mc:Fallback xmlns="">
+    <mc:Fallback>
       <p:transition/>
     </mc:Fallback>
   </mc:AlternateContent>
@@ -2187,7 +2203,8 @@
           <a:p>
             <a:fld id="{9CEFAD04-0E20-4919-AC81-0484DA486390}" type="datetimeFigureOut">
               <a:rPr lang="en-US" smtClean="0"/>
-              <a:t>12/10/2012</a:t>
+              <a:pPr/>
+              <a:t>2/4/2013</a:t>
             </a:fld>
             <a:endParaRPr lang="en-US" dirty="0"/>
           </a:p>
@@ -2229,6 +2246,7 @@
           <a:p>
             <a:fld id="{3CA0FC1D-2C6E-4B9B-9E2A-16DA3F696156}" type="slidenum">
               <a:rPr lang="en-US" smtClean="0"/>
+              <a:pPr/>
               <a:t>‹#›</a:t>
             </a:fld>
             <a:endParaRPr lang="en-US" dirty="0"/>
@@ -2240,11 +2258,11 @@
   <p:clrMapOvr>
     <a:masterClrMapping/>
   </p:clrMapOvr>
-  <mc:AlternateContent xmlns:mc="http://schemas.openxmlformats.org/markup-compatibility/2006" xmlns:p14="http://schemas.microsoft.com/office/powerpoint/2010/main">
-    <mc:Choice Requires="p14">
+  <mc:AlternateContent xmlns:mc="http://schemas.openxmlformats.org/markup-compatibility/2006">
+    <mc:Choice xmlns:p14="http://schemas.microsoft.com/office/powerpoint/2010/main" xmlns="" Requires="p14">
       <p:transition p14:dur="0"/>
     </mc:Choice>
-    <mc:Fallback xmlns="">
+    <mc:Fallback>
       <p:transition/>
     </mc:Fallback>
   </mc:AlternateContent>
@@ -2480,7 +2498,8 @@
           <a:p>
             <a:fld id="{9CEFAD04-0E20-4919-AC81-0484DA486390}" type="datetimeFigureOut">
               <a:rPr lang="en-US" smtClean="0"/>
-              <a:t>12/10/2012</a:t>
+              <a:pPr/>
+              <a:t>2/4/2013</a:t>
             </a:fld>
             <a:endParaRPr lang="en-US" dirty="0"/>
           </a:p>
@@ -2503,6 +2522,7 @@
           <a:p>
             <a:fld id="{3CA0FC1D-2C6E-4B9B-9E2A-16DA3F696156}" type="slidenum">
               <a:rPr lang="en-US" smtClean="0"/>
+              <a:pPr/>
               <a:t>‹#›</a:t>
             </a:fld>
             <a:endParaRPr lang="en-US" dirty="0"/>
@@ -2538,11 +2558,11 @@
   <p:clrMapOvr>
     <a:masterClrMapping/>
   </p:clrMapOvr>
-  <mc:AlternateContent xmlns:mc="http://schemas.openxmlformats.org/markup-compatibility/2006" xmlns:p14="http://schemas.microsoft.com/office/powerpoint/2010/main">
-    <mc:Choice Requires="p14">
+  <mc:AlternateContent xmlns:mc="http://schemas.openxmlformats.org/markup-compatibility/2006">
+    <mc:Choice xmlns:p14="http://schemas.microsoft.com/office/powerpoint/2010/main" xmlns="" Requires="p14">
       <p:transition p14:dur="0"/>
     </mc:Choice>
-    <mc:Fallback xmlns="">
+    <mc:Fallback>
       <p:transition/>
     </mc:Fallback>
   </mc:AlternateContent>
@@ -2759,7 +2779,8 @@
           <a:p>
             <a:fld id="{9CEFAD04-0E20-4919-AC81-0484DA486390}" type="datetimeFigureOut">
               <a:rPr lang="en-US" smtClean="0"/>
-              <a:t>12/10/2012</a:t>
+              <a:pPr/>
+              <a:t>2/4/2013</a:t>
             </a:fld>
             <a:endParaRPr lang="en-US" dirty="0"/>
           </a:p>
@@ -2782,6 +2803,7 @@
           <a:p>
             <a:fld id="{3CA0FC1D-2C6E-4B9B-9E2A-16DA3F696156}" type="slidenum">
               <a:rPr lang="en-US" smtClean="0"/>
+              <a:pPr/>
               <a:t>‹#›</a:t>
             </a:fld>
             <a:endParaRPr lang="en-US" dirty="0"/>
@@ -2817,11 +2839,11 @@
   <p:clrMapOvr>
     <a:masterClrMapping/>
   </p:clrMapOvr>
-  <mc:AlternateContent xmlns:mc="http://schemas.openxmlformats.org/markup-compatibility/2006" xmlns:p14="http://schemas.microsoft.com/office/powerpoint/2010/main">
-    <mc:Choice Requires="p14">
+  <mc:AlternateContent xmlns:mc="http://schemas.openxmlformats.org/markup-compatibility/2006">
+    <mc:Choice xmlns:p14="http://schemas.microsoft.com/office/powerpoint/2010/main" xmlns="" Requires="p14">
       <p:transition p14:dur="0"/>
     </mc:Choice>
-    <mc:Fallback xmlns="">
+    <mc:Fallback>
       <p:transition/>
     </mc:Fallback>
   </mc:AlternateContent>
@@ -2987,7 +3009,8 @@
           <a:p>
             <a:fld id="{9CEFAD04-0E20-4919-AC81-0484DA486390}" type="datetimeFigureOut">
               <a:rPr lang="en-US" smtClean="0"/>
-              <a:t>12/10/2012</a:t>
+              <a:pPr/>
+              <a:t>2/4/2013</a:t>
             </a:fld>
             <a:endParaRPr lang="en-US" dirty="0"/>
           </a:p>
@@ -3063,6 +3086,7 @@
           <a:p>
             <a:fld id="{3CA0FC1D-2C6E-4B9B-9E2A-16DA3F696156}" type="slidenum">
               <a:rPr lang="en-US" smtClean="0"/>
+              <a:pPr/>
               <a:t>‹#›</a:t>
             </a:fld>
             <a:endParaRPr lang="en-US" dirty="0"/>
@@ -3085,11 +3109,11 @@
     <p:sldLayoutId id="2147483670" r:id="rId10"/>
     <p:sldLayoutId id="2147483671" r:id="rId11"/>
   </p:sldLayoutIdLst>
-  <mc:AlternateContent xmlns:mc="http://schemas.openxmlformats.org/markup-compatibility/2006" xmlns:p14="http://schemas.microsoft.com/office/powerpoint/2010/main">
-    <mc:Choice Requires="p14">
+  <mc:AlternateContent xmlns:mc="http://schemas.openxmlformats.org/markup-compatibility/2006">
+    <mc:Choice xmlns:p14="http://schemas.microsoft.com/office/powerpoint/2010/main" xmlns="" Requires="p14">
       <p:transition p14:dur="0"/>
     </mc:Choice>
-    <mc:Fallback xmlns="">
+    <mc:Fallback>
       <p:transition/>
     </mc:Fallback>
   </mc:AlternateContent>
@@ -3572,18 +3596,18 @@
     </p:spTree>
     <p:extLst>
       <p:ext uri="{BB962C8B-B14F-4D97-AF65-F5344CB8AC3E}">
-        <p14:creationId xmlns:p14="http://schemas.microsoft.com/office/powerpoint/2010/main" val="2632168429"/>
+        <p14:creationId xmlns:p14="http://schemas.microsoft.com/office/powerpoint/2010/main" xmlns="" val="2632168429"/>
       </p:ext>
     </p:extLst>
   </p:cSld>
   <p:clrMapOvr>
     <a:masterClrMapping/>
   </p:clrMapOvr>
-  <mc:AlternateContent xmlns:mc="http://schemas.openxmlformats.org/markup-compatibility/2006" xmlns:p14="http://schemas.microsoft.com/office/powerpoint/2010/main">
-    <mc:Choice Requires="p14">
+  <mc:AlternateContent xmlns:mc="http://schemas.openxmlformats.org/markup-compatibility/2006">
+    <mc:Choice xmlns:p14="http://schemas.microsoft.com/office/powerpoint/2010/main" xmlns="" Requires="p14">
       <p:transition p14:dur="0"/>
     </mc:Choice>
-    <mc:Fallback xmlns="">
+    <mc:Fallback>
       <p:transition/>
     </mc:Fallback>
   </mc:AlternateContent>
@@ -3782,7 +3806,7 @@
           <a:blip r:embed="rId2" cstate="print">
             <a:extLst>
               <a:ext uri="{28A0092B-C50C-407E-A947-70E740481C1C}">
-                <a14:useLocalDpi xmlns:a14="http://schemas.microsoft.com/office/drawing/2010/main" val="0"/>
+                <a14:useLocalDpi xmlns:a14="http://schemas.microsoft.com/office/drawing/2010/main" xmlns="" val="0"/>
               </a:ext>
             </a:extLst>
           </a:blip>
@@ -3802,7 +3826,7 @@
           <a:noFill/>
           <a:extLst>
             <a:ext uri="{909E8E84-426E-40DD-AFC4-6F175D3DCCD1}">
-              <a14:hiddenFill xmlns:a14="http://schemas.microsoft.com/office/drawing/2010/main">
+              <a14:hiddenFill xmlns:a14="http://schemas.microsoft.com/office/drawing/2010/main" xmlns="">
                 <a:solidFill>
                   <a:srgbClr val="FFFFFF"/>
                 </a:solidFill>
@@ -3823,7 +3847,7 @@
           <a:blip r:embed="rId3" cstate="print">
             <a:extLst>
               <a:ext uri="{28A0092B-C50C-407E-A947-70E740481C1C}">
-                <a14:useLocalDpi xmlns:a14="http://schemas.microsoft.com/office/drawing/2010/main" val="0"/>
+                <a14:useLocalDpi xmlns:a14="http://schemas.microsoft.com/office/drawing/2010/main" xmlns="" val="0"/>
               </a:ext>
             </a:extLst>
           </a:blip>
@@ -3843,7 +3867,7 @@
           <a:noFill/>
           <a:extLst>
             <a:ext uri="{909E8E84-426E-40DD-AFC4-6F175D3DCCD1}">
-              <a14:hiddenFill xmlns:a14="http://schemas.microsoft.com/office/drawing/2010/main">
+              <a14:hiddenFill xmlns:a14="http://schemas.microsoft.com/office/drawing/2010/main" xmlns="">
                 <a:solidFill>
                   <a:srgbClr val="FFFFFF"/>
                 </a:solidFill>
@@ -3864,7 +3888,7 @@
           <a:blip r:embed="rId4" cstate="print">
             <a:extLst>
               <a:ext uri="{28A0092B-C50C-407E-A947-70E740481C1C}">
-                <a14:useLocalDpi xmlns:a14="http://schemas.microsoft.com/office/drawing/2010/main" val="0"/>
+                <a14:useLocalDpi xmlns:a14="http://schemas.microsoft.com/office/drawing/2010/main" xmlns="" val="0"/>
               </a:ext>
             </a:extLst>
           </a:blip>
@@ -3882,7 +3906,7 @@
           <a:noFill/>
           <a:extLst>
             <a:ext uri="{909E8E84-426E-40DD-AFC4-6F175D3DCCD1}">
-              <a14:hiddenFill xmlns:a14="http://schemas.microsoft.com/office/drawing/2010/main">
+              <a14:hiddenFill xmlns:a14="http://schemas.microsoft.com/office/drawing/2010/main" xmlns="">
                 <a:solidFill>
                   <a:srgbClr val="FFFFFF"/>
                 </a:solidFill>
@@ -3903,7 +3927,7 @@
           <a:blip r:embed="rId4" cstate="print">
             <a:extLst>
               <a:ext uri="{28A0092B-C50C-407E-A947-70E740481C1C}">
-                <a14:useLocalDpi xmlns:a14="http://schemas.microsoft.com/office/drawing/2010/main" val="0"/>
+                <a14:useLocalDpi xmlns:a14="http://schemas.microsoft.com/office/drawing/2010/main" xmlns="" val="0"/>
               </a:ext>
             </a:extLst>
           </a:blip>
@@ -3921,7 +3945,7 @@
           <a:noFill/>
           <a:extLst>
             <a:ext uri="{909E8E84-426E-40DD-AFC4-6F175D3DCCD1}">
-              <a14:hiddenFill xmlns:a14="http://schemas.microsoft.com/office/drawing/2010/main">
+              <a14:hiddenFill xmlns:a14="http://schemas.microsoft.com/office/drawing/2010/main" xmlns="">
                 <a:solidFill>
                   <a:srgbClr val="FFFFFF"/>
                 </a:solidFill>
@@ -4447,7 +4471,7 @@
           <a:blip r:embed="rId5" cstate="print">
             <a:extLst>
               <a:ext uri="{28A0092B-C50C-407E-A947-70E740481C1C}">
-                <a14:useLocalDpi xmlns:a14="http://schemas.microsoft.com/office/drawing/2010/main" val="0"/>
+                <a14:useLocalDpi xmlns:a14="http://schemas.microsoft.com/office/drawing/2010/main" xmlns="" val="0"/>
               </a:ext>
             </a:extLst>
           </a:blip>
@@ -4684,18 +4708,18 @@
     </p:spTree>
     <p:extLst>
       <p:ext uri="{BB962C8B-B14F-4D97-AF65-F5344CB8AC3E}">
-        <p14:creationId xmlns:p14="http://schemas.microsoft.com/office/powerpoint/2010/main" val="2200822904"/>
+        <p14:creationId xmlns:p14="http://schemas.microsoft.com/office/powerpoint/2010/main" xmlns="" val="2200822904"/>
       </p:ext>
     </p:extLst>
   </p:cSld>
   <p:clrMapOvr>
     <a:masterClrMapping/>
   </p:clrMapOvr>
-  <mc:AlternateContent xmlns:mc="http://schemas.openxmlformats.org/markup-compatibility/2006" xmlns:p14="http://schemas.microsoft.com/office/powerpoint/2010/main">
-    <mc:Choice Requires="p14">
+  <mc:AlternateContent xmlns:mc="http://schemas.openxmlformats.org/markup-compatibility/2006">
+    <mc:Choice xmlns:p14="http://schemas.microsoft.com/office/powerpoint/2010/main" xmlns="" Requires="p14">
       <p:transition p14:dur="0"/>
     </mc:Choice>
-    <mc:Fallback xmlns="">
+    <mc:Fallback>
       <p:transition/>
     </mc:Fallback>
   </mc:AlternateContent>
@@ -4962,7 +4986,7 @@
           <a:blip r:embed="rId2" cstate="print">
             <a:extLst>
               <a:ext uri="{28A0092B-C50C-407E-A947-70E740481C1C}">
-                <a14:useLocalDpi xmlns:a14="http://schemas.microsoft.com/office/drawing/2010/main" val="0"/>
+                <a14:useLocalDpi xmlns:a14="http://schemas.microsoft.com/office/drawing/2010/main" xmlns="" val="0"/>
               </a:ext>
             </a:extLst>
           </a:blip>
@@ -4982,7 +5006,7 @@
           <a:noFill/>
           <a:extLst>
             <a:ext uri="{909E8E84-426E-40DD-AFC4-6F175D3DCCD1}">
-              <a14:hiddenFill xmlns:a14="http://schemas.microsoft.com/office/drawing/2010/main">
+              <a14:hiddenFill xmlns:a14="http://schemas.microsoft.com/office/drawing/2010/main" xmlns="">
                 <a:solidFill>
                   <a:srgbClr val="FFFFFF"/>
                 </a:solidFill>
@@ -5003,7 +5027,7 @@
           <a:blip r:embed="rId3" cstate="print">
             <a:extLst>
               <a:ext uri="{28A0092B-C50C-407E-A947-70E740481C1C}">
-                <a14:useLocalDpi xmlns:a14="http://schemas.microsoft.com/office/drawing/2010/main" val="0"/>
+                <a14:useLocalDpi xmlns:a14="http://schemas.microsoft.com/office/drawing/2010/main" xmlns="" val="0"/>
               </a:ext>
             </a:extLst>
           </a:blip>
@@ -5023,7 +5047,7 @@
           <a:noFill/>
           <a:extLst>
             <a:ext uri="{909E8E84-426E-40DD-AFC4-6F175D3DCCD1}">
-              <a14:hiddenFill xmlns:a14="http://schemas.microsoft.com/office/drawing/2010/main">
+              <a14:hiddenFill xmlns:a14="http://schemas.microsoft.com/office/drawing/2010/main" xmlns="">
                 <a:solidFill>
                   <a:srgbClr val="FFFFFF"/>
                 </a:solidFill>
@@ -5044,7 +5068,7 @@
           <a:blip r:embed="rId4" cstate="print">
             <a:extLst>
               <a:ext uri="{28A0092B-C50C-407E-A947-70E740481C1C}">
-                <a14:useLocalDpi xmlns:a14="http://schemas.microsoft.com/office/drawing/2010/main" val="0"/>
+                <a14:useLocalDpi xmlns:a14="http://schemas.microsoft.com/office/drawing/2010/main" xmlns="" val="0"/>
               </a:ext>
             </a:extLst>
           </a:blip>
@@ -5062,7 +5086,7 @@
           <a:noFill/>
           <a:extLst>
             <a:ext uri="{909E8E84-426E-40DD-AFC4-6F175D3DCCD1}">
-              <a14:hiddenFill xmlns:a14="http://schemas.microsoft.com/office/drawing/2010/main">
+              <a14:hiddenFill xmlns:a14="http://schemas.microsoft.com/office/drawing/2010/main" xmlns="">
                 <a:solidFill>
                   <a:srgbClr val="FFFFFF"/>
                 </a:solidFill>
@@ -5083,7 +5107,7 @@
           <a:blip r:embed="rId4" cstate="print">
             <a:extLst>
               <a:ext uri="{28A0092B-C50C-407E-A947-70E740481C1C}">
-                <a14:useLocalDpi xmlns:a14="http://schemas.microsoft.com/office/drawing/2010/main" val="0"/>
+                <a14:useLocalDpi xmlns:a14="http://schemas.microsoft.com/office/drawing/2010/main" xmlns="" val="0"/>
               </a:ext>
             </a:extLst>
           </a:blip>
@@ -5101,7 +5125,7 @@
           <a:noFill/>
           <a:extLst>
             <a:ext uri="{909E8E84-426E-40DD-AFC4-6F175D3DCCD1}">
-              <a14:hiddenFill xmlns:a14="http://schemas.microsoft.com/office/drawing/2010/main">
+              <a14:hiddenFill xmlns:a14="http://schemas.microsoft.com/office/drawing/2010/main" xmlns="">
                 <a:solidFill>
                   <a:srgbClr val="FFFFFF"/>
                 </a:solidFill>
@@ -5812,7 +5836,7 @@
           <a:blip r:embed="rId5" cstate="print">
             <a:extLst>
               <a:ext uri="{28A0092B-C50C-407E-A947-70E740481C1C}">
-                <a14:useLocalDpi xmlns:a14="http://schemas.microsoft.com/office/drawing/2010/main" val="0"/>
+                <a14:useLocalDpi xmlns:a14="http://schemas.microsoft.com/office/drawing/2010/main" xmlns="" val="0"/>
               </a:ext>
             </a:extLst>
           </a:blip>
@@ -5944,18 +5968,18 @@
     </p:spTree>
     <p:extLst>
       <p:ext uri="{BB962C8B-B14F-4D97-AF65-F5344CB8AC3E}">
-        <p14:creationId xmlns:p14="http://schemas.microsoft.com/office/powerpoint/2010/main" val="1732396710"/>
+        <p14:creationId xmlns:p14="http://schemas.microsoft.com/office/powerpoint/2010/main" xmlns="" val="1732396710"/>
       </p:ext>
     </p:extLst>
   </p:cSld>
   <p:clrMapOvr>
     <a:masterClrMapping/>
   </p:clrMapOvr>
-  <mc:AlternateContent xmlns:mc="http://schemas.openxmlformats.org/markup-compatibility/2006" xmlns:p14="http://schemas.microsoft.com/office/powerpoint/2010/main">
-    <mc:Choice Requires="p14">
+  <mc:AlternateContent xmlns:mc="http://schemas.openxmlformats.org/markup-compatibility/2006">
+    <mc:Choice xmlns:p14="http://schemas.microsoft.com/office/powerpoint/2010/main" xmlns="" Requires="p14">
       <p:transition p14:dur="0"/>
     </mc:Choice>
-    <mc:Fallback xmlns="">
+    <mc:Fallback>
       <p:transition/>
     </mc:Fallback>
   </mc:AlternateContent>
@@ -6222,7 +6246,7 @@
           <a:blip r:embed="rId2" cstate="print">
             <a:extLst>
               <a:ext uri="{28A0092B-C50C-407E-A947-70E740481C1C}">
-                <a14:useLocalDpi xmlns:a14="http://schemas.microsoft.com/office/drawing/2010/main" val="0"/>
+                <a14:useLocalDpi xmlns:a14="http://schemas.microsoft.com/office/drawing/2010/main" xmlns="" val="0"/>
               </a:ext>
             </a:extLst>
           </a:blip>
@@ -6242,7 +6266,7 @@
           <a:noFill/>
           <a:extLst>
             <a:ext uri="{909E8E84-426E-40DD-AFC4-6F175D3DCCD1}">
-              <a14:hiddenFill xmlns:a14="http://schemas.microsoft.com/office/drawing/2010/main">
+              <a14:hiddenFill xmlns:a14="http://schemas.microsoft.com/office/drawing/2010/main" xmlns="">
                 <a:solidFill>
                   <a:srgbClr val="FFFFFF"/>
                 </a:solidFill>
@@ -6263,7 +6287,7 @@
           <a:blip r:embed="rId3" cstate="print">
             <a:extLst>
               <a:ext uri="{28A0092B-C50C-407E-A947-70E740481C1C}">
-                <a14:useLocalDpi xmlns:a14="http://schemas.microsoft.com/office/drawing/2010/main" val="0"/>
+                <a14:useLocalDpi xmlns:a14="http://schemas.microsoft.com/office/drawing/2010/main" xmlns="" val="0"/>
               </a:ext>
             </a:extLst>
           </a:blip>
@@ -6283,7 +6307,7 @@
           <a:noFill/>
           <a:extLst>
             <a:ext uri="{909E8E84-426E-40DD-AFC4-6F175D3DCCD1}">
-              <a14:hiddenFill xmlns:a14="http://schemas.microsoft.com/office/drawing/2010/main">
+              <a14:hiddenFill xmlns:a14="http://schemas.microsoft.com/office/drawing/2010/main" xmlns="">
                 <a:solidFill>
                   <a:srgbClr val="FFFFFF"/>
                 </a:solidFill>
@@ -6304,7 +6328,7 @@
           <a:blip r:embed="rId4" cstate="print">
             <a:extLst>
               <a:ext uri="{28A0092B-C50C-407E-A947-70E740481C1C}">
-                <a14:useLocalDpi xmlns:a14="http://schemas.microsoft.com/office/drawing/2010/main" val="0"/>
+                <a14:useLocalDpi xmlns:a14="http://schemas.microsoft.com/office/drawing/2010/main" xmlns="" val="0"/>
               </a:ext>
             </a:extLst>
           </a:blip>
@@ -6322,7 +6346,7 @@
           <a:noFill/>
           <a:extLst>
             <a:ext uri="{909E8E84-426E-40DD-AFC4-6F175D3DCCD1}">
-              <a14:hiddenFill xmlns:a14="http://schemas.microsoft.com/office/drawing/2010/main">
+              <a14:hiddenFill xmlns:a14="http://schemas.microsoft.com/office/drawing/2010/main" xmlns="">
                 <a:solidFill>
                   <a:srgbClr val="FFFFFF"/>
                 </a:solidFill>
@@ -6343,7 +6367,7 @@
           <a:blip r:embed="rId4" cstate="print">
             <a:extLst>
               <a:ext uri="{28A0092B-C50C-407E-A947-70E740481C1C}">
-                <a14:useLocalDpi xmlns:a14="http://schemas.microsoft.com/office/drawing/2010/main" val="0"/>
+                <a14:useLocalDpi xmlns:a14="http://schemas.microsoft.com/office/drawing/2010/main" xmlns="" val="0"/>
               </a:ext>
             </a:extLst>
           </a:blip>
@@ -6361,7 +6385,7 @@
           <a:noFill/>
           <a:extLst>
             <a:ext uri="{909E8E84-426E-40DD-AFC4-6F175D3DCCD1}">
-              <a14:hiddenFill xmlns:a14="http://schemas.microsoft.com/office/drawing/2010/main">
+              <a14:hiddenFill xmlns:a14="http://schemas.microsoft.com/office/drawing/2010/main" xmlns="">
                 <a:solidFill>
                   <a:srgbClr val="FFFFFF"/>
                 </a:solidFill>
@@ -7037,7 +7061,7 @@
           <a:blip r:embed="rId5" cstate="print">
             <a:extLst>
               <a:ext uri="{28A0092B-C50C-407E-A947-70E740481C1C}">
-                <a14:useLocalDpi xmlns:a14="http://schemas.microsoft.com/office/drawing/2010/main" val="0"/>
+                <a14:useLocalDpi xmlns:a14="http://schemas.microsoft.com/office/drawing/2010/main" xmlns="" val="0"/>
               </a:ext>
             </a:extLst>
           </a:blip>
@@ -7067,7 +7091,7 @@
           <a:blip r:embed="rId6" cstate="print">
             <a:extLst>
               <a:ext uri="{28A0092B-C50C-407E-A947-70E740481C1C}">
-                <a14:useLocalDpi xmlns:a14="http://schemas.microsoft.com/office/drawing/2010/main" val="0"/>
+                <a14:useLocalDpi xmlns:a14="http://schemas.microsoft.com/office/drawing/2010/main" xmlns="" val="0"/>
               </a:ext>
             </a:extLst>
           </a:blip>
@@ -7160,18 +7184,18 @@
     </p:spTree>
     <p:extLst>
       <p:ext uri="{BB962C8B-B14F-4D97-AF65-F5344CB8AC3E}">
-        <p14:creationId xmlns:p14="http://schemas.microsoft.com/office/powerpoint/2010/main" val="1172037201"/>
+        <p14:creationId xmlns:p14="http://schemas.microsoft.com/office/powerpoint/2010/main" xmlns="" val="1172037201"/>
       </p:ext>
     </p:extLst>
   </p:cSld>
   <p:clrMapOvr>
     <a:masterClrMapping/>
   </p:clrMapOvr>
-  <mc:AlternateContent xmlns:mc="http://schemas.openxmlformats.org/markup-compatibility/2006" xmlns:p14="http://schemas.microsoft.com/office/powerpoint/2010/main">
-    <mc:Choice Requires="p14">
+  <mc:AlternateContent xmlns:mc="http://schemas.openxmlformats.org/markup-compatibility/2006">
+    <mc:Choice xmlns:p14="http://schemas.microsoft.com/office/powerpoint/2010/main" xmlns="" Requires="p14">
       <p:transition p14:dur="0"/>
     </mc:Choice>
-    <mc:Fallback xmlns="">
+    <mc:Fallback>
       <p:transition/>
     </mc:Fallback>
   </mc:AlternateContent>
@@ -7335,7 +7359,7 @@
           <a:blip r:embed="rId2" cstate="print">
             <a:extLst>
               <a:ext uri="{28A0092B-C50C-407E-A947-70E740481C1C}">
-                <a14:useLocalDpi xmlns:a14="http://schemas.microsoft.com/office/drawing/2010/main" val="0"/>
+                <a14:useLocalDpi xmlns:a14="http://schemas.microsoft.com/office/drawing/2010/main" xmlns="" val="0"/>
               </a:ext>
             </a:extLst>
           </a:blip>
@@ -7355,7 +7379,7 @@
           <a:noFill/>
           <a:extLst>
             <a:ext uri="{909E8E84-426E-40DD-AFC4-6F175D3DCCD1}">
-              <a14:hiddenFill xmlns:a14="http://schemas.microsoft.com/office/drawing/2010/main">
+              <a14:hiddenFill xmlns:a14="http://schemas.microsoft.com/office/drawing/2010/main" xmlns="">
                 <a:solidFill>
                   <a:srgbClr val="FFFFFF"/>
                 </a:solidFill>
@@ -7376,7 +7400,7 @@
           <a:blip r:embed="rId3" cstate="print">
             <a:extLst>
               <a:ext uri="{28A0092B-C50C-407E-A947-70E740481C1C}">
-                <a14:useLocalDpi xmlns:a14="http://schemas.microsoft.com/office/drawing/2010/main" val="0"/>
+                <a14:useLocalDpi xmlns:a14="http://schemas.microsoft.com/office/drawing/2010/main" xmlns="" val="0"/>
               </a:ext>
             </a:extLst>
           </a:blip>
@@ -7396,7 +7420,7 @@
           <a:noFill/>
           <a:extLst>
             <a:ext uri="{909E8E84-426E-40DD-AFC4-6F175D3DCCD1}">
-              <a14:hiddenFill xmlns:a14="http://schemas.microsoft.com/office/drawing/2010/main">
+              <a14:hiddenFill xmlns:a14="http://schemas.microsoft.com/office/drawing/2010/main" xmlns="">
                 <a:solidFill>
                   <a:srgbClr val="FFFFFF"/>
                 </a:solidFill>
@@ -7417,7 +7441,7 @@
           <a:blip r:embed="rId4" cstate="print">
             <a:extLst>
               <a:ext uri="{28A0092B-C50C-407E-A947-70E740481C1C}">
-                <a14:useLocalDpi xmlns:a14="http://schemas.microsoft.com/office/drawing/2010/main" val="0"/>
+                <a14:useLocalDpi xmlns:a14="http://schemas.microsoft.com/office/drawing/2010/main" xmlns="" val="0"/>
               </a:ext>
             </a:extLst>
           </a:blip>
@@ -7435,7 +7459,7 @@
           <a:noFill/>
           <a:extLst>
             <a:ext uri="{909E8E84-426E-40DD-AFC4-6F175D3DCCD1}">
-              <a14:hiddenFill xmlns:a14="http://schemas.microsoft.com/office/drawing/2010/main">
+              <a14:hiddenFill xmlns:a14="http://schemas.microsoft.com/office/drawing/2010/main" xmlns="">
                 <a:solidFill>
                   <a:srgbClr val="FFFFFF"/>
                 </a:solidFill>
@@ -7456,7 +7480,7 @@
           <a:blip r:embed="rId4" cstate="print">
             <a:extLst>
               <a:ext uri="{28A0092B-C50C-407E-A947-70E740481C1C}">
-                <a14:useLocalDpi xmlns:a14="http://schemas.microsoft.com/office/drawing/2010/main" val="0"/>
+                <a14:useLocalDpi xmlns:a14="http://schemas.microsoft.com/office/drawing/2010/main" xmlns="" val="0"/>
               </a:ext>
             </a:extLst>
           </a:blip>
@@ -7474,7 +7498,7 @@
           <a:noFill/>
           <a:extLst>
             <a:ext uri="{909E8E84-426E-40DD-AFC4-6F175D3DCCD1}">
-              <a14:hiddenFill xmlns:a14="http://schemas.microsoft.com/office/drawing/2010/main">
+              <a14:hiddenFill xmlns:a14="http://schemas.microsoft.com/office/drawing/2010/main" xmlns="">
                 <a:solidFill>
                   <a:srgbClr val="FFFFFF"/>
                 </a:solidFill>
@@ -8136,7 +8160,7 @@
           <a:blip r:embed="rId5" cstate="print">
             <a:extLst>
               <a:ext uri="{28A0092B-C50C-407E-A947-70E740481C1C}">
-                <a14:useLocalDpi xmlns:a14="http://schemas.microsoft.com/office/drawing/2010/main" val="0"/>
+                <a14:useLocalDpi xmlns:a14="http://schemas.microsoft.com/office/drawing/2010/main" xmlns="" val="0"/>
               </a:ext>
             </a:extLst>
           </a:blip>
@@ -8441,18 +8465,18 @@
     </p:spTree>
     <p:extLst>
       <p:ext uri="{BB962C8B-B14F-4D97-AF65-F5344CB8AC3E}">
-        <p14:creationId xmlns:p14="http://schemas.microsoft.com/office/powerpoint/2010/main" val="747836900"/>
+        <p14:creationId xmlns:p14="http://schemas.microsoft.com/office/powerpoint/2010/main" xmlns="" val="747836900"/>
       </p:ext>
     </p:extLst>
   </p:cSld>
   <p:clrMapOvr>
     <a:masterClrMapping/>
   </p:clrMapOvr>
-  <mc:AlternateContent xmlns:mc="http://schemas.openxmlformats.org/markup-compatibility/2006" xmlns:p14="http://schemas.microsoft.com/office/powerpoint/2010/main">
-    <mc:Choice Requires="p14">
+  <mc:AlternateContent xmlns:mc="http://schemas.openxmlformats.org/markup-compatibility/2006">
+    <mc:Choice xmlns:p14="http://schemas.microsoft.com/office/powerpoint/2010/main" xmlns="" Requires="p14">
       <p:transition p14:dur="0"/>
     </mc:Choice>
-    <mc:Fallback xmlns="">
+    <mc:Fallback>
       <p:transition/>
     </mc:Fallback>
   </mc:AlternateContent>
@@ -8616,7 +8640,7 @@
           <a:blip r:embed="rId2" cstate="print">
             <a:extLst>
               <a:ext uri="{28A0092B-C50C-407E-A947-70E740481C1C}">
-                <a14:useLocalDpi xmlns:a14="http://schemas.microsoft.com/office/drawing/2010/main" val="0"/>
+                <a14:useLocalDpi xmlns:a14="http://schemas.microsoft.com/office/drawing/2010/main" xmlns="" val="0"/>
               </a:ext>
             </a:extLst>
           </a:blip>
@@ -8636,7 +8660,7 @@
           <a:noFill/>
           <a:extLst>
             <a:ext uri="{909E8E84-426E-40DD-AFC4-6F175D3DCCD1}">
-              <a14:hiddenFill xmlns:a14="http://schemas.microsoft.com/office/drawing/2010/main">
+              <a14:hiddenFill xmlns:a14="http://schemas.microsoft.com/office/drawing/2010/main" xmlns="">
                 <a:solidFill>
                   <a:srgbClr val="FFFFFF"/>
                 </a:solidFill>
@@ -8657,7 +8681,7 @@
           <a:blip r:embed="rId3" cstate="print">
             <a:extLst>
               <a:ext uri="{28A0092B-C50C-407E-A947-70E740481C1C}">
-                <a14:useLocalDpi xmlns:a14="http://schemas.microsoft.com/office/drawing/2010/main" val="0"/>
+                <a14:useLocalDpi xmlns:a14="http://schemas.microsoft.com/office/drawing/2010/main" xmlns="" val="0"/>
               </a:ext>
             </a:extLst>
           </a:blip>
@@ -8677,7 +8701,7 @@
           <a:noFill/>
           <a:extLst>
             <a:ext uri="{909E8E84-426E-40DD-AFC4-6F175D3DCCD1}">
-              <a14:hiddenFill xmlns:a14="http://schemas.microsoft.com/office/drawing/2010/main">
+              <a14:hiddenFill xmlns:a14="http://schemas.microsoft.com/office/drawing/2010/main" xmlns="">
                 <a:solidFill>
                   <a:srgbClr val="FFFFFF"/>
                 </a:solidFill>
@@ -8698,7 +8722,7 @@
           <a:blip r:embed="rId4" cstate="print">
             <a:extLst>
               <a:ext uri="{28A0092B-C50C-407E-A947-70E740481C1C}">
-                <a14:useLocalDpi xmlns:a14="http://schemas.microsoft.com/office/drawing/2010/main" val="0"/>
+                <a14:useLocalDpi xmlns:a14="http://schemas.microsoft.com/office/drawing/2010/main" xmlns="" val="0"/>
               </a:ext>
             </a:extLst>
           </a:blip>
@@ -8716,7 +8740,7 @@
           <a:noFill/>
           <a:extLst>
             <a:ext uri="{909E8E84-426E-40DD-AFC4-6F175D3DCCD1}">
-              <a14:hiddenFill xmlns:a14="http://schemas.microsoft.com/office/drawing/2010/main">
+              <a14:hiddenFill xmlns:a14="http://schemas.microsoft.com/office/drawing/2010/main" xmlns="">
                 <a:solidFill>
                   <a:srgbClr val="FFFFFF"/>
                 </a:solidFill>
@@ -8737,7 +8761,7 @@
           <a:blip r:embed="rId4" cstate="print">
             <a:extLst>
               <a:ext uri="{28A0092B-C50C-407E-A947-70E740481C1C}">
-                <a14:useLocalDpi xmlns:a14="http://schemas.microsoft.com/office/drawing/2010/main" val="0"/>
+                <a14:useLocalDpi xmlns:a14="http://schemas.microsoft.com/office/drawing/2010/main" xmlns="" val="0"/>
               </a:ext>
             </a:extLst>
           </a:blip>
@@ -8755,7 +8779,7 @@
           <a:noFill/>
           <a:extLst>
             <a:ext uri="{909E8E84-426E-40DD-AFC4-6F175D3DCCD1}">
-              <a14:hiddenFill xmlns:a14="http://schemas.microsoft.com/office/drawing/2010/main">
+              <a14:hiddenFill xmlns:a14="http://schemas.microsoft.com/office/drawing/2010/main" xmlns="">
                 <a:solidFill>
                   <a:srgbClr val="FFFFFF"/>
                 </a:solidFill>
@@ -9468,7 +9492,7 @@
           <a:blip r:embed="rId5" cstate="print">
             <a:extLst>
               <a:ext uri="{28A0092B-C50C-407E-A947-70E740481C1C}">
-                <a14:useLocalDpi xmlns:a14="http://schemas.microsoft.com/office/drawing/2010/main" val="0"/>
+                <a14:useLocalDpi xmlns:a14="http://schemas.microsoft.com/office/drawing/2010/main" xmlns="" val="0"/>
               </a:ext>
             </a:extLst>
           </a:blip>
@@ -9740,18 +9764,18 @@
     </p:spTree>
     <p:extLst>
       <p:ext uri="{BB962C8B-B14F-4D97-AF65-F5344CB8AC3E}">
-        <p14:creationId xmlns:p14="http://schemas.microsoft.com/office/powerpoint/2010/main" val="1958595418"/>
+        <p14:creationId xmlns:p14="http://schemas.microsoft.com/office/powerpoint/2010/main" xmlns="" val="1958595418"/>
       </p:ext>
     </p:extLst>
   </p:cSld>
   <p:clrMapOvr>
     <a:masterClrMapping/>
   </p:clrMapOvr>
-  <mc:AlternateContent xmlns:mc="http://schemas.openxmlformats.org/markup-compatibility/2006" xmlns:p14="http://schemas.microsoft.com/office/powerpoint/2010/main">
-    <mc:Choice Requires="p14">
+  <mc:AlternateContent xmlns:mc="http://schemas.openxmlformats.org/markup-compatibility/2006">
+    <mc:Choice xmlns:p14="http://schemas.microsoft.com/office/powerpoint/2010/main" xmlns="" Requires="p14">
       <p:transition p14:dur="0"/>
     </mc:Choice>
-    <mc:Fallback xmlns="">
+    <mc:Fallback>
       <p:transition/>
     </mc:Fallback>
   </mc:AlternateContent>
@@ -9915,7 +9939,7 @@
           <a:blip r:embed="rId2" cstate="print">
             <a:extLst>
               <a:ext uri="{28A0092B-C50C-407E-A947-70E740481C1C}">
-                <a14:useLocalDpi xmlns:a14="http://schemas.microsoft.com/office/drawing/2010/main" val="0"/>
+                <a14:useLocalDpi xmlns:a14="http://schemas.microsoft.com/office/drawing/2010/main" xmlns="" val="0"/>
               </a:ext>
             </a:extLst>
           </a:blip>
@@ -9935,7 +9959,7 @@
           <a:noFill/>
           <a:extLst>
             <a:ext uri="{909E8E84-426E-40DD-AFC4-6F175D3DCCD1}">
-              <a14:hiddenFill xmlns:a14="http://schemas.microsoft.com/office/drawing/2010/main">
+              <a14:hiddenFill xmlns:a14="http://schemas.microsoft.com/office/drawing/2010/main" xmlns="">
                 <a:solidFill>
                   <a:srgbClr val="FFFFFF"/>
                 </a:solidFill>
@@ -9956,7 +9980,7 @@
           <a:blip r:embed="rId3" cstate="print">
             <a:extLst>
               <a:ext uri="{28A0092B-C50C-407E-A947-70E740481C1C}">
-                <a14:useLocalDpi xmlns:a14="http://schemas.microsoft.com/office/drawing/2010/main" val="0"/>
+                <a14:useLocalDpi xmlns:a14="http://schemas.microsoft.com/office/drawing/2010/main" xmlns="" val="0"/>
               </a:ext>
             </a:extLst>
           </a:blip>
@@ -9976,7 +10000,7 @@
           <a:noFill/>
           <a:extLst>
             <a:ext uri="{909E8E84-426E-40DD-AFC4-6F175D3DCCD1}">
-              <a14:hiddenFill xmlns:a14="http://schemas.microsoft.com/office/drawing/2010/main">
+              <a14:hiddenFill xmlns:a14="http://schemas.microsoft.com/office/drawing/2010/main" xmlns="">
                 <a:solidFill>
                   <a:srgbClr val="FFFFFF"/>
                 </a:solidFill>
@@ -9997,7 +10021,7 @@
           <a:blip r:embed="rId4" cstate="print">
             <a:extLst>
               <a:ext uri="{28A0092B-C50C-407E-A947-70E740481C1C}">
-                <a14:useLocalDpi xmlns:a14="http://schemas.microsoft.com/office/drawing/2010/main" val="0"/>
+                <a14:useLocalDpi xmlns:a14="http://schemas.microsoft.com/office/drawing/2010/main" xmlns="" val="0"/>
               </a:ext>
             </a:extLst>
           </a:blip>
@@ -10015,7 +10039,7 @@
           <a:noFill/>
           <a:extLst>
             <a:ext uri="{909E8E84-426E-40DD-AFC4-6F175D3DCCD1}">
-              <a14:hiddenFill xmlns:a14="http://schemas.microsoft.com/office/drawing/2010/main">
+              <a14:hiddenFill xmlns:a14="http://schemas.microsoft.com/office/drawing/2010/main" xmlns="">
                 <a:solidFill>
                   <a:srgbClr val="FFFFFF"/>
                 </a:solidFill>
@@ -10036,7 +10060,7 @@
           <a:blip r:embed="rId4" cstate="print">
             <a:extLst>
               <a:ext uri="{28A0092B-C50C-407E-A947-70E740481C1C}">
-                <a14:useLocalDpi xmlns:a14="http://schemas.microsoft.com/office/drawing/2010/main" val="0"/>
+                <a14:useLocalDpi xmlns:a14="http://schemas.microsoft.com/office/drawing/2010/main" xmlns="" val="0"/>
               </a:ext>
             </a:extLst>
           </a:blip>
@@ -10054,7 +10078,7 @@
           <a:noFill/>
           <a:extLst>
             <a:ext uri="{909E8E84-426E-40DD-AFC4-6F175D3DCCD1}">
-              <a14:hiddenFill xmlns:a14="http://schemas.microsoft.com/office/drawing/2010/main">
+              <a14:hiddenFill xmlns:a14="http://schemas.microsoft.com/office/drawing/2010/main" xmlns="">
                 <a:solidFill>
                   <a:srgbClr val="FFFFFF"/>
                 </a:solidFill>
@@ -10602,10 +10626,10 @@
           <p:nvPr/>
         </p:nvPicPr>
         <p:blipFill>
-          <a:blip r:embed="rId5">
+          <a:blip r:embed="rId5" cstate="print">
             <a:extLst>
               <a:ext uri="{28A0092B-C50C-407E-A947-70E740481C1C}">
-                <a14:useLocalDpi xmlns:a14="http://schemas.microsoft.com/office/drawing/2010/main" val="0"/>
+                <a14:useLocalDpi xmlns:a14="http://schemas.microsoft.com/office/drawing/2010/main" xmlns="" val="0"/>
               </a:ext>
             </a:extLst>
           </a:blip>
@@ -10914,18 +10938,18 @@
     </p:spTree>
     <p:extLst>
       <p:ext uri="{BB962C8B-B14F-4D97-AF65-F5344CB8AC3E}">
-        <p14:creationId xmlns:p14="http://schemas.microsoft.com/office/powerpoint/2010/main" val="4055234141"/>
+        <p14:creationId xmlns:p14="http://schemas.microsoft.com/office/powerpoint/2010/main" xmlns="" val="4055234141"/>
       </p:ext>
     </p:extLst>
   </p:cSld>
   <p:clrMapOvr>
     <a:masterClrMapping/>
   </p:clrMapOvr>
-  <mc:AlternateContent xmlns:mc="http://schemas.openxmlformats.org/markup-compatibility/2006" xmlns:p14="http://schemas.microsoft.com/office/powerpoint/2010/main">
-    <mc:Choice Requires="p14">
+  <mc:AlternateContent xmlns:mc="http://schemas.openxmlformats.org/markup-compatibility/2006">
+    <mc:Choice xmlns:p14="http://schemas.microsoft.com/office/powerpoint/2010/main" xmlns="" Requires="p14">
       <p:transition p14:dur="0"/>
     </mc:Choice>
-    <mc:Fallback xmlns="">
+    <mc:Fallback>
       <p:transition/>
     </mc:Fallback>
   </mc:AlternateContent>
@@ -11227,7 +11251,7 @@
           <a:blip r:embed="rId2" cstate="print">
             <a:extLst>
               <a:ext uri="{28A0092B-C50C-407E-A947-70E740481C1C}">
-                <a14:useLocalDpi xmlns:a14="http://schemas.microsoft.com/office/drawing/2010/main" val="0"/>
+                <a14:useLocalDpi xmlns:a14="http://schemas.microsoft.com/office/drawing/2010/main" xmlns="" val="0"/>
               </a:ext>
             </a:extLst>
           </a:blip>
@@ -11247,7 +11271,7 @@
           <a:noFill/>
           <a:extLst>
             <a:ext uri="{909E8E84-426E-40DD-AFC4-6F175D3DCCD1}">
-              <a14:hiddenFill xmlns:a14="http://schemas.microsoft.com/office/drawing/2010/main">
+              <a14:hiddenFill xmlns:a14="http://schemas.microsoft.com/office/drawing/2010/main" xmlns="">
                 <a:solidFill>
                   <a:srgbClr val="FFFFFF"/>
                 </a:solidFill>
@@ -11268,7 +11292,7 @@
           <a:blip r:embed="rId3" cstate="print">
             <a:extLst>
               <a:ext uri="{28A0092B-C50C-407E-A947-70E740481C1C}">
-                <a14:useLocalDpi xmlns:a14="http://schemas.microsoft.com/office/drawing/2010/main" val="0"/>
+                <a14:useLocalDpi xmlns:a14="http://schemas.microsoft.com/office/drawing/2010/main" xmlns="" val="0"/>
               </a:ext>
             </a:extLst>
           </a:blip>
@@ -11288,7 +11312,7 @@
           <a:noFill/>
           <a:extLst>
             <a:ext uri="{909E8E84-426E-40DD-AFC4-6F175D3DCCD1}">
-              <a14:hiddenFill xmlns:a14="http://schemas.microsoft.com/office/drawing/2010/main">
+              <a14:hiddenFill xmlns:a14="http://schemas.microsoft.com/office/drawing/2010/main" xmlns="">
                 <a:solidFill>
                   <a:srgbClr val="FFFFFF"/>
                 </a:solidFill>
@@ -11309,7 +11333,7 @@
           <a:blip r:embed="rId4" cstate="print">
             <a:extLst>
               <a:ext uri="{28A0092B-C50C-407E-A947-70E740481C1C}">
-                <a14:useLocalDpi xmlns:a14="http://schemas.microsoft.com/office/drawing/2010/main" val="0"/>
+                <a14:useLocalDpi xmlns:a14="http://schemas.microsoft.com/office/drawing/2010/main" xmlns="" val="0"/>
               </a:ext>
             </a:extLst>
           </a:blip>
@@ -11327,7 +11351,7 @@
           <a:noFill/>
           <a:extLst>
             <a:ext uri="{909E8E84-426E-40DD-AFC4-6F175D3DCCD1}">
-              <a14:hiddenFill xmlns:a14="http://schemas.microsoft.com/office/drawing/2010/main">
+              <a14:hiddenFill xmlns:a14="http://schemas.microsoft.com/office/drawing/2010/main" xmlns="">
                 <a:solidFill>
                   <a:srgbClr val="FFFFFF"/>
                 </a:solidFill>
@@ -11348,7 +11372,7 @@
           <a:blip r:embed="rId4" cstate="print">
             <a:extLst>
               <a:ext uri="{28A0092B-C50C-407E-A947-70E740481C1C}">
-                <a14:useLocalDpi xmlns:a14="http://schemas.microsoft.com/office/drawing/2010/main" val="0"/>
+                <a14:useLocalDpi xmlns:a14="http://schemas.microsoft.com/office/drawing/2010/main" xmlns="" val="0"/>
               </a:ext>
             </a:extLst>
           </a:blip>
@@ -11366,7 +11390,7 @@
           <a:noFill/>
           <a:extLst>
             <a:ext uri="{909E8E84-426E-40DD-AFC4-6F175D3DCCD1}">
-              <a14:hiddenFill xmlns:a14="http://schemas.microsoft.com/office/drawing/2010/main">
+              <a14:hiddenFill xmlns:a14="http://schemas.microsoft.com/office/drawing/2010/main" xmlns="">
                 <a:solidFill>
                   <a:srgbClr val="FFFFFF"/>
                 </a:solidFill>
@@ -12025,10 +12049,10 @@
           <p:nvPr/>
         </p:nvPicPr>
         <p:blipFill>
-          <a:blip r:embed="rId5">
+          <a:blip r:embed="rId5" cstate="print">
             <a:extLst>
               <a:ext uri="{28A0092B-C50C-407E-A947-70E740481C1C}">
-                <a14:useLocalDpi xmlns:a14="http://schemas.microsoft.com/office/drawing/2010/main" val="0"/>
+                <a14:useLocalDpi xmlns:a14="http://schemas.microsoft.com/office/drawing/2010/main" xmlns="" val="0"/>
               </a:ext>
             </a:extLst>
           </a:blip>
@@ -12313,18 +12337,18 @@
     </p:spTree>
     <p:extLst>
       <p:ext uri="{BB962C8B-B14F-4D97-AF65-F5344CB8AC3E}">
-        <p14:creationId xmlns:p14="http://schemas.microsoft.com/office/powerpoint/2010/main" val="3311751499"/>
+        <p14:creationId xmlns:p14="http://schemas.microsoft.com/office/powerpoint/2010/main" xmlns="" val="3311751499"/>
       </p:ext>
     </p:extLst>
   </p:cSld>
   <p:clrMapOvr>
     <a:masterClrMapping/>
   </p:clrMapOvr>
-  <mc:AlternateContent xmlns:mc="http://schemas.openxmlformats.org/markup-compatibility/2006" xmlns:p14="http://schemas.microsoft.com/office/powerpoint/2010/main">
-    <mc:Choice Requires="p14">
+  <mc:AlternateContent xmlns:mc="http://schemas.openxmlformats.org/markup-compatibility/2006">
+    <mc:Choice xmlns:p14="http://schemas.microsoft.com/office/powerpoint/2010/main" xmlns="" Requires="p14">
       <p:transition p14:dur="0"/>
     </mc:Choice>
-    <mc:Fallback xmlns="">
+    <mc:Fallback>
       <p:transition/>
     </mc:Fallback>
   </mc:AlternateContent>
@@ -12591,7 +12615,7 @@
           <a:blip r:embed="rId2" cstate="print">
             <a:extLst>
               <a:ext uri="{28A0092B-C50C-407E-A947-70E740481C1C}">
-                <a14:useLocalDpi xmlns:a14="http://schemas.microsoft.com/office/drawing/2010/main" val="0"/>
+                <a14:useLocalDpi xmlns:a14="http://schemas.microsoft.com/office/drawing/2010/main" xmlns="" val="0"/>
               </a:ext>
             </a:extLst>
           </a:blip>
@@ -12611,7 +12635,7 @@
           <a:noFill/>
           <a:extLst>
             <a:ext uri="{909E8E84-426E-40DD-AFC4-6F175D3DCCD1}">
-              <a14:hiddenFill xmlns:a14="http://schemas.microsoft.com/office/drawing/2010/main">
+              <a14:hiddenFill xmlns:a14="http://schemas.microsoft.com/office/drawing/2010/main" xmlns="">
                 <a:solidFill>
                   <a:srgbClr val="FFFFFF"/>
                 </a:solidFill>
@@ -12632,7 +12656,7 @@
           <a:blip r:embed="rId3" cstate="print">
             <a:extLst>
               <a:ext uri="{28A0092B-C50C-407E-A947-70E740481C1C}">
-                <a14:useLocalDpi xmlns:a14="http://schemas.microsoft.com/office/drawing/2010/main" val="0"/>
+                <a14:useLocalDpi xmlns:a14="http://schemas.microsoft.com/office/drawing/2010/main" xmlns="" val="0"/>
               </a:ext>
             </a:extLst>
           </a:blip>
@@ -12652,7 +12676,7 @@
           <a:noFill/>
           <a:extLst>
             <a:ext uri="{909E8E84-426E-40DD-AFC4-6F175D3DCCD1}">
-              <a14:hiddenFill xmlns:a14="http://schemas.microsoft.com/office/drawing/2010/main">
+              <a14:hiddenFill xmlns:a14="http://schemas.microsoft.com/office/drawing/2010/main" xmlns="">
                 <a:solidFill>
                   <a:srgbClr val="FFFFFF"/>
                 </a:solidFill>
@@ -12673,7 +12697,7 @@
           <a:blip r:embed="rId4" cstate="print">
             <a:extLst>
               <a:ext uri="{28A0092B-C50C-407E-A947-70E740481C1C}">
-                <a14:useLocalDpi xmlns:a14="http://schemas.microsoft.com/office/drawing/2010/main" val="0"/>
+                <a14:useLocalDpi xmlns:a14="http://schemas.microsoft.com/office/drawing/2010/main" xmlns="" val="0"/>
               </a:ext>
             </a:extLst>
           </a:blip>
@@ -12691,7 +12715,7 @@
           <a:noFill/>
           <a:extLst>
             <a:ext uri="{909E8E84-426E-40DD-AFC4-6F175D3DCCD1}">
-              <a14:hiddenFill xmlns:a14="http://schemas.microsoft.com/office/drawing/2010/main">
+              <a14:hiddenFill xmlns:a14="http://schemas.microsoft.com/office/drawing/2010/main" xmlns="">
                 <a:solidFill>
                   <a:srgbClr val="FFFFFF"/>
                 </a:solidFill>
@@ -12712,7 +12736,7 @@
           <a:blip r:embed="rId4" cstate="print">
             <a:extLst>
               <a:ext uri="{28A0092B-C50C-407E-A947-70E740481C1C}">
-                <a14:useLocalDpi xmlns:a14="http://schemas.microsoft.com/office/drawing/2010/main" val="0"/>
+                <a14:useLocalDpi xmlns:a14="http://schemas.microsoft.com/office/drawing/2010/main" xmlns="" val="0"/>
               </a:ext>
             </a:extLst>
           </a:blip>
@@ -12730,7 +12754,7 @@
           <a:noFill/>
           <a:extLst>
             <a:ext uri="{909E8E84-426E-40DD-AFC4-6F175D3DCCD1}">
-              <a14:hiddenFill xmlns:a14="http://schemas.microsoft.com/office/drawing/2010/main">
+              <a14:hiddenFill xmlns:a14="http://schemas.microsoft.com/office/drawing/2010/main" xmlns="">
                 <a:solidFill>
                   <a:srgbClr val="FFFFFF"/>
                 </a:solidFill>
@@ -13358,10 +13382,10 @@
           <p:nvPr/>
         </p:nvPicPr>
         <p:blipFill>
-          <a:blip r:embed="rId5">
+          <a:blip r:embed="rId5" cstate="print">
             <a:extLst>
               <a:ext uri="{28A0092B-C50C-407E-A947-70E740481C1C}">
-                <a14:useLocalDpi xmlns:a14="http://schemas.microsoft.com/office/drawing/2010/main" val="0"/>
+                <a14:useLocalDpi xmlns:a14="http://schemas.microsoft.com/office/drawing/2010/main" xmlns="" val="0"/>
               </a:ext>
             </a:extLst>
           </a:blip>
@@ -13391,7 +13415,7 @@
           <a:blip r:embed="rId6" cstate="print">
             <a:extLst>
               <a:ext uri="{28A0092B-C50C-407E-A947-70E740481C1C}">
-                <a14:useLocalDpi xmlns:a14="http://schemas.microsoft.com/office/drawing/2010/main" val="0"/>
+                <a14:useLocalDpi xmlns:a14="http://schemas.microsoft.com/office/drawing/2010/main" xmlns="" val="0"/>
               </a:ext>
             </a:extLst>
           </a:blip>
@@ -13560,18 +13584,18 @@
     </p:spTree>
     <p:extLst>
       <p:ext uri="{BB962C8B-B14F-4D97-AF65-F5344CB8AC3E}">
-        <p14:creationId xmlns:p14="http://schemas.microsoft.com/office/powerpoint/2010/main" val="3919542830"/>
+        <p14:creationId xmlns:p14="http://schemas.microsoft.com/office/powerpoint/2010/main" xmlns="" val="3919542830"/>
       </p:ext>
     </p:extLst>
   </p:cSld>
   <p:clrMapOvr>
     <a:masterClrMapping/>
   </p:clrMapOvr>
-  <mc:AlternateContent xmlns:mc="http://schemas.openxmlformats.org/markup-compatibility/2006" xmlns:p14="http://schemas.microsoft.com/office/powerpoint/2010/main">
-    <mc:Choice Requires="p14">
+  <mc:AlternateContent xmlns:mc="http://schemas.openxmlformats.org/markup-compatibility/2006">
+    <mc:Choice xmlns:p14="http://schemas.microsoft.com/office/powerpoint/2010/main" xmlns="" Requires="p14">
       <p:transition p14:dur="0"/>
     </mc:Choice>
-    <mc:Fallback xmlns="">
+    <mc:Fallback>
       <p:transition/>
     </mc:Fallback>
   </mc:AlternateContent>
@@ -13735,7 +13759,7 @@
           <a:blip r:embed="rId2" cstate="print">
             <a:extLst>
               <a:ext uri="{28A0092B-C50C-407E-A947-70E740481C1C}">
-                <a14:useLocalDpi xmlns:a14="http://schemas.microsoft.com/office/drawing/2010/main" val="0"/>
+                <a14:useLocalDpi xmlns:a14="http://schemas.microsoft.com/office/drawing/2010/main" xmlns="" val="0"/>
               </a:ext>
             </a:extLst>
           </a:blip>
@@ -13755,7 +13779,7 @@
           <a:noFill/>
           <a:extLst>
             <a:ext uri="{909E8E84-426E-40DD-AFC4-6F175D3DCCD1}">
-              <a14:hiddenFill xmlns:a14="http://schemas.microsoft.com/office/drawing/2010/main">
+              <a14:hiddenFill xmlns:a14="http://schemas.microsoft.com/office/drawing/2010/main" xmlns="">
                 <a:solidFill>
                   <a:srgbClr val="FFFFFF"/>
                 </a:solidFill>
@@ -13776,7 +13800,7 @@
           <a:blip r:embed="rId3" cstate="print">
             <a:extLst>
               <a:ext uri="{28A0092B-C50C-407E-A947-70E740481C1C}">
-                <a14:useLocalDpi xmlns:a14="http://schemas.microsoft.com/office/drawing/2010/main" val="0"/>
+                <a14:useLocalDpi xmlns:a14="http://schemas.microsoft.com/office/drawing/2010/main" xmlns="" val="0"/>
               </a:ext>
             </a:extLst>
           </a:blip>
@@ -13796,7 +13820,7 @@
           <a:noFill/>
           <a:extLst>
             <a:ext uri="{909E8E84-426E-40DD-AFC4-6F175D3DCCD1}">
-              <a14:hiddenFill xmlns:a14="http://schemas.microsoft.com/office/drawing/2010/main">
+              <a14:hiddenFill xmlns:a14="http://schemas.microsoft.com/office/drawing/2010/main" xmlns="">
                 <a:solidFill>
                   <a:srgbClr val="FFFFFF"/>
                 </a:solidFill>
@@ -13817,7 +13841,7 @@
           <a:blip r:embed="rId4" cstate="print">
             <a:extLst>
               <a:ext uri="{28A0092B-C50C-407E-A947-70E740481C1C}">
-                <a14:useLocalDpi xmlns:a14="http://schemas.microsoft.com/office/drawing/2010/main" val="0"/>
+                <a14:useLocalDpi xmlns:a14="http://schemas.microsoft.com/office/drawing/2010/main" xmlns="" val="0"/>
               </a:ext>
             </a:extLst>
           </a:blip>
@@ -13835,7 +13859,7 @@
           <a:noFill/>
           <a:extLst>
             <a:ext uri="{909E8E84-426E-40DD-AFC4-6F175D3DCCD1}">
-              <a14:hiddenFill xmlns:a14="http://schemas.microsoft.com/office/drawing/2010/main">
+              <a14:hiddenFill xmlns:a14="http://schemas.microsoft.com/office/drawing/2010/main" xmlns="">
                 <a:solidFill>
                   <a:srgbClr val="FFFFFF"/>
                 </a:solidFill>
@@ -13856,7 +13880,7 @@
           <a:blip r:embed="rId4" cstate="print">
             <a:extLst>
               <a:ext uri="{28A0092B-C50C-407E-A947-70E740481C1C}">
-                <a14:useLocalDpi xmlns:a14="http://schemas.microsoft.com/office/drawing/2010/main" val="0"/>
+                <a14:useLocalDpi xmlns:a14="http://schemas.microsoft.com/office/drawing/2010/main" xmlns="" val="0"/>
               </a:ext>
             </a:extLst>
           </a:blip>
@@ -13874,7 +13898,7 @@
           <a:noFill/>
           <a:extLst>
             <a:ext uri="{909E8E84-426E-40DD-AFC4-6F175D3DCCD1}">
-              <a14:hiddenFill xmlns:a14="http://schemas.microsoft.com/office/drawing/2010/main">
+              <a14:hiddenFill xmlns:a14="http://schemas.microsoft.com/office/drawing/2010/main" xmlns="">
                 <a:solidFill>
                   <a:srgbClr val="FFFFFF"/>
                 </a:solidFill>
@@ -14528,10 +14552,10 @@
           <p:nvPr/>
         </p:nvPicPr>
         <p:blipFill>
-          <a:blip r:embed="rId5">
+          <a:blip r:embed="rId5" cstate="print">
             <a:extLst>
               <a:ext uri="{28A0092B-C50C-407E-A947-70E740481C1C}">
-                <a14:useLocalDpi xmlns:a14="http://schemas.microsoft.com/office/drawing/2010/main" val="0"/>
+                <a14:useLocalDpi xmlns:a14="http://schemas.microsoft.com/office/drawing/2010/main" xmlns="" val="0"/>
               </a:ext>
             </a:extLst>
           </a:blip>
@@ -14839,18 +14863,18 @@
     </p:spTree>
     <p:extLst>
       <p:ext uri="{BB962C8B-B14F-4D97-AF65-F5344CB8AC3E}">
-        <p14:creationId xmlns:p14="http://schemas.microsoft.com/office/powerpoint/2010/main" val="2726951426"/>
+        <p14:creationId xmlns:p14="http://schemas.microsoft.com/office/powerpoint/2010/main" xmlns="" val="2726951426"/>
       </p:ext>
     </p:extLst>
   </p:cSld>
   <p:clrMapOvr>
     <a:masterClrMapping/>
   </p:clrMapOvr>
-  <mc:AlternateContent xmlns:mc="http://schemas.openxmlformats.org/markup-compatibility/2006" xmlns:p14="http://schemas.microsoft.com/office/powerpoint/2010/main">
-    <mc:Choice Requires="p14">
+  <mc:AlternateContent xmlns:mc="http://schemas.openxmlformats.org/markup-compatibility/2006">
+    <mc:Choice xmlns:p14="http://schemas.microsoft.com/office/powerpoint/2010/main" xmlns="" Requires="p14">
       <p:transition p14:dur="0"/>
     </mc:Choice>
-    <mc:Fallback xmlns="">
+    <mc:Fallback>
       <p:transition/>
     </mc:Fallback>
   </mc:AlternateContent>
@@ -15014,7 +15038,7 @@
           <a:blip r:embed="rId2" cstate="print">
             <a:extLst>
               <a:ext uri="{28A0092B-C50C-407E-A947-70E740481C1C}">
-                <a14:useLocalDpi xmlns:a14="http://schemas.microsoft.com/office/drawing/2010/main" val="0"/>
+                <a14:useLocalDpi xmlns:a14="http://schemas.microsoft.com/office/drawing/2010/main" xmlns="" val="0"/>
               </a:ext>
             </a:extLst>
           </a:blip>
@@ -15034,7 +15058,7 @@
           <a:noFill/>
           <a:extLst>
             <a:ext uri="{909E8E84-426E-40DD-AFC4-6F175D3DCCD1}">
-              <a14:hiddenFill xmlns:a14="http://schemas.microsoft.com/office/drawing/2010/main">
+              <a14:hiddenFill xmlns:a14="http://schemas.microsoft.com/office/drawing/2010/main" xmlns="">
                 <a:solidFill>
                   <a:srgbClr val="FFFFFF"/>
                 </a:solidFill>
@@ -15055,7 +15079,7 @@
           <a:blip r:embed="rId3" cstate="print">
             <a:extLst>
               <a:ext uri="{28A0092B-C50C-407E-A947-70E740481C1C}">
-                <a14:useLocalDpi xmlns:a14="http://schemas.microsoft.com/office/drawing/2010/main" val="0"/>
+                <a14:useLocalDpi xmlns:a14="http://schemas.microsoft.com/office/drawing/2010/main" xmlns="" val="0"/>
               </a:ext>
             </a:extLst>
           </a:blip>
@@ -15075,7 +15099,7 @@
           <a:noFill/>
           <a:extLst>
             <a:ext uri="{909E8E84-426E-40DD-AFC4-6F175D3DCCD1}">
-              <a14:hiddenFill xmlns:a14="http://schemas.microsoft.com/office/drawing/2010/main">
+              <a14:hiddenFill xmlns:a14="http://schemas.microsoft.com/office/drawing/2010/main" xmlns="">
                 <a:solidFill>
                   <a:srgbClr val="FFFFFF"/>
                 </a:solidFill>
@@ -15096,7 +15120,7 @@
           <a:blip r:embed="rId4" cstate="print">
             <a:extLst>
               <a:ext uri="{28A0092B-C50C-407E-A947-70E740481C1C}">
-                <a14:useLocalDpi xmlns:a14="http://schemas.microsoft.com/office/drawing/2010/main" val="0"/>
+                <a14:useLocalDpi xmlns:a14="http://schemas.microsoft.com/office/drawing/2010/main" xmlns="" val="0"/>
               </a:ext>
             </a:extLst>
           </a:blip>
@@ -15114,7 +15138,7 @@
           <a:noFill/>
           <a:extLst>
             <a:ext uri="{909E8E84-426E-40DD-AFC4-6F175D3DCCD1}">
-              <a14:hiddenFill xmlns:a14="http://schemas.microsoft.com/office/drawing/2010/main">
+              <a14:hiddenFill xmlns:a14="http://schemas.microsoft.com/office/drawing/2010/main" xmlns="">
                 <a:solidFill>
                   <a:srgbClr val="FFFFFF"/>
                 </a:solidFill>
@@ -15135,7 +15159,7 @@
           <a:blip r:embed="rId4" cstate="print">
             <a:extLst>
               <a:ext uri="{28A0092B-C50C-407E-A947-70E740481C1C}">
-                <a14:useLocalDpi xmlns:a14="http://schemas.microsoft.com/office/drawing/2010/main" val="0"/>
+                <a14:useLocalDpi xmlns:a14="http://schemas.microsoft.com/office/drawing/2010/main" xmlns="" val="0"/>
               </a:ext>
             </a:extLst>
           </a:blip>
@@ -15153,7 +15177,7 @@
           <a:noFill/>
           <a:extLst>
             <a:ext uri="{909E8E84-426E-40DD-AFC4-6F175D3DCCD1}">
-              <a14:hiddenFill xmlns:a14="http://schemas.microsoft.com/office/drawing/2010/main">
+              <a14:hiddenFill xmlns:a14="http://schemas.microsoft.com/office/drawing/2010/main" xmlns="">
                 <a:solidFill>
                   <a:srgbClr val="FFFFFF"/>
                 </a:solidFill>
@@ -15807,10 +15831,10 @@
           <p:nvPr/>
         </p:nvPicPr>
         <p:blipFill>
-          <a:blip r:embed="rId5">
+          <a:blip r:embed="rId5" cstate="print">
             <a:extLst>
               <a:ext uri="{28A0092B-C50C-407E-A947-70E740481C1C}">
-                <a14:useLocalDpi xmlns:a14="http://schemas.microsoft.com/office/drawing/2010/main" val="0"/>
+                <a14:useLocalDpi xmlns:a14="http://schemas.microsoft.com/office/drawing/2010/main" xmlns="" val="0"/>
               </a:ext>
             </a:extLst>
           </a:blip>
@@ -15873,10 +15897,10 @@
           <p:nvPr/>
         </p:nvPicPr>
         <p:blipFill>
-          <a:blip r:embed="rId6">
+          <a:blip r:embed="rId6" cstate="print">
             <a:extLst>
               <a:ext uri="{28A0092B-C50C-407E-A947-70E740481C1C}">
-                <a14:useLocalDpi xmlns:a14="http://schemas.microsoft.com/office/drawing/2010/main" val="0"/>
+                <a14:useLocalDpi xmlns:a14="http://schemas.microsoft.com/office/drawing/2010/main" xmlns="" val="0"/>
               </a:ext>
             </a:extLst>
           </a:blip>
@@ -16148,18 +16172,18 @@
     </p:spTree>
     <p:extLst>
       <p:ext uri="{BB962C8B-B14F-4D97-AF65-F5344CB8AC3E}">
-        <p14:creationId xmlns:p14="http://schemas.microsoft.com/office/powerpoint/2010/main" val="866632537"/>
+        <p14:creationId xmlns:p14="http://schemas.microsoft.com/office/powerpoint/2010/main" xmlns="" val="866632537"/>
       </p:ext>
     </p:extLst>
   </p:cSld>
   <p:clrMapOvr>
     <a:masterClrMapping/>
   </p:clrMapOvr>
-  <mc:AlternateContent xmlns:mc="http://schemas.openxmlformats.org/markup-compatibility/2006" xmlns:p14="http://schemas.microsoft.com/office/powerpoint/2010/main">
-    <mc:Choice Requires="p14">
+  <mc:AlternateContent xmlns:mc="http://schemas.openxmlformats.org/markup-compatibility/2006">
+    <mc:Choice xmlns:p14="http://schemas.microsoft.com/office/powerpoint/2010/main" xmlns="" Requires="p14">
       <p:transition p14:dur="0"/>
     </mc:Choice>
-    <mc:Fallback xmlns="">
+    <mc:Fallback>
       <p:transition/>
     </mc:Fallback>
   </mc:AlternateContent>
@@ -16245,10 +16269,10 @@
           <p:nvPr/>
         </p:nvPicPr>
         <p:blipFill>
-          <a:blip r:embed="rId2">
+          <a:blip r:embed="rId2" cstate="print">
             <a:extLst>
               <a:ext uri="{28A0092B-C50C-407E-A947-70E740481C1C}">
-                <a14:useLocalDpi xmlns:a14="http://schemas.microsoft.com/office/drawing/2010/main" val="0"/>
+                <a14:useLocalDpi xmlns:a14="http://schemas.microsoft.com/office/drawing/2010/main" xmlns="" val="0"/>
               </a:ext>
             </a:extLst>
           </a:blip>
@@ -16258,7 +16282,7 @@
         </p:blipFill>
         <p:spPr>
           <a:xfrm rot="21163809">
-            <a:off x="395797" y="2124531"/>
+            <a:off x="1175912" y="1819732"/>
             <a:ext cx="3516926" cy="743579"/>
           </a:xfrm>
           <a:prstGeom prst="roundRect">
@@ -16301,10 +16325,10 @@
           <p:nvPr/>
         </p:nvPicPr>
         <p:blipFill>
-          <a:blip r:embed="rId3">
+          <a:blip r:embed="rId3" cstate="print">
             <a:extLst>
               <a:ext uri="{28A0092B-C50C-407E-A947-70E740481C1C}">
-                <a14:useLocalDpi xmlns:a14="http://schemas.microsoft.com/office/drawing/2010/main" val="0"/>
+                <a14:useLocalDpi xmlns:a14="http://schemas.microsoft.com/office/drawing/2010/main" xmlns="" val="0"/>
               </a:ext>
             </a:extLst>
           </a:blip>
@@ -16313,8 +16337,8 @@
           </a:stretch>
         </p:blipFill>
         <p:spPr>
-          <a:xfrm>
-            <a:off x="5029200" y="2133600"/>
+          <a:xfrm rot="868141">
+            <a:off x="4724400" y="3048000"/>
             <a:ext cx="3662038" cy="1571625"/>
           </a:xfrm>
           <a:prstGeom prst="roundRect">
@@ -16348,66 +16372,55 @@
       </p:pic>
       <p:pic>
         <p:nvPicPr>
-          <p:cNvPr id="7" name="Picture 6"/>
+          <p:cNvPr id="39938" name="Picture 2" descr="UNC Charlotte Logo">
+            <a:hlinkClick r:id="rId4" tooltip="www.uncc.edu"/>
+          </p:cNvPr>
           <p:cNvPicPr>
-            <a:picLocks noChangeAspect="1"/>
+            <a:picLocks noChangeAspect="1" noChangeArrowheads="1"/>
           </p:cNvPicPr>
           <p:nvPr/>
         </p:nvPicPr>
         <p:blipFill>
-          <a:blip r:embed="rId4">
-            <a:extLst>
-              <a:ext uri="{28A0092B-C50C-407E-A947-70E740481C1C}">
-                <a14:useLocalDpi xmlns:a14="http://schemas.microsoft.com/office/drawing/2010/main" val="0"/>
-              </a:ext>
-            </a:extLst>
-          </a:blip>
+          <a:blip r:embed="rId5" cstate="print"/>
+          <a:srcRect/>
           <a:stretch>
             <a:fillRect/>
           </a:stretch>
         </p:blipFill>
-        <p:spPr>
-          <a:xfrm>
-            <a:off x="1600200" y="4495800"/>
-            <a:ext cx="4595450" cy="1219200"/>
-          </a:xfrm>
-          <a:prstGeom prst="rect">
-            <a:avLst/>
-          </a:prstGeom>
-          <a:ln>
-            <a:noFill/>
-          </a:ln>
+        <p:spPr bwMode="auto">
+          <a:xfrm rot="20763105">
+            <a:off x="1540895" y="4260894"/>
+            <a:ext cx="2307979" cy="1000126"/>
+          </a:xfrm>
+          <a:prstGeom prst="rect">
+            <a:avLst/>
+          </a:prstGeom>
+          <a:noFill/>
           <a:effectLst>
-            <a:reflection blurRad="12700" stA="30000" endPos="30000" dist="5000" dir="5400000" sy="-100000" algn="bl" rotWithShape="0"/>
+            <a:glow rad="228600">
+              <a:schemeClr val="accent5">
+                <a:satMod val="175000"/>
+                <a:alpha val="40000"/>
+              </a:schemeClr>
+            </a:glow>
           </a:effectLst>
-          <a:scene3d>
-            <a:camera prst="perspectiveContrastingLeftFacing">
-              <a:rot lat="300000" lon="19800000" rev="0"/>
-            </a:camera>
-            <a:lightRig rig="threePt" dir="t">
-              <a:rot lat="0" lon="0" rev="2700000"/>
-            </a:lightRig>
-          </a:scene3d>
-          <a:sp3d>
-            <a:bevelT w="63500" h="50800"/>
-          </a:sp3d>
         </p:spPr>
       </p:pic>
     </p:spTree>
     <p:extLst>
       <p:ext uri="{BB962C8B-B14F-4D97-AF65-F5344CB8AC3E}">
-        <p14:creationId xmlns:p14="http://schemas.microsoft.com/office/powerpoint/2010/main" val="4157614830"/>
+        <p14:creationId xmlns:p14="http://schemas.microsoft.com/office/powerpoint/2010/main" xmlns="" val="4157614830"/>
       </p:ext>
     </p:extLst>
   </p:cSld>
   <p:clrMapOvr>
     <a:masterClrMapping/>
   </p:clrMapOvr>
-  <mc:AlternateContent xmlns:mc="http://schemas.openxmlformats.org/markup-compatibility/2006" xmlns:p14="http://schemas.microsoft.com/office/powerpoint/2010/main">
-    <mc:Choice Requires="p14">
+  <mc:AlternateContent xmlns:mc="http://schemas.openxmlformats.org/markup-compatibility/2006">
+    <mc:Choice xmlns:p14="http://schemas.microsoft.com/office/powerpoint/2010/main" xmlns="" Requires="p14">
       <p:transition p14:dur="0"/>
     </mc:Choice>
-    <mc:Fallback xmlns="">
+    <mc:Fallback>
       <p:transition/>
     </mc:Fallback>
   </mc:AlternateContent>
@@ -16571,7 +16584,7 @@
           <a:blip r:embed="rId2" cstate="print">
             <a:extLst>
               <a:ext uri="{28A0092B-C50C-407E-A947-70E740481C1C}">
-                <a14:useLocalDpi xmlns:a14="http://schemas.microsoft.com/office/drawing/2010/main" val="0"/>
+                <a14:useLocalDpi xmlns:a14="http://schemas.microsoft.com/office/drawing/2010/main" xmlns="" val="0"/>
               </a:ext>
             </a:extLst>
           </a:blip>
@@ -16591,7 +16604,7 @@
           <a:noFill/>
           <a:extLst>
             <a:ext uri="{909E8E84-426E-40DD-AFC4-6F175D3DCCD1}">
-              <a14:hiddenFill xmlns:a14="http://schemas.microsoft.com/office/drawing/2010/main">
+              <a14:hiddenFill xmlns:a14="http://schemas.microsoft.com/office/drawing/2010/main" xmlns="">
                 <a:solidFill>
                   <a:srgbClr val="FFFFFF"/>
                 </a:solidFill>
@@ -16612,7 +16625,7 @@
           <a:blip r:embed="rId3" cstate="print">
             <a:extLst>
               <a:ext uri="{28A0092B-C50C-407E-A947-70E740481C1C}">
-                <a14:useLocalDpi xmlns:a14="http://schemas.microsoft.com/office/drawing/2010/main" val="0"/>
+                <a14:useLocalDpi xmlns:a14="http://schemas.microsoft.com/office/drawing/2010/main" xmlns="" val="0"/>
               </a:ext>
             </a:extLst>
           </a:blip>
@@ -16632,7 +16645,7 @@
           <a:noFill/>
           <a:extLst>
             <a:ext uri="{909E8E84-426E-40DD-AFC4-6F175D3DCCD1}">
-              <a14:hiddenFill xmlns:a14="http://schemas.microsoft.com/office/drawing/2010/main">
+              <a14:hiddenFill xmlns:a14="http://schemas.microsoft.com/office/drawing/2010/main" xmlns="">
                 <a:solidFill>
                   <a:srgbClr val="FFFFFF"/>
                 </a:solidFill>
@@ -16653,7 +16666,7 @@
           <a:blip r:embed="rId4" cstate="print">
             <a:extLst>
               <a:ext uri="{28A0092B-C50C-407E-A947-70E740481C1C}">
-                <a14:useLocalDpi xmlns:a14="http://schemas.microsoft.com/office/drawing/2010/main" val="0"/>
+                <a14:useLocalDpi xmlns:a14="http://schemas.microsoft.com/office/drawing/2010/main" xmlns="" val="0"/>
               </a:ext>
             </a:extLst>
           </a:blip>
@@ -16671,7 +16684,7 @@
           <a:noFill/>
           <a:extLst>
             <a:ext uri="{909E8E84-426E-40DD-AFC4-6F175D3DCCD1}">
-              <a14:hiddenFill xmlns:a14="http://schemas.microsoft.com/office/drawing/2010/main">
+              <a14:hiddenFill xmlns:a14="http://schemas.microsoft.com/office/drawing/2010/main" xmlns="">
                 <a:solidFill>
                   <a:srgbClr val="FFFFFF"/>
                 </a:solidFill>
@@ -16692,7 +16705,7 @@
           <a:blip r:embed="rId4" cstate="print">
             <a:extLst>
               <a:ext uri="{28A0092B-C50C-407E-A947-70E740481C1C}">
-                <a14:useLocalDpi xmlns:a14="http://schemas.microsoft.com/office/drawing/2010/main" val="0"/>
+                <a14:useLocalDpi xmlns:a14="http://schemas.microsoft.com/office/drawing/2010/main" xmlns="" val="0"/>
               </a:ext>
             </a:extLst>
           </a:blip>
@@ -16710,7 +16723,7 @@
           <a:noFill/>
           <a:extLst>
             <a:ext uri="{909E8E84-426E-40DD-AFC4-6F175D3DCCD1}">
-              <a14:hiddenFill xmlns:a14="http://schemas.microsoft.com/office/drawing/2010/main">
+              <a14:hiddenFill xmlns:a14="http://schemas.microsoft.com/office/drawing/2010/main" xmlns="">
                 <a:solidFill>
                   <a:srgbClr val="FFFFFF"/>
                 </a:solidFill>
@@ -17364,10 +17377,10 @@
           <p:nvPr/>
         </p:nvPicPr>
         <p:blipFill>
-          <a:blip r:embed="rId5">
+          <a:blip r:embed="rId5" cstate="print">
             <a:extLst>
               <a:ext uri="{28A0092B-C50C-407E-A947-70E740481C1C}">
-                <a14:useLocalDpi xmlns:a14="http://schemas.microsoft.com/office/drawing/2010/main" val="0"/>
+                <a14:useLocalDpi xmlns:a14="http://schemas.microsoft.com/office/drawing/2010/main" xmlns="" val="0"/>
               </a:ext>
             </a:extLst>
           </a:blip>
@@ -17677,18 +17690,18 @@
     </p:spTree>
     <p:extLst>
       <p:ext uri="{BB962C8B-B14F-4D97-AF65-F5344CB8AC3E}">
-        <p14:creationId xmlns:p14="http://schemas.microsoft.com/office/powerpoint/2010/main" val="1035141237"/>
+        <p14:creationId xmlns:p14="http://schemas.microsoft.com/office/powerpoint/2010/main" xmlns="" val="1035141237"/>
       </p:ext>
     </p:extLst>
   </p:cSld>
   <p:clrMapOvr>
     <a:masterClrMapping/>
   </p:clrMapOvr>
-  <mc:AlternateContent xmlns:mc="http://schemas.openxmlformats.org/markup-compatibility/2006" xmlns:p14="http://schemas.microsoft.com/office/powerpoint/2010/main">
-    <mc:Choice Requires="p14">
+  <mc:AlternateContent xmlns:mc="http://schemas.openxmlformats.org/markup-compatibility/2006">
+    <mc:Choice xmlns:p14="http://schemas.microsoft.com/office/powerpoint/2010/main" xmlns="" Requires="p14">
       <p:transition p14:dur="0"/>
     </mc:Choice>
-    <mc:Fallback xmlns="">
+    <mc:Fallback>
       <p:transition/>
     </mc:Fallback>
   </mc:AlternateContent>
@@ -17852,7 +17865,7 @@
           <a:blip r:embed="rId2" cstate="print">
             <a:extLst>
               <a:ext uri="{28A0092B-C50C-407E-A947-70E740481C1C}">
-                <a14:useLocalDpi xmlns:a14="http://schemas.microsoft.com/office/drawing/2010/main" val="0"/>
+                <a14:useLocalDpi xmlns:a14="http://schemas.microsoft.com/office/drawing/2010/main" xmlns="" val="0"/>
               </a:ext>
             </a:extLst>
           </a:blip>
@@ -17872,7 +17885,7 @@
           <a:noFill/>
           <a:extLst>
             <a:ext uri="{909E8E84-426E-40DD-AFC4-6F175D3DCCD1}">
-              <a14:hiddenFill xmlns:a14="http://schemas.microsoft.com/office/drawing/2010/main">
+              <a14:hiddenFill xmlns:a14="http://schemas.microsoft.com/office/drawing/2010/main" xmlns="">
                 <a:solidFill>
                   <a:srgbClr val="FFFFFF"/>
                 </a:solidFill>
@@ -17893,7 +17906,7 @@
           <a:blip r:embed="rId3" cstate="print">
             <a:extLst>
               <a:ext uri="{28A0092B-C50C-407E-A947-70E740481C1C}">
-                <a14:useLocalDpi xmlns:a14="http://schemas.microsoft.com/office/drawing/2010/main" val="0"/>
+                <a14:useLocalDpi xmlns:a14="http://schemas.microsoft.com/office/drawing/2010/main" xmlns="" val="0"/>
               </a:ext>
             </a:extLst>
           </a:blip>
@@ -17913,7 +17926,7 @@
           <a:noFill/>
           <a:extLst>
             <a:ext uri="{909E8E84-426E-40DD-AFC4-6F175D3DCCD1}">
-              <a14:hiddenFill xmlns:a14="http://schemas.microsoft.com/office/drawing/2010/main">
+              <a14:hiddenFill xmlns:a14="http://schemas.microsoft.com/office/drawing/2010/main" xmlns="">
                 <a:solidFill>
                   <a:srgbClr val="FFFFFF"/>
                 </a:solidFill>
@@ -17934,7 +17947,7 @@
           <a:blip r:embed="rId4" cstate="print">
             <a:extLst>
               <a:ext uri="{28A0092B-C50C-407E-A947-70E740481C1C}">
-                <a14:useLocalDpi xmlns:a14="http://schemas.microsoft.com/office/drawing/2010/main" val="0"/>
+                <a14:useLocalDpi xmlns:a14="http://schemas.microsoft.com/office/drawing/2010/main" xmlns="" val="0"/>
               </a:ext>
             </a:extLst>
           </a:blip>
@@ -17952,7 +17965,7 @@
           <a:noFill/>
           <a:extLst>
             <a:ext uri="{909E8E84-426E-40DD-AFC4-6F175D3DCCD1}">
-              <a14:hiddenFill xmlns:a14="http://schemas.microsoft.com/office/drawing/2010/main">
+              <a14:hiddenFill xmlns:a14="http://schemas.microsoft.com/office/drawing/2010/main" xmlns="">
                 <a:solidFill>
                   <a:srgbClr val="FFFFFF"/>
                 </a:solidFill>
@@ -17973,7 +17986,7 @@
           <a:blip r:embed="rId4" cstate="print">
             <a:extLst>
               <a:ext uri="{28A0092B-C50C-407E-A947-70E740481C1C}">
-                <a14:useLocalDpi xmlns:a14="http://schemas.microsoft.com/office/drawing/2010/main" val="0"/>
+                <a14:useLocalDpi xmlns:a14="http://schemas.microsoft.com/office/drawing/2010/main" xmlns="" val="0"/>
               </a:ext>
             </a:extLst>
           </a:blip>
@@ -17991,7 +18004,7 @@
           <a:noFill/>
           <a:extLst>
             <a:ext uri="{909E8E84-426E-40DD-AFC4-6F175D3DCCD1}">
-              <a14:hiddenFill xmlns:a14="http://schemas.microsoft.com/office/drawing/2010/main">
+              <a14:hiddenFill xmlns:a14="http://schemas.microsoft.com/office/drawing/2010/main" xmlns="">
                 <a:solidFill>
                   <a:srgbClr val="FFFFFF"/>
                 </a:solidFill>
@@ -18645,10 +18658,10 @@
           <p:nvPr/>
         </p:nvPicPr>
         <p:blipFill>
-          <a:blip r:embed="rId5">
+          <a:blip r:embed="rId5" cstate="print">
             <a:extLst>
               <a:ext uri="{28A0092B-C50C-407E-A947-70E740481C1C}">
-                <a14:useLocalDpi xmlns:a14="http://schemas.microsoft.com/office/drawing/2010/main" val="0"/>
+                <a14:useLocalDpi xmlns:a14="http://schemas.microsoft.com/office/drawing/2010/main" xmlns="" val="0"/>
               </a:ext>
             </a:extLst>
           </a:blip>
@@ -18956,18 +18969,18 @@
     </p:spTree>
     <p:extLst>
       <p:ext uri="{BB962C8B-B14F-4D97-AF65-F5344CB8AC3E}">
-        <p14:creationId xmlns:p14="http://schemas.microsoft.com/office/powerpoint/2010/main" val="2109129937"/>
+        <p14:creationId xmlns:p14="http://schemas.microsoft.com/office/powerpoint/2010/main" xmlns="" val="2109129937"/>
       </p:ext>
     </p:extLst>
   </p:cSld>
   <p:clrMapOvr>
     <a:masterClrMapping/>
   </p:clrMapOvr>
-  <mc:AlternateContent xmlns:mc="http://schemas.openxmlformats.org/markup-compatibility/2006" xmlns:p14="http://schemas.microsoft.com/office/powerpoint/2010/main">
-    <mc:Choice Requires="p14">
+  <mc:AlternateContent xmlns:mc="http://schemas.openxmlformats.org/markup-compatibility/2006">
+    <mc:Choice xmlns:p14="http://schemas.microsoft.com/office/powerpoint/2010/main" xmlns="" Requires="p14">
       <p:transition p14:dur="0"/>
     </mc:Choice>
-    <mc:Fallback xmlns="">
+    <mc:Fallback>
       <p:transition/>
     </mc:Fallback>
   </mc:AlternateContent>
@@ -19131,7 +19144,7 @@
           <a:blip r:embed="rId2" cstate="print">
             <a:extLst>
               <a:ext uri="{28A0092B-C50C-407E-A947-70E740481C1C}">
-                <a14:useLocalDpi xmlns:a14="http://schemas.microsoft.com/office/drawing/2010/main" val="0"/>
+                <a14:useLocalDpi xmlns:a14="http://schemas.microsoft.com/office/drawing/2010/main" xmlns="" val="0"/>
               </a:ext>
             </a:extLst>
           </a:blip>
@@ -19151,7 +19164,7 @@
           <a:noFill/>
           <a:extLst>
             <a:ext uri="{909E8E84-426E-40DD-AFC4-6F175D3DCCD1}">
-              <a14:hiddenFill xmlns:a14="http://schemas.microsoft.com/office/drawing/2010/main">
+              <a14:hiddenFill xmlns:a14="http://schemas.microsoft.com/office/drawing/2010/main" xmlns="">
                 <a:solidFill>
                   <a:srgbClr val="FFFFFF"/>
                 </a:solidFill>
@@ -19172,7 +19185,7 @@
           <a:blip r:embed="rId3" cstate="print">
             <a:extLst>
               <a:ext uri="{28A0092B-C50C-407E-A947-70E740481C1C}">
-                <a14:useLocalDpi xmlns:a14="http://schemas.microsoft.com/office/drawing/2010/main" val="0"/>
+                <a14:useLocalDpi xmlns:a14="http://schemas.microsoft.com/office/drawing/2010/main" xmlns="" val="0"/>
               </a:ext>
             </a:extLst>
           </a:blip>
@@ -19192,7 +19205,7 @@
           <a:noFill/>
           <a:extLst>
             <a:ext uri="{909E8E84-426E-40DD-AFC4-6F175D3DCCD1}">
-              <a14:hiddenFill xmlns:a14="http://schemas.microsoft.com/office/drawing/2010/main">
+              <a14:hiddenFill xmlns:a14="http://schemas.microsoft.com/office/drawing/2010/main" xmlns="">
                 <a:solidFill>
                   <a:srgbClr val="FFFFFF"/>
                 </a:solidFill>
@@ -19213,7 +19226,7 @@
           <a:blip r:embed="rId4" cstate="print">
             <a:extLst>
               <a:ext uri="{28A0092B-C50C-407E-A947-70E740481C1C}">
-                <a14:useLocalDpi xmlns:a14="http://schemas.microsoft.com/office/drawing/2010/main" val="0"/>
+                <a14:useLocalDpi xmlns:a14="http://schemas.microsoft.com/office/drawing/2010/main" xmlns="" val="0"/>
               </a:ext>
             </a:extLst>
           </a:blip>
@@ -19231,7 +19244,7 @@
           <a:noFill/>
           <a:extLst>
             <a:ext uri="{909E8E84-426E-40DD-AFC4-6F175D3DCCD1}">
-              <a14:hiddenFill xmlns:a14="http://schemas.microsoft.com/office/drawing/2010/main">
+              <a14:hiddenFill xmlns:a14="http://schemas.microsoft.com/office/drawing/2010/main" xmlns="">
                 <a:solidFill>
                   <a:srgbClr val="FFFFFF"/>
                 </a:solidFill>
@@ -19252,7 +19265,7 @@
           <a:blip r:embed="rId4" cstate="print">
             <a:extLst>
               <a:ext uri="{28A0092B-C50C-407E-A947-70E740481C1C}">
-                <a14:useLocalDpi xmlns:a14="http://schemas.microsoft.com/office/drawing/2010/main" val="0"/>
+                <a14:useLocalDpi xmlns:a14="http://schemas.microsoft.com/office/drawing/2010/main" xmlns="" val="0"/>
               </a:ext>
             </a:extLst>
           </a:blip>
@@ -19270,7 +19283,7 @@
           <a:noFill/>
           <a:extLst>
             <a:ext uri="{909E8E84-426E-40DD-AFC4-6F175D3DCCD1}">
-              <a14:hiddenFill xmlns:a14="http://schemas.microsoft.com/office/drawing/2010/main">
+              <a14:hiddenFill xmlns:a14="http://schemas.microsoft.com/office/drawing/2010/main" xmlns="">
                 <a:solidFill>
                   <a:srgbClr val="FFFFFF"/>
                 </a:solidFill>
@@ -19924,10 +19937,10 @@
           <p:nvPr/>
         </p:nvPicPr>
         <p:blipFill>
-          <a:blip r:embed="rId5">
+          <a:blip r:embed="rId5" cstate="print">
             <a:extLst>
               <a:ext uri="{28A0092B-C50C-407E-A947-70E740481C1C}">
-                <a14:useLocalDpi xmlns:a14="http://schemas.microsoft.com/office/drawing/2010/main" val="0"/>
+                <a14:useLocalDpi xmlns:a14="http://schemas.microsoft.com/office/drawing/2010/main" xmlns="" val="0"/>
               </a:ext>
             </a:extLst>
           </a:blip>
@@ -20235,18 +20248,18 @@
     </p:spTree>
     <p:extLst>
       <p:ext uri="{BB962C8B-B14F-4D97-AF65-F5344CB8AC3E}">
-        <p14:creationId xmlns:p14="http://schemas.microsoft.com/office/powerpoint/2010/main" val="3126484064"/>
+        <p14:creationId xmlns:p14="http://schemas.microsoft.com/office/powerpoint/2010/main" xmlns="" val="3126484064"/>
       </p:ext>
     </p:extLst>
   </p:cSld>
   <p:clrMapOvr>
     <a:masterClrMapping/>
   </p:clrMapOvr>
-  <mc:AlternateContent xmlns:mc="http://schemas.openxmlformats.org/markup-compatibility/2006" xmlns:p14="http://schemas.microsoft.com/office/powerpoint/2010/main">
-    <mc:Choice Requires="p14">
+  <mc:AlternateContent xmlns:mc="http://schemas.openxmlformats.org/markup-compatibility/2006">
+    <mc:Choice xmlns:p14="http://schemas.microsoft.com/office/powerpoint/2010/main" xmlns="" Requires="p14">
       <p:transition p14:dur="0"/>
     </mc:Choice>
-    <mc:Fallback xmlns="">
+    <mc:Fallback>
       <p:transition/>
     </mc:Fallback>
   </mc:AlternateContent>
@@ -20410,7 +20423,7 @@
           <a:blip r:embed="rId2" cstate="print">
             <a:extLst>
               <a:ext uri="{28A0092B-C50C-407E-A947-70E740481C1C}">
-                <a14:useLocalDpi xmlns:a14="http://schemas.microsoft.com/office/drawing/2010/main" val="0"/>
+                <a14:useLocalDpi xmlns:a14="http://schemas.microsoft.com/office/drawing/2010/main" xmlns="" val="0"/>
               </a:ext>
             </a:extLst>
           </a:blip>
@@ -20430,7 +20443,7 @@
           <a:noFill/>
           <a:extLst>
             <a:ext uri="{909E8E84-426E-40DD-AFC4-6F175D3DCCD1}">
-              <a14:hiddenFill xmlns:a14="http://schemas.microsoft.com/office/drawing/2010/main">
+              <a14:hiddenFill xmlns:a14="http://schemas.microsoft.com/office/drawing/2010/main" xmlns="">
                 <a:solidFill>
                   <a:srgbClr val="FFFFFF"/>
                 </a:solidFill>
@@ -20451,7 +20464,7 @@
           <a:blip r:embed="rId3" cstate="print">
             <a:extLst>
               <a:ext uri="{28A0092B-C50C-407E-A947-70E740481C1C}">
-                <a14:useLocalDpi xmlns:a14="http://schemas.microsoft.com/office/drawing/2010/main" val="0"/>
+                <a14:useLocalDpi xmlns:a14="http://schemas.microsoft.com/office/drawing/2010/main" xmlns="" val="0"/>
               </a:ext>
             </a:extLst>
           </a:blip>
@@ -20471,7 +20484,7 @@
           <a:noFill/>
           <a:extLst>
             <a:ext uri="{909E8E84-426E-40DD-AFC4-6F175D3DCCD1}">
-              <a14:hiddenFill xmlns:a14="http://schemas.microsoft.com/office/drawing/2010/main">
+              <a14:hiddenFill xmlns:a14="http://schemas.microsoft.com/office/drawing/2010/main" xmlns="">
                 <a:solidFill>
                   <a:srgbClr val="FFFFFF"/>
                 </a:solidFill>
@@ -20492,7 +20505,7 @@
           <a:blip r:embed="rId4" cstate="print">
             <a:extLst>
               <a:ext uri="{28A0092B-C50C-407E-A947-70E740481C1C}">
-                <a14:useLocalDpi xmlns:a14="http://schemas.microsoft.com/office/drawing/2010/main" val="0"/>
+                <a14:useLocalDpi xmlns:a14="http://schemas.microsoft.com/office/drawing/2010/main" xmlns="" val="0"/>
               </a:ext>
             </a:extLst>
           </a:blip>
@@ -20510,7 +20523,7 @@
           <a:noFill/>
           <a:extLst>
             <a:ext uri="{909E8E84-426E-40DD-AFC4-6F175D3DCCD1}">
-              <a14:hiddenFill xmlns:a14="http://schemas.microsoft.com/office/drawing/2010/main">
+              <a14:hiddenFill xmlns:a14="http://schemas.microsoft.com/office/drawing/2010/main" xmlns="">
                 <a:solidFill>
                   <a:srgbClr val="FFFFFF"/>
                 </a:solidFill>
@@ -20531,7 +20544,7 @@
           <a:blip r:embed="rId4" cstate="print">
             <a:extLst>
               <a:ext uri="{28A0092B-C50C-407E-A947-70E740481C1C}">
-                <a14:useLocalDpi xmlns:a14="http://schemas.microsoft.com/office/drawing/2010/main" val="0"/>
+                <a14:useLocalDpi xmlns:a14="http://schemas.microsoft.com/office/drawing/2010/main" xmlns="" val="0"/>
               </a:ext>
             </a:extLst>
           </a:blip>
@@ -20549,7 +20562,7 @@
           <a:noFill/>
           <a:extLst>
             <a:ext uri="{909E8E84-426E-40DD-AFC4-6F175D3DCCD1}">
-              <a14:hiddenFill xmlns:a14="http://schemas.microsoft.com/office/drawing/2010/main">
+              <a14:hiddenFill xmlns:a14="http://schemas.microsoft.com/office/drawing/2010/main" xmlns="">
                 <a:solidFill>
                   <a:srgbClr val="FFFFFF"/>
                 </a:solidFill>
@@ -21172,10 +21185,10 @@
           <p:nvPr/>
         </p:nvPicPr>
         <p:blipFill>
-          <a:blip r:embed="rId5">
+          <a:blip r:embed="rId5" cstate="print">
             <a:extLst>
               <a:ext uri="{28A0092B-C50C-407E-A947-70E740481C1C}">
-                <a14:useLocalDpi xmlns:a14="http://schemas.microsoft.com/office/drawing/2010/main" val="0"/>
+                <a14:useLocalDpi xmlns:a14="http://schemas.microsoft.com/office/drawing/2010/main" xmlns="" val="0"/>
               </a:ext>
             </a:extLst>
           </a:blip>
@@ -21483,18 +21496,18 @@
     </p:spTree>
     <p:extLst>
       <p:ext uri="{BB962C8B-B14F-4D97-AF65-F5344CB8AC3E}">
-        <p14:creationId xmlns:p14="http://schemas.microsoft.com/office/powerpoint/2010/main" val="2152788283"/>
+        <p14:creationId xmlns:p14="http://schemas.microsoft.com/office/powerpoint/2010/main" xmlns="" val="2152788283"/>
       </p:ext>
     </p:extLst>
   </p:cSld>
   <p:clrMapOvr>
     <a:masterClrMapping/>
   </p:clrMapOvr>
-  <mc:AlternateContent xmlns:mc="http://schemas.openxmlformats.org/markup-compatibility/2006" xmlns:p14="http://schemas.microsoft.com/office/powerpoint/2010/main">
-    <mc:Choice Requires="p14">
+  <mc:AlternateContent xmlns:mc="http://schemas.openxmlformats.org/markup-compatibility/2006">
+    <mc:Choice xmlns:p14="http://schemas.microsoft.com/office/powerpoint/2010/main" xmlns="" Requires="p14">
       <p:transition p14:dur="0"/>
     </mc:Choice>
-    <mc:Fallback xmlns="">
+    <mc:Fallback>
       <p:transition/>
     </mc:Fallback>
   </mc:AlternateContent>
@@ -21658,7 +21671,7 @@
           <a:blip r:embed="rId2" cstate="print">
             <a:extLst>
               <a:ext uri="{28A0092B-C50C-407E-A947-70E740481C1C}">
-                <a14:useLocalDpi xmlns:a14="http://schemas.microsoft.com/office/drawing/2010/main" val="0"/>
+                <a14:useLocalDpi xmlns:a14="http://schemas.microsoft.com/office/drawing/2010/main" xmlns="" val="0"/>
               </a:ext>
             </a:extLst>
           </a:blip>
@@ -21678,7 +21691,7 @@
           <a:noFill/>
           <a:extLst>
             <a:ext uri="{909E8E84-426E-40DD-AFC4-6F175D3DCCD1}">
-              <a14:hiddenFill xmlns:a14="http://schemas.microsoft.com/office/drawing/2010/main">
+              <a14:hiddenFill xmlns:a14="http://schemas.microsoft.com/office/drawing/2010/main" xmlns="">
                 <a:solidFill>
                   <a:srgbClr val="FFFFFF"/>
                 </a:solidFill>
@@ -21699,7 +21712,7 @@
           <a:blip r:embed="rId3" cstate="print">
             <a:extLst>
               <a:ext uri="{28A0092B-C50C-407E-A947-70E740481C1C}">
-                <a14:useLocalDpi xmlns:a14="http://schemas.microsoft.com/office/drawing/2010/main" val="0"/>
+                <a14:useLocalDpi xmlns:a14="http://schemas.microsoft.com/office/drawing/2010/main" xmlns="" val="0"/>
               </a:ext>
             </a:extLst>
           </a:blip>
@@ -21719,7 +21732,7 @@
           <a:noFill/>
           <a:extLst>
             <a:ext uri="{909E8E84-426E-40DD-AFC4-6F175D3DCCD1}">
-              <a14:hiddenFill xmlns:a14="http://schemas.microsoft.com/office/drawing/2010/main">
+              <a14:hiddenFill xmlns:a14="http://schemas.microsoft.com/office/drawing/2010/main" xmlns="">
                 <a:solidFill>
                   <a:srgbClr val="FFFFFF"/>
                 </a:solidFill>
@@ -21740,7 +21753,7 @@
           <a:blip r:embed="rId4" cstate="print">
             <a:extLst>
               <a:ext uri="{28A0092B-C50C-407E-A947-70E740481C1C}">
-                <a14:useLocalDpi xmlns:a14="http://schemas.microsoft.com/office/drawing/2010/main" val="0"/>
+                <a14:useLocalDpi xmlns:a14="http://schemas.microsoft.com/office/drawing/2010/main" xmlns="" val="0"/>
               </a:ext>
             </a:extLst>
           </a:blip>
@@ -21758,7 +21771,7 @@
           <a:noFill/>
           <a:extLst>
             <a:ext uri="{909E8E84-426E-40DD-AFC4-6F175D3DCCD1}">
-              <a14:hiddenFill xmlns:a14="http://schemas.microsoft.com/office/drawing/2010/main">
+              <a14:hiddenFill xmlns:a14="http://schemas.microsoft.com/office/drawing/2010/main" xmlns="">
                 <a:solidFill>
                   <a:srgbClr val="FFFFFF"/>
                 </a:solidFill>
@@ -21779,7 +21792,7 @@
           <a:blip r:embed="rId4" cstate="print">
             <a:extLst>
               <a:ext uri="{28A0092B-C50C-407E-A947-70E740481C1C}">
-                <a14:useLocalDpi xmlns:a14="http://schemas.microsoft.com/office/drawing/2010/main" val="0"/>
+                <a14:useLocalDpi xmlns:a14="http://schemas.microsoft.com/office/drawing/2010/main" xmlns="" val="0"/>
               </a:ext>
             </a:extLst>
           </a:blip>
@@ -21797,7 +21810,7 @@
           <a:noFill/>
           <a:extLst>
             <a:ext uri="{909E8E84-426E-40DD-AFC4-6F175D3DCCD1}">
-              <a14:hiddenFill xmlns:a14="http://schemas.microsoft.com/office/drawing/2010/main">
+              <a14:hiddenFill xmlns:a14="http://schemas.microsoft.com/office/drawing/2010/main" xmlns="">
                 <a:solidFill>
                   <a:srgbClr val="FFFFFF"/>
                 </a:solidFill>
@@ -22420,10 +22433,10 @@
           <p:nvPr/>
         </p:nvPicPr>
         <p:blipFill>
-          <a:blip r:embed="rId5">
+          <a:blip r:embed="rId5" cstate="print">
             <a:extLst>
               <a:ext uri="{28A0092B-C50C-407E-A947-70E740481C1C}">
-                <a14:useLocalDpi xmlns:a14="http://schemas.microsoft.com/office/drawing/2010/main" val="0"/>
+                <a14:useLocalDpi xmlns:a14="http://schemas.microsoft.com/office/drawing/2010/main" xmlns="" val="0"/>
               </a:ext>
             </a:extLst>
           </a:blip>
@@ -22731,18 +22744,18 @@
     </p:spTree>
     <p:extLst>
       <p:ext uri="{BB962C8B-B14F-4D97-AF65-F5344CB8AC3E}">
-        <p14:creationId xmlns:p14="http://schemas.microsoft.com/office/powerpoint/2010/main" val="42746610"/>
+        <p14:creationId xmlns:p14="http://schemas.microsoft.com/office/powerpoint/2010/main" xmlns="" val="42746610"/>
       </p:ext>
     </p:extLst>
   </p:cSld>
   <p:clrMapOvr>
     <a:masterClrMapping/>
   </p:clrMapOvr>
-  <mc:AlternateContent xmlns:mc="http://schemas.openxmlformats.org/markup-compatibility/2006" xmlns:p14="http://schemas.microsoft.com/office/powerpoint/2010/main">
-    <mc:Choice Requires="p14">
+  <mc:AlternateContent xmlns:mc="http://schemas.openxmlformats.org/markup-compatibility/2006">
+    <mc:Choice xmlns:p14="http://schemas.microsoft.com/office/powerpoint/2010/main" xmlns="" Requires="p14">
       <p:transition p14:dur="0"/>
     </mc:Choice>
-    <mc:Fallback xmlns="">
+    <mc:Fallback>
       <p:transition/>
     </mc:Fallback>
   </mc:AlternateContent>
@@ -22972,18 +22985,18 @@
     </p:spTree>
     <p:extLst>
       <p:ext uri="{BB962C8B-B14F-4D97-AF65-F5344CB8AC3E}">
-        <p14:creationId xmlns:p14="http://schemas.microsoft.com/office/powerpoint/2010/main" val="3994548631"/>
+        <p14:creationId xmlns:p14="http://schemas.microsoft.com/office/powerpoint/2010/main" xmlns="" val="3994548631"/>
       </p:ext>
     </p:extLst>
   </p:cSld>
   <p:clrMapOvr>
     <a:masterClrMapping/>
   </p:clrMapOvr>
-  <mc:AlternateContent xmlns:mc="http://schemas.openxmlformats.org/markup-compatibility/2006" xmlns:p14="http://schemas.microsoft.com/office/powerpoint/2010/main">
-    <mc:Choice Requires="p14">
+  <mc:AlternateContent xmlns:mc="http://schemas.openxmlformats.org/markup-compatibility/2006">
+    <mc:Choice xmlns:p14="http://schemas.microsoft.com/office/powerpoint/2010/main" xmlns="" Requires="p14">
       <p:transition p14:dur="0"/>
     </mc:Choice>
-    <mc:Fallback xmlns="">
+    <mc:Fallback>
       <p:transition/>
     </mc:Fallback>
   </mc:AlternateContent>
@@ -23023,10 +23036,10 @@
           <p:nvPr/>
         </p:nvPicPr>
         <p:blipFill>
-          <a:blip r:embed="rId2">
+          <a:blip r:embed="rId2" cstate="print">
             <a:extLst>
               <a:ext uri="{28A0092B-C50C-407E-A947-70E740481C1C}">
-                <a14:useLocalDpi xmlns:a14="http://schemas.microsoft.com/office/drawing/2010/main" val="0"/>
+                <a14:useLocalDpi xmlns:a14="http://schemas.microsoft.com/office/drawing/2010/main" xmlns="" val="0"/>
               </a:ext>
             </a:extLst>
           </a:blip>
@@ -23234,18 +23247,18 @@
     </p:spTree>
     <p:extLst>
       <p:ext uri="{BB962C8B-B14F-4D97-AF65-F5344CB8AC3E}">
-        <p14:creationId xmlns:p14="http://schemas.microsoft.com/office/powerpoint/2010/main" val="1440642141"/>
+        <p14:creationId xmlns:p14="http://schemas.microsoft.com/office/powerpoint/2010/main" xmlns="" val="1440642141"/>
       </p:ext>
     </p:extLst>
   </p:cSld>
   <p:clrMapOvr>
     <a:masterClrMapping/>
   </p:clrMapOvr>
-  <mc:AlternateContent xmlns:mc="http://schemas.openxmlformats.org/markup-compatibility/2006" xmlns:p14="http://schemas.microsoft.com/office/powerpoint/2010/main">
-    <mc:Choice Requires="p14">
+  <mc:AlternateContent xmlns:mc="http://schemas.openxmlformats.org/markup-compatibility/2006">
+    <mc:Choice xmlns:p14="http://schemas.microsoft.com/office/powerpoint/2010/main" xmlns="" Requires="p14">
       <p:transition p14:dur="0"/>
     </mc:Choice>
-    <mc:Fallback xmlns="">
+    <mc:Fallback>
       <p:transition/>
     </mc:Fallback>
   </mc:AlternateContent>
@@ -23337,7 +23350,7 @@
           <a:blip r:embed="rId2" cstate="print">
             <a:extLst>
               <a:ext uri="{28A0092B-C50C-407E-A947-70E740481C1C}">
-                <a14:useLocalDpi xmlns:a14="http://schemas.microsoft.com/office/drawing/2010/main" val="0"/>
+                <a14:useLocalDpi xmlns:a14="http://schemas.microsoft.com/office/drawing/2010/main" xmlns="" val="0"/>
               </a:ext>
             </a:extLst>
           </a:blip>
@@ -23490,18 +23503,18 @@
     </p:spTree>
     <p:extLst>
       <p:ext uri="{BB962C8B-B14F-4D97-AF65-F5344CB8AC3E}">
-        <p14:creationId xmlns:p14="http://schemas.microsoft.com/office/powerpoint/2010/main" val="202428849"/>
+        <p14:creationId xmlns:p14="http://schemas.microsoft.com/office/powerpoint/2010/main" xmlns="" val="202428849"/>
       </p:ext>
     </p:extLst>
   </p:cSld>
   <p:clrMapOvr>
     <a:masterClrMapping/>
   </p:clrMapOvr>
-  <mc:AlternateContent xmlns:mc="http://schemas.openxmlformats.org/markup-compatibility/2006" xmlns:p14="http://schemas.microsoft.com/office/powerpoint/2010/main">
-    <mc:Choice Requires="p14">
+  <mc:AlternateContent xmlns:mc="http://schemas.openxmlformats.org/markup-compatibility/2006">
+    <mc:Choice xmlns:p14="http://schemas.microsoft.com/office/powerpoint/2010/main" xmlns="" Requires="p14">
       <p:transition p14:dur="0"/>
     </mc:Choice>
-    <mc:Fallback xmlns="">
+    <mc:Fallback>
       <p:transition/>
     </mc:Fallback>
   </mc:AlternateContent>
@@ -23544,7 +23557,7 @@
           <a:blip r:embed="rId2" cstate="print">
             <a:extLst>
               <a:ext uri="{28A0092B-C50C-407E-A947-70E740481C1C}">
-                <a14:useLocalDpi xmlns:a14="http://schemas.microsoft.com/office/drawing/2010/main" val="0"/>
+                <a14:useLocalDpi xmlns:a14="http://schemas.microsoft.com/office/drawing/2010/main" xmlns="" val="0"/>
               </a:ext>
             </a:extLst>
           </a:blip>
@@ -23746,18 +23759,18 @@
     </p:spTree>
     <p:extLst>
       <p:ext uri="{BB962C8B-B14F-4D97-AF65-F5344CB8AC3E}">
-        <p14:creationId xmlns:p14="http://schemas.microsoft.com/office/powerpoint/2010/main" val="2788690756"/>
+        <p14:creationId xmlns:p14="http://schemas.microsoft.com/office/powerpoint/2010/main" xmlns="" val="2788690756"/>
       </p:ext>
     </p:extLst>
   </p:cSld>
   <p:clrMapOvr>
     <a:masterClrMapping/>
   </p:clrMapOvr>
-  <mc:AlternateContent xmlns:mc="http://schemas.openxmlformats.org/markup-compatibility/2006" xmlns:p14="http://schemas.microsoft.com/office/powerpoint/2010/main">
-    <mc:Choice Requires="p14">
+  <mc:AlternateContent xmlns:mc="http://schemas.openxmlformats.org/markup-compatibility/2006">
+    <mc:Choice xmlns:p14="http://schemas.microsoft.com/office/powerpoint/2010/main" xmlns="" Requires="p14">
       <p:transition p14:dur="0"/>
     </mc:Choice>
-    <mc:Fallback xmlns="">
+    <mc:Fallback>
       <p:transition/>
     </mc:Fallback>
   </mc:AlternateContent>
@@ -23799,10 +23812,10 @@
           </p:nvPr>
         </p:nvPicPr>
         <p:blipFill>
-          <a:blip r:embed="rId2">
+          <a:blip r:embed="rId2" cstate="print">
             <a:extLst>
               <a:ext uri="{28A0092B-C50C-407E-A947-70E740481C1C}">
-                <a14:useLocalDpi xmlns:a14="http://schemas.microsoft.com/office/drawing/2010/main" val="0"/>
+                <a14:useLocalDpi xmlns:a14="http://schemas.microsoft.com/office/drawing/2010/main" xmlns="" val="0"/>
               </a:ext>
             </a:extLst>
           </a:blip>
@@ -23988,18 +24001,18 @@
     </p:spTree>
     <p:extLst>
       <p:ext uri="{BB962C8B-B14F-4D97-AF65-F5344CB8AC3E}">
-        <p14:creationId xmlns:p14="http://schemas.microsoft.com/office/powerpoint/2010/main" val="2354313618"/>
+        <p14:creationId xmlns:p14="http://schemas.microsoft.com/office/powerpoint/2010/main" xmlns="" val="2354313618"/>
       </p:ext>
     </p:extLst>
   </p:cSld>
   <p:clrMapOvr>
     <a:masterClrMapping/>
   </p:clrMapOvr>
-  <mc:AlternateContent xmlns:mc="http://schemas.openxmlformats.org/markup-compatibility/2006" xmlns:p14="http://schemas.microsoft.com/office/powerpoint/2010/main">
-    <mc:Choice Requires="p14">
+  <mc:AlternateContent xmlns:mc="http://schemas.openxmlformats.org/markup-compatibility/2006">
+    <mc:Choice xmlns:p14="http://schemas.microsoft.com/office/powerpoint/2010/main" xmlns="" Requires="p14">
       <p:transition p14:dur="0"/>
     </mc:Choice>
-    <mc:Fallback xmlns="">
+    <mc:Fallback>
       <p:transition/>
     </mc:Fallback>
   </mc:AlternateContent>
@@ -24039,11 +24052,11 @@
           <p:nvPr/>
         </p:nvPicPr>
         <p:blipFill>
-          <a:blip r:embed="rId2">
+          <a:blip r:embed="rId2" cstate="print">
             <a:lum bright="70000" contrast="-70000"/>
             <a:extLst>
               <a:ext uri="{28A0092B-C50C-407E-A947-70E740481C1C}">
-                <a14:useLocalDpi xmlns:a14="http://schemas.microsoft.com/office/drawing/2010/main" val="0"/>
+                <a14:useLocalDpi xmlns:a14="http://schemas.microsoft.com/office/drawing/2010/main" xmlns="" val="0"/>
               </a:ext>
             </a:extLst>
           </a:blip>
@@ -24063,7 +24076,7 @@
           <a:noFill/>
           <a:extLst>
             <a:ext uri="{909E8E84-426E-40DD-AFC4-6F175D3DCCD1}">
-              <a14:hiddenFill xmlns:a14="http://schemas.microsoft.com/office/drawing/2010/main">
+              <a14:hiddenFill xmlns:a14="http://schemas.microsoft.com/office/drawing/2010/main" xmlns="">
                 <a:solidFill>
                   <a:srgbClr val="FFFFFF"/>
                 </a:solidFill>
@@ -24081,11 +24094,11 @@
           <p:nvPr/>
         </p:nvPicPr>
         <p:blipFill>
-          <a:blip r:embed="rId2">
+          <a:blip r:embed="rId2" cstate="print">
             <a:lum bright="70000" contrast="-70000"/>
             <a:extLst>
               <a:ext uri="{28A0092B-C50C-407E-A947-70E740481C1C}">
-                <a14:useLocalDpi xmlns:a14="http://schemas.microsoft.com/office/drawing/2010/main" val="0"/>
+                <a14:useLocalDpi xmlns:a14="http://schemas.microsoft.com/office/drawing/2010/main" xmlns="" val="0"/>
               </a:ext>
             </a:extLst>
           </a:blip>
@@ -24105,7 +24118,7 @@
           <a:noFill/>
           <a:extLst>
             <a:ext uri="{909E8E84-426E-40DD-AFC4-6F175D3DCCD1}">
-              <a14:hiddenFill xmlns:a14="http://schemas.microsoft.com/office/drawing/2010/main">
+              <a14:hiddenFill xmlns:a14="http://schemas.microsoft.com/office/drawing/2010/main" xmlns="">
                 <a:solidFill>
                   <a:srgbClr val="FFFFFF"/>
                 </a:solidFill>
@@ -24123,11 +24136,11 @@
           <p:nvPr/>
         </p:nvPicPr>
         <p:blipFill>
-          <a:blip r:embed="rId2">
+          <a:blip r:embed="rId2" cstate="print">
             <a:lum bright="70000" contrast="-70000"/>
             <a:extLst>
               <a:ext uri="{28A0092B-C50C-407E-A947-70E740481C1C}">
-                <a14:useLocalDpi xmlns:a14="http://schemas.microsoft.com/office/drawing/2010/main" val="0"/>
+                <a14:useLocalDpi xmlns:a14="http://schemas.microsoft.com/office/drawing/2010/main" xmlns="" val="0"/>
               </a:ext>
             </a:extLst>
           </a:blip>
@@ -24147,7 +24160,7 @@
           <a:noFill/>
           <a:extLst>
             <a:ext uri="{909E8E84-426E-40DD-AFC4-6F175D3DCCD1}">
-              <a14:hiddenFill xmlns:a14="http://schemas.microsoft.com/office/drawing/2010/main">
+              <a14:hiddenFill xmlns:a14="http://schemas.microsoft.com/office/drawing/2010/main" xmlns="">
                 <a:solidFill>
                   <a:srgbClr val="FFFFFF"/>
                 </a:solidFill>
@@ -24165,11 +24178,11 @@
           <p:nvPr/>
         </p:nvPicPr>
         <p:blipFill>
-          <a:blip r:embed="rId2">
+          <a:blip r:embed="rId2" cstate="print">
             <a:lum bright="70000" contrast="-70000"/>
             <a:extLst>
               <a:ext uri="{28A0092B-C50C-407E-A947-70E740481C1C}">
-                <a14:useLocalDpi xmlns:a14="http://schemas.microsoft.com/office/drawing/2010/main" val="0"/>
+                <a14:useLocalDpi xmlns:a14="http://schemas.microsoft.com/office/drawing/2010/main" xmlns="" val="0"/>
               </a:ext>
             </a:extLst>
           </a:blip>
@@ -24189,7 +24202,7 @@
           <a:noFill/>
           <a:extLst>
             <a:ext uri="{909E8E84-426E-40DD-AFC4-6F175D3DCCD1}">
-              <a14:hiddenFill xmlns:a14="http://schemas.microsoft.com/office/drawing/2010/main">
+              <a14:hiddenFill xmlns:a14="http://schemas.microsoft.com/office/drawing/2010/main" xmlns="">
                 <a:solidFill>
                   <a:srgbClr val="FFFFFF"/>
                 </a:solidFill>
@@ -24696,10 +24709,10 @@
           <p:nvPr/>
         </p:nvPicPr>
         <p:blipFill rotWithShape="1">
-          <a:blip r:embed="rId3">
+          <a:blip r:embed="rId3" cstate="print">
             <a:extLst>
               <a:ext uri="{28A0092B-C50C-407E-A947-70E740481C1C}">
-                <a14:useLocalDpi xmlns:a14="http://schemas.microsoft.com/office/drawing/2010/main" val="0"/>
+                <a14:useLocalDpi xmlns:a14="http://schemas.microsoft.com/office/drawing/2010/main" xmlns="" val="0"/>
               </a:ext>
             </a:extLst>
           </a:blip>
@@ -24752,20 +24765,20 @@
     </p:spTree>
     <p:extLst>
       <p:ext uri="{BB962C8B-B14F-4D97-AF65-F5344CB8AC3E}">
-        <p14:creationId xmlns:p14="http://schemas.microsoft.com/office/powerpoint/2010/main" val="2456412407"/>
+        <p14:creationId xmlns:p14="http://schemas.microsoft.com/office/powerpoint/2010/main" xmlns="" val="2456412407"/>
       </p:ext>
     </p:extLst>
   </p:cSld>
   <p:clrMapOvr>
     <a:masterClrMapping/>
   </p:clrMapOvr>
-  <mc:AlternateContent xmlns:mc="http://schemas.openxmlformats.org/markup-compatibility/2006" xmlns:p14="http://schemas.microsoft.com/office/powerpoint/2010/main">
-    <mc:Choice Requires="p14">
+  <mc:AlternateContent xmlns:mc="http://schemas.openxmlformats.org/markup-compatibility/2006">
+    <mc:Choice xmlns:p14="http://schemas.microsoft.com/office/powerpoint/2010/main" xmlns="" Requires="p14">
       <p:transition spd="slow" p14:dur="1400">
         <p14:ripple/>
       </p:transition>
     </mc:Choice>
-    <mc:Fallback xmlns="">
+    <mc:Fallback>
       <p:transition spd="slow">
         <p:fade/>
       </p:transition>
@@ -25010,18 +25023,18 @@
     </p:spTree>
     <p:extLst>
       <p:ext uri="{BB962C8B-B14F-4D97-AF65-F5344CB8AC3E}">
-        <p14:creationId xmlns:p14="http://schemas.microsoft.com/office/powerpoint/2010/main" val="2520951345"/>
+        <p14:creationId xmlns:p14="http://schemas.microsoft.com/office/powerpoint/2010/main" xmlns="" val="2520951345"/>
       </p:ext>
     </p:extLst>
   </p:cSld>
   <p:clrMapOvr>
     <a:masterClrMapping/>
   </p:clrMapOvr>
-  <mc:AlternateContent xmlns:mc="http://schemas.openxmlformats.org/markup-compatibility/2006" xmlns:p14="http://schemas.microsoft.com/office/powerpoint/2010/main">
-    <mc:Choice Requires="p14">
+  <mc:AlternateContent xmlns:mc="http://schemas.openxmlformats.org/markup-compatibility/2006">
+    <mc:Choice xmlns:p14="http://schemas.microsoft.com/office/powerpoint/2010/main" xmlns="" Requires="p14">
       <p:transition p14:dur="0"/>
     </mc:Choice>
-    <mc:Fallback xmlns="">
+    <mc:Fallback>
       <p:transition/>
     </mc:Fallback>
   </mc:AlternateContent>
@@ -25198,18 +25211,18 @@
     </p:spTree>
     <p:extLst>
       <p:ext uri="{BB962C8B-B14F-4D97-AF65-F5344CB8AC3E}">
-        <p14:creationId xmlns:p14="http://schemas.microsoft.com/office/powerpoint/2010/main" val="904537114"/>
+        <p14:creationId xmlns:p14="http://schemas.microsoft.com/office/powerpoint/2010/main" xmlns="" val="904537114"/>
       </p:ext>
     </p:extLst>
   </p:cSld>
   <p:clrMapOvr>
     <a:masterClrMapping/>
   </p:clrMapOvr>
-  <mc:AlternateContent xmlns:mc="http://schemas.openxmlformats.org/markup-compatibility/2006" xmlns:p14="http://schemas.microsoft.com/office/powerpoint/2010/main">
-    <mc:Choice Requires="p14">
+  <mc:AlternateContent xmlns:mc="http://schemas.openxmlformats.org/markup-compatibility/2006">
+    <mc:Choice xmlns:p14="http://schemas.microsoft.com/office/powerpoint/2010/main" xmlns="" Requires="p14">
       <p:transition p14:dur="0"/>
     </mc:Choice>
-    <mc:Fallback xmlns="">
+    <mc:Fallback>
       <p:transition/>
     </mc:Fallback>
   </mc:AlternateContent>
@@ -25252,7 +25265,7 @@
           <a:blip r:embed="rId2" cstate="print">
             <a:extLst>
               <a:ext uri="{28A0092B-C50C-407E-A947-70E740481C1C}">
-                <a14:useLocalDpi xmlns:a14="http://schemas.microsoft.com/office/drawing/2010/main" val="0"/>
+                <a14:useLocalDpi xmlns:a14="http://schemas.microsoft.com/office/drawing/2010/main" xmlns="" val="0"/>
               </a:ext>
             </a:extLst>
           </a:blip>
@@ -25270,7 +25283,7 @@
           <a:noFill/>
           <a:extLst>
             <a:ext uri="{909E8E84-426E-40DD-AFC4-6F175D3DCCD1}">
-              <a14:hiddenFill xmlns:a14="http://schemas.microsoft.com/office/drawing/2010/main">
+              <a14:hiddenFill xmlns:a14="http://schemas.microsoft.com/office/drawing/2010/main" xmlns="">
                 <a:solidFill>
                   <a:srgbClr val="FFFFFF"/>
                 </a:solidFill>
@@ -25451,7 +25464,7 @@
           <a:blip r:embed="rId2" cstate="print">
             <a:extLst>
               <a:ext uri="{28A0092B-C50C-407E-A947-70E740481C1C}">
-                <a14:useLocalDpi xmlns:a14="http://schemas.microsoft.com/office/drawing/2010/main" val="0"/>
+                <a14:useLocalDpi xmlns:a14="http://schemas.microsoft.com/office/drawing/2010/main" xmlns="" val="0"/>
               </a:ext>
             </a:extLst>
           </a:blip>
@@ -25469,7 +25482,7 @@
           <a:noFill/>
           <a:extLst>
             <a:ext uri="{909E8E84-426E-40DD-AFC4-6F175D3DCCD1}">
-              <a14:hiddenFill xmlns:a14="http://schemas.microsoft.com/office/drawing/2010/main">
+              <a14:hiddenFill xmlns:a14="http://schemas.microsoft.com/office/drawing/2010/main" xmlns="">
                 <a:solidFill>
                   <a:srgbClr val="FFFFFF"/>
                 </a:solidFill>
@@ -25490,7 +25503,7 @@
           <a:blip r:embed="rId2" cstate="print">
             <a:extLst>
               <a:ext uri="{28A0092B-C50C-407E-A947-70E740481C1C}">
-                <a14:useLocalDpi xmlns:a14="http://schemas.microsoft.com/office/drawing/2010/main" val="0"/>
+                <a14:useLocalDpi xmlns:a14="http://schemas.microsoft.com/office/drawing/2010/main" xmlns="" val="0"/>
               </a:ext>
             </a:extLst>
           </a:blip>
@@ -25508,7 +25521,7 @@
           <a:noFill/>
           <a:extLst>
             <a:ext uri="{909E8E84-426E-40DD-AFC4-6F175D3DCCD1}">
-              <a14:hiddenFill xmlns:a14="http://schemas.microsoft.com/office/drawing/2010/main">
+              <a14:hiddenFill xmlns:a14="http://schemas.microsoft.com/office/drawing/2010/main" xmlns="">
                 <a:solidFill>
                   <a:srgbClr val="FFFFFF"/>
                 </a:solidFill>
@@ -25529,7 +25542,7 @@
           <a:blip r:embed="rId2" cstate="print">
             <a:extLst>
               <a:ext uri="{28A0092B-C50C-407E-A947-70E740481C1C}">
-                <a14:useLocalDpi xmlns:a14="http://schemas.microsoft.com/office/drawing/2010/main" val="0"/>
+                <a14:useLocalDpi xmlns:a14="http://schemas.microsoft.com/office/drawing/2010/main" xmlns="" val="0"/>
               </a:ext>
             </a:extLst>
           </a:blip>
@@ -25547,7 +25560,7 @@
           <a:noFill/>
           <a:extLst>
             <a:ext uri="{909E8E84-426E-40DD-AFC4-6F175D3DCCD1}">
-              <a14:hiddenFill xmlns:a14="http://schemas.microsoft.com/office/drawing/2010/main">
+              <a14:hiddenFill xmlns:a14="http://schemas.microsoft.com/office/drawing/2010/main" xmlns="">
                 <a:solidFill>
                   <a:srgbClr val="FFFFFF"/>
                 </a:solidFill>
@@ -25922,7 +25935,7 @@
         </p:nvSpPr>
         <p:spPr>
           <a:xfrm>
-            <a:off x="7391400" y="2506768"/>
+            <a:off x="7543800" y="2506768"/>
             <a:ext cx="1295400" cy="1219200"/>
           </a:xfrm>
           <a:prstGeom prst="rect">
@@ -25962,7 +25975,7 @@
         </p:nvSpPr>
         <p:spPr>
           <a:xfrm>
-            <a:off x="7391400" y="2133600"/>
+            <a:off x="7543800" y="2133600"/>
             <a:ext cx="1295400" cy="369332"/>
           </a:xfrm>
           <a:prstGeom prst="rect">
@@ -26046,7 +26059,7 @@
         </p:nvSpPr>
         <p:spPr>
           <a:xfrm>
-            <a:off x="7391400" y="2939534"/>
+            <a:off x="7543800" y="2939534"/>
             <a:ext cx="1295400" cy="369332"/>
           </a:xfrm>
           <a:prstGeom prst="rect">
@@ -26432,7 +26445,7 @@
         <p:spPr>
           <a:xfrm>
             <a:off x="6781800" y="3114011"/>
-            <a:ext cx="609600" cy="10189"/>
+            <a:ext cx="762000" cy="10189"/>
           </a:xfrm>
           <a:prstGeom prst="straightConnector1">
             <a:avLst/>
@@ -26468,8 +26481,8 @@
         </p:nvSpPr>
         <p:spPr>
           <a:xfrm>
-            <a:off x="2895601" y="2656865"/>
-            <a:ext cx="1295400" cy="369332"/>
+            <a:off x="2895600" y="2819400"/>
+            <a:ext cx="1295400" cy="276999"/>
           </a:xfrm>
           <a:prstGeom prst="rect">
             <a:avLst/>
@@ -26484,12 +26497,187 @@
           <a:p>
             <a:pPr algn="ctr"/>
             <a:r>
-              <a:rPr lang="en-US" dirty="0" smtClean="0">
+              <a:rPr lang="en-US" sz="1200" dirty="0" smtClean="0">
                 <a:latin typeface="Britannic Bold" pitchFamily="34" charset="0"/>
               </a:rPr>
-              <a:t>HTTPs</a:t>
-            </a:r>
-            <a:endParaRPr lang="en-US" dirty="0">
+              <a:t>SSL</a:t>
+            </a:r>
+            <a:endParaRPr lang="en-US" sz="1200" dirty="0">
+              <a:latin typeface="Britannic Bold" pitchFamily="34" charset="0"/>
+            </a:endParaRPr>
+          </a:p>
+        </p:txBody>
+      </p:sp>
+      <p:sp>
+        <p:nvSpPr>
+          <p:cNvPr id="41" name="TextBox 40"/>
+          <p:cNvSpPr txBox="1"/>
+          <p:nvPr/>
+        </p:nvSpPr>
+        <p:spPr>
+          <a:xfrm rot="3441570">
+            <a:off x="1740412" y="1834984"/>
+            <a:ext cx="890142" cy="276999"/>
+          </a:xfrm>
+          <a:prstGeom prst="rect">
+            <a:avLst/>
+          </a:prstGeom>
+          <a:noFill/>
+        </p:spPr>
+        <p:txBody>
+          <a:bodyPr wrap="square" rtlCol="0">
+            <a:spAutoFit/>
+          </a:bodyPr>
+          <a:lstStyle/>
+          <a:p>
+            <a:pPr algn="ctr"/>
+            <a:r>
+              <a:rPr lang="en-US" sz="1200" dirty="0" smtClean="0">
+                <a:latin typeface="Britannic Bold" pitchFamily="34" charset="0"/>
+              </a:rPr>
+              <a:t>NON SSL</a:t>
+            </a:r>
+            <a:endParaRPr lang="en-US" sz="1200" dirty="0">
+              <a:latin typeface="Britannic Bold" pitchFamily="34" charset="0"/>
+            </a:endParaRPr>
+          </a:p>
+        </p:txBody>
+      </p:sp>
+      <p:sp>
+        <p:nvSpPr>
+          <p:cNvPr id="42" name="TextBox 41"/>
+          <p:cNvSpPr txBox="1"/>
+          <p:nvPr/>
+        </p:nvSpPr>
+        <p:spPr>
+          <a:xfrm rot="656102">
+            <a:off x="1207011" y="2292184"/>
+            <a:ext cx="890142" cy="276999"/>
+          </a:xfrm>
+          <a:prstGeom prst="rect">
+            <a:avLst/>
+          </a:prstGeom>
+          <a:noFill/>
+        </p:spPr>
+        <p:txBody>
+          <a:bodyPr wrap="square" rtlCol="0">
+            <a:spAutoFit/>
+          </a:bodyPr>
+          <a:lstStyle/>
+          <a:p>
+            <a:pPr algn="ctr"/>
+            <a:r>
+              <a:rPr lang="en-US" sz="1200" dirty="0" smtClean="0">
+                <a:latin typeface="Britannic Bold" pitchFamily="34" charset="0"/>
+              </a:rPr>
+              <a:t>NON SSL</a:t>
+            </a:r>
+            <a:endParaRPr lang="en-US" sz="1200" dirty="0">
+              <a:latin typeface="Britannic Bold" pitchFamily="34" charset="0"/>
+            </a:endParaRPr>
+          </a:p>
+        </p:txBody>
+      </p:sp>
+      <p:sp>
+        <p:nvSpPr>
+          <p:cNvPr id="43" name="TextBox 42"/>
+          <p:cNvSpPr txBox="1"/>
+          <p:nvPr/>
+        </p:nvSpPr>
+        <p:spPr>
+          <a:xfrm rot="21426274">
+            <a:off x="1160830" y="2977513"/>
+            <a:ext cx="890142" cy="276999"/>
+          </a:xfrm>
+          <a:prstGeom prst="rect">
+            <a:avLst/>
+          </a:prstGeom>
+          <a:noFill/>
+        </p:spPr>
+        <p:txBody>
+          <a:bodyPr wrap="square" rtlCol="0">
+            <a:spAutoFit/>
+          </a:bodyPr>
+          <a:lstStyle/>
+          <a:p>
+            <a:pPr algn="ctr"/>
+            <a:r>
+              <a:rPr lang="en-US" sz="1200" dirty="0" smtClean="0">
+                <a:latin typeface="Britannic Bold" pitchFamily="34" charset="0"/>
+              </a:rPr>
+              <a:t>NON SSL</a:t>
+            </a:r>
+            <a:endParaRPr lang="en-US" sz="1200" dirty="0">
+              <a:latin typeface="Britannic Bold" pitchFamily="34" charset="0"/>
+            </a:endParaRPr>
+          </a:p>
+        </p:txBody>
+      </p:sp>
+      <p:sp>
+        <p:nvSpPr>
+          <p:cNvPr id="44" name="TextBox 43"/>
+          <p:cNvSpPr txBox="1"/>
+          <p:nvPr/>
+        </p:nvSpPr>
+        <p:spPr>
+          <a:xfrm rot="18465127">
+            <a:off x="1384729" y="3727199"/>
+            <a:ext cx="890142" cy="276999"/>
+          </a:xfrm>
+          <a:prstGeom prst="rect">
+            <a:avLst/>
+          </a:prstGeom>
+          <a:noFill/>
+        </p:spPr>
+        <p:txBody>
+          <a:bodyPr wrap="square" rtlCol="0">
+            <a:spAutoFit/>
+          </a:bodyPr>
+          <a:lstStyle/>
+          <a:p>
+            <a:pPr algn="ctr"/>
+            <a:r>
+              <a:rPr lang="en-US" sz="1200" dirty="0" smtClean="0">
+                <a:latin typeface="Britannic Bold" pitchFamily="34" charset="0"/>
+              </a:rPr>
+              <a:t>NON SSL</a:t>
+            </a:r>
+            <a:endParaRPr lang="en-US" sz="1200" dirty="0">
+              <a:latin typeface="Britannic Bold" pitchFamily="34" charset="0"/>
+            </a:endParaRPr>
+          </a:p>
+        </p:txBody>
+      </p:sp>
+      <p:sp>
+        <p:nvSpPr>
+          <p:cNvPr id="45" name="TextBox 44"/>
+          <p:cNvSpPr txBox="1"/>
+          <p:nvPr/>
+        </p:nvSpPr>
+        <p:spPr>
+          <a:xfrm>
+            <a:off x="6629400" y="2819400"/>
+            <a:ext cx="1295400" cy="276999"/>
+          </a:xfrm>
+          <a:prstGeom prst="rect">
+            <a:avLst/>
+          </a:prstGeom>
+          <a:noFill/>
+        </p:spPr>
+        <p:txBody>
+          <a:bodyPr wrap="square" rtlCol="0">
+            <a:spAutoFit/>
+          </a:bodyPr>
+          <a:lstStyle/>
+          <a:p>
+            <a:pPr algn="ctr"/>
+            <a:r>
+              <a:rPr lang="en-US" sz="1200" dirty="0" smtClean="0">
+                <a:latin typeface="Britannic Bold" pitchFamily="34" charset="0"/>
+              </a:rPr>
+              <a:t>SSL</a:t>
+            </a:r>
+            <a:endParaRPr lang="en-US" sz="1200" dirty="0">
               <a:latin typeface="Britannic Bold" pitchFamily="34" charset="0"/>
             </a:endParaRPr>
           </a:p>
@@ -26498,18 +26686,18 @@
     </p:spTree>
     <p:extLst>
       <p:ext uri="{BB962C8B-B14F-4D97-AF65-F5344CB8AC3E}">
-        <p14:creationId xmlns:p14="http://schemas.microsoft.com/office/powerpoint/2010/main" val="207873020"/>
+        <p14:creationId xmlns:p14="http://schemas.microsoft.com/office/powerpoint/2010/main" xmlns="" val="207873020"/>
       </p:ext>
     </p:extLst>
   </p:cSld>
   <p:clrMapOvr>
     <a:masterClrMapping/>
   </p:clrMapOvr>
-  <mc:AlternateContent xmlns:mc="http://schemas.openxmlformats.org/markup-compatibility/2006" xmlns:p14="http://schemas.microsoft.com/office/powerpoint/2010/main">
-    <mc:Choice Requires="p14">
+  <mc:AlternateContent xmlns:mc="http://schemas.openxmlformats.org/markup-compatibility/2006">
+    <mc:Choice xmlns:p14="http://schemas.microsoft.com/office/powerpoint/2010/main" xmlns="" Requires="p14">
       <p:transition p14:dur="0"/>
     </mc:Choice>
-    <mc:Fallback xmlns="">
+    <mc:Fallback>
       <p:transition/>
     </mc:Fallback>
   </mc:AlternateContent>
@@ -26552,7 +26740,7 @@
           <a:blip r:embed="rId2" cstate="print">
             <a:extLst>
               <a:ext uri="{28A0092B-C50C-407E-A947-70E740481C1C}">
-                <a14:useLocalDpi xmlns:a14="http://schemas.microsoft.com/office/drawing/2010/main" val="0"/>
+                <a14:useLocalDpi xmlns:a14="http://schemas.microsoft.com/office/drawing/2010/main" xmlns="" val="0"/>
               </a:ext>
             </a:extLst>
           </a:blip>
@@ -26570,7 +26758,7 @@
           <a:noFill/>
           <a:extLst>
             <a:ext uri="{909E8E84-426E-40DD-AFC4-6F175D3DCCD1}">
-              <a14:hiddenFill xmlns:a14="http://schemas.microsoft.com/office/drawing/2010/main">
+              <a14:hiddenFill xmlns:a14="http://schemas.microsoft.com/office/drawing/2010/main" xmlns="">
                 <a:solidFill>
                   <a:srgbClr val="FFFFFF"/>
                 </a:solidFill>
@@ -26751,7 +26939,7 @@
           <a:blip r:embed="rId2" cstate="print">
             <a:extLst>
               <a:ext uri="{28A0092B-C50C-407E-A947-70E740481C1C}">
-                <a14:useLocalDpi xmlns:a14="http://schemas.microsoft.com/office/drawing/2010/main" val="0"/>
+                <a14:useLocalDpi xmlns:a14="http://schemas.microsoft.com/office/drawing/2010/main" xmlns="" val="0"/>
               </a:ext>
             </a:extLst>
           </a:blip>
@@ -26769,7 +26957,7 @@
           <a:noFill/>
           <a:extLst>
             <a:ext uri="{909E8E84-426E-40DD-AFC4-6F175D3DCCD1}">
-              <a14:hiddenFill xmlns:a14="http://schemas.microsoft.com/office/drawing/2010/main">
+              <a14:hiddenFill xmlns:a14="http://schemas.microsoft.com/office/drawing/2010/main" xmlns="">
                 <a:solidFill>
                   <a:srgbClr val="FFFFFF"/>
                 </a:solidFill>
@@ -26790,7 +26978,7 @@
           <a:blip r:embed="rId2" cstate="print">
             <a:extLst>
               <a:ext uri="{28A0092B-C50C-407E-A947-70E740481C1C}">
-                <a14:useLocalDpi xmlns:a14="http://schemas.microsoft.com/office/drawing/2010/main" val="0"/>
+                <a14:useLocalDpi xmlns:a14="http://schemas.microsoft.com/office/drawing/2010/main" xmlns="" val="0"/>
               </a:ext>
             </a:extLst>
           </a:blip>
@@ -26808,7 +26996,7 @@
           <a:noFill/>
           <a:extLst>
             <a:ext uri="{909E8E84-426E-40DD-AFC4-6F175D3DCCD1}">
-              <a14:hiddenFill xmlns:a14="http://schemas.microsoft.com/office/drawing/2010/main">
+              <a14:hiddenFill xmlns:a14="http://schemas.microsoft.com/office/drawing/2010/main" xmlns="">
                 <a:solidFill>
                   <a:srgbClr val="FFFFFF"/>
                 </a:solidFill>
@@ -26829,7 +27017,7 @@
           <a:blip r:embed="rId2" cstate="print">
             <a:extLst>
               <a:ext uri="{28A0092B-C50C-407E-A947-70E740481C1C}">
-                <a14:useLocalDpi xmlns:a14="http://schemas.microsoft.com/office/drawing/2010/main" val="0"/>
+                <a14:useLocalDpi xmlns:a14="http://schemas.microsoft.com/office/drawing/2010/main" xmlns="" val="0"/>
               </a:ext>
             </a:extLst>
           </a:blip>
@@ -26847,7 +27035,7 @@
           <a:noFill/>
           <a:extLst>
             <a:ext uri="{909E8E84-426E-40DD-AFC4-6F175D3DCCD1}">
-              <a14:hiddenFill xmlns:a14="http://schemas.microsoft.com/office/drawing/2010/main">
+              <a14:hiddenFill xmlns:a14="http://schemas.microsoft.com/office/drawing/2010/main" xmlns="">
                 <a:solidFill>
                   <a:srgbClr val="FFFFFF"/>
                 </a:solidFill>
@@ -27222,7 +27410,7 @@
         </p:nvSpPr>
         <p:spPr>
           <a:xfrm>
-            <a:off x="7391400" y="2506768"/>
+            <a:off x="7543800" y="2506768"/>
             <a:ext cx="1295400" cy="1219200"/>
           </a:xfrm>
           <a:prstGeom prst="rect">
@@ -27262,7 +27450,7 @@
         </p:nvSpPr>
         <p:spPr>
           <a:xfrm>
-            <a:off x="7391400" y="2133600"/>
+            <a:off x="7543800" y="2133600"/>
             <a:ext cx="1295400" cy="369332"/>
           </a:xfrm>
           <a:prstGeom prst="rect">
@@ -27346,7 +27534,7 @@
         </p:nvSpPr>
         <p:spPr>
           <a:xfrm>
-            <a:off x="7391400" y="2939534"/>
+            <a:off x="7543800" y="2939534"/>
             <a:ext cx="1295400" cy="369332"/>
           </a:xfrm>
           <a:prstGeom prst="rect">
@@ -27732,7 +27920,7 @@
         <p:spPr>
           <a:xfrm>
             <a:off x="6781800" y="3114011"/>
-            <a:ext cx="609600" cy="10189"/>
+            <a:ext cx="762000" cy="10189"/>
           </a:xfrm>
           <a:prstGeom prst="straightConnector1">
             <a:avLst/>
@@ -27768,8 +27956,8 @@
         </p:nvSpPr>
         <p:spPr>
           <a:xfrm>
-            <a:off x="2895601" y="2656865"/>
-            <a:ext cx="1295400" cy="369332"/>
+            <a:off x="2895601" y="2819400"/>
+            <a:ext cx="1295400" cy="276999"/>
           </a:xfrm>
           <a:prstGeom prst="rect">
             <a:avLst/>
@@ -27784,12 +27972,222 @@
           <a:p>
             <a:pPr algn="ctr"/>
             <a:r>
-              <a:rPr lang="en-US" dirty="0" smtClean="0">
+              <a:rPr lang="en-US" sz="1200" dirty="0" smtClean="0">
                 <a:latin typeface="Britannic Bold" pitchFamily="34" charset="0"/>
               </a:rPr>
-              <a:t>HTTPs</a:t>
-            </a:r>
-            <a:endParaRPr lang="en-US" dirty="0">
+              <a:t>SSL</a:t>
+            </a:r>
+            <a:endParaRPr lang="en-US" sz="1200" dirty="0">
+              <a:latin typeface="Britannic Bold" pitchFamily="34" charset="0"/>
+            </a:endParaRPr>
+          </a:p>
+        </p:txBody>
+      </p:sp>
+      <p:sp>
+        <p:nvSpPr>
+          <p:cNvPr id="41" name="TextBox 40"/>
+          <p:cNvSpPr txBox="1"/>
+          <p:nvPr/>
+        </p:nvSpPr>
+        <p:spPr>
+          <a:xfrm rot="3441570">
+            <a:off x="1740412" y="1834984"/>
+            <a:ext cx="890142" cy="276999"/>
+          </a:xfrm>
+          <a:prstGeom prst="rect">
+            <a:avLst/>
+          </a:prstGeom>
+          <a:noFill/>
+        </p:spPr>
+        <p:txBody>
+          <a:bodyPr wrap="square" rtlCol="0">
+            <a:spAutoFit/>
+          </a:bodyPr>
+          <a:lstStyle/>
+          <a:p>
+            <a:pPr algn="ctr"/>
+            <a:r>
+              <a:rPr lang="en-US" sz="1200" dirty="0" smtClean="0">
+                <a:latin typeface="Britannic Bold" pitchFamily="34" charset="0"/>
+              </a:rPr>
+              <a:t>NON SSL</a:t>
+            </a:r>
+            <a:endParaRPr lang="en-US" sz="1200" dirty="0">
+              <a:latin typeface="Britannic Bold" pitchFamily="34" charset="0"/>
+            </a:endParaRPr>
+          </a:p>
+        </p:txBody>
+      </p:sp>
+      <p:sp>
+        <p:nvSpPr>
+          <p:cNvPr id="44" name="TextBox 43"/>
+          <p:cNvSpPr txBox="1"/>
+          <p:nvPr/>
+        </p:nvSpPr>
+        <p:spPr>
+          <a:xfrm rot="18465127">
+            <a:off x="1384729" y="3727199"/>
+            <a:ext cx="890142" cy="276999"/>
+          </a:xfrm>
+          <a:prstGeom prst="rect">
+            <a:avLst/>
+          </a:prstGeom>
+          <a:noFill/>
+        </p:spPr>
+        <p:txBody>
+          <a:bodyPr wrap="square" rtlCol="0">
+            <a:spAutoFit/>
+          </a:bodyPr>
+          <a:lstStyle/>
+          <a:p>
+            <a:pPr algn="ctr"/>
+            <a:r>
+              <a:rPr lang="en-US" sz="1200" dirty="0" smtClean="0">
+                <a:latin typeface="Britannic Bold" pitchFamily="34" charset="0"/>
+              </a:rPr>
+              <a:t>NON SSL</a:t>
+            </a:r>
+            <a:endParaRPr lang="en-US" sz="1200" dirty="0">
+              <a:latin typeface="Britannic Bold" pitchFamily="34" charset="0"/>
+            </a:endParaRPr>
+          </a:p>
+        </p:txBody>
+      </p:sp>
+      <p:sp>
+        <p:nvSpPr>
+          <p:cNvPr id="47" name="TextBox 46"/>
+          <p:cNvSpPr txBox="1"/>
+          <p:nvPr/>
+        </p:nvSpPr>
+        <p:spPr>
+          <a:xfrm rot="656102">
+            <a:off x="1237392" y="2291713"/>
+            <a:ext cx="890142" cy="276999"/>
+          </a:xfrm>
+          <a:prstGeom prst="rect">
+            <a:avLst/>
+          </a:prstGeom>
+          <a:noFill/>
+        </p:spPr>
+        <p:txBody>
+          <a:bodyPr wrap="square" rtlCol="0">
+            <a:spAutoFit/>
+          </a:bodyPr>
+          <a:lstStyle/>
+          <a:p>
+            <a:pPr algn="ctr"/>
+            <a:r>
+              <a:rPr lang="en-US" sz="1200" dirty="0" smtClean="0">
+                <a:latin typeface="Britannic Bold" pitchFamily="34" charset="0"/>
+              </a:rPr>
+              <a:t>NON SSL</a:t>
+            </a:r>
+            <a:endParaRPr lang="en-US" sz="1200" dirty="0">
+              <a:latin typeface="Britannic Bold" pitchFamily="34" charset="0"/>
+            </a:endParaRPr>
+          </a:p>
+        </p:txBody>
+      </p:sp>
+      <p:sp>
+        <p:nvSpPr>
+          <p:cNvPr id="48" name="TextBox 47"/>
+          <p:cNvSpPr txBox="1"/>
+          <p:nvPr/>
+        </p:nvSpPr>
+        <p:spPr>
+          <a:xfrm rot="21426274">
+            <a:off x="1225628" y="2994106"/>
+            <a:ext cx="890142" cy="276999"/>
+          </a:xfrm>
+          <a:prstGeom prst="rect">
+            <a:avLst/>
+          </a:prstGeom>
+          <a:noFill/>
+        </p:spPr>
+        <p:txBody>
+          <a:bodyPr wrap="square" rtlCol="0">
+            <a:spAutoFit/>
+          </a:bodyPr>
+          <a:lstStyle/>
+          <a:p>
+            <a:pPr algn="ctr"/>
+            <a:r>
+              <a:rPr lang="en-US" sz="1200" dirty="0" smtClean="0">
+                <a:latin typeface="Britannic Bold" pitchFamily="34" charset="0"/>
+              </a:rPr>
+              <a:t>NON SSL</a:t>
+            </a:r>
+            <a:endParaRPr lang="en-US" sz="1200" dirty="0">
+              <a:latin typeface="Britannic Bold" pitchFamily="34" charset="0"/>
+            </a:endParaRPr>
+          </a:p>
+        </p:txBody>
+      </p:sp>
+      <p:sp>
+        <p:nvSpPr>
+          <p:cNvPr id="50" name="TextBox 49"/>
+          <p:cNvSpPr txBox="1"/>
+          <p:nvPr/>
+        </p:nvSpPr>
+        <p:spPr>
+          <a:xfrm rot="16200000">
+            <a:off x="1994329" y="4108198"/>
+            <a:ext cx="890142" cy="276999"/>
+          </a:xfrm>
+          <a:prstGeom prst="rect">
+            <a:avLst/>
+          </a:prstGeom>
+          <a:noFill/>
+        </p:spPr>
+        <p:txBody>
+          <a:bodyPr wrap="square" rtlCol="0">
+            <a:spAutoFit/>
+          </a:bodyPr>
+          <a:lstStyle/>
+          <a:p>
+            <a:pPr algn="ctr"/>
+            <a:r>
+              <a:rPr lang="en-US" sz="1200" dirty="0" smtClean="0">
+                <a:latin typeface="Britannic Bold" pitchFamily="34" charset="0"/>
+              </a:rPr>
+              <a:t>NON SSL</a:t>
+            </a:r>
+            <a:endParaRPr lang="en-US" sz="1200" dirty="0">
+              <a:latin typeface="Britannic Bold" pitchFamily="34" charset="0"/>
+            </a:endParaRPr>
+          </a:p>
+        </p:txBody>
+      </p:sp>
+      <p:sp>
+        <p:nvSpPr>
+          <p:cNvPr id="51" name="TextBox 50"/>
+          <p:cNvSpPr txBox="1"/>
+          <p:nvPr/>
+        </p:nvSpPr>
+        <p:spPr>
+          <a:xfrm>
+            <a:off x="6629400" y="2819400"/>
+            <a:ext cx="1295400" cy="276999"/>
+          </a:xfrm>
+          <a:prstGeom prst="rect">
+            <a:avLst/>
+          </a:prstGeom>
+          <a:noFill/>
+        </p:spPr>
+        <p:txBody>
+          <a:bodyPr wrap="square" rtlCol="0">
+            <a:spAutoFit/>
+          </a:bodyPr>
+          <a:lstStyle/>
+          <a:p>
+            <a:pPr algn="ctr"/>
+            <a:r>
+              <a:rPr lang="en-US" sz="1200" dirty="0" smtClean="0">
+                <a:latin typeface="Britannic Bold" pitchFamily="34" charset="0"/>
+              </a:rPr>
+              <a:t>SSL</a:t>
+            </a:r>
+            <a:endParaRPr lang="en-US" sz="1200" dirty="0">
               <a:latin typeface="Britannic Bold" pitchFamily="34" charset="0"/>
             </a:endParaRPr>
           </a:p>
@@ -27798,18 +28196,18 @@
     </p:spTree>
     <p:extLst>
       <p:ext uri="{BB962C8B-B14F-4D97-AF65-F5344CB8AC3E}">
-        <p14:creationId xmlns:p14="http://schemas.microsoft.com/office/powerpoint/2010/main" val="2721901066"/>
+        <p14:creationId xmlns:p14="http://schemas.microsoft.com/office/powerpoint/2010/main" xmlns="" val="2721901066"/>
       </p:ext>
     </p:extLst>
   </p:cSld>
   <p:clrMapOvr>
     <a:masterClrMapping/>
   </p:clrMapOvr>
-  <mc:AlternateContent xmlns:mc="http://schemas.openxmlformats.org/markup-compatibility/2006" xmlns:p14="http://schemas.microsoft.com/office/powerpoint/2010/main">
-    <mc:Choice Requires="p14">
+  <mc:AlternateContent xmlns:mc="http://schemas.openxmlformats.org/markup-compatibility/2006">
+    <mc:Choice xmlns:p14="http://schemas.microsoft.com/office/powerpoint/2010/main" xmlns="" Requires="p14">
       <p:transition p14:dur="0"/>
     </mc:Choice>
-    <mc:Fallback xmlns="">
+    <mc:Fallback>
       <p:transition/>
     </mc:Fallback>
   </mc:AlternateContent>
@@ -27901,7 +28299,7 @@
           <a:blip r:embed="rId2" cstate="print">
             <a:extLst>
               <a:ext uri="{28A0092B-C50C-407E-A947-70E740481C1C}">
-                <a14:useLocalDpi xmlns:a14="http://schemas.microsoft.com/office/drawing/2010/main" val="0"/>
+                <a14:useLocalDpi xmlns:a14="http://schemas.microsoft.com/office/drawing/2010/main" xmlns="" val="0"/>
               </a:ext>
             </a:extLst>
           </a:blip>
@@ -27919,7 +28317,7 @@
           <a:noFill/>
           <a:extLst>
             <a:ext uri="{909E8E84-426E-40DD-AFC4-6F175D3DCCD1}">
-              <a14:hiddenFill xmlns:a14="http://schemas.microsoft.com/office/drawing/2010/main">
+              <a14:hiddenFill xmlns:a14="http://schemas.microsoft.com/office/drawing/2010/main" xmlns="">
                 <a:solidFill>
                   <a:srgbClr val="FFFFFF"/>
                 </a:solidFill>
@@ -27940,7 +28338,7 @@
           <a:blip r:embed="rId2" cstate="print">
             <a:extLst>
               <a:ext uri="{28A0092B-C50C-407E-A947-70E740481C1C}">
-                <a14:useLocalDpi xmlns:a14="http://schemas.microsoft.com/office/drawing/2010/main" val="0"/>
+                <a14:useLocalDpi xmlns:a14="http://schemas.microsoft.com/office/drawing/2010/main" xmlns="" val="0"/>
               </a:ext>
             </a:extLst>
           </a:blip>
@@ -27958,7 +28356,7 @@
           <a:noFill/>
           <a:extLst>
             <a:ext uri="{909E8E84-426E-40DD-AFC4-6F175D3DCCD1}">
-              <a14:hiddenFill xmlns:a14="http://schemas.microsoft.com/office/drawing/2010/main">
+              <a14:hiddenFill xmlns:a14="http://schemas.microsoft.com/office/drawing/2010/main" xmlns="">
                 <a:solidFill>
                   <a:srgbClr val="FFFFFF"/>
                 </a:solidFill>
@@ -28120,9 +28518,6 @@
               </a:rPr>
               <a:t>Message</a:t>
             </a:r>
-            <a:endParaRPr lang="en-US" dirty="0" smtClean="0">
-              <a:latin typeface="Britannic Bold" pitchFamily="34" charset="0"/>
-            </a:endParaRPr>
           </a:p>
           <a:p>
             <a:pPr algn="ctr"/>
@@ -28150,7 +28545,7 @@
           <a:blip r:embed="rId3" cstate="print">
             <a:extLst>
               <a:ext uri="{28A0092B-C50C-407E-A947-70E740481C1C}">
-                <a14:useLocalDpi xmlns:a14="http://schemas.microsoft.com/office/drawing/2010/main" val="0"/>
+                <a14:useLocalDpi xmlns:a14="http://schemas.microsoft.com/office/drawing/2010/main" xmlns="" val="0"/>
               </a:ext>
             </a:extLst>
           </a:blip>
@@ -28177,10 +28572,10 @@
           <p:nvPr/>
         </p:nvPicPr>
         <p:blipFill>
-          <a:blip r:embed="rId4">
+          <a:blip r:embed="rId4" cstate="print">
             <a:extLst>
               <a:ext uri="{28A0092B-C50C-407E-A947-70E740481C1C}">
-                <a14:useLocalDpi xmlns:a14="http://schemas.microsoft.com/office/drawing/2010/main" val="0"/>
+                <a14:useLocalDpi xmlns:a14="http://schemas.microsoft.com/office/drawing/2010/main" xmlns="" val="0"/>
               </a:ext>
             </a:extLst>
           </a:blip>
@@ -28201,18 +28596,18 @@
     </p:spTree>
     <p:extLst>
       <p:ext uri="{BB962C8B-B14F-4D97-AF65-F5344CB8AC3E}">
-        <p14:creationId xmlns:p14="http://schemas.microsoft.com/office/powerpoint/2010/main" val="1716295015"/>
+        <p14:creationId xmlns:p14="http://schemas.microsoft.com/office/powerpoint/2010/main" xmlns="" val="1716295015"/>
       </p:ext>
     </p:extLst>
   </p:cSld>
   <p:clrMapOvr>
     <a:masterClrMapping/>
   </p:clrMapOvr>
-  <mc:AlternateContent xmlns:mc="http://schemas.openxmlformats.org/markup-compatibility/2006" xmlns:p14="http://schemas.microsoft.com/office/powerpoint/2010/main">
-    <mc:Choice Requires="p14">
+  <mc:AlternateContent xmlns:mc="http://schemas.openxmlformats.org/markup-compatibility/2006">
+    <mc:Choice xmlns:p14="http://schemas.microsoft.com/office/powerpoint/2010/main" xmlns="" Requires="p14">
       <p:transition p14:dur="0"/>
     </mc:Choice>
-    <mc:Fallback xmlns="">
+    <mc:Fallback>
       <p:transition/>
     </mc:Fallback>
   </mc:AlternateContent>
@@ -28304,7 +28699,7 @@
           <a:blip r:embed="rId2" cstate="print">
             <a:extLst>
               <a:ext uri="{28A0092B-C50C-407E-A947-70E740481C1C}">
-                <a14:useLocalDpi xmlns:a14="http://schemas.microsoft.com/office/drawing/2010/main" val="0"/>
+                <a14:useLocalDpi xmlns:a14="http://schemas.microsoft.com/office/drawing/2010/main" xmlns="" val="0"/>
               </a:ext>
             </a:extLst>
           </a:blip>
@@ -28322,7 +28717,7 @@
           <a:noFill/>
           <a:extLst>
             <a:ext uri="{909E8E84-426E-40DD-AFC4-6F175D3DCCD1}">
-              <a14:hiddenFill xmlns:a14="http://schemas.microsoft.com/office/drawing/2010/main">
+              <a14:hiddenFill xmlns:a14="http://schemas.microsoft.com/office/drawing/2010/main" xmlns="">
                 <a:solidFill>
                   <a:srgbClr val="FFFFFF"/>
                 </a:solidFill>
@@ -28343,7 +28738,7 @@
           <a:blip r:embed="rId2" cstate="print">
             <a:extLst>
               <a:ext uri="{28A0092B-C50C-407E-A947-70E740481C1C}">
-                <a14:useLocalDpi xmlns:a14="http://schemas.microsoft.com/office/drawing/2010/main" val="0"/>
+                <a14:useLocalDpi xmlns:a14="http://schemas.microsoft.com/office/drawing/2010/main" xmlns="" val="0"/>
               </a:ext>
             </a:extLst>
           </a:blip>
@@ -28361,7 +28756,7 @@
           <a:noFill/>
           <a:extLst>
             <a:ext uri="{909E8E84-426E-40DD-AFC4-6F175D3DCCD1}">
-              <a14:hiddenFill xmlns:a14="http://schemas.microsoft.com/office/drawing/2010/main">
+              <a14:hiddenFill xmlns:a14="http://schemas.microsoft.com/office/drawing/2010/main" xmlns="">
                 <a:solidFill>
                   <a:srgbClr val="FFFFFF"/>
                 </a:solidFill>
@@ -28523,9 +28918,6 @@
               </a:rPr>
               <a:t>Message</a:t>
             </a:r>
-            <a:endParaRPr lang="en-US" dirty="0" smtClean="0">
-              <a:latin typeface="Britannic Bold" pitchFamily="34" charset="0"/>
-            </a:endParaRPr>
           </a:p>
           <a:p>
             <a:pPr algn="ctr"/>
@@ -28665,7 +29057,7 @@
           <a:blip r:embed="rId3" cstate="print">
             <a:extLst>
               <a:ext uri="{28A0092B-C50C-407E-A947-70E740481C1C}">
-                <a14:useLocalDpi xmlns:a14="http://schemas.microsoft.com/office/drawing/2010/main" val="0"/>
+                <a14:useLocalDpi xmlns:a14="http://schemas.microsoft.com/office/drawing/2010/main" xmlns="" val="0"/>
               </a:ext>
             </a:extLst>
           </a:blip>
@@ -28692,10 +29084,10 @@
           <p:nvPr/>
         </p:nvPicPr>
         <p:blipFill>
-          <a:blip r:embed="rId4">
+          <a:blip r:embed="rId4" cstate="print">
             <a:extLst>
               <a:ext uri="{28A0092B-C50C-407E-A947-70E740481C1C}">
-                <a14:useLocalDpi xmlns:a14="http://schemas.microsoft.com/office/drawing/2010/main" val="0"/>
+                <a14:useLocalDpi xmlns:a14="http://schemas.microsoft.com/office/drawing/2010/main" xmlns="" val="0"/>
               </a:ext>
             </a:extLst>
           </a:blip>
@@ -28741,23 +29133,7 @@
                   <a:schemeClr val="tx2"/>
                 </a:solidFill>
               </a:rPr>
-              <a:t>Subscribe </a:t>
-            </a:r>
-            <a:r>
-              <a:rPr lang="en-US" sz="1400" b="1" i="1" dirty="0" smtClean="0">
-                <a:solidFill>
-                  <a:schemeClr val="tx2"/>
-                </a:solidFill>
-              </a:rPr>
-              <a:t>DI</a:t>
-            </a:r>
-            <a:r>
-              <a:rPr lang="en-US" sz="1400" b="1" i="1" dirty="0" smtClean="0">
-                <a:solidFill>
-                  <a:schemeClr val="tx2"/>
-                </a:solidFill>
-              </a:rPr>
-              <a:t>/0</a:t>
+              <a:t>Subscribe DI/0</a:t>
             </a:r>
             <a:endParaRPr lang="en-US" sz="1400" b="1" i="1" dirty="0">
               <a:solidFill>
@@ -28770,18 +29146,18 @@
     </p:spTree>
     <p:extLst>
       <p:ext uri="{BB962C8B-B14F-4D97-AF65-F5344CB8AC3E}">
-        <p14:creationId xmlns:p14="http://schemas.microsoft.com/office/powerpoint/2010/main" val="2029245025"/>
+        <p14:creationId xmlns:p14="http://schemas.microsoft.com/office/powerpoint/2010/main" xmlns="" val="2029245025"/>
       </p:ext>
     </p:extLst>
   </p:cSld>
   <p:clrMapOvr>
     <a:masterClrMapping/>
   </p:clrMapOvr>
-  <mc:AlternateContent xmlns:mc="http://schemas.openxmlformats.org/markup-compatibility/2006" xmlns:p14="http://schemas.microsoft.com/office/powerpoint/2010/main">
-    <mc:Choice Requires="p14">
+  <mc:AlternateContent xmlns:mc="http://schemas.openxmlformats.org/markup-compatibility/2006">
+    <mc:Choice xmlns:p14="http://schemas.microsoft.com/office/powerpoint/2010/main" xmlns="" Requires="p14">
       <p:transition p14:dur="0"/>
     </mc:Choice>
-    <mc:Fallback xmlns="">
+    <mc:Fallback>
       <p:transition/>
     </mc:Fallback>
   </mc:AlternateContent>
@@ -28873,7 +29249,7 @@
           <a:blip r:embed="rId2" cstate="print">
             <a:extLst>
               <a:ext uri="{28A0092B-C50C-407E-A947-70E740481C1C}">
-                <a14:useLocalDpi xmlns:a14="http://schemas.microsoft.com/office/drawing/2010/main" val="0"/>
+                <a14:useLocalDpi xmlns:a14="http://schemas.microsoft.com/office/drawing/2010/main" xmlns="" val="0"/>
               </a:ext>
             </a:extLst>
           </a:blip>
@@ -28891,7 +29267,7 @@
           <a:noFill/>
           <a:extLst>
             <a:ext uri="{909E8E84-426E-40DD-AFC4-6F175D3DCCD1}">
-              <a14:hiddenFill xmlns:a14="http://schemas.microsoft.com/office/drawing/2010/main">
+              <a14:hiddenFill xmlns:a14="http://schemas.microsoft.com/office/drawing/2010/main" xmlns="">
                 <a:solidFill>
                   <a:srgbClr val="FFFFFF"/>
                 </a:solidFill>
@@ -28912,7 +29288,7 @@
           <a:blip r:embed="rId2" cstate="print">
             <a:extLst>
               <a:ext uri="{28A0092B-C50C-407E-A947-70E740481C1C}">
-                <a14:useLocalDpi xmlns:a14="http://schemas.microsoft.com/office/drawing/2010/main" val="0"/>
+                <a14:useLocalDpi xmlns:a14="http://schemas.microsoft.com/office/drawing/2010/main" xmlns="" val="0"/>
               </a:ext>
             </a:extLst>
           </a:blip>
@@ -28930,7 +29306,7 @@
           <a:noFill/>
           <a:extLst>
             <a:ext uri="{909E8E84-426E-40DD-AFC4-6F175D3DCCD1}">
-              <a14:hiddenFill xmlns:a14="http://schemas.microsoft.com/office/drawing/2010/main">
+              <a14:hiddenFill xmlns:a14="http://schemas.microsoft.com/office/drawing/2010/main" xmlns="">
                 <a:solidFill>
                   <a:srgbClr val="FFFFFF"/>
                 </a:solidFill>
@@ -29092,9 +29468,6 @@
               </a:rPr>
               <a:t>Message</a:t>
             </a:r>
-            <a:endParaRPr lang="en-US" dirty="0" smtClean="0">
-              <a:latin typeface="Britannic Bold" pitchFamily="34" charset="0"/>
-            </a:endParaRPr>
           </a:p>
           <a:p>
             <a:pPr algn="ctr"/>
@@ -29158,7 +29531,7 @@
           <a:blip r:embed="rId3" cstate="print">
             <a:extLst>
               <a:ext uri="{28A0092B-C50C-407E-A947-70E740481C1C}">
-                <a14:useLocalDpi xmlns:a14="http://schemas.microsoft.com/office/drawing/2010/main" val="0"/>
+                <a14:useLocalDpi xmlns:a14="http://schemas.microsoft.com/office/drawing/2010/main" xmlns="" val="0"/>
               </a:ext>
             </a:extLst>
           </a:blip>
@@ -29185,10 +29558,10 @@
           <p:nvPr/>
         </p:nvPicPr>
         <p:blipFill>
-          <a:blip r:embed="rId4">
+          <a:blip r:embed="rId4" cstate="print">
             <a:extLst>
               <a:ext uri="{28A0092B-C50C-407E-A947-70E740481C1C}">
-                <a14:useLocalDpi xmlns:a14="http://schemas.microsoft.com/office/drawing/2010/main" val="0"/>
+                <a14:useLocalDpi xmlns:a14="http://schemas.microsoft.com/office/drawing/2010/main" xmlns="" val="0"/>
               </a:ext>
             </a:extLst>
           </a:blip>
@@ -29234,23 +29607,7 @@
                   <a:schemeClr val="tx2"/>
                 </a:solidFill>
               </a:rPr>
-              <a:t>Publish </a:t>
-            </a:r>
-            <a:r>
-              <a:rPr lang="en-US" sz="1400" b="1" i="1" dirty="0" smtClean="0">
-                <a:solidFill>
-                  <a:schemeClr val="tx2"/>
-                </a:solidFill>
-              </a:rPr>
-              <a:t>DI</a:t>
-            </a:r>
-            <a:r>
-              <a:rPr lang="en-US" sz="1400" b="1" i="1" dirty="0" smtClean="0">
-                <a:solidFill>
-                  <a:schemeClr val="tx2"/>
-                </a:solidFill>
-              </a:rPr>
-              <a:t>/0 true</a:t>
+              <a:t>Publish DI/0 true</a:t>
             </a:r>
             <a:endParaRPr lang="en-US" sz="1400" b="1" i="1" dirty="0">
               <a:solidFill>
@@ -29263,18 +29620,18 @@
     </p:spTree>
     <p:extLst>
       <p:ext uri="{BB962C8B-B14F-4D97-AF65-F5344CB8AC3E}">
-        <p14:creationId xmlns:p14="http://schemas.microsoft.com/office/powerpoint/2010/main" val="2939933208"/>
+        <p14:creationId xmlns:p14="http://schemas.microsoft.com/office/powerpoint/2010/main" xmlns="" val="2939933208"/>
       </p:ext>
     </p:extLst>
   </p:cSld>
   <p:clrMapOvr>
     <a:masterClrMapping/>
   </p:clrMapOvr>
-  <mc:AlternateContent xmlns:mc="http://schemas.openxmlformats.org/markup-compatibility/2006" xmlns:p14="http://schemas.microsoft.com/office/powerpoint/2010/main">
-    <mc:Choice Requires="p14">
+  <mc:AlternateContent xmlns:mc="http://schemas.openxmlformats.org/markup-compatibility/2006">
+    <mc:Choice xmlns:p14="http://schemas.microsoft.com/office/powerpoint/2010/main" xmlns="" Requires="p14">
       <p:transition p14:dur="0"/>
     </mc:Choice>
-    <mc:Fallback xmlns="">
+    <mc:Fallback>
       <p:transition/>
     </mc:Fallback>
   </mc:AlternateContent>
@@ -29366,7 +29723,7 @@
           <a:blip r:embed="rId2" cstate="print">
             <a:extLst>
               <a:ext uri="{28A0092B-C50C-407E-A947-70E740481C1C}">
-                <a14:useLocalDpi xmlns:a14="http://schemas.microsoft.com/office/drawing/2010/main" val="0"/>
+                <a14:useLocalDpi xmlns:a14="http://schemas.microsoft.com/office/drawing/2010/main" xmlns="" val="0"/>
               </a:ext>
             </a:extLst>
           </a:blip>
@@ -29384,7 +29741,7 @@
           <a:noFill/>
           <a:extLst>
             <a:ext uri="{909E8E84-426E-40DD-AFC4-6F175D3DCCD1}">
-              <a14:hiddenFill xmlns:a14="http://schemas.microsoft.com/office/drawing/2010/main">
+              <a14:hiddenFill xmlns:a14="http://schemas.microsoft.com/office/drawing/2010/main" xmlns="">
                 <a:solidFill>
                   <a:srgbClr val="FFFFFF"/>
                 </a:solidFill>
@@ -29405,7 +29762,7 @@
           <a:blip r:embed="rId2" cstate="print">
             <a:extLst>
               <a:ext uri="{28A0092B-C50C-407E-A947-70E740481C1C}">
-                <a14:useLocalDpi xmlns:a14="http://schemas.microsoft.com/office/drawing/2010/main" val="0"/>
+                <a14:useLocalDpi xmlns:a14="http://schemas.microsoft.com/office/drawing/2010/main" xmlns="" val="0"/>
               </a:ext>
             </a:extLst>
           </a:blip>
@@ -29423,7 +29780,7 @@
           <a:noFill/>
           <a:extLst>
             <a:ext uri="{909E8E84-426E-40DD-AFC4-6F175D3DCCD1}">
-              <a14:hiddenFill xmlns:a14="http://schemas.microsoft.com/office/drawing/2010/main">
+              <a14:hiddenFill xmlns:a14="http://schemas.microsoft.com/office/drawing/2010/main" xmlns="">
                 <a:solidFill>
                   <a:srgbClr val="FFFFFF"/>
                 </a:solidFill>
@@ -29585,9 +29942,6 @@
               </a:rPr>
               <a:t>Message</a:t>
             </a:r>
-            <a:endParaRPr lang="en-US" dirty="0" smtClean="0">
-              <a:latin typeface="Britannic Bold" pitchFamily="34" charset="0"/>
-            </a:endParaRPr>
           </a:p>
           <a:p>
             <a:pPr algn="ctr"/>
@@ -29687,7 +30041,7 @@
           <a:blip r:embed="rId3" cstate="print">
             <a:extLst>
               <a:ext uri="{28A0092B-C50C-407E-A947-70E740481C1C}">
-                <a14:useLocalDpi xmlns:a14="http://schemas.microsoft.com/office/drawing/2010/main" val="0"/>
+                <a14:useLocalDpi xmlns:a14="http://schemas.microsoft.com/office/drawing/2010/main" xmlns="" val="0"/>
               </a:ext>
             </a:extLst>
           </a:blip>
@@ -29714,10 +30068,10 @@
           <p:nvPr/>
         </p:nvPicPr>
         <p:blipFill>
-          <a:blip r:embed="rId4">
+          <a:blip r:embed="rId4" cstate="print">
             <a:extLst>
               <a:ext uri="{28A0092B-C50C-407E-A947-70E740481C1C}">
-                <a14:useLocalDpi xmlns:a14="http://schemas.microsoft.com/office/drawing/2010/main" val="0"/>
+                <a14:useLocalDpi xmlns:a14="http://schemas.microsoft.com/office/drawing/2010/main" xmlns="" val="0"/>
               </a:ext>
             </a:extLst>
           </a:blip>
@@ -29763,23 +30117,45 @@
                   <a:schemeClr val="tx2"/>
                 </a:solidFill>
               </a:rPr>
-              <a:t>Publish </a:t>
-            </a:r>
+              <a:t>Publish DI/0 true</a:t>
+            </a:r>
+            <a:endParaRPr lang="en-US" sz="1400" b="1" i="1" dirty="0">
+              <a:solidFill>
+                <a:schemeClr val="tx2"/>
+              </a:solidFill>
+            </a:endParaRPr>
+          </a:p>
+        </p:txBody>
+      </p:sp>
+      <p:sp>
+        <p:nvSpPr>
+          <p:cNvPr id="39" name="TextBox 38"/>
+          <p:cNvSpPr txBox="1"/>
+          <p:nvPr/>
+        </p:nvSpPr>
+        <p:spPr>
+          <a:xfrm>
+            <a:off x="5312661" y="2438400"/>
+            <a:ext cx="1428596" cy="307777"/>
+          </a:xfrm>
+          <a:prstGeom prst="rect">
+            <a:avLst/>
+          </a:prstGeom>
+          <a:noFill/>
+        </p:spPr>
+        <p:txBody>
+          <a:bodyPr wrap="none" rtlCol="0">
+            <a:spAutoFit/>
+          </a:bodyPr>
+          <a:lstStyle/>
+          <a:p>
             <a:r>
               <a:rPr lang="en-US" sz="1400" b="1" i="1" dirty="0" smtClean="0">
                 <a:solidFill>
                   <a:schemeClr val="tx2"/>
                 </a:solidFill>
               </a:rPr>
-              <a:t>DI</a:t>
-            </a:r>
-            <a:r>
-              <a:rPr lang="en-US" sz="1400" b="1" i="1" dirty="0" smtClean="0">
-                <a:solidFill>
-                  <a:schemeClr val="tx2"/>
-                </a:solidFill>
-              </a:rPr>
-              <a:t>/0 true</a:t>
+              <a:t>Publish DI/0 true</a:t>
             </a:r>
             <a:endParaRPr lang="en-US" sz="1400" b="1" i="1" dirty="0">
               <a:solidFill>
@@ -29789,75 +30165,21 @@
           </a:p>
         </p:txBody>
       </p:sp>
-      <p:sp>
-        <p:nvSpPr>
-          <p:cNvPr id="39" name="TextBox 38"/>
-          <p:cNvSpPr txBox="1"/>
-          <p:nvPr/>
-        </p:nvSpPr>
-        <p:spPr>
-          <a:xfrm>
-            <a:off x="5312661" y="2438400"/>
-            <a:ext cx="1428596" cy="307777"/>
-          </a:xfrm>
-          <a:prstGeom prst="rect">
-            <a:avLst/>
-          </a:prstGeom>
-          <a:noFill/>
-        </p:spPr>
-        <p:txBody>
-          <a:bodyPr wrap="none" rtlCol="0">
-            <a:spAutoFit/>
-          </a:bodyPr>
-          <a:lstStyle/>
-          <a:p>
-            <a:r>
-              <a:rPr lang="en-US" sz="1400" b="1" i="1" dirty="0" smtClean="0">
-                <a:solidFill>
-                  <a:schemeClr val="tx2"/>
-                </a:solidFill>
-              </a:rPr>
-              <a:t>Publish </a:t>
-            </a:r>
-            <a:r>
-              <a:rPr lang="en-US" sz="1400" b="1" i="1" dirty="0" smtClean="0">
-                <a:solidFill>
-                  <a:schemeClr val="tx2"/>
-                </a:solidFill>
-              </a:rPr>
-              <a:t>DI</a:t>
-            </a:r>
-            <a:r>
-              <a:rPr lang="en-US" sz="1400" b="1" i="1" dirty="0" smtClean="0">
-                <a:solidFill>
-                  <a:schemeClr val="tx2"/>
-                </a:solidFill>
-              </a:rPr>
-              <a:t>/0 true</a:t>
-            </a:r>
-            <a:endParaRPr lang="en-US" sz="1400" b="1" i="1" dirty="0">
-              <a:solidFill>
-                <a:schemeClr val="tx2"/>
-              </a:solidFill>
-            </a:endParaRPr>
-          </a:p>
-        </p:txBody>
-      </p:sp>
     </p:spTree>
     <p:extLst>
       <p:ext uri="{BB962C8B-B14F-4D97-AF65-F5344CB8AC3E}">
-        <p14:creationId xmlns:p14="http://schemas.microsoft.com/office/powerpoint/2010/main" val="831019312"/>
+        <p14:creationId xmlns:p14="http://schemas.microsoft.com/office/powerpoint/2010/main" xmlns="" val="831019312"/>
       </p:ext>
     </p:extLst>
   </p:cSld>
   <p:clrMapOvr>
     <a:masterClrMapping/>
   </p:clrMapOvr>
-  <mc:AlternateContent xmlns:mc="http://schemas.openxmlformats.org/markup-compatibility/2006" xmlns:p14="http://schemas.microsoft.com/office/powerpoint/2010/main">
-    <mc:Choice Requires="p14">
+  <mc:AlternateContent xmlns:mc="http://schemas.openxmlformats.org/markup-compatibility/2006">
+    <mc:Choice xmlns:p14="http://schemas.microsoft.com/office/powerpoint/2010/main" xmlns="" Requires="p14">
       <p:transition p14:dur="0"/>
     </mc:Choice>
-    <mc:Fallback xmlns="">
+    <mc:Fallback>
       <p:transition/>
     </mc:Fallback>
   </mc:AlternateContent>
@@ -29949,7 +30271,7 @@
           <a:blip r:embed="rId2" cstate="print">
             <a:extLst>
               <a:ext uri="{28A0092B-C50C-407E-A947-70E740481C1C}">
-                <a14:useLocalDpi xmlns:a14="http://schemas.microsoft.com/office/drawing/2010/main" val="0"/>
+                <a14:useLocalDpi xmlns:a14="http://schemas.microsoft.com/office/drawing/2010/main" xmlns="" val="0"/>
               </a:ext>
             </a:extLst>
           </a:blip>
@@ -29967,7 +30289,7 @@
           <a:noFill/>
           <a:extLst>
             <a:ext uri="{909E8E84-426E-40DD-AFC4-6F175D3DCCD1}">
-              <a14:hiddenFill xmlns:a14="http://schemas.microsoft.com/office/drawing/2010/main">
+              <a14:hiddenFill xmlns:a14="http://schemas.microsoft.com/office/drawing/2010/main" xmlns="">
                 <a:solidFill>
                   <a:srgbClr val="FFFFFF"/>
                 </a:solidFill>
@@ -29988,7 +30310,7 @@
           <a:blip r:embed="rId2" cstate="print">
             <a:extLst>
               <a:ext uri="{28A0092B-C50C-407E-A947-70E740481C1C}">
-                <a14:useLocalDpi xmlns:a14="http://schemas.microsoft.com/office/drawing/2010/main" val="0"/>
+                <a14:useLocalDpi xmlns:a14="http://schemas.microsoft.com/office/drawing/2010/main" xmlns="" val="0"/>
               </a:ext>
             </a:extLst>
           </a:blip>
@@ -30006,7 +30328,7 @@
           <a:noFill/>
           <a:extLst>
             <a:ext uri="{909E8E84-426E-40DD-AFC4-6F175D3DCCD1}">
-              <a14:hiddenFill xmlns:a14="http://schemas.microsoft.com/office/drawing/2010/main">
+              <a14:hiddenFill xmlns:a14="http://schemas.microsoft.com/office/drawing/2010/main" xmlns="">
                 <a:solidFill>
                   <a:srgbClr val="FFFFFF"/>
                 </a:solidFill>
@@ -30168,9 +30490,6 @@
               </a:rPr>
               <a:t>Message</a:t>
             </a:r>
-            <a:endParaRPr lang="en-US" dirty="0" smtClean="0">
-              <a:latin typeface="Britannic Bold" pitchFamily="34" charset="0"/>
-            </a:endParaRPr>
           </a:p>
           <a:p>
             <a:pPr algn="ctr"/>
@@ -30270,7 +30589,7 @@
           <a:blip r:embed="rId3" cstate="print">
             <a:extLst>
               <a:ext uri="{28A0092B-C50C-407E-A947-70E740481C1C}">
-                <a14:useLocalDpi xmlns:a14="http://schemas.microsoft.com/office/drawing/2010/main" val="0"/>
+                <a14:useLocalDpi xmlns:a14="http://schemas.microsoft.com/office/drawing/2010/main" xmlns="" val="0"/>
               </a:ext>
             </a:extLst>
           </a:blip>
@@ -30297,10 +30616,10 @@
           <p:nvPr/>
         </p:nvPicPr>
         <p:blipFill>
-          <a:blip r:embed="rId4">
+          <a:blip r:embed="rId4" cstate="print">
             <a:extLst>
               <a:ext uri="{28A0092B-C50C-407E-A947-70E740481C1C}">
-                <a14:useLocalDpi xmlns:a14="http://schemas.microsoft.com/office/drawing/2010/main" val="0"/>
+                <a14:useLocalDpi xmlns:a14="http://schemas.microsoft.com/office/drawing/2010/main" xmlns="" val="0"/>
               </a:ext>
             </a:extLst>
           </a:blip>
@@ -30346,77 +30665,45 @@
                   <a:schemeClr val="tx2"/>
                 </a:solidFill>
               </a:rPr>
-              <a:t>Publish </a:t>
-            </a:r>
+              <a:t>Publish DI/0 true</a:t>
+            </a:r>
+            <a:endParaRPr lang="en-US" sz="1400" b="1" i="1" dirty="0">
+              <a:solidFill>
+                <a:schemeClr val="tx2"/>
+              </a:solidFill>
+            </a:endParaRPr>
+          </a:p>
+        </p:txBody>
+      </p:sp>
+      <p:sp>
+        <p:nvSpPr>
+          <p:cNvPr id="39" name="TextBox 38"/>
+          <p:cNvSpPr txBox="1"/>
+          <p:nvPr/>
+        </p:nvSpPr>
+        <p:spPr>
+          <a:xfrm>
+            <a:off x="5312661" y="2438400"/>
+            <a:ext cx="1428596" cy="307777"/>
+          </a:xfrm>
+          <a:prstGeom prst="rect">
+            <a:avLst/>
+          </a:prstGeom>
+          <a:noFill/>
+        </p:spPr>
+        <p:txBody>
+          <a:bodyPr wrap="none" rtlCol="0">
+            <a:spAutoFit/>
+          </a:bodyPr>
+          <a:lstStyle/>
+          <a:p>
             <a:r>
               <a:rPr lang="en-US" sz="1400" b="1" i="1" dirty="0" smtClean="0">
                 <a:solidFill>
                   <a:schemeClr val="tx2"/>
                 </a:solidFill>
               </a:rPr>
-              <a:t>DI</a:t>
-            </a:r>
-            <a:r>
-              <a:rPr lang="en-US" sz="1400" b="1" i="1" dirty="0" smtClean="0">
-                <a:solidFill>
-                  <a:schemeClr val="tx2"/>
-                </a:solidFill>
-              </a:rPr>
-              <a:t>/0 true</a:t>
-            </a:r>
-            <a:endParaRPr lang="en-US" sz="1400" b="1" i="1" dirty="0">
-              <a:solidFill>
-                <a:schemeClr val="tx2"/>
-              </a:solidFill>
-            </a:endParaRPr>
-          </a:p>
-        </p:txBody>
-      </p:sp>
-      <p:sp>
-        <p:nvSpPr>
-          <p:cNvPr id="39" name="TextBox 38"/>
-          <p:cNvSpPr txBox="1"/>
-          <p:nvPr/>
-        </p:nvSpPr>
-        <p:spPr>
-          <a:xfrm>
-            <a:off x="5312661" y="2438400"/>
-            <a:ext cx="1428596" cy="307777"/>
-          </a:xfrm>
-          <a:prstGeom prst="rect">
-            <a:avLst/>
-          </a:prstGeom>
-          <a:noFill/>
-        </p:spPr>
-        <p:txBody>
-          <a:bodyPr wrap="none" rtlCol="0">
-            <a:spAutoFit/>
-          </a:bodyPr>
-          <a:lstStyle/>
-          <a:p>
-            <a:r>
-              <a:rPr lang="en-US" sz="1400" b="1" i="1" dirty="0" smtClean="0">
-                <a:solidFill>
-                  <a:schemeClr val="tx2"/>
-                </a:solidFill>
-              </a:rPr>
-              <a:t>Publish </a:t>
-            </a:r>
-            <a:r>
-              <a:rPr lang="en-US" sz="1400" b="1" i="1" dirty="0" smtClean="0">
-                <a:solidFill>
-                  <a:schemeClr val="tx2"/>
-                </a:solidFill>
-              </a:rPr>
-              <a:t>DI</a:t>
-            </a:r>
-            <a:r>
-              <a:rPr lang="en-US" sz="1400" b="1" i="1" dirty="0" smtClean="0">
-                <a:solidFill>
-                  <a:schemeClr val="tx2"/>
-                </a:solidFill>
-              </a:rPr>
-              <a:t>/0 true</a:t>
+              <a:t>Publish DI/0 true</a:t>
             </a:r>
             <a:endParaRPr lang="en-US" sz="1400" b="1" i="1" dirty="0">
               <a:solidFill>
@@ -30473,18 +30760,18 @@
     </p:spTree>
     <p:extLst>
       <p:ext uri="{BB962C8B-B14F-4D97-AF65-F5344CB8AC3E}">
-        <p14:creationId xmlns:p14="http://schemas.microsoft.com/office/powerpoint/2010/main" val="89096736"/>
+        <p14:creationId xmlns:p14="http://schemas.microsoft.com/office/powerpoint/2010/main" xmlns="" val="89096736"/>
       </p:ext>
     </p:extLst>
   </p:cSld>
   <p:clrMapOvr>
     <a:masterClrMapping/>
   </p:clrMapOvr>
-  <mc:AlternateContent xmlns:mc="http://schemas.openxmlformats.org/markup-compatibility/2006" xmlns:p14="http://schemas.microsoft.com/office/powerpoint/2010/main">
-    <mc:Choice Requires="p14">
+  <mc:AlternateContent xmlns:mc="http://schemas.openxmlformats.org/markup-compatibility/2006">
+    <mc:Choice xmlns:p14="http://schemas.microsoft.com/office/powerpoint/2010/main" xmlns="" Requires="p14">
       <p:transition p14:dur="0"/>
     </mc:Choice>
-    <mc:Fallback xmlns="">
+    <mc:Fallback>
       <p:transition/>
     </mc:Fallback>
   </mc:AlternateContent>
@@ -30576,7 +30863,7 @@
           <a:blip r:embed="rId2" cstate="print">
             <a:extLst>
               <a:ext uri="{28A0092B-C50C-407E-A947-70E740481C1C}">
-                <a14:useLocalDpi xmlns:a14="http://schemas.microsoft.com/office/drawing/2010/main" val="0"/>
+                <a14:useLocalDpi xmlns:a14="http://schemas.microsoft.com/office/drawing/2010/main" xmlns="" val="0"/>
               </a:ext>
             </a:extLst>
           </a:blip>
@@ -30594,7 +30881,7 @@
           <a:noFill/>
           <a:extLst>
             <a:ext uri="{909E8E84-426E-40DD-AFC4-6F175D3DCCD1}">
-              <a14:hiddenFill xmlns:a14="http://schemas.microsoft.com/office/drawing/2010/main">
+              <a14:hiddenFill xmlns:a14="http://schemas.microsoft.com/office/drawing/2010/main" xmlns="">
                 <a:solidFill>
                   <a:srgbClr val="FFFFFF"/>
                 </a:solidFill>
@@ -30615,7 +30902,7 @@
           <a:blip r:embed="rId2" cstate="print">
             <a:extLst>
               <a:ext uri="{28A0092B-C50C-407E-A947-70E740481C1C}">
-                <a14:useLocalDpi xmlns:a14="http://schemas.microsoft.com/office/drawing/2010/main" val="0"/>
+                <a14:useLocalDpi xmlns:a14="http://schemas.microsoft.com/office/drawing/2010/main" xmlns="" val="0"/>
               </a:ext>
             </a:extLst>
           </a:blip>
@@ -30633,7 +30920,7 @@
           <a:noFill/>
           <a:extLst>
             <a:ext uri="{909E8E84-426E-40DD-AFC4-6F175D3DCCD1}">
-              <a14:hiddenFill xmlns:a14="http://schemas.microsoft.com/office/drawing/2010/main">
+              <a14:hiddenFill xmlns:a14="http://schemas.microsoft.com/office/drawing/2010/main" xmlns="">
                 <a:solidFill>
                   <a:srgbClr val="FFFFFF"/>
                 </a:solidFill>
@@ -30795,9 +31082,6 @@
               </a:rPr>
               <a:t>Message</a:t>
             </a:r>
-            <a:endParaRPr lang="en-US" dirty="0" smtClean="0">
-              <a:latin typeface="Britannic Bold" pitchFamily="34" charset="0"/>
-            </a:endParaRPr>
           </a:p>
           <a:p>
             <a:pPr algn="ctr"/>
@@ -30933,7 +31217,7 @@
           <a:blip r:embed="rId3" cstate="print">
             <a:extLst>
               <a:ext uri="{28A0092B-C50C-407E-A947-70E740481C1C}">
-                <a14:useLocalDpi xmlns:a14="http://schemas.microsoft.com/office/drawing/2010/main" val="0"/>
+                <a14:useLocalDpi xmlns:a14="http://schemas.microsoft.com/office/drawing/2010/main" xmlns="" val="0"/>
               </a:ext>
             </a:extLst>
           </a:blip>
@@ -30960,10 +31244,10 @@
           <p:nvPr/>
         </p:nvPicPr>
         <p:blipFill>
-          <a:blip r:embed="rId4">
+          <a:blip r:embed="rId4" cstate="print">
             <a:extLst>
               <a:ext uri="{28A0092B-C50C-407E-A947-70E740481C1C}">
-                <a14:useLocalDpi xmlns:a14="http://schemas.microsoft.com/office/drawing/2010/main" val="0"/>
+                <a14:useLocalDpi xmlns:a14="http://schemas.microsoft.com/office/drawing/2010/main" xmlns="" val="0"/>
               </a:ext>
             </a:extLst>
           </a:blip>
@@ -31009,123 +31293,83 @@
                   <a:schemeClr val="tx2"/>
                 </a:solidFill>
               </a:rPr>
-              <a:t>Publish </a:t>
-            </a:r>
+              <a:t>Publish DI/0 true</a:t>
+            </a:r>
+            <a:endParaRPr lang="en-US" sz="1400" b="1" i="1" dirty="0">
+              <a:solidFill>
+                <a:schemeClr val="tx2"/>
+              </a:solidFill>
+            </a:endParaRPr>
+          </a:p>
+        </p:txBody>
+      </p:sp>
+      <p:sp>
+        <p:nvSpPr>
+          <p:cNvPr id="39" name="TextBox 38"/>
+          <p:cNvSpPr txBox="1"/>
+          <p:nvPr/>
+        </p:nvSpPr>
+        <p:spPr>
+          <a:xfrm>
+            <a:off x="5312661" y="2438400"/>
+            <a:ext cx="1428596" cy="307777"/>
+          </a:xfrm>
+          <a:prstGeom prst="rect">
+            <a:avLst/>
+          </a:prstGeom>
+          <a:noFill/>
+        </p:spPr>
+        <p:txBody>
+          <a:bodyPr wrap="none" rtlCol="0">
+            <a:spAutoFit/>
+          </a:bodyPr>
+          <a:lstStyle/>
+          <a:p>
             <a:r>
               <a:rPr lang="en-US" sz="1400" b="1" i="1" dirty="0" smtClean="0">
                 <a:solidFill>
                   <a:schemeClr val="tx2"/>
                 </a:solidFill>
               </a:rPr>
-              <a:t>DI</a:t>
-            </a:r>
+              <a:t>Publish DI/0 true</a:t>
+            </a:r>
+            <a:endParaRPr lang="en-US" sz="1400" b="1" i="1" dirty="0">
+              <a:solidFill>
+                <a:schemeClr val="tx2"/>
+              </a:solidFill>
+            </a:endParaRPr>
+          </a:p>
+        </p:txBody>
+      </p:sp>
+      <p:sp>
+        <p:nvSpPr>
+          <p:cNvPr id="40" name="TextBox 39"/>
+          <p:cNvSpPr txBox="1"/>
+          <p:nvPr/>
+        </p:nvSpPr>
+        <p:spPr>
+          <a:xfrm>
+            <a:off x="5257800" y="3110234"/>
+            <a:ext cx="1497654" cy="307777"/>
+          </a:xfrm>
+          <a:prstGeom prst="rect">
+            <a:avLst/>
+          </a:prstGeom>
+          <a:noFill/>
+        </p:spPr>
+        <p:txBody>
+          <a:bodyPr wrap="none" rtlCol="0">
+            <a:spAutoFit/>
+          </a:bodyPr>
+          <a:lstStyle/>
+          <a:p>
             <a:r>
               <a:rPr lang="en-US" sz="1400" b="1" i="1" dirty="0" smtClean="0">
                 <a:solidFill>
                   <a:schemeClr val="tx2"/>
                 </a:solidFill>
               </a:rPr>
-              <a:t>/0 true</a:t>
-            </a:r>
-            <a:endParaRPr lang="en-US" sz="1400" b="1" i="1" dirty="0">
-              <a:solidFill>
-                <a:schemeClr val="tx2"/>
-              </a:solidFill>
-            </a:endParaRPr>
-          </a:p>
-        </p:txBody>
-      </p:sp>
-      <p:sp>
-        <p:nvSpPr>
-          <p:cNvPr id="39" name="TextBox 38"/>
-          <p:cNvSpPr txBox="1"/>
-          <p:nvPr/>
-        </p:nvSpPr>
-        <p:spPr>
-          <a:xfrm>
-            <a:off x="5312661" y="2438400"/>
-            <a:ext cx="1428596" cy="307777"/>
-          </a:xfrm>
-          <a:prstGeom prst="rect">
-            <a:avLst/>
-          </a:prstGeom>
-          <a:noFill/>
-        </p:spPr>
-        <p:txBody>
-          <a:bodyPr wrap="none" rtlCol="0">
-            <a:spAutoFit/>
-          </a:bodyPr>
-          <a:lstStyle/>
-          <a:p>
-            <a:r>
-              <a:rPr lang="en-US" sz="1400" b="1" i="1" dirty="0" smtClean="0">
-                <a:solidFill>
-                  <a:schemeClr val="tx2"/>
-                </a:solidFill>
-              </a:rPr>
-              <a:t>Publish </a:t>
-            </a:r>
-            <a:r>
-              <a:rPr lang="en-US" sz="1400" b="1" i="1" dirty="0" smtClean="0">
-                <a:solidFill>
-                  <a:schemeClr val="tx2"/>
-                </a:solidFill>
-              </a:rPr>
-              <a:t>DI</a:t>
-            </a:r>
-            <a:r>
-              <a:rPr lang="en-US" sz="1400" b="1" i="1" dirty="0" smtClean="0">
-                <a:solidFill>
-                  <a:schemeClr val="tx2"/>
-                </a:solidFill>
-              </a:rPr>
-              <a:t>/0 true</a:t>
-            </a:r>
-            <a:endParaRPr lang="en-US" sz="1400" b="1" i="1" dirty="0">
-              <a:solidFill>
-                <a:schemeClr val="tx2"/>
-              </a:solidFill>
-            </a:endParaRPr>
-          </a:p>
-        </p:txBody>
-      </p:sp>
-      <p:sp>
-        <p:nvSpPr>
-          <p:cNvPr id="40" name="TextBox 39"/>
-          <p:cNvSpPr txBox="1"/>
-          <p:nvPr/>
-        </p:nvSpPr>
-        <p:spPr>
-          <a:xfrm>
-            <a:off x="5257800" y="3110234"/>
-            <a:ext cx="1497654" cy="307777"/>
-          </a:xfrm>
-          <a:prstGeom prst="rect">
-            <a:avLst/>
-          </a:prstGeom>
-          <a:noFill/>
-        </p:spPr>
-        <p:txBody>
-          <a:bodyPr wrap="none" rtlCol="0">
-            <a:spAutoFit/>
-          </a:bodyPr>
-          <a:lstStyle/>
-          <a:p>
-            <a:r>
-              <a:rPr lang="en-US" sz="1400" b="1" i="1" dirty="0" smtClean="0">
-                <a:solidFill>
-                  <a:schemeClr val="tx2"/>
-                </a:solidFill>
-              </a:rPr>
-              <a:t>Publish </a:t>
-            </a:r>
-            <a:r>
-              <a:rPr lang="en-US" sz="1400" b="1" i="1" dirty="0" smtClean="0">
-                <a:solidFill>
-                  <a:schemeClr val="tx2"/>
-                </a:solidFill>
-              </a:rPr>
-              <a:t>DO/0 true</a:t>
+              <a:t>Publish DO/0 true</a:t>
             </a:r>
             <a:endParaRPr lang="en-US" sz="1400" b="1" i="1" dirty="0">
               <a:solidFill>
@@ -31182,18 +31426,18 @@
     </p:spTree>
     <p:extLst>
       <p:ext uri="{BB962C8B-B14F-4D97-AF65-F5344CB8AC3E}">
-        <p14:creationId xmlns:p14="http://schemas.microsoft.com/office/powerpoint/2010/main" val="2887270044"/>
+        <p14:creationId xmlns:p14="http://schemas.microsoft.com/office/powerpoint/2010/main" xmlns="" val="2887270044"/>
       </p:ext>
     </p:extLst>
   </p:cSld>
   <p:clrMapOvr>
     <a:masterClrMapping/>
   </p:clrMapOvr>
-  <mc:AlternateContent xmlns:mc="http://schemas.openxmlformats.org/markup-compatibility/2006" xmlns:p14="http://schemas.microsoft.com/office/powerpoint/2010/main">
-    <mc:Choice Requires="p14">
+  <mc:AlternateContent xmlns:mc="http://schemas.openxmlformats.org/markup-compatibility/2006">
+    <mc:Choice xmlns:p14="http://schemas.microsoft.com/office/powerpoint/2010/main" xmlns="" Requires="p14">
       <p:transition p14:dur="0"/>
     </mc:Choice>
-    <mc:Fallback xmlns="">
+    <mc:Fallback>
       <p:transition/>
     </mc:Fallback>
   </mc:AlternateContent>
@@ -31288,7 +31532,7 @@
             </a:duotone>
             <a:extLst>
               <a:ext uri="{28A0092B-C50C-407E-A947-70E740481C1C}">
-                <a14:useLocalDpi xmlns:a14="http://schemas.microsoft.com/office/drawing/2010/main" val="0"/>
+                <a14:useLocalDpi xmlns:a14="http://schemas.microsoft.com/office/drawing/2010/main" xmlns="" val="0"/>
               </a:ext>
             </a:extLst>
           </a:blip>
@@ -31306,7 +31550,7 @@
           <a:noFill/>
           <a:extLst>
             <a:ext uri="{909E8E84-426E-40DD-AFC4-6F175D3DCCD1}">
-              <a14:hiddenFill xmlns:a14="http://schemas.microsoft.com/office/drawing/2010/main">
+              <a14:hiddenFill xmlns:a14="http://schemas.microsoft.com/office/drawing/2010/main" xmlns="">
                 <a:solidFill>
                   <a:srgbClr val="FFFFFF"/>
                 </a:solidFill>
@@ -31324,7 +31568,7 @@
           <p:nvPr>
             <p:extLst>
               <p:ext uri="{D42A27DB-BD31-4B8C-83A1-F6EECF244321}">
-                <p14:modId xmlns:p14="http://schemas.microsoft.com/office/powerpoint/2010/main" val="2796356891"/>
+                <p14:modId xmlns:p14="http://schemas.microsoft.com/office/powerpoint/2010/main" xmlns="" val="2796356891"/>
               </p:ext>
             </p:extLst>
           </p:nvPr>
@@ -32116,7 +32360,7 @@
               <a:blip r:embed="rId3" cstate="print">
                 <a:extLst>
                   <a:ext uri="{28A0092B-C50C-407E-A947-70E740481C1C}">
-                    <a14:useLocalDpi xmlns:a14="http://schemas.microsoft.com/office/drawing/2010/main" val="0"/>
+                    <a14:useLocalDpi xmlns:a14="http://schemas.microsoft.com/office/drawing/2010/main" xmlns="" val="0"/>
                   </a:ext>
                 </a:extLst>
               </a:blip>
@@ -32134,7 +32378,7 @@
               <a:noFill/>
               <a:extLst>
                 <a:ext uri="{909E8E84-426E-40DD-AFC4-6F175D3DCCD1}">
-                  <a14:hiddenFill xmlns:a14="http://schemas.microsoft.com/office/drawing/2010/main">
+                  <a14:hiddenFill xmlns:a14="http://schemas.microsoft.com/office/drawing/2010/main" xmlns="">
                     <a:solidFill>
                       <a:srgbClr val="FFFFFF"/>
                     </a:solidFill>
@@ -32162,7 +32406,7 @@
                 </a:duotone>
                 <a:extLst>
                   <a:ext uri="{28A0092B-C50C-407E-A947-70E740481C1C}">
-                    <a14:useLocalDpi xmlns:a14="http://schemas.microsoft.com/office/drawing/2010/main" val="0"/>
+                    <a14:useLocalDpi xmlns:a14="http://schemas.microsoft.com/office/drawing/2010/main" xmlns="" val="0"/>
                   </a:ext>
                 </a:extLst>
               </a:blip>
@@ -32180,7 +32424,7 @@
               <a:noFill/>
               <a:extLst>
                 <a:ext uri="{909E8E84-426E-40DD-AFC4-6F175D3DCCD1}">
-                  <a14:hiddenFill xmlns:a14="http://schemas.microsoft.com/office/drawing/2010/main">
+                  <a14:hiddenFill xmlns:a14="http://schemas.microsoft.com/office/drawing/2010/main" xmlns="">
                     <a:solidFill>
                       <a:srgbClr val="FFFFFF"/>
                     </a:solidFill>
@@ -32208,7 +32452,7 @@
                 </a:duotone>
                 <a:extLst>
                   <a:ext uri="{28A0092B-C50C-407E-A947-70E740481C1C}">
-                    <a14:useLocalDpi xmlns:a14="http://schemas.microsoft.com/office/drawing/2010/main" val="0"/>
+                    <a14:useLocalDpi xmlns:a14="http://schemas.microsoft.com/office/drawing/2010/main" xmlns="" val="0"/>
                   </a:ext>
                 </a:extLst>
               </a:blip>
@@ -32226,7 +32470,7 @@
               <a:noFill/>
               <a:extLst>
                 <a:ext uri="{909E8E84-426E-40DD-AFC4-6F175D3DCCD1}">
-                  <a14:hiddenFill xmlns:a14="http://schemas.microsoft.com/office/drawing/2010/main">
+                  <a14:hiddenFill xmlns:a14="http://schemas.microsoft.com/office/drawing/2010/main" xmlns="">
                     <a:solidFill>
                       <a:srgbClr val="FFFFFF"/>
                     </a:solidFill>
@@ -32247,7 +32491,7 @@
               <a:blip r:embed="rId4" cstate="print">
                 <a:extLst>
                   <a:ext uri="{28A0092B-C50C-407E-A947-70E740481C1C}">
-                    <a14:useLocalDpi xmlns:a14="http://schemas.microsoft.com/office/drawing/2010/main" val="0"/>
+                    <a14:useLocalDpi xmlns:a14="http://schemas.microsoft.com/office/drawing/2010/main" xmlns="" val="0"/>
                   </a:ext>
                 </a:extLst>
               </a:blip>
@@ -32265,7 +32509,7 @@
               <a:noFill/>
               <a:extLst>
                 <a:ext uri="{909E8E84-426E-40DD-AFC4-6F175D3DCCD1}">
-                  <a14:hiddenFill xmlns:a14="http://schemas.microsoft.com/office/drawing/2010/main">
+                  <a14:hiddenFill xmlns:a14="http://schemas.microsoft.com/office/drawing/2010/main" xmlns="">
                     <a:solidFill>
                       <a:srgbClr val="FFFFFF"/>
                     </a:solidFill>
@@ -32286,7 +32530,7 @@
               <a:blip r:embed="rId4" cstate="print">
                 <a:extLst>
                   <a:ext uri="{28A0092B-C50C-407E-A947-70E740481C1C}">
-                    <a14:useLocalDpi xmlns:a14="http://schemas.microsoft.com/office/drawing/2010/main" val="0"/>
+                    <a14:useLocalDpi xmlns:a14="http://schemas.microsoft.com/office/drawing/2010/main" xmlns="" val="0"/>
                   </a:ext>
                 </a:extLst>
               </a:blip>
@@ -32304,7 +32548,7 @@
               <a:noFill/>
               <a:extLst>
                 <a:ext uri="{909E8E84-426E-40DD-AFC4-6F175D3DCCD1}">
-                  <a14:hiddenFill xmlns:a14="http://schemas.microsoft.com/office/drawing/2010/main">
+                  <a14:hiddenFill xmlns:a14="http://schemas.microsoft.com/office/drawing/2010/main" xmlns="">
                     <a:solidFill>
                       <a:srgbClr val="FFFFFF"/>
                     </a:solidFill>
@@ -32340,7 +32584,7 @@
               <a:blip r:embed="rId5" cstate="print">
                 <a:extLst>
                   <a:ext uri="{28A0092B-C50C-407E-A947-70E740481C1C}">
-                    <a14:useLocalDpi xmlns:a14="http://schemas.microsoft.com/office/drawing/2010/main" val="0"/>
+                    <a14:useLocalDpi xmlns:a14="http://schemas.microsoft.com/office/drawing/2010/main" xmlns="" val="0"/>
                   </a:ext>
                 </a:extLst>
               </a:blip>
@@ -32358,7 +32602,7 @@
               <a:noFill/>
               <a:extLst>
                 <a:ext uri="{909E8E84-426E-40DD-AFC4-6F175D3DCCD1}">
-                  <a14:hiddenFill xmlns:a14="http://schemas.microsoft.com/office/drawing/2010/main">
+                  <a14:hiddenFill xmlns:a14="http://schemas.microsoft.com/office/drawing/2010/main" xmlns="">
                     <a:solidFill>
                       <a:srgbClr val="FFFFFF"/>
                     </a:solidFill>
@@ -32379,7 +32623,7 @@
               <a:blip r:embed="rId5" cstate="print">
                 <a:extLst>
                   <a:ext uri="{28A0092B-C50C-407E-A947-70E740481C1C}">
-                    <a14:useLocalDpi xmlns:a14="http://schemas.microsoft.com/office/drawing/2010/main" val="0"/>
+                    <a14:useLocalDpi xmlns:a14="http://schemas.microsoft.com/office/drawing/2010/main" xmlns="" val="0"/>
                   </a:ext>
                 </a:extLst>
               </a:blip>
@@ -32397,7 +32641,7 @@
               <a:noFill/>
               <a:extLst>
                 <a:ext uri="{909E8E84-426E-40DD-AFC4-6F175D3DCCD1}">
-                  <a14:hiddenFill xmlns:a14="http://schemas.microsoft.com/office/drawing/2010/main">
+                  <a14:hiddenFill xmlns:a14="http://schemas.microsoft.com/office/drawing/2010/main" xmlns="">
                     <a:solidFill>
                       <a:srgbClr val="FFFFFF"/>
                     </a:solidFill>
@@ -32418,7 +32662,7 @@
               <a:blip r:embed="rId5" cstate="print">
                 <a:extLst>
                   <a:ext uri="{28A0092B-C50C-407E-A947-70E740481C1C}">
-                    <a14:useLocalDpi xmlns:a14="http://schemas.microsoft.com/office/drawing/2010/main" val="0"/>
+                    <a14:useLocalDpi xmlns:a14="http://schemas.microsoft.com/office/drawing/2010/main" xmlns="" val="0"/>
                   </a:ext>
                 </a:extLst>
               </a:blip>
@@ -32436,7 +32680,7 @@
               <a:noFill/>
               <a:extLst>
                 <a:ext uri="{909E8E84-426E-40DD-AFC4-6F175D3DCCD1}">
-                  <a14:hiddenFill xmlns:a14="http://schemas.microsoft.com/office/drawing/2010/main">
+                  <a14:hiddenFill xmlns:a14="http://schemas.microsoft.com/office/drawing/2010/main" xmlns="">
                     <a:solidFill>
                       <a:srgbClr val="FFFFFF"/>
                     </a:solidFill>
@@ -32472,7 +32716,7 @@
               <a:blip r:embed="rId6" cstate="print">
                 <a:extLst>
                   <a:ext uri="{28A0092B-C50C-407E-A947-70E740481C1C}">
-                    <a14:useLocalDpi xmlns:a14="http://schemas.microsoft.com/office/drawing/2010/main" val="0"/>
+                    <a14:useLocalDpi xmlns:a14="http://schemas.microsoft.com/office/drawing/2010/main" xmlns="" val="0"/>
                   </a:ext>
                 </a:extLst>
               </a:blip>
@@ -32490,7 +32734,7 @@
               <a:noFill/>
               <a:extLst>
                 <a:ext uri="{909E8E84-426E-40DD-AFC4-6F175D3DCCD1}">
-                  <a14:hiddenFill xmlns:a14="http://schemas.microsoft.com/office/drawing/2010/main">
+                  <a14:hiddenFill xmlns:a14="http://schemas.microsoft.com/office/drawing/2010/main" xmlns="">
                     <a:solidFill>
                       <a:srgbClr val="FFFFFF"/>
                     </a:solidFill>
@@ -32511,7 +32755,7 @@
               <a:blip r:embed="rId6" cstate="print">
                 <a:extLst>
                   <a:ext uri="{28A0092B-C50C-407E-A947-70E740481C1C}">
-                    <a14:useLocalDpi xmlns:a14="http://schemas.microsoft.com/office/drawing/2010/main" val="0"/>
+                    <a14:useLocalDpi xmlns:a14="http://schemas.microsoft.com/office/drawing/2010/main" xmlns="" val="0"/>
                   </a:ext>
                 </a:extLst>
               </a:blip>
@@ -32529,7 +32773,7 @@
               <a:noFill/>
               <a:extLst>
                 <a:ext uri="{909E8E84-426E-40DD-AFC4-6F175D3DCCD1}">
-                  <a14:hiddenFill xmlns:a14="http://schemas.microsoft.com/office/drawing/2010/main">
+                  <a14:hiddenFill xmlns:a14="http://schemas.microsoft.com/office/drawing/2010/main" xmlns="">
                     <a:solidFill>
                       <a:srgbClr val="FFFFFF"/>
                     </a:solidFill>
@@ -32550,7 +32794,7 @@
               <a:blip r:embed="rId6" cstate="print">
                 <a:extLst>
                   <a:ext uri="{28A0092B-C50C-407E-A947-70E740481C1C}">
-                    <a14:useLocalDpi xmlns:a14="http://schemas.microsoft.com/office/drawing/2010/main" val="0"/>
+                    <a14:useLocalDpi xmlns:a14="http://schemas.microsoft.com/office/drawing/2010/main" xmlns="" val="0"/>
                   </a:ext>
                 </a:extLst>
               </a:blip>
@@ -32568,7 +32812,7 @@
               <a:noFill/>
               <a:extLst>
                 <a:ext uri="{909E8E84-426E-40DD-AFC4-6F175D3DCCD1}">
-                  <a14:hiddenFill xmlns:a14="http://schemas.microsoft.com/office/drawing/2010/main">
+                  <a14:hiddenFill xmlns:a14="http://schemas.microsoft.com/office/drawing/2010/main" xmlns="">
                     <a:solidFill>
                       <a:srgbClr val="FFFFFF"/>
                     </a:solidFill>
@@ -32589,7 +32833,7 @@
               <a:blip r:embed="rId6" cstate="print">
                 <a:extLst>
                   <a:ext uri="{28A0092B-C50C-407E-A947-70E740481C1C}">
-                    <a14:useLocalDpi xmlns:a14="http://schemas.microsoft.com/office/drawing/2010/main" val="0"/>
+                    <a14:useLocalDpi xmlns:a14="http://schemas.microsoft.com/office/drawing/2010/main" xmlns="" val="0"/>
                   </a:ext>
                 </a:extLst>
               </a:blip>
@@ -32607,7 +32851,7 @@
               <a:noFill/>
               <a:extLst>
                 <a:ext uri="{909E8E84-426E-40DD-AFC4-6F175D3DCCD1}">
-                  <a14:hiddenFill xmlns:a14="http://schemas.microsoft.com/office/drawing/2010/main">
+                  <a14:hiddenFill xmlns:a14="http://schemas.microsoft.com/office/drawing/2010/main" xmlns="">
                     <a:solidFill>
                       <a:srgbClr val="FFFFFF"/>
                     </a:solidFill>
@@ -32643,7 +32887,7 @@
               <a:blip r:embed="rId7" cstate="print">
                 <a:extLst>
                   <a:ext uri="{28A0092B-C50C-407E-A947-70E740481C1C}">
-                    <a14:useLocalDpi xmlns:a14="http://schemas.microsoft.com/office/drawing/2010/main" val="0"/>
+                    <a14:useLocalDpi xmlns:a14="http://schemas.microsoft.com/office/drawing/2010/main" xmlns="" val="0"/>
                   </a:ext>
                 </a:extLst>
               </a:blip>
@@ -32661,7 +32905,7 @@
               <a:noFill/>
               <a:extLst>
                 <a:ext uri="{909E8E84-426E-40DD-AFC4-6F175D3DCCD1}">
-                  <a14:hiddenFill xmlns:a14="http://schemas.microsoft.com/office/drawing/2010/main">
+                  <a14:hiddenFill xmlns:a14="http://schemas.microsoft.com/office/drawing/2010/main" xmlns="">
                     <a:solidFill>
                       <a:srgbClr val="FFFFFF"/>
                     </a:solidFill>
@@ -32682,7 +32926,7 @@
               <a:blip r:embed="rId7" cstate="print">
                 <a:extLst>
                   <a:ext uri="{28A0092B-C50C-407E-A947-70E740481C1C}">
-                    <a14:useLocalDpi xmlns:a14="http://schemas.microsoft.com/office/drawing/2010/main" val="0"/>
+                    <a14:useLocalDpi xmlns:a14="http://schemas.microsoft.com/office/drawing/2010/main" xmlns="" val="0"/>
                   </a:ext>
                 </a:extLst>
               </a:blip>
@@ -32700,7 +32944,7 @@
               <a:noFill/>
               <a:extLst>
                 <a:ext uri="{909E8E84-426E-40DD-AFC4-6F175D3DCCD1}">
-                  <a14:hiddenFill xmlns:a14="http://schemas.microsoft.com/office/drawing/2010/main">
+                  <a14:hiddenFill xmlns:a14="http://schemas.microsoft.com/office/drawing/2010/main" xmlns="">
                     <a:solidFill>
                       <a:srgbClr val="FFFFFF"/>
                     </a:solidFill>
@@ -32721,7 +32965,7 @@
               <a:blip r:embed="rId7" cstate="print">
                 <a:extLst>
                   <a:ext uri="{28A0092B-C50C-407E-A947-70E740481C1C}">
-                    <a14:useLocalDpi xmlns:a14="http://schemas.microsoft.com/office/drawing/2010/main" val="0"/>
+                    <a14:useLocalDpi xmlns:a14="http://schemas.microsoft.com/office/drawing/2010/main" xmlns="" val="0"/>
                   </a:ext>
                 </a:extLst>
               </a:blip>
@@ -32739,7 +32983,7 @@
               <a:noFill/>
               <a:extLst>
                 <a:ext uri="{909E8E84-426E-40DD-AFC4-6F175D3DCCD1}">
-                  <a14:hiddenFill xmlns:a14="http://schemas.microsoft.com/office/drawing/2010/main">
+                  <a14:hiddenFill xmlns:a14="http://schemas.microsoft.com/office/drawing/2010/main" xmlns="">
                     <a:solidFill>
                       <a:srgbClr val="FFFFFF"/>
                     </a:solidFill>
@@ -32760,7 +33004,7 @@
               <a:blip r:embed="rId7" cstate="print">
                 <a:extLst>
                   <a:ext uri="{28A0092B-C50C-407E-A947-70E740481C1C}">
-                    <a14:useLocalDpi xmlns:a14="http://schemas.microsoft.com/office/drawing/2010/main" val="0"/>
+                    <a14:useLocalDpi xmlns:a14="http://schemas.microsoft.com/office/drawing/2010/main" xmlns="" val="0"/>
                   </a:ext>
                 </a:extLst>
               </a:blip>
@@ -32778,7 +33022,7 @@
               <a:noFill/>
               <a:extLst>
                 <a:ext uri="{909E8E84-426E-40DD-AFC4-6F175D3DCCD1}">
-                  <a14:hiddenFill xmlns:a14="http://schemas.microsoft.com/office/drawing/2010/main">
+                  <a14:hiddenFill xmlns:a14="http://schemas.microsoft.com/office/drawing/2010/main" xmlns="">
                     <a:solidFill>
                       <a:srgbClr val="FFFFFF"/>
                     </a:solidFill>
@@ -33225,7 +33469,7 @@
           <a:blip r:embed="rId8" cstate="print">
             <a:extLst>
               <a:ext uri="{28A0092B-C50C-407E-A947-70E740481C1C}">
-                <a14:useLocalDpi xmlns:a14="http://schemas.microsoft.com/office/drawing/2010/main" val="0"/>
+                <a14:useLocalDpi xmlns:a14="http://schemas.microsoft.com/office/drawing/2010/main" xmlns="" val="0"/>
               </a:ext>
             </a:extLst>
           </a:blip>
@@ -33245,7 +33489,7 @@
           <a:noFill/>
           <a:extLst>
             <a:ext uri="{909E8E84-426E-40DD-AFC4-6F175D3DCCD1}">
-              <a14:hiddenFill xmlns:a14="http://schemas.microsoft.com/office/drawing/2010/main">
+              <a14:hiddenFill xmlns:a14="http://schemas.microsoft.com/office/drawing/2010/main" xmlns="">
                 <a:solidFill>
                   <a:srgbClr val="FFFFFF"/>
                 </a:solidFill>
@@ -33266,7 +33510,7 @@
           <a:blip r:embed="rId9" cstate="print">
             <a:extLst>
               <a:ext uri="{28A0092B-C50C-407E-A947-70E740481C1C}">
-                <a14:useLocalDpi xmlns:a14="http://schemas.microsoft.com/office/drawing/2010/main" val="0"/>
+                <a14:useLocalDpi xmlns:a14="http://schemas.microsoft.com/office/drawing/2010/main" xmlns="" val="0"/>
               </a:ext>
             </a:extLst>
           </a:blip>
@@ -33284,7 +33528,7 @@
           <a:noFill/>
           <a:extLst>
             <a:ext uri="{909E8E84-426E-40DD-AFC4-6F175D3DCCD1}">
-              <a14:hiddenFill xmlns:a14="http://schemas.microsoft.com/office/drawing/2010/main">
+              <a14:hiddenFill xmlns:a14="http://schemas.microsoft.com/office/drawing/2010/main" xmlns="">
                 <a:solidFill>
                   <a:srgbClr val="FFFFFF"/>
                 </a:solidFill>
@@ -33302,10 +33546,10 @@
           <p:nvPr/>
         </p:nvPicPr>
         <p:blipFill rotWithShape="1">
-          <a:blip r:embed="rId10">
+          <a:blip r:embed="rId10" cstate="print">
             <a:extLst>
               <a:ext uri="{28A0092B-C50C-407E-A947-70E740481C1C}">
-                <a14:useLocalDpi xmlns:a14="http://schemas.microsoft.com/office/drawing/2010/main" val="0"/>
+                <a14:useLocalDpi xmlns:a14="http://schemas.microsoft.com/office/drawing/2010/main" xmlns="" val="0"/>
               </a:ext>
             </a:extLst>
           </a:blip>
@@ -33323,7 +33567,7 @@
           <a:noFill/>
           <a:extLst>
             <a:ext uri="{909E8E84-426E-40DD-AFC4-6F175D3DCCD1}">
-              <a14:hiddenFill xmlns:a14="http://schemas.microsoft.com/office/drawing/2010/main">
+              <a14:hiddenFill xmlns:a14="http://schemas.microsoft.com/office/drawing/2010/main" xmlns="">
                 <a:solidFill>
                   <a:srgbClr val="FFFFFF"/>
                 </a:solidFill>
@@ -33344,7 +33588,7 @@
           <a:blip r:embed="rId11" cstate="print">
             <a:extLst>
               <a:ext uri="{28A0092B-C50C-407E-A947-70E740481C1C}">
-                <a14:useLocalDpi xmlns:a14="http://schemas.microsoft.com/office/drawing/2010/main" val="0"/>
+                <a14:useLocalDpi xmlns:a14="http://schemas.microsoft.com/office/drawing/2010/main" xmlns="" val="0"/>
               </a:ext>
             </a:extLst>
           </a:blip>
@@ -33362,7 +33606,7 @@
           <a:noFill/>
           <a:extLst>
             <a:ext uri="{909E8E84-426E-40DD-AFC4-6F175D3DCCD1}">
-              <a14:hiddenFill xmlns:a14="http://schemas.microsoft.com/office/drawing/2010/main">
+              <a14:hiddenFill xmlns:a14="http://schemas.microsoft.com/office/drawing/2010/main" xmlns="">
                 <a:solidFill>
                   <a:srgbClr val="FFFFFF"/>
                 </a:solidFill>
@@ -33383,7 +33627,7 @@
           <a:blip r:embed="rId12" cstate="print">
             <a:extLst>
               <a:ext uri="{28A0092B-C50C-407E-A947-70E740481C1C}">
-                <a14:useLocalDpi xmlns:a14="http://schemas.microsoft.com/office/drawing/2010/main" val="0"/>
+                <a14:useLocalDpi xmlns:a14="http://schemas.microsoft.com/office/drawing/2010/main" xmlns="" val="0"/>
               </a:ext>
             </a:extLst>
           </a:blip>
@@ -33401,7 +33645,7 @@
           <a:noFill/>
           <a:extLst>
             <a:ext uri="{909E8E84-426E-40DD-AFC4-6F175D3DCCD1}">
-              <a14:hiddenFill xmlns:a14="http://schemas.microsoft.com/office/drawing/2010/main">
+              <a14:hiddenFill xmlns:a14="http://schemas.microsoft.com/office/drawing/2010/main" xmlns="">
                 <a:solidFill>
                   <a:srgbClr val="FFFFFF"/>
                 </a:solidFill>
@@ -33422,7 +33666,7 @@
           <a:blip r:embed="rId11" cstate="print">
             <a:extLst>
               <a:ext uri="{28A0092B-C50C-407E-A947-70E740481C1C}">
-                <a14:useLocalDpi xmlns:a14="http://schemas.microsoft.com/office/drawing/2010/main" val="0"/>
+                <a14:useLocalDpi xmlns:a14="http://schemas.microsoft.com/office/drawing/2010/main" xmlns="" val="0"/>
               </a:ext>
             </a:extLst>
           </a:blip>
@@ -33440,7 +33684,7 @@
           <a:noFill/>
           <a:extLst>
             <a:ext uri="{909E8E84-426E-40DD-AFC4-6F175D3DCCD1}">
-              <a14:hiddenFill xmlns:a14="http://schemas.microsoft.com/office/drawing/2010/main">
+              <a14:hiddenFill xmlns:a14="http://schemas.microsoft.com/office/drawing/2010/main" xmlns="">
                 <a:solidFill>
                   <a:srgbClr val="FFFFFF"/>
                 </a:solidFill>
@@ -33475,7 +33719,7 @@
             <a:blip r:embed="rId13" cstate="print">
               <a:extLst>
                 <a:ext uri="{28A0092B-C50C-407E-A947-70E740481C1C}">
-                  <a14:useLocalDpi xmlns:a14="http://schemas.microsoft.com/office/drawing/2010/main" val="0"/>
+                  <a14:useLocalDpi xmlns:a14="http://schemas.microsoft.com/office/drawing/2010/main" xmlns="" val="0"/>
                 </a:ext>
               </a:extLst>
             </a:blip>
@@ -33495,7 +33739,7 @@
             <a:noFill/>
             <a:extLst>
               <a:ext uri="{909E8E84-426E-40DD-AFC4-6F175D3DCCD1}">
-                <a14:hiddenFill xmlns:a14="http://schemas.microsoft.com/office/drawing/2010/main">
+                <a14:hiddenFill xmlns:a14="http://schemas.microsoft.com/office/drawing/2010/main" xmlns="">
                   <a:solidFill>
                     <a:srgbClr val="FFFFFF"/>
                   </a:solidFill>
@@ -33516,7 +33760,7 @@
             <a:blip r:embed="rId14" cstate="print">
               <a:extLst>
                 <a:ext uri="{28A0092B-C50C-407E-A947-70E740481C1C}">
-                  <a14:useLocalDpi xmlns:a14="http://schemas.microsoft.com/office/drawing/2010/main" val="0"/>
+                  <a14:useLocalDpi xmlns:a14="http://schemas.microsoft.com/office/drawing/2010/main" xmlns="" val="0"/>
                 </a:ext>
               </a:extLst>
             </a:blip>
@@ -33534,7 +33778,7 @@
             <a:noFill/>
             <a:extLst>
               <a:ext uri="{909E8E84-426E-40DD-AFC4-6F175D3DCCD1}">
-                <a14:hiddenFill xmlns:a14="http://schemas.microsoft.com/office/drawing/2010/main">
+                <a14:hiddenFill xmlns:a14="http://schemas.microsoft.com/office/drawing/2010/main" xmlns="">
                   <a:solidFill>
                     <a:srgbClr val="FFFFFF"/>
                   </a:solidFill>
@@ -33570,7 +33814,7 @@
             <a:blip r:embed="rId13" cstate="print">
               <a:extLst>
                 <a:ext uri="{28A0092B-C50C-407E-A947-70E740481C1C}">
-                  <a14:useLocalDpi xmlns:a14="http://schemas.microsoft.com/office/drawing/2010/main" val="0"/>
+                  <a14:useLocalDpi xmlns:a14="http://schemas.microsoft.com/office/drawing/2010/main" xmlns="" val="0"/>
                 </a:ext>
               </a:extLst>
             </a:blip>
@@ -33590,7 +33834,7 @@
             <a:noFill/>
             <a:extLst>
               <a:ext uri="{909E8E84-426E-40DD-AFC4-6F175D3DCCD1}">
-                <a14:hiddenFill xmlns:a14="http://schemas.microsoft.com/office/drawing/2010/main">
+                <a14:hiddenFill xmlns:a14="http://schemas.microsoft.com/office/drawing/2010/main" xmlns="">
                   <a:solidFill>
                     <a:srgbClr val="FFFFFF"/>
                   </a:solidFill>
@@ -33611,7 +33855,7 @@
             <a:blip r:embed="rId15" cstate="print">
               <a:extLst>
                 <a:ext uri="{28A0092B-C50C-407E-A947-70E740481C1C}">
-                  <a14:useLocalDpi xmlns:a14="http://schemas.microsoft.com/office/drawing/2010/main" val="0"/>
+                  <a14:useLocalDpi xmlns:a14="http://schemas.microsoft.com/office/drawing/2010/main" xmlns="" val="0"/>
                 </a:ext>
               </a:extLst>
             </a:blip>
@@ -33629,7 +33873,7 @@
             <a:noFill/>
             <a:extLst>
               <a:ext uri="{909E8E84-426E-40DD-AFC4-6F175D3DCCD1}">
-                <a14:hiddenFill xmlns:a14="http://schemas.microsoft.com/office/drawing/2010/main">
+                <a14:hiddenFill xmlns:a14="http://schemas.microsoft.com/office/drawing/2010/main" xmlns="">
                   <a:solidFill>
                     <a:srgbClr val="FFFFFF"/>
                   </a:solidFill>
@@ -33651,7 +33895,7 @@
           <a:blip r:embed="rId16" cstate="print">
             <a:extLst>
               <a:ext uri="{28A0092B-C50C-407E-A947-70E740481C1C}">
-                <a14:useLocalDpi xmlns:a14="http://schemas.microsoft.com/office/drawing/2010/main" val="0"/>
+                <a14:useLocalDpi xmlns:a14="http://schemas.microsoft.com/office/drawing/2010/main" xmlns="" val="0"/>
               </a:ext>
             </a:extLst>
           </a:blip>
@@ -33669,7 +33913,7 @@
           <a:noFill/>
           <a:extLst>
             <a:ext uri="{909E8E84-426E-40DD-AFC4-6F175D3DCCD1}">
-              <a14:hiddenFill xmlns:a14="http://schemas.microsoft.com/office/drawing/2010/main">
+              <a14:hiddenFill xmlns:a14="http://schemas.microsoft.com/office/drawing/2010/main" xmlns="">
                 <a:solidFill>
                   <a:srgbClr val="FFFFFF"/>
                 </a:solidFill>
@@ -33690,7 +33934,7 @@
           <a:blip r:embed="rId17" cstate="print">
             <a:extLst>
               <a:ext uri="{28A0092B-C50C-407E-A947-70E740481C1C}">
-                <a14:useLocalDpi xmlns:a14="http://schemas.microsoft.com/office/drawing/2010/main" val="0"/>
+                <a14:useLocalDpi xmlns:a14="http://schemas.microsoft.com/office/drawing/2010/main" xmlns="" val="0"/>
               </a:ext>
             </a:extLst>
           </a:blip>
@@ -33708,7 +33952,7 @@
           <a:noFill/>
           <a:extLst>
             <a:ext uri="{909E8E84-426E-40DD-AFC4-6F175D3DCCD1}">
-              <a14:hiddenFill xmlns:a14="http://schemas.microsoft.com/office/drawing/2010/main">
+              <a14:hiddenFill xmlns:a14="http://schemas.microsoft.com/office/drawing/2010/main" xmlns="">
                 <a:solidFill>
                   <a:srgbClr val="FFFFFF"/>
                 </a:solidFill>
@@ -33729,7 +33973,7 @@
           <a:blip r:embed="rId18" cstate="print">
             <a:extLst>
               <a:ext uri="{28A0092B-C50C-407E-A947-70E740481C1C}">
-                <a14:useLocalDpi xmlns:a14="http://schemas.microsoft.com/office/drawing/2010/main" val="0"/>
+                <a14:useLocalDpi xmlns:a14="http://schemas.microsoft.com/office/drawing/2010/main" xmlns="" val="0"/>
               </a:ext>
             </a:extLst>
           </a:blip>
@@ -33756,7 +34000,7 @@
           </a:scene3d>
           <a:extLst>
             <a:ext uri="{909E8E84-426E-40DD-AFC4-6F175D3DCCD1}">
-              <a14:hiddenFill xmlns:a14="http://schemas.microsoft.com/office/drawing/2010/main">
+              <a14:hiddenFill xmlns:a14="http://schemas.microsoft.com/office/drawing/2010/main" xmlns="">
                 <a:solidFill>
                   <a:srgbClr val="FFFFFF"/>
                 </a:solidFill>
@@ -33777,7 +34021,7 @@
           <a:blip r:embed="rId19" cstate="print">
             <a:extLst>
               <a:ext uri="{28A0092B-C50C-407E-A947-70E740481C1C}">
-                <a14:useLocalDpi xmlns:a14="http://schemas.microsoft.com/office/drawing/2010/main" val="0"/>
+                <a14:useLocalDpi xmlns:a14="http://schemas.microsoft.com/office/drawing/2010/main" xmlns="" val="0"/>
               </a:ext>
             </a:extLst>
           </a:blip>
@@ -33804,7 +34048,7 @@
           </a:scene3d>
           <a:extLst>
             <a:ext uri="{909E8E84-426E-40DD-AFC4-6F175D3DCCD1}">
-              <a14:hiddenFill xmlns:a14="http://schemas.microsoft.com/office/drawing/2010/main">
+              <a14:hiddenFill xmlns:a14="http://schemas.microsoft.com/office/drawing/2010/main" xmlns="">
                 <a:solidFill>
                   <a:srgbClr val="FFFFFF"/>
                 </a:solidFill>
@@ -33839,7 +34083,7 @@
             <a:blip r:embed="rId20" cstate="print">
               <a:extLst>
                 <a:ext uri="{28A0092B-C50C-407E-A947-70E740481C1C}">
-                  <a14:useLocalDpi xmlns:a14="http://schemas.microsoft.com/office/drawing/2010/main" val="0"/>
+                  <a14:useLocalDpi xmlns:a14="http://schemas.microsoft.com/office/drawing/2010/main" xmlns="" val="0"/>
                 </a:ext>
               </a:extLst>
             </a:blip>
@@ -33859,7 +34103,7 @@
             <a:noFill/>
             <a:extLst>
               <a:ext uri="{909E8E84-426E-40DD-AFC4-6F175D3DCCD1}">
-                <a14:hiddenFill xmlns:a14="http://schemas.microsoft.com/office/drawing/2010/main">
+                <a14:hiddenFill xmlns:a14="http://schemas.microsoft.com/office/drawing/2010/main" xmlns="">
                   <a:solidFill>
                     <a:srgbClr val="FFFFFF"/>
                   </a:solidFill>
@@ -33877,7 +34121,7 @@
             <p:nvPr/>
           </p:nvPicPr>
           <p:blipFill>
-            <a:blip r:embed="rId21">
+            <a:blip r:embed="rId21" cstate="print">
               <a:duotone>
                 <a:schemeClr val="accent2">
                   <a:shade val="45000"/>
@@ -33887,7 +34131,7 @@
               </a:duotone>
               <a:extLst>
                 <a:ext uri="{28A0092B-C50C-407E-A947-70E740481C1C}">
-                  <a14:useLocalDpi xmlns:a14="http://schemas.microsoft.com/office/drawing/2010/main" val="0"/>
+                  <a14:useLocalDpi xmlns:a14="http://schemas.microsoft.com/office/drawing/2010/main" xmlns="" val="0"/>
                 </a:ext>
               </a:extLst>
             </a:blip>
@@ -33907,7 +34151,7 @@
             <a:noFill/>
             <a:extLst>
               <a:ext uri="{909E8E84-426E-40DD-AFC4-6F175D3DCCD1}">
-                <a14:hiddenFill xmlns:a14="http://schemas.microsoft.com/office/drawing/2010/main">
+                <a14:hiddenFill xmlns:a14="http://schemas.microsoft.com/office/drawing/2010/main" xmlns="">
                   <a:solidFill>
                     <a:srgbClr val="FFFFFF"/>
                   </a:solidFill>
@@ -34016,7 +34260,7 @@
             <a:blip r:embed="rId22" cstate="print">
               <a:extLst>
                 <a:ext uri="{28A0092B-C50C-407E-A947-70E740481C1C}">
-                  <a14:useLocalDpi xmlns:a14="http://schemas.microsoft.com/office/drawing/2010/main" val="0"/>
+                  <a14:useLocalDpi xmlns:a14="http://schemas.microsoft.com/office/drawing/2010/main" xmlns="" val="0"/>
                 </a:ext>
               </a:extLst>
             </a:blip>
@@ -34034,7 +34278,7 @@
             <a:noFill/>
             <a:extLst>
               <a:ext uri="{909E8E84-426E-40DD-AFC4-6F175D3DCCD1}">
-                <a14:hiddenFill xmlns:a14="http://schemas.microsoft.com/office/drawing/2010/main">
+                <a14:hiddenFill xmlns:a14="http://schemas.microsoft.com/office/drawing/2010/main" xmlns="">
                   <a:solidFill>
                     <a:srgbClr val="FFFFFF"/>
                   </a:solidFill>
@@ -34055,7 +34299,7 @@
             <a:blip r:embed="rId11" cstate="print">
               <a:extLst>
                 <a:ext uri="{28A0092B-C50C-407E-A947-70E740481C1C}">
-                  <a14:useLocalDpi xmlns:a14="http://schemas.microsoft.com/office/drawing/2010/main" val="0"/>
+                  <a14:useLocalDpi xmlns:a14="http://schemas.microsoft.com/office/drawing/2010/main" xmlns="" val="0"/>
                 </a:ext>
               </a:extLst>
             </a:blip>
@@ -34073,7 +34317,7 @@
             <a:noFill/>
             <a:extLst>
               <a:ext uri="{909E8E84-426E-40DD-AFC4-6F175D3DCCD1}">
-                <a14:hiddenFill xmlns:a14="http://schemas.microsoft.com/office/drawing/2010/main">
+                <a14:hiddenFill xmlns:a14="http://schemas.microsoft.com/office/drawing/2010/main" xmlns="">
                   <a:solidFill>
                     <a:srgbClr val="FFFFFF"/>
                   </a:solidFill>
@@ -34237,7 +34481,7 @@
             <a:blip r:embed="rId23" cstate="print">
               <a:extLst>
                 <a:ext uri="{28A0092B-C50C-407E-A947-70E740481C1C}">
-                  <a14:useLocalDpi xmlns:a14="http://schemas.microsoft.com/office/drawing/2010/main" val="0"/>
+                  <a14:useLocalDpi xmlns:a14="http://schemas.microsoft.com/office/drawing/2010/main" xmlns="" val="0"/>
                 </a:ext>
               </a:extLst>
             </a:blip>
@@ -34259,7 +34503,7 @@
             </a:scene3d>
             <a:extLst>
               <a:ext uri="{909E8E84-426E-40DD-AFC4-6F175D3DCCD1}">
-                <a14:hiddenFill xmlns:a14="http://schemas.microsoft.com/office/drawing/2010/main">
+                <a14:hiddenFill xmlns:a14="http://schemas.microsoft.com/office/drawing/2010/main" xmlns="">
                   <a:solidFill>
                     <a:srgbClr val="FFFFFF"/>
                   </a:solidFill>
@@ -34280,7 +34524,7 @@
             <a:blip r:embed="rId24" cstate="print">
               <a:extLst>
                 <a:ext uri="{28A0092B-C50C-407E-A947-70E740481C1C}">
-                  <a14:useLocalDpi xmlns:a14="http://schemas.microsoft.com/office/drawing/2010/main" val="0"/>
+                  <a14:useLocalDpi xmlns:a14="http://schemas.microsoft.com/office/drawing/2010/main" xmlns="" val="0"/>
                 </a:ext>
               </a:extLst>
             </a:blip>
@@ -34321,7 +34565,7 @@
             </a:sp3d>
             <a:extLst>
               <a:ext uri="{909E8E84-426E-40DD-AFC4-6F175D3DCCD1}">
-                <a14:hiddenFill xmlns:a14="http://schemas.microsoft.com/office/drawing/2010/main">
+                <a14:hiddenFill xmlns:a14="http://schemas.microsoft.com/office/drawing/2010/main" xmlns="">
                   <a:solidFill>
                     <a:srgbClr val="FFFFFF"/>
                   </a:solidFill>
@@ -34339,10 +34583,10 @@
             <p:nvPr/>
           </p:nvPicPr>
           <p:blipFill rotWithShape="1">
-            <a:blip r:embed="rId25">
+            <a:blip r:embed="rId25" cstate="print">
               <a:extLst>
                 <a:ext uri="{28A0092B-C50C-407E-A947-70E740481C1C}">
-                  <a14:useLocalDpi xmlns:a14="http://schemas.microsoft.com/office/drawing/2010/main" val="0"/>
+                  <a14:useLocalDpi xmlns:a14="http://schemas.microsoft.com/office/drawing/2010/main" xmlns="" val="0"/>
                 </a:ext>
               </a:extLst>
             </a:blip>
@@ -34414,7 +34658,7 @@
               </a:duotone>
               <a:extLst>
                 <a:ext uri="{28A0092B-C50C-407E-A947-70E740481C1C}">
-                  <a14:useLocalDpi xmlns:a14="http://schemas.microsoft.com/office/drawing/2010/main" val="0"/>
+                  <a14:useLocalDpi xmlns:a14="http://schemas.microsoft.com/office/drawing/2010/main" xmlns="" val="0"/>
                 </a:ext>
               </a:extLst>
             </a:blip>
@@ -34432,7 +34676,7 @@
             <a:noFill/>
             <a:extLst>
               <a:ext uri="{909E8E84-426E-40DD-AFC4-6F175D3DCCD1}">
-                <a14:hiddenFill xmlns:a14="http://schemas.microsoft.com/office/drawing/2010/main">
+                <a14:hiddenFill xmlns:a14="http://schemas.microsoft.com/office/drawing/2010/main" xmlns="">
                   <a:solidFill>
                     <a:srgbClr val="FFFFFF"/>
                   </a:solidFill>
@@ -34451,7 +34695,7 @@
           <p:nvPr/>
         </p:nvPicPr>
         <p:blipFill>
-          <a:blip r:embed="rId21">
+          <a:blip r:embed="rId21" cstate="print">
             <a:duotone>
               <a:schemeClr val="accent2">
                 <a:shade val="45000"/>
@@ -34461,7 +34705,7 @@
             </a:duotone>
             <a:extLst>
               <a:ext uri="{28A0092B-C50C-407E-A947-70E740481C1C}">
-                <a14:useLocalDpi xmlns:a14="http://schemas.microsoft.com/office/drawing/2010/main" val="0"/>
+                <a14:useLocalDpi xmlns:a14="http://schemas.microsoft.com/office/drawing/2010/main" xmlns="" val="0"/>
               </a:ext>
             </a:extLst>
           </a:blip>
@@ -34485,7 +34729,7 @@
           </a:scene3d>
           <a:extLst>
             <a:ext uri="{909E8E84-426E-40DD-AFC4-6F175D3DCCD1}">
-              <a14:hiddenFill xmlns:a14="http://schemas.microsoft.com/office/drawing/2010/main">
+              <a14:hiddenFill xmlns:a14="http://schemas.microsoft.com/office/drawing/2010/main" xmlns="">
                 <a:solidFill>
                   <a:srgbClr val="FFFFFF"/>
                 </a:solidFill>
@@ -34506,7 +34750,7 @@
           <a:blip r:embed="rId27" cstate="print">
             <a:extLst>
               <a:ext uri="{28A0092B-C50C-407E-A947-70E740481C1C}">
-                <a14:useLocalDpi xmlns:a14="http://schemas.microsoft.com/office/drawing/2010/main" val="0"/>
+                <a14:useLocalDpi xmlns:a14="http://schemas.microsoft.com/office/drawing/2010/main" xmlns="" val="0"/>
               </a:ext>
             </a:extLst>
           </a:blip>
@@ -34528,7 +34772,7 @@
           </a:scene3d>
           <a:extLst>
             <a:ext uri="{909E8E84-426E-40DD-AFC4-6F175D3DCCD1}">
-              <a14:hiddenFill xmlns:a14="http://schemas.microsoft.com/office/drawing/2010/main">
+              <a14:hiddenFill xmlns:a14="http://schemas.microsoft.com/office/drawing/2010/main" xmlns="">
                 <a:solidFill>
                   <a:srgbClr val="FFFFFF"/>
                 </a:solidFill>
@@ -34707,7 +34951,7 @@
             <a:lum bright="70000" contrast="-70000"/>
             <a:extLst>
               <a:ext uri="{28A0092B-C50C-407E-A947-70E740481C1C}">
-                <a14:useLocalDpi xmlns:a14="http://schemas.microsoft.com/office/drawing/2010/main" val="0"/>
+                <a14:useLocalDpi xmlns:a14="http://schemas.microsoft.com/office/drawing/2010/main" xmlns="" val="0"/>
               </a:ext>
             </a:extLst>
           </a:blip>
@@ -34727,7 +34971,7 @@
           <a:noFill/>
           <a:extLst>
             <a:ext uri="{909E8E84-426E-40DD-AFC4-6F175D3DCCD1}">
-              <a14:hiddenFill xmlns:a14="http://schemas.microsoft.com/office/drawing/2010/main">
+              <a14:hiddenFill xmlns:a14="http://schemas.microsoft.com/office/drawing/2010/main" xmlns="">
                 <a:solidFill>
                   <a:srgbClr val="FFFFFF"/>
                 </a:solidFill>
@@ -35183,18 +35427,18 @@
     </p:spTree>
     <p:extLst>
       <p:ext uri="{BB962C8B-B14F-4D97-AF65-F5344CB8AC3E}">
-        <p14:creationId xmlns:p14="http://schemas.microsoft.com/office/powerpoint/2010/main" val="1718071716"/>
+        <p14:creationId xmlns:p14="http://schemas.microsoft.com/office/powerpoint/2010/main" xmlns="" val="1718071716"/>
       </p:ext>
     </p:extLst>
   </p:cSld>
   <p:clrMapOvr>
     <a:masterClrMapping/>
   </p:clrMapOvr>
-  <mc:AlternateContent xmlns:mc="http://schemas.openxmlformats.org/markup-compatibility/2006" xmlns:p14="http://schemas.microsoft.com/office/powerpoint/2010/main">
-    <mc:Choice Requires="p14">
+  <mc:AlternateContent xmlns:mc="http://schemas.openxmlformats.org/markup-compatibility/2006">
+    <mc:Choice xmlns:p14="http://schemas.microsoft.com/office/powerpoint/2010/main" xmlns="" Requires="p14">
       <p:transition p14:dur="0"/>
     </mc:Choice>
-    <mc:Fallback xmlns="">
+    <mc:Fallback>
       <p:transition/>
     </mc:Fallback>
   </mc:AlternateContent>
@@ -35286,7 +35530,7 @@
           <a:blip r:embed="rId2" cstate="print">
             <a:extLst>
               <a:ext uri="{28A0092B-C50C-407E-A947-70E740481C1C}">
-                <a14:useLocalDpi xmlns:a14="http://schemas.microsoft.com/office/drawing/2010/main" val="0"/>
+                <a14:useLocalDpi xmlns:a14="http://schemas.microsoft.com/office/drawing/2010/main" xmlns="" val="0"/>
               </a:ext>
             </a:extLst>
           </a:blip>
@@ -35304,7 +35548,7 @@
           <a:noFill/>
           <a:extLst>
             <a:ext uri="{909E8E84-426E-40DD-AFC4-6F175D3DCCD1}">
-              <a14:hiddenFill xmlns:a14="http://schemas.microsoft.com/office/drawing/2010/main">
+              <a14:hiddenFill xmlns:a14="http://schemas.microsoft.com/office/drawing/2010/main" xmlns="">
                 <a:solidFill>
                   <a:srgbClr val="FFFFFF"/>
                 </a:solidFill>
@@ -35325,7 +35569,7 @@
           <a:blip r:embed="rId2" cstate="print">
             <a:extLst>
               <a:ext uri="{28A0092B-C50C-407E-A947-70E740481C1C}">
-                <a14:useLocalDpi xmlns:a14="http://schemas.microsoft.com/office/drawing/2010/main" val="0"/>
+                <a14:useLocalDpi xmlns:a14="http://schemas.microsoft.com/office/drawing/2010/main" xmlns="" val="0"/>
               </a:ext>
             </a:extLst>
           </a:blip>
@@ -35343,7 +35587,7 @@
           <a:noFill/>
           <a:extLst>
             <a:ext uri="{909E8E84-426E-40DD-AFC4-6F175D3DCCD1}">
-              <a14:hiddenFill xmlns:a14="http://schemas.microsoft.com/office/drawing/2010/main">
+              <a14:hiddenFill xmlns:a14="http://schemas.microsoft.com/office/drawing/2010/main" xmlns="">
                 <a:solidFill>
                   <a:srgbClr val="FFFFFF"/>
                 </a:solidFill>
@@ -35505,9 +35749,6 @@
               </a:rPr>
               <a:t>Message</a:t>
             </a:r>
-            <a:endParaRPr lang="en-US" dirty="0" smtClean="0">
-              <a:latin typeface="Britannic Bold" pitchFamily="34" charset="0"/>
-            </a:endParaRPr>
           </a:p>
           <a:p>
             <a:pPr algn="ctr"/>
@@ -35587,15 +35828,7 @@
                   <a:schemeClr val="tx2"/>
                 </a:solidFill>
               </a:rPr>
-              <a:t>Publish </a:t>
-            </a:r>
-            <a:r>
-              <a:rPr lang="en-US" sz="1400" b="1" i="1" dirty="0" smtClean="0">
-                <a:solidFill>
-                  <a:schemeClr val="tx2"/>
-                </a:solidFill>
-              </a:rPr>
-              <a:t>DO/0 true</a:t>
+              <a:t>Publish DO/0 true</a:t>
             </a:r>
             <a:endParaRPr lang="en-US" sz="1400" b="1" i="1" dirty="0">
               <a:solidFill>
@@ -35725,7 +35958,7 @@
           <a:blip r:embed="rId3" cstate="print">
             <a:extLst>
               <a:ext uri="{28A0092B-C50C-407E-A947-70E740481C1C}">
-                <a14:useLocalDpi xmlns:a14="http://schemas.microsoft.com/office/drawing/2010/main" val="0"/>
+                <a14:useLocalDpi xmlns:a14="http://schemas.microsoft.com/office/drawing/2010/main" xmlns="" val="0"/>
               </a:ext>
             </a:extLst>
           </a:blip>
@@ -35752,10 +35985,10 @@
           <p:nvPr/>
         </p:nvPicPr>
         <p:blipFill>
-          <a:blip r:embed="rId4">
+          <a:blip r:embed="rId4" cstate="print">
             <a:extLst>
               <a:ext uri="{28A0092B-C50C-407E-A947-70E740481C1C}">
-                <a14:useLocalDpi xmlns:a14="http://schemas.microsoft.com/office/drawing/2010/main" val="0"/>
+                <a14:useLocalDpi xmlns:a14="http://schemas.microsoft.com/office/drawing/2010/main" xmlns="" val="0"/>
               </a:ext>
             </a:extLst>
           </a:blip>
@@ -35801,123 +36034,83 @@
                   <a:schemeClr val="tx2"/>
                 </a:solidFill>
               </a:rPr>
-              <a:t>Publish </a:t>
-            </a:r>
+              <a:t>Publish DI/0 true</a:t>
+            </a:r>
+            <a:endParaRPr lang="en-US" sz="1400" b="1" i="1" dirty="0">
+              <a:solidFill>
+                <a:schemeClr val="tx2"/>
+              </a:solidFill>
+            </a:endParaRPr>
+          </a:p>
+        </p:txBody>
+      </p:sp>
+      <p:sp>
+        <p:nvSpPr>
+          <p:cNvPr id="39" name="TextBox 38"/>
+          <p:cNvSpPr txBox="1"/>
+          <p:nvPr/>
+        </p:nvSpPr>
+        <p:spPr>
+          <a:xfrm>
+            <a:off x="5312661" y="2438400"/>
+            <a:ext cx="1428596" cy="307777"/>
+          </a:xfrm>
+          <a:prstGeom prst="rect">
+            <a:avLst/>
+          </a:prstGeom>
+          <a:noFill/>
+        </p:spPr>
+        <p:txBody>
+          <a:bodyPr wrap="none" rtlCol="0">
+            <a:spAutoFit/>
+          </a:bodyPr>
+          <a:lstStyle/>
+          <a:p>
             <a:r>
               <a:rPr lang="en-US" sz="1400" b="1" i="1" dirty="0" smtClean="0">
                 <a:solidFill>
                   <a:schemeClr val="tx2"/>
                 </a:solidFill>
               </a:rPr>
-              <a:t>DI</a:t>
-            </a:r>
+              <a:t>Publish DI/0 true</a:t>
+            </a:r>
+            <a:endParaRPr lang="en-US" sz="1400" b="1" i="1" dirty="0">
+              <a:solidFill>
+                <a:schemeClr val="tx2"/>
+              </a:solidFill>
+            </a:endParaRPr>
+          </a:p>
+        </p:txBody>
+      </p:sp>
+      <p:sp>
+        <p:nvSpPr>
+          <p:cNvPr id="40" name="TextBox 39"/>
+          <p:cNvSpPr txBox="1"/>
+          <p:nvPr/>
+        </p:nvSpPr>
+        <p:spPr>
+          <a:xfrm>
+            <a:off x="5257800" y="3110234"/>
+            <a:ext cx="1497654" cy="307777"/>
+          </a:xfrm>
+          <a:prstGeom prst="rect">
+            <a:avLst/>
+          </a:prstGeom>
+          <a:noFill/>
+        </p:spPr>
+        <p:txBody>
+          <a:bodyPr wrap="none" rtlCol="0">
+            <a:spAutoFit/>
+          </a:bodyPr>
+          <a:lstStyle/>
+          <a:p>
             <a:r>
               <a:rPr lang="en-US" sz="1400" b="1" i="1" dirty="0" smtClean="0">
                 <a:solidFill>
                   <a:schemeClr val="tx2"/>
                 </a:solidFill>
               </a:rPr>
-              <a:t>/0 true</a:t>
-            </a:r>
-            <a:endParaRPr lang="en-US" sz="1400" b="1" i="1" dirty="0">
-              <a:solidFill>
-                <a:schemeClr val="tx2"/>
-              </a:solidFill>
-            </a:endParaRPr>
-          </a:p>
-        </p:txBody>
-      </p:sp>
-      <p:sp>
-        <p:nvSpPr>
-          <p:cNvPr id="39" name="TextBox 38"/>
-          <p:cNvSpPr txBox="1"/>
-          <p:nvPr/>
-        </p:nvSpPr>
-        <p:spPr>
-          <a:xfrm>
-            <a:off x="5312661" y="2438400"/>
-            <a:ext cx="1428596" cy="307777"/>
-          </a:xfrm>
-          <a:prstGeom prst="rect">
-            <a:avLst/>
-          </a:prstGeom>
-          <a:noFill/>
-        </p:spPr>
-        <p:txBody>
-          <a:bodyPr wrap="none" rtlCol="0">
-            <a:spAutoFit/>
-          </a:bodyPr>
-          <a:lstStyle/>
-          <a:p>
-            <a:r>
-              <a:rPr lang="en-US" sz="1400" b="1" i="1" dirty="0" smtClean="0">
-                <a:solidFill>
-                  <a:schemeClr val="tx2"/>
-                </a:solidFill>
-              </a:rPr>
-              <a:t>Publish </a:t>
-            </a:r>
-            <a:r>
-              <a:rPr lang="en-US" sz="1400" b="1" i="1" dirty="0" smtClean="0">
-                <a:solidFill>
-                  <a:schemeClr val="tx2"/>
-                </a:solidFill>
-              </a:rPr>
-              <a:t>DI</a:t>
-            </a:r>
-            <a:r>
-              <a:rPr lang="en-US" sz="1400" b="1" i="1" dirty="0" smtClean="0">
-                <a:solidFill>
-                  <a:schemeClr val="tx2"/>
-                </a:solidFill>
-              </a:rPr>
-              <a:t>/0 true</a:t>
-            </a:r>
-            <a:endParaRPr lang="en-US" sz="1400" b="1" i="1" dirty="0">
-              <a:solidFill>
-                <a:schemeClr val="tx2"/>
-              </a:solidFill>
-            </a:endParaRPr>
-          </a:p>
-        </p:txBody>
-      </p:sp>
-      <p:sp>
-        <p:nvSpPr>
-          <p:cNvPr id="40" name="TextBox 39"/>
-          <p:cNvSpPr txBox="1"/>
-          <p:nvPr/>
-        </p:nvSpPr>
-        <p:spPr>
-          <a:xfrm>
-            <a:off x="5257800" y="3110234"/>
-            <a:ext cx="1497654" cy="307777"/>
-          </a:xfrm>
-          <a:prstGeom prst="rect">
-            <a:avLst/>
-          </a:prstGeom>
-          <a:noFill/>
-        </p:spPr>
-        <p:txBody>
-          <a:bodyPr wrap="none" rtlCol="0">
-            <a:spAutoFit/>
-          </a:bodyPr>
-          <a:lstStyle/>
-          <a:p>
-            <a:r>
-              <a:rPr lang="en-US" sz="1400" b="1" i="1" dirty="0" smtClean="0">
-                <a:solidFill>
-                  <a:schemeClr val="tx2"/>
-                </a:solidFill>
-              </a:rPr>
-              <a:t>Publish </a:t>
-            </a:r>
-            <a:r>
-              <a:rPr lang="en-US" sz="1400" b="1" i="1" dirty="0" smtClean="0">
-                <a:solidFill>
-                  <a:schemeClr val="tx2"/>
-                </a:solidFill>
-              </a:rPr>
-              <a:t>DO/0 true</a:t>
+              <a:t>Publish DO/0 true</a:t>
             </a:r>
             <a:endParaRPr lang="en-US" sz="1400" b="1" i="1" dirty="0">
               <a:solidFill>
@@ -35974,18 +36167,18 @@
     </p:spTree>
     <p:extLst>
       <p:ext uri="{BB962C8B-B14F-4D97-AF65-F5344CB8AC3E}">
-        <p14:creationId xmlns:p14="http://schemas.microsoft.com/office/powerpoint/2010/main" val="1756055055"/>
+        <p14:creationId xmlns:p14="http://schemas.microsoft.com/office/powerpoint/2010/main" xmlns="" val="1756055055"/>
       </p:ext>
     </p:extLst>
   </p:cSld>
   <p:clrMapOvr>
     <a:masterClrMapping/>
   </p:clrMapOvr>
-  <mc:AlternateContent xmlns:mc="http://schemas.openxmlformats.org/markup-compatibility/2006" xmlns:p14="http://schemas.microsoft.com/office/powerpoint/2010/main">
-    <mc:Choice Requires="p14">
+  <mc:AlternateContent xmlns:mc="http://schemas.openxmlformats.org/markup-compatibility/2006">
+    <mc:Choice xmlns:p14="http://schemas.microsoft.com/office/powerpoint/2010/main" xmlns="" Requires="p14">
       <p:transition p14:dur="0"/>
     </mc:Choice>
-    <mc:Fallback xmlns="">
+    <mc:Fallback>
       <p:transition/>
     </mc:Fallback>
   </mc:AlternateContent>
@@ -36075,7 +36268,7 @@
           <a:blip r:embed="rId2">
             <a:extLst>
               <a:ext uri="{28A0092B-C50C-407E-A947-70E740481C1C}">
-                <a14:useLocalDpi xmlns:a14="http://schemas.microsoft.com/office/drawing/2010/main" val="0"/>
+                <a14:useLocalDpi xmlns:a14="http://schemas.microsoft.com/office/drawing/2010/main" xmlns="" val="0"/>
               </a:ext>
             </a:extLst>
           </a:blip>
@@ -36095,7 +36288,7 @@
           <a:noFill/>
           <a:extLst>
             <a:ext uri="{909E8E84-426E-40DD-AFC4-6F175D3DCCD1}">
-              <a14:hiddenFill xmlns:a14="http://schemas.microsoft.com/office/drawing/2010/main">
+              <a14:hiddenFill xmlns:a14="http://schemas.microsoft.com/office/drawing/2010/main" xmlns="">
                 <a:solidFill>
                   <a:srgbClr val="FFFFFF"/>
                 </a:solidFill>
@@ -36309,7 +36502,7 @@
           <a:blip r:embed="rId3" cstate="print">
             <a:extLst>
               <a:ext uri="{28A0092B-C50C-407E-A947-70E740481C1C}">
-                <a14:useLocalDpi xmlns:a14="http://schemas.microsoft.com/office/drawing/2010/main" val="0"/>
+                <a14:useLocalDpi xmlns:a14="http://schemas.microsoft.com/office/drawing/2010/main" xmlns="" val="0"/>
               </a:ext>
             </a:extLst>
           </a:blip>
@@ -36530,18 +36723,18 @@
     </p:spTree>
     <p:extLst>
       <p:ext uri="{BB962C8B-B14F-4D97-AF65-F5344CB8AC3E}">
-        <p14:creationId xmlns:p14="http://schemas.microsoft.com/office/powerpoint/2010/main" val="4009826842"/>
+        <p14:creationId xmlns:p14="http://schemas.microsoft.com/office/powerpoint/2010/main" xmlns="" val="4009826842"/>
       </p:ext>
     </p:extLst>
   </p:cSld>
   <p:clrMapOvr>
     <a:masterClrMapping/>
   </p:clrMapOvr>
-  <mc:AlternateContent xmlns:mc="http://schemas.openxmlformats.org/markup-compatibility/2006" xmlns:p14="http://schemas.microsoft.com/office/powerpoint/2010/main">
-    <mc:Choice Requires="p14">
+  <mc:AlternateContent xmlns:mc="http://schemas.openxmlformats.org/markup-compatibility/2006">
+    <mc:Choice xmlns:p14="http://schemas.microsoft.com/office/powerpoint/2010/main" xmlns="" Requires="p14">
       <p:transition p14:dur="0"/>
     </mc:Choice>
-    <mc:Fallback xmlns="">
+    <mc:Fallback>
       <p:transition/>
     </mc:Fallback>
   </mc:AlternateContent>
@@ -36820,10 +37013,10 @@
           <p:nvPr/>
         </p:nvPicPr>
         <p:blipFill>
-          <a:blip r:embed="rId2">
+          <a:blip r:embed="rId2" cstate="print">
             <a:extLst>
               <a:ext uri="{28A0092B-C50C-407E-A947-70E740481C1C}">
-                <a14:useLocalDpi xmlns:a14="http://schemas.microsoft.com/office/drawing/2010/main" val="0"/>
+                <a14:useLocalDpi xmlns:a14="http://schemas.microsoft.com/office/drawing/2010/main" xmlns="" val="0"/>
               </a:ext>
             </a:extLst>
           </a:blip>
@@ -36858,7 +37051,7 @@
           </a:effectLst>
           <a:extLst>
             <a:ext uri="{909E8E84-426E-40DD-AFC4-6F175D3DCCD1}">
-              <a14:hiddenFill xmlns:a14="http://schemas.microsoft.com/office/drawing/2010/main">
+              <a14:hiddenFill xmlns:a14="http://schemas.microsoft.com/office/drawing/2010/main" xmlns="">
                 <a:solidFill>
                   <a:schemeClr val="accent1"/>
                 </a:solidFill>
@@ -37096,18 +37289,18 @@
     </p:spTree>
     <p:extLst>
       <p:ext uri="{BB962C8B-B14F-4D97-AF65-F5344CB8AC3E}">
-        <p14:creationId xmlns:p14="http://schemas.microsoft.com/office/powerpoint/2010/main" val="1287983296"/>
+        <p14:creationId xmlns:p14="http://schemas.microsoft.com/office/powerpoint/2010/main" xmlns="" val="1287983296"/>
       </p:ext>
     </p:extLst>
   </p:cSld>
   <p:clrMapOvr>
     <a:masterClrMapping/>
   </p:clrMapOvr>
-  <mc:AlternateContent xmlns:mc="http://schemas.openxmlformats.org/markup-compatibility/2006" xmlns:p14="http://schemas.microsoft.com/office/powerpoint/2010/main">
-    <mc:Choice Requires="p14">
+  <mc:AlternateContent xmlns:mc="http://schemas.openxmlformats.org/markup-compatibility/2006">
+    <mc:Choice xmlns:p14="http://schemas.microsoft.com/office/powerpoint/2010/main" xmlns="" Requires="p14">
       <p:transition p14:dur="0"/>
     </mc:Choice>
-    <mc:Fallback xmlns="">
+    <mc:Fallback>
       <p:transition/>
     </mc:Fallback>
   </mc:AlternateContent>
@@ -37204,18 +37397,18 @@
     </p:spTree>
     <p:extLst>
       <p:ext uri="{BB962C8B-B14F-4D97-AF65-F5344CB8AC3E}">
-        <p14:creationId xmlns:p14="http://schemas.microsoft.com/office/powerpoint/2010/main" val="4251222608"/>
+        <p14:creationId xmlns:p14="http://schemas.microsoft.com/office/powerpoint/2010/main" xmlns="" val="4251222608"/>
       </p:ext>
     </p:extLst>
   </p:cSld>
   <p:clrMapOvr>
     <a:masterClrMapping/>
   </p:clrMapOvr>
-  <mc:AlternateContent xmlns:mc="http://schemas.openxmlformats.org/markup-compatibility/2006" xmlns:p14="http://schemas.microsoft.com/office/powerpoint/2010/main">
-    <mc:Choice Requires="p14">
+  <mc:AlternateContent xmlns:mc="http://schemas.openxmlformats.org/markup-compatibility/2006">
+    <mc:Choice xmlns:p14="http://schemas.microsoft.com/office/powerpoint/2010/main" xmlns="" Requires="p14">
       <p:transition p14:dur="0"/>
     </mc:Choice>
-    <mc:Fallback xmlns="">
+    <mc:Fallback>
       <p:transition/>
     </mc:Fallback>
   </mc:AlternateContent>
@@ -37293,10 +37486,10 @@
           <p:nvPr/>
         </p:nvPicPr>
         <p:blipFill>
-          <a:blip r:embed="rId2">
+          <a:blip r:embed="rId2" cstate="print">
             <a:extLst>
               <a:ext uri="{28A0092B-C50C-407E-A947-70E740481C1C}">
-                <a14:useLocalDpi xmlns:a14="http://schemas.microsoft.com/office/drawing/2010/main" val="0"/>
+                <a14:useLocalDpi xmlns:a14="http://schemas.microsoft.com/office/drawing/2010/main" xmlns="" val="0"/>
               </a:ext>
             </a:extLst>
           </a:blip>
@@ -37329,7 +37522,7 @@
           </a:effectLst>
           <a:extLst>
             <a:ext uri="{909E8E84-426E-40DD-AFC4-6F175D3DCCD1}">
-              <a14:hiddenFill xmlns:a14="http://schemas.microsoft.com/office/drawing/2010/main">
+              <a14:hiddenFill xmlns:a14="http://schemas.microsoft.com/office/drawing/2010/main" xmlns="">
                 <a:solidFill>
                   <a:schemeClr val="accent1"/>
                 </a:solidFill>
@@ -37466,18 +37659,18 @@
     </p:spTree>
     <p:extLst>
       <p:ext uri="{BB962C8B-B14F-4D97-AF65-F5344CB8AC3E}">
-        <p14:creationId xmlns:p14="http://schemas.microsoft.com/office/powerpoint/2010/main" val="1746441278"/>
+        <p14:creationId xmlns:p14="http://schemas.microsoft.com/office/powerpoint/2010/main" xmlns="" val="1746441278"/>
       </p:ext>
     </p:extLst>
   </p:cSld>
   <p:clrMapOvr>
     <a:masterClrMapping/>
   </p:clrMapOvr>
-  <mc:AlternateContent xmlns:mc="http://schemas.openxmlformats.org/markup-compatibility/2006" xmlns:p14="http://schemas.microsoft.com/office/powerpoint/2010/main">
-    <mc:Choice Requires="p14">
+  <mc:AlternateContent xmlns:mc="http://schemas.openxmlformats.org/markup-compatibility/2006">
+    <mc:Choice xmlns:p14="http://schemas.microsoft.com/office/powerpoint/2010/main" xmlns="" Requires="p14">
       <p:transition p14:dur="0"/>
     </mc:Choice>
-    <mc:Fallback xmlns="">
+    <mc:Fallback>
       <p:transition/>
     </mc:Fallback>
   </mc:AlternateContent>
@@ -37790,18 +37983,18 @@
     </p:spTree>
     <p:extLst>
       <p:ext uri="{BB962C8B-B14F-4D97-AF65-F5344CB8AC3E}">
-        <p14:creationId xmlns:p14="http://schemas.microsoft.com/office/powerpoint/2010/main" val="474055240"/>
+        <p14:creationId xmlns:p14="http://schemas.microsoft.com/office/powerpoint/2010/main" xmlns="" val="474055240"/>
       </p:ext>
     </p:extLst>
   </p:cSld>
   <p:clrMapOvr>
     <a:masterClrMapping/>
   </p:clrMapOvr>
-  <mc:AlternateContent xmlns:mc="http://schemas.openxmlformats.org/markup-compatibility/2006" xmlns:p14="http://schemas.microsoft.com/office/powerpoint/2010/main">
-    <mc:Choice Requires="p14">
+  <mc:AlternateContent xmlns:mc="http://schemas.openxmlformats.org/markup-compatibility/2006">
+    <mc:Choice xmlns:p14="http://schemas.microsoft.com/office/powerpoint/2010/main" xmlns="" Requires="p14">
       <p:transition p14:dur="0"/>
     </mc:Choice>
-    <mc:Fallback xmlns="">
+    <mc:Fallback>
       <p:transition/>
     </mc:Fallback>
   </mc:AlternateContent>
